--- a/C# Basics.pptx
+++ b/C# Basics.pptx
@@ -8,6 +8,8 @@
     <p:sldId id="256" r:id="rId2"/>
     <p:sldId id="258" r:id="rId3"/>
     <p:sldId id="259" r:id="rId4"/>
+    <p:sldId id="260" r:id="rId5"/>
+    <p:sldId id="261" r:id="rId6"/>
   </p:sldIdLst>
   <p:sldSz cx="12192000" cy="6858000"/>
   <p:notesSz cx="6858000" cy="9144000"/>
@@ -13557,28 +13559,21 @@
                 <a:latin typeface="Arial" panose="020B0604020202020204" pitchFamily="34" charset="0"/>
                 <a:cs typeface="Arial" panose="020B0604020202020204" pitchFamily="34" charset="0"/>
               </a:rPr>
-              <a:t>C# can be used for writing of Console, Desktop, </a:t>
-            </a:r>
-            <a:r>
-              <a:rPr lang="en-US" sz="2000" smtClean="0">
-                <a:latin typeface="Arial" panose="020B0604020202020204" pitchFamily="34" charset="0"/>
-                <a:cs typeface="Arial" panose="020B0604020202020204" pitchFamily="34" charset="0"/>
-              </a:rPr>
-              <a:t>Widows </a:t>
-            </a:r>
-            <a:r>
-              <a:rPr lang="en-US" sz="2000" smtClean="0">
-                <a:latin typeface="Arial" panose="020B0604020202020204" pitchFamily="34" charset="0"/>
-                <a:cs typeface="Arial" panose="020B0604020202020204" pitchFamily="34" charset="0"/>
-              </a:rPr>
-              <a:t>Services, </a:t>
+              <a:t>C# can be used for writing of Console, Desktop, Widows Services, Web </a:t>
             </a:r>
             <a:r>
               <a:rPr lang="en-US" sz="2000" dirty="0" smtClean="0">
                 <a:latin typeface="Arial" panose="020B0604020202020204" pitchFamily="34" charset="0"/>
                 <a:cs typeface="Arial" panose="020B0604020202020204" pitchFamily="34" charset="0"/>
               </a:rPr>
-              <a:t>Web applications, Games and much more.</a:t>
+              <a:t>apps, Mobile apps, Games </a:t>
+            </a:r>
+            <a:r>
+              <a:rPr lang="en-US" sz="2000" dirty="0" smtClean="0">
+                <a:latin typeface="Arial" panose="020B0604020202020204" pitchFamily="34" charset="0"/>
+                <a:cs typeface="Arial" panose="020B0604020202020204" pitchFamily="34" charset="0"/>
+              </a:rPr>
+              <a:t>and much more.</a:t>
             </a:r>
           </a:p>
           <a:p>
@@ -13907,6 +13902,177 @@
       </p:par>
     </p:tnLst>
   </p:timing>
+</p:sld>
+</file>
+
+<file path=ppt/slides/slide4.xml><?xml version="1.0" encoding="utf-8"?>
+<p:sld xmlns:a="http://schemas.openxmlformats.org/drawingml/2006/main" xmlns:r="http://schemas.openxmlformats.org/officeDocument/2006/relationships" xmlns:p="http://schemas.openxmlformats.org/presentationml/2006/main">
+  <p:cSld>
+    <p:spTree>
+      <p:nvGrpSpPr>
+        <p:cNvPr id="1" name=""/>
+        <p:cNvGrpSpPr/>
+        <p:nvPr/>
+      </p:nvGrpSpPr>
+      <p:grpSpPr>
+        <a:xfrm>
+          <a:off x="0" y="0"/>
+          <a:ext cx="0" cy="0"/>
+          <a:chOff x="0" y="0"/>
+          <a:chExt cx="0" cy="0"/>
+        </a:xfrm>
+      </p:grpSpPr>
+      <p:sp>
+        <p:nvSpPr>
+          <p:cNvPr id="2" name="Title 1"/>
+          <p:cNvSpPr>
+            <a:spLocks noGrp="1"/>
+          </p:cNvSpPr>
+          <p:nvPr>
+            <p:ph type="title"/>
+          </p:nvPr>
+        </p:nvSpPr>
+        <p:spPr>
+          <a:xfrm>
+            <a:off x="1599405" y="693748"/>
+            <a:ext cx="8761413" cy="1172373"/>
+          </a:xfrm>
+        </p:spPr>
+        <p:txBody>
+          <a:bodyPr/>
+          <a:lstStyle/>
+          <a:p>
+            <a:pPr algn="ctr"/>
+            <a:r>
+              <a:rPr lang="en-US" dirty="0" smtClean="0"/>
+              <a:t>C# is object oriented programming language</a:t>
+            </a:r>
+            <a:endParaRPr lang="en-US" dirty="0"/>
+          </a:p>
+        </p:txBody>
+      </p:sp>
+      <p:pic>
+        <p:nvPicPr>
+          <p:cNvPr id="9" name="Content Placeholder 8"/>
+          <p:cNvPicPr>
+            <a:picLocks noGrp="1" noChangeAspect="1"/>
+          </p:cNvPicPr>
+          <p:nvPr>
+            <p:ph sz="half" idx="2"/>
+          </p:nvPr>
+        </p:nvPicPr>
+        <p:blipFill>
+          <a:blip r:embed="rId2">
+            <a:extLst>
+              <a:ext uri="{28A0092B-C50C-407E-A947-70E740481C1C}">
+                <a14:useLocalDpi xmlns:a14="http://schemas.microsoft.com/office/drawing/2010/main" val="0"/>
+              </a:ext>
+            </a:extLst>
+          </a:blip>
+          <a:stretch>
+            <a:fillRect/>
+          </a:stretch>
+        </p:blipFill>
+        <p:spPr>
+          <a:xfrm>
+            <a:off x="2873829" y="2478887"/>
+            <a:ext cx="6377149" cy="4006586"/>
+          </a:xfrm>
+        </p:spPr>
+      </p:pic>
+    </p:spTree>
+    <p:extLst>
+      <p:ext uri="{BB962C8B-B14F-4D97-AF65-F5344CB8AC3E}">
+        <p14:creationId xmlns:p14="http://schemas.microsoft.com/office/powerpoint/2010/main" val="3952090778"/>
+      </p:ext>
+    </p:extLst>
+  </p:cSld>
+  <p:clrMapOvr>
+    <a:masterClrMapping/>
+  </p:clrMapOvr>
+</p:sld>
+</file>
+
+<file path=ppt/slides/slide5.xml><?xml version="1.0" encoding="utf-8"?>
+<p:sld xmlns:a="http://schemas.openxmlformats.org/drawingml/2006/main" xmlns:r="http://schemas.openxmlformats.org/officeDocument/2006/relationships" xmlns:p="http://schemas.openxmlformats.org/presentationml/2006/main">
+  <p:cSld>
+    <p:spTree>
+      <p:nvGrpSpPr>
+        <p:cNvPr id="1" name=""/>
+        <p:cNvGrpSpPr/>
+        <p:nvPr/>
+      </p:nvGrpSpPr>
+      <p:grpSpPr>
+        <a:xfrm>
+          <a:off x="0" y="0"/>
+          <a:ext cx="0" cy="0"/>
+          <a:chOff x="0" y="0"/>
+          <a:chExt cx="0" cy="0"/>
+        </a:xfrm>
+      </p:grpSpPr>
+      <p:sp>
+        <p:nvSpPr>
+          <p:cNvPr id="2" name="Title 1"/>
+          <p:cNvSpPr>
+            <a:spLocks noGrp="1"/>
+          </p:cNvSpPr>
+          <p:nvPr>
+            <p:ph type="title"/>
+          </p:nvPr>
+        </p:nvSpPr>
+        <p:spPr/>
+        <p:txBody>
+          <a:bodyPr/>
+          <a:lstStyle/>
+          <a:p>
+            <a:pPr algn="ctr"/>
+            <a:r>
+              <a:rPr lang="en-US" dirty="0" smtClean="0"/>
+              <a:t>.NET platform /whole new world/</a:t>
+            </a:r>
+            <a:endParaRPr lang="en-US" dirty="0"/>
+          </a:p>
+        </p:txBody>
+      </p:sp>
+      <p:pic>
+        <p:nvPicPr>
+          <p:cNvPr id="4" name="Content Placeholder 3"/>
+          <p:cNvPicPr>
+            <a:picLocks noGrp="1" noChangeAspect="1"/>
+          </p:cNvPicPr>
+          <p:nvPr>
+            <p:ph idx="1"/>
+          </p:nvPr>
+        </p:nvPicPr>
+        <p:blipFill>
+          <a:blip r:embed="rId2">
+            <a:extLst>
+              <a:ext uri="{28A0092B-C50C-407E-A947-70E740481C1C}">
+                <a14:useLocalDpi xmlns:a14="http://schemas.microsoft.com/office/drawing/2010/main" val="0"/>
+              </a:ext>
+            </a:extLst>
+          </a:blip>
+          <a:stretch>
+            <a:fillRect/>
+          </a:stretch>
+        </p:blipFill>
+        <p:spPr>
+          <a:xfrm>
+            <a:off x="1997526" y="2323581"/>
+            <a:ext cx="7918841" cy="4454348"/>
+          </a:xfrm>
+        </p:spPr>
+      </p:pic>
+    </p:spTree>
+    <p:extLst>
+      <p:ext uri="{BB962C8B-B14F-4D97-AF65-F5344CB8AC3E}">
+        <p14:creationId xmlns:p14="http://schemas.microsoft.com/office/powerpoint/2010/main" val="152368737"/>
+      </p:ext>
+    </p:extLst>
+  </p:cSld>
+  <p:clrMapOvr>
+    <a:masterClrMapping/>
+  </p:clrMapOvr>
 </p:sld>
 </file>
 

--- a/C# Basics.pptx
+++ b/C# Basics.pptx
@@ -9,7 +9,13 @@
     <p:sldId id="258" r:id="rId3"/>
     <p:sldId id="259" r:id="rId4"/>
     <p:sldId id="260" r:id="rId5"/>
-    <p:sldId id="261" r:id="rId6"/>
+    <p:sldId id="262" r:id="rId6"/>
+    <p:sldId id="261" r:id="rId7"/>
+    <p:sldId id="263" r:id="rId8"/>
+    <p:sldId id="264" r:id="rId9"/>
+    <p:sldId id="265" r:id="rId10"/>
+    <p:sldId id="266" r:id="rId11"/>
+    <p:sldId id="267" r:id="rId12"/>
   </p:sldIdLst>
   <p:sldSz cx="12192000" cy="6858000"/>
   <p:notesSz cx="6858000" cy="9144000"/>
@@ -13382,6 +13388,493 @@
 </p:sld>
 </file>
 
+<file path=ppt/slides/slide10.xml><?xml version="1.0" encoding="utf-8"?>
+<p:sld xmlns:a="http://schemas.openxmlformats.org/drawingml/2006/main" xmlns:r="http://schemas.openxmlformats.org/officeDocument/2006/relationships" xmlns:p="http://schemas.openxmlformats.org/presentationml/2006/main">
+  <p:cSld>
+    <p:spTree>
+      <p:nvGrpSpPr>
+        <p:cNvPr id="1" name=""/>
+        <p:cNvGrpSpPr/>
+        <p:nvPr/>
+      </p:nvGrpSpPr>
+      <p:grpSpPr>
+        <a:xfrm>
+          <a:off x="0" y="0"/>
+          <a:ext cx="0" cy="0"/>
+          <a:chOff x="0" y="0"/>
+          <a:chExt cx="0" cy="0"/>
+        </a:xfrm>
+      </p:grpSpPr>
+      <p:sp>
+        <p:nvSpPr>
+          <p:cNvPr id="2" name="Title 1"/>
+          <p:cNvSpPr>
+            <a:spLocks noGrp="1"/>
+          </p:cNvSpPr>
+          <p:nvPr>
+            <p:ph type="title"/>
+          </p:nvPr>
+        </p:nvSpPr>
+        <p:spPr/>
+        <p:txBody>
+          <a:bodyPr/>
+          <a:lstStyle/>
+          <a:p>
+            <a:pPr algn="ctr"/>
+            <a:r>
+              <a:rPr lang="en-US" dirty="0" smtClean="0">
+                <a:latin typeface="Arial" panose="020B0604020202020204" pitchFamily="34" charset="0"/>
+                <a:cs typeface="Arial" panose="020B0604020202020204" pitchFamily="34" charset="0"/>
+              </a:rPr>
+              <a:t>What is an IDE?</a:t>
+            </a:r>
+            <a:endParaRPr lang="en-US" dirty="0">
+              <a:latin typeface="Arial" panose="020B0604020202020204" pitchFamily="34" charset="0"/>
+              <a:cs typeface="Arial" panose="020B0604020202020204" pitchFamily="34" charset="0"/>
+            </a:endParaRPr>
+          </a:p>
+        </p:txBody>
+      </p:sp>
+      <p:sp>
+        <p:nvSpPr>
+          <p:cNvPr id="7" name="Content Placeholder 3"/>
+          <p:cNvSpPr>
+            <a:spLocks noGrp="1"/>
+          </p:cNvSpPr>
+          <p:nvPr>
+            <p:ph sz="half" idx="2"/>
+          </p:nvPr>
+        </p:nvSpPr>
+        <p:spPr>
+          <a:xfrm>
+            <a:off x="6196902" y="2327563"/>
+            <a:ext cx="4535753" cy="4054763"/>
+          </a:xfrm>
+        </p:spPr>
+        <p:txBody>
+          <a:bodyPr>
+            <a:normAutofit/>
+          </a:bodyPr>
+          <a:lstStyle/>
+          <a:p>
+            <a:pPr marL="0" indent="0">
+              <a:buNone/>
+            </a:pPr>
+            <a:endParaRPr lang="en-US" sz="1600" dirty="0">
+              <a:latin typeface="Arial" panose="020B0604020202020204" pitchFamily="34" charset="0"/>
+              <a:cs typeface="Arial" panose="020B0604020202020204" pitchFamily="34" charset="0"/>
+            </a:endParaRPr>
+          </a:p>
+          <a:p>
+            <a:endParaRPr lang="en-US" sz="1600" dirty="0">
+              <a:latin typeface="Arial" panose="020B0604020202020204" pitchFamily="34" charset="0"/>
+              <a:cs typeface="Arial" panose="020B0604020202020204" pitchFamily="34" charset="0"/>
+            </a:endParaRPr>
+          </a:p>
+          <a:p>
+            <a:endParaRPr lang="en-US" sz="1600" dirty="0">
+              <a:latin typeface="Arial" panose="020B0604020202020204" pitchFamily="34" charset="0"/>
+              <a:cs typeface="Arial" panose="020B0604020202020204" pitchFamily="34" charset="0"/>
+            </a:endParaRPr>
+          </a:p>
+          <a:p>
+            <a:endParaRPr lang="en-US" dirty="0">
+              <a:latin typeface="Arial" panose="020B0604020202020204" pitchFamily="34" charset="0"/>
+              <a:cs typeface="Arial" panose="020B0604020202020204" pitchFamily="34" charset="0"/>
+            </a:endParaRPr>
+          </a:p>
+          <a:p>
+            <a:endParaRPr lang="en-US" dirty="0">
+              <a:latin typeface="Arial" panose="020B0604020202020204" pitchFamily="34" charset="0"/>
+              <a:cs typeface="Arial" panose="020B0604020202020204" pitchFamily="34" charset="0"/>
+            </a:endParaRPr>
+          </a:p>
+          <a:p>
+            <a:endParaRPr lang="en-US" dirty="0">
+              <a:latin typeface="Arial" panose="020B0604020202020204" pitchFamily="34" charset="0"/>
+              <a:cs typeface="Arial" panose="020B0604020202020204" pitchFamily="34" charset="0"/>
+            </a:endParaRPr>
+          </a:p>
+          <a:p>
+            <a:endParaRPr lang="en-US" dirty="0">
+              <a:latin typeface="Arial" panose="020B0604020202020204" pitchFamily="34" charset="0"/>
+              <a:cs typeface="Arial" panose="020B0604020202020204" pitchFamily="34" charset="0"/>
+            </a:endParaRPr>
+          </a:p>
+          <a:p>
+            <a:endParaRPr lang="en-US" dirty="0"/>
+          </a:p>
+          <a:p>
+            <a:endParaRPr lang="en-US" dirty="0"/>
+          </a:p>
+        </p:txBody>
+      </p:sp>
+      <p:sp>
+        <p:nvSpPr>
+          <p:cNvPr id="4" name="Content Placeholder 3"/>
+          <p:cNvSpPr>
+            <a:spLocks noGrp="1"/>
+          </p:cNvSpPr>
+          <p:nvPr>
+            <p:ph sz="half" idx="2"/>
+          </p:nvPr>
+        </p:nvSpPr>
+        <p:spPr>
+          <a:xfrm>
+            <a:off x="733039" y="2417137"/>
+            <a:ext cx="10927726" cy="2490765"/>
+          </a:xfrm>
+        </p:spPr>
+        <p:txBody>
+          <a:bodyPr>
+            <a:normAutofit/>
+          </a:bodyPr>
+          <a:lstStyle/>
+          <a:p>
+            <a:r>
+              <a:rPr lang="en-US" sz="2000" b="1" dirty="0" smtClean="0">
+                <a:latin typeface="Arial" panose="020B0604020202020204" pitchFamily="34" charset="0"/>
+                <a:cs typeface="Arial" panose="020B0604020202020204" pitchFamily="34" charset="0"/>
+              </a:rPr>
+              <a:t>IDE</a:t>
+            </a:r>
+            <a:r>
+              <a:rPr lang="en-US" sz="2000" dirty="0" smtClean="0">
+                <a:latin typeface="Arial" panose="020B0604020202020204" pitchFamily="34" charset="0"/>
+                <a:cs typeface="Arial" panose="020B0604020202020204" pitchFamily="34" charset="0"/>
+              </a:rPr>
+              <a:t> - </a:t>
+            </a:r>
+            <a:r>
+              <a:rPr lang="en-US" sz="2000" b="1" dirty="0" smtClean="0">
+                <a:latin typeface="Arial" panose="020B0604020202020204" pitchFamily="34" charset="0"/>
+                <a:cs typeface="Arial" panose="020B0604020202020204" pitchFamily="34" charset="0"/>
+              </a:rPr>
+              <a:t>Integrated Development Environment</a:t>
+            </a:r>
+            <a:r>
+              <a:rPr lang="en-US" sz="2000" dirty="0" smtClean="0">
+                <a:latin typeface="Arial" panose="020B0604020202020204" pitchFamily="34" charset="0"/>
+                <a:cs typeface="Arial" panose="020B0604020202020204" pitchFamily="34" charset="0"/>
+              </a:rPr>
+              <a:t> is software that helps us to write/debug/run our source more easily and to create our final programs in better way.</a:t>
+            </a:r>
+          </a:p>
+          <a:p>
+            <a:r>
+              <a:rPr lang="en-US" sz="2000" dirty="0" smtClean="0">
+                <a:latin typeface="Arial" panose="020B0604020202020204" pitchFamily="34" charset="0"/>
+                <a:cs typeface="Arial" panose="020B0604020202020204" pitchFamily="34" charset="0"/>
+              </a:rPr>
+              <a:t>An IDE typically consists of:</a:t>
+            </a:r>
+          </a:p>
+          <a:p>
+            <a:pPr lvl="1"/>
+            <a:r>
+              <a:rPr lang="en-US" sz="1800" dirty="0" smtClean="0">
+                <a:latin typeface="Arial" panose="020B0604020202020204" pitchFamily="34" charset="0"/>
+                <a:cs typeface="Arial" panose="020B0604020202020204" pitchFamily="34" charset="0"/>
+              </a:rPr>
+              <a:t>Source Code Editor</a:t>
+            </a:r>
+          </a:p>
+          <a:p>
+            <a:pPr lvl="1"/>
+            <a:r>
+              <a:rPr lang="en-US" sz="1800" dirty="0" smtClean="0">
+                <a:latin typeface="Arial" panose="020B0604020202020204" pitchFamily="34" charset="0"/>
+                <a:cs typeface="Arial" panose="020B0604020202020204" pitchFamily="34" charset="0"/>
+              </a:rPr>
+              <a:t>Local Build Automation</a:t>
+            </a:r>
+          </a:p>
+          <a:p>
+            <a:pPr lvl="1"/>
+            <a:r>
+              <a:rPr lang="en-US" sz="1800" dirty="0" smtClean="0">
+                <a:latin typeface="Arial" panose="020B0604020202020204" pitchFamily="34" charset="0"/>
+                <a:cs typeface="Arial" panose="020B0604020202020204" pitchFamily="34" charset="0"/>
+              </a:rPr>
+              <a:t>Debugger</a:t>
+            </a:r>
+          </a:p>
+          <a:p>
+            <a:pPr marL="0" indent="0">
+              <a:buNone/>
+            </a:pPr>
+            <a:endParaRPr lang="en-US" sz="2000" dirty="0" smtClean="0">
+              <a:latin typeface="Arial" panose="020B0604020202020204" pitchFamily="34" charset="0"/>
+              <a:cs typeface="Arial" panose="020B0604020202020204" pitchFamily="34" charset="0"/>
+            </a:endParaRPr>
+          </a:p>
+          <a:p>
+            <a:endParaRPr lang="en-US" sz="2000" dirty="0">
+              <a:latin typeface="Arial" panose="020B0604020202020204" pitchFamily="34" charset="0"/>
+              <a:cs typeface="Arial" panose="020B0604020202020204" pitchFamily="34" charset="0"/>
+            </a:endParaRPr>
+          </a:p>
+          <a:p>
+            <a:endParaRPr lang="en-US" sz="2000" dirty="0">
+              <a:latin typeface="Arial" panose="020B0604020202020204" pitchFamily="34" charset="0"/>
+              <a:cs typeface="Arial" panose="020B0604020202020204" pitchFamily="34" charset="0"/>
+            </a:endParaRPr>
+          </a:p>
+          <a:p>
+            <a:pPr marL="0" indent="0">
+              <a:buNone/>
+            </a:pPr>
+            <a:endParaRPr lang="en-US" sz="1600" dirty="0">
+              <a:latin typeface="Arial" panose="020B0604020202020204" pitchFamily="34" charset="0"/>
+              <a:cs typeface="Arial" panose="020B0604020202020204" pitchFamily="34" charset="0"/>
+            </a:endParaRPr>
+          </a:p>
+          <a:p>
+            <a:pPr marL="0" indent="0">
+              <a:buNone/>
+            </a:pPr>
+            <a:endParaRPr lang="en-US" sz="1600" dirty="0">
+              <a:latin typeface="Arial" panose="020B0604020202020204" pitchFamily="34" charset="0"/>
+              <a:cs typeface="Arial" panose="020B0604020202020204" pitchFamily="34" charset="0"/>
+            </a:endParaRPr>
+          </a:p>
+          <a:p>
+            <a:endParaRPr lang="en-US" sz="1600" dirty="0">
+              <a:latin typeface="Arial" panose="020B0604020202020204" pitchFamily="34" charset="0"/>
+              <a:cs typeface="Arial" panose="020B0604020202020204" pitchFamily="34" charset="0"/>
+            </a:endParaRPr>
+          </a:p>
+          <a:p>
+            <a:endParaRPr lang="en-US" dirty="0">
+              <a:latin typeface="Arial" panose="020B0604020202020204" pitchFamily="34" charset="0"/>
+              <a:cs typeface="Arial" panose="020B0604020202020204" pitchFamily="34" charset="0"/>
+            </a:endParaRPr>
+          </a:p>
+          <a:p>
+            <a:endParaRPr lang="en-US" dirty="0">
+              <a:latin typeface="Arial" panose="020B0604020202020204" pitchFamily="34" charset="0"/>
+              <a:cs typeface="Arial" panose="020B0604020202020204" pitchFamily="34" charset="0"/>
+            </a:endParaRPr>
+          </a:p>
+          <a:p>
+            <a:endParaRPr lang="en-US" dirty="0">
+              <a:latin typeface="Arial" panose="020B0604020202020204" pitchFamily="34" charset="0"/>
+              <a:cs typeface="Arial" panose="020B0604020202020204" pitchFamily="34" charset="0"/>
+            </a:endParaRPr>
+          </a:p>
+          <a:p>
+            <a:endParaRPr lang="en-US" dirty="0">
+              <a:latin typeface="Arial" panose="020B0604020202020204" pitchFamily="34" charset="0"/>
+              <a:cs typeface="Arial" panose="020B0604020202020204" pitchFamily="34" charset="0"/>
+            </a:endParaRPr>
+          </a:p>
+          <a:p>
+            <a:endParaRPr lang="en-US" dirty="0"/>
+          </a:p>
+          <a:p>
+            <a:endParaRPr lang="en-US" dirty="0"/>
+          </a:p>
+        </p:txBody>
+      </p:sp>
+      <p:pic>
+        <p:nvPicPr>
+          <p:cNvPr id="3" name="Picture 2"/>
+          <p:cNvPicPr>
+            <a:picLocks noChangeAspect="1"/>
+          </p:cNvPicPr>
+          <p:nvPr/>
+        </p:nvPicPr>
+        <p:blipFill>
+          <a:blip r:embed="rId2">
+            <a:extLst>
+              <a:ext uri="{28A0092B-C50C-407E-A947-70E740481C1C}">
+                <a14:useLocalDpi xmlns:a14="http://schemas.microsoft.com/office/drawing/2010/main" val="0"/>
+              </a:ext>
+            </a:extLst>
+          </a:blip>
+          <a:stretch>
+            <a:fillRect/>
+          </a:stretch>
+        </p:blipFill>
+        <p:spPr>
+          <a:xfrm>
+            <a:off x="3993900" y="3662519"/>
+            <a:ext cx="8073458" cy="2538535"/>
+          </a:xfrm>
+          <a:prstGeom prst="rect">
+            <a:avLst/>
+          </a:prstGeom>
+        </p:spPr>
+      </p:pic>
+    </p:spTree>
+    <p:extLst>
+      <p:ext uri="{BB962C8B-B14F-4D97-AF65-F5344CB8AC3E}">
+        <p14:creationId xmlns:p14="http://schemas.microsoft.com/office/powerpoint/2010/main" val="2469575539"/>
+      </p:ext>
+    </p:extLst>
+  </p:cSld>
+  <p:clrMapOvr>
+    <a:masterClrMapping/>
+  </p:clrMapOvr>
+  <p:timing>
+    <p:tnLst>
+      <p:par>
+        <p:cTn id="1" dur="indefinite" restart="never" nodeType="tmRoot"/>
+      </p:par>
+    </p:tnLst>
+  </p:timing>
+</p:sld>
+</file>
+
+<file path=ppt/slides/slide11.xml><?xml version="1.0" encoding="utf-8"?>
+<p:sld xmlns:a="http://schemas.openxmlformats.org/drawingml/2006/main" xmlns:r="http://schemas.openxmlformats.org/officeDocument/2006/relationships" xmlns:p="http://schemas.openxmlformats.org/presentationml/2006/main">
+  <p:cSld>
+    <p:spTree>
+      <p:nvGrpSpPr>
+        <p:cNvPr id="1" name=""/>
+        <p:cNvGrpSpPr/>
+        <p:nvPr/>
+      </p:nvGrpSpPr>
+      <p:grpSpPr>
+        <a:xfrm>
+          <a:off x="0" y="0"/>
+          <a:ext cx="0" cy="0"/>
+          <a:chOff x="0" y="0"/>
+          <a:chExt cx="0" cy="0"/>
+        </a:xfrm>
+      </p:grpSpPr>
+      <p:sp>
+        <p:nvSpPr>
+          <p:cNvPr id="2" name="Title 1"/>
+          <p:cNvSpPr>
+            <a:spLocks noGrp="1"/>
+          </p:cNvSpPr>
+          <p:nvPr>
+            <p:ph type="title"/>
+          </p:nvPr>
+        </p:nvSpPr>
+        <p:spPr/>
+        <p:txBody>
+          <a:bodyPr/>
+          <a:lstStyle/>
+          <a:p>
+            <a:pPr algn="ctr"/>
+            <a:r>
+              <a:rPr lang="en-US" dirty="0" smtClean="0">
+                <a:latin typeface="Arial" panose="020B0604020202020204" pitchFamily="34" charset="0"/>
+                <a:cs typeface="Arial" panose="020B0604020202020204" pitchFamily="34" charset="0"/>
+              </a:rPr>
+              <a:t>What is compiler?</a:t>
+            </a:r>
+            <a:endParaRPr lang="en-US" dirty="0">
+              <a:latin typeface="Arial" panose="020B0604020202020204" pitchFamily="34" charset="0"/>
+              <a:cs typeface="Arial" panose="020B0604020202020204" pitchFamily="34" charset="0"/>
+            </a:endParaRPr>
+          </a:p>
+        </p:txBody>
+      </p:sp>
+      <p:sp>
+        <p:nvSpPr>
+          <p:cNvPr id="3" name="Content Placeholder 2"/>
+          <p:cNvSpPr>
+            <a:spLocks noGrp="1"/>
+          </p:cNvSpPr>
+          <p:nvPr>
+            <p:ph idx="1"/>
+          </p:nvPr>
+        </p:nvSpPr>
+        <p:spPr>
+          <a:xfrm>
+            <a:off x="1546839" y="2603499"/>
+            <a:ext cx="8825659" cy="4021235"/>
+          </a:xfrm>
+        </p:spPr>
+        <p:txBody>
+          <a:bodyPr/>
+          <a:lstStyle/>
+          <a:p>
+            <a:r>
+              <a:rPr lang="en-US" dirty="0"/>
+              <a:t>A compiler is a special program that translates a programming language's </a:t>
+            </a:r>
+            <a:r>
+              <a:rPr lang="en-US" dirty="0" smtClean="0"/>
+              <a:t>source code into </a:t>
+            </a:r>
+            <a:r>
+              <a:rPr lang="en-US" dirty="0"/>
+              <a:t>machine code, bytecode or another programming language. The source code is typically written in a high-level, human-readable language such as </a:t>
+            </a:r>
+            <a:r>
+              <a:rPr lang="en-US" b="1" dirty="0" smtClean="0"/>
+              <a:t>C#</a:t>
+            </a:r>
+            <a:r>
+              <a:rPr lang="en-US" dirty="0" smtClean="0"/>
+              <a:t>, </a:t>
+            </a:r>
+            <a:r>
+              <a:rPr lang="en-US" b="1" dirty="0" smtClean="0"/>
+              <a:t>Java, C++, etc</a:t>
+            </a:r>
+            <a:r>
+              <a:rPr lang="en-US" dirty="0" smtClean="0"/>
+              <a:t>.</a:t>
+            </a:r>
+            <a:endParaRPr lang="en-US" dirty="0"/>
+          </a:p>
+        </p:txBody>
+      </p:sp>
+      <p:pic>
+        <p:nvPicPr>
+          <p:cNvPr id="5" name="Picture 4"/>
+          <p:cNvPicPr>
+            <a:picLocks noChangeAspect="1"/>
+          </p:cNvPicPr>
+          <p:nvPr/>
+        </p:nvPicPr>
+        <p:blipFill>
+          <a:blip r:embed="rId2">
+            <a:extLst>
+              <a:ext uri="{28A0092B-C50C-407E-A947-70E740481C1C}">
+                <a14:useLocalDpi xmlns:a14="http://schemas.microsoft.com/office/drawing/2010/main" val="0"/>
+              </a:ext>
+            </a:extLst>
+          </a:blip>
+          <a:stretch>
+            <a:fillRect/>
+          </a:stretch>
+        </p:blipFill>
+        <p:spPr>
+          <a:xfrm>
+            <a:off x="1905842" y="3948209"/>
+            <a:ext cx="8010525" cy="2676525"/>
+          </a:xfrm>
+          <a:prstGeom prst="rect">
+            <a:avLst/>
+          </a:prstGeom>
+        </p:spPr>
+      </p:pic>
+    </p:spTree>
+    <p:extLst>
+      <p:ext uri="{BB962C8B-B14F-4D97-AF65-F5344CB8AC3E}">
+        <p14:creationId xmlns:p14="http://schemas.microsoft.com/office/powerpoint/2010/main" val="525679394"/>
+      </p:ext>
+    </p:extLst>
+  </p:cSld>
+  <p:clrMapOvr>
+    <a:masterClrMapping/>
+  </p:clrMapOvr>
+  <p:timing>
+    <p:tnLst>
+      <p:par>
+        <p:cTn id="1" dur="indefinite" restart="never" nodeType="tmRoot"/>
+      </p:par>
+    </p:tnLst>
+  </p:timing>
+</p:sld>
+</file>
+
 <file path=ppt/slides/slide2.xml><?xml version="1.0" encoding="utf-8"?>
 <p:sld xmlns:a="http://schemas.openxmlformats.org/drawingml/2006/main" xmlns:r="http://schemas.openxmlformats.org/officeDocument/2006/relationships" xmlns:p="http://schemas.openxmlformats.org/presentationml/2006/main">
   <p:cSld>
@@ -13415,10 +13908,23 @@
           <a:lstStyle/>
           <a:p>
             <a:r>
-              <a:rPr lang="en-US" dirty="0" smtClean="0"/>
-              <a:t>Introduction to C#</a:t>
-            </a:r>
-            <a:endParaRPr lang="en-US" dirty="0"/>
+              <a:rPr lang="en-US" dirty="0" smtClean="0">
+                <a:latin typeface="Arial" panose="020B0604020202020204" pitchFamily="34" charset="0"/>
+                <a:cs typeface="Arial" panose="020B0604020202020204" pitchFamily="34" charset="0"/>
+              </a:rPr>
+              <a:t>Introduction to C</a:t>
+            </a:r>
+            <a:r>
+              <a:rPr lang="en-US" dirty="0" smtClean="0">
+                <a:latin typeface="Arial" panose="020B0604020202020204" pitchFamily="34" charset="0"/>
+                <a:cs typeface="Arial" panose="020B0604020202020204" pitchFamily="34" charset="0"/>
+              </a:rPr>
+              <a:t># and .NET</a:t>
+            </a:r>
+            <a:endParaRPr lang="en-US" dirty="0">
+              <a:latin typeface="Arial" panose="020B0604020202020204" pitchFamily="34" charset="0"/>
+              <a:cs typeface="Arial" panose="020B0604020202020204" pitchFamily="34" charset="0"/>
+            </a:endParaRPr>
           </a:p>
         </p:txBody>
       </p:sp>
@@ -13550,31 +14056,39 @@
                 <a:latin typeface="Arial" panose="020B0604020202020204" pitchFamily="34" charset="0"/>
                 <a:cs typeface="Arial" panose="020B0604020202020204" pitchFamily="34" charset="0"/>
               </a:rPr>
-              <a:t>C# is used on .NET platform</a:t>
-            </a:r>
-          </a:p>
-          <a:p>
+              <a:t>C# is used on .NET </a:t>
+            </a:r>
             <a:r>
               <a:rPr lang="en-US" sz="2000" dirty="0" smtClean="0">
                 <a:latin typeface="Arial" panose="020B0604020202020204" pitchFamily="34" charset="0"/>
                 <a:cs typeface="Arial" panose="020B0604020202020204" pitchFamily="34" charset="0"/>
               </a:rPr>
-              <a:t>C# can be used for writing of Console, Desktop, Widows Services, Web </a:t>
-            </a:r>
+              <a:t>platform /.NET 6 is the latest version/</a:t>
+            </a:r>
+            <a:endParaRPr lang="en-US" sz="2000" dirty="0" smtClean="0">
+              <a:latin typeface="Arial" panose="020B0604020202020204" pitchFamily="34" charset="0"/>
+              <a:cs typeface="Arial" panose="020B0604020202020204" pitchFamily="34" charset="0"/>
+            </a:endParaRPr>
+          </a:p>
+          <a:p>
             <a:r>
               <a:rPr lang="en-US" sz="2000" dirty="0" smtClean="0">
                 <a:latin typeface="Arial" panose="020B0604020202020204" pitchFamily="34" charset="0"/>
                 <a:cs typeface="Arial" panose="020B0604020202020204" pitchFamily="34" charset="0"/>
               </a:rPr>
-              <a:t>apps, Mobile apps, Games </a:t>
+              <a:t>C# can be used for writing of Console, Desktop, Widows Services, Web apps, Mobile apps, </a:t>
             </a:r>
             <a:r>
               <a:rPr lang="en-US" sz="2000" dirty="0" smtClean="0">
                 <a:latin typeface="Arial" panose="020B0604020202020204" pitchFamily="34" charset="0"/>
                 <a:cs typeface="Arial" panose="020B0604020202020204" pitchFamily="34" charset="0"/>
               </a:rPr>
-              <a:t>and much more.</a:t>
-            </a:r>
+              <a:t>Games and many more.</a:t>
+            </a:r>
+            <a:endParaRPr lang="en-US" sz="2000" dirty="0" smtClean="0">
+              <a:latin typeface="Arial" panose="020B0604020202020204" pitchFamily="34" charset="0"/>
+              <a:cs typeface="Arial" panose="020B0604020202020204" pitchFamily="34" charset="0"/>
+            </a:endParaRPr>
           </a:p>
           <a:p>
             <a:r>
@@ -13826,6 +14340,8 @@
                 <a:solidFill>
                   <a:schemeClr val="bg1"/>
                 </a:solidFill>
+                <a:latin typeface="Arial" panose="020B0604020202020204" pitchFamily="34" charset="0"/>
+                <a:cs typeface="Arial" panose="020B0604020202020204" pitchFamily="34" charset="0"/>
               </a:rPr>
               <a:t>Danish software engineer who co-designed several programming languages and development tools. He is the original author of </a:t>
             </a:r>
@@ -13834,6 +14350,8 @@
                 <a:solidFill>
                   <a:srgbClr val="FFFF00"/>
                 </a:solidFill>
+                <a:latin typeface="Arial" panose="020B0604020202020204" pitchFamily="34" charset="0"/>
+                <a:cs typeface="Arial" panose="020B0604020202020204" pitchFamily="34" charset="0"/>
               </a:rPr>
               <a:t>Turbo Pascal</a:t>
             </a:r>
@@ -13842,6 +14360,8 @@
                 <a:solidFill>
                   <a:schemeClr val="bg1"/>
                 </a:solidFill>
+                <a:latin typeface="Arial" panose="020B0604020202020204" pitchFamily="34" charset="0"/>
+                <a:cs typeface="Arial" panose="020B0604020202020204" pitchFamily="34" charset="0"/>
               </a:rPr>
               <a:t> and co-chief of </a:t>
             </a:r>
@@ -13850,6 +14370,8 @@
                 <a:solidFill>
                   <a:srgbClr val="FFFF00"/>
                 </a:solidFill>
+                <a:latin typeface="Arial" panose="020B0604020202020204" pitchFamily="34" charset="0"/>
+                <a:cs typeface="Arial" panose="020B0604020202020204" pitchFamily="34" charset="0"/>
               </a:rPr>
               <a:t>Delphi</a:t>
             </a:r>
@@ -13858,6 +14380,8 @@
                 <a:solidFill>
                   <a:schemeClr val="bg1"/>
                 </a:solidFill>
+                <a:latin typeface="Arial" panose="020B0604020202020204" pitchFamily="34" charset="0"/>
+                <a:cs typeface="Arial" panose="020B0604020202020204" pitchFamily="34" charset="0"/>
               </a:rPr>
               <a:t>. Currently works in Microsoft as a lead architect and core developer of </a:t>
             </a:r>
@@ -13866,6 +14390,8 @@
                 <a:solidFill>
                   <a:srgbClr val="FFFF00"/>
                 </a:solidFill>
+                <a:latin typeface="Arial" panose="020B0604020202020204" pitchFamily="34" charset="0"/>
+                <a:cs typeface="Arial" panose="020B0604020202020204" pitchFamily="34" charset="0"/>
               </a:rPr>
               <a:t>TypeScript</a:t>
             </a:r>
@@ -13874,6 +14400,8 @@
                 <a:solidFill>
                   <a:schemeClr val="bg1"/>
                 </a:solidFill>
+                <a:latin typeface="Arial" panose="020B0604020202020204" pitchFamily="34" charset="0"/>
+                <a:cs typeface="Arial" panose="020B0604020202020204" pitchFamily="34" charset="0"/>
               </a:rPr>
               <a:t>.</a:t>
             </a:r>
@@ -13881,6 +14409,8 @@
               <a:solidFill>
                 <a:schemeClr val="bg1"/>
               </a:solidFill>
+              <a:latin typeface="Arial" panose="020B0604020202020204" pitchFamily="34" charset="0"/>
+              <a:cs typeface="Arial" panose="020B0604020202020204" pitchFamily="34" charset="0"/>
             </a:endParaRPr>
           </a:p>
         </p:txBody>
@@ -13944,10 +14474,16 @@
           <a:p>
             <a:pPr algn="ctr"/>
             <a:r>
-              <a:rPr lang="en-US" dirty="0" smtClean="0"/>
+              <a:rPr lang="en-US" dirty="0" smtClean="0">
+                <a:latin typeface="Arial" panose="020B0604020202020204" pitchFamily="34" charset="0"/>
+                <a:cs typeface="Arial" panose="020B0604020202020204" pitchFamily="34" charset="0"/>
+              </a:rPr>
               <a:t>C# is object oriented programming language</a:t>
             </a:r>
-            <a:endParaRPr lang="en-US" dirty="0"/>
+            <a:endParaRPr lang="en-US" dirty="0">
+              <a:latin typeface="Arial" panose="020B0604020202020204" pitchFamily="34" charset="0"/>
+              <a:cs typeface="Arial" panose="020B0604020202020204" pitchFamily="34" charset="0"/>
+            </a:endParaRPr>
           </a:p>
         </p:txBody>
       </p:sp>
@@ -13990,6 +14526,13 @@
   <p:clrMapOvr>
     <a:masterClrMapping/>
   </p:clrMapOvr>
+  <p:timing>
+    <p:tnLst>
+      <p:par>
+        <p:cTn id="1" dur="indefinite" restart="never" nodeType="tmRoot"/>
+      </p:par>
+    </p:tnLst>
+  </p:timing>
 </p:sld>
 </file>
 
@@ -14027,16 +14570,381 @@
           <a:p>
             <a:pPr algn="ctr"/>
             <a:r>
-              <a:rPr lang="en-US" dirty="0" smtClean="0"/>
-              <a:t>.NET platform /whole new world/</a:t>
-            </a:r>
+              <a:rPr lang="en-US" dirty="0" smtClean="0">
+                <a:latin typeface="Arial" panose="020B0604020202020204" pitchFamily="34" charset="0"/>
+                <a:cs typeface="Arial" panose="020B0604020202020204" pitchFamily="34" charset="0"/>
+              </a:rPr>
+              <a:t>What is .NET?</a:t>
+            </a:r>
+            <a:endParaRPr lang="en-US" dirty="0">
+              <a:latin typeface="Arial" panose="020B0604020202020204" pitchFamily="34" charset="0"/>
+              <a:cs typeface="Arial" panose="020B0604020202020204" pitchFamily="34" charset="0"/>
+            </a:endParaRPr>
+          </a:p>
+        </p:txBody>
+      </p:sp>
+      <p:sp>
+        <p:nvSpPr>
+          <p:cNvPr id="3" name="Content Placeholder 2"/>
+          <p:cNvSpPr>
+            <a:spLocks noGrp="1"/>
+          </p:cNvSpPr>
+          <p:nvPr>
+            <p:ph idx="1"/>
+          </p:nvPr>
+        </p:nvSpPr>
+        <p:spPr>
+          <a:xfrm>
+            <a:off x="1154954" y="2603500"/>
+            <a:ext cx="9575250" cy="2456025"/>
+          </a:xfrm>
+        </p:spPr>
+        <p:txBody>
+          <a:bodyPr>
+            <a:normAutofit/>
+          </a:bodyPr>
+          <a:lstStyle/>
+          <a:p>
+            <a:r>
+              <a:rPr lang="en-US" sz="2000" b="1" dirty="0">
+                <a:latin typeface="Arial" panose="020B0604020202020204" pitchFamily="34" charset="0"/>
+                <a:cs typeface="Arial" panose="020B0604020202020204" pitchFamily="34" charset="0"/>
+              </a:rPr>
+              <a:t>.NET </a:t>
+            </a:r>
+            <a:r>
+              <a:rPr lang="en-US" sz="2000" dirty="0">
+                <a:latin typeface="Arial" panose="020B0604020202020204" pitchFamily="34" charset="0"/>
+                <a:cs typeface="Arial" panose="020B0604020202020204" pitchFamily="34" charset="0"/>
+              </a:rPr>
+              <a:t>is a free, cross-platform, open source developer platform for building many different types of applications</a:t>
+            </a:r>
+            <a:r>
+              <a:rPr lang="en-US" sz="2000" dirty="0" smtClean="0">
+                <a:latin typeface="Arial" panose="020B0604020202020204" pitchFamily="34" charset="0"/>
+                <a:cs typeface="Arial" panose="020B0604020202020204" pitchFamily="34" charset="0"/>
+              </a:rPr>
+              <a:t>.</a:t>
+            </a:r>
+          </a:p>
+          <a:p>
+            <a:r>
+              <a:rPr lang="en-US" sz="2000" dirty="0">
+                <a:latin typeface="Arial" panose="020B0604020202020204" pitchFamily="34" charset="0"/>
+                <a:cs typeface="Arial" panose="020B0604020202020204" pitchFamily="34" charset="0"/>
+              </a:rPr>
+              <a:t>With </a:t>
+            </a:r>
+            <a:r>
+              <a:rPr lang="en-US" sz="2000" b="1" dirty="0">
+                <a:latin typeface="Arial" panose="020B0604020202020204" pitchFamily="34" charset="0"/>
+                <a:cs typeface="Arial" panose="020B0604020202020204" pitchFamily="34" charset="0"/>
+              </a:rPr>
+              <a:t>.NET</a:t>
+            </a:r>
+            <a:r>
+              <a:rPr lang="en-US" sz="2000" dirty="0">
+                <a:latin typeface="Arial" panose="020B0604020202020204" pitchFamily="34" charset="0"/>
+                <a:cs typeface="Arial" panose="020B0604020202020204" pitchFamily="34" charset="0"/>
+              </a:rPr>
+              <a:t>, you can use multiple languages, editors, and libraries to build for web, mobile, desktop, games, and </a:t>
+            </a:r>
+            <a:r>
+              <a:rPr lang="en-US" sz="2000" dirty="0" err="1">
+                <a:latin typeface="Arial" panose="020B0604020202020204" pitchFamily="34" charset="0"/>
+                <a:cs typeface="Arial" panose="020B0604020202020204" pitchFamily="34" charset="0"/>
+              </a:rPr>
+              <a:t>IoT</a:t>
+            </a:r>
+            <a:r>
+              <a:rPr lang="en-US" sz="2000" dirty="0" smtClean="0">
+                <a:latin typeface="Arial" panose="020B0604020202020204" pitchFamily="34" charset="0"/>
+                <a:cs typeface="Arial" panose="020B0604020202020204" pitchFamily="34" charset="0"/>
+              </a:rPr>
+              <a:t>.</a:t>
+            </a:r>
+          </a:p>
+          <a:p>
+            <a:r>
+              <a:rPr lang="en-US" sz="2000" dirty="0">
+                <a:latin typeface="Arial" panose="020B0604020202020204" pitchFamily="34" charset="0"/>
+                <a:cs typeface="Arial" panose="020B0604020202020204" pitchFamily="34" charset="0"/>
+              </a:rPr>
+              <a:t>The two main components of .</a:t>
+            </a:r>
+            <a:r>
+              <a:rPr lang="en-US" sz="2000" b="1" dirty="0">
+                <a:latin typeface="Arial" panose="020B0604020202020204" pitchFamily="34" charset="0"/>
+                <a:cs typeface="Arial" panose="020B0604020202020204" pitchFamily="34" charset="0"/>
+              </a:rPr>
+              <a:t>NET</a:t>
+            </a:r>
+            <a:r>
+              <a:rPr lang="en-US" sz="2000" dirty="0">
+                <a:latin typeface="Arial" panose="020B0604020202020204" pitchFamily="34" charset="0"/>
+                <a:cs typeface="Arial" panose="020B0604020202020204" pitchFamily="34" charset="0"/>
+              </a:rPr>
+              <a:t> are </a:t>
+            </a:r>
+            <a:r>
+              <a:rPr lang="en-US" sz="2000" b="1" dirty="0" err="1">
+                <a:latin typeface="Arial" panose="020B0604020202020204" pitchFamily="34" charset="0"/>
+                <a:cs typeface="Arial" panose="020B0604020202020204" pitchFamily="34" charset="0"/>
+              </a:rPr>
+              <a:t>CoreCLR</a:t>
+            </a:r>
+            <a:r>
+              <a:rPr lang="en-US" sz="2000" dirty="0">
+                <a:latin typeface="Arial" panose="020B0604020202020204" pitchFamily="34" charset="0"/>
+                <a:cs typeface="Arial" panose="020B0604020202020204" pitchFamily="34" charset="0"/>
+              </a:rPr>
+              <a:t> and </a:t>
+            </a:r>
+            <a:r>
+              <a:rPr lang="en-US" sz="2000" b="1" dirty="0" err="1" smtClean="0">
+                <a:latin typeface="Arial" panose="020B0604020202020204" pitchFamily="34" charset="0"/>
+                <a:cs typeface="Arial" panose="020B0604020202020204" pitchFamily="34" charset="0"/>
+              </a:rPr>
+              <a:t>CoreFX</a:t>
+            </a:r>
+            <a:endParaRPr lang="en-US" sz="2000" dirty="0" smtClean="0">
+              <a:latin typeface="Arial" panose="020B0604020202020204" pitchFamily="34" charset="0"/>
+              <a:cs typeface="Arial" panose="020B0604020202020204" pitchFamily="34" charset="0"/>
+            </a:endParaRPr>
+          </a:p>
+          <a:p>
+            <a:r>
+              <a:rPr lang="en-US" sz="2000" dirty="0" smtClean="0">
+                <a:latin typeface="Arial" panose="020B0604020202020204" pitchFamily="34" charset="0"/>
+                <a:cs typeface="Arial" panose="020B0604020202020204" pitchFamily="34" charset="0"/>
+              </a:rPr>
+              <a:t>You can write on </a:t>
+            </a:r>
+            <a:r>
+              <a:rPr lang="en-US" sz="2000" b="1" dirty="0" smtClean="0">
+                <a:latin typeface="Arial" panose="020B0604020202020204" pitchFamily="34" charset="0"/>
+                <a:cs typeface="Arial" panose="020B0604020202020204" pitchFamily="34" charset="0"/>
+              </a:rPr>
+              <a:t>C#</a:t>
+            </a:r>
+            <a:r>
+              <a:rPr lang="en-US" sz="2000" dirty="0" smtClean="0">
+                <a:latin typeface="Arial" panose="020B0604020202020204" pitchFamily="34" charset="0"/>
+                <a:cs typeface="Arial" panose="020B0604020202020204" pitchFamily="34" charset="0"/>
+              </a:rPr>
+              <a:t>, </a:t>
+            </a:r>
+            <a:r>
+              <a:rPr lang="en-US" sz="2000" b="1" dirty="0" smtClean="0">
+                <a:latin typeface="Arial" panose="020B0604020202020204" pitchFamily="34" charset="0"/>
+                <a:cs typeface="Arial" panose="020B0604020202020204" pitchFamily="34" charset="0"/>
+              </a:rPr>
+              <a:t>F#</a:t>
+            </a:r>
+            <a:r>
+              <a:rPr lang="en-US" sz="2000" dirty="0" smtClean="0">
+                <a:latin typeface="Arial" panose="020B0604020202020204" pitchFamily="34" charset="0"/>
+                <a:cs typeface="Arial" panose="020B0604020202020204" pitchFamily="34" charset="0"/>
+              </a:rPr>
+              <a:t>, </a:t>
+            </a:r>
+            <a:r>
+              <a:rPr lang="en-US" sz="2000" b="1" dirty="0" smtClean="0">
+                <a:latin typeface="Arial" panose="020B0604020202020204" pitchFamily="34" charset="0"/>
+                <a:cs typeface="Arial" panose="020B0604020202020204" pitchFamily="34" charset="0"/>
+              </a:rPr>
+              <a:t>Visual Basic </a:t>
+            </a:r>
+            <a:r>
+              <a:rPr lang="en-US" sz="2000" dirty="0" smtClean="0">
+                <a:latin typeface="Arial" panose="020B0604020202020204" pitchFamily="34" charset="0"/>
+                <a:cs typeface="Arial" panose="020B0604020202020204" pitchFamily="34" charset="0"/>
+              </a:rPr>
+              <a:t>and other programming languages.</a:t>
+            </a:r>
+          </a:p>
+          <a:p>
+            <a:endParaRPr lang="en-US" dirty="0" smtClean="0"/>
+          </a:p>
+          <a:p>
             <a:endParaRPr lang="en-US" dirty="0"/>
           </a:p>
         </p:txBody>
       </p:sp>
       <p:pic>
         <p:nvPicPr>
-          <p:cNvPr id="4" name="Content Placeholder 3"/>
+          <p:cNvPr id="5" name="Picture 4"/>
+          <p:cNvPicPr>
+            <a:picLocks noChangeAspect="1"/>
+          </p:cNvPicPr>
+          <p:nvPr/>
+        </p:nvPicPr>
+        <p:blipFill>
+          <a:blip r:embed="rId2" cstate="print">
+            <a:extLst>
+              <a:ext uri="{28A0092B-C50C-407E-A947-70E740481C1C}">
+                <a14:useLocalDpi xmlns:a14="http://schemas.microsoft.com/office/drawing/2010/main" val="0"/>
+              </a:ext>
+            </a:extLst>
+          </a:blip>
+          <a:stretch>
+            <a:fillRect/>
+          </a:stretch>
+        </p:blipFill>
+        <p:spPr>
+          <a:xfrm>
+            <a:off x="3485472" y="5116979"/>
+            <a:ext cx="1464128" cy="1464128"/>
+          </a:xfrm>
+          <a:prstGeom prst="rect">
+            <a:avLst/>
+          </a:prstGeom>
+        </p:spPr>
+      </p:pic>
+      <p:pic>
+        <p:nvPicPr>
+          <p:cNvPr id="6" name="Picture 5"/>
+          <p:cNvPicPr>
+            <a:picLocks noChangeAspect="1"/>
+          </p:cNvPicPr>
+          <p:nvPr/>
+        </p:nvPicPr>
+        <p:blipFill>
+          <a:blip r:embed="rId3">
+            <a:extLst>
+              <a:ext uri="{28A0092B-C50C-407E-A947-70E740481C1C}">
+                <a14:useLocalDpi xmlns:a14="http://schemas.microsoft.com/office/drawing/2010/main" val="0"/>
+              </a:ext>
+            </a:extLst>
+          </a:blip>
+          <a:stretch>
+            <a:fillRect/>
+          </a:stretch>
+        </p:blipFill>
+        <p:spPr>
+          <a:xfrm>
+            <a:off x="7047435" y="5287885"/>
+            <a:ext cx="1056202" cy="1056202"/>
+          </a:xfrm>
+          <a:prstGeom prst="rect">
+            <a:avLst/>
+          </a:prstGeom>
+        </p:spPr>
+      </p:pic>
+      <p:pic>
+        <p:nvPicPr>
+          <p:cNvPr id="7" name="Picture 6"/>
+          <p:cNvPicPr>
+            <a:picLocks noChangeAspect="1"/>
+          </p:cNvPicPr>
+          <p:nvPr/>
+        </p:nvPicPr>
+        <p:blipFill>
+          <a:blip r:embed="rId4">
+            <a:extLst>
+              <a:ext uri="{28A0092B-C50C-407E-A947-70E740481C1C}">
+                <a14:useLocalDpi xmlns:a14="http://schemas.microsoft.com/office/drawing/2010/main" val="0"/>
+              </a:ext>
+            </a:extLst>
+          </a:blip>
+          <a:stretch>
+            <a:fillRect/>
+          </a:stretch>
+        </p:blipFill>
+        <p:spPr>
+          <a:xfrm>
+            <a:off x="5324721" y="5296544"/>
+            <a:ext cx="1104997" cy="1104997"/>
+          </a:xfrm>
+          <a:prstGeom prst="rect">
+            <a:avLst/>
+          </a:prstGeom>
+        </p:spPr>
+      </p:pic>
+    </p:spTree>
+    <p:extLst>
+      <p:ext uri="{BB962C8B-B14F-4D97-AF65-F5344CB8AC3E}">
+        <p14:creationId xmlns:p14="http://schemas.microsoft.com/office/powerpoint/2010/main" val="1242203891"/>
+      </p:ext>
+    </p:extLst>
+  </p:cSld>
+  <p:clrMapOvr>
+    <a:masterClrMapping/>
+  </p:clrMapOvr>
+  <p:timing>
+    <p:tnLst>
+      <p:par>
+        <p:cTn id="1" dur="indefinite" restart="never" nodeType="tmRoot"/>
+      </p:par>
+    </p:tnLst>
+  </p:timing>
+</p:sld>
+</file>
+
+<file path=ppt/slides/slide6.xml><?xml version="1.0" encoding="utf-8"?>
+<p:sld xmlns:a="http://schemas.openxmlformats.org/drawingml/2006/main" xmlns:r="http://schemas.openxmlformats.org/officeDocument/2006/relationships" xmlns:p="http://schemas.openxmlformats.org/presentationml/2006/main">
+  <p:cSld>
+    <p:spTree>
+      <p:nvGrpSpPr>
+        <p:cNvPr id="1" name=""/>
+        <p:cNvGrpSpPr/>
+        <p:nvPr/>
+      </p:nvGrpSpPr>
+      <p:grpSpPr>
+        <a:xfrm>
+          <a:off x="0" y="0"/>
+          <a:ext cx="0" cy="0"/>
+          <a:chOff x="0" y="0"/>
+          <a:chExt cx="0" cy="0"/>
+        </a:xfrm>
+      </p:grpSpPr>
+      <p:sp>
+        <p:nvSpPr>
+          <p:cNvPr id="2" name="Title 1"/>
+          <p:cNvSpPr>
+            <a:spLocks noGrp="1"/>
+          </p:cNvSpPr>
+          <p:nvPr>
+            <p:ph type="title"/>
+          </p:nvPr>
+        </p:nvSpPr>
+        <p:spPr/>
+        <p:txBody>
+          <a:bodyPr/>
+          <a:lstStyle/>
+          <a:p>
+            <a:pPr algn="ctr"/>
+            <a:r>
+              <a:rPr lang="en-US" dirty="0" smtClean="0">
+                <a:latin typeface="Arial" panose="020B0604020202020204" pitchFamily="34" charset="0"/>
+                <a:cs typeface="Arial" panose="020B0604020202020204" pitchFamily="34" charset="0"/>
+              </a:rPr>
+              <a:t>.NET platform </a:t>
+            </a:r>
+            <a:r>
+              <a:rPr lang="en-US" dirty="0" smtClean="0">
+                <a:latin typeface="Arial" panose="020B0604020202020204" pitchFamily="34" charset="0"/>
+                <a:cs typeface="Arial" panose="020B0604020202020204" pitchFamily="34" charset="0"/>
+              </a:rPr>
+              <a:t>/whole </a:t>
+            </a:r>
+            <a:r>
+              <a:rPr lang="en-US" dirty="0" smtClean="0">
+                <a:latin typeface="Arial" panose="020B0604020202020204" pitchFamily="34" charset="0"/>
+                <a:cs typeface="Arial" panose="020B0604020202020204" pitchFamily="34" charset="0"/>
+              </a:rPr>
+              <a:t>new world/</a:t>
+            </a:r>
+            <a:endParaRPr lang="en-US" dirty="0">
+              <a:latin typeface="Arial" panose="020B0604020202020204" pitchFamily="34" charset="0"/>
+              <a:cs typeface="Arial" panose="020B0604020202020204" pitchFamily="34" charset="0"/>
+            </a:endParaRPr>
+          </a:p>
+        </p:txBody>
+      </p:sp>
+      <p:pic>
+        <p:nvPicPr>
+          <p:cNvPr id="5" name="Content Placeholder 4"/>
           <p:cNvPicPr>
             <a:picLocks noGrp="1" noChangeAspect="1"/>
           </p:cNvPicPr>
@@ -14058,8 +14966,8 @@
         </p:blipFill>
         <p:spPr>
           <a:xfrm>
-            <a:off x="1997526" y="2323581"/>
-            <a:ext cx="7918841" cy="4454348"/>
+            <a:off x="1081055" y="2539452"/>
+            <a:ext cx="10107301" cy="3674736"/>
           </a:xfrm>
         </p:spPr>
       </p:pic>
@@ -14073,6 +14981,389 @@
   <p:clrMapOvr>
     <a:masterClrMapping/>
   </p:clrMapOvr>
+  <p:timing>
+    <p:tnLst>
+      <p:par>
+        <p:cTn id="1" dur="indefinite" restart="never" nodeType="tmRoot"/>
+      </p:par>
+    </p:tnLst>
+  </p:timing>
+</p:sld>
+</file>
+
+<file path=ppt/slides/slide7.xml><?xml version="1.0" encoding="utf-8"?>
+<p:sld xmlns:a="http://schemas.openxmlformats.org/drawingml/2006/main" xmlns:r="http://schemas.openxmlformats.org/officeDocument/2006/relationships" xmlns:p="http://schemas.openxmlformats.org/presentationml/2006/main">
+  <p:cSld>
+    <p:spTree>
+      <p:nvGrpSpPr>
+        <p:cNvPr id="1" name=""/>
+        <p:cNvGrpSpPr/>
+        <p:nvPr/>
+      </p:nvGrpSpPr>
+      <p:grpSpPr>
+        <a:xfrm>
+          <a:off x="0" y="0"/>
+          <a:ext cx="0" cy="0"/>
+          <a:chOff x="0" y="0"/>
+          <a:chExt cx="0" cy="0"/>
+        </a:xfrm>
+      </p:grpSpPr>
+      <p:sp>
+        <p:nvSpPr>
+          <p:cNvPr id="2" name="Title 1"/>
+          <p:cNvSpPr>
+            <a:spLocks noGrp="1"/>
+          </p:cNvSpPr>
+          <p:nvPr>
+            <p:ph type="title"/>
+          </p:nvPr>
+        </p:nvSpPr>
+        <p:spPr/>
+        <p:txBody>
+          <a:bodyPr/>
+          <a:lstStyle/>
+          <a:p>
+            <a:pPr algn="ctr"/>
+            <a:r>
+              <a:rPr lang="en-US" dirty="0" smtClean="0">
+                <a:latin typeface="Arial" panose="020B0604020202020204" pitchFamily="34" charset="0"/>
+                <a:cs typeface="Arial" panose="020B0604020202020204" pitchFamily="34" charset="0"/>
+              </a:rPr>
+              <a:t>.NET ecosystem</a:t>
+            </a:r>
+            <a:endParaRPr lang="en-US" dirty="0">
+              <a:latin typeface="Arial" panose="020B0604020202020204" pitchFamily="34" charset="0"/>
+              <a:cs typeface="Arial" panose="020B0604020202020204" pitchFamily="34" charset="0"/>
+            </a:endParaRPr>
+          </a:p>
+        </p:txBody>
+      </p:sp>
+      <p:pic>
+        <p:nvPicPr>
+          <p:cNvPr id="13" name="Content Placeholder 12"/>
+          <p:cNvPicPr>
+            <a:picLocks noGrp="1" noChangeAspect="1"/>
+          </p:cNvPicPr>
+          <p:nvPr>
+            <p:ph sz="half" idx="2"/>
+          </p:nvPr>
+        </p:nvPicPr>
+        <p:blipFill>
+          <a:blip r:embed="rId2">
+            <a:extLst>
+              <a:ext uri="{28A0092B-C50C-407E-A947-70E740481C1C}">
+                <a14:useLocalDpi xmlns:a14="http://schemas.microsoft.com/office/drawing/2010/main" val="0"/>
+              </a:ext>
+            </a:extLst>
+          </a:blip>
+          <a:stretch>
+            <a:fillRect/>
+          </a:stretch>
+        </p:blipFill>
+        <p:spPr>
+          <a:xfrm>
+            <a:off x="1370303" y="2325996"/>
+            <a:ext cx="9117304" cy="4308069"/>
+          </a:xfrm>
+          <a:prstGeom prst="roundRect">
+            <a:avLst>
+              <a:gd name="adj" fmla="val 16667"/>
+            </a:avLst>
+          </a:prstGeom>
+          <a:ln>
+            <a:noFill/>
+          </a:ln>
+          <a:effectLst>
+            <a:outerShdw blurRad="152400" dist="12000" dir="900000" sy="98000" kx="110000" ky="200000" algn="tl" rotWithShape="0">
+              <a:srgbClr val="000000">
+                <a:alpha val="30000"/>
+              </a:srgbClr>
+            </a:outerShdw>
+          </a:effectLst>
+          <a:scene3d>
+            <a:camera prst="perspectiveRelaxed">
+              <a:rot lat="19800000" lon="1200000" rev="20820000"/>
+            </a:camera>
+            <a:lightRig rig="threePt" dir="t"/>
+          </a:scene3d>
+          <a:sp3d contourW="6350" prstMaterial="matte">
+            <a:bevelT w="101600" h="101600"/>
+            <a:contourClr>
+              <a:srgbClr val="969696"/>
+            </a:contourClr>
+          </a:sp3d>
+        </p:spPr>
+      </p:pic>
+    </p:spTree>
+    <p:extLst>
+      <p:ext uri="{BB962C8B-B14F-4D97-AF65-F5344CB8AC3E}">
+        <p14:creationId xmlns:p14="http://schemas.microsoft.com/office/powerpoint/2010/main" val="2571713889"/>
+      </p:ext>
+    </p:extLst>
+  </p:cSld>
+  <p:clrMapOvr>
+    <a:masterClrMapping/>
+  </p:clrMapOvr>
+  <p:timing>
+    <p:tnLst>
+      <p:par>
+        <p:cTn id="1" dur="indefinite" restart="never" nodeType="tmRoot"/>
+      </p:par>
+    </p:tnLst>
+  </p:timing>
+</p:sld>
+</file>
+
+<file path=ppt/slides/slide8.xml><?xml version="1.0" encoding="utf-8"?>
+<p:sld xmlns:a="http://schemas.openxmlformats.org/drawingml/2006/main" xmlns:r="http://schemas.openxmlformats.org/officeDocument/2006/relationships" xmlns:p="http://schemas.openxmlformats.org/presentationml/2006/main">
+  <p:cSld>
+    <p:spTree>
+      <p:nvGrpSpPr>
+        <p:cNvPr id="1" name=""/>
+        <p:cNvGrpSpPr/>
+        <p:nvPr/>
+      </p:nvGrpSpPr>
+      <p:grpSpPr>
+        <a:xfrm>
+          <a:off x="0" y="0"/>
+          <a:ext cx="0" cy="0"/>
+          <a:chOff x="0" y="0"/>
+          <a:chExt cx="0" cy="0"/>
+        </a:xfrm>
+      </p:grpSpPr>
+      <p:sp>
+        <p:nvSpPr>
+          <p:cNvPr id="2" name="Title 1"/>
+          <p:cNvSpPr>
+            <a:spLocks noGrp="1"/>
+          </p:cNvSpPr>
+          <p:nvPr>
+            <p:ph type="title"/>
+          </p:nvPr>
+        </p:nvSpPr>
+        <p:spPr/>
+        <p:txBody>
+          <a:bodyPr/>
+          <a:lstStyle/>
+          <a:p>
+            <a:pPr algn="ctr"/>
+            <a:r>
+              <a:rPr lang="en-US" dirty="0" smtClean="0">
+                <a:latin typeface="Arial" panose="020B0604020202020204" pitchFamily="34" charset="0"/>
+                <a:cs typeface="Arial" panose="020B0604020202020204" pitchFamily="34" charset="0"/>
+              </a:rPr>
+              <a:t>.NET = The Ecosystem</a:t>
+            </a:r>
+            <a:endParaRPr lang="en-US" dirty="0">
+              <a:latin typeface="Arial" panose="020B0604020202020204" pitchFamily="34" charset="0"/>
+              <a:cs typeface="Arial" panose="020B0604020202020204" pitchFamily="34" charset="0"/>
+            </a:endParaRPr>
+          </a:p>
+        </p:txBody>
+      </p:sp>
+      <p:sp>
+        <p:nvSpPr>
+          <p:cNvPr id="3" name="Content Placeholder 2"/>
+          <p:cNvSpPr>
+            <a:spLocks noGrp="1"/>
+          </p:cNvSpPr>
+          <p:nvPr>
+            <p:ph idx="1"/>
+          </p:nvPr>
+        </p:nvSpPr>
+        <p:spPr>
+          <a:xfrm>
+            <a:off x="1154954" y="2603499"/>
+            <a:ext cx="2903862" cy="3349431"/>
+          </a:xfrm>
+        </p:spPr>
+        <p:txBody>
+          <a:bodyPr>
+            <a:normAutofit/>
+          </a:bodyPr>
+          <a:lstStyle/>
+          <a:p>
+            <a:r>
+              <a:rPr lang="en-US" sz="3200" dirty="0" smtClean="0"/>
+              <a:t>Languages</a:t>
+            </a:r>
+          </a:p>
+          <a:p>
+            <a:r>
+              <a:rPr lang="en-US" sz="3200" dirty="0" smtClean="0"/>
+              <a:t>Runtimes</a:t>
+            </a:r>
+          </a:p>
+          <a:p>
+            <a:r>
+              <a:rPr lang="en-US" sz="3200" dirty="0" smtClean="0"/>
+              <a:t>Libraries</a:t>
+            </a:r>
+            <a:endParaRPr lang="en-US" sz="3200" dirty="0"/>
+          </a:p>
+        </p:txBody>
+      </p:sp>
+      <p:pic>
+        <p:nvPicPr>
+          <p:cNvPr id="4" name="Picture 3"/>
+          <p:cNvPicPr>
+            <a:picLocks noChangeAspect="1"/>
+          </p:cNvPicPr>
+          <p:nvPr/>
+        </p:nvPicPr>
+        <p:blipFill>
+          <a:blip r:embed="rId2">
+            <a:extLst>
+              <a:ext uri="{28A0092B-C50C-407E-A947-70E740481C1C}">
+                <a14:useLocalDpi xmlns:a14="http://schemas.microsoft.com/office/drawing/2010/main" val="0"/>
+              </a:ext>
+            </a:extLst>
+          </a:blip>
+          <a:stretch>
+            <a:fillRect/>
+          </a:stretch>
+        </p:blipFill>
+        <p:spPr>
+          <a:xfrm>
+            <a:off x="5897308" y="2435652"/>
+            <a:ext cx="4140358" cy="4140358"/>
+          </a:xfrm>
+          <a:prstGeom prst="roundRect">
+            <a:avLst>
+              <a:gd name="adj" fmla="val 16667"/>
+            </a:avLst>
+          </a:prstGeom>
+          <a:ln>
+            <a:noFill/>
+          </a:ln>
+          <a:effectLst>
+            <a:outerShdw blurRad="152400" dist="12000" dir="900000" sy="98000" kx="110000" ky="200000" algn="tl" rotWithShape="0">
+              <a:srgbClr val="000000">
+                <a:alpha val="30000"/>
+              </a:srgbClr>
+            </a:outerShdw>
+          </a:effectLst>
+          <a:scene3d>
+            <a:camera prst="perspectiveRelaxed">
+              <a:rot lat="19800000" lon="1200000" rev="20820000"/>
+            </a:camera>
+            <a:lightRig rig="threePt" dir="t"/>
+          </a:scene3d>
+          <a:sp3d contourW="6350" prstMaterial="matte">
+            <a:bevelT w="101600" h="101600"/>
+            <a:contourClr>
+              <a:srgbClr val="969696"/>
+            </a:contourClr>
+          </a:sp3d>
+        </p:spPr>
+      </p:pic>
+    </p:spTree>
+    <p:extLst>
+      <p:ext uri="{BB962C8B-B14F-4D97-AF65-F5344CB8AC3E}">
+        <p14:creationId xmlns:p14="http://schemas.microsoft.com/office/powerpoint/2010/main" val="1619143915"/>
+      </p:ext>
+    </p:extLst>
+  </p:cSld>
+  <p:clrMapOvr>
+    <a:masterClrMapping/>
+  </p:clrMapOvr>
+  <p:timing>
+    <p:tnLst>
+      <p:par>
+        <p:cTn id="1" dur="indefinite" restart="never" nodeType="tmRoot"/>
+      </p:par>
+    </p:tnLst>
+  </p:timing>
+</p:sld>
+</file>
+
+<file path=ppt/slides/slide9.xml><?xml version="1.0" encoding="utf-8"?>
+<p:sld xmlns:a="http://schemas.openxmlformats.org/drawingml/2006/main" xmlns:r="http://schemas.openxmlformats.org/officeDocument/2006/relationships" xmlns:p="http://schemas.openxmlformats.org/presentationml/2006/main">
+  <p:cSld>
+    <p:spTree>
+      <p:nvGrpSpPr>
+        <p:cNvPr id="1" name=""/>
+        <p:cNvGrpSpPr/>
+        <p:nvPr/>
+      </p:nvGrpSpPr>
+      <p:grpSpPr>
+        <a:xfrm>
+          <a:off x="0" y="0"/>
+          <a:ext cx="0" cy="0"/>
+          <a:chOff x="0" y="0"/>
+          <a:chExt cx="0" cy="0"/>
+        </a:xfrm>
+      </p:grpSpPr>
+      <p:sp>
+        <p:nvSpPr>
+          <p:cNvPr id="2" name="Title 1"/>
+          <p:cNvSpPr>
+            <a:spLocks noGrp="1"/>
+          </p:cNvSpPr>
+          <p:nvPr>
+            <p:ph type="title"/>
+          </p:nvPr>
+        </p:nvSpPr>
+        <p:spPr/>
+        <p:txBody>
+          <a:bodyPr/>
+          <a:lstStyle/>
+          <a:p>
+            <a:pPr algn="ctr"/>
+            <a:r>
+              <a:rPr lang="en-US" dirty="0" smtClean="0"/>
+              <a:t>.NET Schedule</a:t>
+            </a:r>
+            <a:endParaRPr lang="en-US" dirty="0"/>
+          </a:p>
+        </p:txBody>
+      </p:sp>
+      <p:pic>
+        <p:nvPicPr>
+          <p:cNvPr id="4" name="Content Placeholder 3"/>
+          <p:cNvPicPr>
+            <a:picLocks noGrp="1" noChangeAspect="1"/>
+          </p:cNvPicPr>
+          <p:nvPr>
+            <p:ph idx="1"/>
+          </p:nvPr>
+        </p:nvPicPr>
+        <p:blipFill>
+          <a:blip r:embed="rId2" cstate="print">
+            <a:extLst>
+              <a:ext uri="{28A0092B-C50C-407E-A947-70E740481C1C}">
+                <a14:useLocalDpi xmlns:a14="http://schemas.microsoft.com/office/drawing/2010/main" val="0"/>
+              </a:ext>
+            </a:extLst>
+          </a:blip>
+          <a:stretch>
+            <a:fillRect/>
+          </a:stretch>
+        </p:blipFill>
+        <p:spPr>
+          <a:xfrm>
+            <a:off x="2542823" y="2510194"/>
+            <a:ext cx="7011724" cy="3934658"/>
+          </a:xfrm>
+        </p:spPr>
+      </p:pic>
+    </p:spTree>
+    <p:extLst>
+      <p:ext uri="{BB962C8B-B14F-4D97-AF65-F5344CB8AC3E}">
+        <p14:creationId xmlns:p14="http://schemas.microsoft.com/office/powerpoint/2010/main" val="1234884613"/>
+      </p:ext>
+    </p:extLst>
+  </p:cSld>
+  <p:clrMapOvr>
+    <a:masterClrMapping/>
+  </p:clrMapOvr>
+  <p:timing>
+    <p:tnLst>
+      <p:par>
+        <p:cTn id="1" dur="indefinite" restart="never" nodeType="tmRoot"/>
+      </p:par>
+    </p:tnLst>
+  </p:timing>
 </p:sld>
 </file>
 

--- a/C# Basics.pptx
+++ b/C# Basics.pptx
@@ -4,18 +4,28 @@
   <p:sldMasterIdLst>
     <p:sldMasterId id="2147483707" r:id="rId1"/>
   </p:sldMasterIdLst>
+  <p:notesMasterIdLst>
+    <p:notesMasterId r:id="rId20"/>
+  </p:notesMasterIdLst>
   <p:sldIdLst>
     <p:sldId id="256" r:id="rId2"/>
     <p:sldId id="258" r:id="rId3"/>
     <p:sldId id="259" r:id="rId4"/>
     <p:sldId id="260" r:id="rId5"/>
     <p:sldId id="262" r:id="rId6"/>
-    <p:sldId id="261" r:id="rId7"/>
+    <p:sldId id="264" r:id="rId7"/>
     <p:sldId id="263" r:id="rId8"/>
-    <p:sldId id="264" r:id="rId9"/>
+    <p:sldId id="261" r:id="rId9"/>
     <p:sldId id="265" r:id="rId10"/>
-    <p:sldId id="266" r:id="rId11"/>
-    <p:sldId id="267" r:id="rId12"/>
+    <p:sldId id="267" r:id="rId11"/>
+    <p:sldId id="266" r:id="rId12"/>
+    <p:sldId id="269" r:id="rId13"/>
+    <p:sldId id="268" r:id="rId14"/>
+    <p:sldId id="270" r:id="rId15"/>
+    <p:sldId id="271" r:id="rId16"/>
+    <p:sldId id="272" r:id="rId17"/>
+    <p:sldId id="273" r:id="rId18"/>
+    <p:sldId id="274" r:id="rId19"/>
   </p:sldIdLst>
   <p:sldSz cx="12192000" cy="6858000"/>
   <p:notesSz cx="6858000" cy="9144000"/>
@@ -122,6 +132,356 @@
 </p:presentation>
 </file>
 
+<file path=ppt/notesMasters/notesMaster1.xml><?xml version="1.0" encoding="utf-8"?>
+<p:notesMaster xmlns:a="http://schemas.openxmlformats.org/drawingml/2006/main" xmlns:r="http://schemas.openxmlformats.org/officeDocument/2006/relationships" xmlns:p="http://schemas.openxmlformats.org/presentationml/2006/main">
+  <p:cSld>
+    <p:bg>
+      <p:bgRef idx="1001">
+        <a:schemeClr val="bg1"/>
+      </p:bgRef>
+    </p:bg>
+    <p:spTree>
+      <p:nvGrpSpPr>
+        <p:cNvPr id="1" name=""/>
+        <p:cNvGrpSpPr/>
+        <p:nvPr/>
+      </p:nvGrpSpPr>
+      <p:grpSpPr>
+        <a:xfrm>
+          <a:off x="0" y="0"/>
+          <a:ext cx="0" cy="0"/>
+          <a:chOff x="0" y="0"/>
+          <a:chExt cx="0" cy="0"/>
+        </a:xfrm>
+      </p:grpSpPr>
+      <p:sp>
+        <p:nvSpPr>
+          <p:cNvPr id="2" name="Header Placeholder 1"/>
+          <p:cNvSpPr>
+            <a:spLocks noGrp="1"/>
+          </p:cNvSpPr>
+          <p:nvPr>
+            <p:ph type="hdr" sz="quarter"/>
+          </p:nvPr>
+        </p:nvSpPr>
+        <p:spPr>
+          <a:xfrm>
+            <a:off x="0" y="0"/>
+            <a:ext cx="2971800" cy="458788"/>
+          </a:xfrm>
+          <a:prstGeom prst="rect">
+            <a:avLst/>
+          </a:prstGeom>
+        </p:spPr>
+        <p:txBody>
+          <a:bodyPr vert="horz" lIns="91440" tIns="45720" rIns="91440" bIns="45720" rtlCol="0"/>
+          <a:lstStyle>
+            <a:lvl1pPr algn="l">
+              <a:defRPr sz="1200"/>
+            </a:lvl1pPr>
+          </a:lstStyle>
+          <a:p>
+            <a:endParaRPr lang="en-US"/>
+          </a:p>
+        </p:txBody>
+      </p:sp>
+      <p:sp>
+        <p:nvSpPr>
+          <p:cNvPr id="3" name="Date Placeholder 2"/>
+          <p:cNvSpPr>
+            <a:spLocks noGrp="1"/>
+          </p:cNvSpPr>
+          <p:nvPr>
+            <p:ph type="dt" idx="1"/>
+          </p:nvPr>
+        </p:nvSpPr>
+        <p:spPr>
+          <a:xfrm>
+            <a:off x="3884613" y="0"/>
+            <a:ext cx="2971800" cy="458788"/>
+          </a:xfrm>
+          <a:prstGeom prst="rect">
+            <a:avLst/>
+          </a:prstGeom>
+        </p:spPr>
+        <p:txBody>
+          <a:bodyPr vert="horz" lIns="91440" tIns="45720" rIns="91440" bIns="45720" rtlCol="0"/>
+          <a:lstStyle>
+            <a:lvl1pPr algn="r">
+              <a:defRPr sz="1200"/>
+            </a:lvl1pPr>
+          </a:lstStyle>
+          <a:p>
+            <a:fld id="{068E3771-71AF-4AE2-9E86-BE935DBF2B0E}" type="datetimeFigureOut">
+              <a:rPr lang="en-US" smtClean="0"/>
+              <a:t>5/15/2022</a:t>
+            </a:fld>
+            <a:endParaRPr lang="en-US"/>
+          </a:p>
+        </p:txBody>
+      </p:sp>
+      <p:sp>
+        <p:nvSpPr>
+          <p:cNvPr id="4" name="Slide Image Placeholder 3"/>
+          <p:cNvSpPr>
+            <a:spLocks noGrp="1" noRot="1" noChangeAspect="1"/>
+          </p:cNvSpPr>
+          <p:nvPr>
+            <p:ph type="sldImg" idx="2"/>
+          </p:nvPr>
+        </p:nvSpPr>
+        <p:spPr>
+          <a:xfrm>
+            <a:off x="685800" y="1143000"/>
+            <a:ext cx="5486400" cy="3086100"/>
+          </a:xfrm>
+          <a:prstGeom prst="rect">
+            <a:avLst/>
+          </a:prstGeom>
+          <a:noFill/>
+          <a:ln w="12700">
+            <a:solidFill>
+              <a:prstClr val="black"/>
+            </a:solidFill>
+          </a:ln>
+        </p:spPr>
+        <p:txBody>
+          <a:bodyPr vert="horz" lIns="91440" tIns="45720" rIns="91440" bIns="45720" rtlCol="0" anchor="ctr"/>
+          <a:lstStyle/>
+          <a:p>
+            <a:endParaRPr lang="en-US"/>
+          </a:p>
+        </p:txBody>
+      </p:sp>
+      <p:sp>
+        <p:nvSpPr>
+          <p:cNvPr id="5" name="Notes Placeholder 4"/>
+          <p:cNvSpPr>
+            <a:spLocks noGrp="1"/>
+          </p:cNvSpPr>
+          <p:nvPr>
+            <p:ph type="body" sz="quarter" idx="3"/>
+          </p:nvPr>
+        </p:nvSpPr>
+        <p:spPr>
+          <a:xfrm>
+            <a:off x="685800" y="4400550"/>
+            <a:ext cx="5486400" cy="3600450"/>
+          </a:xfrm>
+          <a:prstGeom prst="rect">
+            <a:avLst/>
+          </a:prstGeom>
+        </p:spPr>
+        <p:txBody>
+          <a:bodyPr vert="horz" lIns="91440" tIns="45720" rIns="91440" bIns="45720" rtlCol="0"/>
+          <a:lstStyle/>
+          <a:p>
+            <a:pPr lvl="0"/>
+            <a:r>
+              <a:rPr lang="en-US" smtClean="0"/>
+              <a:t>Edit Master text styles</a:t>
+            </a:r>
+          </a:p>
+          <a:p>
+            <a:pPr lvl="1"/>
+            <a:r>
+              <a:rPr lang="en-US" smtClean="0"/>
+              <a:t>Second level</a:t>
+            </a:r>
+          </a:p>
+          <a:p>
+            <a:pPr lvl="2"/>
+            <a:r>
+              <a:rPr lang="en-US" smtClean="0"/>
+              <a:t>Third level</a:t>
+            </a:r>
+          </a:p>
+          <a:p>
+            <a:pPr lvl="3"/>
+            <a:r>
+              <a:rPr lang="en-US" smtClean="0"/>
+              <a:t>Fourth level</a:t>
+            </a:r>
+          </a:p>
+          <a:p>
+            <a:pPr lvl="4"/>
+            <a:r>
+              <a:rPr lang="en-US" smtClean="0"/>
+              <a:t>Fifth level</a:t>
+            </a:r>
+            <a:endParaRPr lang="en-US"/>
+          </a:p>
+        </p:txBody>
+      </p:sp>
+      <p:sp>
+        <p:nvSpPr>
+          <p:cNvPr id="6" name="Footer Placeholder 5"/>
+          <p:cNvSpPr>
+            <a:spLocks noGrp="1"/>
+          </p:cNvSpPr>
+          <p:nvPr>
+            <p:ph type="ftr" sz="quarter" idx="4"/>
+          </p:nvPr>
+        </p:nvSpPr>
+        <p:spPr>
+          <a:xfrm>
+            <a:off x="0" y="8685213"/>
+            <a:ext cx="2971800" cy="458787"/>
+          </a:xfrm>
+          <a:prstGeom prst="rect">
+            <a:avLst/>
+          </a:prstGeom>
+        </p:spPr>
+        <p:txBody>
+          <a:bodyPr vert="horz" lIns="91440" tIns="45720" rIns="91440" bIns="45720" rtlCol="0" anchor="b"/>
+          <a:lstStyle>
+            <a:lvl1pPr algn="l">
+              <a:defRPr sz="1200"/>
+            </a:lvl1pPr>
+          </a:lstStyle>
+          <a:p>
+            <a:endParaRPr lang="en-US"/>
+          </a:p>
+        </p:txBody>
+      </p:sp>
+      <p:sp>
+        <p:nvSpPr>
+          <p:cNvPr id="7" name="Slide Number Placeholder 6"/>
+          <p:cNvSpPr>
+            <a:spLocks noGrp="1"/>
+          </p:cNvSpPr>
+          <p:nvPr>
+            <p:ph type="sldNum" sz="quarter" idx="5"/>
+          </p:nvPr>
+        </p:nvSpPr>
+        <p:spPr>
+          <a:xfrm>
+            <a:off x="3884613" y="8685213"/>
+            <a:ext cx="2971800" cy="458787"/>
+          </a:xfrm>
+          <a:prstGeom prst="rect">
+            <a:avLst/>
+          </a:prstGeom>
+        </p:spPr>
+        <p:txBody>
+          <a:bodyPr vert="horz" lIns="91440" tIns="45720" rIns="91440" bIns="45720" rtlCol="0" anchor="b"/>
+          <a:lstStyle>
+            <a:lvl1pPr algn="r">
+              <a:defRPr sz="1200"/>
+            </a:lvl1pPr>
+          </a:lstStyle>
+          <a:p>
+            <a:fld id="{36B48ACA-3A5E-4529-A083-72FC92DB8FBE}" type="slidenum">
+              <a:rPr lang="en-US" smtClean="0"/>
+              <a:t>‹#›</a:t>
+            </a:fld>
+            <a:endParaRPr lang="en-US"/>
+          </a:p>
+        </p:txBody>
+      </p:sp>
+    </p:spTree>
+    <p:extLst>
+      <p:ext uri="{BB962C8B-B14F-4D97-AF65-F5344CB8AC3E}">
+        <p14:creationId xmlns:p14="http://schemas.microsoft.com/office/powerpoint/2010/main" val="3611691889"/>
+      </p:ext>
+    </p:extLst>
+  </p:cSld>
+  <p:clrMap bg1="lt1" tx1="dk1" bg2="lt2" tx2="dk2" accent1="accent1" accent2="accent2" accent3="accent3" accent4="accent4" accent5="accent5" accent6="accent6" hlink="hlink" folHlink="folHlink"/>
+  <p:notesStyle>
+    <a:lvl1pPr marL="0" algn="l" defTabSz="914400" rtl="0" eaLnBrk="1" latinLnBrk="0" hangingPunct="1">
+      <a:defRPr sz="1200" kern="1200">
+        <a:solidFill>
+          <a:schemeClr val="tx1"/>
+        </a:solidFill>
+        <a:latin typeface="+mn-lt"/>
+        <a:ea typeface="+mn-ea"/>
+        <a:cs typeface="+mn-cs"/>
+      </a:defRPr>
+    </a:lvl1pPr>
+    <a:lvl2pPr marL="457200" algn="l" defTabSz="914400" rtl="0" eaLnBrk="1" latinLnBrk="0" hangingPunct="1">
+      <a:defRPr sz="1200" kern="1200">
+        <a:solidFill>
+          <a:schemeClr val="tx1"/>
+        </a:solidFill>
+        <a:latin typeface="+mn-lt"/>
+        <a:ea typeface="+mn-ea"/>
+        <a:cs typeface="+mn-cs"/>
+      </a:defRPr>
+    </a:lvl2pPr>
+    <a:lvl3pPr marL="914400" algn="l" defTabSz="914400" rtl="0" eaLnBrk="1" latinLnBrk="0" hangingPunct="1">
+      <a:defRPr sz="1200" kern="1200">
+        <a:solidFill>
+          <a:schemeClr val="tx1"/>
+        </a:solidFill>
+        <a:latin typeface="+mn-lt"/>
+        <a:ea typeface="+mn-ea"/>
+        <a:cs typeface="+mn-cs"/>
+      </a:defRPr>
+    </a:lvl3pPr>
+    <a:lvl4pPr marL="1371600" algn="l" defTabSz="914400" rtl="0" eaLnBrk="1" latinLnBrk="0" hangingPunct="1">
+      <a:defRPr sz="1200" kern="1200">
+        <a:solidFill>
+          <a:schemeClr val="tx1"/>
+        </a:solidFill>
+        <a:latin typeface="+mn-lt"/>
+        <a:ea typeface="+mn-ea"/>
+        <a:cs typeface="+mn-cs"/>
+      </a:defRPr>
+    </a:lvl4pPr>
+    <a:lvl5pPr marL="1828800" algn="l" defTabSz="914400" rtl="0" eaLnBrk="1" latinLnBrk="0" hangingPunct="1">
+      <a:defRPr sz="1200" kern="1200">
+        <a:solidFill>
+          <a:schemeClr val="tx1"/>
+        </a:solidFill>
+        <a:latin typeface="+mn-lt"/>
+        <a:ea typeface="+mn-ea"/>
+        <a:cs typeface="+mn-cs"/>
+      </a:defRPr>
+    </a:lvl5pPr>
+    <a:lvl6pPr marL="2286000" algn="l" defTabSz="914400" rtl="0" eaLnBrk="1" latinLnBrk="0" hangingPunct="1">
+      <a:defRPr sz="1200" kern="1200">
+        <a:solidFill>
+          <a:schemeClr val="tx1"/>
+        </a:solidFill>
+        <a:latin typeface="+mn-lt"/>
+        <a:ea typeface="+mn-ea"/>
+        <a:cs typeface="+mn-cs"/>
+      </a:defRPr>
+    </a:lvl6pPr>
+    <a:lvl7pPr marL="2743200" algn="l" defTabSz="914400" rtl="0" eaLnBrk="1" latinLnBrk="0" hangingPunct="1">
+      <a:defRPr sz="1200" kern="1200">
+        <a:solidFill>
+          <a:schemeClr val="tx1"/>
+        </a:solidFill>
+        <a:latin typeface="+mn-lt"/>
+        <a:ea typeface="+mn-ea"/>
+        <a:cs typeface="+mn-cs"/>
+      </a:defRPr>
+    </a:lvl7pPr>
+    <a:lvl8pPr marL="3200400" algn="l" defTabSz="914400" rtl="0" eaLnBrk="1" latinLnBrk="0" hangingPunct="1">
+      <a:defRPr sz="1200" kern="1200">
+        <a:solidFill>
+          <a:schemeClr val="tx1"/>
+        </a:solidFill>
+        <a:latin typeface="+mn-lt"/>
+        <a:ea typeface="+mn-ea"/>
+        <a:cs typeface="+mn-cs"/>
+      </a:defRPr>
+    </a:lvl8pPr>
+    <a:lvl9pPr marL="3657600" algn="l" defTabSz="914400" rtl="0" eaLnBrk="1" latinLnBrk="0" hangingPunct="1">
+      <a:defRPr sz="1200" kern="1200">
+        <a:solidFill>
+          <a:schemeClr val="tx1"/>
+        </a:solidFill>
+        <a:latin typeface="+mn-lt"/>
+        <a:ea typeface="+mn-ea"/>
+        <a:cs typeface="+mn-cs"/>
+      </a:defRPr>
+    </a:lvl9pPr>
+  </p:notesStyle>
+</p:notesMaster>
+</file>
+
 <file path=ppt/slideLayouts/slideLayout1.xml><?xml version="1.0" encoding="utf-8"?>
 <p:sldLayout xmlns:a="http://schemas.openxmlformats.org/drawingml/2006/main" xmlns:r="http://schemas.openxmlformats.org/officeDocument/2006/relationships" xmlns:p="http://schemas.openxmlformats.org/presentationml/2006/main" showMasterSp="0" type="title" preserve="1">
   <p:cSld name="Title Slide">
@@ -457,7 +817,7 @@
           <a:p>
             <a:fld id="{C0A3DACC-474D-44ED-8DF0-6B6BA2CE3243}" type="datetimeFigureOut">
               <a:rPr lang="en-US" smtClean="0"/>
-              <a:t>5/14/2022</a:t>
+              <a:t>5/15/2022</a:t>
             </a:fld>
             <a:endParaRPr lang="en-US"/>
           </a:p>
@@ -1545,7 +1905,7 @@
           <a:p>
             <a:fld id="{C0A3DACC-474D-44ED-8DF0-6B6BA2CE3243}" type="datetimeFigureOut">
               <a:rPr lang="en-US" smtClean="0"/>
-              <a:t>5/14/2022</a:t>
+              <a:t>5/15/2022</a:t>
             </a:fld>
             <a:endParaRPr lang="en-US"/>
           </a:p>
@@ -2525,7 +2885,7 @@
           <a:p>
             <a:fld id="{C0A3DACC-474D-44ED-8DF0-6B6BA2CE3243}" type="datetimeFigureOut">
               <a:rPr lang="en-US" smtClean="0"/>
-              <a:t>5/14/2022</a:t>
+              <a:t>5/15/2022</a:t>
             </a:fld>
             <a:endParaRPr lang="en-US"/>
           </a:p>
@@ -3659,7 +4019,7 @@
           <a:p>
             <a:fld id="{C0A3DACC-474D-44ED-8DF0-6B6BA2CE3243}" type="datetimeFigureOut">
               <a:rPr lang="en-US" smtClean="0"/>
-              <a:t>5/14/2022</a:t>
+              <a:t>5/15/2022</a:t>
             </a:fld>
             <a:endParaRPr lang="en-US"/>
           </a:p>
@@ -4692,7 +5052,7 @@
           <a:p>
             <a:fld id="{C0A3DACC-474D-44ED-8DF0-6B6BA2CE3243}" type="datetimeFigureOut">
               <a:rPr lang="en-US" smtClean="0"/>
-              <a:t>5/14/2022</a:t>
+              <a:t>5/15/2022</a:t>
             </a:fld>
             <a:endParaRPr lang="en-US"/>
           </a:p>
@@ -5352,7 +5712,7 @@
           <a:p>
             <a:fld id="{C0A3DACC-474D-44ED-8DF0-6B6BA2CE3243}" type="datetimeFigureOut">
               <a:rPr lang="en-US" smtClean="0"/>
-              <a:t>5/14/2022</a:t>
+              <a:t>5/15/2022</a:t>
             </a:fld>
             <a:endParaRPr lang="en-US"/>
           </a:p>
@@ -6213,7 +6573,7 @@
           <a:p>
             <a:fld id="{C0A3DACC-474D-44ED-8DF0-6B6BA2CE3243}" type="datetimeFigureOut">
               <a:rPr lang="en-US" smtClean="0"/>
-              <a:t>5/14/2022</a:t>
+              <a:t>5/15/2022</a:t>
             </a:fld>
             <a:endParaRPr lang="en-US"/>
           </a:p>
@@ -6403,7 +6763,7 @@
           <a:p>
             <a:fld id="{C0A3DACC-474D-44ED-8DF0-6B6BA2CE3243}" type="datetimeFigureOut">
               <a:rPr lang="en-US" smtClean="0"/>
-              <a:t>5/14/2022</a:t>
+              <a:t>5/15/2022</a:t>
             </a:fld>
             <a:endParaRPr lang="en-US"/>
           </a:p>
@@ -7375,7 +7735,7 @@
           <a:p>
             <a:fld id="{C0A3DACC-474D-44ED-8DF0-6B6BA2CE3243}" type="datetimeFigureOut">
               <a:rPr lang="en-US" smtClean="0"/>
-              <a:t>5/14/2022</a:t>
+              <a:t>5/15/2022</a:t>
             </a:fld>
             <a:endParaRPr lang="en-US"/>
           </a:p>
@@ -7586,7 +7946,7 @@
           <a:p>
             <a:fld id="{C0A3DACC-474D-44ED-8DF0-6B6BA2CE3243}" type="datetimeFigureOut">
               <a:rPr lang="en-US" smtClean="0"/>
-              <a:t>5/14/2022</a:t>
+              <a:t>5/15/2022</a:t>
             </a:fld>
             <a:endParaRPr lang="en-US"/>
           </a:p>
@@ -8620,7 +8980,7 @@
           <a:p>
             <a:fld id="{C0A3DACC-474D-44ED-8DF0-6B6BA2CE3243}" type="datetimeFigureOut">
               <a:rPr lang="en-US" smtClean="0"/>
-              <a:t>5/14/2022</a:t>
+              <a:t>5/15/2022</a:t>
             </a:fld>
             <a:endParaRPr lang="en-US"/>
           </a:p>
@@ -8892,7 +9252,7 @@
           <a:p>
             <a:fld id="{C0A3DACC-474D-44ED-8DF0-6B6BA2CE3243}" type="datetimeFigureOut">
               <a:rPr lang="en-US" smtClean="0"/>
-              <a:t>5/14/2022</a:t>
+              <a:t>5/15/2022</a:t>
             </a:fld>
             <a:endParaRPr lang="en-US"/>
           </a:p>
@@ -9302,7 +9662,7 @@
           <a:p>
             <a:fld id="{C0A3DACC-474D-44ED-8DF0-6B6BA2CE3243}" type="datetimeFigureOut">
               <a:rPr lang="en-US" smtClean="0"/>
-              <a:t>5/14/2022</a:t>
+              <a:t>5/15/2022</a:t>
             </a:fld>
             <a:endParaRPr lang="en-US"/>
           </a:p>
@@ -9429,7 +9789,7 @@
           <a:p>
             <a:fld id="{C0A3DACC-474D-44ED-8DF0-6B6BA2CE3243}" type="datetimeFigureOut">
               <a:rPr lang="en-US" smtClean="0"/>
-              <a:t>5/14/2022</a:t>
+              <a:t>5/15/2022</a:t>
             </a:fld>
             <a:endParaRPr lang="en-US"/>
           </a:p>
@@ -9524,7 +9884,7 @@
           <a:p>
             <a:fld id="{C0A3DACC-474D-44ED-8DF0-6B6BA2CE3243}" type="datetimeFigureOut">
               <a:rPr lang="en-US" smtClean="0"/>
-              <a:t>5/14/2022</a:t>
+              <a:t>5/15/2022</a:t>
             </a:fld>
             <a:endParaRPr lang="en-US"/>
           </a:p>
@@ -10605,7 +10965,7 @@
           <a:p>
             <a:fld id="{C0A3DACC-474D-44ED-8DF0-6B6BA2CE3243}" type="datetimeFigureOut">
               <a:rPr lang="en-US" smtClean="0"/>
-              <a:t>5/14/2022</a:t>
+              <a:t>5/15/2022</a:t>
             </a:fld>
             <a:endParaRPr lang="en-US"/>
           </a:p>
@@ -11713,7 +12073,7 @@
           <a:p>
             <a:fld id="{C0A3DACC-474D-44ED-8DF0-6B6BA2CE3243}" type="datetimeFigureOut">
               <a:rPr lang="en-US" smtClean="0"/>
-              <a:t>5/14/2022</a:t>
+              <a:t>5/15/2022</a:t>
             </a:fld>
             <a:endParaRPr lang="en-US"/>
           </a:p>
@@ -12710,7 +13070,7 @@
           <a:p>
             <a:fld id="{C0A3DACC-474D-44ED-8DF0-6B6BA2CE3243}" type="datetimeFigureOut">
               <a:rPr lang="en-US" smtClean="0"/>
-              <a:t>5/14/2022</a:t>
+              <a:t>5/15/2022</a:t>
             </a:fld>
             <a:endParaRPr lang="en-US"/>
           </a:p>
@@ -13426,6 +13786,155 @@
                 <a:latin typeface="Arial" panose="020B0604020202020204" pitchFamily="34" charset="0"/>
                 <a:cs typeface="Arial" panose="020B0604020202020204" pitchFamily="34" charset="0"/>
               </a:rPr>
+              <a:t>What is compiler?</a:t>
+            </a:r>
+            <a:endParaRPr lang="en-US" dirty="0">
+              <a:latin typeface="Arial" panose="020B0604020202020204" pitchFamily="34" charset="0"/>
+              <a:cs typeface="Arial" panose="020B0604020202020204" pitchFamily="34" charset="0"/>
+            </a:endParaRPr>
+          </a:p>
+        </p:txBody>
+      </p:sp>
+      <p:sp>
+        <p:nvSpPr>
+          <p:cNvPr id="3" name="Content Placeholder 2"/>
+          <p:cNvSpPr>
+            <a:spLocks noGrp="1"/>
+          </p:cNvSpPr>
+          <p:nvPr>
+            <p:ph idx="1"/>
+          </p:nvPr>
+        </p:nvSpPr>
+        <p:spPr>
+          <a:xfrm>
+            <a:off x="1546839" y="2603499"/>
+            <a:ext cx="8825659" cy="4021235"/>
+          </a:xfrm>
+        </p:spPr>
+        <p:txBody>
+          <a:bodyPr/>
+          <a:lstStyle/>
+          <a:p>
+            <a:r>
+              <a:rPr lang="en-US" dirty="0"/>
+              <a:t>A compiler is a special program that translates a programming language's </a:t>
+            </a:r>
+            <a:r>
+              <a:rPr lang="en-US" dirty="0" smtClean="0"/>
+              <a:t>source code into </a:t>
+            </a:r>
+            <a:r>
+              <a:rPr lang="en-US" dirty="0"/>
+              <a:t>machine code, bytecode or another programming language. The source code is typically written in a high-level, human-readable language such as </a:t>
+            </a:r>
+            <a:r>
+              <a:rPr lang="en-US" b="1" dirty="0" smtClean="0"/>
+              <a:t>C#</a:t>
+            </a:r>
+            <a:r>
+              <a:rPr lang="en-US" dirty="0" smtClean="0"/>
+              <a:t>, </a:t>
+            </a:r>
+            <a:r>
+              <a:rPr lang="en-US" b="1" dirty="0" smtClean="0"/>
+              <a:t>Java, C++, etc</a:t>
+            </a:r>
+            <a:r>
+              <a:rPr lang="en-US" dirty="0" smtClean="0"/>
+              <a:t>.</a:t>
+            </a:r>
+            <a:endParaRPr lang="en-US" dirty="0"/>
+          </a:p>
+        </p:txBody>
+      </p:sp>
+      <p:pic>
+        <p:nvPicPr>
+          <p:cNvPr id="5" name="Picture 4"/>
+          <p:cNvPicPr>
+            <a:picLocks noChangeAspect="1"/>
+          </p:cNvPicPr>
+          <p:nvPr/>
+        </p:nvPicPr>
+        <p:blipFill>
+          <a:blip r:embed="rId2">
+            <a:extLst>
+              <a:ext uri="{28A0092B-C50C-407E-A947-70E740481C1C}">
+                <a14:useLocalDpi xmlns:a14="http://schemas.microsoft.com/office/drawing/2010/main" val="0"/>
+              </a:ext>
+            </a:extLst>
+          </a:blip>
+          <a:stretch>
+            <a:fillRect/>
+          </a:stretch>
+        </p:blipFill>
+        <p:spPr>
+          <a:xfrm>
+            <a:off x="1905842" y="3948209"/>
+            <a:ext cx="8010525" cy="2676525"/>
+          </a:xfrm>
+          <a:prstGeom prst="rect">
+            <a:avLst/>
+          </a:prstGeom>
+        </p:spPr>
+      </p:pic>
+    </p:spTree>
+    <p:extLst>
+      <p:ext uri="{BB962C8B-B14F-4D97-AF65-F5344CB8AC3E}">
+        <p14:creationId xmlns:p14="http://schemas.microsoft.com/office/powerpoint/2010/main" val="525679394"/>
+      </p:ext>
+    </p:extLst>
+  </p:cSld>
+  <p:clrMapOvr>
+    <a:masterClrMapping/>
+  </p:clrMapOvr>
+  <p:timing>
+    <p:tnLst>
+      <p:par>
+        <p:cTn id="1" dur="indefinite" restart="never" nodeType="tmRoot"/>
+      </p:par>
+    </p:tnLst>
+  </p:timing>
+</p:sld>
+</file>
+
+<file path=ppt/slides/slide11.xml><?xml version="1.0" encoding="utf-8"?>
+<p:sld xmlns:a="http://schemas.openxmlformats.org/drawingml/2006/main" xmlns:r="http://schemas.openxmlformats.org/officeDocument/2006/relationships" xmlns:p="http://schemas.openxmlformats.org/presentationml/2006/main">
+  <p:cSld>
+    <p:spTree>
+      <p:nvGrpSpPr>
+        <p:cNvPr id="1" name=""/>
+        <p:cNvGrpSpPr/>
+        <p:nvPr/>
+      </p:nvGrpSpPr>
+      <p:grpSpPr>
+        <a:xfrm>
+          <a:off x="0" y="0"/>
+          <a:ext cx="0" cy="0"/>
+          <a:chOff x="0" y="0"/>
+          <a:chExt cx="0" cy="0"/>
+        </a:xfrm>
+      </p:grpSpPr>
+      <p:sp>
+        <p:nvSpPr>
+          <p:cNvPr id="2" name="Title 1"/>
+          <p:cNvSpPr>
+            <a:spLocks noGrp="1"/>
+          </p:cNvSpPr>
+          <p:nvPr>
+            <p:ph type="title"/>
+          </p:nvPr>
+        </p:nvSpPr>
+        <p:spPr/>
+        <p:txBody>
+          <a:bodyPr/>
+          <a:lstStyle/>
+          <a:p>
+            <a:pPr algn="ctr"/>
+            <a:r>
+              <a:rPr lang="en-US" dirty="0" smtClean="0">
+                <a:latin typeface="Arial" panose="020B0604020202020204" pitchFamily="34" charset="0"/>
+                <a:cs typeface="Arial" panose="020B0604020202020204" pitchFamily="34" charset="0"/>
+              </a:rPr>
               <a:t>What is an IDE?</a:t>
             </a:r>
             <a:endParaRPr lang="en-US" dirty="0">
@@ -13726,7 +14235,7 @@
 </p:sld>
 </file>
 
-<file path=ppt/slides/slide11.xml><?xml version="1.0" encoding="utf-8"?>
+<file path=ppt/slides/slide12.xml><?xml version="1.0" encoding="utf-8"?>
 <p:sld xmlns:a="http://schemas.openxmlformats.org/drawingml/2006/main" xmlns:r="http://schemas.openxmlformats.org/officeDocument/2006/relationships" xmlns:p="http://schemas.openxmlformats.org/presentationml/2006/main">
   <p:cSld>
     <p:spTree>
@@ -13760,66 +14269,16 @@
           <a:p>
             <a:pPr algn="ctr"/>
             <a:r>
-              <a:rPr lang="en-US" dirty="0" smtClean="0">
-                <a:latin typeface="Arial" panose="020B0604020202020204" pitchFamily="34" charset="0"/>
-                <a:cs typeface="Arial" panose="020B0604020202020204" pitchFamily="34" charset="0"/>
-              </a:rPr>
-              <a:t>What is compiler?</a:t>
-            </a:r>
-            <a:endParaRPr lang="en-US" dirty="0">
-              <a:latin typeface="Arial" panose="020B0604020202020204" pitchFamily="34" charset="0"/>
-              <a:cs typeface="Arial" panose="020B0604020202020204" pitchFamily="34" charset="0"/>
-            </a:endParaRPr>
-          </a:p>
-        </p:txBody>
-      </p:sp>
-      <p:sp>
-        <p:nvSpPr>
-          <p:cNvPr id="3" name="Content Placeholder 2"/>
-          <p:cNvSpPr>
-            <a:spLocks noGrp="1"/>
-          </p:cNvSpPr>
-          <p:nvPr>
-            <p:ph idx="1"/>
-          </p:nvPr>
-        </p:nvSpPr>
-        <p:spPr>
-          <a:xfrm>
-            <a:off x="1546839" y="2603499"/>
-            <a:ext cx="8825659" cy="4021235"/>
-          </a:xfrm>
-        </p:spPr>
-        <p:txBody>
-          <a:bodyPr/>
-          <a:lstStyle/>
-          <a:p>
-            <a:r>
-              <a:rPr lang="en-US" dirty="0"/>
-              <a:t>A compiler is a special program that translates a programming language's </a:t>
-            </a:r>
-            <a:r>
               <a:rPr lang="en-US" dirty="0" smtClean="0"/>
-              <a:t>source code into </a:t>
-            </a:r>
-            <a:r>
-              <a:rPr lang="en-US" dirty="0"/>
-              <a:t>machine code, bytecode or another programming language. The source code is typically written in a high-level, human-readable language such as </a:t>
-            </a:r>
-            <a:r>
-              <a:rPr lang="en-US" b="1" dirty="0" smtClean="0"/>
-              <a:t>C#</a:t>
+              <a:t>Visual Studio</a:t>
+            </a:r>
+            <a:r>
+              <a:rPr lang="bg-BG" dirty="0" smtClean="0"/>
+              <a:t> 2022</a:t>
             </a:r>
             <a:r>
               <a:rPr lang="en-US" dirty="0" smtClean="0"/>
-              <a:t>, </a:t>
-            </a:r>
-            <a:r>
-              <a:rPr lang="en-US" b="1" dirty="0" smtClean="0"/>
-              <a:t>Java, C++, etc</a:t>
-            </a:r>
-            <a:r>
-              <a:rPr lang="en-US" dirty="0" smtClean="0"/>
-              <a:t>.</a:t>
+              <a:t> /installation/</a:t>
             </a:r>
             <a:endParaRPr lang="en-US" dirty="0"/>
           </a:p>
@@ -13827,11 +14286,13 @@
       </p:sp>
       <p:pic>
         <p:nvPicPr>
-          <p:cNvPr id="5" name="Picture 4"/>
+          <p:cNvPr id="4" name="Content Placeholder 3"/>
           <p:cNvPicPr>
-            <a:picLocks noChangeAspect="1"/>
+            <a:picLocks noGrp="1" noChangeAspect="1"/>
           </p:cNvPicPr>
-          <p:nvPr/>
+          <p:nvPr>
+            <p:ph idx="1"/>
+          </p:nvPr>
         </p:nvPicPr>
         <p:blipFill>
           <a:blip r:embed="rId2">
@@ -13847,8 +14308,726 @@
         </p:blipFill>
         <p:spPr>
           <a:xfrm>
-            <a:off x="1905842" y="3948209"/>
-            <a:ext cx="8010525" cy="2676525"/>
+            <a:off x="2484792" y="2407556"/>
+            <a:ext cx="7051094" cy="3966241"/>
+          </a:xfrm>
+        </p:spPr>
+      </p:pic>
+    </p:spTree>
+    <p:extLst>
+      <p:ext uri="{BB962C8B-B14F-4D97-AF65-F5344CB8AC3E}">
+        <p14:creationId xmlns:p14="http://schemas.microsoft.com/office/powerpoint/2010/main" val="1144952382"/>
+      </p:ext>
+    </p:extLst>
+  </p:cSld>
+  <p:clrMapOvr>
+    <a:masterClrMapping/>
+  </p:clrMapOvr>
+</p:sld>
+</file>
+
+<file path=ppt/slides/slide13.xml><?xml version="1.0" encoding="utf-8"?>
+<p:sld xmlns:a="http://schemas.openxmlformats.org/drawingml/2006/main" xmlns:r="http://schemas.openxmlformats.org/officeDocument/2006/relationships" xmlns:p="http://schemas.openxmlformats.org/presentationml/2006/main">
+  <p:cSld>
+    <p:spTree>
+      <p:nvGrpSpPr>
+        <p:cNvPr id="1" name=""/>
+        <p:cNvGrpSpPr/>
+        <p:nvPr/>
+      </p:nvGrpSpPr>
+      <p:grpSpPr>
+        <a:xfrm>
+          <a:off x="0" y="0"/>
+          <a:ext cx="0" cy="0"/>
+          <a:chOff x="0" y="0"/>
+          <a:chExt cx="0" cy="0"/>
+        </a:xfrm>
+      </p:grpSpPr>
+      <p:sp>
+        <p:nvSpPr>
+          <p:cNvPr id="2" name="Title 1"/>
+          <p:cNvSpPr>
+            <a:spLocks noGrp="1"/>
+          </p:cNvSpPr>
+          <p:nvPr>
+            <p:ph type="title"/>
+          </p:nvPr>
+        </p:nvSpPr>
+        <p:spPr/>
+        <p:txBody>
+          <a:bodyPr/>
+          <a:lstStyle/>
+          <a:p>
+            <a:pPr algn="ctr"/>
+            <a:r>
+              <a:rPr lang="en-US" dirty="0" smtClean="0">
+                <a:latin typeface="Arial" panose="020B0604020202020204" pitchFamily="34" charset="0"/>
+                <a:cs typeface="Arial" panose="020B0604020202020204" pitchFamily="34" charset="0"/>
+              </a:rPr>
+              <a:t>C# variables</a:t>
+            </a:r>
+            <a:endParaRPr lang="en-US" dirty="0">
+              <a:latin typeface="Arial" panose="020B0604020202020204" pitchFamily="34" charset="0"/>
+              <a:cs typeface="Arial" panose="020B0604020202020204" pitchFamily="34" charset="0"/>
+            </a:endParaRPr>
+          </a:p>
+        </p:txBody>
+      </p:sp>
+      <p:sp>
+        <p:nvSpPr>
+          <p:cNvPr id="3" name="Content Placeholder 2"/>
+          <p:cNvSpPr>
+            <a:spLocks noGrp="1"/>
+          </p:cNvSpPr>
+          <p:nvPr>
+            <p:ph idx="1"/>
+          </p:nvPr>
+        </p:nvSpPr>
+        <p:spPr/>
+        <p:txBody>
+          <a:bodyPr/>
+          <a:lstStyle/>
+          <a:p>
+            <a:r>
+              <a:rPr lang="en-US" dirty="0" smtClean="0"/>
+              <a:t>Variables are containers for storing of data values.</a:t>
+            </a:r>
+          </a:p>
+          <a:p>
+            <a:r>
+              <a:rPr lang="en-US" dirty="0" smtClean="0"/>
+              <a:t>In </a:t>
+            </a:r>
+            <a:r>
+              <a:rPr lang="en-US" b="1" dirty="0" smtClean="0"/>
+              <a:t>C#</a:t>
+            </a:r>
+            <a:r>
+              <a:rPr lang="en-US" dirty="0" smtClean="0"/>
+              <a:t>, there are different types of variables (defined with different keywords), for example:</a:t>
+            </a:r>
+          </a:p>
+          <a:p>
+            <a:pPr lvl="1"/>
+            <a:r>
+              <a:rPr lang="en-US" b="1" dirty="0" err="1" smtClean="0"/>
+              <a:t>Int</a:t>
+            </a:r>
+            <a:r>
+              <a:rPr lang="en-US" dirty="0" smtClean="0"/>
+              <a:t> – stores integers (whole numbers), without decimals, such </a:t>
+            </a:r>
+            <a:r>
+              <a:rPr lang="en-US" b="1" dirty="0" smtClean="0"/>
+              <a:t>127</a:t>
+            </a:r>
+            <a:r>
+              <a:rPr lang="en-US" dirty="0" smtClean="0"/>
+              <a:t> or -</a:t>
+            </a:r>
+            <a:r>
+              <a:rPr lang="en-US" b="1" dirty="0" smtClean="0"/>
+              <a:t>127</a:t>
+            </a:r>
+          </a:p>
+          <a:p>
+            <a:pPr lvl="1"/>
+            <a:r>
+              <a:rPr lang="en-US" b="1" dirty="0"/>
+              <a:t>d</a:t>
+            </a:r>
+            <a:r>
+              <a:rPr lang="en-US" b="1" dirty="0" smtClean="0"/>
+              <a:t>ouble</a:t>
+            </a:r>
+            <a:r>
+              <a:rPr lang="en-US" dirty="0" smtClean="0"/>
+              <a:t> – stores floating point numbers, with decimals, such </a:t>
+            </a:r>
+            <a:r>
+              <a:rPr lang="en-US" b="1" dirty="0" smtClean="0"/>
+              <a:t>19.99</a:t>
+            </a:r>
+            <a:r>
+              <a:rPr lang="en-US" dirty="0" smtClean="0"/>
+              <a:t> or </a:t>
+            </a:r>
+            <a:r>
+              <a:rPr lang="en-US" b="1" dirty="0" smtClean="0"/>
+              <a:t>-19.99</a:t>
+            </a:r>
+          </a:p>
+          <a:p>
+            <a:pPr lvl="1"/>
+            <a:r>
+              <a:rPr lang="en-US" b="1" dirty="0"/>
+              <a:t>c</a:t>
+            </a:r>
+            <a:r>
+              <a:rPr lang="en-US" b="1" dirty="0" smtClean="0"/>
+              <a:t>har</a:t>
+            </a:r>
+            <a:r>
+              <a:rPr lang="en-US" dirty="0" smtClean="0"/>
+              <a:t> – stores single characters, such as </a:t>
+            </a:r>
+            <a:r>
+              <a:rPr lang="en-US" b="1" dirty="0" smtClean="0"/>
+              <a:t>‘a’</a:t>
+            </a:r>
+            <a:r>
+              <a:rPr lang="en-US" dirty="0" smtClean="0"/>
+              <a:t> or </a:t>
+            </a:r>
+            <a:r>
+              <a:rPr lang="en-US" b="1" dirty="0" smtClean="0"/>
+              <a:t>‘B’</a:t>
+            </a:r>
+            <a:r>
+              <a:rPr lang="en-US" dirty="0" smtClean="0"/>
+              <a:t>. Char values are surrounded by single quotes.</a:t>
+            </a:r>
+          </a:p>
+          <a:p>
+            <a:pPr lvl="1"/>
+            <a:r>
+              <a:rPr lang="en-US" b="1" dirty="0"/>
+              <a:t>s</a:t>
+            </a:r>
+            <a:r>
+              <a:rPr lang="en-US" b="1" dirty="0" smtClean="0"/>
+              <a:t>tring</a:t>
+            </a:r>
+            <a:r>
+              <a:rPr lang="en-US" dirty="0" smtClean="0"/>
+              <a:t> – stores text, such </a:t>
+            </a:r>
+            <a:r>
+              <a:rPr lang="en-US" b="1" dirty="0" smtClean="0"/>
+              <a:t>“Hello World”</a:t>
+            </a:r>
+            <a:r>
+              <a:rPr lang="en-US" dirty="0" smtClean="0"/>
+              <a:t>. String values are surrounded by double quotes.</a:t>
+            </a:r>
+          </a:p>
+          <a:p>
+            <a:pPr lvl="1"/>
+            <a:r>
+              <a:rPr lang="en-US" b="1" dirty="0"/>
+              <a:t>b</a:t>
+            </a:r>
+            <a:r>
+              <a:rPr lang="en-US" b="1" dirty="0" smtClean="0"/>
+              <a:t>ool</a:t>
+            </a:r>
+            <a:r>
+              <a:rPr lang="en-US" dirty="0" smtClean="0"/>
+              <a:t> – stores values with two states: </a:t>
+            </a:r>
+            <a:r>
+              <a:rPr lang="en-US" b="1" dirty="0" smtClean="0"/>
+              <a:t>true</a:t>
+            </a:r>
+            <a:r>
+              <a:rPr lang="en-US" dirty="0" smtClean="0"/>
+              <a:t> or </a:t>
+            </a:r>
+            <a:r>
+              <a:rPr lang="en-US" b="1" dirty="0" smtClean="0"/>
+              <a:t>false</a:t>
+            </a:r>
+            <a:endParaRPr lang="en-US" b="1" dirty="0"/>
+          </a:p>
+        </p:txBody>
+      </p:sp>
+    </p:spTree>
+    <p:extLst>
+      <p:ext uri="{BB962C8B-B14F-4D97-AF65-F5344CB8AC3E}">
+        <p14:creationId xmlns:p14="http://schemas.microsoft.com/office/powerpoint/2010/main" val="644180142"/>
+      </p:ext>
+    </p:extLst>
+  </p:cSld>
+  <p:clrMapOvr>
+    <a:masterClrMapping/>
+  </p:clrMapOvr>
+</p:sld>
+</file>
+
+<file path=ppt/slides/slide14.xml><?xml version="1.0" encoding="utf-8"?>
+<p:sld xmlns:a="http://schemas.openxmlformats.org/drawingml/2006/main" xmlns:r="http://schemas.openxmlformats.org/officeDocument/2006/relationships" xmlns:p="http://schemas.openxmlformats.org/presentationml/2006/main">
+  <p:cSld>
+    <p:spTree>
+      <p:nvGrpSpPr>
+        <p:cNvPr id="1" name=""/>
+        <p:cNvGrpSpPr/>
+        <p:nvPr/>
+      </p:nvGrpSpPr>
+      <p:grpSpPr>
+        <a:xfrm>
+          <a:off x="0" y="0"/>
+          <a:ext cx="0" cy="0"/>
+          <a:chOff x="0" y="0"/>
+          <a:chExt cx="0" cy="0"/>
+        </a:xfrm>
+      </p:grpSpPr>
+      <p:sp>
+        <p:nvSpPr>
+          <p:cNvPr id="2" name="Title 1"/>
+          <p:cNvSpPr>
+            <a:spLocks noGrp="1"/>
+          </p:cNvSpPr>
+          <p:nvPr>
+            <p:ph type="title"/>
+          </p:nvPr>
+        </p:nvSpPr>
+        <p:spPr/>
+        <p:txBody>
+          <a:bodyPr/>
+          <a:lstStyle/>
+          <a:p>
+            <a:pPr algn="ctr"/>
+            <a:r>
+              <a:rPr lang="en-US" dirty="0" smtClean="0">
+                <a:latin typeface="Arial" panose="020B0604020202020204" pitchFamily="34" charset="0"/>
+                <a:cs typeface="Arial" panose="020B0604020202020204" pitchFamily="34" charset="0"/>
+              </a:rPr>
+              <a:t>Conditional logic (</a:t>
+            </a:r>
+            <a:r>
+              <a:rPr lang="en-US" dirty="0" smtClean="0">
+                <a:solidFill>
+                  <a:srgbClr val="FFFF00"/>
+                </a:solidFill>
+                <a:latin typeface="Arial" panose="020B0604020202020204" pitchFamily="34" charset="0"/>
+                <a:cs typeface="Arial" panose="020B0604020202020204" pitchFamily="34" charset="0"/>
+              </a:rPr>
+              <a:t>if/else if/else</a:t>
+            </a:r>
+            <a:r>
+              <a:rPr lang="en-US" dirty="0" smtClean="0">
+                <a:latin typeface="Arial" panose="020B0604020202020204" pitchFamily="34" charset="0"/>
+                <a:cs typeface="Arial" panose="020B0604020202020204" pitchFamily="34" charset="0"/>
+              </a:rPr>
+              <a:t>)</a:t>
+            </a:r>
+            <a:endParaRPr lang="en-US" dirty="0">
+              <a:latin typeface="Arial" panose="020B0604020202020204" pitchFamily="34" charset="0"/>
+              <a:cs typeface="Arial" panose="020B0604020202020204" pitchFamily="34" charset="0"/>
+            </a:endParaRPr>
+          </a:p>
+        </p:txBody>
+      </p:sp>
+      <p:pic>
+        <p:nvPicPr>
+          <p:cNvPr id="4" name="Content Placeholder 3"/>
+          <p:cNvPicPr>
+            <a:picLocks noGrp="1" noChangeAspect="1"/>
+          </p:cNvPicPr>
+          <p:nvPr>
+            <p:ph idx="1"/>
+          </p:nvPr>
+        </p:nvPicPr>
+        <p:blipFill>
+          <a:blip r:embed="rId2">
+            <a:extLst>
+              <a:ext uri="{28A0092B-C50C-407E-A947-70E740481C1C}">
+                <a14:useLocalDpi xmlns:a14="http://schemas.microsoft.com/office/drawing/2010/main" val="0"/>
+              </a:ext>
+            </a:extLst>
+          </a:blip>
+          <a:stretch>
+            <a:fillRect/>
+          </a:stretch>
+        </p:blipFill>
+        <p:spPr>
+          <a:xfrm>
+            <a:off x="2453053" y="2632449"/>
+            <a:ext cx="6569649" cy="3650809"/>
+          </a:xfrm>
+        </p:spPr>
+      </p:pic>
+    </p:spTree>
+    <p:extLst>
+      <p:ext uri="{BB962C8B-B14F-4D97-AF65-F5344CB8AC3E}">
+        <p14:creationId xmlns:p14="http://schemas.microsoft.com/office/powerpoint/2010/main" val="2584292962"/>
+      </p:ext>
+    </p:extLst>
+  </p:cSld>
+  <p:clrMapOvr>
+    <a:masterClrMapping/>
+  </p:clrMapOvr>
+</p:sld>
+</file>
+
+<file path=ppt/slides/slide15.xml><?xml version="1.0" encoding="utf-8"?>
+<p:sld xmlns:a="http://schemas.openxmlformats.org/drawingml/2006/main" xmlns:r="http://schemas.openxmlformats.org/officeDocument/2006/relationships" xmlns:p="http://schemas.openxmlformats.org/presentationml/2006/main">
+  <p:cSld>
+    <p:spTree>
+      <p:nvGrpSpPr>
+        <p:cNvPr id="1" name=""/>
+        <p:cNvGrpSpPr/>
+        <p:nvPr/>
+      </p:nvGrpSpPr>
+      <p:grpSpPr>
+        <a:xfrm>
+          <a:off x="0" y="0"/>
+          <a:ext cx="0" cy="0"/>
+          <a:chOff x="0" y="0"/>
+          <a:chExt cx="0" cy="0"/>
+        </a:xfrm>
+      </p:grpSpPr>
+      <p:sp>
+        <p:nvSpPr>
+          <p:cNvPr id="2" name="Title 1"/>
+          <p:cNvSpPr>
+            <a:spLocks noGrp="1"/>
+          </p:cNvSpPr>
+          <p:nvPr>
+            <p:ph type="title"/>
+          </p:nvPr>
+        </p:nvSpPr>
+        <p:spPr/>
+        <p:txBody>
+          <a:bodyPr/>
+          <a:lstStyle/>
+          <a:p>
+            <a:pPr algn="ctr"/>
+            <a:r>
+              <a:rPr lang="en-US" dirty="0">
+                <a:solidFill>
+                  <a:srgbClr val="FFFF00"/>
+                </a:solidFill>
+                <a:latin typeface="Arial" panose="020B0604020202020204" pitchFamily="34" charset="0"/>
+                <a:cs typeface="Arial" panose="020B0604020202020204" pitchFamily="34" charset="0"/>
+              </a:rPr>
+              <a:t>s</a:t>
+            </a:r>
+            <a:r>
+              <a:rPr lang="en-US" dirty="0" smtClean="0">
+                <a:solidFill>
+                  <a:srgbClr val="FFFF00"/>
+                </a:solidFill>
+                <a:latin typeface="Arial" panose="020B0604020202020204" pitchFamily="34" charset="0"/>
+                <a:cs typeface="Arial" panose="020B0604020202020204" pitchFamily="34" charset="0"/>
+              </a:rPr>
+              <a:t>witch/case</a:t>
+            </a:r>
+            <a:r>
+              <a:rPr lang="en-US" dirty="0" smtClean="0">
+                <a:latin typeface="Arial" panose="020B0604020202020204" pitchFamily="34" charset="0"/>
+                <a:cs typeface="Arial" panose="020B0604020202020204" pitchFamily="34" charset="0"/>
+              </a:rPr>
+              <a:t> logic</a:t>
+            </a:r>
+            <a:endParaRPr lang="en-US" dirty="0">
+              <a:latin typeface="Arial" panose="020B0604020202020204" pitchFamily="34" charset="0"/>
+              <a:cs typeface="Arial" panose="020B0604020202020204" pitchFamily="34" charset="0"/>
+            </a:endParaRPr>
+          </a:p>
+        </p:txBody>
+      </p:sp>
+      <p:pic>
+        <p:nvPicPr>
+          <p:cNvPr id="4" name="Content Placeholder 3"/>
+          <p:cNvPicPr>
+            <a:picLocks noGrp="1" noChangeAspect="1"/>
+          </p:cNvPicPr>
+          <p:nvPr>
+            <p:ph idx="1"/>
+          </p:nvPr>
+        </p:nvPicPr>
+        <p:blipFill>
+          <a:blip r:embed="rId2">
+            <a:extLst>
+              <a:ext uri="{28A0092B-C50C-407E-A947-70E740481C1C}">
+                <a14:useLocalDpi xmlns:a14="http://schemas.microsoft.com/office/drawing/2010/main" val="0"/>
+              </a:ext>
+            </a:extLst>
+          </a:blip>
+          <a:stretch>
+            <a:fillRect/>
+          </a:stretch>
+        </p:blipFill>
+        <p:spPr>
+          <a:xfrm>
+            <a:off x="2518536" y="2491532"/>
+            <a:ext cx="6597472" cy="4082595"/>
+          </a:xfrm>
+        </p:spPr>
+      </p:pic>
+    </p:spTree>
+    <p:extLst>
+      <p:ext uri="{BB962C8B-B14F-4D97-AF65-F5344CB8AC3E}">
+        <p14:creationId xmlns:p14="http://schemas.microsoft.com/office/powerpoint/2010/main" val="1873394619"/>
+      </p:ext>
+    </p:extLst>
+  </p:cSld>
+  <p:clrMapOvr>
+    <a:masterClrMapping/>
+  </p:clrMapOvr>
+</p:sld>
+</file>
+
+<file path=ppt/slides/slide16.xml><?xml version="1.0" encoding="utf-8"?>
+<p:sld xmlns:a="http://schemas.openxmlformats.org/drawingml/2006/main" xmlns:r="http://schemas.openxmlformats.org/officeDocument/2006/relationships" xmlns:p="http://schemas.openxmlformats.org/presentationml/2006/main">
+  <p:cSld>
+    <p:spTree>
+      <p:nvGrpSpPr>
+        <p:cNvPr id="1" name=""/>
+        <p:cNvGrpSpPr/>
+        <p:nvPr/>
+      </p:nvGrpSpPr>
+      <p:grpSpPr>
+        <a:xfrm>
+          <a:off x="0" y="0"/>
+          <a:ext cx="0" cy="0"/>
+          <a:chOff x="0" y="0"/>
+          <a:chExt cx="0" cy="0"/>
+        </a:xfrm>
+      </p:grpSpPr>
+      <p:sp>
+        <p:nvSpPr>
+          <p:cNvPr id="2" name="Title 1"/>
+          <p:cNvSpPr>
+            <a:spLocks noGrp="1"/>
+          </p:cNvSpPr>
+          <p:nvPr>
+            <p:ph type="title"/>
+          </p:nvPr>
+        </p:nvSpPr>
+        <p:spPr/>
+        <p:txBody>
+          <a:bodyPr/>
+          <a:lstStyle/>
+          <a:p>
+            <a:pPr algn="ctr"/>
+            <a:r>
+              <a:rPr lang="en-US" dirty="0" smtClean="0">
+                <a:latin typeface="Arial" panose="020B0604020202020204" pitchFamily="34" charset="0"/>
+                <a:cs typeface="Arial" panose="020B0604020202020204" pitchFamily="34" charset="0"/>
+              </a:rPr>
+              <a:t>Loops (</a:t>
+            </a:r>
+            <a:r>
+              <a:rPr lang="en-US" dirty="0" smtClean="0">
+                <a:solidFill>
+                  <a:srgbClr val="FFFF00"/>
+                </a:solidFill>
+                <a:latin typeface="Arial" panose="020B0604020202020204" pitchFamily="34" charset="0"/>
+                <a:cs typeface="Arial" panose="020B0604020202020204" pitchFamily="34" charset="0"/>
+              </a:rPr>
+              <a:t>for</a:t>
+            </a:r>
+            <a:r>
+              <a:rPr lang="en-US" dirty="0" smtClean="0">
+                <a:latin typeface="Arial" panose="020B0604020202020204" pitchFamily="34" charset="0"/>
+                <a:cs typeface="Arial" panose="020B0604020202020204" pitchFamily="34" charset="0"/>
+              </a:rPr>
+              <a:t> loop)</a:t>
+            </a:r>
+            <a:endParaRPr lang="en-US" dirty="0">
+              <a:latin typeface="Arial" panose="020B0604020202020204" pitchFamily="34" charset="0"/>
+              <a:cs typeface="Arial" panose="020B0604020202020204" pitchFamily="34" charset="0"/>
+            </a:endParaRPr>
+          </a:p>
+        </p:txBody>
+      </p:sp>
+      <p:pic>
+        <p:nvPicPr>
+          <p:cNvPr id="4" name="Content Placeholder 3"/>
+          <p:cNvPicPr>
+            <a:picLocks noGrp="1" noChangeAspect="1"/>
+          </p:cNvPicPr>
+          <p:nvPr>
+            <p:ph idx="1"/>
+          </p:nvPr>
+        </p:nvPicPr>
+        <p:blipFill>
+          <a:blip r:embed="rId2">
+            <a:extLst>
+              <a:ext uri="{28A0092B-C50C-407E-A947-70E740481C1C}">
+                <a14:useLocalDpi xmlns:a14="http://schemas.microsoft.com/office/drawing/2010/main" val="0"/>
+              </a:ext>
+            </a:extLst>
+          </a:blip>
+          <a:stretch>
+            <a:fillRect/>
+          </a:stretch>
+        </p:blipFill>
+        <p:spPr>
+          <a:xfrm>
+            <a:off x="7127689" y="4979254"/>
+            <a:ext cx="3977467" cy="1365561"/>
+          </a:xfrm>
+        </p:spPr>
+      </p:pic>
+      <p:sp>
+        <p:nvSpPr>
+          <p:cNvPr id="5" name="TextBox 4"/>
+          <p:cNvSpPr txBox="1"/>
+          <p:nvPr/>
+        </p:nvSpPr>
+        <p:spPr>
+          <a:xfrm>
+            <a:off x="979714" y="2593910"/>
+            <a:ext cx="5756988" cy="3139321"/>
+          </a:xfrm>
+          <a:prstGeom prst="rect">
+            <a:avLst/>
+          </a:prstGeom>
+          <a:noFill/>
+        </p:spPr>
+        <p:txBody>
+          <a:bodyPr wrap="square" rtlCol="0">
+            <a:spAutoFit/>
+          </a:bodyPr>
+          <a:lstStyle/>
+          <a:p>
+            <a:r>
+              <a:rPr lang="en-US" dirty="0" smtClean="0">
+                <a:latin typeface="Arial" panose="020B0604020202020204" pitchFamily="34" charset="0"/>
+                <a:cs typeface="Arial" panose="020B0604020202020204" pitchFamily="34" charset="0"/>
+              </a:rPr>
+              <a:t>For loop is one of the most used loops in the programming.</a:t>
+            </a:r>
+          </a:p>
+          <a:p>
+            <a:endParaRPr lang="en-US" dirty="0" smtClean="0">
+              <a:latin typeface="Arial" panose="020B0604020202020204" pitchFamily="34" charset="0"/>
+              <a:cs typeface="Arial" panose="020B0604020202020204" pitchFamily="34" charset="0"/>
+            </a:endParaRPr>
+          </a:p>
+          <a:p>
+            <a:r>
+              <a:rPr lang="en-US" dirty="0" smtClean="0">
+                <a:latin typeface="Arial" panose="020B0604020202020204" pitchFamily="34" charset="0"/>
+                <a:cs typeface="Arial" panose="020B0604020202020204" pitchFamily="34" charset="0"/>
+              </a:rPr>
+              <a:t>It contains three parts:</a:t>
+            </a:r>
+          </a:p>
+          <a:p>
+            <a:endParaRPr lang="en-US" dirty="0" smtClean="0"/>
+          </a:p>
+          <a:p>
+            <a:pPr marL="742950" lvl="1" indent="-285750">
+              <a:buFont typeface="Arial" panose="020B0604020202020204" pitchFamily="34" charset="0"/>
+              <a:buChar char="•"/>
+            </a:pPr>
+            <a:r>
+              <a:rPr lang="en-US" b="1" dirty="0" smtClean="0">
+                <a:latin typeface="Arial" panose="020B0604020202020204" pitchFamily="34" charset="0"/>
+                <a:cs typeface="Arial" panose="020B0604020202020204" pitchFamily="34" charset="0"/>
+              </a:rPr>
+              <a:t>statement </a:t>
+            </a:r>
+            <a:r>
+              <a:rPr lang="en-US" b="1" dirty="0">
+                <a:latin typeface="Arial" panose="020B0604020202020204" pitchFamily="34" charset="0"/>
+                <a:cs typeface="Arial" panose="020B0604020202020204" pitchFamily="34" charset="0"/>
+              </a:rPr>
+              <a:t>1</a:t>
+            </a:r>
+            <a:r>
+              <a:rPr lang="en-US" dirty="0">
+                <a:latin typeface="Arial" panose="020B0604020202020204" pitchFamily="34" charset="0"/>
+                <a:cs typeface="Arial" panose="020B0604020202020204" pitchFamily="34" charset="0"/>
+              </a:rPr>
+              <a:t> is executed (one time) before the execution of the code block.</a:t>
+            </a:r>
+          </a:p>
+          <a:p>
+            <a:pPr marL="742950" lvl="1" indent="-285750">
+              <a:buFont typeface="Arial" panose="020B0604020202020204" pitchFamily="34" charset="0"/>
+              <a:buChar char="•"/>
+            </a:pPr>
+            <a:r>
+              <a:rPr lang="en-US" b="1" dirty="0" smtClean="0">
+                <a:latin typeface="Arial" panose="020B0604020202020204" pitchFamily="34" charset="0"/>
+                <a:cs typeface="Arial" panose="020B0604020202020204" pitchFamily="34" charset="0"/>
+              </a:rPr>
+              <a:t>statement </a:t>
+            </a:r>
+            <a:r>
+              <a:rPr lang="en-US" b="1" dirty="0">
+                <a:latin typeface="Arial" panose="020B0604020202020204" pitchFamily="34" charset="0"/>
+                <a:cs typeface="Arial" panose="020B0604020202020204" pitchFamily="34" charset="0"/>
+              </a:rPr>
+              <a:t>2</a:t>
+            </a:r>
+            <a:r>
+              <a:rPr lang="en-US" dirty="0">
+                <a:latin typeface="Arial" panose="020B0604020202020204" pitchFamily="34" charset="0"/>
+                <a:cs typeface="Arial" panose="020B0604020202020204" pitchFamily="34" charset="0"/>
+              </a:rPr>
+              <a:t> defines the condition for executing the code block.</a:t>
+            </a:r>
+          </a:p>
+          <a:p>
+            <a:pPr marL="742950" lvl="1" indent="-285750">
+              <a:buFont typeface="Arial" panose="020B0604020202020204" pitchFamily="34" charset="0"/>
+              <a:buChar char="•"/>
+            </a:pPr>
+            <a:r>
+              <a:rPr lang="en-US" b="1" dirty="0" smtClean="0">
+                <a:latin typeface="Arial" panose="020B0604020202020204" pitchFamily="34" charset="0"/>
+                <a:cs typeface="Arial" panose="020B0604020202020204" pitchFamily="34" charset="0"/>
+              </a:rPr>
+              <a:t>statement </a:t>
+            </a:r>
+            <a:r>
+              <a:rPr lang="en-US" b="1" dirty="0">
+                <a:latin typeface="Arial" panose="020B0604020202020204" pitchFamily="34" charset="0"/>
+                <a:cs typeface="Arial" panose="020B0604020202020204" pitchFamily="34" charset="0"/>
+              </a:rPr>
+              <a:t>3</a:t>
+            </a:r>
+            <a:r>
+              <a:rPr lang="en-US" dirty="0">
+                <a:latin typeface="Arial" panose="020B0604020202020204" pitchFamily="34" charset="0"/>
+                <a:cs typeface="Arial" panose="020B0604020202020204" pitchFamily="34" charset="0"/>
+              </a:rPr>
+              <a:t> is executed (every time) after the code block has been executed</a:t>
+            </a:r>
+            <a:r>
+              <a:rPr lang="en-US" dirty="0" smtClean="0">
+                <a:latin typeface="Arial" panose="020B0604020202020204" pitchFamily="34" charset="0"/>
+                <a:cs typeface="Arial" panose="020B0604020202020204" pitchFamily="34" charset="0"/>
+              </a:rPr>
+              <a:t>.</a:t>
+            </a:r>
+            <a:endParaRPr lang="en-US" dirty="0">
+              <a:latin typeface="Arial" panose="020B0604020202020204" pitchFamily="34" charset="0"/>
+              <a:cs typeface="Arial" panose="020B0604020202020204" pitchFamily="34" charset="0"/>
+            </a:endParaRPr>
+          </a:p>
+        </p:txBody>
+      </p:sp>
+      <p:pic>
+        <p:nvPicPr>
+          <p:cNvPr id="6" name="Picture 5"/>
+          <p:cNvPicPr>
+            <a:picLocks noChangeAspect="1"/>
+          </p:cNvPicPr>
+          <p:nvPr/>
+        </p:nvPicPr>
+        <p:blipFill>
+          <a:blip r:embed="rId3">
+            <a:extLst>
+              <a:ext uri="{28A0092B-C50C-407E-A947-70E740481C1C}">
+                <a14:useLocalDpi xmlns:a14="http://schemas.microsoft.com/office/drawing/2010/main" val="0"/>
+              </a:ext>
+            </a:extLst>
+          </a:blip>
+          <a:stretch>
+            <a:fillRect/>
+          </a:stretch>
+        </p:blipFill>
+        <p:spPr>
+          <a:xfrm>
+            <a:off x="7039247" y="2803089"/>
+            <a:ext cx="4306485" cy="1360481"/>
           </a:xfrm>
           <a:prstGeom prst="rect">
             <a:avLst/>
@@ -13858,20 +15037,371 @@
     </p:spTree>
     <p:extLst>
       <p:ext uri="{BB962C8B-B14F-4D97-AF65-F5344CB8AC3E}">
-        <p14:creationId xmlns:p14="http://schemas.microsoft.com/office/powerpoint/2010/main" val="525679394"/>
+        <p14:creationId xmlns:p14="http://schemas.microsoft.com/office/powerpoint/2010/main" val="3511445357"/>
       </p:ext>
     </p:extLst>
   </p:cSld>
   <p:clrMapOvr>
     <a:masterClrMapping/>
   </p:clrMapOvr>
-  <p:timing>
-    <p:tnLst>
-      <p:par>
-        <p:cTn id="1" dur="indefinite" restart="never" nodeType="tmRoot"/>
-      </p:par>
-    </p:tnLst>
-  </p:timing>
+</p:sld>
+</file>
+
+<file path=ppt/slides/slide17.xml><?xml version="1.0" encoding="utf-8"?>
+<p:sld xmlns:a="http://schemas.openxmlformats.org/drawingml/2006/main" xmlns:r="http://schemas.openxmlformats.org/officeDocument/2006/relationships" xmlns:p="http://schemas.openxmlformats.org/presentationml/2006/main">
+  <p:cSld>
+    <p:spTree>
+      <p:nvGrpSpPr>
+        <p:cNvPr id="1" name=""/>
+        <p:cNvGrpSpPr/>
+        <p:nvPr/>
+      </p:nvGrpSpPr>
+      <p:grpSpPr>
+        <a:xfrm>
+          <a:off x="0" y="0"/>
+          <a:ext cx="0" cy="0"/>
+          <a:chOff x="0" y="0"/>
+          <a:chExt cx="0" cy="0"/>
+        </a:xfrm>
+      </p:grpSpPr>
+      <p:sp>
+        <p:nvSpPr>
+          <p:cNvPr id="2" name="Title 1"/>
+          <p:cNvSpPr>
+            <a:spLocks noGrp="1"/>
+          </p:cNvSpPr>
+          <p:nvPr>
+            <p:ph type="title"/>
+          </p:nvPr>
+        </p:nvSpPr>
+        <p:spPr/>
+        <p:txBody>
+          <a:bodyPr/>
+          <a:lstStyle/>
+          <a:p>
+            <a:pPr algn="ctr"/>
+            <a:r>
+              <a:rPr lang="en-US" dirty="0" smtClean="0">
+                <a:latin typeface="Arial" panose="020B0604020202020204" pitchFamily="34" charset="0"/>
+                <a:cs typeface="Arial" panose="020B0604020202020204" pitchFamily="34" charset="0"/>
+              </a:rPr>
+              <a:t>Loops (</a:t>
+            </a:r>
+            <a:r>
+              <a:rPr lang="en-US" dirty="0" smtClean="0">
+                <a:solidFill>
+                  <a:srgbClr val="FFFF00"/>
+                </a:solidFill>
+                <a:latin typeface="Arial" panose="020B0604020202020204" pitchFamily="34" charset="0"/>
+                <a:cs typeface="Arial" panose="020B0604020202020204" pitchFamily="34" charset="0"/>
+              </a:rPr>
+              <a:t>while</a:t>
+            </a:r>
+            <a:r>
+              <a:rPr lang="en-US" dirty="0" smtClean="0">
+                <a:latin typeface="Arial" panose="020B0604020202020204" pitchFamily="34" charset="0"/>
+                <a:cs typeface="Arial" panose="020B0604020202020204" pitchFamily="34" charset="0"/>
+              </a:rPr>
+              <a:t> loop)</a:t>
+            </a:r>
+            <a:endParaRPr lang="en-US" dirty="0">
+              <a:latin typeface="Arial" panose="020B0604020202020204" pitchFamily="34" charset="0"/>
+              <a:cs typeface="Arial" panose="020B0604020202020204" pitchFamily="34" charset="0"/>
+            </a:endParaRPr>
+          </a:p>
+        </p:txBody>
+      </p:sp>
+      <p:pic>
+        <p:nvPicPr>
+          <p:cNvPr id="4" name="Content Placeholder 3"/>
+          <p:cNvPicPr>
+            <a:picLocks noGrp="1" noChangeAspect="1"/>
+          </p:cNvPicPr>
+          <p:nvPr>
+            <p:ph idx="1"/>
+          </p:nvPr>
+        </p:nvPicPr>
+        <p:blipFill>
+          <a:blip r:embed="rId2">
+            <a:extLst>
+              <a:ext uri="{28A0092B-C50C-407E-A947-70E740481C1C}">
+                <a14:useLocalDpi xmlns:a14="http://schemas.microsoft.com/office/drawing/2010/main" val="0"/>
+              </a:ext>
+            </a:extLst>
+          </a:blip>
+          <a:stretch>
+            <a:fillRect/>
+          </a:stretch>
+        </p:blipFill>
+        <p:spPr>
+          <a:xfrm>
+            <a:off x="6179078" y="4897027"/>
+            <a:ext cx="5530841" cy="1682599"/>
+          </a:xfrm>
+        </p:spPr>
+      </p:pic>
+      <p:sp>
+        <p:nvSpPr>
+          <p:cNvPr id="5" name="TextBox 4"/>
+          <p:cNvSpPr txBox="1"/>
+          <p:nvPr/>
+        </p:nvSpPr>
+        <p:spPr>
+          <a:xfrm>
+            <a:off x="646419" y="3710668"/>
+            <a:ext cx="5054585" cy="1384995"/>
+          </a:xfrm>
+          <a:prstGeom prst="rect">
+            <a:avLst/>
+          </a:prstGeom>
+          <a:noFill/>
+        </p:spPr>
+        <p:txBody>
+          <a:bodyPr wrap="square" rtlCol="0">
+            <a:spAutoFit/>
+          </a:bodyPr>
+          <a:lstStyle/>
+          <a:p>
+            <a:r>
+              <a:rPr lang="en-US" sz="2800" dirty="0" smtClean="0">
+                <a:latin typeface="Arial" panose="020B0604020202020204" pitchFamily="34" charset="0"/>
+                <a:cs typeface="Arial" panose="020B0604020202020204" pitchFamily="34" charset="0"/>
+              </a:rPr>
+              <a:t>The </a:t>
+            </a:r>
+            <a:r>
+              <a:rPr lang="en-US" sz="2800" dirty="0" smtClean="0">
+                <a:solidFill>
+                  <a:srgbClr val="00B050"/>
+                </a:solidFill>
+                <a:latin typeface="Arial" panose="020B0604020202020204" pitchFamily="34" charset="0"/>
+                <a:cs typeface="Arial" panose="020B0604020202020204" pitchFamily="34" charset="0"/>
+              </a:rPr>
+              <a:t>while</a:t>
+            </a:r>
+            <a:r>
+              <a:rPr lang="en-US" sz="2800" dirty="0" smtClean="0">
+                <a:latin typeface="Arial" panose="020B0604020202020204" pitchFamily="34" charset="0"/>
+                <a:cs typeface="Arial" panose="020B0604020202020204" pitchFamily="34" charset="0"/>
+              </a:rPr>
+              <a:t> loop loops through a block of code as long as a specified condition is </a:t>
+            </a:r>
+            <a:r>
+              <a:rPr lang="en-US" sz="2800" dirty="0" smtClean="0">
+                <a:solidFill>
+                  <a:srgbClr val="002060"/>
+                </a:solidFill>
+                <a:latin typeface="Arial" panose="020B0604020202020204" pitchFamily="34" charset="0"/>
+                <a:cs typeface="Arial" panose="020B0604020202020204" pitchFamily="34" charset="0"/>
+              </a:rPr>
+              <a:t>True</a:t>
+            </a:r>
+            <a:r>
+              <a:rPr lang="en-US" sz="2800" dirty="0" smtClean="0">
+                <a:latin typeface="Arial" panose="020B0604020202020204" pitchFamily="34" charset="0"/>
+                <a:cs typeface="Arial" panose="020B0604020202020204" pitchFamily="34" charset="0"/>
+              </a:rPr>
+              <a:t>.</a:t>
+            </a:r>
+            <a:endParaRPr lang="en-US" sz="2800" dirty="0">
+              <a:latin typeface="Arial" panose="020B0604020202020204" pitchFamily="34" charset="0"/>
+              <a:cs typeface="Arial" panose="020B0604020202020204" pitchFamily="34" charset="0"/>
+            </a:endParaRPr>
+          </a:p>
+        </p:txBody>
+      </p:sp>
+      <p:pic>
+        <p:nvPicPr>
+          <p:cNvPr id="7" name="Picture 6"/>
+          <p:cNvPicPr>
+            <a:picLocks noChangeAspect="1"/>
+          </p:cNvPicPr>
+          <p:nvPr/>
+        </p:nvPicPr>
+        <p:blipFill>
+          <a:blip r:embed="rId3">
+            <a:extLst>
+              <a:ext uri="{28A0092B-C50C-407E-A947-70E740481C1C}">
+                <a14:useLocalDpi xmlns:a14="http://schemas.microsoft.com/office/drawing/2010/main" val="0"/>
+              </a:ext>
+            </a:extLst>
+          </a:blip>
+          <a:stretch>
+            <a:fillRect/>
+          </a:stretch>
+        </p:blipFill>
+        <p:spPr>
+          <a:xfrm>
+            <a:off x="6350491" y="2799183"/>
+            <a:ext cx="3857197" cy="1603983"/>
+          </a:xfrm>
+          <a:prstGeom prst="rect">
+            <a:avLst/>
+          </a:prstGeom>
+        </p:spPr>
+      </p:pic>
+    </p:spTree>
+    <p:extLst>
+      <p:ext uri="{BB962C8B-B14F-4D97-AF65-F5344CB8AC3E}">
+        <p14:creationId xmlns:p14="http://schemas.microsoft.com/office/powerpoint/2010/main" val="715386277"/>
+      </p:ext>
+    </p:extLst>
+  </p:cSld>
+  <p:clrMapOvr>
+    <a:masterClrMapping/>
+  </p:clrMapOvr>
+</p:sld>
+</file>
+
+<file path=ppt/slides/slide18.xml><?xml version="1.0" encoding="utf-8"?>
+<p:sld xmlns:a="http://schemas.openxmlformats.org/drawingml/2006/main" xmlns:r="http://schemas.openxmlformats.org/officeDocument/2006/relationships" xmlns:p="http://schemas.openxmlformats.org/presentationml/2006/main">
+  <p:cSld>
+    <p:spTree>
+      <p:nvGrpSpPr>
+        <p:cNvPr id="1" name=""/>
+        <p:cNvGrpSpPr/>
+        <p:nvPr/>
+      </p:nvGrpSpPr>
+      <p:grpSpPr>
+        <a:xfrm>
+          <a:off x="0" y="0"/>
+          <a:ext cx="0" cy="0"/>
+          <a:chOff x="0" y="0"/>
+          <a:chExt cx="0" cy="0"/>
+        </a:xfrm>
+      </p:grpSpPr>
+      <p:sp>
+        <p:nvSpPr>
+          <p:cNvPr id="2" name="Title 1"/>
+          <p:cNvSpPr>
+            <a:spLocks noGrp="1"/>
+          </p:cNvSpPr>
+          <p:nvPr>
+            <p:ph type="title"/>
+          </p:nvPr>
+        </p:nvSpPr>
+        <p:spPr/>
+        <p:txBody>
+          <a:bodyPr/>
+          <a:lstStyle/>
+          <a:p>
+            <a:pPr algn="ctr"/>
+            <a:r>
+              <a:rPr lang="en-US" dirty="0" smtClean="0">
+                <a:latin typeface="Arial" panose="020B0604020202020204" pitchFamily="34" charset="0"/>
+                <a:cs typeface="Arial" panose="020B0604020202020204" pitchFamily="34" charset="0"/>
+              </a:rPr>
+              <a:t>Using of “</a:t>
+            </a:r>
+            <a:r>
+              <a:rPr lang="en-US" dirty="0" smtClean="0">
+                <a:solidFill>
+                  <a:srgbClr val="FFFF00"/>
+                </a:solidFill>
+                <a:latin typeface="Arial" panose="020B0604020202020204" pitchFamily="34" charset="0"/>
+                <a:cs typeface="Arial" panose="020B0604020202020204" pitchFamily="34" charset="0"/>
+              </a:rPr>
+              <a:t>break</a:t>
+            </a:r>
+            <a:r>
+              <a:rPr lang="en-US" dirty="0" smtClean="0">
+                <a:latin typeface="Arial" panose="020B0604020202020204" pitchFamily="34" charset="0"/>
+                <a:cs typeface="Arial" panose="020B0604020202020204" pitchFamily="34" charset="0"/>
+              </a:rPr>
+              <a:t>”</a:t>
+            </a:r>
+            <a:endParaRPr lang="en-US" dirty="0">
+              <a:latin typeface="Arial" panose="020B0604020202020204" pitchFamily="34" charset="0"/>
+              <a:cs typeface="Arial" panose="020B0604020202020204" pitchFamily="34" charset="0"/>
+            </a:endParaRPr>
+          </a:p>
+        </p:txBody>
+      </p:sp>
+      <p:pic>
+        <p:nvPicPr>
+          <p:cNvPr id="4" name="Content Placeholder 3"/>
+          <p:cNvPicPr>
+            <a:picLocks noGrp="1" noChangeAspect="1"/>
+          </p:cNvPicPr>
+          <p:nvPr>
+            <p:ph idx="1"/>
+          </p:nvPr>
+        </p:nvPicPr>
+        <p:blipFill>
+          <a:blip r:embed="rId2">
+            <a:extLst>
+              <a:ext uri="{28A0092B-C50C-407E-A947-70E740481C1C}">
+                <a14:useLocalDpi xmlns:a14="http://schemas.microsoft.com/office/drawing/2010/main" val="0"/>
+              </a:ext>
+            </a:extLst>
+          </a:blip>
+          <a:stretch>
+            <a:fillRect/>
+          </a:stretch>
+        </p:blipFill>
+        <p:spPr>
+          <a:xfrm>
+            <a:off x="6259783" y="2510192"/>
+            <a:ext cx="4843645" cy="4126687"/>
+          </a:xfrm>
+        </p:spPr>
+      </p:pic>
+      <p:sp>
+        <p:nvSpPr>
+          <p:cNvPr id="5" name="TextBox 4"/>
+          <p:cNvSpPr txBox="1"/>
+          <p:nvPr/>
+        </p:nvSpPr>
+        <p:spPr>
+          <a:xfrm>
+            <a:off x="683741" y="3788228"/>
+            <a:ext cx="5054585" cy="954107"/>
+          </a:xfrm>
+          <a:prstGeom prst="rect">
+            <a:avLst/>
+          </a:prstGeom>
+          <a:noFill/>
+        </p:spPr>
+        <p:txBody>
+          <a:bodyPr wrap="square" rtlCol="0">
+            <a:spAutoFit/>
+          </a:bodyPr>
+          <a:lstStyle/>
+          <a:p>
+            <a:r>
+              <a:rPr lang="en-US" sz="2800" dirty="0" smtClean="0">
+                <a:solidFill>
+                  <a:srgbClr val="002060"/>
+                </a:solidFill>
+                <a:latin typeface="Arial" panose="020B0604020202020204" pitchFamily="34" charset="0"/>
+                <a:cs typeface="Arial" panose="020B0604020202020204" pitchFamily="34" charset="0"/>
+              </a:rPr>
+              <a:t>Break</a:t>
+            </a:r>
+            <a:r>
+              <a:rPr lang="en-US" sz="2800" dirty="0" smtClean="0">
+                <a:latin typeface="Arial" panose="020B0604020202020204" pitchFamily="34" charset="0"/>
+                <a:cs typeface="Arial" panose="020B0604020202020204" pitchFamily="34" charset="0"/>
+              </a:rPr>
+              <a:t> terminates the loop if condition is satisfied.</a:t>
+            </a:r>
+            <a:endParaRPr lang="en-US" sz="2800" dirty="0">
+              <a:latin typeface="Arial" panose="020B0604020202020204" pitchFamily="34" charset="0"/>
+              <a:cs typeface="Arial" panose="020B0604020202020204" pitchFamily="34" charset="0"/>
+            </a:endParaRPr>
+          </a:p>
+        </p:txBody>
+      </p:sp>
+    </p:spTree>
+    <p:extLst>
+      <p:ext uri="{BB962C8B-B14F-4D97-AF65-F5344CB8AC3E}">
+        <p14:creationId xmlns:p14="http://schemas.microsoft.com/office/powerpoint/2010/main" val="1064126904"/>
+      </p:ext>
+    </p:extLst>
+  </p:cSld>
+  <p:clrMapOvr>
+    <a:masterClrMapping/>
+  </p:clrMapOvr>
 </p:sld>
 </file>
 
@@ -13912,14 +15442,7 @@
                 <a:latin typeface="Arial" panose="020B0604020202020204" pitchFamily="34" charset="0"/>
                 <a:cs typeface="Arial" panose="020B0604020202020204" pitchFamily="34" charset="0"/>
               </a:rPr>
-              <a:t>Introduction to C</a:t>
-            </a:r>
-            <a:r>
-              <a:rPr lang="en-US" dirty="0" smtClean="0">
-                <a:latin typeface="Arial" panose="020B0604020202020204" pitchFamily="34" charset="0"/>
-                <a:cs typeface="Arial" panose="020B0604020202020204" pitchFamily="34" charset="0"/>
-              </a:rPr>
-              <a:t># and .NET</a:t>
+              <a:t>Introduction to C# and .NET</a:t>
             </a:r>
             <a:endParaRPr lang="en-US" dirty="0">
               <a:latin typeface="Arial" panose="020B0604020202020204" pitchFamily="34" charset="0"/>
@@ -14056,14 +15579,23 @@
                 <a:latin typeface="Arial" panose="020B0604020202020204" pitchFamily="34" charset="0"/>
                 <a:cs typeface="Arial" panose="020B0604020202020204" pitchFamily="34" charset="0"/>
               </a:rPr>
-              <a:t>C# is used on .NET </a:t>
-            </a:r>
+              <a:t>C# is used on .NET platform /.NET 6 is the latest version/</a:t>
+            </a:r>
+          </a:p>
+          <a:p>
             <a:r>
               <a:rPr lang="en-US" sz="2000" dirty="0" smtClean="0">
                 <a:latin typeface="Arial" panose="020B0604020202020204" pitchFamily="34" charset="0"/>
                 <a:cs typeface="Arial" panose="020B0604020202020204" pitchFamily="34" charset="0"/>
               </a:rPr>
-              <a:t>platform /.NET 6 is the latest version/</a:t>
+              <a:t>C# can be used for writing of Console, Desktop, Widows Services, Web apps, Mobile apps, Games and </a:t>
+            </a:r>
+            <a:r>
+              <a:rPr lang="en-US" sz="2000" dirty="0" err="1" smtClean="0">
+                <a:latin typeface="Arial" panose="020B0604020202020204" pitchFamily="34" charset="0"/>
+                <a:cs typeface="Arial" panose="020B0604020202020204" pitchFamily="34" charset="0"/>
+              </a:rPr>
+              <a:t>IoT</a:t>
             </a:r>
             <a:endParaRPr lang="en-US" sz="2000" dirty="0" smtClean="0">
               <a:latin typeface="Arial" panose="020B0604020202020204" pitchFamily="34" charset="0"/>
@@ -14076,27 +15608,14 @@
                 <a:latin typeface="Arial" panose="020B0604020202020204" pitchFamily="34" charset="0"/>
                 <a:cs typeface="Arial" panose="020B0604020202020204" pitchFamily="34" charset="0"/>
               </a:rPr>
-              <a:t>C# can be used for writing of Console, Desktop, Widows Services, Web apps, Mobile apps, </a:t>
+              <a:t>C# supports static typing, functional programming, generics and more </a:t>
             </a:r>
             <a:r>
               <a:rPr lang="en-US" sz="2000" dirty="0" smtClean="0">
                 <a:latin typeface="Arial" panose="020B0604020202020204" pitchFamily="34" charset="0"/>
                 <a:cs typeface="Arial" panose="020B0604020202020204" pitchFamily="34" charset="0"/>
               </a:rPr>
-              <a:t>Games and many more.</a:t>
-            </a:r>
-            <a:endParaRPr lang="en-US" sz="2000" dirty="0" smtClean="0">
-              <a:latin typeface="Arial" panose="020B0604020202020204" pitchFamily="34" charset="0"/>
-              <a:cs typeface="Arial" panose="020B0604020202020204" pitchFamily="34" charset="0"/>
-            </a:endParaRPr>
-          </a:p>
-          <a:p>
-            <a:r>
-              <a:rPr lang="en-US" sz="2000" dirty="0" smtClean="0">
-                <a:latin typeface="Arial" panose="020B0604020202020204" pitchFamily="34" charset="0"/>
-                <a:cs typeface="Arial" panose="020B0604020202020204" pitchFamily="34" charset="0"/>
-              </a:rPr>
-              <a:t>C# supports static typing, functional programming, generics and more features</a:t>
+              <a:t>features</a:t>
             </a:r>
             <a:endParaRPr lang="bg-BG" sz="2000" dirty="0" smtClean="0">
               <a:latin typeface="Arial" panose="020B0604020202020204" pitchFamily="34" charset="0"/>
@@ -14489,7 +16008,7 @@
       </p:sp>
       <p:pic>
         <p:nvPicPr>
-          <p:cNvPr id="9" name="Content Placeholder 8"/>
+          <p:cNvPr id="4" name="Content Placeholder 3"/>
           <p:cNvPicPr>
             <a:picLocks noGrp="1" noChangeAspect="1"/>
           </p:cNvPicPr>
@@ -14511,8 +16030,8 @@
         </p:blipFill>
         <p:spPr>
           <a:xfrm>
-            <a:off x="2873829" y="2478887"/>
-            <a:ext cx="6377149" cy="4006586"/>
+            <a:off x="3293707" y="2510194"/>
+            <a:ext cx="4890660" cy="3993216"/>
           </a:xfrm>
         </p:spPr>
       </p:pic>
@@ -14919,21 +16438,7 @@
                 <a:latin typeface="Arial" panose="020B0604020202020204" pitchFamily="34" charset="0"/>
                 <a:cs typeface="Arial" panose="020B0604020202020204" pitchFamily="34" charset="0"/>
               </a:rPr>
-              <a:t>.NET platform </a:t>
-            </a:r>
-            <a:r>
-              <a:rPr lang="en-US" dirty="0" smtClean="0">
-                <a:latin typeface="Arial" panose="020B0604020202020204" pitchFamily="34" charset="0"/>
-                <a:cs typeface="Arial" panose="020B0604020202020204" pitchFamily="34" charset="0"/>
-              </a:rPr>
-              <a:t>/whole </a:t>
-            </a:r>
-            <a:r>
-              <a:rPr lang="en-US" dirty="0" smtClean="0">
-                <a:latin typeface="Arial" panose="020B0604020202020204" pitchFamily="34" charset="0"/>
-                <a:cs typeface="Arial" panose="020B0604020202020204" pitchFamily="34" charset="0"/>
-              </a:rPr>
-              <a:t>new world/</a:t>
+              <a:t>.NET = The Ecosystem</a:t>
             </a:r>
             <a:endParaRPr lang="en-US" dirty="0">
               <a:latin typeface="Arial" panose="020B0604020202020204" pitchFamily="34" charset="0"/>
@@ -14942,15 +16447,55 @@
           </a:p>
         </p:txBody>
       </p:sp>
-      <p:pic>
-        <p:nvPicPr>
-          <p:cNvPr id="5" name="Content Placeholder 4"/>
-          <p:cNvPicPr>
-            <a:picLocks noGrp="1" noChangeAspect="1"/>
-          </p:cNvPicPr>
+      <p:sp>
+        <p:nvSpPr>
+          <p:cNvPr id="3" name="Content Placeholder 2"/>
+          <p:cNvSpPr>
+            <a:spLocks noGrp="1"/>
+          </p:cNvSpPr>
           <p:nvPr>
             <p:ph idx="1"/>
           </p:nvPr>
+        </p:nvSpPr>
+        <p:spPr>
+          <a:xfrm>
+            <a:off x="1154954" y="2603499"/>
+            <a:ext cx="2903862" cy="3349431"/>
+          </a:xfrm>
+        </p:spPr>
+        <p:txBody>
+          <a:bodyPr>
+            <a:normAutofit/>
+          </a:bodyPr>
+          <a:lstStyle/>
+          <a:p>
+            <a:r>
+              <a:rPr lang="en-US" sz="3200" dirty="0" smtClean="0"/>
+              <a:t>Languages</a:t>
+            </a:r>
+          </a:p>
+          <a:p>
+            <a:r>
+              <a:rPr lang="en-US" sz="3200" dirty="0" smtClean="0"/>
+              <a:t>Runtimes</a:t>
+            </a:r>
+          </a:p>
+          <a:p>
+            <a:r>
+              <a:rPr lang="en-US" sz="3200" dirty="0" smtClean="0"/>
+              <a:t>Libraries</a:t>
+            </a:r>
+            <a:endParaRPr lang="en-US" sz="3200" dirty="0"/>
+          </a:p>
+        </p:txBody>
+      </p:sp>
+      <p:pic>
+        <p:nvPicPr>
+          <p:cNvPr id="4" name="Picture 3"/>
+          <p:cNvPicPr>
+            <a:picLocks noChangeAspect="1"/>
+          </p:cNvPicPr>
+          <p:nvPr/>
         </p:nvPicPr>
         <p:blipFill>
           <a:blip r:embed="rId2">
@@ -14966,15 +16511,42 @@
         </p:blipFill>
         <p:spPr>
           <a:xfrm>
-            <a:off x="1081055" y="2539452"/>
-            <a:ext cx="10107301" cy="3674736"/>
+            <a:off x="5897308" y="2435652"/>
+            <a:ext cx="4140358" cy="4140358"/>
           </a:xfrm>
+          <a:prstGeom prst="roundRect">
+            <a:avLst>
+              <a:gd name="adj" fmla="val 16667"/>
+            </a:avLst>
+          </a:prstGeom>
+          <a:ln>
+            <a:noFill/>
+          </a:ln>
+          <a:effectLst>
+            <a:outerShdw blurRad="152400" dist="12000" dir="900000" sy="98000" kx="110000" ky="200000" algn="tl" rotWithShape="0">
+              <a:srgbClr val="000000">
+                <a:alpha val="30000"/>
+              </a:srgbClr>
+            </a:outerShdw>
+          </a:effectLst>
+          <a:scene3d>
+            <a:camera prst="perspectiveRelaxed">
+              <a:rot lat="19800000" lon="1200000" rev="20820000"/>
+            </a:camera>
+            <a:lightRig rig="threePt" dir="t"/>
+          </a:scene3d>
+          <a:sp3d contourW="6350" prstMaterial="matte">
+            <a:bevelT w="101600" h="101600"/>
+            <a:contourClr>
+              <a:srgbClr val="969696"/>
+            </a:contourClr>
+          </a:sp3d>
         </p:spPr>
       </p:pic>
     </p:spTree>
     <p:extLst>
       <p:ext uri="{BB962C8B-B14F-4D97-AF65-F5344CB8AC3E}">
-        <p14:creationId xmlns:p14="http://schemas.microsoft.com/office/powerpoint/2010/main" val="152368737"/>
+        <p14:creationId xmlns:p14="http://schemas.microsoft.com/office/powerpoint/2010/main" val="1619143915"/>
       </p:ext>
     </p:extLst>
   </p:cSld>
@@ -15152,7 +16724,7 @@
                 <a:latin typeface="Arial" panose="020B0604020202020204" pitchFamily="34" charset="0"/>
                 <a:cs typeface="Arial" panose="020B0604020202020204" pitchFamily="34" charset="0"/>
               </a:rPr>
-              <a:t>.NET = The Ecosystem</a:t>
+              <a:t>.NET platform /whole new world/</a:t>
             </a:r>
             <a:endParaRPr lang="en-US" dirty="0">
               <a:latin typeface="Arial" panose="020B0604020202020204" pitchFamily="34" charset="0"/>
@@ -15161,55 +16733,15 @@
           </a:p>
         </p:txBody>
       </p:sp>
-      <p:sp>
-        <p:nvSpPr>
-          <p:cNvPr id="3" name="Content Placeholder 2"/>
-          <p:cNvSpPr>
-            <a:spLocks noGrp="1"/>
-          </p:cNvSpPr>
+      <p:pic>
+        <p:nvPicPr>
+          <p:cNvPr id="5" name="Content Placeholder 4"/>
+          <p:cNvPicPr>
+            <a:picLocks noGrp="1" noChangeAspect="1"/>
+          </p:cNvPicPr>
           <p:nvPr>
             <p:ph idx="1"/>
           </p:nvPr>
-        </p:nvSpPr>
-        <p:spPr>
-          <a:xfrm>
-            <a:off x="1154954" y="2603499"/>
-            <a:ext cx="2903862" cy="3349431"/>
-          </a:xfrm>
-        </p:spPr>
-        <p:txBody>
-          <a:bodyPr>
-            <a:normAutofit/>
-          </a:bodyPr>
-          <a:lstStyle/>
-          <a:p>
-            <a:r>
-              <a:rPr lang="en-US" sz="3200" dirty="0" smtClean="0"/>
-              <a:t>Languages</a:t>
-            </a:r>
-          </a:p>
-          <a:p>
-            <a:r>
-              <a:rPr lang="en-US" sz="3200" dirty="0" smtClean="0"/>
-              <a:t>Runtimes</a:t>
-            </a:r>
-          </a:p>
-          <a:p>
-            <a:r>
-              <a:rPr lang="en-US" sz="3200" dirty="0" smtClean="0"/>
-              <a:t>Libraries</a:t>
-            </a:r>
-            <a:endParaRPr lang="en-US" sz="3200" dirty="0"/>
-          </a:p>
-        </p:txBody>
-      </p:sp>
-      <p:pic>
-        <p:nvPicPr>
-          <p:cNvPr id="4" name="Picture 3"/>
-          <p:cNvPicPr>
-            <a:picLocks noChangeAspect="1"/>
-          </p:cNvPicPr>
-          <p:nvPr/>
         </p:nvPicPr>
         <p:blipFill>
           <a:blip r:embed="rId2">
@@ -15225,42 +16757,15 @@
         </p:blipFill>
         <p:spPr>
           <a:xfrm>
-            <a:off x="5897308" y="2435652"/>
-            <a:ext cx="4140358" cy="4140358"/>
+            <a:off x="1081055" y="2539452"/>
+            <a:ext cx="10107301" cy="3674736"/>
           </a:xfrm>
-          <a:prstGeom prst="roundRect">
-            <a:avLst>
-              <a:gd name="adj" fmla="val 16667"/>
-            </a:avLst>
-          </a:prstGeom>
-          <a:ln>
-            <a:noFill/>
-          </a:ln>
-          <a:effectLst>
-            <a:outerShdw blurRad="152400" dist="12000" dir="900000" sy="98000" kx="110000" ky="200000" algn="tl" rotWithShape="0">
-              <a:srgbClr val="000000">
-                <a:alpha val="30000"/>
-              </a:srgbClr>
-            </a:outerShdw>
-          </a:effectLst>
-          <a:scene3d>
-            <a:camera prst="perspectiveRelaxed">
-              <a:rot lat="19800000" lon="1200000" rev="20820000"/>
-            </a:camera>
-            <a:lightRig rig="threePt" dir="t"/>
-          </a:scene3d>
-          <a:sp3d contourW="6350" prstMaterial="matte">
-            <a:bevelT w="101600" h="101600"/>
-            <a:contourClr>
-              <a:srgbClr val="969696"/>
-            </a:contourClr>
-          </a:sp3d>
         </p:spPr>
       </p:pic>
     </p:spTree>
     <p:extLst>
       <p:ext uri="{BB962C8B-B14F-4D97-AF65-F5344CB8AC3E}">
-        <p14:creationId xmlns:p14="http://schemas.microsoft.com/office/powerpoint/2010/main" val="1619143915"/>
+        <p14:creationId xmlns:p14="http://schemas.microsoft.com/office/powerpoint/2010/main" val="152368737"/>
       </p:ext>
     </p:extLst>
   </p:cSld>
@@ -15629,4 +17134,265 @@
     </a:ext>
   </a:extLst>
 </a:theme>
+</file>
+
+<file path=ppt/theme/theme2.xml><?xml version="1.0" encoding="utf-8"?>
+<a:theme xmlns:a="http://schemas.openxmlformats.org/drawingml/2006/main" name="Office Theme">
+  <a:themeElements>
+    <a:clrScheme name="Office">
+      <a:dk1>
+        <a:sysClr val="windowText" lastClr="000000"/>
+      </a:dk1>
+      <a:lt1>
+        <a:sysClr val="window" lastClr="FFFFFF"/>
+      </a:lt1>
+      <a:dk2>
+        <a:srgbClr val="44546A"/>
+      </a:dk2>
+      <a:lt2>
+        <a:srgbClr val="E7E6E6"/>
+      </a:lt2>
+      <a:accent1>
+        <a:srgbClr val="5B9BD5"/>
+      </a:accent1>
+      <a:accent2>
+        <a:srgbClr val="ED7D31"/>
+      </a:accent2>
+      <a:accent3>
+        <a:srgbClr val="A5A5A5"/>
+      </a:accent3>
+      <a:accent4>
+        <a:srgbClr val="FFC000"/>
+      </a:accent4>
+      <a:accent5>
+        <a:srgbClr val="4472C4"/>
+      </a:accent5>
+      <a:accent6>
+        <a:srgbClr val="70AD47"/>
+      </a:accent6>
+      <a:hlink>
+        <a:srgbClr val="0563C1"/>
+      </a:hlink>
+      <a:folHlink>
+        <a:srgbClr val="954F72"/>
+      </a:folHlink>
+    </a:clrScheme>
+    <a:fontScheme name="Office">
+      <a:majorFont>
+        <a:latin typeface="Calibri Light" panose="020F0302020204030204"/>
+        <a:ea typeface=""/>
+        <a:cs typeface=""/>
+        <a:font script="Jpan" typeface="游ゴシック Light"/>
+        <a:font script="Hang" typeface="맑은 고딕"/>
+        <a:font script="Hans" typeface="等线 Light"/>
+        <a:font script="Hant" typeface="新細明體"/>
+        <a:font script="Arab" typeface="Times New Roman"/>
+        <a:font script="Hebr" typeface="Times New Roman"/>
+        <a:font script="Thai" typeface="Angsana New"/>
+        <a:font script="Ethi" typeface="Nyala"/>
+        <a:font script="Beng" typeface="Vrinda"/>
+        <a:font script="Gujr" typeface="Shruti"/>
+        <a:font script="Khmr" typeface="MoolBoran"/>
+        <a:font script="Knda" typeface="Tunga"/>
+        <a:font script="Guru" typeface="Raavi"/>
+        <a:font script="Cans" typeface="Euphemia"/>
+        <a:font script="Cher" typeface="Plantagenet Cherokee"/>
+        <a:font script="Yiii" typeface="Microsoft Yi Baiti"/>
+        <a:font script="Tibt" typeface="Microsoft Himalaya"/>
+        <a:font script="Thaa" typeface="MV Boli"/>
+        <a:font script="Deva" typeface="Mangal"/>
+        <a:font script="Telu" typeface="Gautami"/>
+        <a:font script="Taml" typeface="Latha"/>
+        <a:font script="Syrc" typeface="Estrangelo Edessa"/>
+        <a:font script="Orya" typeface="Kalinga"/>
+        <a:font script="Mlym" typeface="Kartika"/>
+        <a:font script="Laoo" typeface="DokChampa"/>
+        <a:font script="Sinh" typeface="Iskoola Pota"/>
+        <a:font script="Mong" typeface="Mongolian Baiti"/>
+        <a:font script="Viet" typeface="Times New Roman"/>
+        <a:font script="Uigh" typeface="Microsoft Uighur"/>
+        <a:font script="Geor" typeface="Sylfaen"/>
+      </a:majorFont>
+      <a:minorFont>
+        <a:latin typeface="Calibri" panose="020F0502020204030204"/>
+        <a:ea typeface=""/>
+        <a:cs typeface=""/>
+        <a:font script="Jpan" typeface="游ゴシック"/>
+        <a:font script="Hang" typeface="맑은 고딕"/>
+        <a:font script="Hans" typeface="等线"/>
+        <a:font script="Hant" typeface="新細明體"/>
+        <a:font script="Arab" typeface="Arial"/>
+        <a:font script="Hebr" typeface="Arial"/>
+        <a:font script="Thai" typeface="Cordia New"/>
+        <a:font script="Ethi" typeface="Nyala"/>
+        <a:font script="Beng" typeface="Vrinda"/>
+        <a:font script="Gujr" typeface="Shruti"/>
+        <a:font script="Khmr" typeface="DaunPenh"/>
+        <a:font script="Knda" typeface="Tunga"/>
+        <a:font script="Guru" typeface="Raavi"/>
+        <a:font script="Cans" typeface="Euphemia"/>
+        <a:font script="Cher" typeface="Plantagenet Cherokee"/>
+        <a:font script="Yiii" typeface="Microsoft Yi Baiti"/>
+        <a:font script="Tibt" typeface="Microsoft Himalaya"/>
+        <a:font script="Thaa" typeface="MV Boli"/>
+        <a:font script="Deva" typeface="Mangal"/>
+        <a:font script="Telu" typeface="Gautami"/>
+        <a:font script="Taml" typeface="Latha"/>
+        <a:font script="Syrc" typeface="Estrangelo Edessa"/>
+        <a:font script="Orya" typeface="Kalinga"/>
+        <a:font script="Mlym" typeface="Kartika"/>
+        <a:font script="Laoo" typeface="DokChampa"/>
+        <a:font script="Sinh" typeface="Iskoola Pota"/>
+        <a:font script="Mong" typeface="Mongolian Baiti"/>
+        <a:font script="Viet" typeface="Arial"/>
+        <a:font script="Uigh" typeface="Microsoft Uighur"/>
+        <a:font script="Geor" typeface="Sylfaen"/>
+      </a:minorFont>
+    </a:fontScheme>
+    <a:fmtScheme name="Office">
+      <a:fillStyleLst>
+        <a:solidFill>
+          <a:schemeClr val="phClr"/>
+        </a:solidFill>
+        <a:gradFill rotWithShape="1">
+          <a:gsLst>
+            <a:gs pos="0">
+              <a:schemeClr val="phClr">
+                <a:lumMod val="110000"/>
+                <a:satMod val="105000"/>
+                <a:tint val="67000"/>
+              </a:schemeClr>
+            </a:gs>
+            <a:gs pos="50000">
+              <a:schemeClr val="phClr">
+                <a:lumMod val="105000"/>
+                <a:satMod val="103000"/>
+                <a:tint val="73000"/>
+              </a:schemeClr>
+            </a:gs>
+            <a:gs pos="100000">
+              <a:schemeClr val="phClr">
+                <a:lumMod val="105000"/>
+                <a:satMod val="109000"/>
+                <a:tint val="81000"/>
+              </a:schemeClr>
+            </a:gs>
+          </a:gsLst>
+          <a:lin ang="5400000" scaled="0"/>
+        </a:gradFill>
+        <a:gradFill rotWithShape="1">
+          <a:gsLst>
+            <a:gs pos="0">
+              <a:schemeClr val="phClr">
+                <a:satMod val="103000"/>
+                <a:lumMod val="102000"/>
+                <a:tint val="94000"/>
+              </a:schemeClr>
+            </a:gs>
+            <a:gs pos="50000">
+              <a:schemeClr val="phClr">
+                <a:satMod val="110000"/>
+                <a:lumMod val="100000"/>
+                <a:shade val="100000"/>
+              </a:schemeClr>
+            </a:gs>
+            <a:gs pos="100000">
+              <a:schemeClr val="phClr">
+                <a:lumMod val="99000"/>
+                <a:satMod val="120000"/>
+                <a:shade val="78000"/>
+              </a:schemeClr>
+            </a:gs>
+          </a:gsLst>
+          <a:lin ang="5400000" scaled="0"/>
+        </a:gradFill>
+      </a:fillStyleLst>
+      <a:lnStyleLst>
+        <a:ln w="6350" cap="flat" cmpd="sng" algn="ctr">
+          <a:solidFill>
+            <a:schemeClr val="phClr"/>
+          </a:solidFill>
+          <a:prstDash val="solid"/>
+          <a:miter lim="800000"/>
+        </a:ln>
+        <a:ln w="12700" cap="flat" cmpd="sng" algn="ctr">
+          <a:solidFill>
+            <a:schemeClr val="phClr"/>
+          </a:solidFill>
+          <a:prstDash val="solid"/>
+          <a:miter lim="800000"/>
+        </a:ln>
+        <a:ln w="19050" cap="flat" cmpd="sng" algn="ctr">
+          <a:solidFill>
+            <a:schemeClr val="phClr"/>
+          </a:solidFill>
+          <a:prstDash val="solid"/>
+          <a:miter lim="800000"/>
+        </a:ln>
+      </a:lnStyleLst>
+      <a:effectStyleLst>
+        <a:effectStyle>
+          <a:effectLst/>
+        </a:effectStyle>
+        <a:effectStyle>
+          <a:effectLst/>
+        </a:effectStyle>
+        <a:effectStyle>
+          <a:effectLst>
+            <a:outerShdw blurRad="57150" dist="19050" dir="5400000" algn="ctr" rotWithShape="0">
+              <a:srgbClr val="000000">
+                <a:alpha val="63000"/>
+              </a:srgbClr>
+            </a:outerShdw>
+          </a:effectLst>
+        </a:effectStyle>
+      </a:effectStyleLst>
+      <a:bgFillStyleLst>
+        <a:solidFill>
+          <a:schemeClr val="phClr"/>
+        </a:solidFill>
+        <a:solidFill>
+          <a:schemeClr val="phClr">
+            <a:tint val="95000"/>
+            <a:satMod val="170000"/>
+          </a:schemeClr>
+        </a:solidFill>
+        <a:gradFill rotWithShape="1">
+          <a:gsLst>
+            <a:gs pos="0">
+              <a:schemeClr val="phClr">
+                <a:tint val="93000"/>
+                <a:satMod val="150000"/>
+                <a:shade val="98000"/>
+                <a:lumMod val="102000"/>
+              </a:schemeClr>
+            </a:gs>
+            <a:gs pos="50000">
+              <a:schemeClr val="phClr">
+                <a:tint val="98000"/>
+                <a:satMod val="130000"/>
+                <a:shade val="90000"/>
+                <a:lumMod val="103000"/>
+              </a:schemeClr>
+            </a:gs>
+            <a:gs pos="100000">
+              <a:schemeClr val="phClr">
+                <a:shade val="63000"/>
+                <a:satMod val="120000"/>
+              </a:schemeClr>
+            </a:gs>
+          </a:gsLst>
+          <a:lin ang="5400000" scaled="0"/>
+        </a:gradFill>
+      </a:bgFillStyleLst>
+    </a:fmtScheme>
+  </a:themeElements>
+  <a:objectDefaults/>
+  <a:extraClrSchemeLst/>
+  <a:extLst>
+    <a:ext uri="{05A4C25C-085E-4340-85A3-A5531E510DB2}">
+      <thm15:themeFamily xmlns:thm15="http://schemas.microsoft.com/office/thememl/2012/main" name="Office Theme" id="{62F939B6-93AF-4DB8-9C6B-D6C7DFDC589F}" vid="{4A3C46E8-61CC-4603-A589-7422A47A8E4A}"/>
+    </a:ext>
+  </a:extLst>
+</a:theme>
 </file>
--- a/C# Basics.pptx
+++ b/C# Basics.pptx
@@ -5,27 +5,32 @@
     <p:sldMasterId id="2147483707" r:id="rId1"/>
   </p:sldMasterIdLst>
   <p:notesMasterIdLst>
-    <p:notesMasterId r:id="rId20"/>
+    <p:notesMasterId r:id="rId25"/>
   </p:notesMasterIdLst>
   <p:sldIdLst>
     <p:sldId id="256" r:id="rId2"/>
     <p:sldId id="258" r:id="rId3"/>
     <p:sldId id="259" r:id="rId4"/>
-    <p:sldId id="260" r:id="rId5"/>
-    <p:sldId id="262" r:id="rId6"/>
-    <p:sldId id="264" r:id="rId7"/>
-    <p:sldId id="263" r:id="rId8"/>
-    <p:sldId id="261" r:id="rId9"/>
-    <p:sldId id="265" r:id="rId10"/>
-    <p:sldId id="267" r:id="rId11"/>
-    <p:sldId id="266" r:id="rId12"/>
-    <p:sldId id="269" r:id="rId13"/>
-    <p:sldId id="268" r:id="rId14"/>
-    <p:sldId id="270" r:id="rId15"/>
-    <p:sldId id="271" r:id="rId16"/>
-    <p:sldId id="272" r:id="rId17"/>
-    <p:sldId id="273" r:id="rId18"/>
-    <p:sldId id="274" r:id="rId19"/>
+    <p:sldId id="262" r:id="rId5"/>
+    <p:sldId id="264" r:id="rId6"/>
+    <p:sldId id="263" r:id="rId7"/>
+    <p:sldId id="261" r:id="rId8"/>
+    <p:sldId id="265" r:id="rId9"/>
+    <p:sldId id="267" r:id="rId10"/>
+    <p:sldId id="266" r:id="rId11"/>
+    <p:sldId id="269" r:id="rId12"/>
+    <p:sldId id="268" r:id="rId13"/>
+    <p:sldId id="279" r:id="rId14"/>
+    <p:sldId id="280" r:id="rId15"/>
+    <p:sldId id="278" r:id="rId16"/>
+    <p:sldId id="270" r:id="rId17"/>
+    <p:sldId id="271" r:id="rId18"/>
+    <p:sldId id="272" r:id="rId19"/>
+    <p:sldId id="273" r:id="rId20"/>
+    <p:sldId id="276" r:id="rId21"/>
+    <p:sldId id="277" r:id="rId22"/>
+    <p:sldId id="274" r:id="rId23"/>
+    <p:sldId id="275" r:id="rId24"/>
   </p:sldIdLst>
   <p:sldSz cx="12192000" cy="6858000"/>
   <p:notesSz cx="6858000" cy="9144000"/>
@@ -214,7 +219,7 @@
           <a:p>
             <a:fld id="{068E3771-71AF-4AE2-9E86-BE935DBF2B0E}" type="datetimeFigureOut">
               <a:rPr lang="en-US" smtClean="0"/>
-              <a:t>5/15/2022</a:t>
+              <a:t>5/24/2022</a:t>
             </a:fld>
             <a:endParaRPr lang="en-US"/>
           </a:p>
@@ -817,7 +822,7 @@
           <a:p>
             <a:fld id="{C0A3DACC-474D-44ED-8DF0-6B6BA2CE3243}" type="datetimeFigureOut">
               <a:rPr lang="en-US" smtClean="0"/>
-              <a:t>5/15/2022</a:t>
+              <a:t>5/24/2022</a:t>
             </a:fld>
             <a:endParaRPr lang="en-US"/>
           </a:p>
@@ -1905,7 +1910,7 @@
           <a:p>
             <a:fld id="{C0A3DACC-474D-44ED-8DF0-6B6BA2CE3243}" type="datetimeFigureOut">
               <a:rPr lang="en-US" smtClean="0"/>
-              <a:t>5/15/2022</a:t>
+              <a:t>5/24/2022</a:t>
             </a:fld>
             <a:endParaRPr lang="en-US"/>
           </a:p>
@@ -2885,7 +2890,7 @@
           <a:p>
             <a:fld id="{C0A3DACC-474D-44ED-8DF0-6B6BA2CE3243}" type="datetimeFigureOut">
               <a:rPr lang="en-US" smtClean="0"/>
-              <a:t>5/15/2022</a:t>
+              <a:t>5/24/2022</a:t>
             </a:fld>
             <a:endParaRPr lang="en-US"/>
           </a:p>
@@ -4019,7 +4024,7 @@
           <a:p>
             <a:fld id="{C0A3DACC-474D-44ED-8DF0-6B6BA2CE3243}" type="datetimeFigureOut">
               <a:rPr lang="en-US" smtClean="0"/>
-              <a:t>5/15/2022</a:t>
+              <a:t>5/24/2022</a:t>
             </a:fld>
             <a:endParaRPr lang="en-US"/>
           </a:p>
@@ -5052,7 +5057,7 @@
           <a:p>
             <a:fld id="{C0A3DACC-474D-44ED-8DF0-6B6BA2CE3243}" type="datetimeFigureOut">
               <a:rPr lang="en-US" smtClean="0"/>
-              <a:t>5/15/2022</a:t>
+              <a:t>5/24/2022</a:t>
             </a:fld>
             <a:endParaRPr lang="en-US"/>
           </a:p>
@@ -5712,7 +5717,7 @@
           <a:p>
             <a:fld id="{C0A3DACC-474D-44ED-8DF0-6B6BA2CE3243}" type="datetimeFigureOut">
               <a:rPr lang="en-US" smtClean="0"/>
-              <a:t>5/15/2022</a:t>
+              <a:t>5/24/2022</a:t>
             </a:fld>
             <a:endParaRPr lang="en-US"/>
           </a:p>
@@ -6573,7 +6578,7 @@
           <a:p>
             <a:fld id="{C0A3DACC-474D-44ED-8DF0-6B6BA2CE3243}" type="datetimeFigureOut">
               <a:rPr lang="en-US" smtClean="0"/>
-              <a:t>5/15/2022</a:t>
+              <a:t>5/24/2022</a:t>
             </a:fld>
             <a:endParaRPr lang="en-US"/>
           </a:p>
@@ -6763,7 +6768,7 @@
           <a:p>
             <a:fld id="{C0A3DACC-474D-44ED-8DF0-6B6BA2CE3243}" type="datetimeFigureOut">
               <a:rPr lang="en-US" smtClean="0"/>
-              <a:t>5/15/2022</a:t>
+              <a:t>5/24/2022</a:t>
             </a:fld>
             <a:endParaRPr lang="en-US"/>
           </a:p>
@@ -7735,7 +7740,7 @@
           <a:p>
             <a:fld id="{C0A3DACC-474D-44ED-8DF0-6B6BA2CE3243}" type="datetimeFigureOut">
               <a:rPr lang="en-US" smtClean="0"/>
-              <a:t>5/15/2022</a:t>
+              <a:t>5/24/2022</a:t>
             </a:fld>
             <a:endParaRPr lang="en-US"/>
           </a:p>
@@ -7946,7 +7951,7 @@
           <a:p>
             <a:fld id="{C0A3DACC-474D-44ED-8DF0-6B6BA2CE3243}" type="datetimeFigureOut">
               <a:rPr lang="en-US" smtClean="0"/>
-              <a:t>5/15/2022</a:t>
+              <a:t>5/24/2022</a:t>
             </a:fld>
             <a:endParaRPr lang="en-US"/>
           </a:p>
@@ -8980,7 +8985,7 @@
           <a:p>
             <a:fld id="{C0A3DACC-474D-44ED-8DF0-6B6BA2CE3243}" type="datetimeFigureOut">
               <a:rPr lang="en-US" smtClean="0"/>
-              <a:t>5/15/2022</a:t>
+              <a:t>5/24/2022</a:t>
             </a:fld>
             <a:endParaRPr lang="en-US"/>
           </a:p>
@@ -9252,7 +9257,7 @@
           <a:p>
             <a:fld id="{C0A3DACC-474D-44ED-8DF0-6B6BA2CE3243}" type="datetimeFigureOut">
               <a:rPr lang="en-US" smtClean="0"/>
-              <a:t>5/15/2022</a:t>
+              <a:t>5/24/2022</a:t>
             </a:fld>
             <a:endParaRPr lang="en-US"/>
           </a:p>
@@ -9662,7 +9667,7 @@
           <a:p>
             <a:fld id="{C0A3DACC-474D-44ED-8DF0-6B6BA2CE3243}" type="datetimeFigureOut">
               <a:rPr lang="en-US" smtClean="0"/>
-              <a:t>5/15/2022</a:t>
+              <a:t>5/24/2022</a:t>
             </a:fld>
             <a:endParaRPr lang="en-US"/>
           </a:p>
@@ -9789,7 +9794,7 @@
           <a:p>
             <a:fld id="{C0A3DACC-474D-44ED-8DF0-6B6BA2CE3243}" type="datetimeFigureOut">
               <a:rPr lang="en-US" smtClean="0"/>
-              <a:t>5/15/2022</a:t>
+              <a:t>5/24/2022</a:t>
             </a:fld>
             <a:endParaRPr lang="en-US"/>
           </a:p>
@@ -9884,7 +9889,7 @@
           <a:p>
             <a:fld id="{C0A3DACC-474D-44ED-8DF0-6B6BA2CE3243}" type="datetimeFigureOut">
               <a:rPr lang="en-US" smtClean="0"/>
-              <a:t>5/15/2022</a:t>
+              <a:t>5/24/2022</a:t>
             </a:fld>
             <a:endParaRPr lang="en-US"/>
           </a:p>
@@ -10965,7 +10970,7 @@
           <a:p>
             <a:fld id="{C0A3DACC-474D-44ED-8DF0-6B6BA2CE3243}" type="datetimeFigureOut">
               <a:rPr lang="en-US" smtClean="0"/>
-              <a:t>5/15/2022</a:t>
+              <a:t>5/24/2022</a:t>
             </a:fld>
             <a:endParaRPr lang="en-US"/>
           </a:p>
@@ -12073,7 +12078,7 @@
           <a:p>
             <a:fld id="{C0A3DACC-474D-44ED-8DF0-6B6BA2CE3243}" type="datetimeFigureOut">
               <a:rPr lang="en-US" smtClean="0"/>
-              <a:t>5/15/2022</a:t>
+              <a:t>5/24/2022</a:t>
             </a:fld>
             <a:endParaRPr lang="en-US"/>
           </a:p>
@@ -13070,7 +13075,7 @@
           <a:p>
             <a:fld id="{C0A3DACC-474D-44ED-8DF0-6B6BA2CE3243}" type="datetimeFigureOut">
               <a:rPr lang="en-US" smtClean="0"/>
-              <a:t>5/15/2022</a:t>
+              <a:t>5/24/2022</a:t>
             </a:fld>
             <a:endParaRPr lang="en-US"/>
           </a:p>
@@ -13655,6 +13660,8 @@
                 <a:solidFill>
                   <a:schemeClr val="bg1"/>
                 </a:solidFill>
+                <a:latin typeface="Arial" panose="020B0604020202020204" pitchFamily="34" charset="0"/>
+                <a:cs typeface="Arial" panose="020B0604020202020204" pitchFamily="34" charset="0"/>
               </a:rPr>
               <a:t>C# Basics</a:t>
             </a:r>
@@ -13662,6 +13669,8 @@
               <a:solidFill>
                 <a:schemeClr val="bg1"/>
               </a:solidFill>
+              <a:latin typeface="Arial" panose="020B0604020202020204" pitchFamily="34" charset="0"/>
+              <a:cs typeface="Arial" panose="020B0604020202020204" pitchFamily="34" charset="0"/>
             </a:endParaRPr>
           </a:p>
         </p:txBody>
@@ -13786,155 +13795,6 @@
                 <a:latin typeface="Arial" panose="020B0604020202020204" pitchFamily="34" charset="0"/>
                 <a:cs typeface="Arial" panose="020B0604020202020204" pitchFamily="34" charset="0"/>
               </a:rPr>
-              <a:t>What is compiler?</a:t>
-            </a:r>
-            <a:endParaRPr lang="en-US" dirty="0">
-              <a:latin typeface="Arial" panose="020B0604020202020204" pitchFamily="34" charset="0"/>
-              <a:cs typeface="Arial" panose="020B0604020202020204" pitchFamily="34" charset="0"/>
-            </a:endParaRPr>
-          </a:p>
-        </p:txBody>
-      </p:sp>
-      <p:sp>
-        <p:nvSpPr>
-          <p:cNvPr id="3" name="Content Placeholder 2"/>
-          <p:cNvSpPr>
-            <a:spLocks noGrp="1"/>
-          </p:cNvSpPr>
-          <p:nvPr>
-            <p:ph idx="1"/>
-          </p:nvPr>
-        </p:nvSpPr>
-        <p:spPr>
-          <a:xfrm>
-            <a:off x="1546839" y="2603499"/>
-            <a:ext cx="8825659" cy="4021235"/>
-          </a:xfrm>
-        </p:spPr>
-        <p:txBody>
-          <a:bodyPr/>
-          <a:lstStyle/>
-          <a:p>
-            <a:r>
-              <a:rPr lang="en-US" dirty="0"/>
-              <a:t>A compiler is a special program that translates a programming language's </a:t>
-            </a:r>
-            <a:r>
-              <a:rPr lang="en-US" dirty="0" smtClean="0"/>
-              <a:t>source code into </a:t>
-            </a:r>
-            <a:r>
-              <a:rPr lang="en-US" dirty="0"/>
-              <a:t>machine code, bytecode or another programming language. The source code is typically written in a high-level, human-readable language such as </a:t>
-            </a:r>
-            <a:r>
-              <a:rPr lang="en-US" b="1" dirty="0" smtClean="0"/>
-              <a:t>C#</a:t>
-            </a:r>
-            <a:r>
-              <a:rPr lang="en-US" dirty="0" smtClean="0"/>
-              <a:t>, </a:t>
-            </a:r>
-            <a:r>
-              <a:rPr lang="en-US" b="1" dirty="0" smtClean="0"/>
-              <a:t>Java, C++, etc</a:t>
-            </a:r>
-            <a:r>
-              <a:rPr lang="en-US" dirty="0" smtClean="0"/>
-              <a:t>.</a:t>
-            </a:r>
-            <a:endParaRPr lang="en-US" dirty="0"/>
-          </a:p>
-        </p:txBody>
-      </p:sp>
-      <p:pic>
-        <p:nvPicPr>
-          <p:cNvPr id="5" name="Picture 4"/>
-          <p:cNvPicPr>
-            <a:picLocks noChangeAspect="1"/>
-          </p:cNvPicPr>
-          <p:nvPr/>
-        </p:nvPicPr>
-        <p:blipFill>
-          <a:blip r:embed="rId2">
-            <a:extLst>
-              <a:ext uri="{28A0092B-C50C-407E-A947-70E740481C1C}">
-                <a14:useLocalDpi xmlns:a14="http://schemas.microsoft.com/office/drawing/2010/main" val="0"/>
-              </a:ext>
-            </a:extLst>
-          </a:blip>
-          <a:stretch>
-            <a:fillRect/>
-          </a:stretch>
-        </p:blipFill>
-        <p:spPr>
-          <a:xfrm>
-            <a:off x="1905842" y="3948209"/>
-            <a:ext cx="8010525" cy="2676525"/>
-          </a:xfrm>
-          <a:prstGeom prst="rect">
-            <a:avLst/>
-          </a:prstGeom>
-        </p:spPr>
-      </p:pic>
-    </p:spTree>
-    <p:extLst>
-      <p:ext uri="{BB962C8B-B14F-4D97-AF65-F5344CB8AC3E}">
-        <p14:creationId xmlns:p14="http://schemas.microsoft.com/office/powerpoint/2010/main" val="525679394"/>
-      </p:ext>
-    </p:extLst>
-  </p:cSld>
-  <p:clrMapOvr>
-    <a:masterClrMapping/>
-  </p:clrMapOvr>
-  <p:timing>
-    <p:tnLst>
-      <p:par>
-        <p:cTn id="1" dur="indefinite" restart="never" nodeType="tmRoot"/>
-      </p:par>
-    </p:tnLst>
-  </p:timing>
-</p:sld>
-</file>
-
-<file path=ppt/slides/slide11.xml><?xml version="1.0" encoding="utf-8"?>
-<p:sld xmlns:a="http://schemas.openxmlformats.org/drawingml/2006/main" xmlns:r="http://schemas.openxmlformats.org/officeDocument/2006/relationships" xmlns:p="http://schemas.openxmlformats.org/presentationml/2006/main">
-  <p:cSld>
-    <p:spTree>
-      <p:nvGrpSpPr>
-        <p:cNvPr id="1" name=""/>
-        <p:cNvGrpSpPr/>
-        <p:nvPr/>
-      </p:nvGrpSpPr>
-      <p:grpSpPr>
-        <a:xfrm>
-          <a:off x="0" y="0"/>
-          <a:ext cx="0" cy="0"/>
-          <a:chOff x="0" y="0"/>
-          <a:chExt cx="0" cy="0"/>
-        </a:xfrm>
-      </p:grpSpPr>
-      <p:sp>
-        <p:nvSpPr>
-          <p:cNvPr id="2" name="Title 1"/>
-          <p:cNvSpPr>
-            <a:spLocks noGrp="1"/>
-          </p:cNvSpPr>
-          <p:nvPr>
-            <p:ph type="title"/>
-          </p:nvPr>
-        </p:nvSpPr>
-        <p:spPr/>
-        <p:txBody>
-          <a:bodyPr/>
-          <a:lstStyle/>
-          <a:p>
-            <a:pPr algn="ctr"/>
-            <a:r>
-              <a:rPr lang="en-US" dirty="0" smtClean="0">
-                <a:latin typeface="Arial" panose="020B0604020202020204" pitchFamily="34" charset="0"/>
-                <a:cs typeface="Arial" panose="020B0604020202020204" pitchFamily="34" charset="0"/>
-              </a:rPr>
               <a:t>What is an IDE?</a:t>
             </a:r>
             <a:endParaRPr lang="en-US" dirty="0">
@@ -14235,7 +14095,7 @@
 </p:sld>
 </file>
 
-<file path=ppt/slides/slide12.xml><?xml version="1.0" encoding="utf-8"?>
+<file path=ppt/slides/slide11.xml><?xml version="1.0" encoding="utf-8"?>
 <p:sld xmlns:a="http://schemas.openxmlformats.org/drawingml/2006/main" xmlns:r="http://schemas.openxmlformats.org/officeDocument/2006/relationships" xmlns:p="http://schemas.openxmlformats.org/presentationml/2006/main">
   <p:cSld>
     <p:spTree>
@@ -14323,6 +14183,462 @@
   <p:clrMapOvr>
     <a:masterClrMapping/>
   </p:clrMapOvr>
+  <p:timing>
+    <p:tnLst>
+      <p:par>
+        <p:cTn id="1" dur="indefinite" restart="never" nodeType="tmRoot"/>
+      </p:par>
+    </p:tnLst>
+  </p:timing>
+</p:sld>
+</file>
+
+<file path=ppt/slides/slide12.xml><?xml version="1.0" encoding="utf-8"?>
+<p:sld xmlns:a="http://schemas.openxmlformats.org/drawingml/2006/main" xmlns:r="http://schemas.openxmlformats.org/officeDocument/2006/relationships" xmlns:p="http://schemas.openxmlformats.org/presentationml/2006/main">
+  <p:cSld>
+    <p:spTree>
+      <p:nvGrpSpPr>
+        <p:cNvPr id="1" name=""/>
+        <p:cNvGrpSpPr/>
+        <p:nvPr/>
+      </p:nvGrpSpPr>
+      <p:grpSpPr>
+        <a:xfrm>
+          <a:off x="0" y="0"/>
+          <a:ext cx="0" cy="0"/>
+          <a:chOff x="0" y="0"/>
+          <a:chExt cx="0" cy="0"/>
+        </a:xfrm>
+      </p:grpSpPr>
+      <p:sp>
+        <p:nvSpPr>
+          <p:cNvPr id="2" name="Title 1"/>
+          <p:cNvSpPr>
+            <a:spLocks noGrp="1"/>
+          </p:cNvSpPr>
+          <p:nvPr>
+            <p:ph type="title"/>
+          </p:nvPr>
+        </p:nvSpPr>
+        <p:spPr/>
+        <p:txBody>
+          <a:bodyPr/>
+          <a:lstStyle/>
+          <a:p>
+            <a:pPr algn="ctr"/>
+            <a:r>
+              <a:rPr lang="en-US" dirty="0" smtClean="0">
+                <a:latin typeface="Arial" panose="020B0604020202020204" pitchFamily="34" charset="0"/>
+                <a:cs typeface="Arial" panose="020B0604020202020204" pitchFamily="34" charset="0"/>
+              </a:rPr>
+              <a:t>C# </a:t>
+            </a:r>
+            <a:r>
+              <a:rPr lang="en-US" dirty="0" smtClean="0">
+                <a:solidFill>
+                  <a:srgbClr val="FFFF00"/>
+                </a:solidFill>
+                <a:latin typeface="Arial" panose="020B0604020202020204" pitchFamily="34" charset="0"/>
+                <a:cs typeface="Arial" panose="020B0604020202020204" pitchFamily="34" charset="0"/>
+              </a:rPr>
+              <a:t>variables</a:t>
+            </a:r>
+            <a:endParaRPr lang="en-US" dirty="0">
+              <a:solidFill>
+                <a:srgbClr val="FFFF00"/>
+              </a:solidFill>
+              <a:latin typeface="Arial" panose="020B0604020202020204" pitchFamily="34" charset="0"/>
+              <a:cs typeface="Arial" panose="020B0604020202020204" pitchFamily="34" charset="0"/>
+            </a:endParaRPr>
+          </a:p>
+        </p:txBody>
+      </p:sp>
+      <p:sp>
+        <p:nvSpPr>
+          <p:cNvPr id="3" name="Content Placeholder 2"/>
+          <p:cNvSpPr>
+            <a:spLocks noGrp="1"/>
+          </p:cNvSpPr>
+          <p:nvPr>
+            <p:ph idx="1"/>
+          </p:nvPr>
+        </p:nvSpPr>
+        <p:spPr>
+          <a:xfrm>
+            <a:off x="763069" y="2855427"/>
+            <a:ext cx="6893274" cy="3651648"/>
+          </a:xfrm>
+        </p:spPr>
+        <p:txBody>
+          <a:bodyPr/>
+          <a:lstStyle/>
+          <a:p>
+            <a:r>
+              <a:rPr lang="en-US" sz="2000" dirty="0" smtClean="0">
+                <a:latin typeface="Arial" panose="020B0604020202020204" pitchFamily="34" charset="0"/>
+                <a:cs typeface="Arial" panose="020B0604020202020204" pitchFamily="34" charset="0"/>
+              </a:rPr>
+              <a:t>Variables are containers for storing of data values.</a:t>
+            </a:r>
+          </a:p>
+          <a:p>
+            <a:r>
+              <a:rPr lang="en-US" sz="2000" dirty="0" smtClean="0">
+                <a:latin typeface="Arial" panose="020B0604020202020204" pitchFamily="34" charset="0"/>
+                <a:cs typeface="Arial" panose="020B0604020202020204" pitchFamily="34" charset="0"/>
+              </a:rPr>
+              <a:t>In </a:t>
+            </a:r>
+            <a:r>
+              <a:rPr lang="en-US" sz="2000" b="1" dirty="0" smtClean="0">
+                <a:latin typeface="Arial" panose="020B0604020202020204" pitchFamily="34" charset="0"/>
+                <a:cs typeface="Arial" panose="020B0604020202020204" pitchFamily="34" charset="0"/>
+              </a:rPr>
+              <a:t>C#</a:t>
+            </a:r>
+            <a:r>
+              <a:rPr lang="en-US" sz="2000" dirty="0" smtClean="0">
+                <a:latin typeface="Arial" panose="020B0604020202020204" pitchFamily="34" charset="0"/>
+                <a:cs typeface="Arial" panose="020B0604020202020204" pitchFamily="34" charset="0"/>
+              </a:rPr>
+              <a:t>, there are different types of variables (defined with different keywords</a:t>
+            </a:r>
+            <a:r>
+              <a:rPr lang="en-US" sz="2000" dirty="0" smtClean="0">
+                <a:latin typeface="Arial" panose="020B0604020202020204" pitchFamily="34" charset="0"/>
+                <a:cs typeface="Arial" panose="020B0604020202020204" pitchFamily="34" charset="0"/>
+              </a:rPr>
+              <a:t>).</a:t>
+            </a:r>
+          </a:p>
+          <a:p>
+            <a:r>
+              <a:rPr lang="en-US" sz="2000" dirty="0" smtClean="0">
+                <a:latin typeface="Arial" panose="020B0604020202020204" pitchFamily="34" charset="0"/>
+                <a:cs typeface="Arial" panose="020B0604020202020204" pitchFamily="34" charset="0"/>
+              </a:rPr>
+              <a:t>Examples for variables:</a:t>
+            </a:r>
+          </a:p>
+          <a:p>
+            <a:pPr marL="457200" lvl="1" indent="0">
+              <a:buNone/>
+            </a:pPr>
+            <a:r>
+              <a:rPr lang="en-US" sz="1800" b="1" dirty="0">
+                <a:latin typeface="Arial" panose="020B0604020202020204" pitchFamily="34" charset="0"/>
+                <a:cs typeface="Arial" panose="020B0604020202020204" pitchFamily="34" charset="0"/>
+              </a:rPr>
+              <a:t>s</a:t>
+            </a:r>
+            <a:r>
+              <a:rPr lang="en-US" sz="1800" b="1" dirty="0" smtClean="0">
+                <a:latin typeface="Arial" panose="020B0604020202020204" pitchFamily="34" charset="0"/>
+                <a:cs typeface="Arial" panose="020B0604020202020204" pitchFamily="34" charset="0"/>
+              </a:rPr>
+              <a:t>tring</a:t>
+            </a:r>
+            <a:r>
+              <a:rPr lang="en-US" sz="1800" dirty="0" smtClean="0">
+                <a:latin typeface="Arial" panose="020B0604020202020204" pitchFamily="34" charset="0"/>
+                <a:cs typeface="Arial" panose="020B0604020202020204" pitchFamily="34" charset="0"/>
+              </a:rPr>
+              <a:t> </a:t>
+            </a:r>
+            <a:r>
+              <a:rPr lang="en-US" sz="1800" dirty="0" err="1" smtClean="0">
+                <a:solidFill>
+                  <a:srgbClr val="00B050"/>
+                </a:solidFill>
+                <a:latin typeface="Arial" panose="020B0604020202020204" pitchFamily="34" charset="0"/>
+                <a:cs typeface="Arial" panose="020B0604020202020204" pitchFamily="34" charset="0"/>
+              </a:rPr>
+              <a:t>firstName</a:t>
+            </a:r>
+            <a:r>
+              <a:rPr lang="en-US" sz="1800" dirty="0" smtClean="0">
+                <a:latin typeface="Arial" panose="020B0604020202020204" pitchFamily="34" charset="0"/>
+                <a:cs typeface="Arial" panose="020B0604020202020204" pitchFamily="34" charset="0"/>
+              </a:rPr>
+              <a:t> = “</a:t>
+            </a:r>
+            <a:r>
+              <a:rPr lang="en-US" sz="1800" dirty="0" err="1" smtClean="0">
+                <a:latin typeface="Arial" panose="020B0604020202020204" pitchFamily="34" charset="0"/>
+                <a:cs typeface="Arial" panose="020B0604020202020204" pitchFamily="34" charset="0"/>
+              </a:rPr>
+              <a:t>Velizar</a:t>
+            </a:r>
+            <a:r>
+              <a:rPr lang="en-US" sz="1800" dirty="0" smtClean="0">
+                <a:latin typeface="Arial" panose="020B0604020202020204" pitchFamily="34" charset="0"/>
+                <a:cs typeface="Arial" panose="020B0604020202020204" pitchFamily="34" charset="0"/>
+              </a:rPr>
+              <a:t>”;  //valid variable name</a:t>
+            </a:r>
+          </a:p>
+          <a:p>
+            <a:pPr marL="457200" lvl="1" indent="0">
+              <a:buNone/>
+            </a:pPr>
+            <a:r>
+              <a:rPr lang="en-US" sz="1800" b="1" dirty="0">
+                <a:latin typeface="Arial" panose="020B0604020202020204" pitchFamily="34" charset="0"/>
+                <a:cs typeface="Arial" panose="020B0604020202020204" pitchFamily="34" charset="0"/>
+              </a:rPr>
+              <a:t>s</a:t>
+            </a:r>
+            <a:r>
+              <a:rPr lang="en-US" sz="1800" b="1" dirty="0" smtClean="0">
+                <a:latin typeface="Arial" panose="020B0604020202020204" pitchFamily="34" charset="0"/>
+                <a:cs typeface="Arial" panose="020B0604020202020204" pitchFamily="34" charset="0"/>
+              </a:rPr>
+              <a:t>tring</a:t>
+            </a:r>
+            <a:r>
+              <a:rPr lang="en-US" sz="1800" dirty="0" smtClean="0">
+                <a:latin typeface="Arial" panose="020B0604020202020204" pitchFamily="34" charset="0"/>
+                <a:cs typeface="Arial" panose="020B0604020202020204" pitchFamily="34" charset="0"/>
+              </a:rPr>
+              <a:t> </a:t>
+            </a:r>
+            <a:r>
+              <a:rPr lang="en-US" sz="1800" dirty="0" smtClean="0">
+                <a:solidFill>
+                  <a:srgbClr val="FF0000"/>
+                </a:solidFill>
+                <a:latin typeface="Arial" panose="020B0604020202020204" pitchFamily="34" charset="0"/>
+                <a:cs typeface="Arial" panose="020B0604020202020204" pitchFamily="34" charset="0"/>
+              </a:rPr>
+              <a:t>12Test</a:t>
+            </a:r>
+            <a:r>
+              <a:rPr lang="en-US" sz="1800" dirty="0" smtClean="0">
+                <a:latin typeface="Arial" panose="020B0604020202020204" pitchFamily="34" charset="0"/>
+                <a:cs typeface="Arial" panose="020B0604020202020204" pitchFamily="34" charset="0"/>
+              </a:rPr>
+              <a:t> = “test”;  //Invalid: cannot starts with number</a:t>
+            </a:r>
+          </a:p>
+          <a:p>
+            <a:pPr marL="457200" lvl="1" indent="0">
+              <a:buNone/>
+            </a:pPr>
+            <a:r>
+              <a:rPr lang="en-US" sz="1800" b="1" dirty="0" err="1">
+                <a:latin typeface="Arial" panose="020B0604020202020204" pitchFamily="34" charset="0"/>
+                <a:cs typeface="Arial" panose="020B0604020202020204" pitchFamily="34" charset="0"/>
+              </a:rPr>
+              <a:t>i</a:t>
+            </a:r>
+            <a:r>
+              <a:rPr lang="en-US" sz="1800" b="1" dirty="0" err="1" smtClean="0">
+                <a:latin typeface="Arial" panose="020B0604020202020204" pitchFamily="34" charset="0"/>
+                <a:cs typeface="Arial" panose="020B0604020202020204" pitchFamily="34" charset="0"/>
+              </a:rPr>
+              <a:t>nt</a:t>
+            </a:r>
+            <a:r>
+              <a:rPr lang="en-US" sz="1800" dirty="0" smtClean="0">
+                <a:latin typeface="Arial" panose="020B0604020202020204" pitchFamily="34" charset="0"/>
+                <a:cs typeface="Arial" panose="020B0604020202020204" pitchFamily="34" charset="0"/>
+              </a:rPr>
+              <a:t> </a:t>
+            </a:r>
+            <a:r>
+              <a:rPr lang="en-US" sz="1800" dirty="0" smtClean="0">
+                <a:solidFill>
+                  <a:srgbClr val="FF0000"/>
+                </a:solidFill>
+                <a:latin typeface="Arial" panose="020B0604020202020204" pitchFamily="34" charset="0"/>
+                <a:cs typeface="Arial" panose="020B0604020202020204" pitchFamily="34" charset="0"/>
+              </a:rPr>
+              <a:t>my Number</a:t>
+            </a:r>
+            <a:r>
+              <a:rPr lang="en-US" sz="1800" dirty="0" smtClean="0">
+                <a:latin typeface="Arial" panose="020B0604020202020204" pitchFamily="34" charset="0"/>
+                <a:cs typeface="Arial" panose="020B0604020202020204" pitchFamily="34" charset="0"/>
+              </a:rPr>
+              <a:t> = 2; //Invalid: cannot include whitespace</a:t>
+            </a:r>
+          </a:p>
+          <a:p>
+            <a:pPr marL="457200" lvl="1" indent="0">
+              <a:buNone/>
+            </a:pPr>
+            <a:r>
+              <a:rPr lang="en-US" sz="1800" b="1" dirty="0">
+                <a:latin typeface="Arial" panose="020B0604020202020204" pitchFamily="34" charset="0"/>
+                <a:cs typeface="Arial" panose="020B0604020202020204" pitchFamily="34" charset="0"/>
+              </a:rPr>
+              <a:t>s</a:t>
+            </a:r>
+            <a:r>
+              <a:rPr lang="en-US" sz="1800" b="1" dirty="0" smtClean="0">
+                <a:latin typeface="Arial" panose="020B0604020202020204" pitchFamily="34" charset="0"/>
+                <a:cs typeface="Arial" panose="020B0604020202020204" pitchFamily="34" charset="0"/>
+              </a:rPr>
+              <a:t>tring</a:t>
+            </a:r>
+            <a:r>
+              <a:rPr lang="en-US" sz="1800" dirty="0" smtClean="0">
+                <a:latin typeface="Arial" panose="020B0604020202020204" pitchFamily="34" charset="0"/>
+                <a:cs typeface="Arial" panose="020B0604020202020204" pitchFamily="34" charset="0"/>
+              </a:rPr>
+              <a:t> </a:t>
+            </a:r>
+            <a:r>
+              <a:rPr lang="en-US" sz="1800" dirty="0" smtClean="0">
+                <a:solidFill>
+                  <a:srgbClr val="FFC000"/>
+                </a:solidFill>
+                <a:latin typeface="Arial" panose="020B0604020202020204" pitchFamily="34" charset="0"/>
+                <a:cs typeface="Arial" panose="020B0604020202020204" pitchFamily="34" charset="0"/>
+              </a:rPr>
+              <a:t>ln</a:t>
+            </a:r>
+            <a:r>
+              <a:rPr lang="en-US" sz="1800" dirty="0" smtClean="0">
+                <a:latin typeface="Arial" panose="020B0604020202020204" pitchFamily="34" charset="0"/>
+                <a:cs typeface="Arial" panose="020B0604020202020204" pitchFamily="34" charset="0"/>
+              </a:rPr>
+              <a:t> = “</a:t>
+            </a:r>
+            <a:r>
+              <a:rPr lang="en-US" sz="1800" dirty="0" err="1" smtClean="0">
+                <a:latin typeface="Arial" panose="020B0604020202020204" pitchFamily="34" charset="0"/>
+                <a:cs typeface="Arial" panose="020B0604020202020204" pitchFamily="34" charset="0"/>
+              </a:rPr>
+              <a:t>Gerasimov</a:t>
+            </a:r>
+            <a:r>
+              <a:rPr lang="en-US" sz="1800" dirty="0" smtClean="0">
+                <a:latin typeface="Arial" panose="020B0604020202020204" pitchFamily="34" charset="0"/>
+                <a:cs typeface="Arial" panose="020B0604020202020204" pitchFamily="34" charset="0"/>
+              </a:rPr>
+              <a:t>”; //</a:t>
+            </a:r>
+            <a:r>
+              <a:rPr lang="en-US" sz="1800" dirty="0" smtClean="0">
+                <a:solidFill>
+                  <a:srgbClr val="FFC000"/>
+                </a:solidFill>
+                <a:latin typeface="Arial" panose="020B0604020202020204" pitchFamily="34" charset="0"/>
+                <a:cs typeface="Arial" panose="020B0604020202020204" pitchFamily="34" charset="0"/>
+              </a:rPr>
+              <a:t>Valid</a:t>
+            </a:r>
+            <a:r>
+              <a:rPr lang="en-US" sz="1800" dirty="0" smtClean="0">
+                <a:latin typeface="Arial" panose="020B0604020202020204" pitchFamily="34" charset="0"/>
+                <a:cs typeface="Arial" panose="020B0604020202020204" pitchFamily="34" charset="0"/>
+              </a:rPr>
+              <a:t>, but </a:t>
+            </a:r>
+            <a:r>
+              <a:rPr lang="en-US" sz="1800" dirty="0">
+                <a:solidFill>
+                  <a:srgbClr val="FF0000"/>
+                </a:solidFill>
+                <a:latin typeface="Arial" panose="020B0604020202020204" pitchFamily="34" charset="0"/>
+                <a:cs typeface="Arial" panose="020B0604020202020204" pitchFamily="34" charset="0"/>
+              </a:rPr>
+              <a:t>N</a:t>
+            </a:r>
+            <a:r>
+              <a:rPr lang="en-US" sz="1800" dirty="0" smtClean="0">
+                <a:solidFill>
+                  <a:srgbClr val="FF0000"/>
+                </a:solidFill>
+                <a:latin typeface="Arial" panose="020B0604020202020204" pitchFamily="34" charset="0"/>
+                <a:cs typeface="Arial" panose="020B0604020202020204" pitchFamily="34" charset="0"/>
+              </a:rPr>
+              <a:t>ot</a:t>
+            </a:r>
+            <a:r>
+              <a:rPr lang="en-US" sz="1800" dirty="0" smtClean="0">
+                <a:latin typeface="Arial" panose="020B0604020202020204" pitchFamily="34" charset="0"/>
+                <a:cs typeface="Arial" panose="020B0604020202020204" pitchFamily="34" charset="0"/>
+              </a:rPr>
+              <a:t> recommended! Instead of that should be </a:t>
+            </a:r>
+            <a:r>
+              <a:rPr lang="en-US" sz="1800" dirty="0" err="1" smtClean="0">
+                <a:solidFill>
+                  <a:srgbClr val="00B050"/>
+                </a:solidFill>
+                <a:latin typeface="Arial" panose="020B0604020202020204" pitchFamily="34" charset="0"/>
+                <a:cs typeface="Arial" panose="020B0604020202020204" pitchFamily="34" charset="0"/>
+              </a:rPr>
+              <a:t>lastName</a:t>
+            </a:r>
+            <a:r>
+              <a:rPr lang="en-US" sz="1800" dirty="0" smtClean="0">
+                <a:latin typeface="Arial" panose="020B0604020202020204" pitchFamily="34" charset="0"/>
+                <a:cs typeface="Arial" panose="020B0604020202020204" pitchFamily="34" charset="0"/>
+              </a:rPr>
+              <a:t> because is meaningful.</a:t>
+            </a:r>
+          </a:p>
+          <a:p>
+            <a:pPr marL="457200" lvl="1" indent="0">
+              <a:buNone/>
+            </a:pPr>
+            <a:endParaRPr lang="en-US" sz="1800" dirty="0">
+              <a:latin typeface="Arial" panose="020B0604020202020204" pitchFamily="34" charset="0"/>
+              <a:cs typeface="Arial" panose="020B0604020202020204" pitchFamily="34" charset="0"/>
+            </a:endParaRPr>
+          </a:p>
+        </p:txBody>
+      </p:sp>
+      <p:pic>
+        <p:nvPicPr>
+          <p:cNvPr id="4" name="Picture 3"/>
+          <p:cNvPicPr>
+            <a:picLocks noChangeAspect="1"/>
+          </p:cNvPicPr>
+          <p:nvPr/>
+        </p:nvPicPr>
+        <p:blipFill>
+          <a:blip r:embed="rId2">
+            <a:extLst>
+              <a:ext uri="{28A0092B-C50C-407E-A947-70E740481C1C}">
+                <a14:useLocalDpi xmlns:a14="http://schemas.microsoft.com/office/drawing/2010/main" val="0"/>
+              </a:ext>
+            </a:extLst>
+          </a:blip>
+          <a:stretch>
+            <a:fillRect/>
+          </a:stretch>
+        </p:blipFill>
+        <p:spPr>
+          <a:xfrm>
+            <a:off x="7656343" y="2855427"/>
+            <a:ext cx="3671020" cy="3651648"/>
+          </a:xfrm>
+          <a:prstGeom prst="rect">
+            <a:avLst/>
+          </a:prstGeom>
+        </p:spPr>
+      </p:pic>
+    </p:spTree>
+    <p:extLst>
+      <p:ext uri="{BB962C8B-B14F-4D97-AF65-F5344CB8AC3E}">
+        <p14:creationId xmlns:p14="http://schemas.microsoft.com/office/powerpoint/2010/main" val="644180142"/>
+      </p:ext>
+    </p:extLst>
+  </p:cSld>
+  <p:clrMapOvr>
+    <a:masterClrMapping/>
+  </p:clrMapOvr>
+  <p:timing>
+    <p:tnLst>
+      <p:par>
+        <p:cTn id="1" dur="indefinite" restart="never" nodeType="tmRoot"/>
+      </p:par>
+    </p:tnLst>
+  </p:timing>
 </p:sld>
 </file>
 
@@ -14361,26 +14677,325 @@
             <a:pPr algn="ctr"/>
             <a:r>
               <a:rPr lang="en-US" dirty="0" smtClean="0">
+                <a:solidFill>
+                  <a:schemeClr val="bg1"/>
+                </a:solidFill>
                 <a:latin typeface="Arial" panose="020B0604020202020204" pitchFamily="34" charset="0"/>
                 <a:cs typeface="Arial" panose="020B0604020202020204" pitchFamily="34" charset="0"/>
               </a:rPr>
-              <a:t>C# variables</a:t>
+              <a:t>C# </a:t>
+            </a:r>
+            <a:r>
+              <a:rPr lang="en-US" dirty="0" smtClean="0">
+                <a:solidFill>
+                  <a:srgbClr val="FFFF00"/>
+                </a:solidFill>
+                <a:latin typeface="Arial" panose="020B0604020202020204" pitchFamily="34" charset="0"/>
+                <a:cs typeface="Arial" panose="020B0604020202020204" pitchFamily="34" charset="0"/>
+              </a:rPr>
+              <a:t>constants</a:t>
             </a:r>
             <a:endParaRPr lang="en-US" dirty="0">
+              <a:solidFill>
+                <a:srgbClr val="FFFF00"/>
+              </a:solidFill>
               <a:latin typeface="Arial" panose="020B0604020202020204" pitchFamily="34" charset="0"/>
               <a:cs typeface="Arial" panose="020B0604020202020204" pitchFamily="34" charset="0"/>
             </a:endParaRPr>
           </a:p>
         </p:txBody>
       </p:sp>
+      <p:pic>
+        <p:nvPicPr>
+          <p:cNvPr id="4" name="Content Placeholder 3"/>
+          <p:cNvPicPr>
+            <a:picLocks noGrp="1" noChangeAspect="1"/>
+          </p:cNvPicPr>
+          <p:nvPr>
+            <p:ph idx="1"/>
+          </p:nvPr>
+        </p:nvPicPr>
+        <p:blipFill>
+          <a:blip r:embed="rId2">
+            <a:extLst>
+              <a:ext uri="{28A0092B-C50C-407E-A947-70E740481C1C}">
+                <a14:useLocalDpi xmlns:a14="http://schemas.microsoft.com/office/drawing/2010/main" val="0"/>
+              </a:ext>
+            </a:extLst>
+          </a:blip>
+          <a:stretch>
+            <a:fillRect/>
+          </a:stretch>
+        </p:blipFill>
+        <p:spPr>
+          <a:xfrm>
+            <a:off x="7154537" y="3624807"/>
+            <a:ext cx="4088850" cy="1074846"/>
+          </a:xfrm>
+        </p:spPr>
+      </p:pic>
       <p:sp>
         <p:nvSpPr>
-          <p:cNvPr id="3" name="Content Placeholder 2"/>
+          <p:cNvPr id="5" name="TextBox 4"/>
+          <p:cNvSpPr txBox="1"/>
+          <p:nvPr/>
+        </p:nvSpPr>
+        <p:spPr>
+          <a:xfrm>
+            <a:off x="886408" y="2565918"/>
+            <a:ext cx="5840963" cy="3416320"/>
+          </a:xfrm>
+          <a:prstGeom prst="rect">
+            <a:avLst/>
+          </a:prstGeom>
+          <a:noFill/>
+        </p:spPr>
+        <p:txBody>
+          <a:bodyPr wrap="square" rtlCol="0">
+            <a:spAutoFit/>
+          </a:bodyPr>
+          <a:lstStyle/>
+          <a:p>
+            <a:r>
+              <a:rPr lang="en-US" dirty="0" smtClean="0"/>
+              <a:t>Naming conventions for </a:t>
+            </a:r>
+            <a:r>
+              <a:rPr lang="en-US" dirty="0" smtClean="0">
+                <a:solidFill>
+                  <a:srgbClr val="0070C0"/>
+                </a:solidFill>
+              </a:rPr>
+              <a:t>variables</a:t>
+            </a:r>
+            <a:r>
+              <a:rPr lang="en-US" dirty="0" smtClean="0"/>
+              <a:t> and </a:t>
+            </a:r>
+            <a:r>
+              <a:rPr lang="en-US" dirty="0" smtClean="0">
+                <a:solidFill>
+                  <a:schemeClr val="accent2">
+                    <a:lumMod val="75000"/>
+                  </a:schemeClr>
+                </a:solidFill>
+              </a:rPr>
+              <a:t>constants</a:t>
+            </a:r>
+            <a:r>
+              <a:rPr lang="en-US" dirty="0" smtClean="0"/>
+              <a:t>:</a:t>
+            </a:r>
+          </a:p>
+          <a:p>
+            <a:endParaRPr lang="en-US" dirty="0"/>
+          </a:p>
+          <a:p>
+            <a:r>
+              <a:rPr lang="en-US" dirty="0" smtClean="0"/>
+              <a:t>For </a:t>
+            </a:r>
+            <a:r>
+              <a:rPr lang="en-US" dirty="0" smtClean="0">
+                <a:solidFill>
+                  <a:srgbClr val="0070C0"/>
+                </a:solidFill>
+              </a:rPr>
+              <a:t>variables</a:t>
+            </a:r>
+            <a:r>
+              <a:rPr lang="en-US" dirty="0" smtClean="0"/>
+              <a:t>: 	</a:t>
+            </a:r>
+            <a:r>
+              <a:rPr lang="en-US" dirty="0" err="1" smtClean="0">
+                <a:solidFill>
+                  <a:srgbClr val="0070C0"/>
+                </a:solidFill>
+              </a:rPr>
+              <a:t>camelCase</a:t>
+            </a:r>
+            <a:endParaRPr lang="en-US" dirty="0" smtClean="0">
+              <a:solidFill>
+                <a:srgbClr val="0070C0"/>
+              </a:solidFill>
+            </a:endParaRPr>
+          </a:p>
+          <a:p>
+            <a:r>
+              <a:rPr lang="en-US" dirty="0" smtClean="0"/>
+              <a:t>For </a:t>
+            </a:r>
+            <a:r>
+              <a:rPr lang="en-US" dirty="0" smtClean="0">
+                <a:solidFill>
+                  <a:schemeClr val="accent2">
+                    <a:lumMod val="75000"/>
+                  </a:schemeClr>
+                </a:solidFill>
+              </a:rPr>
+              <a:t>constants</a:t>
+            </a:r>
+            <a:r>
+              <a:rPr lang="en-US" dirty="0" smtClean="0"/>
+              <a:t>: 	</a:t>
+            </a:r>
+            <a:r>
+              <a:rPr lang="en-US" dirty="0" err="1" smtClean="0">
+                <a:solidFill>
+                  <a:schemeClr val="accent2">
+                    <a:lumMod val="75000"/>
+                  </a:schemeClr>
+                </a:solidFill>
+              </a:rPr>
+              <a:t>PascalCase</a:t>
+            </a:r>
+            <a:endParaRPr lang="en-US" dirty="0" smtClean="0">
+              <a:solidFill>
+                <a:schemeClr val="accent2">
+                  <a:lumMod val="75000"/>
+                </a:schemeClr>
+              </a:solidFill>
+            </a:endParaRPr>
+          </a:p>
+          <a:p>
+            <a:endParaRPr lang="en-US" dirty="0" smtClean="0">
+              <a:solidFill>
+                <a:schemeClr val="accent2">
+                  <a:lumMod val="75000"/>
+                </a:schemeClr>
+              </a:solidFill>
+            </a:endParaRPr>
+          </a:p>
+          <a:p>
+            <a:endParaRPr lang="en-US" dirty="0">
+              <a:solidFill>
+                <a:schemeClr val="accent2">
+                  <a:lumMod val="75000"/>
+                </a:schemeClr>
+              </a:solidFill>
+            </a:endParaRPr>
+          </a:p>
+          <a:p>
+            <a:r>
+              <a:rPr lang="en-US" b="1" i="1" u="sng" dirty="0" smtClean="0"/>
+              <a:t>Note: </a:t>
+            </a:r>
+            <a:r>
+              <a:rPr lang="en-US" dirty="0" smtClean="0"/>
+              <a:t>In C# is </a:t>
+            </a:r>
+            <a:r>
+              <a:rPr lang="en-US" b="1" dirty="0" smtClean="0"/>
+              <a:t>Not</a:t>
+            </a:r>
+            <a:r>
+              <a:rPr lang="en-US" dirty="0" smtClean="0"/>
+              <a:t> recommended to be used </a:t>
+            </a:r>
+            <a:r>
+              <a:rPr lang="en-US" dirty="0" smtClean="0">
+                <a:solidFill>
+                  <a:srgbClr val="FF0000"/>
+                </a:solidFill>
+              </a:rPr>
+              <a:t>Hungarian Notation</a:t>
+            </a:r>
+            <a:r>
+              <a:rPr lang="en-US" dirty="0" smtClean="0"/>
+              <a:t>.</a:t>
+            </a:r>
+          </a:p>
+          <a:p>
+            <a:endParaRPr lang="en-US" dirty="0"/>
+          </a:p>
+          <a:p>
+            <a:r>
+              <a:rPr lang="en-US" b="1" dirty="0"/>
+              <a:t>s</a:t>
+            </a:r>
+            <a:r>
+              <a:rPr lang="en-US" b="1" dirty="0" smtClean="0"/>
+              <a:t>tring</a:t>
+            </a:r>
+            <a:r>
+              <a:rPr lang="en-US" dirty="0" smtClean="0"/>
+              <a:t> </a:t>
+            </a:r>
+            <a:r>
+              <a:rPr lang="en-US" dirty="0" err="1" smtClean="0">
+                <a:solidFill>
+                  <a:srgbClr val="C00000"/>
+                </a:solidFill>
+              </a:rPr>
+              <a:t>strFirstName</a:t>
+            </a:r>
+            <a:r>
+              <a:rPr lang="en-US" dirty="0" smtClean="0"/>
+              <a:t> = “</a:t>
+            </a:r>
+            <a:r>
+              <a:rPr lang="en-US" dirty="0" err="1" smtClean="0"/>
+              <a:t>Velizar</a:t>
+            </a:r>
+            <a:r>
+              <a:rPr lang="en-US" dirty="0" smtClean="0"/>
+              <a:t>”;</a:t>
+            </a:r>
+          </a:p>
+          <a:p>
+            <a:endParaRPr lang="en-US" dirty="0" smtClean="0"/>
+          </a:p>
+          <a:p>
+            <a:endParaRPr lang="en-US" dirty="0"/>
+          </a:p>
+        </p:txBody>
+      </p:sp>
+    </p:spTree>
+    <p:extLst>
+      <p:ext uri="{BB962C8B-B14F-4D97-AF65-F5344CB8AC3E}">
+        <p14:creationId xmlns:p14="http://schemas.microsoft.com/office/powerpoint/2010/main" val="2568291402"/>
+      </p:ext>
+    </p:extLst>
+  </p:cSld>
+  <p:clrMapOvr>
+    <a:masterClrMapping/>
+  </p:clrMapOvr>
+  <p:timing>
+    <p:tnLst>
+      <p:par>
+        <p:cTn id="1" dur="indefinite" restart="never" nodeType="tmRoot"/>
+      </p:par>
+    </p:tnLst>
+  </p:timing>
+</p:sld>
+</file>
+
+<file path=ppt/slides/slide14.xml><?xml version="1.0" encoding="utf-8"?>
+<p:sld xmlns:a="http://schemas.openxmlformats.org/drawingml/2006/main" xmlns:r="http://schemas.openxmlformats.org/officeDocument/2006/relationships" xmlns:p="http://schemas.openxmlformats.org/presentationml/2006/main">
+  <p:cSld>
+    <p:spTree>
+      <p:nvGrpSpPr>
+        <p:cNvPr id="1" name=""/>
+        <p:cNvGrpSpPr/>
+        <p:nvPr/>
+      </p:nvGrpSpPr>
+      <p:grpSpPr>
+        <a:xfrm>
+          <a:off x="0" y="0"/>
+          <a:ext cx="0" cy="0"/>
+          <a:chOff x="0" y="0"/>
+          <a:chExt cx="0" cy="0"/>
+        </a:xfrm>
+      </p:grpSpPr>
+      <p:sp>
+        <p:nvSpPr>
+          <p:cNvPr id="2" name="Title 1"/>
           <p:cNvSpPr>
             <a:spLocks noGrp="1"/>
           </p:cNvSpPr>
           <p:nvPr>
-            <p:ph idx="1"/>
+            <p:ph type="title"/>
           </p:nvPr>
         </p:nvSpPr>
         <p:spPr/>
@@ -14388,163 +15003,236 @@
           <a:bodyPr/>
           <a:lstStyle/>
           <a:p>
-            <a:r>
-              <a:rPr lang="en-US" dirty="0" smtClean="0"/>
-              <a:t>Variables are containers for storing of data values.</a:t>
-            </a:r>
-          </a:p>
-          <a:p>
-            <a:r>
-              <a:rPr lang="en-US" dirty="0" smtClean="0"/>
-              <a:t>In </a:t>
-            </a:r>
-            <a:r>
-              <a:rPr lang="en-US" b="1" dirty="0" smtClean="0"/>
-              <a:t>C#</a:t>
-            </a:r>
-            <a:r>
-              <a:rPr lang="en-US" dirty="0" smtClean="0"/>
-              <a:t>, there are different types of variables (defined with different keywords), for example:</a:t>
-            </a:r>
-          </a:p>
-          <a:p>
-            <a:pPr lvl="1"/>
-            <a:r>
-              <a:rPr lang="en-US" b="1" dirty="0" err="1" smtClean="0"/>
-              <a:t>Int</a:t>
-            </a:r>
-            <a:r>
-              <a:rPr lang="en-US" dirty="0" smtClean="0"/>
-              <a:t> – stores integers (whole numbers), without decimals, such </a:t>
-            </a:r>
-            <a:r>
-              <a:rPr lang="en-US" b="1" dirty="0" smtClean="0"/>
-              <a:t>127</a:t>
-            </a:r>
-            <a:r>
-              <a:rPr lang="en-US" dirty="0" smtClean="0"/>
-              <a:t> or -</a:t>
-            </a:r>
-            <a:r>
-              <a:rPr lang="en-US" b="1" dirty="0" smtClean="0"/>
-              <a:t>127</a:t>
-            </a:r>
-          </a:p>
-          <a:p>
-            <a:pPr lvl="1"/>
-            <a:r>
-              <a:rPr lang="en-US" b="1" dirty="0"/>
-              <a:t>d</a:t>
-            </a:r>
-            <a:r>
-              <a:rPr lang="en-US" b="1" dirty="0" smtClean="0"/>
-              <a:t>ouble</a:t>
-            </a:r>
-            <a:r>
-              <a:rPr lang="en-US" dirty="0" smtClean="0"/>
-              <a:t> – stores floating point numbers, with decimals, such </a:t>
-            </a:r>
-            <a:r>
-              <a:rPr lang="en-US" b="1" dirty="0" smtClean="0"/>
-              <a:t>19.99</a:t>
-            </a:r>
-            <a:r>
-              <a:rPr lang="en-US" dirty="0" smtClean="0"/>
-              <a:t> or </a:t>
-            </a:r>
-            <a:r>
-              <a:rPr lang="en-US" b="1" dirty="0" smtClean="0"/>
-              <a:t>-19.99</a:t>
-            </a:r>
-          </a:p>
-          <a:p>
-            <a:pPr lvl="1"/>
-            <a:r>
-              <a:rPr lang="en-US" b="1" dirty="0"/>
-              <a:t>c</a:t>
-            </a:r>
-            <a:r>
-              <a:rPr lang="en-US" b="1" dirty="0" smtClean="0"/>
-              <a:t>har</a:t>
-            </a:r>
-            <a:r>
-              <a:rPr lang="en-US" dirty="0" smtClean="0"/>
-              <a:t> – stores single characters, such as </a:t>
-            </a:r>
-            <a:r>
-              <a:rPr lang="en-US" b="1" dirty="0" smtClean="0"/>
-              <a:t>‘a’</a:t>
-            </a:r>
-            <a:r>
-              <a:rPr lang="en-US" dirty="0" smtClean="0"/>
-              <a:t> or </a:t>
-            </a:r>
-            <a:r>
-              <a:rPr lang="en-US" b="1" dirty="0" smtClean="0"/>
-              <a:t>‘B’</a:t>
-            </a:r>
-            <a:r>
-              <a:rPr lang="en-US" dirty="0" smtClean="0"/>
-              <a:t>. Char values are surrounded by single quotes.</a:t>
-            </a:r>
-          </a:p>
-          <a:p>
-            <a:pPr lvl="1"/>
-            <a:r>
-              <a:rPr lang="en-US" b="1" dirty="0"/>
-              <a:t>s</a:t>
-            </a:r>
-            <a:r>
-              <a:rPr lang="en-US" b="1" dirty="0" smtClean="0"/>
-              <a:t>tring</a:t>
-            </a:r>
-            <a:r>
-              <a:rPr lang="en-US" dirty="0" smtClean="0"/>
-              <a:t> – stores text, such </a:t>
-            </a:r>
-            <a:r>
-              <a:rPr lang="en-US" b="1" dirty="0" smtClean="0"/>
-              <a:t>“Hello World”</a:t>
-            </a:r>
-            <a:r>
-              <a:rPr lang="en-US" dirty="0" smtClean="0"/>
-              <a:t>. String values are surrounded by double quotes.</a:t>
-            </a:r>
-          </a:p>
-          <a:p>
-            <a:pPr lvl="1"/>
-            <a:r>
-              <a:rPr lang="en-US" b="1" dirty="0"/>
-              <a:t>b</a:t>
-            </a:r>
-            <a:r>
-              <a:rPr lang="en-US" b="1" dirty="0" smtClean="0"/>
-              <a:t>ool</a:t>
-            </a:r>
-            <a:r>
-              <a:rPr lang="en-US" dirty="0" smtClean="0"/>
-              <a:t> – stores values with two states: </a:t>
-            </a:r>
-            <a:r>
-              <a:rPr lang="en-US" b="1" dirty="0" smtClean="0"/>
-              <a:t>true</a:t>
-            </a:r>
-            <a:r>
-              <a:rPr lang="en-US" dirty="0" smtClean="0"/>
-              <a:t> or </a:t>
-            </a:r>
-            <a:r>
-              <a:rPr lang="en-US" b="1" dirty="0" smtClean="0"/>
-              <a:t>false</a:t>
-            </a:r>
-            <a:endParaRPr lang="en-US" b="1" dirty="0"/>
+            <a:pPr algn="ctr"/>
+            <a:r>
+              <a:rPr lang="en-US" dirty="0" smtClean="0">
+                <a:latin typeface="Arial" panose="020B0604020202020204" pitchFamily="34" charset="0"/>
+                <a:cs typeface="Arial" panose="020B0604020202020204" pitchFamily="34" charset="0"/>
+              </a:rPr>
+              <a:t>C# </a:t>
+            </a:r>
+            <a:r>
+              <a:rPr lang="en-US" dirty="0" smtClean="0">
+                <a:solidFill>
+                  <a:srgbClr val="FFFF00"/>
+                </a:solidFill>
+                <a:latin typeface="Arial" panose="020B0604020202020204" pitchFamily="34" charset="0"/>
+                <a:cs typeface="Arial" panose="020B0604020202020204" pitchFamily="34" charset="0"/>
+              </a:rPr>
+              <a:t>data types</a:t>
+            </a:r>
+            <a:endParaRPr lang="en-US" dirty="0">
+              <a:solidFill>
+                <a:srgbClr val="FFFF00"/>
+              </a:solidFill>
+              <a:latin typeface="Arial" panose="020B0604020202020204" pitchFamily="34" charset="0"/>
+              <a:cs typeface="Arial" panose="020B0604020202020204" pitchFamily="34" charset="0"/>
+            </a:endParaRPr>
           </a:p>
         </p:txBody>
       </p:sp>
+      <p:pic>
+        <p:nvPicPr>
+          <p:cNvPr id="6" name="Content Placeholder 5"/>
+          <p:cNvPicPr>
+            <a:picLocks noGrp="1" noChangeAspect="1"/>
+          </p:cNvPicPr>
+          <p:nvPr>
+            <p:ph idx="1"/>
+          </p:nvPr>
+        </p:nvPicPr>
+        <p:blipFill>
+          <a:blip r:embed="rId2">
+            <a:extLst>
+              <a:ext uri="{28A0092B-C50C-407E-A947-70E740481C1C}">
+                <a14:useLocalDpi xmlns:a14="http://schemas.microsoft.com/office/drawing/2010/main" val="0"/>
+              </a:ext>
+            </a:extLst>
+          </a:blip>
+          <a:stretch>
+            <a:fillRect/>
+          </a:stretch>
+        </p:blipFill>
+        <p:spPr>
+          <a:xfrm>
+            <a:off x="458700" y="2407556"/>
+            <a:ext cx="5942099" cy="4164017"/>
+          </a:xfrm>
+        </p:spPr>
+      </p:pic>
+      <p:pic>
+        <p:nvPicPr>
+          <p:cNvPr id="7" name="Picture 6"/>
+          <p:cNvPicPr>
+            <a:picLocks noChangeAspect="1"/>
+          </p:cNvPicPr>
+          <p:nvPr/>
+        </p:nvPicPr>
+        <p:blipFill>
+          <a:blip r:embed="rId3">
+            <a:extLst>
+              <a:ext uri="{28A0092B-C50C-407E-A947-70E740481C1C}">
+                <a14:useLocalDpi xmlns:a14="http://schemas.microsoft.com/office/drawing/2010/main" val="0"/>
+              </a:ext>
+            </a:extLst>
+          </a:blip>
+          <a:stretch>
+            <a:fillRect/>
+          </a:stretch>
+        </p:blipFill>
+        <p:spPr>
+          <a:xfrm>
+            <a:off x="6501271" y="2407556"/>
+            <a:ext cx="5031365" cy="4074924"/>
+          </a:xfrm>
+          <a:prstGeom prst="rect">
+            <a:avLst/>
+          </a:prstGeom>
+        </p:spPr>
+      </p:pic>
     </p:spTree>
     <p:extLst>
       <p:ext uri="{BB962C8B-B14F-4D97-AF65-F5344CB8AC3E}">
-        <p14:creationId xmlns:p14="http://schemas.microsoft.com/office/powerpoint/2010/main" val="644180142"/>
+        <p14:creationId xmlns:p14="http://schemas.microsoft.com/office/powerpoint/2010/main" val="179078265"/>
+      </p:ext>
+    </p:extLst>
+  </p:cSld>
+  <p:clrMapOvr>
+    <a:masterClrMapping/>
+  </p:clrMapOvr>
+  <p:timing>
+    <p:tnLst>
+      <p:par>
+        <p:cTn id="1" dur="indefinite" restart="never" nodeType="tmRoot"/>
+      </p:par>
+    </p:tnLst>
+  </p:timing>
+</p:sld>
+</file>
+
+<file path=ppt/slides/slide15.xml><?xml version="1.0" encoding="utf-8"?>
+<p:sld xmlns:a="http://schemas.openxmlformats.org/drawingml/2006/main" xmlns:r="http://schemas.openxmlformats.org/officeDocument/2006/relationships" xmlns:p="http://schemas.openxmlformats.org/presentationml/2006/main">
+  <p:cSld>
+    <p:spTree>
+      <p:nvGrpSpPr>
+        <p:cNvPr id="1" name=""/>
+        <p:cNvGrpSpPr/>
+        <p:nvPr/>
+      </p:nvGrpSpPr>
+      <p:grpSpPr>
+        <a:xfrm>
+          <a:off x="0" y="0"/>
+          <a:ext cx="0" cy="0"/>
+          <a:chOff x="0" y="0"/>
+          <a:chExt cx="0" cy="0"/>
+        </a:xfrm>
+      </p:grpSpPr>
+      <p:sp>
+        <p:nvSpPr>
+          <p:cNvPr id="2" name="Title 1"/>
+          <p:cNvSpPr>
+            <a:spLocks noGrp="1"/>
+          </p:cNvSpPr>
+          <p:nvPr>
+            <p:ph type="title"/>
+          </p:nvPr>
+        </p:nvSpPr>
+        <p:spPr/>
+        <p:txBody>
+          <a:bodyPr/>
+          <a:lstStyle/>
+          <a:p>
+            <a:pPr algn="ctr"/>
+            <a:r>
+              <a:rPr lang="en-US" dirty="0" smtClean="0">
+                <a:latin typeface="Arial" panose="020B0604020202020204" pitchFamily="34" charset="0"/>
+                <a:cs typeface="Arial" panose="020B0604020202020204" pitchFamily="34" charset="0"/>
+              </a:rPr>
+              <a:t>C# Console </a:t>
+            </a:r>
+            <a:r>
+              <a:rPr lang="en-US" dirty="0" err="1" smtClean="0">
+                <a:solidFill>
+                  <a:srgbClr val="FFFF00"/>
+                </a:solidFill>
+                <a:latin typeface="Arial" panose="020B0604020202020204" pitchFamily="34" charset="0"/>
+                <a:cs typeface="Arial" panose="020B0604020202020204" pitchFamily="34" charset="0"/>
+              </a:rPr>
+              <a:t>Input/Output</a:t>
+            </a:r>
+            <a:endParaRPr lang="en-US" dirty="0">
+              <a:solidFill>
+                <a:srgbClr val="FFFF00"/>
+              </a:solidFill>
+              <a:latin typeface="Arial" panose="020B0604020202020204" pitchFamily="34" charset="0"/>
+              <a:cs typeface="Arial" panose="020B0604020202020204" pitchFamily="34" charset="0"/>
+            </a:endParaRPr>
+          </a:p>
+        </p:txBody>
+      </p:sp>
+      <p:pic>
+        <p:nvPicPr>
+          <p:cNvPr id="4" name="Content Placeholder 3"/>
+          <p:cNvPicPr>
+            <a:picLocks noGrp="1" noChangeAspect="1"/>
+          </p:cNvPicPr>
+          <p:nvPr>
+            <p:ph idx="1"/>
+          </p:nvPr>
+        </p:nvPicPr>
+        <p:blipFill>
+          <a:blip r:embed="rId2">
+            <a:extLst>
+              <a:ext uri="{28A0092B-C50C-407E-A947-70E740481C1C}">
+                <a14:useLocalDpi xmlns:a14="http://schemas.microsoft.com/office/drawing/2010/main" val="0"/>
+              </a:ext>
+            </a:extLst>
+          </a:blip>
+          <a:stretch>
+            <a:fillRect/>
+          </a:stretch>
+        </p:blipFill>
+        <p:spPr>
+          <a:xfrm>
+            <a:off x="657848" y="3505610"/>
+            <a:ext cx="5472366" cy="1115840"/>
+          </a:xfrm>
+        </p:spPr>
+      </p:pic>
+      <p:pic>
+        <p:nvPicPr>
+          <p:cNvPr id="5" name="Picture 4"/>
+          <p:cNvPicPr>
+            <a:picLocks noChangeAspect="1"/>
+          </p:cNvPicPr>
+          <p:nvPr/>
+        </p:nvPicPr>
+        <p:blipFill>
+          <a:blip r:embed="rId3">
+            <a:extLst>
+              <a:ext uri="{28A0092B-C50C-407E-A947-70E740481C1C}">
+                <a14:useLocalDpi xmlns:a14="http://schemas.microsoft.com/office/drawing/2010/main" val="0"/>
+              </a:ext>
+            </a:extLst>
+          </a:blip>
+          <a:stretch>
+            <a:fillRect/>
+          </a:stretch>
+        </p:blipFill>
+        <p:spPr>
+          <a:xfrm>
+            <a:off x="6555064" y="3049436"/>
+            <a:ext cx="5030445" cy="3144028"/>
+          </a:xfrm>
+          <a:prstGeom prst="rect">
+            <a:avLst/>
+          </a:prstGeom>
+        </p:spPr>
+      </p:pic>
+    </p:spTree>
+    <p:extLst>
+      <p:ext uri="{BB962C8B-B14F-4D97-AF65-F5344CB8AC3E}">
+        <p14:creationId xmlns:p14="http://schemas.microsoft.com/office/powerpoint/2010/main" val="2929456280"/>
       </p:ext>
     </p:extLst>
   </p:cSld>
@@ -14554,7 +15242,7 @@
 </p:sld>
 </file>
 
-<file path=ppt/slides/slide14.xml><?xml version="1.0" encoding="utf-8"?>
+<file path=ppt/slides/slide16.xml><?xml version="1.0" encoding="utf-8"?>
 <p:sld xmlns:a="http://schemas.openxmlformats.org/drawingml/2006/main" xmlns:r="http://schemas.openxmlformats.org/officeDocument/2006/relationships" xmlns:p="http://schemas.openxmlformats.org/presentationml/2006/main">
   <p:cSld>
     <p:spTree>
@@ -14657,10 +15345,17 @@
   <p:clrMapOvr>
     <a:masterClrMapping/>
   </p:clrMapOvr>
+  <p:timing>
+    <p:tnLst>
+      <p:par>
+        <p:cTn id="1" dur="indefinite" restart="never" nodeType="tmRoot"/>
+      </p:par>
+    </p:tnLst>
+  </p:timing>
 </p:sld>
 </file>
 
-<file path=ppt/slides/slide15.xml><?xml version="1.0" encoding="utf-8"?>
+<file path=ppt/slides/slide17.xml><?xml version="1.0" encoding="utf-8"?>
 <p:sld xmlns:a="http://schemas.openxmlformats.org/drawingml/2006/main" xmlns:r="http://schemas.openxmlformats.org/officeDocument/2006/relationships" xmlns:p="http://schemas.openxmlformats.org/presentationml/2006/main">
   <p:cSld>
     <p:spTree>
@@ -14766,10 +15461,17 @@
   <p:clrMapOvr>
     <a:masterClrMapping/>
   </p:clrMapOvr>
+  <p:timing>
+    <p:tnLst>
+      <p:par>
+        <p:cTn id="1" dur="indefinite" restart="never" nodeType="tmRoot"/>
+      </p:par>
+    </p:tnLst>
+  </p:timing>
 </p:sld>
 </file>
 
-<file path=ppt/slides/slide16.xml><?xml version="1.0" encoding="utf-8"?>
+<file path=ppt/slides/slide18.xml><?xml version="1.0" encoding="utf-8"?>
 <p:sld xmlns:a="http://schemas.openxmlformats.org/drawingml/2006/main" xmlns:r="http://schemas.openxmlformats.org/officeDocument/2006/relationships" xmlns:p="http://schemas.openxmlformats.org/presentationml/2006/main">
   <p:cSld>
     <p:spTree>
@@ -15044,10 +15746,17 @@
   <p:clrMapOvr>
     <a:masterClrMapping/>
   </p:clrMapOvr>
+  <p:timing>
+    <p:tnLst>
+      <p:par>
+        <p:cTn id="1" dur="indefinite" restart="never" nodeType="tmRoot"/>
+      </p:par>
+    </p:tnLst>
+  </p:timing>
 </p:sld>
 </file>
 
-<file path=ppt/slides/slide17.xml><?xml version="1.0" encoding="utf-8"?>
+<file path=ppt/slides/slide19.xml><?xml version="1.0" encoding="utf-8"?>
 <p:sld xmlns:a="http://schemas.openxmlformats.org/drawingml/2006/main" xmlns:r="http://schemas.openxmlformats.org/officeDocument/2006/relationships" xmlns:p="http://schemas.openxmlformats.org/presentationml/2006/main">
   <p:cSld>
     <p:spTree>
@@ -15232,7 +15941,7 @@
         </p:blipFill>
         <p:spPr>
           <a:xfrm>
-            <a:off x="6350491" y="2799183"/>
+            <a:off x="6179078" y="2799182"/>
             <a:ext cx="3857197" cy="1603983"/>
           </a:xfrm>
           <a:prstGeom prst="rect">
@@ -15250,10 +15959,774 @@
   <p:clrMapOvr>
     <a:masterClrMapping/>
   </p:clrMapOvr>
+  <p:timing>
+    <p:tnLst>
+      <p:par>
+        <p:cTn id="1" dur="indefinite" restart="never" nodeType="tmRoot"/>
+      </p:par>
+    </p:tnLst>
+  </p:timing>
 </p:sld>
 </file>
 
-<file path=ppt/slides/slide18.xml><?xml version="1.0" encoding="utf-8"?>
+<file path=ppt/slides/slide2.xml><?xml version="1.0" encoding="utf-8"?>
+<p:sld xmlns:a="http://schemas.openxmlformats.org/drawingml/2006/main" xmlns:r="http://schemas.openxmlformats.org/officeDocument/2006/relationships" xmlns:p="http://schemas.openxmlformats.org/presentationml/2006/main">
+  <p:cSld>
+    <p:spTree>
+      <p:nvGrpSpPr>
+        <p:cNvPr id="1" name=""/>
+        <p:cNvGrpSpPr/>
+        <p:nvPr/>
+      </p:nvGrpSpPr>
+      <p:grpSpPr>
+        <a:xfrm>
+          <a:off x="0" y="0"/>
+          <a:ext cx="0" cy="0"/>
+          <a:chOff x="0" y="0"/>
+          <a:chExt cx="0" cy="0"/>
+        </a:xfrm>
+      </p:grpSpPr>
+      <p:sp>
+        <p:nvSpPr>
+          <p:cNvPr id="2" name="Title 1"/>
+          <p:cNvSpPr>
+            <a:spLocks noGrp="1"/>
+          </p:cNvSpPr>
+          <p:nvPr>
+            <p:ph type="title"/>
+          </p:nvPr>
+        </p:nvSpPr>
+        <p:spPr/>
+        <p:txBody>
+          <a:bodyPr/>
+          <a:lstStyle/>
+          <a:p>
+            <a:r>
+              <a:rPr lang="en-US" dirty="0" smtClean="0">
+                <a:latin typeface="Arial" panose="020B0604020202020204" pitchFamily="34" charset="0"/>
+                <a:cs typeface="Arial" panose="020B0604020202020204" pitchFamily="34" charset="0"/>
+              </a:rPr>
+              <a:t>Introduction to C# and .NET</a:t>
+            </a:r>
+            <a:endParaRPr lang="en-US" dirty="0">
+              <a:latin typeface="Arial" panose="020B0604020202020204" pitchFamily="34" charset="0"/>
+              <a:cs typeface="Arial" panose="020B0604020202020204" pitchFamily="34" charset="0"/>
+            </a:endParaRPr>
+          </a:p>
+        </p:txBody>
+      </p:sp>
+      <p:sp>
+        <p:nvSpPr>
+          <p:cNvPr id="7" name="Content Placeholder 3"/>
+          <p:cNvSpPr>
+            <a:spLocks noGrp="1"/>
+          </p:cNvSpPr>
+          <p:nvPr>
+            <p:ph sz="half" idx="2"/>
+          </p:nvPr>
+        </p:nvSpPr>
+        <p:spPr>
+          <a:xfrm>
+            <a:off x="6196902" y="2327563"/>
+            <a:ext cx="4535753" cy="4054763"/>
+          </a:xfrm>
+        </p:spPr>
+        <p:txBody>
+          <a:bodyPr>
+            <a:normAutofit/>
+          </a:bodyPr>
+          <a:lstStyle/>
+          <a:p>
+            <a:pPr marL="0" indent="0">
+              <a:buNone/>
+            </a:pPr>
+            <a:endParaRPr lang="en-US" sz="1600" dirty="0">
+              <a:latin typeface="Arial" panose="020B0604020202020204" pitchFamily="34" charset="0"/>
+              <a:cs typeface="Arial" panose="020B0604020202020204" pitchFamily="34" charset="0"/>
+            </a:endParaRPr>
+          </a:p>
+          <a:p>
+            <a:endParaRPr lang="en-US" sz="1600" dirty="0">
+              <a:latin typeface="Arial" panose="020B0604020202020204" pitchFamily="34" charset="0"/>
+              <a:cs typeface="Arial" panose="020B0604020202020204" pitchFamily="34" charset="0"/>
+            </a:endParaRPr>
+          </a:p>
+          <a:p>
+            <a:endParaRPr lang="en-US" sz="1600" dirty="0">
+              <a:latin typeface="Arial" panose="020B0604020202020204" pitchFamily="34" charset="0"/>
+              <a:cs typeface="Arial" panose="020B0604020202020204" pitchFamily="34" charset="0"/>
+            </a:endParaRPr>
+          </a:p>
+          <a:p>
+            <a:endParaRPr lang="en-US" dirty="0">
+              <a:latin typeface="Arial" panose="020B0604020202020204" pitchFamily="34" charset="0"/>
+              <a:cs typeface="Arial" panose="020B0604020202020204" pitchFamily="34" charset="0"/>
+            </a:endParaRPr>
+          </a:p>
+          <a:p>
+            <a:endParaRPr lang="en-US" dirty="0">
+              <a:latin typeface="Arial" panose="020B0604020202020204" pitchFamily="34" charset="0"/>
+              <a:cs typeface="Arial" panose="020B0604020202020204" pitchFamily="34" charset="0"/>
+            </a:endParaRPr>
+          </a:p>
+          <a:p>
+            <a:endParaRPr lang="en-US" dirty="0">
+              <a:latin typeface="Arial" panose="020B0604020202020204" pitchFamily="34" charset="0"/>
+              <a:cs typeface="Arial" panose="020B0604020202020204" pitchFamily="34" charset="0"/>
+            </a:endParaRPr>
+          </a:p>
+          <a:p>
+            <a:endParaRPr lang="en-US" dirty="0">
+              <a:latin typeface="Arial" panose="020B0604020202020204" pitchFamily="34" charset="0"/>
+              <a:cs typeface="Arial" panose="020B0604020202020204" pitchFamily="34" charset="0"/>
+            </a:endParaRPr>
+          </a:p>
+          <a:p>
+            <a:endParaRPr lang="en-US" dirty="0"/>
+          </a:p>
+          <a:p>
+            <a:endParaRPr lang="en-US" dirty="0"/>
+          </a:p>
+        </p:txBody>
+      </p:sp>
+      <p:sp>
+        <p:nvSpPr>
+          <p:cNvPr id="4" name="Content Placeholder 3"/>
+          <p:cNvSpPr>
+            <a:spLocks noGrp="1"/>
+          </p:cNvSpPr>
+          <p:nvPr>
+            <p:ph sz="half" idx="2"/>
+          </p:nvPr>
+        </p:nvSpPr>
+        <p:spPr>
+          <a:xfrm>
+            <a:off x="782192" y="2771700"/>
+            <a:ext cx="10927726" cy="3713076"/>
+          </a:xfrm>
+        </p:spPr>
+        <p:txBody>
+          <a:bodyPr>
+            <a:normAutofit lnSpcReduction="10000"/>
+          </a:bodyPr>
+          <a:lstStyle/>
+          <a:p>
+            <a:r>
+              <a:rPr lang="en-US" sz="2000" dirty="0" smtClean="0">
+                <a:latin typeface="Arial" panose="020B0604020202020204" pitchFamily="34" charset="0"/>
+                <a:cs typeface="Arial" panose="020B0604020202020204" pitchFamily="34" charset="0"/>
+              </a:rPr>
+              <a:t>C# is designed by Anders Hejlsberg from Microsoft in 2000</a:t>
+            </a:r>
+          </a:p>
+          <a:p>
+            <a:r>
+              <a:rPr lang="en-US" sz="2000" dirty="0" smtClean="0">
+                <a:latin typeface="Arial" panose="020B0604020202020204" pitchFamily="34" charset="0"/>
+                <a:cs typeface="Arial" panose="020B0604020202020204" pitchFamily="34" charset="0"/>
+              </a:rPr>
+              <a:t>C# is general purpose programming language</a:t>
+            </a:r>
+          </a:p>
+          <a:p>
+            <a:r>
+              <a:rPr lang="en-US" sz="2000" dirty="0" smtClean="0">
+                <a:latin typeface="Arial" panose="020B0604020202020204" pitchFamily="34" charset="0"/>
+                <a:cs typeface="Arial" panose="020B0604020202020204" pitchFamily="34" charset="0"/>
+              </a:rPr>
+              <a:t>C# is object oriented (class-based) programming language</a:t>
+            </a:r>
+          </a:p>
+          <a:p>
+            <a:r>
+              <a:rPr lang="en-US" sz="2000" dirty="0" smtClean="0">
+                <a:latin typeface="Arial" panose="020B0604020202020204" pitchFamily="34" charset="0"/>
+                <a:cs typeface="Arial" panose="020B0604020202020204" pitchFamily="34" charset="0"/>
+              </a:rPr>
+              <a:t>C# is used on .NET platform /.NET 6 is the latest version/</a:t>
+            </a:r>
+          </a:p>
+          <a:p>
+            <a:r>
+              <a:rPr lang="en-US" sz="2000" dirty="0" smtClean="0">
+                <a:latin typeface="Arial" panose="020B0604020202020204" pitchFamily="34" charset="0"/>
+                <a:cs typeface="Arial" panose="020B0604020202020204" pitchFamily="34" charset="0"/>
+              </a:rPr>
+              <a:t>C# can be used for writing of Console, Desktop, Widows Services, Web apps, Mobile apps, Games and </a:t>
+            </a:r>
+            <a:r>
+              <a:rPr lang="en-US" sz="2000" dirty="0" err="1" smtClean="0">
+                <a:latin typeface="Arial" panose="020B0604020202020204" pitchFamily="34" charset="0"/>
+                <a:cs typeface="Arial" panose="020B0604020202020204" pitchFamily="34" charset="0"/>
+              </a:rPr>
+              <a:t>IoT</a:t>
+            </a:r>
+            <a:endParaRPr lang="en-US" sz="2000" dirty="0" smtClean="0">
+              <a:latin typeface="Arial" panose="020B0604020202020204" pitchFamily="34" charset="0"/>
+              <a:cs typeface="Arial" panose="020B0604020202020204" pitchFamily="34" charset="0"/>
+            </a:endParaRPr>
+          </a:p>
+          <a:p>
+            <a:r>
+              <a:rPr lang="en-US" sz="2000" dirty="0" smtClean="0">
+                <a:latin typeface="Arial" panose="020B0604020202020204" pitchFamily="34" charset="0"/>
+                <a:cs typeface="Arial" panose="020B0604020202020204" pitchFamily="34" charset="0"/>
+              </a:rPr>
+              <a:t>C# supports static typing, functional programming, generics and more features</a:t>
+            </a:r>
+            <a:endParaRPr lang="bg-BG" sz="2000" dirty="0" smtClean="0">
+              <a:latin typeface="Arial" panose="020B0604020202020204" pitchFamily="34" charset="0"/>
+              <a:cs typeface="Arial" panose="020B0604020202020204" pitchFamily="34" charset="0"/>
+            </a:endParaRPr>
+          </a:p>
+          <a:p>
+            <a:r>
+              <a:rPr lang="en-US" sz="2000" dirty="0" smtClean="0">
+                <a:latin typeface="Arial" panose="020B0604020202020204" pitchFamily="34" charset="0"/>
+                <a:cs typeface="Arial" panose="020B0604020202020204" pitchFamily="34" charset="0"/>
+              </a:rPr>
+              <a:t>C# and Microsoft documentation are generally quite good</a:t>
+            </a:r>
+          </a:p>
+          <a:p>
+            <a:r>
+              <a:rPr lang="en-US" sz="2000" dirty="0" smtClean="0">
+                <a:latin typeface="Arial" panose="020B0604020202020204" pitchFamily="34" charset="0"/>
+                <a:cs typeface="Arial" panose="020B0604020202020204" pitchFamily="34" charset="0"/>
+              </a:rPr>
+              <a:t>C</a:t>
+            </a:r>
+            <a:r>
+              <a:rPr lang="en-US" sz="2000" dirty="0" smtClean="0">
+                <a:latin typeface="Arial" panose="020B0604020202020204" pitchFamily="34" charset="0"/>
+                <a:cs typeface="Arial" panose="020B0604020202020204" pitchFamily="34" charset="0"/>
+              </a:rPr>
+              <a:t># documentation</a:t>
+            </a:r>
+            <a:r>
+              <a:rPr lang="en-US" sz="2000" dirty="0">
+                <a:latin typeface="Arial" panose="020B0604020202020204" pitchFamily="34" charset="0"/>
+                <a:cs typeface="Arial" panose="020B0604020202020204" pitchFamily="34" charset="0"/>
+              </a:rPr>
+              <a:t>: </a:t>
+            </a:r>
+            <a:r>
+              <a:rPr lang="en-US" sz="2000" dirty="0">
+                <a:solidFill>
+                  <a:srgbClr val="0070C0"/>
+                </a:solidFill>
+                <a:latin typeface="Arial" panose="020B0604020202020204" pitchFamily="34" charset="0"/>
+                <a:cs typeface="Arial" panose="020B0604020202020204" pitchFamily="34" charset="0"/>
+              </a:rPr>
+              <a:t>https://docs.microsoft.com/en-us/dotnet/csharp/</a:t>
+            </a:r>
+            <a:endParaRPr lang="en-US" sz="2000" dirty="0" smtClean="0">
+              <a:solidFill>
+                <a:srgbClr val="0070C0"/>
+              </a:solidFill>
+              <a:latin typeface="Arial" panose="020B0604020202020204" pitchFamily="34" charset="0"/>
+              <a:cs typeface="Arial" panose="020B0604020202020204" pitchFamily="34" charset="0"/>
+            </a:endParaRPr>
+          </a:p>
+          <a:p>
+            <a:endParaRPr lang="en-US" sz="2000" dirty="0" smtClean="0">
+              <a:latin typeface="Arial" panose="020B0604020202020204" pitchFamily="34" charset="0"/>
+              <a:cs typeface="Arial" panose="020B0604020202020204" pitchFamily="34" charset="0"/>
+            </a:endParaRPr>
+          </a:p>
+          <a:p>
+            <a:endParaRPr lang="en-US" sz="2000" dirty="0">
+              <a:latin typeface="Arial" panose="020B0604020202020204" pitchFamily="34" charset="0"/>
+              <a:cs typeface="Arial" panose="020B0604020202020204" pitchFamily="34" charset="0"/>
+            </a:endParaRPr>
+          </a:p>
+          <a:p>
+            <a:endParaRPr lang="en-US" sz="2000" dirty="0">
+              <a:latin typeface="Arial" panose="020B0604020202020204" pitchFamily="34" charset="0"/>
+              <a:cs typeface="Arial" panose="020B0604020202020204" pitchFamily="34" charset="0"/>
+            </a:endParaRPr>
+          </a:p>
+          <a:p>
+            <a:pPr marL="0" indent="0">
+              <a:buNone/>
+            </a:pPr>
+            <a:endParaRPr lang="en-US" sz="1600" dirty="0">
+              <a:latin typeface="Arial" panose="020B0604020202020204" pitchFamily="34" charset="0"/>
+              <a:cs typeface="Arial" panose="020B0604020202020204" pitchFamily="34" charset="0"/>
+            </a:endParaRPr>
+          </a:p>
+          <a:p>
+            <a:endParaRPr lang="en-US" sz="1600" dirty="0">
+              <a:latin typeface="Arial" panose="020B0604020202020204" pitchFamily="34" charset="0"/>
+              <a:cs typeface="Arial" panose="020B0604020202020204" pitchFamily="34" charset="0"/>
+            </a:endParaRPr>
+          </a:p>
+          <a:p>
+            <a:endParaRPr lang="en-US" sz="1600" dirty="0">
+              <a:latin typeface="Arial" panose="020B0604020202020204" pitchFamily="34" charset="0"/>
+              <a:cs typeface="Arial" panose="020B0604020202020204" pitchFamily="34" charset="0"/>
+            </a:endParaRPr>
+          </a:p>
+          <a:p>
+            <a:endParaRPr lang="en-US" dirty="0">
+              <a:latin typeface="Arial" panose="020B0604020202020204" pitchFamily="34" charset="0"/>
+              <a:cs typeface="Arial" panose="020B0604020202020204" pitchFamily="34" charset="0"/>
+            </a:endParaRPr>
+          </a:p>
+          <a:p>
+            <a:endParaRPr lang="en-US" dirty="0">
+              <a:latin typeface="Arial" panose="020B0604020202020204" pitchFamily="34" charset="0"/>
+              <a:cs typeface="Arial" panose="020B0604020202020204" pitchFamily="34" charset="0"/>
+            </a:endParaRPr>
+          </a:p>
+          <a:p>
+            <a:endParaRPr lang="en-US" dirty="0">
+              <a:latin typeface="Arial" panose="020B0604020202020204" pitchFamily="34" charset="0"/>
+              <a:cs typeface="Arial" panose="020B0604020202020204" pitchFamily="34" charset="0"/>
+            </a:endParaRPr>
+          </a:p>
+          <a:p>
+            <a:endParaRPr lang="en-US" dirty="0">
+              <a:latin typeface="Arial" panose="020B0604020202020204" pitchFamily="34" charset="0"/>
+              <a:cs typeface="Arial" panose="020B0604020202020204" pitchFamily="34" charset="0"/>
+            </a:endParaRPr>
+          </a:p>
+          <a:p>
+            <a:endParaRPr lang="en-US" dirty="0"/>
+          </a:p>
+          <a:p>
+            <a:endParaRPr lang="en-US" dirty="0"/>
+          </a:p>
+        </p:txBody>
+      </p:sp>
+    </p:spTree>
+    <p:extLst>
+      <p:ext uri="{BB962C8B-B14F-4D97-AF65-F5344CB8AC3E}">
+        <p14:creationId xmlns:p14="http://schemas.microsoft.com/office/powerpoint/2010/main" val="927372469"/>
+      </p:ext>
+    </p:extLst>
+  </p:cSld>
+  <p:clrMapOvr>
+    <a:masterClrMapping/>
+  </p:clrMapOvr>
+  <p:timing>
+    <p:tnLst>
+      <p:par>
+        <p:cTn id="1" dur="indefinite" restart="never" nodeType="tmRoot"/>
+      </p:par>
+    </p:tnLst>
+  </p:timing>
+</p:sld>
+</file>
+
+<file path=ppt/slides/slide20.xml><?xml version="1.0" encoding="utf-8"?>
+<p:sld xmlns:a="http://schemas.openxmlformats.org/drawingml/2006/main" xmlns:r="http://schemas.openxmlformats.org/officeDocument/2006/relationships" xmlns:p="http://schemas.openxmlformats.org/presentationml/2006/main">
+  <p:cSld>
+    <p:spTree>
+      <p:nvGrpSpPr>
+        <p:cNvPr id="1" name=""/>
+        <p:cNvGrpSpPr/>
+        <p:nvPr/>
+      </p:nvGrpSpPr>
+      <p:grpSpPr>
+        <a:xfrm>
+          <a:off x="0" y="0"/>
+          <a:ext cx="0" cy="0"/>
+          <a:chOff x="0" y="0"/>
+          <a:chExt cx="0" cy="0"/>
+        </a:xfrm>
+      </p:grpSpPr>
+      <p:sp>
+        <p:nvSpPr>
+          <p:cNvPr id="2" name="Title 1"/>
+          <p:cNvSpPr>
+            <a:spLocks noGrp="1"/>
+          </p:cNvSpPr>
+          <p:nvPr>
+            <p:ph type="title"/>
+          </p:nvPr>
+        </p:nvSpPr>
+        <p:spPr/>
+        <p:txBody>
+          <a:bodyPr/>
+          <a:lstStyle/>
+          <a:p>
+            <a:pPr algn="ctr"/>
+            <a:r>
+              <a:rPr lang="en-US" dirty="0">
+                <a:latin typeface="Arial" panose="020B0604020202020204" pitchFamily="34" charset="0"/>
+                <a:cs typeface="Arial" panose="020B0604020202020204" pitchFamily="34" charset="0"/>
+              </a:rPr>
+              <a:t>Loops </a:t>
+            </a:r>
+            <a:r>
+              <a:rPr lang="en-US" dirty="0" smtClean="0">
+                <a:latin typeface="Arial" panose="020B0604020202020204" pitchFamily="34" charset="0"/>
+                <a:cs typeface="Arial" panose="020B0604020202020204" pitchFamily="34" charset="0"/>
+              </a:rPr>
+              <a:t>(</a:t>
+            </a:r>
+            <a:r>
+              <a:rPr lang="en-US" dirty="0" smtClean="0">
+                <a:solidFill>
+                  <a:srgbClr val="FFFF00"/>
+                </a:solidFill>
+                <a:latin typeface="Arial" panose="020B0604020202020204" pitchFamily="34" charset="0"/>
+                <a:cs typeface="Arial" panose="020B0604020202020204" pitchFamily="34" charset="0"/>
+              </a:rPr>
+              <a:t>do/while</a:t>
+            </a:r>
+            <a:r>
+              <a:rPr lang="en-US" dirty="0" smtClean="0">
+                <a:latin typeface="Arial" panose="020B0604020202020204" pitchFamily="34" charset="0"/>
+                <a:cs typeface="Arial" panose="020B0604020202020204" pitchFamily="34" charset="0"/>
+              </a:rPr>
+              <a:t> </a:t>
+            </a:r>
+            <a:r>
+              <a:rPr lang="en-US" dirty="0">
+                <a:latin typeface="Arial" panose="020B0604020202020204" pitchFamily="34" charset="0"/>
+                <a:cs typeface="Arial" panose="020B0604020202020204" pitchFamily="34" charset="0"/>
+              </a:rPr>
+              <a:t>loop)</a:t>
+            </a:r>
+            <a:endParaRPr lang="en-US" dirty="0"/>
+          </a:p>
+        </p:txBody>
+      </p:sp>
+      <p:pic>
+        <p:nvPicPr>
+          <p:cNvPr id="4" name="Content Placeholder 3"/>
+          <p:cNvPicPr>
+            <a:picLocks noGrp="1" noChangeAspect="1"/>
+          </p:cNvPicPr>
+          <p:nvPr>
+            <p:ph idx="1"/>
+          </p:nvPr>
+        </p:nvPicPr>
+        <p:blipFill>
+          <a:blip r:embed="rId2">
+            <a:extLst>
+              <a:ext uri="{28A0092B-C50C-407E-A947-70E740481C1C}">
+                <a14:useLocalDpi xmlns:a14="http://schemas.microsoft.com/office/drawing/2010/main" val="0"/>
+              </a:ext>
+            </a:extLst>
+          </a:blip>
+          <a:stretch>
+            <a:fillRect/>
+          </a:stretch>
+        </p:blipFill>
+        <p:spPr>
+          <a:xfrm>
+            <a:off x="6847460" y="4592749"/>
+            <a:ext cx="4614093" cy="1393243"/>
+          </a:xfrm>
+        </p:spPr>
+      </p:pic>
+      <p:pic>
+        <p:nvPicPr>
+          <p:cNvPr id="5" name="Picture 4"/>
+          <p:cNvPicPr>
+            <a:picLocks noChangeAspect="1"/>
+          </p:cNvPicPr>
+          <p:nvPr/>
+        </p:nvPicPr>
+        <p:blipFill>
+          <a:blip r:embed="rId3">
+            <a:extLst>
+              <a:ext uri="{28A0092B-C50C-407E-A947-70E740481C1C}">
+                <a14:useLocalDpi xmlns:a14="http://schemas.microsoft.com/office/drawing/2010/main" val="0"/>
+              </a:ext>
+            </a:extLst>
+          </a:blip>
+          <a:stretch>
+            <a:fillRect/>
+          </a:stretch>
+        </p:blipFill>
+        <p:spPr>
+          <a:xfrm>
+            <a:off x="6959428" y="2637375"/>
+            <a:ext cx="3481527" cy="1695253"/>
+          </a:xfrm>
+          <a:prstGeom prst="rect">
+            <a:avLst/>
+          </a:prstGeom>
+        </p:spPr>
+      </p:pic>
+      <p:sp>
+        <p:nvSpPr>
+          <p:cNvPr id="6" name="TextBox 5"/>
+          <p:cNvSpPr txBox="1"/>
+          <p:nvPr/>
+        </p:nvSpPr>
+        <p:spPr>
+          <a:xfrm>
+            <a:off x="1154954" y="2789852"/>
+            <a:ext cx="5054585" cy="3539430"/>
+          </a:xfrm>
+          <a:prstGeom prst="rect">
+            <a:avLst/>
+          </a:prstGeom>
+          <a:noFill/>
+        </p:spPr>
+        <p:txBody>
+          <a:bodyPr wrap="square" rtlCol="0">
+            <a:spAutoFit/>
+          </a:bodyPr>
+          <a:lstStyle/>
+          <a:p>
+            <a:r>
+              <a:rPr lang="en-US" sz="2800" dirty="0" smtClean="0">
+                <a:latin typeface="Arial" panose="020B0604020202020204" pitchFamily="34" charset="0"/>
+                <a:cs typeface="Arial" panose="020B0604020202020204" pitchFamily="34" charset="0"/>
+              </a:rPr>
+              <a:t>The </a:t>
+            </a:r>
+            <a:r>
+              <a:rPr lang="en-US" sz="2800" dirty="0" smtClean="0">
+                <a:solidFill>
+                  <a:srgbClr val="00B050"/>
+                </a:solidFill>
+                <a:latin typeface="Arial" panose="020B0604020202020204" pitchFamily="34" charset="0"/>
+                <a:cs typeface="Arial" panose="020B0604020202020204" pitchFamily="34" charset="0"/>
+              </a:rPr>
+              <a:t>do/while</a:t>
+            </a:r>
+            <a:r>
+              <a:rPr lang="en-US" sz="2800" dirty="0" smtClean="0">
+                <a:latin typeface="Arial" panose="020B0604020202020204" pitchFamily="34" charset="0"/>
+                <a:cs typeface="Arial" panose="020B0604020202020204" pitchFamily="34" charset="0"/>
+              </a:rPr>
+              <a:t> loop is a variant of while loop. This loop will execute the code for sure at least only once, before checking if the condition is </a:t>
+            </a:r>
+            <a:r>
+              <a:rPr lang="en-US" sz="2800" dirty="0" smtClean="0">
+                <a:solidFill>
+                  <a:srgbClr val="002060"/>
+                </a:solidFill>
+                <a:latin typeface="Arial" panose="020B0604020202020204" pitchFamily="34" charset="0"/>
+                <a:cs typeface="Arial" panose="020B0604020202020204" pitchFamily="34" charset="0"/>
+              </a:rPr>
+              <a:t>True</a:t>
+            </a:r>
+            <a:r>
+              <a:rPr lang="en-US" sz="2800" dirty="0" smtClean="0">
+                <a:latin typeface="Arial" panose="020B0604020202020204" pitchFamily="34" charset="0"/>
+                <a:cs typeface="Arial" panose="020B0604020202020204" pitchFamily="34" charset="0"/>
+              </a:rPr>
+              <a:t>, then it will repeat the loop as long as the condition is true.</a:t>
+            </a:r>
+            <a:endParaRPr lang="en-US" sz="2800" dirty="0">
+              <a:latin typeface="Arial" panose="020B0604020202020204" pitchFamily="34" charset="0"/>
+              <a:cs typeface="Arial" panose="020B0604020202020204" pitchFamily="34" charset="0"/>
+            </a:endParaRPr>
+          </a:p>
+        </p:txBody>
+      </p:sp>
+    </p:spTree>
+    <p:extLst>
+      <p:ext uri="{BB962C8B-B14F-4D97-AF65-F5344CB8AC3E}">
+        <p14:creationId xmlns:p14="http://schemas.microsoft.com/office/powerpoint/2010/main" val="902789663"/>
+      </p:ext>
+    </p:extLst>
+  </p:cSld>
+  <p:clrMapOvr>
+    <a:masterClrMapping/>
+  </p:clrMapOvr>
+  <p:timing>
+    <p:tnLst>
+      <p:par>
+        <p:cTn id="1" dur="indefinite" restart="never" nodeType="tmRoot"/>
+      </p:par>
+    </p:tnLst>
+  </p:timing>
+</p:sld>
+</file>
+
+<file path=ppt/slides/slide21.xml><?xml version="1.0" encoding="utf-8"?>
+<p:sld xmlns:a="http://schemas.openxmlformats.org/drawingml/2006/main" xmlns:r="http://schemas.openxmlformats.org/officeDocument/2006/relationships" xmlns:p="http://schemas.openxmlformats.org/presentationml/2006/main">
+  <p:cSld>
+    <p:spTree>
+      <p:nvGrpSpPr>
+        <p:cNvPr id="1" name=""/>
+        <p:cNvGrpSpPr/>
+        <p:nvPr/>
+      </p:nvGrpSpPr>
+      <p:grpSpPr>
+        <a:xfrm>
+          <a:off x="0" y="0"/>
+          <a:ext cx="0" cy="0"/>
+          <a:chOff x="0" y="0"/>
+          <a:chExt cx="0" cy="0"/>
+        </a:xfrm>
+      </p:grpSpPr>
+      <p:sp>
+        <p:nvSpPr>
+          <p:cNvPr id="2" name="Title 1"/>
+          <p:cNvSpPr>
+            <a:spLocks noGrp="1"/>
+          </p:cNvSpPr>
+          <p:nvPr>
+            <p:ph type="title"/>
+          </p:nvPr>
+        </p:nvSpPr>
+        <p:spPr/>
+        <p:txBody>
+          <a:bodyPr/>
+          <a:lstStyle/>
+          <a:p>
+            <a:pPr algn="ctr"/>
+            <a:r>
+              <a:rPr lang="en-US" dirty="0" smtClean="0">
+                <a:latin typeface="Arial" panose="020B0604020202020204" pitchFamily="34" charset="0"/>
+                <a:cs typeface="Arial" panose="020B0604020202020204" pitchFamily="34" charset="0"/>
+              </a:rPr>
+              <a:t>Loops(nested </a:t>
+            </a:r>
+            <a:r>
+              <a:rPr lang="en-US" dirty="0" smtClean="0">
+                <a:solidFill>
+                  <a:srgbClr val="FFFF00"/>
+                </a:solidFill>
+                <a:latin typeface="Arial" panose="020B0604020202020204" pitchFamily="34" charset="0"/>
+                <a:cs typeface="Arial" panose="020B0604020202020204" pitchFamily="34" charset="0"/>
+              </a:rPr>
+              <a:t>for</a:t>
+            </a:r>
+            <a:r>
+              <a:rPr lang="en-US" dirty="0" smtClean="0">
+                <a:latin typeface="Arial" panose="020B0604020202020204" pitchFamily="34" charset="0"/>
+                <a:cs typeface="Arial" panose="020B0604020202020204" pitchFamily="34" charset="0"/>
+              </a:rPr>
+              <a:t> loops)</a:t>
+            </a:r>
+            <a:endParaRPr lang="en-US" dirty="0">
+              <a:latin typeface="Arial" panose="020B0604020202020204" pitchFamily="34" charset="0"/>
+              <a:cs typeface="Arial" panose="020B0604020202020204" pitchFamily="34" charset="0"/>
+            </a:endParaRPr>
+          </a:p>
+        </p:txBody>
+      </p:sp>
+      <p:pic>
+        <p:nvPicPr>
+          <p:cNvPr id="4" name="Content Placeholder 3"/>
+          <p:cNvPicPr>
+            <a:picLocks noGrp="1" noChangeAspect="1"/>
+          </p:cNvPicPr>
+          <p:nvPr>
+            <p:ph idx="1"/>
+          </p:nvPr>
+        </p:nvPicPr>
+        <p:blipFill>
+          <a:blip r:embed="rId2">
+            <a:extLst>
+              <a:ext uri="{28A0092B-C50C-407E-A947-70E740481C1C}">
+                <a14:useLocalDpi xmlns:a14="http://schemas.microsoft.com/office/drawing/2010/main" val="0"/>
+              </a:ext>
+            </a:extLst>
+          </a:blip>
+          <a:stretch>
+            <a:fillRect/>
+          </a:stretch>
+        </p:blipFill>
+        <p:spPr>
+          <a:xfrm>
+            <a:off x="6469726" y="2496689"/>
+            <a:ext cx="5454796" cy="4135255"/>
+          </a:xfrm>
+        </p:spPr>
+      </p:pic>
+      <p:sp>
+        <p:nvSpPr>
+          <p:cNvPr id="5" name="TextBox 4"/>
+          <p:cNvSpPr txBox="1"/>
+          <p:nvPr/>
+        </p:nvSpPr>
+        <p:spPr>
+          <a:xfrm>
+            <a:off x="823701" y="3048194"/>
+            <a:ext cx="5054585" cy="2677656"/>
+          </a:xfrm>
+          <a:prstGeom prst="rect">
+            <a:avLst/>
+          </a:prstGeom>
+          <a:noFill/>
+        </p:spPr>
+        <p:txBody>
+          <a:bodyPr wrap="square" rtlCol="0">
+            <a:spAutoFit/>
+          </a:bodyPr>
+          <a:lstStyle/>
+          <a:p>
+            <a:r>
+              <a:rPr lang="en-US" sz="2800" dirty="0" smtClean="0">
+                <a:latin typeface="Arial" panose="020B0604020202020204" pitchFamily="34" charset="0"/>
+                <a:cs typeface="Arial" panose="020B0604020202020204" pitchFamily="34" charset="0"/>
+              </a:rPr>
+              <a:t>It is very important to know that after first iteration of </a:t>
+            </a:r>
+            <a:r>
+              <a:rPr lang="en-US" sz="2800" dirty="0" smtClean="0">
+                <a:solidFill>
+                  <a:srgbClr val="00B050"/>
+                </a:solidFill>
+                <a:latin typeface="Arial" panose="020B0604020202020204" pitchFamily="34" charset="0"/>
+                <a:cs typeface="Arial" panose="020B0604020202020204" pitchFamily="34" charset="0"/>
+              </a:rPr>
+              <a:t>outer</a:t>
+            </a:r>
+            <a:r>
+              <a:rPr lang="en-US" sz="2800" dirty="0" smtClean="0">
+                <a:latin typeface="Arial" panose="020B0604020202020204" pitchFamily="34" charset="0"/>
+                <a:cs typeface="Arial" panose="020B0604020202020204" pitchFamily="34" charset="0"/>
+              </a:rPr>
+              <a:t> loop, the </a:t>
+            </a:r>
+            <a:r>
+              <a:rPr lang="en-US" sz="2800" dirty="0" smtClean="0">
+                <a:solidFill>
+                  <a:srgbClr val="00B050"/>
+                </a:solidFill>
+                <a:latin typeface="Arial" panose="020B0604020202020204" pitchFamily="34" charset="0"/>
+                <a:cs typeface="Arial" panose="020B0604020202020204" pitchFamily="34" charset="0"/>
+              </a:rPr>
+              <a:t>inner</a:t>
+            </a:r>
+            <a:r>
+              <a:rPr lang="en-US" sz="2800" dirty="0" smtClean="0">
+                <a:latin typeface="Arial" panose="020B0604020202020204" pitchFamily="34" charset="0"/>
+                <a:cs typeface="Arial" panose="020B0604020202020204" pitchFamily="34" charset="0"/>
+              </a:rPr>
+              <a:t> loop has to complete. After that again the program goes to outer loop for second iteration, etc.</a:t>
+            </a:r>
+            <a:endParaRPr lang="en-US" sz="2800" dirty="0">
+              <a:latin typeface="Arial" panose="020B0604020202020204" pitchFamily="34" charset="0"/>
+              <a:cs typeface="Arial" panose="020B0604020202020204" pitchFamily="34" charset="0"/>
+            </a:endParaRPr>
+          </a:p>
+        </p:txBody>
+      </p:sp>
+    </p:spTree>
+    <p:extLst>
+      <p:ext uri="{BB962C8B-B14F-4D97-AF65-F5344CB8AC3E}">
+        <p14:creationId xmlns:p14="http://schemas.microsoft.com/office/powerpoint/2010/main" val="4081519577"/>
+      </p:ext>
+    </p:extLst>
+  </p:cSld>
+  <p:clrMapOvr>
+    <a:masterClrMapping/>
+  </p:clrMapOvr>
+  <p:timing>
+    <p:tnLst>
+      <p:par>
+        <p:cTn id="1" dur="indefinite" restart="never" nodeType="tmRoot"/>
+      </p:par>
+    </p:tnLst>
+  </p:timing>
+</p:sld>
+</file>
+
+<file path=ppt/slides/slide22.xml><?xml version="1.0" encoding="utf-8"?>
 <p:sld xmlns:a="http://schemas.openxmlformats.org/drawingml/2006/main" xmlns:r="http://schemas.openxmlformats.org/officeDocument/2006/relationships" xmlns:p="http://schemas.openxmlformats.org/presentationml/2006/main">
   <p:cSld>
     <p:spTree>
@@ -15402,10 +16875,17 @@
   <p:clrMapOvr>
     <a:masterClrMapping/>
   </p:clrMapOvr>
+  <p:timing>
+    <p:tnLst>
+      <p:par>
+        <p:cTn id="1" dur="indefinite" restart="never" nodeType="tmRoot"/>
+      </p:par>
+    </p:tnLst>
+  </p:timing>
 </p:sld>
 </file>
 
-<file path=ppt/slides/slide2.xml><?xml version="1.0" encoding="utf-8"?>
+<file path=ppt/slides/slide23.xml><?xml version="1.0" encoding="utf-8"?>
 <p:sld xmlns:a="http://schemas.openxmlformats.org/drawingml/2006/main" xmlns:r="http://schemas.openxmlformats.org/officeDocument/2006/relationships" xmlns:p="http://schemas.openxmlformats.org/presentationml/2006/main">
   <p:cSld>
     <p:spTree>
@@ -15437,12 +16917,30 @@
           <a:bodyPr/>
           <a:lstStyle/>
           <a:p>
+            <a:pPr algn="ctr"/>
             <a:r>
               <a:rPr lang="en-US" dirty="0" smtClean="0">
                 <a:latin typeface="Arial" panose="020B0604020202020204" pitchFamily="34" charset="0"/>
                 <a:cs typeface="Arial" panose="020B0604020202020204" pitchFamily="34" charset="0"/>
               </a:rPr>
-              <a:t>Introduction to C# and .NET</a:t>
+              <a:t>Using of “</a:t>
+            </a:r>
+            <a:r>
+              <a:rPr lang="en-US" dirty="0" smtClean="0">
+                <a:solidFill>
+                  <a:srgbClr val="FFFF00"/>
+                </a:solidFill>
+                <a:latin typeface="Arial" panose="020B0604020202020204" pitchFamily="34" charset="0"/>
+                <a:cs typeface="Arial" panose="020B0604020202020204" pitchFamily="34" charset="0"/>
+              </a:rPr>
+              <a:t>continue</a:t>
+            </a:r>
+            <a:r>
+              <a:rPr lang="en-US" dirty="0" smtClean="0">
+                <a:latin typeface="Arial" panose="020B0604020202020204" pitchFamily="34" charset="0"/>
+                <a:cs typeface="Arial" panose="020B0604020202020204" pitchFamily="34" charset="0"/>
+              </a:rPr>
+              <a:t>”</a:t>
             </a:r>
             <a:endParaRPr lang="en-US" dirty="0">
               <a:latin typeface="Arial" panose="020B0604020202020204" pitchFamily="34" charset="0"/>
@@ -15451,294 +16949,85 @@
           </a:p>
         </p:txBody>
       </p:sp>
+      <p:pic>
+        <p:nvPicPr>
+          <p:cNvPr id="5" name="Content Placeholder 4"/>
+          <p:cNvPicPr>
+            <a:picLocks noGrp="1" noChangeAspect="1"/>
+          </p:cNvPicPr>
+          <p:nvPr>
+            <p:ph idx="1"/>
+          </p:nvPr>
+        </p:nvPicPr>
+        <p:blipFill>
+          <a:blip r:embed="rId2">
+            <a:extLst>
+              <a:ext uri="{28A0092B-C50C-407E-A947-70E740481C1C}">
+                <a14:useLocalDpi xmlns:a14="http://schemas.microsoft.com/office/drawing/2010/main" val="0"/>
+              </a:ext>
+            </a:extLst>
+          </a:blip>
+          <a:stretch>
+            <a:fillRect/>
+          </a:stretch>
+        </p:blipFill>
+        <p:spPr>
+          <a:xfrm>
+            <a:off x="6774025" y="2300622"/>
+            <a:ext cx="4142791" cy="4471184"/>
+          </a:xfrm>
+        </p:spPr>
+      </p:pic>
       <p:sp>
         <p:nvSpPr>
-          <p:cNvPr id="7" name="Content Placeholder 3"/>
-          <p:cNvSpPr>
-            <a:spLocks noGrp="1"/>
-          </p:cNvSpPr>
-          <p:nvPr>
-            <p:ph sz="half" idx="2"/>
-          </p:nvPr>
+          <p:cNvPr id="6" name="TextBox 5"/>
+          <p:cNvSpPr txBox="1"/>
+          <p:nvPr/>
         </p:nvSpPr>
         <p:spPr>
           <a:xfrm>
-            <a:off x="6196902" y="2327563"/>
-            <a:ext cx="4535753" cy="4054763"/>
+            <a:off x="1038304" y="3610946"/>
+            <a:ext cx="5054585" cy="1384995"/>
           </a:xfrm>
+          <a:prstGeom prst="rect">
+            <a:avLst/>
+          </a:prstGeom>
+          <a:noFill/>
         </p:spPr>
         <p:txBody>
-          <a:bodyPr>
-            <a:normAutofit/>
+          <a:bodyPr wrap="square" rtlCol="0">
+            <a:spAutoFit/>
           </a:bodyPr>
           <a:lstStyle/>
           <a:p>
-            <a:pPr marL="0" indent="0">
-              <a:buNone/>
-            </a:pPr>
-            <a:endParaRPr lang="en-US" sz="1600" dirty="0">
-              <a:latin typeface="Arial" panose="020B0604020202020204" pitchFamily="34" charset="0"/>
-              <a:cs typeface="Arial" panose="020B0604020202020204" pitchFamily="34" charset="0"/>
-            </a:endParaRPr>
-          </a:p>
-          <a:p>
-            <a:endParaRPr lang="en-US" sz="1600" dirty="0">
-              <a:latin typeface="Arial" panose="020B0604020202020204" pitchFamily="34" charset="0"/>
-              <a:cs typeface="Arial" panose="020B0604020202020204" pitchFamily="34" charset="0"/>
-            </a:endParaRPr>
-          </a:p>
-          <a:p>
-            <a:endParaRPr lang="en-US" sz="1600" dirty="0">
-              <a:latin typeface="Arial" panose="020B0604020202020204" pitchFamily="34" charset="0"/>
-              <a:cs typeface="Arial" panose="020B0604020202020204" pitchFamily="34" charset="0"/>
-            </a:endParaRPr>
-          </a:p>
-          <a:p>
-            <a:endParaRPr lang="en-US" dirty="0">
-              <a:latin typeface="Arial" panose="020B0604020202020204" pitchFamily="34" charset="0"/>
-              <a:cs typeface="Arial" panose="020B0604020202020204" pitchFamily="34" charset="0"/>
-            </a:endParaRPr>
-          </a:p>
-          <a:p>
-            <a:endParaRPr lang="en-US" dirty="0">
-              <a:latin typeface="Arial" panose="020B0604020202020204" pitchFamily="34" charset="0"/>
-              <a:cs typeface="Arial" panose="020B0604020202020204" pitchFamily="34" charset="0"/>
-            </a:endParaRPr>
-          </a:p>
-          <a:p>
-            <a:endParaRPr lang="en-US" dirty="0">
-              <a:latin typeface="Arial" panose="020B0604020202020204" pitchFamily="34" charset="0"/>
-              <a:cs typeface="Arial" panose="020B0604020202020204" pitchFamily="34" charset="0"/>
-            </a:endParaRPr>
-          </a:p>
-          <a:p>
-            <a:endParaRPr lang="en-US" dirty="0">
-              <a:latin typeface="Arial" panose="020B0604020202020204" pitchFamily="34" charset="0"/>
-              <a:cs typeface="Arial" panose="020B0604020202020204" pitchFamily="34" charset="0"/>
-            </a:endParaRPr>
-          </a:p>
-          <a:p>
-            <a:endParaRPr lang="en-US" dirty="0"/>
-          </a:p>
-          <a:p>
-            <a:endParaRPr lang="en-US" dirty="0"/>
-          </a:p>
-        </p:txBody>
-      </p:sp>
-      <p:sp>
-        <p:nvSpPr>
-          <p:cNvPr id="4" name="Content Placeholder 3"/>
-          <p:cNvSpPr>
-            <a:spLocks noGrp="1"/>
-          </p:cNvSpPr>
-          <p:nvPr>
-            <p:ph sz="half" idx="2"/>
-          </p:nvPr>
-        </p:nvSpPr>
-        <p:spPr>
-          <a:xfrm>
-            <a:off x="782192" y="2771700"/>
-            <a:ext cx="10927726" cy="3713076"/>
-          </a:xfrm>
-        </p:spPr>
-        <p:txBody>
-          <a:bodyPr>
-            <a:normAutofit lnSpcReduction="10000"/>
-          </a:bodyPr>
-          <a:lstStyle/>
-          <a:p>
-            <a:r>
-              <a:rPr lang="en-US" sz="2000" dirty="0" smtClean="0">
-                <a:latin typeface="Arial" panose="020B0604020202020204" pitchFamily="34" charset="0"/>
-                <a:cs typeface="Arial" panose="020B0604020202020204" pitchFamily="34" charset="0"/>
-              </a:rPr>
-              <a:t>C# is designed by Anders Hejlsberg from Microsoft in 2000</a:t>
-            </a:r>
-          </a:p>
-          <a:p>
-            <a:r>
-              <a:rPr lang="en-US" sz="2000" dirty="0" smtClean="0">
-                <a:latin typeface="Arial" panose="020B0604020202020204" pitchFamily="34" charset="0"/>
-                <a:cs typeface="Arial" panose="020B0604020202020204" pitchFamily="34" charset="0"/>
-              </a:rPr>
-              <a:t>C# is general purpose programming language</a:t>
-            </a:r>
-          </a:p>
-          <a:p>
-            <a:r>
-              <a:rPr lang="en-US" sz="2000" dirty="0" smtClean="0">
-                <a:latin typeface="Arial" panose="020B0604020202020204" pitchFamily="34" charset="0"/>
-                <a:cs typeface="Arial" panose="020B0604020202020204" pitchFamily="34" charset="0"/>
-              </a:rPr>
-              <a:t>C# is object oriented (class-based) programming language</a:t>
-            </a:r>
-          </a:p>
-          <a:p>
-            <a:r>
-              <a:rPr lang="en-US" sz="2000" dirty="0" smtClean="0">
-                <a:latin typeface="Arial" panose="020B0604020202020204" pitchFamily="34" charset="0"/>
-                <a:cs typeface="Arial" panose="020B0604020202020204" pitchFamily="34" charset="0"/>
-              </a:rPr>
-              <a:t>C# is used on .NET platform /.NET 6 is the latest version/</a:t>
-            </a:r>
-          </a:p>
-          <a:p>
-            <a:r>
-              <a:rPr lang="en-US" sz="2000" dirty="0" smtClean="0">
-                <a:latin typeface="Arial" panose="020B0604020202020204" pitchFamily="34" charset="0"/>
-                <a:cs typeface="Arial" panose="020B0604020202020204" pitchFamily="34" charset="0"/>
-              </a:rPr>
-              <a:t>C# can be used for writing of Console, Desktop, Widows Services, Web apps, Mobile apps, Games and </a:t>
-            </a:r>
-            <a:r>
-              <a:rPr lang="en-US" sz="2000" dirty="0" err="1" smtClean="0">
-                <a:latin typeface="Arial" panose="020B0604020202020204" pitchFamily="34" charset="0"/>
-                <a:cs typeface="Arial" panose="020B0604020202020204" pitchFamily="34" charset="0"/>
-              </a:rPr>
-              <a:t>IoT</a:t>
-            </a:r>
-            <a:endParaRPr lang="en-US" sz="2000" dirty="0" smtClean="0">
-              <a:latin typeface="Arial" panose="020B0604020202020204" pitchFamily="34" charset="0"/>
-              <a:cs typeface="Arial" panose="020B0604020202020204" pitchFamily="34" charset="0"/>
-            </a:endParaRPr>
-          </a:p>
-          <a:p>
-            <a:r>
-              <a:rPr lang="en-US" sz="2000" dirty="0" smtClean="0">
-                <a:latin typeface="Arial" panose="020B0604020202020204" pitchFamily="34" charset="0"/>
-                <a:cs typeface="Arial" panose="020B0604020202020204" pitchFamily="34" charset="0"/>
-              </a:rPr>
-              <a:t>C# supports static typing, functional programming, generics and more </a:t>
-            </a:r>
-            <a:r>
-              <a:rPr lang="en-US" sz="2000" dirty="0" smtClean="0">
-                <a:latin typeface="Arial" panose="020B0604020202020204" pitchFamily="34" charset="0"/>
-                <a:cs typeface="Arial" panose="020B0604020202020204" pitchFamily="34" charset="0"/>
-              </a:rPr>
-              <a:t>features</a:t>
-            </a:r>
-            <a:endParaRPr lang="bg-BG" sz="2000" dirty="0" smtClean="0">
-              <a:latin typeface="Arial" panose="020B0604020202020204" pitchFamily="34" charset="0"/>
-              <a:cs typeface="Arial" panose="020B0604020202020204" pitchFamily="34" charset="0"/>
-            </a:endParaRPr>
-          </a:p>
-          <a:p>
-            <a:r>
-              <a:rPr lang="en-US" sz="2000" dirty="0" smtClean="0">
-                <a:latin typeface="Arial" panose="020B0604020202020204" pitchFamily="34" charset="0"/>
-                <a:cs typeface="Arial" panose="020B0604020202020204" pitchFamily="34" charset="0"/>
-              </a:rPr>
-              <a:t>C# and Microsoft documentation are generally quite good</a:t>
-            </a:r>
-          </a:p>
-          <a:p>
-            <a:r>
-              <a:rPr lang="en-US" sz="2000" dirty="0" smtClean="0">
-                <a:latin typeface="Arial" panose="020B0604020202020204" pitchFamily="34" charset="0"/>
-                <a:cs typeface="Arial" panose="020B0604020202020204" pitchFamily="34" charset="0"/>
-              </a:rPr>
-              <a:t>C# documentation</a:t>
-            </a:r>
-            <a:r>
-              <a:rPr lang="en-US" sz="2000" dirty="0">
-                <a:latin typeface="Arial" panose="020B0604020202020204" pitchFamily="34" charset="0"/>
-                <a:cs typeface="Arial" panose="020B0604020202020204" pitchFamily="34" charset="0"/>
-              </a:rPr>
-              <a:t>: </a:t>
-            </a:r>
-            <a:r>
-              <a:rPr lang="en-US" sz="2000" dirty="0">
+            <a:r>
+              <a:rPr lang="en-US" sz="2800" dirty="0" smtClean="0">
                 <a:solidFill>
-                  <a:srgbClr val="0070C0"/>
+                  <a:srgbClr val="002060"/>
                 </a:solidFill>
                 <a:latin typeface="Arial" panose="020B0604020202020204" pitchFamily="34" charset="0"/>
                 <a:cs typeface="Arial" panose="020B0604020202020204" pitchFamily="34" charset="0"/>
               </a:rPr>
-              <a:t>https://docs.microsoft.com/en-us/dotnet/csharp/</a:t>
-            </a:r>
-            <a:endParaRPr lang="en-US" sz="2000" dirty="0" smtClean="0">
-              <a:solidFill>
-                <a:srgbClr val="0070C0"/>
-              </a:solidFill>
+              <a:t>Continue</a:t>
+            </a:r>
+            <a:r>
+              <a:rPr lang="en-US" sz="2800" dirty="0" smtClean="0">
+                <a:latin typeface="Arial" panose="020B0604020202020204" pitchFamily="34" charset="0"/>
+                <a:cs typeface="Arial" panose="020B0604020202020204" pitchFamily="34" charset="0"/>
+              </a:rPr>
+              <a:t> just continue to the next loop iteration if the condition is satisfied.</a:t>
+            </a:r>
+            <a:endParaRPr lang="en-US" sz="2800" dirty="0">
               <a:latin typeface="Arial" panose="020B0604020202020204" pitchFamily="34" charset="0"/>
               <a:cs typeface="Arial" panose="020B0604020202020204" pitchFamily="34" charset="0"/>
             </a:endParaRPr>
-          </a:p>
-          <a:p>
-            <a:endParaRPr lang="en-US" sz="2000" dirty="0" smtClean="0">
-              <a:latin typeface="Arial" panose="020B0604020202020204" pitchFamily="34" charset="0"/>
-              <a:cs typeface="Arial" panose="020B0604020202020204" pitchFamily="34" charset="0"/>
-            </a:endParaRPr>
-          </a:p>
-          <a:p>
-            <a:endParaRPr lang="en-US" sz="2000" dirty="0">
-              <a:latin typeface="Arial" panose="020B0604020202020204" pitchFamily="34" charset="0"/>
-              <a:cs typeface="Arial" panose="020B0604020202020204" pitchFamily="34" charset="0"/>
-            </a:endParaRPr>
-          </a:p>
-          <a:p>
-            <a:endParaRPr lang="en-US" sz="2000" dirty="0">
-              <a:latin typeface="Arial" panose="020B0604020202020204" pitchFamily="34" charset="0"/>
-              <a:cs typeface="Arial" panose="020B0604020202020204" pitchFamily="34" charset="0"/>
-            </a:endParaRPr>
-          </a:p>
-          <a:p>
-            <a:pPr marL="0" indent="0">
-              <a:buNone/>
-            </a:pPr>
-            <a:endParaRPr lang="en-US" sz="1600" dirty="0">
-              <a:latin typeface="Arial" panose="020B0604020202020204" pitchFamily="34" charset="0"/>
-              <a:cs typeface="Arial" panose="020B0604020202020204" pitchFamily="34" charset="0"/>
-            </a:endParaRPr>
-          </a:p>
-          <a:p>
-            <a:endParaRPr lang="en-US" sz="1600" dirty="0">
-              <a:latin typeface="Arial" panose="020B0604020202020204" pitchFamily="34" charset="0"/>
-              <a:cs typeface="Arial" panose="020B0604020202020204" pitchFamily="34" charset="0"/>
-            </a:endParaRPr>
-          </a:p>
-          <a:p>
-            <a:endParaRPr lang="en-US" sz="1600" dirty="0">
-              <a:latin typeface="Arial" panose="020B0604020202020204" pitchFamily="34" charset="0"/>
-              <a:cs typeface="Arial" panose="020B0604020202020204" pitchFamily="34" charset="0"/>
-            </a:endParaRPr>
-          </a:p>
-          <a:p>
-            <a:endParaRPr lang="en-US" dirty="0">
-              <a:latin typeface="Arial" panose="020B0604020202020204" pitchFamily="34" charset="0"/>
-              <a:cs typeface="Arial" panose="020B0604020202020204" pitchFamily="34" charset="0"/>
-            </a:endParaRPr>
-          </a:p>
-          <a:p>
-            <a:endParaRPr lang="en-US" dirty="0">
-              <a:latin typeface="Arial" panose="020B0604020202020204" pitchFamily="34" charset="0"/>
-              <a:cs typeface="Arial" panose="020B0604020202020204" pitchFamily="34" charset="0"/>
-            </a:endParaRPr>
-          </a:p>
-          <a:p>
-            <a:endParaRPr lang="en-US" dirty="0">
-              <a:latin typeface="Arial" panose="020B0604020202020204" pitchFamily="34" charset="0"/>
-              <a:cs typeface="Arial" panose="020B0604020202020204" pitchFamily="34" charset="0"/>
-            </a:endParaRPr>
-          </a:p>
-          <a:p>
-            <a:endParaRPr lang="en-US" dirty="0">
-              <a:latin typeface="Arial" panose="020B0604020202020204" pitchFamily="34" charset="0"/>
-              <a:cs typeface="Arial" panose="020B0604020202020204" pitchFamily="34" charset="0"/>
-            </a:endParaRPr>
-          </a:p>
-          <a:p>
-            <a:endParaRPr lang="en-US" dirty="0"/>
-          </a:p>
-          <a:p>
-            <a:endParaRPr lang="en-US" dirty="0"/>
           </a:p>
         </p:txBody>
       </p:sp>
     </p:spTree>
     <p:extLst>
       <p:ext uri="{BB962C8B-B14F-4D97-AF65-F5344CB8AC3E}">
-        <p14:creationId xmlns:p14="http://schemas.microsoft.com/office/powerpoint/2010/main" val="927372469"/>
+        <p14:creationId xmlns:p14="http://schemas.microsoft.com/office/powerpoint/2010/main" val="2923579647"/>
       </p:ext>
     </p:extLst>
   </p:cSld>
@@ -15955,107 +17244,6 @@
 </file>
 
 <file path=ppt/slides/slide4.xml><?xml version="1.0" encoding="utf-8"?>
-<p:sld xmlns:a="http://schemas.openxmlformats.org/drawingml/2006/main" xmlns:r="http://schemas.openxmlformats.org/officeDocument/2006/relationships" xmlns:p="http://schemas.openxmlformats.org/presentationml/2006/main">
-  <p:cSld>
-    <p:spTree>
-      <p:nvGrpSpPr>
-        <p:cNvPr id="1" name=""/>
-        <p:cNvGrpSpPr/>
-        <p:nvPr/>
-      </p:nvGrpSpPr>
-      <p:grpSpPr>
-        <a:xfrm>
-          <a:off x="0" y="0"/>
-          <a:ext cx="0" cy="0"/>
-          <a:chOff x="0" y="0"/>
-          <a:chExt cx="0" cy="0"/>
-        </a:xfrm>
-      </p:grpSpPr>
-      <p:sp>
-        <p:nvSpPr>
-          <p:cNvPr id="2" name="Title 1"/>
-          <p:cNvSpPr>
-            <a:spLocks noGrp="1"/>
-          </p:cNvSpPr>
-          <p:nvPr>
-            <p:ph type="title"/>
-          </p:nvPr>
-        </p:nvSpPr>
-        <p:spPr>
-          <a:xfrm>
-            <a:off x="1599405" y="693748"/>
-            <a:ext cx="8761413" cy="1172373"/>
-          </a:xfrm>
-        </p:spPr>
-        <p:txBody>
-          <a:bodyPr/>
-          <a:lstStyle/>
-          <a:p>
-            <a:pPr algn="ctr"/>
-            <a:r>
-              <a:rPr lang="en-US" dirty="0" smtClean="0">
-                <a:latin typeface="Arial" panose="020B0604020202020204" pitchFamily="34" charset="0"/>
-                <a:cs typeface="Arial" panose="020B0604020202020204" pitchFamily="34" charset="0"/>
-              </a:rPr>
-              <a:t>C# is object oriented programming language</a:t>
-            </a:r>
-            <a:endParaRPr lang="en-US" dirty="0">
-              <a:latin typeface="Arial" panose="020B0604020202020204" pitchFamily="34" charset="0"/>
-              <a:cs typeface="Arial" panose="020B0604020202020204" pitchFamily="34" charset="0"/>
-            </a:endParaRPr>
-          </a:p>
-        </p:txBody>
-      </p:sp>
-      <p:pic>
-        <p:nvPicPr>
-          <p:cNvPr id="4" name="Content Placeholder 3"/>
-          <p:cNvPicPr>
-            <a:picLocks noGrp="1" noChangeAspect="1"/>
-          </p:cNvPicPr>
-          <p:nvPr>
-            <p:ph sz="half" idx="2"/>
-          </p:nvPr>
-        </p:nvPicPr>
-        <p:blipFill>
-          <a:blip r:embed="rId2">
-            <a:extLst>
-              <a:ext uri="{28A0092B-C50C-407E-A947-70E740481C1C}">
-                <a14:useLocalDpi xmlns:a14="http://schemas.microsoft.com/office/drawing/2010/main" val="0"/>
-              </a:ext>
-            </a:extLst>
-          </a:blip>
-          <a:stretch>
-            <a:fillRect/>
-          </a:stretch>
-        </p:blipFill>
-        <p:spPr>
-          <a:xfrm>
-            <a:off x="3293707" y="2510194"/>
-            <a:ext cx="4890660" cy="3993216"/>
-          </a:xfrm>
-        </p:spPr>
-      </p:pic>
-    </p:spTree>
-    <p:extLst>
-      <p:ext uri="{BB962C8B-B14F-4D97-AF65-F5344CB8AC3E}">
-        <p14:creationId xmlns:p14="http://schemas.microsoft.com/office/powerpoint/2010/main" val="3952090778"/>
-      </p:ext>
-    </p:extLst>
-  </p:cSld>
-  <p:clrMapOvr>
-    <a:masterClrMapping/>
-  </p:clrMapOvr>
-  <p:timing>
-    <p:tnLst>
-      <p:par>
-        <p:cTn id="1" dur="indefinite" restart="never" nodeType="tmRoot"/>
-      </p:par>
-    </p:tnLst>
-  </p:timing>
-</p:sld>
-</file>
-
-<file path=ppt/slides/slide5.xml><?xml version="1.0" encoding="utf-8"?>
 <p:sld xmlns:a="http://schemas.openxmlformats.org/drawingml/2006/main" xmlns:r="http://schemas.openxmlformats.org/officeDocument/2006/relationships" xmlns:p="http://schemas.openxmlformats.org/presentationml/2006/main">
   <p:cSld>
     <p:spTree>
@@ -16400,7 +17588,7 @@
 </p:sld>
 </file>
 
-<file path=ppt/slides/slide6.xml><?xml version="1.0" encoding="utf-8"?>
+<file path=ppt/slides/slide5.xml><?xml version="1.0" encoding="utf-8"?>
 <p:sld xmlns:a="http://schemas.openxmlformats.org/drawingml/2006/main" xmlns:r="http://schemas.openxmlformats.org/officeDocument/2006/relationships" xmlns:p="http://schemas.openxmlformats.org/presentationml/2006/main">
   <p:cSld>
     <p:spTree>
@@ -16470,22 +17658,34 @@
           <a:lstStyle/>
           <a:p>
             <a:r>
-              <a:rPr lang="en-US" sz="3200" dirty="0" smtClean="0"/>
+              <a:rPr lang="en-US" sz="3200" dirty="0" smtClean="0">
+                <a:latin typeface="Arial" panose="020B0604020202020204" pitchFamily="34" charset="0"/>
+                <a:cs typeface="Arial" panose="020B0604020202020204" pitchFamily="34" charset="0"/>
+              </a:rPr>
               <a:t>Languages</a:t>
             </a:r>
           </a:p>
           <a:p>
             <a:r>
-              <a:rPr lang="en-US" sz="3200" dirty="0" smtClean="0"/>
+              <a:rPr lang="en-US" sz="3200" dirty="0" smtClean="0">
+                <a:latin typeface="Arial" panose="020B0604020202020204" pitchFamily="34" charset="0"/>
+                <a:cs typeface="Arial" panose="020B0604020202020204" pitchFamily="34" charset="0"/>
+              </a:rPr>
               <a:t>Runtimes</a:t>
             </a:r>
           </a:p>
           <a:p>
             <a:r>
-              <a:rPr lang="en-US" sz="3200" dirty="0" smtClean="0"/>
+              <a:rPr lang="en-US" sz="3200" dirty="0" smtClean="0">
+                <a:latin typeface="Arial" panose="020B0604020202020204" pitchFamily="34" charset="0"/>
+                <a:cs typeface="Arial" panose="020B0604020202020204" pitchFamily="34" charset="0"/>
+              </a:rPr>
               <a:t>Libraries</a:t>
             </a:r>
-            <a:endParaRPr lang="en-US" sz="3200" dirty="0"/>
+            <a:endParaRPr lang="en-US" sz="3200" dirty="0">
+              <a:latin typeface="Arial" panose="020B0604020202020204" pitchFamily="34" charset="0"/>
+              <a:cs typeface="Arial" panose="020B0604020202020204" pitchFamily="34" charset="0"/>
+            </a:endParaRPr>
           </a:p>
         </p:txBody>
       </p:sp>
@@ -16563,7 +17763,7 @@
 </p:sld>
 </file>
 
-<file path=ppt/slides/slide7.xml><?xml version="1.0" encoding="utf-8"?>
+<file path=ppt/slides/slide6.xml><?xml version="1.0" encoding="utf-8"?>
 <p:sld xmlns:a="http://schemas.openxmlformats.org/drawingml/2006/main" xmlns:r="http://schemas.openxmlformats.org/officeDocument/2006/relationships" xmlns:p="http://schemas.openxmlformats.org/presentationml/2006/main">
   <p:cSld>
     <p:spTree>
@@ -16634,7 +17834,7 @@
         </p:blipFill>
         <p:spPr>
           <a:xfrm>
-            <a:off x="1370303" y="2325996"/>
+            <a:off x="1258336" y="2186037"/>
             <a:ext cx="9117304" cy="4308069"/>
           </a:xfrm>
           <a:prstGeom prst="roundRect">
@@ -16686,7 +17886,7 @@
 </p:sld>
 </file>
 
-<file path=ppt/slides/slide8.xml><?xml version="1.0" encoding="utf-8"?>
+<file path=ppt/slides/slide7.xml><?xml version="1.0" encoding="utf-8"?>
 <p:sld xmlns:a="http://schemas.openxmlformats.org/drawingml/2006/main" xmlns:r="http://schemas.openxmlformats.org/officeDocument/2006/relationships" xmlns:p="http://schemas.openxmlformats.org/presentationml/2006/main">
   <p:cSld>
     <p:spTree>
@@ -16782,7 +17982,7 @@
 </p:sld>
 </file>
 
-<file path=ppt/slides/slide9.xml><?xml version="1.0" encoding="utf-8"?>
+<file path=ppt/slides/slide8.xml><?xml version="1.0" encoding="utf-8"?>
 <p:sld xmlns:a="http://schemas.openxmlformats.org/drawingml/2006/main" xmlns:r="http://schemas.openxmlformats.org/officeDocument/2006/relationships" xmlns:p="http://schemas.openxmlformats.org/presentationml/2006/main">
   <p:cSld>
     <p:spTree>
@@ -16856,6 +18056,179 @@
     <p:extLst>
       <p:ext uri="{BB962C8B-B14F-4D97-AF65-F5344CB8AC3E}">
         <p14:creationId xmlns:p14="http://schemas.microsoft.com/office/powerpoint/2010/main" val="1234884613"/>
+      </p:ext>
+    </p:extLst>
+  </p:cSld>
+  <p:clrMapOvr>
+    <a:masterClrMapping/>
+  </p:clrMapOvr>
+  <p:timing>
+    <p:tnLst>
+      <p:par>
+        <p:cTn id="1" dur="indefinite" restart="never" nodeType="tmRoot"/>
+      </p:par>
+    </p:tnLst>
+  </p:timing>
+</p:sld>
+</file>
+
+<file path=ppt/slides/slide9.xml><?xml version="1.0" encoding="utf-8"?>
+<p:sld xmlns:a="http://schemas.openxmlformats.org/drawingml/2006/main" xmlns:r="http://schemas.openxmlformats.org/officeDocument/2006/relationships" xmlns:p="http://schemas.openxmlformats.org/presentationml/2006/main">
+  <p:cSld>
+    <p:spTree>
+      <p:nvGrpSpPr>
+        <p:cNvPr id="1" name=""/>
+        <p:cNvGrpSpPr/>
+        <p:nvPr/>
+      </p:nvGrpSpPr>
+      <p:grpSpPr>
+        <a:xfrm>
+          <a:off x="0" y="0"/>
+          <a:ext cx="0" cy="0"/>
+          <a:chOff x="0" y="0"/>
+          <a:chExt cx="0" cy="0"/>
+        </a:xfrm>
+      </p:grpSpPr>
+      <p:sp>
+        <p:nvSpPr>
+          <p:cNvPr id="2" name="Title 1"/>
+          <p:cNvSpPr>
+            <a:spLocks noGrp="1"/>
+          </p:cNvSpPr>
+          <p:nvPr>
+            <p:ph type="title"/>
+          </p:nvPr>
+        </p:nvSpPr>
+        <p:spPr/>
+        <p:txBody>
+          <a:bodyPr/>
+          <a:lstStyle/>
+          <a:p>
+            <a:pPr algn="ctr"/>
+            <a:r>
+              <a:rPr lang="en-US" dirty="0" smtClean="0">
+                <a:latin typeface="Arial" panose="020B0604020202020204" pitchFamily="34" charset="0"/>
+                <a:cs typeface="Arial" panose="020B0604020202020204" pitchFamily="34" charset="0"/>
+              </a:rPr>
+              <a:t>What is compiler?</a:t>
+            </a:r>
+            <a:endParaRPr lang="en-US" dirty="0">
+              <a:latin typeface="Arial" panose="020B0604020202020204" pitchFamily="34" charset="0"/>
+              <a:cs typeface="Arial" panose="020B0604020202020204" pitchFamily="34" charset="0"/>
+            </a:endParaRPr>
+          </a:p>
+        </p:txBody>
+      </p:sp>
+      <p:sp>
+        <p:nvSpPr>
+          <p:cNvPr id="3" name="Content Placeholder 2"/>
+          <p:cNvSpPr>
+            <a:spLocks noGrp="1"/>
+          </p:cNvSpPr>
+          <p:nvPr>
+            <p:ph idx="1"/>
+          </p:nvPr>
+        </p:nvSpPr>
+        <p:spPr>
+          <a:xfrm>
+            <a:off x="1546839" y="2603499"/>
+            <a:ext cx="8825659" cy="4021235"/>
+          </a:xfrm>
+        </p:spPr>
+        <p:txBody>
+          <a:bodyPr/>
+          <a:lstStyle/>
+          <a:p>
+            <a:r>
+              <a:rPr lang="en-US" dirty="0">
+                <a:latin typeface="Arial" panose="020B0604020202020204" pitchFamily="34" charset="0"/>
+                <a:cs typeface="Arial" panose="020B0604020202020204" pitchFamily="34" charset="0"/>
+              </a:rPr>
+              <a:t>A compiler is a special program that translates a programming language's </a:t>
+            </a:r>
+            <a:r>
+              <a:rPr lang="en-US" dirty="0" smtClean="0">
+                <a:latin typeface="Arial" panose="020B0604020202020204" pitchFamily="34" charset="0"/>
+                <a:cs typeface="Arial" panose="020B0604020202020204" pitchFamily="34" charset="0"/>
+              </a:rPr>
+              <a:t>source code into </a:t>
+            </a:r>
+            <a:r>
+              <a:rPr lang="en-US" dirty="0">
+                <a:latin typeface="Arial" panose="020B0604020202020204" pitchFamily="34" charset="0"/>
+                <a:cs typeface="Arial" panose="020B0604020202020204" pitchFamily="34" charset="0"/>
+              </a:rPr>
+              <a:t>machine code, bytecode or another programming language. The source code is typically written in a high-level, human-readable language such as </a:t>
+            </a:r>
+            <a:r>
+              <a:rPr lang="en-US" b="1" dirty="0" smtClean="0">
+                <a:latin typeface="Arial" panose="020B0604020202020204" pitchFamily="34" charset="0"/>
+                <a:cs typeface="Arial" panose="020B0604020202020204" pitchFamily="34" charset="0"/>
+              </a:rPr>
+              <a:t>C#</a:t>
+            </a:r>
+            <a:r>
+              <a:rPr lang="en-US" dirty="0" smtClean="0">
+                <a:latin typeface="Arial" panose="020B0604020202020204" pitchFamily="34" charset="0"/>
+                <a:cs typeface="Arial" panose="020B0604020202020204" pitchFamily="34" charset="0"/>
+              </a:rPr>
+              <a:t>, </a:t>
+            </a:r>
+            <a:r>
+              <a:rPr lang="en-US" b="1" dirty="0" smtClean="0">
+                <a:latin typeface="Arial" panose="020B0604020202020204" pitchFamily="34" charset="0"/>
+                <a:cs typeface="Arial" panose="020B0604020202020204" pitchFamily="34" charset="0"/>
+              </a:rPr>
+              <a:t>Java, C++, etc</a:t>
+            </a:r>
+            <a:r>
+              <a:rPr lang="en-US" dirty="0" smtClean="0">
+                <a:latin typeface="Arial" panose="020B0604020202020204" pitchFamily="34" charset="0"/>
+                <a:cs typeface="Arial" panose="020B0604020202020204" pitchFamily="34" charset="0"/>
+              </a:rPr>
+              <a:t>.</a:t>
+            </a:r>
+            <a:endParaRPr lang="en-US" dirty="0">
+              <a:latin typeface="Arial" panose="020B0604020202020204" pitchFamily="34" charset="0"/>
+              <a:cs typeface="Arial" panose="020B0604020202020204" pitchFamily="34" charset="0"/>
+            </a:endParaRPr>
+          </a:p>
+        </p:txBody>
+      </p:sp>
+      <p:pic>
+        <p:nvPicPr>
+          <p:cNvPr id="5" name="Picture 4"/>
+          <p:cNvPicPr>
+            <a:picLocks noChangeAspect="1"/>
+          </p:cNvPicPr>
+          <p:nvPr/>
+        </p:nvPicPr>
+        <p:blipFill>
+          <a:blip r:embed="rId2">
+            <a:extLst>
+              <a:ext uri="{28A0092B-C50C-407E-A947-70E740481C1C}">
+                <a14:useLocalDpi xmlns:a14="http://schemas.microsoft.com/office/drawing/2010/main" val="0"/>
+              </a:ext>
+            </a:extLst>
+          </a:blip>
+          <a:stretch>
+            <a:fillRect/>
+          </a:stretch>
+        </p:blipFill>
+        <p:spPr>
+          <a:xfrm>
+            <a:off x="1905842" y="3948209"/>
+            <a:ext cx="8010525" cy="2676525"/>
+          </a:xfrm>
+          <a:prstGeom prst="rect">
+            <a:avLst/>
+          </a:prstGeom>
+        </p:spPr>
+      </p:pic>
+    </p:spTree>
+    <p:extLst>
+      <p:ext uri="{BB962C8B-B14F-4D97-AF65-F5344CB8AC3E}">
+        <p14:creationId xmlns:p14="http://schemas.microsoft.com/office/powerpoint/2010/main" val="525679394"/>
       </p:ext>
     </p:extLst>
   </p:cSld>

--- a/C# Basics.pptx
+++ b/C# Basics.pptx
@@ -5,32 +5,35 @@
     <p:sldMasterId id="2147483707" r:id="rId1"/>
   </p:sldMasterIdLst>
   <p:notesMasterIdLst>
-    <p:notesMasterId r:id="rId25"/>
+    <p:notesMasterId r:id="rId28"/>
   </p:notesMasterIdLst>
   <p:sldIdLst>
     <p:sldId id="256" r:id="rId2"/>
-    <p:sldId id="258" r:id="rId3"/>
-    <p:sldId id="259" r:id="rId4"/>
-    <p:sldId id="262" r:id="rId5"/>
-    <p:sldId id="264" r:id="rId6"/>
-    <p:sldId id="263" r:id="rId7"/>
+    <p:sldId id="284" r:id="rId3"/>
+    <p:sldId id="258" r:id="rId4"/>
+    <p:sldId id="259" r:id="rId5"/>
+    <p:sldId id="262" r:id="rId6"/>
+    <p:sldId id="264" r:id="rId7"/>
     <p:sldId id="261" r:id="rId8"/>
-    <p:sldId id="265" r:id="rId9"/>
-    <p:sldId id="267" r:id="rId10"/>
-    <p:sldId id="266" r:id="rId11"/>
-    <p:sldId id="269" r:id="rId12"/>
-    <p:sldId id="268" r:id="rId13"/>
-    <p:sldId id="279" r:id="rId14"/>
-    <p:sldId id="280" r:id="rId15"/>
-    <p:sldId id="278" r:id="rId16"/>
-    <p:sldId id="270" r:id="rId17"/>
-    <p:sldId id="271" r:id="rId18"/>
-    <p:sldId id="272" r:id="rId19"/>
-    <p:sldId id="273" r:id="rId20"/>
-    <p:sldId id="276" r:id="rId21"/>
-    <p:sldId id="277" r:id="rId22"/>
-    <p:sldId id="274" r:id="rId23"/>
-    <p:sldId id="275" r:id="rId24"/>
+    <p:sldId id="283" r:id="rId9"/>
+    <p:sldId id="265" r:id="rId10"/>
+    <p:sldId id="267" r:id="rId11"/>
+    <p:sldId id="266" r:id="rId12"/>
+    <p:sldId id="269" r:id="rId13"/>
+    <p:sldId id="281" r:id="rId14"/>
+    <p:sldId id="268" r:id="rId15"/>
+    <p:sldId id="280" r:id="rId16"/>
+    <p:sldId id="279" r:id="rId17"/>
+    <p:sldId id="278" r:id="rId18"/>
+    <p:sldId id="270" r:id="rId19"/>
+    <p:sldId id="271" r:id="rId20"/>
+    <p:sldId id="272" r:id="rId21"/>
+    <p:sldId id="273" r:id="rId22"/>
+    <p:sldId id="276" r:id="rId23"/>
+    <p:sldId id="277" r:id="rId24"/>
+    <p:sldId id="274" r:id="rId25"/>
+    <p:sldId id="275" r:id="rId26"/>
+    <p:sldId id="282" r:id="rId27"/>
   </p:sldIdLst>
   <p:sldSz cx="12192000" cy="6858000"/>
   <p:notesSz cx="6858000" cy="9144000"/>
@@ -219,7 +222,7 @@
           <a:p>
             <a:fld id="{068E3771-71AF-4AE2-9E86-BE935DBF2B0E}" type="datetimeFigureOut">
               <a:rPr lang="en-US" smtClean="0"/>
-              <a:t>5/24/2022</a:t>
+              <a:t>10/9/2022</a:t>
             </a:fld>
             <a:endParaRPr lang="en-US"/>
           </a:p>
@@ -822,7 +825,7 @@
           <a:p>
             <a:fld id="{C0A3DACC-474D-44ED-8DF0-6B6BA2CE3243}" type="datetimeFigureOut">
               <a:rPr lang="en-US" smtClean="0"/>
-              <a:t>5/24/2022</a:t>
+              <a:t>10/9/2022</a:t>
             </a:fld>
             <a:endParaRPr lang="en-US"/>
           </a:p>
@@ -1910,7 +1913,7 @@
           <a:p>
             <a:fld id="{C0A3DACC-474D-44ED-8DF0-6B6BA2CE3243}" type="datetimeFigureOut">
               <a:rPr lang="en-US" smtClean="0"/>
-              <a:t>5/24/2022</a:t>
+              <a:t>10/9/2022</a:t>
             </a:fld>
             <a:endParaRPr lang="en-US"/>
           </a:p>
@@ -2890,7 +2893,7 @@
           <a:p>
             <a:fld id="{C0A3DACC-474D-44ED-8DF0-6B6BA2CE3243}" type="datetimeFigureOut">
               <a:rPr lang="en-US" smtClean="0"/>
-              <a:t>5/24/2022</a:t>
+              <a:t>10/9/2022</a:t>
             </a:fld>
             <a:endParaRPr lang="en-US"/>
           </a:p>
@@ -4024,7 +4027,7 @@
           <a:p>
             <a:fld id="{C0A3DACC-474D-44ED-8DF0-6B6BA2CE3243}" type="datetimeFigureOut">
               <a:rPr lang="en-US" smtClean="0"/>
-              <a:t>5/24/2022</a:t>
+              <a:t>10/9/2022</a:t>
             </a:fld>
             <a:endParaRPr lang="en-US"/>
           </a:p>
@@ -5057,7 +5060,7 @@
           <a:p>
             <a:fld id="{C0A3DACC-474D-44ED-8DF0-6B6BA2CE3243}" type="datetimeFigureOut">
               <a:rPr lang="en-US" smtClean="0"/>
-              <a:t>5/24/2022</a:t>
+              <a:t>10/9/2022</a:t>
             </a:fld>
             <a:endParaRPr lang="en-US"/>
           </a:p>
@@ -5717,7 +5720,7 @@
           <a:p>
             <a:fld id="{C0A3DACC-474D-44ED-8DF0-6B6BA2CE3243}" type="datetimeFigureOut">
               <a:rPr lang="en-US" smtClean="0"/>
-              <a:t>5/24/2022</a:t>
+              <a:t>10/9/2022</a:t>
             </a:fld>
             <a:endParaRPr lang="en-US"/>
           </a:p>
@@ -6578,7 +6581,7 @@
           <a:p>
             <a:fld id="{C0A3DACC-474D-44ED-8DF0-6B6BA2CE3243}" type="datetimeFigureOut">
               <a:rPr lang="en-US" smtClean="0"/>
-              <a:t>5/24/2022</a:t>
+              <a:t>10/9/2022</a:t>
             </a:fld>
             <a:endParaRPr lang="en-US"/>
           </a:p>
@@ -6768,7 +6771,7 @@
           <a:p>
             <a:fld id="{C0A3DACC-474D-44ED-8DF0-6B6BA2CE3243}" type="datetimeFigureOut">
               <a:rPr lang="en-US" smtClean="0"/>
-              <a:t>5/24/2022</a:t>
+              <a:t>10/9/2022</a:t>
             </a:fld>
             <a:endParaRPr lang="en-US"/>
           </a:p>
@@ -7740,7 +7743,7 @@
           <a:p>
             <a:fld id="{C0A3DACC-474D-44ED-8DF0-6B6BA2CE3243}" type="datetimeFigureOut">
               <a:rPr lang="en-US" smtClean="0"/>
-              <a:t>5/24/2022</a:t>
+              <a:t>10/9/2022</a:t>
             </a:fld>
             <a:endParaRPr lang="en-US"/>
           </a:p>
@@ -7951,7 +7954,7 @@
           <a:p>
             <a:fld id="{C0A3DACC-474D-44ED-8DF0-6B6BA2CE3243}" type="datetimeFigureOut">
               <a:rPr lang="en-US" smtClean="0"/>
-              <a:t>5/24/2022</a:t>
+              <a:t>10/9/2022</a:t>
             </a:fld>
             <a:endParaRPr lang="en-US"/>
           </a:p>
@@ -8985,7 +8988,7 @@
           <a:p>
             <a:fld id="{C0A3DACC-474D-44ED-8DF0-6B6BA2CE3243}" type="datetimeFigureOut">
               <a:rPr lang="en-US" smtClean="0"/>
-              <a:t>5/24/2022</a:t>
+              <a:t>10/9/2022</a:t>
             </a:fld>
             <a:endParaRPr lang="en-US"/>
           </a:p>
@@ -9257,7 +9260,7 @@
           <a:p>
             <a:fld id="{C0A3DACC-474D-44ED-8DF0-6B6BA2CE3243}" type="datetimeFigureOut">
               <a:rPr lang="en-US" smtClean="0"/>
-              <a:t>5/24/2022</a:t>
+              <a:t>10/9/2022</a:t>
             </a:fld>
             <a:endParaRPr lang="en-US"/>
           </a:p>
@@ -9667,7 +9670,7 @@
           <a:p>
             <a:fld id="{C0A3DACC-474D-44ED-8DF0-6B6BA2CE3243}" type="datetimeFigureOut">
               <a:rPr lang="en-US" smtClean="0"/>
-              <a:t>5/24/2022</a:t>
+              <a:t>10/9/2022</a:t>
             </a:fld>
             <a:endParaRPr lang="en-US"/>
           </a:p>
@@ -9794,7 +9797,7 @@
           <a:p>
             <a:fld id="{C0A3DACC-474D-44ED-8DF0-6B6BA2CE3243}" type="datetimeFigureOut">
               <a:rPr lang="en-US" smtClean="0"/>
-              <a:t>5/24/2022</a:t>
+              <a:t>10/9/2022</a:t>
             </a:fld>
             <a:endParaRPr lang="en-US"/>
           </a:p>
@@ -9889,7 +9892,7 @@
           <a:p>
             <a:fld id="{C0A3DACC-474D-44ED-8DF0-6B6BA2CE3243}" type="datetimeFigureOut">
               <a:rPr lang="en-US" smtClean="0"/>
-              <a:t>5/24/2022</a:t>
+              <a:t>10/9/2022</a:t>
             </a:fld>
             <a:endParaRPr lang="en-US"/>
           </a:p>
@@ -10970,7 +10973,7 @@
           <a:p>
             <a:fld id="{C0A3DACC-474D-44ED-8DF0-6B6BA2CE3243}" type="datetimeFigureOut">
               <a:rPr lang="en-US" smtClean="0"/>
-              <a:t>5/24/2022</a:t>
+              <a:t>10/9/2022</a:t>
             </a:fld>
             <a:endParaRPr lang="en-US"/>
           </a:p>
@@ -12078,7 +12081,7 @@
           <a:p>
             <a:fld id="{C0A3DACC-474D-44ED-8DF0-6B6BA2CE3243}" type="datetimeFigureOut">
               <a:rPr lang="en-US" smtClean="0"/>
-              <a:t>5/24/2022</a:t>
+              <a:t>10/9/2022</a:t>
             </a:fld>
             <a:endParaRPr lang="en-US"/>
           </a:p>
@@ -13075,7 +13078,7 @@
           <a:p>
             <a:fld id="{C0A3DACC-474D-44ED-8DF0-6B6BA2CE3243}" type="datetimeFigureOut">
               <a:rPr lang="en-US" smtClean="0"/>
-              <a:t>5/24/2022</a:t>
+              <a:t>10/9/2022</a:t>
             </a:fld>
             <a:endParaRPr lang="en-US"/>
           </a:p>
@@ -13791,11 +13794,232 @@
           <a:p>
             <a:pPr algn="ctr"/>
             <a:r>
+              <a:rPr lang="bg-BG" dirty="0" smtClean="0">
+                <a:latin typeface="Arial" panose="020B0604020202020204" pitchFamily="34" charset="0"/>
+                <a:cs typeface="Arial" panose="020B0604020202020204" pitchFamily="34" charset="0"/>
+              </a:rPr>
+              <a:t>Какво е </a:t>
+            </a:r>
+            <a:r>
+              <a:rPr lang="bg-BG" dirty="0" smtClean="0">
+                <a:solidFill>
+                  <a:srgbClr val="FFFF00"/>
+                </a:solidFill>
+                <a:latin typeface="Arial" panose="020B0604020202020204" pitchFamily="34" charset="0"/>
+                <a:cs typeface="Arial" panose="020B0604020202020204" pitchFamily="34" charset="0"/>
+              </a:rPr>
+              <a:t>компилатор</a:t>
+            </a:r>
+            <a:r>
               <a:rPr lang="en-US" dirty="0" smtClean="0">
                 <a:latin typeface="Arial" panose="020B0604020202020204" pitchFamily="34" charset="0"/>
                 <a:cs typeface="Arial" panose="020B0604020202020204" pitchFamily="34" charset="0"/>
               </a:rPr>
-              <a:t>What is an IDE?</a:t>
+              <a:t>?</a:t>
+            </a:r>
+            <a:endParaRPr lang="en-US" dirty="0">
+              <a:latin typeface="Arial" panose="020B0604020202020204" pitchFamily="34" charset="0"/>
+              <a:cs typeface="Arial" panose="020B0604020202020204" pitchFamily="34" charset="0"/>
+            </a:endParaRPr>
+          </a:p>
+        </p:txBody>
+      </p:sp>
+      <p:sp>
+        <p:nvSpPr>
+          <p:cNvPr id="3" name="Content Placeholder 2"/>
+          <p:cNvSpPr>
+            <a:spLocks noGrp="1"/>
+          </p:cNvSpPr>
+          <p:nvPr>
+            <p:ph idx="1"/>
+          </p:nvPr>
+        </p:nvSpPr>
+        <p:spPr>
+          <a:xfrm>
+            <a:off x="1546839" y="2603499"/>
+            <a:ext cx="8825659" cy="4021235"/>
+          </a:xfrm>
+        </p:spPr>
+        <p:txBody>
+          <a:bodyPr/>
+          <a:lstStyle/>
+          <a:p>
+            <a:r>
+              <a:rPr lang="bg-BG" b="1" dirty="0" smtClean="0">
+                <a:latin typeface="Arial" panose="020B0604020202020204" pitchFamily="34" charset="0"/>
+                <a:cs typeface="Arial" panose="020B0604020202020204" pitchFamily="34" charset="0"/>
+              </a:rPr>
+              <a:t>Компилаторът</a:t>
+            </a:r>
+            <a:r>
+              <a:rPr lang="bg-BG" dirty="0" smtClean="0">
+                <a:latin typeface="Arial" panose="020B0604020202020204" pitchFamily="34" charset="0"/>
+                <a:cs typeface="Arial" panose="020B0604020202020204" pitchFamily="34" charset="0"/>
+              </a:rPr>
+              <a:t> е специална компютърна програма, която транслира нашият програмен код в машинен код или </a:t>
+            </a:r>
+            <a:r>
+              <a:rPr lang="bg-BG" dirty="0" smtClean="0">
+                <a:latin typeface="Arial" panose="020B0604020202020204" pitchFamily="34" charset="0"/>
+                <a:cs typeface="Arial" panose="020B0604020202020204" pitchFamily="34" charset="0"/>
+              </a:rPr>
+              <a:t>байткод. Сорс кодът на програмата ни е написан най-често на програмен език от високо ниво, който е разбираем за човек, като </a:t>
+            </a:r>
+            <a:r>
+              <a:rPr lang="en-US" b="1" dirty="0" smtClean="0">
+                <a:latin typeface="Arial" panose="020B0604020202020204" pitchFamily="34" charset="0"/>
+                <a:cs typeface="Arial" panose="020B0604020202020204" pitchFamily="34" charset="0"/>
+              </a:rPr>
+              <a:t>C#</a:t>
+            </a:r>
+            <a:r>
+              <a:rPr lang="en-US" dirty="0" smtClean="0">
+                <a:latin typeface="Arial" panose="020B0604020202020204" pitchFamily="34" charset="0"/>
+                <a:cs typeface="Arial" panose="020B0604020202020204" pitchFamily="34" charset="0"/>
+              </a:rPr>
+              <a:t>, </a:t>
+            </a:r>
+            <a:r>
+              <a:rPr lang="en-US" b="1" dirty="0" smtClean="0">
+                <a:latin typeface="Arial" panose="020B0604020202020204" pitchFamily="34" charset="0"/>
+                <a:cs typeface="Arial" panose="020B0604020202020204" pitchFamily="34" charset="0"/>
+              </a:rPr>
+              <a:t>Java</a:t>
+            </a:r>
+            <a:r>
+              <a:rPr lang="en-US" dirty="0" smtClean="0">
+                <a:latin typeface="Arial" panose="020B0604020202020204" pitchFamily="34" charset="0"/>
+                <a:cs typeface="Arial" panose="020B0604020202020204" pitchFamily="34" charset="0"/>
+              </a:rPr>
+              <a:t>, </a:t>
+            </a:r>
+            <a:r>
+              <a:rPr lang="en-US" b="1" dirty="0" smtClean="0">
+                <a:latin typeface="Arial" panose="020B0604020202020204" pitchFamily="34" charset="0"/>
+                <a:cs typeface="Arial" panose="020B0604020202020204" pitchFamily="34" charset="0"/>
+              </a:rPr>
+              <a:t>C++ </a:t>
+            </a:r>
+            <a:r>
+              <a:rPr lang="bg-BG" dirty="0" smtClean="0">
+                <a:latin typeface="Arial" panose="020B0604020202020204" pitchFamily="34" charset="0"/>
+                <a:cs typeface="Arial" panose="020B0604020202020204" pitchFamily="34" charset="0"/>
+              </a:rPr>
+              <a:t>и т.н.</a:t>
+            </a:r>
+            <a:endParaRPr lang="en-US" dirty="0">
+              <a:latin typeface="Arial" panose="020B0604020202020204" pitchFamily="34" charset="0"/>
+              <a:cs typeface="Arial" panose="020B0604020202020204" pitchFamily="34" charset="0"/>
+            </a:endParaRPr>
+          </a:p>
+        </p:txBody>
+      </p:sp>
+      <p:pic>
+        <p:nvPicPr>
+          <p:cNvPr id="5" name="Picture 4"/>
+          <p:cNvPicPr>
+            <a:picLocks noChangeAspect="1"/>
+          </p:cNvPicPr>
+          <p:nvPr/>
+        </p:nvPicPr>
+        <p:blipFill>
+          <a:blip r:embed="rId2">
+            <a:extLst>
+              <a:ext uri="{28A0092B-C50C-407E-A947-70E740481C1C}">
+                <a14:useLocalDpi xmlns:a14="http://schemas.microsoft.com/office/drawing/2010/main" val="0"/>
+              </a:ext>
+            </a:extLst>
+          </a:blip>
+          <a:stretch>
+            <a:fillRect/>
+          </a:stretch>
+        </p:blipFill>
+        <p:spPr>
+          <a:xfrm>
+            <a:off x="1905842" y="3948209"/>
+            <a:ext cx="8010525" cy="2676525"/>
+          </a:xfrm>
+          <a:prstGeom prst="rect">
+            <a:avLst/>
+          </a:prstGeom>
+        </p:spPr>
+      </p:pic>
+    </p:spTree>
+    <p:extLst>
+      <p:ext uri="{BB962C8B-B14F-4D97-AF65-F5344CB8AC3E}">
+        <p14:creationId xmlns:p14="http://schemas.microsoft.com/office/powerpoint/2010/main" val="525679394"/>
+      </p:ext>
+    </p:extLst>
+  </p:cSld>
+  <p:clrMapOvr>
+    <a:masterClrMapping/>
+  </p:clrMapOvr>
+  <p:timing>
+    <p:tnLst>
+      <p:par>
+        <p:cTn id="1" dur="indefinite" restart="never" nodeType="tmRoot"/>
+      </p:par>
+    </p:tnLst>
+  </p:timing>
+</p:sld>
+</file>
+
+<file path=ppt/slides/slide11.xml><?xml version="1.0" encoding="utf-8"?>
+<p:sld xmlns:a="http://schemas.openxmlformats.org/drawingml/2006/main" xmlns:r="http://schemas.openxmlformats.org/officeDocument/2006/relationships" xmlns:p="http://schemas.openxmlformats.org/presentationml/2006/main">
+  <p:cSld>
+    <p:spTree>
+      <p:nvGrpSpPr>
+        <p:cNvPr id="1" name=""/>
+        <p:cNvGrpSpPr/>
+        <p:nvPr/>
+      </p:nvGrpSpPr>
+      <p:grpSpPr>
+        <a:xfrm>
+          <a:off x="0" y="0"/>
+          <a:ext cx="0" cy="0"/>
+          <a:chOff x="0" y="0"/>
+          <a:chExt cx="0" cy="0"/>
+        </a:xfrm>
+      </p:grpSpPr>
+      <p:sp>
+        <p:nvSpPr>
+          <p:cNvPr id="2" name="Title 1"/>
+          <p:cNvSpPr>
+            <a:spLocks noGrp="1"/>
+          </p:cNvSpPr>
+          <p:nvPr>
+            <p:ph type="title"/>
+          </p:nvPr>
+        </p:nvSpPr>
+        <p:spPr/>
+        <p:txBody>
+          <a:bodyPr/>
+          <a:lstStyle/>
+          <a:p>
+            <a:pPr algn="ctr"/>
+            <a:r>
+              <a:rPr lang="bg-BG" dirty="0" smtClean="0">
+                <a:latin typeface="Arial" panose="020B0604020202020204" pitchFamily="34" charset="0"/>
+                <a:cs typeface="Arial" panose="020B0604020202020204" pitchFamily="34" charset="0"/>
+              </a:rPr>
+              <a:t>Какво е </a:t>
+            </a:r>
+            <a:r>
+              <a:rPr lang="en-US" dirty="0" smtClean="0">
+                <a:solidFill>
+                  <a:srgbClr val="FFFF00"/>
+                </a:solidFill>
+                <a:latin typeface="Arial" panose="020B0604020202020204" pitchFamily="34" charset="0"/>
+                <a:cs typeface="Arial" panose="020B0604020202020204" pitchFamily="34" charset="0"/>
+              </a:rPr>
+              <a:t>IDE</a:t>
+            </a:r>
+            <a:r>
+              <a:rPr lang="en-US" dirty="0" smtClean="0">
+                <a:latin typeface="Arial" panose="020B0604020202020204" pitchFamily="34" charset="0"/>
+                <a:cs typeface="Arial" panose="020B0604020202020204" pitchFamily="34" charset="0"/>
+              </a:rPr>
+              <a:t>?</a:t>
             </a:r>
             <a:endParaRPr lang="en-US" dirty="0">
               <a:latin typeface="Arial" panose="020B0604020202020204" pitchFamily="34" charset="0"/>
@@ -13896,7 +14120,7 @@
         </p:spPr>
         <p:txBody>
           <a:bodyPr>
-            <a:normAutofit/>
+            <a:normAutofit lnSpcReduction="10000"/>
           </a:bodyPr>
           <a:lstStyle/>
           <a:p>
@@ -13926,17 +14150,123 @@
                 <a:latin typeface="Arial" panose="020B0604020202020204" pitchFamily="34" charset="0"/>
                 <a:cs typeface="Arial" panose="020B0604020202020204" pitchFamily="34" charset="0"/>
               </a:rPr>
-              <a:t> is software that helps us to write/debug/run our source more easily and to create our final programs in better way.</a:t>
-            </a:r>
-          </a:p>
-          <a:p>
+              <a:t> </a:t>
+            </a:r>
+            <a:r>
+              <a:rPr lang="bg-BG" sz="2000" dirty="0" smtClean="0">
+                <a:latin typeface="Arial" panose="020B0604020202020204" pitchFamily="34" charset="0"/>
+                <a:cs typeface="Arial" panose="020B0604020202020204" pitchFamily="34" charset="0"/>
+              </a:rPr>
+              <a:t>е софтуер, който ни позволява</a:t>
+            </a:r>
             <a:r>
               <a:rPr lang="en-US" sz="2000" dirty="0" smtClean="0">
                 <a:latin typeface="Arial" panose="020B0604020202020204" pitchFamily="34" charset="0"/>
                 <a:cs typeface="Arial" panose="020B0604020202020204" pitchFamily="34" charset="0"/>
               </a:rPr>
-              <a:t>An IDE typically consists of:</a:t>
-            </a:r>
+              <a:t> </a:t>
+            </a:r>
+            <a:r>
+              <a:rPr lang="bg-BG" sz="2000" dirty="0" smtClean="0">
+                <a:latin typeface="Arial" panose="020B0604020202020204" pitchFamily="34" charset="0"/>
+                <a:cs typeface="Arial" panose="020B0604020202020204" pitchFamily="34" charset="0"/>
+              </a:rPr>
+              <a:t>да</a:t>
+            </a:r>
+            <a:r>
+              <a:rPr lang="en-US" sz="2000" dirty="0" smtClean="0">
+                <a:latin typeface="Arial" panose="020B0604020202020204" pitchFamily="34" charset="0"/>
+                <a:cs typeface="Arial" panose="020B0604020202020204" pitchFamily="34" charset="0"/>
+              </a:rPr>
+              <a:t> </a:t>
+            </a:r>
+            <a:r>
+              <a:rPr lang="bg-BG" sz="2000" dirty="0" smtClean="0">
+                <a:latin typeface="Arial" panose="020B0604020202020204" pitchFamily="34" charset="0"/>
+                <a:cs typeface="Arial" panose="020B0604020202020204" pitchFamily="34" charset="0"/>
+              </a:rPr>
+              <a:t>пишем</a:t>
+            </a:r>
+            <a:r>
+              <a:rPr lang="en-US" sz="2000" dirty="0" smtClean="0">
+                <a:latin typeface="Arial" panose="020B0604020202020204" pitchFamily="34" charset="0"/>
+                <a:cs typeface="Arial" panose="020B0604020202020204" pitchFamily="34" charset="0"/>
+              </a:rPr>
+              <a:t>/</a:t>
+            </a:r>
+            <a:r>
+              <a:rPr lang="bg-BG" sz="2000" dirty="0" smtClean="0">
+                <a:latin typeface="Arial" panose="020B0604020202020204" pitchFamily="34" charset="0"/>
+                <a:cs typeface="Arial" panose="020B0604020202020204" pitchFamily="34" charset="0"/>
+              </a:rPr>
+              <a:t>дебъгваме</a:t>
+            </a:r>
+            <a:r>
+              <a:rPr lang="en-US" sz="2000" dirty="0" smtClean="0">
+                <a:latin typeface="Arial" panose="020B0604020202020204" pitchFamily="34" charset="0"/>
+                <a:cs typeface="Arial" panose="020B0604020202020204" pitchFamily="34" charset="0"/>
+              </a:rPr>
+              <a:t>/</a:t>
+            </a:r>
+            <a:r>
+              <a:rPr lang="bg-BG" sz="2000" dirty="0" smtClean="0">
+                <a:latin typeface="Arial" panose="020B0604020202020204" pitchFamily="34" charset="0"/>
+                <a:cs typeface="Arial" panose="020B0604020202020204" pitchFamily="34" charset="0"/>
+              </a:rPr>
+              <a:t>изпълняваме</a:t>
+            </a:r>
+            <a:r>
+              <a:rPr lang="en-US" sz="2000" dirty="0" smtClean="0">
+                <a:latin typeface="Arial" panose="020B0604020202020204" pitchFamily="34" charset="0"/>
+                <a:cs typeface="Arial" panose="020B0604020202020204" pitchFamily="34" charset="0"/>
+              </a:rPr>
+              <a:t> </a:t>
+            </a:r>
+            <a:r>
+              <a:rPr lang="bg-BG" sz="2000" dirty="0" smtClean="0">
+                <a:latin typeface="Arial" panose="020B0604020202020204" pitchFamily="34" charset="0"/>
+                <a:cs typeface="Arial" panose="020B0604020202020204" pitchFamily="34" charset="0"/>
+              </a:rPr>
+              <a:t>нашият код по-лесно и да създаваме нашите порграми по по-добър начин</a:t>
+            </a:r>
+            <a:r>
+              <a:rPr lang="en-US" sz="2000" dirty="0" smtClean="0">
+                <a:latin typeface="Arial" panose="020B0604020202020204" pitchFamily="34" charset="0"/>
+                <a:cs typeface="Arial" panose="020B0604020202020204" pitchFamily="34" charset="0"/>
+              </a:rPr>
+              <a:t>.</a:t>
+            </a:r>
+            <a:endParaRPr lang="en-US" sz="2000" dirty="0" smtClean="0">
+              <a:latin typeface="Arial" panose="020B0604020202020204" pitchFamily="34" charset="0"/>
+              <a:cs typeface="Arial" panose="020B0604020202020204" pitchFamily="34" charset="0"/>
+            </a:endParaRPr>
+          </a:p>
+          <a:p>
+            <a:r>
+              <a:rPr lang="en-US" sz="2000" dirty="0" smtClean="0">
+                <a:latin typeface="Arial" panose="020B0604020202020204" pitchFamily="34" charset="0"/>
+                <a:cs typeface="Arial" panose="020B0604020202020204" pitchFamily="34" charset="0"/>
+              </a:rPr>
+              <a:t>IDE </a:t>
+            </a:r>
+            <a:r>
+              <a:rPr lang="bg-BG" sz="2000" dirty="0" smtClean="0">
+                <a:latin typeface="Arial" panose="020B0604020202020204" pitchFamily="34" charset="0"/>
+                <a:cs typeface="Arial" panose="020B0604020202020204" pitchFamily="34" charset="0"/>
+              </a:rPr>
+              <a:t>съдържа главно</a:t>
+            </a:r>
+            <a:r>
+              <a:rPr lang="en-US" sz="2000" dirty="0" smtClean="0">
+                <a:latin typeface="Arial" panose="020B0604020202020204" pitchFamily="34" charset="0"/>
+                <a:cs typeface="Arial" panose="020B0604020202020204" pitchFamily="34" charset="0"/>
+              </a:rPr>
+              <a:t>:</a:t>
+            </a:r>
+            <a:endParaRPr lang="en-US" sz="2000" dirty="0" smtClean="0">
+              <a:latin typeface="Arial" panose="020B0604020202020204" pitchFamily="34" charset="0"/>
+              <a:cs typeface="Arial" panose="020B0604020202020204" pitchFamily="34" charset="0"/>
+            </a:endParaRPr>
           </a:p>
           <a:p>
             <a:pPr lvl="1"/>
@@ -13945,8 +14275,19 @@
                 <a:latin typeface="Arial" panose="020B0604020202020204" pitchFamily="34" charset="0"/>
                 <a:cs typeface="Arial" panose="020B0604020202020204" pitchFamily="34" charset="0"/>
               </a:rPr>
-              <a:t>Source Code Editor</a:t>
-            </a:r>
+              <a:t>Source Code </a:t>
+            </a:r>
+            <a:r>
+              <a:rPr lang="bg-BG" sz="1800" dirty="0" smtClean="0">
+                <a:latin typeface="Arial" panose="020B0604020202020204" pitchFamily="34" charset="0"/>
+                <a:cs typeface="Arial" panose="020B0604020202020204" pitchFamily="34" charset="0"/>
+              </a:rPr>
+              <a:t>редактор</a:t>
+            </a:r>
+            <a:endParaRPr lang="en-US" sz="1800" dirty="0" smtClean="0">
+              <a:latin typeface="Arial" panose="020B0604020202020204" pitchFamily="34" charset="0"/>
+              <a:cs typeface="Arial" panose="020B0604020202020204" pitchFamily="34" charset="0"/>
+            </a:endParaRPr>
           </a:p>
           <a:p>
             <a:pPr lvl="1"/>
@@ -13961,12 +14302,16 @@
           <a:p>
             <a:pPr lvl="1"/>
             <a:r>
-              <a:rPr lang="en-US" sz="1800" dirty="0" smtClean="0">
-                <a:latin typeface="Arial" panose="020B0604020202020204" pitchFamily="34" charset="0"/>
-                <a:cs typeface="Arial" panose="020B0604020202020204" pitchFamily="34" charset="0"/>
-              </a:rPr>
-              <a:t>Debugger</a:t>
-            </a:r>
+              <a:rPr lang="bg-BG" sz="1800" dirty="0" smtClean="0">
+                <a:latin typeface="Arial" panose="020B0604020202020204" pitchFamily="34" charset="0"/>
+                <a:cs typeface="Arial" panose="020B0604020202020204" pitchFamily="34" charset="0"/>
+              </a:rPr>
+              <a:t>Дебъгер</a:t>
+            </a:r>
+            <a:endParaRPr lang="en-US" sz="1800" dirty="0" smtClean="0">
+              <a:latin typeface="Arial" panose="020B0604020202020204" pitchFamily="34" charset="0"/>
+              <a:cs typeface="Arial" panose="020B0604020202020204" pitchFamily="34" charset="0"/>
+            </a:endParaRPr>
           </a:p>
           <a:p>
             <a:pPr marL="0" indent="0">
@@ -14095,7 +14440,7 @@
 </p:sld>
 </file>
 
-<file path=ppt/slides/slide11.xml><?xml version="1.0" encoding="utf-8"?>
+<file path=ppt/slides/slide12.xml><?xml version="1.0" encoding="utf-8"?>
 <p:sld xmlns:a="http://schemas.openxmlformats.org/drawingml/2006/main" xmlns:r="http://schemas.openxmlformats.org/officeDocument/2006/relationships" xmlns:p="http://schemas.openxmlformats.org/presentationml/2006/main">
   <p:cSld>
     <p:spTree>
@@ -14129,18 +14474,51 @@
           <a:p>
             <a:pPr algn="ctr"/>
             <a:r>
-              <a:rPr lang="en-US" dirty="0" smtClean="0"/>
+              <a:rPr lang="en-US" dirty="0" smtClean="0">
+                <a:latin typeface="Arial" panose="020B0604020202020204" pitchFamily="34" charset="0"/>
+                <a:cs typeface="Arial" panose="020B0604020202020204" pitchFamily="34" charset="0"/>
+              </a:rPr>
               <a:t>Visual Studio</a:t>
             </a:r>
             <a:r>
-              <a:rPr lang="bg-BG" dirty="0" smtClean="0"/>
+              <a:rPr lang="bg-BG" dirty="0" smtClean="0">
+                <a:latin typeface="Arial" panose="020B0604020202020204" pitchFamily="34" charset="0"/>
+                <a:cs typeface="Arial" panose="020B0604020202020204" pitchFamily="34" charset="0"/>
+              </a:rPr>
               <a:t> 2022</a:t>
             </a:r>
             <a:r>
-              <a:rPr lang="en-US" dirty="0" smtClean="0"/>
-              <a:t> /installation/</a:t>
-            </a:r>
-            <a:endParaRPr lang="en-US" dirty="0"/>
+              <a:rPr lang="en-US" dirty="0" smtClean="0">
+                <a:latin typeface="Arial" panose="020B0604020202020204" pitchFamily="34" charset="0"/>
+                <a:cs typeface="Arial" panose="020B0604020202020204" pitchFamily="34" charset="0"/>
+              </a:rPr>
+              <a:t> </a:t>
+            </a:r>
+            <a:r>
+              <a:rPr lang="en-US" dirty="0" smtClean="0">
+                <a:latin typeface="Arial" panose="020B0604020202020204" pitchFamily="34" charset="0"/>
+                <a:cs typeface="Arial" panose="020B0604020202020204" pitchFamily="34" charset="0"/>
+              </a:rPr>
+              <a:t>/</a:t>
+            </a:r>
+            <a:r>
+              <a:rPr lang="bg-BG" dirty="0" smtClean="0">
+                <a:latin typeface="Arial" panose="020B0604020202020204" pitchFamily="34" charset="0"/>
+                <a:cs typeface="Arial" panose="020B0604020202020204" pitchFamily="34" charset="0"/>
+              </a:rPr>
+              <a:t>инсталация</a:t>
+            </a:r>
+            <a:r>
+              <a:rPr lang="en-US" dirty="0" smtClean="0">
+                <a:latin typeface="Arial" panose="020B0604020202020204" pitchFamily="34" charset="0"/>
+                <a:cs typeface="Arial" panose="020B0604020202020204" pitchFamily="34" charset="0"/>
+              </a:rPr>
+              <a:t>/</a:t>
+            </a:r>
+            <a:endParaRPr lang="en-US" dirty="0">
+              <a:latin typeface="Arial" panose="020B0604020202020204" pitchFamily="34" charset="0"/>
+              <a:cs typeface="Arial" panose="020B0604020202020204" pitchFamily="34" charset="0"/>
+            </a:endParaRPr>
           </a:p>
         </p:txBody>
       </p:sp>
@@ -14193,7 +14571,7 @@
 </p:sld>
 </file>
 
-<file path=ppt/slides/slide12.xml><?xml version="1.0" encoding="utf-8"?>
+<file path=ppt/slides/slide13.xml><?xml version="1.0" encoding="utf-8"?>
 <p:sld xmlns:a="http://schemas.openxmlformats.org/drawingml/2006/main" xmlns:r="http://schemas.openxmlformats.org/officeDocument/2006/relationships" xmlns:p="http://schemas.openxmlformats.org/presentationml/2006/main">
   <p:cSld>
     <p:spTree>
@@ -14227,11 +14605,175 @@
           <a:p>
             <a:pPr algn="ctr"/>
             <a:r>
+              <a:rPr lang="bg-BG" dirty="0" smtClean="0">
+                <a:latin typeface="Arial" panose="020B0604020202020204" pitchFamily="34" charset="0"/>
+                <a:cs typeface="Arial" panose="020B0604020202020204" pitchFamily="34" charset="0"/>
+              </a:rPr>
+              <a:t>Архитектура</a:t>
+            </a:r>
+            <a:r>
               <a:rPr lang="en-US" dirty="0" smtClean="0">
                 <a:latin typeface="Arial" panose="020B0604020202020204" pitchFamily="34" charset="0"/>
                 <a:cs typeface="Arial" panose="020B0604020202020204" pitchFamily="34" charset="0"/>
               </a:rPr>
+              <a:t> </a:t>
+            </a:r>
+            <a:r>
+              <a:rPr lang="bg-BG" dirty="0" smtClean="0">
+                <a:latin typeface="Arial" panose="020B0604020202020204" pitchFamily="34" charset="0"/>
+                <a:cs typeface="Arial" panose="020B0604020202020204" pitchFamily="34" charset="0"/>
+              </a:rPr>
+              <a:t>на</a:t>
+            </a:r>
+            <a:r>
+              <a:rPr lang="en-US" dirty="0" smtClean="0">
+                <a:latin typeface="Arial" panose="020B0604020202020204" pitchFamily="34" charset="0"/>
+                <a:cs typeface="Arial" panose="020B0604020202020204" pitchFamily="34" charset="0"/>
+              </a:rPr>
+              <a:t> </a:t>
+            </a:r>
+            <a:r>
+              <a:rPr lang="en-US" dirty="0" smtClean="0">
+                <a:latin typeface="Arial" panose="020B0604020202020204" pitchFamily="34" charset="0"/>
+                <a:cs typeface="Arial" panose="020B0604020202020204" pitchFamily="34" charset="0"/>
+              </a:rPr>
+              <a:t>.NET </a:t>
+            </a:r>
+            <a:r>
+              <a:rPr lang="bg-BG" dirty="0" smtClean="0">
+                <a:latin typeface="Arial" panose="020B0604020202020204" pitchFamily="34" charset="0"/>
+                <a:cs typeface="Arial" panose="020B0604020202020204" pitchFamily="34" charset="0"/>
+              </a:rPr>
+              <a:t>приложенията</a:t>
+            </a:r>
+            <a:endParaRPr lang="en-US" dirty="0">
+              <a:latin typeface="Arial" panose="020B0604020202020204" pitchFamily="34" charset="0"/>
+              <a:cs typeface="Arial" panose="020B0604020202020204" pitchFamily="34" charset="0"/>
+            </a:endParaRPr>
+          </a:p>
+        </p:txBody>
+      </p:sp>
+      <p:pic>
+        <p:nvPicPr>
+          <p:cNvPr id="9" name="Content Placeholder 8"/>
+          <p:cNvPicPr>
+            <a:picLocks noGrp="1" noChangeAspect="1"/>
+          </p:cNvPicPr>
+          <p:nvPr>
+            <p:ph idx="1"/>
+          </p:nvPr>
+        </p:nvPicPr>
+        <p:blipFill>
+          <a:blip r:embed="rId2">
+            <a:extLst>
+              <a:ext uri="{28A0092B-C50C-407E-A947-70E740481C1C}">
+                <a14:useLocalDpi xmlns:a14="http://schemas.microsoft.com/office/drawing/2010/main" val="0"/>
+              </a:ext>
+            </a:extLst>
+          </a:blip>
+          <a:stretch>
+            <a:fillRect/>
+          </a:stretch>
+        </p:blipFill>
+        <p:spPr>
+          <a:xfrm>
+            <a:off x="706842" y="2622161"/>
+            <a:ext cx="5187950" cy="3416300"/>
+          </a:xfrm>
+        </p:spPr>
+      </p:pic>
+      <p:pic>
+        <p:nvPicPr>
+          <p:cNvPr id="10" name="Picture 9"/>
+          <p:cNvPicPr>
+            <a:picLocks noChangeAspect="1"/>
+          </p:cNvPicPr>
+          <p:nvPr/>
+        </p:nvPicPr>
+        <p:blipFill>
+          <a:blip r:embed="rId3">
+            <a:extLst>
+              <a:ext uri="{28A0092B-C50C-407E-A947-70E740481C1C}">
+                <a14:useLocalDpi xmlns:a14="http://schemas.microsoft.com/office/drawing/2010/main" val="0"/>
+              </a:ext>
+            </a:extLst>
+          </a:blip>
+          <a:stretch>
+            <a:fillRect/>
+          </a:stretch>
+        </p:blipFill>
+        <p:spPr>
+          <a:xfrm>
+            <a:off x="6331753" y="2622161"/>
+            <a:ext cx="5032933" cy="3484882"/>
+          </a:xfrm>
+          <a:prstGeom prst="rect">
+            <a:avLst/>
+          </a:prstGeom>
+        </p:spPr>
+      </p:pic>
+    </p:spTree>
+    <p:extLst>
+      <p:ext uri="{BB962C8B-B14F-4D97-AF65-F5344CB8AC3E}">
+        <p14:creationId xmlns:p14="http://schemas.microsoft.com/office/powerpoint/2010/main" val="1497267301"/>
+      </p:ext>
+    </p:extLst>
+  </p:cSld>
+  <p:clrMapOvr>
+    <a:masterClrMapping/>
+  </p:clrMapOvr>
+</p:sld>
+</file>
+
+<file path=ppt/slides/slide14.xml><?xml version="1.0" encoding="utf-8"?>
+<p:sld xmlns:a="http://schemas.openxmlformats.org/drawingml/2006/main" xmlns:r="http://schemas.openxmlformats.org/officeDocument/2006/relationships" xmlns:p="http://schemas.openxmlformats.org/presentationml/2006/main">
+  <p:cSld>
+    <p:spTree>
+      <p:nvGrpSpPr>
+        <p:cNvPr id="1" name=""/>
+        <p:cNvGrpSpPr/>
+        <p:nvPr/>
+      </p:nvGrpSpPr>
+      <p:grpSpPr>
+        <a:xfrm>
+          <a:off x="0" y="0"/>
+          <a:ext cx="0" cy="0"/>
+          <a:chOff x="0" y="0"/>
+          <a:chExt cx="0" cy="0"/>
+        </a:xfrm>
+      </p:grpSpPr>
+      <p:sp>
+        <p:nvSpPr>
+          <p:cNvPr id="2" name="Title 1"/>
+          <p:cNvSpPr>
+            <a:spLocks noGrp="1"/>
+          </p:cNvSpPr>
+          <p:nvPr>
+            <p:ph type="title"/>
+          </p:nvPr>
+        </p:nvSpPr>
+        <p:spPr/>
+        <p:txBody>
+          <a:bodyPr/>
+          <a:lstStyle/>
+          <a:p>
+            <a:pPr algn="ctr"/>
+            <a:r>
+              <a:rPr lang="en-US" dirty="0" smtClean="0">
+                <a:latin typeface="Arial" panose="020B0604020202020204" pitchFamily="34" charset="0"/>
+                <a:cs typeface="Arial" panose="020B0604020202020204" pitchFamily="34" charset="0"/>
+              </a:rPr>
               <a:t>C# </a:t>
+            </a:r>
+            <a:r>
+              <a:rPr lang="bg-BG" dirty="0" smtClean="0">
+                <a:solidFill>
+                  <a:srgbClr val="FFFF00"/>
+                </a:solidFill>
+                <a:latin typeface="Arial" panose="020B0604020202020204" pitchFamily="34" charset="0"/>
+                <a:cs typeface="Arial" panose="020B0604020202020204" pitchFamily="34" charset="0"/>
+              </a:rPr>
+              <a:t>променливи</a:t>
             </a:r>
             <a:r>
               <a:rPr lang="en-US" dirty="0" smtClean="0">
@@ -14241,7 +14783,7 @@
                 <a:latin typeface="Arial" panose="020B0604020202020204" pitchFamily="34" charset="0"/>
                 <a:cs typeface="Arial" panose="020B0604020202020204" pitchFamily="34" charset="0"/>
               </a:rPr>
-              <a:t>variables</a:t>
+              <a:t> (variables)</a:t>
             </a:r>
             <a:endParaRPr lang="en-US" dirty="0">
               <a:solidFill>
@@ -14270,55 +14812,107 @@
           </a:xfrm>
         </p:spPr>
         <p:txBody>
-          <a:bodyPr/>
+          <a:bodyPr>
+            <a:normAutofit fontScale="92500" lnSpcReduction="10000"/>
+          </a:bodyPr>
           <a:lstStyle/>
           <a:p>
             <a:r>
+              <a:rPr lang="bg-BG" sz="2000" dirty="0" smtClean="0">
+                <a:latin typeface="Arial" panose="020B0604020202020204" pitchFamily="34" charset="0"/>
+                <a:cs typeface="Arial" panose="020B0604020202020204" pitchFamily="34" charset="0"/>
+              </a:rPr>
+              <a:t>Променливите са контейнери за съхранение на различни типове данни</a:t>
+            </a:r>
+            <a:r>
               <a:rPr lang="en-US" sz="2000" dirty="0" smtClean="0">
                 <a:latin typeface="Arial" panose="020B0604020202020204" pitchFamily="34" charset="0"/>
                 <a:cs typeface="Arial" panose="020B0604020202020204" pitchFamily="34" charset="0"/>
               </a:rPr>
-              <a:t>Variables are containers for storing of data values.</a:t>
-            </a:r>
-          </a:p>
-          <a:p>
+              <a:t>.</a:t>
+            </a:r>
+            <a:endParaRPr lang="en-US" sz="2000" dirty="0" smtClean="0">
+              <a:latin typeface="Arial" panose="020B0604020202020204" pitchFamily="34" charset="0"/>
+              <a:cs typeface="Arial" panose="020B0604020202020204" pitchFamily="34" charset="0"/>
+            </a:endParaRPr>
+          </a:p>
+          <a:p>
+            <a:r>
+              <a:rPr lang="bg-BG" sz="2000" dirty="0" smtClean="0">
+                <a:latin typeface="Arial" panose="020B0604020202020204" pitchFamily="34" charset="0"/>
+                <a:cs typeface="Arial" panose="020B0604020202020204" pitchFamily="34" charset="0"/>
+              </a:rPr>
+              <a:t>В</a:t>
+            </a:r>
             <a:r>
               <a:rPr lang="en-US" sz="2000" dirty="0" smtClean="0">
                 <a:latin typeface="Arial" panose="020B0604020202020204" pitchFamily="34" charset="0"/>
                 <a:cs typeface="Arial" panose="020B0604020202020204" pitchFamily="34" charset="0"/>
               </a:rPr>
-              <a:t>In </a:t>
+              <a:t> </a:t>
             </a:r>
             <a:r>
               <a:rPr lang="en-US" sz="2000" b="1" dirty="0" smtClean="0">
                 <a:latin typeface="Arial" panose="020B0604020202020204" pitchFamily="34" charset="0"/>
                 <a:cs typeface="Arial" panose="020B0604020202020204" pitchFamily="34" charset="0"/>
               </a:rPr>
-              <a:t>C#</a:t>
+              <a:t>C</a:t>
+            </a:r>
+            <a:r>
+              <a:rPr lang="en-US" sz="2000" b="1" dirty="0" smtClean="0">
+                <a:latin typeface="Arial" panose="020B0604020202020204" pitchFamily="34" charset="0"/>
+                <a:cs typeface="Arial" panose="020B0604020202020204" pitchFamily="34" charset="0"/>
+              </a:rPr>
+              <a:t>#</a:t>
             </a:r>
             <a:r>
               <a:rPr lang="en-US" sz="2000" dirty="0" smtClean="0">
                 <a:latin typeface="Arial" panose="020B0604020202020204" pitchFamily="34" charset="0"/>
                 <a:cs typeface="Arial" panose="020B0604020202020204" pitchFamily="34" charset="0"/>
               </a:rPr>
-              <a:t>, there are different types of variables (defined with different keywords</a:t>
+              <a:t>,</a:t>
+            </a:r>
+            <a:r>
+              <a:rPr lang="bg-BG" sz="2000" dirty="0" smtClean="0">
+                <a:latin typeface="Arial" panose="020B0604020202020204" pitchFamily="34" charset="0"/>
+                <a:cs typeface="Arial" panose="020B0604020202020204" pitchFamily="34" charset="0"/>
+              </a:rPr>
+              <a:t> има различни типове променливи</a:t>
+            </a:r>
+          </a:p>
+          <a:p>
+            <a:r>
+              <a:rPr lang="bg-BG" sz="2000" dirty="0" smtClean="0">
+                <a:latin typeface="Arial" panose="020B0604020202020204" pitchFamily="34" charset="0"/>
+                <a:cs typeface="Arial" panose="020B0604020202020204" pitchFamily="34" charset="0"/>
+              </a:rPr>
+              <a:t>Примери за променливи (</a:t>
             </a:r>
             <a:r>
               <a:rPr lang="en-US" sz="2000" dirty="0" smtClean="0">
                 <a:latin typeface="Arial" panose="020B0604020202020204" pitchFamily="34" charset="0"/>
                 <a:cs typeface="Arial" panose="020B0604020202020204" pitchFamily="34" charset="0"/>
               </a:rPr>
-              <a:t>).</a:t>
-            </a:r>
-          </a:p>
-          <a:p>
+              <a:t>variables</a:t>
+            </a:r>
+            <a:r>
+              <a:rPr lang="bg-BG" sz="2000" dirty="0" smtClean="0">
+                <a:latin typeface="Arial" panose="020B0604020202020204" pitchFamily="34" charset="0"/>
+                <a:cs typeface="Arial" panose="020B0604020202020204" pitchFamily="34" charset="0"/>
+              </a:rPr>
+              <a:t>)</a:t>
+            </a:r>
             <a:r>
               <a:rPr lang="en-US" sz="2000" dirty="0" smtClean="0">
                 <a:latin typeface="Arial" panose="020B0604020202020204" pitchFamily="34" charset="0"/>
                 <a:cs typeface="Arial" panose="020B0604020202020204" pitchFamily="34" charset="0"/>
               </a:rPr>
-              <a:t>Examples for variables:</a:t>
-            </a:r>
+              <a:t>:</a:t>
+            </a:r>
+            <a:endParaRPr lang="en-US" sz="2000" dirty="0" smtClean="0">
+              <a:latin typeface="Arial" panose="020B0604020202020204" pitchFamily="34" charset="0"/>
+              <a:cs typeface="Arial" panose="020B0604020202020204" pitchFamily="34" charset="0"/>
+            </a:endParaRPr>
           </a:p>
           <a:p>
             <a:pPr marL="457200" lvl="1" indent="0">
@@ -14347,35 +14941,88 @@
             </a:r>
             <a:r>
               <a:rPr lang="en-US" sz="1800" dirty="0" err="1" smtClean="0">
+                <a:solidFill>
+                  <a:schemeClr val="accent5">
+                    <a:lumMod val="50000"/>
+                  </a:schemeClr>
+                </a:solidFill>
+                <a:latin typeface="Arial" panose="020B0604020202020204" pitchFamily="34" charset="0"/>
+                <a:cs typeface="Arial" panose="020B0604020202020204" pitchFamily="34" charset="0"/>
+              </a:rPr>
+              <a:t>firstName</a:t>
+            </a:r>
+            <a:r>
+              <a:rPr lang="en-US" sz="1800" dirty="0" smtClean="0">
+                <a:latin typeface="Arial" panose="020B0604020202020204" pitchFamily="34" charset="0"/>
+                <a:cs typeface="Arial" panose="020B0604020202020204" pitchFamily="34" charset="0"/>
+              </a:rPr>
+              <a:t> = “</a:t>
+            </a:r>
+            <a:r>
+              <a:rPr lang="en-US" sz="1800" dirty="0" err="1" smtClean="0">
+                <a:latin typeface="Arial" panose="020B0604020202020204" pitchFamily="34" charset="0"/>
+                <a:cs typeface="Arial" panose="020B0604020202020204" pitchFamily="34" charset="0"/>
+              </a:rPr>
+              <a:t>Velizar</a:t>
+            </a:r>
+            <a:r>
+              <a:rPr lang="en-US" sz="1800" dirty="0" smtClean="0">
+                <a:latin typeface="Arial" panose="020B0604020202020204" pitchFamily="34" charset="0"/>
+                <a:cs typeface="Arial" panose="020B0604020202020204" pitchFamily="34" charset="0"/>
+              </a:rPr>
+              <a:t>”;  </a:t>
+            </a:r>
+            <a:r>
+              <a:rPr lang="en-US" sz="1800" dirty="0" smtClean="0">
                 <a:solidFill>
                   <a:srgbClr val="00B050"/>
                 </a:solidFill>
                 <a:latin typeface="Arial" panose="020B0604020202020204" pitchFamily="34" charset="0"/>
                 <a:cs typeface="Arial" panose="020B0604020202020204" pitchFamily="34" charset="0"/>
               </a:rPr>
-              <a:t>firstName</a:t>
-            </a:r>
-            <a:r>
-              <a:rPr lang="en-US" sz="1800" dirty="0" smtClean="0">
-                <a:latin typeface="Arial" panose="020B0604020202020204" pitchFamily="34" charset="0"/>
-                <a:cs typeface="Arial" panose="020B0604020202020204" pitchFamily="34" charset="0"/>
-              </a:rPr>
-              <a:t> = “</a:t>
-            </a:r>
-            <a:r>
-              <a:rPr lang="en-US" sz="1800" dirty="0" err="1" smtClean="0">
-                <a:latin typeface="Arial" panose="020B0604020202020204" pitchFamily="34" charset="0"/>
-                <a:cs typeface="Arial" panose="020B0604020202020204" pitchFamily="34" charset="0"/>
-              </a:rPr>
-              <a:t>Velizar</a:t>
-            </a:r>
-            <a:r>
-              <a:rPr lang="en-US" sz="1800" dirty="0" smtClean="0">
-                <a:latin typeface="Arial" panose="020B0604020202020204" pitchFamily="34" charset="0"/>
-                <a:cs typeface="Arial" panose="020B0604020202020204" pitchFamily="34" charset="0"/>
-              </a:rPr>
-              <a:t>”;  //valid variable name</a:t>
-            </a:r>
+              <a:t>//</a:t>
+            </a:r>
+            <a:r>
+              <a:rPr lang="bg-BG" sz="1800" dirty="0">
+                <a:solidFill>
+                  <a:schemeClr val="accent5">
+                    <a:lumMod val="50000"/>
+                  </a:schemeClr>
+                </a:solidFill>
+                <a:latin typeface="Arial" panose="020B0604020202020204" pitchFamily="34" charset="0"/>
+                <a:cs typeface="Arial" panose="020B0604020202020204" pitchFamily="34" charset="0"/>
+              </a:rPr>
+              <a:t>В</a:t>
+            </a:r>
+            <a:r>
+              <a:rPr lang="bg-BG" sz="1800" dirty="0" smtClean="0">
+                <a:solidFill>
+                  <a:schemeClr val="accent5">
+                    <a:lumMod val="50000"/>
+                  </a:schemeClr>
+                </a:solidFill>
+                <a:latin typeface="Arial" panose="020B0604020202020204" pitchFamily="34" charset="0"/>
+                <a:cs typeface="Arial" panose="020B0604020202020204" pitchFamily="34" charset="0"/>
+              </a:rPr>
+              <a:t>алидно</a:t>
+            </a:r>
+            <a:r>
+              <a:rPr lang="bg-BG" sz="1800" dirty="0" smtClean="0">
+                <a:solidFill>
+                  <a:srgbClr val="00B050"/>
+                </a:solidFill>
+                <a:latin typeface="Arial" panose="020B0604020202020204" pitchFamily="34" charset="0"/>
+                <a:cs typeface="Arial" panose="020B0604020202020204" pitchFamily="34" charset="0"/>
+              </a:rPr>
+              <a:t> име на променлива</a:t>
+            </a:r>
+            <a:endParaRPr lang="en-US" sz="1800" dirty="0" smtClean="0">
+              <a:solidFill>
+                <a:srgbClr val="00B050"/>
+              </a:solidFill>
+              <a:latin typeface="Arial" panose="020B0604020202020204" pitchFamily="34" charset="0"/>
+              <a:cs typeface="Arial" panose="020B0604020202020204" pitchFamily="34" charset="0"/>
+            </a:endParaRPr>
           </a:p>
           <a:p>
             <a:pPr marL="457200" lvl="1" indent="0">
@@ -14417,8 +15064,55 @@
                 <a:latin typeface="Arial" panose="020B0604020202020204" pitchFamily="34" charset="0"/>
                 <a:cs typeface="Arial" panose="020B0604020202020204" pitchFamily="34" charset="0"/>
               </a:rPr>
-              <a:t> = “test”;  //Invalid: cannot starts with number</a:t>
-            </a:r>
+              <a:t> = “test”;  </a:t>
+            </a:r>
+            <a:r>
+              <a:rPr lang="en-US" sz="1800" dirty="0" smtClean="0">
+                <a:solidFill>
+                  <a:srgbClr val="00B050"/>
+                </a:solidFill>
+                <a:latin typeface="Arial" panose="020B0604020202020204" pitchFamily="34" charset="0"/>
+                <a:cs typeface="Arial" panose="020B0604020202020204" pitchFamily="34" charset="0"/>
+              </a:rPr>
+              <a:t>//</a:t>
+            </a:r>
+            <a:r>
+              <a:rPr lang="bg-BG" sz="1800" dirty="0" smtClean="0">
+                <a:solidFill>
+                  <a:srgbClr val="FF0000"/>
+                </a:solidFill>
+                <a:latin typeface="Arial" panose="020B0604020202020204" pitchFamily="34" charset="0"/>
+                <a:cs typeface="Arial" panose="020B0604020202020204" pitchFamily="34" charset="0"/>
+              </a:rPr>
+              <a:t>Невалидно</a:t>
+            </a:r>
+            <a:r>
+              <a:rPr lang="en-US" sz="1800" dirty="0" smtClean="0">
+                <a:solidFill>
+                  <a:srgbClr val="00B050"/>
+                </a:solidFill>
+                <a:latin typeface="Arial" panose="020B0604020202020204" pitchFamily="34" charset="0"/>
+                <a:cs typeface="Arial" panose="020B0604020202020204" pitchFamily="34" charset="0"/>
+              </a:rPr>
+              <a:t>: </a:t>
+            </a:r>
+            <a:r>
+              <a:rPr lang="bg-BG" sz="1800" dirty="0" smtClean="0">
+                <a:solidFill>
+                  <a:srgbClr val="00B050"/>
+                </a:solidFill>
+                <a:latin typeface="Arial" panose="020B0604020202020204" pitchFamily="34" charset="0"/>
+                <a:cs typeface="Arial" panose="020B0604020202020204" pitchFamily="34" charset="0"/>
+              </a:rPr>
+              <a:t>не може да стартира с число</a:t>
+            </a:r>
+            <a:endParaRPr lang="en-US" sz="1800" dirty="0" smtClean="0">
+              <a:solidFill>
+                <a:srgbClr val="00B050"/>
+              </a:solidFill>
+              <a:latin typeface="Arial" panose="020B0604020202020204" pitchFamily="34" charset="0"/>
+              <a:cs typeface="Arial" panose="020B0604020202020204" pitchFamily="34" charset="0"/>
+            </a:endParaRPr>
           </a:p>
           <a:p>
             <a:pPr marL="457200" lvl="1" indent="0">
@@ -14460,8 +15154,55 @@
                 <a:latin typeface="Arial" panose="020B0604020202020204" pitchFamily="34" charset="0"/>
                 <a:cs typeface="Arial" panose="020B0604020202020204" pitchFamily="34" charset="0"/>
               </a:rPr>
-              <a:t> = 2; //Invalid: cannot include whitespace</a:t>
-            </a:r>
+              <a:t> = 2; </a:t>
+            </a:r>
+            <a:r>
+              <a:rPr lang="en-US" sz="1800" dirty="0" smtClean="0">
+                <a:solidFill>
+                  <a:srgbClr val="00B050"/>
+                </a:solidFill>
+                <a:latin typeface="Arial" panose="020B0604020202020204" pitchFamily="34" charset="0"/>
+                <a:cs typeface="Arial" panose="020B0604020202020204" pitchFamily="34" charset="0"/>
+              </a:rPr>
+              <a:t>//</a:t>
+            </a:r>
+            <a:r>
+              <a:rPr lang="bg-BG" sz="1800" dirty="0" smtClean="0">
+                <a:solidFill>
+                  <a:srgbClr val="FF0000"/>
+                </a:solidFill>
+                <a:latin typeface="Arial" panose="020B0604020202020204" pitchFamily="34" charset="0"/>
+                <a:cs typeface="Arial" panose="020B0604020202020204" pitchFamily="34" charset="0"/>
+              </a:rPr>
+              <a:t>Невалидно</a:t>
+            </a:r>
+            <a:r>
+              <a:rPr lang="en-US" sz="1800" dirty="0" smtClean="0">
+                <a:solidFill>
+                  <a:srgbClr val="00B050"/>
+                </a:solidFill>
+                <a:latin typeface="Arial" panose="020B0604020202020204" pitchFamily="34" charset="0"/>
+                <a:cs typeface="Arial" panose="020B0604020202020204" pitchFamily="34" charset="0"/>
+              </a:rPr>
+              <a:t>: </a:t>
+            </a:r>
+            <a:r>
+              <a:rPr lang="bg-BG" sz="1800" dirty="0" smtClean="0">
+                <a:solidFill>
+                  <a:srgbClr val="00B050"/>
+                </a:solidFill>
+                <a:latin typeface="Arial" panose="020B0604020202020204" pitchFamily="34" charset="0"/>
+                <a:cs typeface="Arial" panose="020B0604020202020204" pitchFamily="34" charset="0"/>
+              </a:rPr>
+              <a:t>не може да съдържа прано място</a:t>
+            </a:r>
+            <a:endParaRPr lang="en-US" sz="1800" dirty="0" smtClean="0">
+              <a:solidFill>
+                <a:srgbClr val="00B050"/>
+              </a:solidFill>
+              <a:latin typeface="Arial" panose="020B0604020202020204" pitchFamily="34" charset="0"/>
+              <a:cs typeface="Arial" panose="020B0604020202020204" pitchFamily="34" charset="0"/>
+            </a:endParaRPr>
           </a:p>
           <a:p>
             <a:pPr marL="457200" lvl="1" indent="0">
@@ -14517,69 +15258,140 @@
                 <a:latin typeface="Arial" panose="020B0604020202020204" pitchFamily="34" charset="0"/>
                 <a:cs typeface="Arial" panose="020B0604020202020204" pitchFamily="34" charset="0"/>
               </a:rPr>
-              <a:t>”; //</a:t>
+              <a:t>”; </a:t>
+            </a:r>
+            <a:r>
+              <a:rPr lang="en-US" sz="1800" dirty="0" smtClean="0">
+                <a:latin typeface="Arial" panose="020B0604020202020204" pitchFamily="34" charset="0"/>
+                <a:cs typeface="Arial" panose="020B0604020202020204" pitchFamily="34" charset="0"/>
+              </a:rPr>
+              <a:t>//</a:t>
+            </a:r>
+            <a:r>
+              <a:rPr lang="bg-BG" sz="1800" dirty="0" smtClean="0">
+                <a:solidFill>
+                  <a:schemeClr val="accent5">
+                    <a:lumMod val="50000"/>
+                  </a:schemeClr>
+                </a:solidFill>
+                <a:latin typeface="Arial" panose="020B0604020202020204" pitchFamily="34" charset="0"/>
+                <a:cs typeface="Arial" panose="020B0604020202020204" pitchFamily="34" charset="0"/>
+              </a:rPr>
+              <a:t>Валидно</a:t>
             </a:r>
             <a:r>
               <a:rPr lang="en-US" sz="1800" dirty="0" smtClean="0">
                 <a:solidFill>
-                  <a:srgbClr val="FFC000"/>
+                  <a:srgbClr val="00B050"/>
                 </a:solidFill>
                 <a:latin typeface="Arial" panose="020B0604020202020204" pitchFamily="34" charset="0"/>
                 <a:cs typeface="Arial" panose="020B0604020202020204" pitchFamily="34" charset="0"/>
               </a:rPr>
-              <a:t>Valid</a:t>
+              <a:t>, </a:t>
+            </a:r>
+            <a:r>
+              <a:rPr lang="bg-BG" sz="1800" dirty="0" smtClean="0">
+                <a:solidFill>
+                  <a:srgbClr val="00B050"/>
+                </a:solidFill>
+                <a:latin typeface="Arial" panose="020B0604020202020204" pitchFamily="34" charset="0"/>
+                <a:cs typeface="Arial" panose="020B0604020202020204" pitchFamily="34" charset="0"/>
+              </a:rPr>
+              <a:t>но</a:t>
             </a:r>
             <a:r>
               <a:rPr lang="en-US" sz="1800" dirty="0" smtClean="0">
-                <a:latin typeface="Arial" panose="020B0604020202020204" pitchFamily="34" charset="0"/>
-                <a:cs typeface="Arial" panose="020B0604020202020204" pitchFamily="34" charset="0"/>
-              </a:rPr>
-              <a:t>, but </a:t>
-            </a:r>
-            <a:r>
-              <a:rPr lang="en-US" sz="1800" dirty="0">
+                <a:solidFill>
+                  <a:srgbClr val="00B050"/>
+                </a:solidFill>
+                <a:latin typeface="Arial" panose="020B0604020202020204" pitchFamily="34" charset="0"/>
+                <a:cs typeface="Arial" panose="020B0604020202020204" pitchFamily="34" charset="0"/>
+              </a:rPr>
+              <a:t> </a:t>
+            </a:r>
+            <a:r>
+              <a:rPr lang="bg-BG" sz="1800" dirty="0" smtClean="0">
                 <a:solidFill>
                   <a:srgbClr val="FF0000"/>
                 </a:solidFill>
                 <a:latin typeface="Arial" panose="020B0604020202020204" pitchFamily="34" charset="0"/>
                 <a:cs typeface="Arial" panose="020B0604020202020204" pitchFamily="34" charset="0"/>
               </a:rPr>
-              <a:t>N</a:t>
+              <a:t>Не</a:t>
             </a:r>
             <a:r>
               <a:rPr lang="en-US" sz="1800" dirty="0" smtClean="0">
-                <a:solidFill>
-                  <a:srgbClr val="FF0000"/>
-                </a:solidFill>
-                <a:latin typeface="Arial" panose="020B0604020202020204" pitchFamily="34" charset="0"/>
-                <a:cs typeface="Arial" panose="020B0604020202020204" pitchFamily="34" charset="0"/>
-              </a:rPr>
-              <a:t>ot</a:t>
-            </a:r>
-            <a:r>
-              <a:rPr lang="en-US" sz="1800" dirty="0" smtClean="0">
-                <a:latin typeface="Arial" panose="020B0604020202020204" pitchFamily="34" charset="0"/>
-                <a:cs typeface="Arial" panose="020B0604020202020204" pitchFamily="34" charset="0"/>
-              </a:rPr>
-              <a:t> recommended! Instead of that should be </a:t>
-            </a:r>
-            <a:r>
-              <a:rPr lang="en-US" sz="1800" dirty="0" err="1" smtClean="0">
                 <a:solidFill>
                   <a:srgbClr val="00B050"/>
                 </a:solidFill>
                 <a:latin typeface="Arial" panose="020B0604020202020204" pitchFamily="34" charset="0"/>
                 <a:cs typeface="Arial" panose="020B0604020202020204" pitchFamily="34" charset="0"/>
               </a:rPr>
+              <a:t> </a:t>
+            </a:r>
+            <a:r>
+              <a:rPr lang="bg-BG" sz="1800" dirty="0" smtClean="0">
+                <a:solidFill>
+                  <a:srgbClr val="00B050"/>
+                </a:solidFill>
+                <a:latin typeface="Arial" panose="020B0604020202020204" pitchFamily="34" charset="0"/>
+                <a:cs typeface="Arial" panose="020B0604020202020204" pitchFamily="34" charset="0"/>
+              </a:rPr>
+              <a:t>препоръчително</a:t>
+            </a:r>
+            <a:r>
+              <a:rPr lang="en-US" sz="1800" dirty="0" smtClean="0">
+                <a:solidFill>
+                  <a:srgbClr val="00B050"/>
+                </a:solidFill>
+                <a:latin typeface="Arial" panose="020B0604020202020204" pitchFamily="34" charset="0"/>
+                <a:cs typeface="Arial" panose="020B0604020202020204" pitchFamily="34" charset="0"/>
+              </a:rPr>
+              <a:t>! </a:t>
+            </a:r>
+            <a:r>
+              <a:rPr lang="bg-BG" sz="1800" dirty="0" smtClean="0">
+                <a:solidFill>
+                  <a:srgbClr val="00B050"/>
+                </a:solidFill>
+                <a:latin typeface="Arial" panose="020B0604020202020204" pitchFamily="34" charset="0"/>
+                <a:cs typeface="Arial" panose="020B0604020202020204" pitchFamily="34" charset="0"/>
+              </a:rPr>
+              <a:t>Вместо това трябва да бъде </a:t>
+            </a:r>
+            <a:r>
+              <a:rPr lang="en-US" sz="1800" dirty="0" err="1" smtClean="0">
+                <a:solidFill>
+                  <a:schemeClr val="accent5">
+                    <a:lumMod val="50000"/>
+                  </a:schemeClr>
+                </a:solidFill>
+                <a:latin typeface="Arial" panose="020B0604020202020204" pitchFamily="34" charset="0"/>
+                <a:cs typeface="Arial" panose="020B0604020202020204" pitchFamily="34" charset="0"/>
+              </a:rPr>
               <a:t>lastName</a:t>
             </a:r>
             <a:r>
+              <a:rPr lang="bg-BG" sz="1800" dirty="0" smtClean="0">
+                <a:solidFill>
+                  <a:srgbClr val="00B050"/>
+                </a:solidFill>
+                <a:latin typeface="Arial" panose="020B0604020202020204" pitchFamily="34" charset="0"/>
+                <a:cs typeface="Arial" panose="020B0604020202020204" pitchFamily="34" charset="0"/>
+              </a:rPr>
+              <a:t>, защото е смислено</a:t>
+            </a:r>
+            <a:r>
               <a:rPr lang="en-US" sz="1800" dirty="0" smtClean="0">
                 <a:latin typeface="Arial" panose="020B0604020202020204" pitchFamily="34" charset="0"/>
                 <a:cs typeface="Arial" panose="020B0604020202020204" pitchFamily="34" charset="0"/>
               </a:rPr>
-              <a:t> because is meaningful.</a:t>
-            </a:r>
+              <a:t>.</a:t>
+            </a:r>
+            <a:endParaRPr lang="en-US" sz="1800" dirty="0" smtClean="0">
+              <a:latin typeface="Arial" panose="020B0604020202020204" pitchFamily="34" charset="0"/>
+              <a:cs typeface="Arial" panose="020B0604020202020204" pitchFamily="34" charset="0"/>
+            </a:endParaRPr>
           </a:p>
           <a:p>
             <a:pPr marL="457200" lvl="1" indent="0">
@@ -14642,7 +15454,7 @@
 </p:sld>
 </file>
 
-<file path=ppt/slides/slide13.xml><?xml version="1.0" encoding="utf-8"?>
+<file path=ppt/slides/slide15.xml><?xml version="1.0" encoding="utf-8"?>
 <p:sld xmlns:a="http://schemas.openxmlformats.org/drawingml/2006/main" xmlns:r="http://schemas.openxmlformats.org/officeDocument/2006/relationships" xmlns:p="http://schemas.openxmlformats.org/presentationml/2006/main">
   <p:cSld>
     <p:spTree>
@@ -14676,14 +15488,21 @@
           <a:p>
             <a:pPr algn="ctr"/>
             <a:r>
-              <a:rPr lang="en-US" dirty="0" smtClean="0">
+              <a:rPr lang="bg-BG" dirty="0" smtClean="0">
+                <a:latin typeface="Arial" panose="020B0604020202020204" pitchFamily="34" charset="0"/>
+                <a:cs typeface="Arial" panose="020B0604020202020204" pitchFamily="34" charset="0"/>
+              </a:rPr>
+              <a:t>Типове данни в</a:t>
+            </a:r>
+            <a:r>
+              <a:rPr lang="bg-BG" dirty="0" smtClean="0">
                 <a:solidFill>
-                  <a:schemeClr val="bg1"/>
+                  <a:srgbClr val="FFFF00"/>
                 </a:solidFill>
                 <a:latin typeface="Arial" panose="020B0604020202020204" pitchFamily="34" charset="0"/>
                 <a:cs typeface="Arial" panose="020B0604020202020204" pitchFamily="34" charset="0"/>
               </a:rPr>
-              <a:t>C# </a:t>
+              <a:t> </a:t>
             </a:r>
             <a:r>
               <a:rPr lang="en-US" dirty="0" smtClean="0">
@@ -14693,323 +15512,7 @@
                 <a:latin typeface="Arial" panose="020B0604020202020204" pitchFamily="34" charset="0"/>
                 <a:cs typeface="Arial" panose="020B0604020202020204" pitchFamily="34" charset="0"/>
               </a:rPr>
-              <a:t>constants</a:t>
-            </a:r>
-            <a:endParaRPr lang="en-US" dirty="0">
-              <a:solidFill>
-                <a:srgbClr val="FFFF00"/>
-              </a:solidFill>
-              <a:latin typeface="Arial" panose="020B0604020202020204" pitchFamily="34" charset="0"/>
-              <a:cs typeface="Arial" panose="020B0604020202020204" pitchFamily="34" charset="0"/>
-            </a:endParaRPr>
-          </a:p>
-        </p:txBody>
-      </p:sp>
-      <p:pic>
-        <p:nvPicPr>
-          <p:cNvPr id="4" name="Content Placeholder 3"/>
-          <p:cNvPicPr>
-            <a:picLocks noGrp="1" noChangeAspect="1"/>
-          </p:cNvPicPr>
-          <p:nvPr>
-            <p:ph idx="1"/>
-          </p:nvPr>
-        </p:nvPicPr>
-        <p:blipFill>
-          <a:blip r:embed="rId2">
-            <a:extLst>
-              <a:ext uri="{28A0092B-C50C-407E-A947-70E740481C1C}">
-                <a14:useLocalDpi xmlns:a14="http://schemas.microsoft.com/office/drawing/2010/main" val="0"/>
-              </a:ext>
-            </a:extLst>
-          </a:blip>
-          <a:stretch>
-            <a:fillRect/>
-          </a:stretch>
-        </p:blipFill>
-        <p:spPr>
-          <a:xfrm>
-            <a:off x="7154537" y="3624807"/>
-            <a:ext cx="4088850" cy="1074846"/>
-          </a:xfrm>
-        </p:spPr>
-      </p:pic>
-      <p:sp>
-        <p:nvSpPr>
-          <p:cNvPr id="5" name="TextBox 4"/>
-          <p:cNvSpPr txBox="1"/>
-          <p:nvPr/>
-        </p:nvSpPr>
-        <p:spPr>
-          <a:xfrm>
-            <a:off x="886408" y="2565918"/>
-            <a:ext cx="5840963" cy="3416320"/>
-          </a:xfrm>
-          <a:prstGeom prst="rect">
-            <a:avLst/>
-          </a:prstGeom>
-          <a:noFill/>
-        </p:spPr>
-        <p:txBody>
-          <a:bodyPr wrap="square" rtlCol="0">
-            <a:spAutoFit/>
-          </a:bodyPr>
-          <a:lstStyle/>
-          <a:p>
-            <a:r>
-              <a:rPr lang="en-US" dirty="0" smtClean="0"/>
-              <a:t>Naming conventions for </a:t>
-            </a:r>
-            <a:r>
-              <a:rPr lang="en-US" dirty="0" smtClean="0">
-                <a:solidFill>
-                  <a:srgbClr val="0070C0"/>
-                </a:solidFill>
-              </a:rPr>
-              <a:t>variables</a:t>
-            </a:r>
-            <a:r>
-              <a:rPr lang="en-US" dirty="0" smtClean="0"/>
-              <a:t> and </a:t>
-            </a:r>
-            <a:r>
-              <a:rPr lang="en-US" dirty="0" smtClean="0">
-                <a:solidFill>
-                  <a:schemeClr val="accent2">
-                    <a:lumMod val="75000"/>
-                  </a:schemeClr>
-                </a:solidFill>
-              </a:rPr>
-              <a:t>constants</a:t>
-            </a:r>
-            <a:r>
-              <a:rPr lang="en-US" dirty="0" smtClean="0"/>
-              <a:t>:</a:t>
-            </a:r>
-          </a:p>
-          <a:p>
-            <a:endParaRPr lang="en-US" dirty="0"/>
-          </a:p>
-          <a:p>
-            <a:r>
-              <a:rPr lang="en-US" dirty="0" smtClean="0"/>
-              <a:t>For </a:t>
-            </a:r>
-            <a:r>
-              <a:rPr lang="en-US" dirty="0" smtClean="0">
-                <a:solidFill>
-                  <a:srgbClr val="0070C0"/>
-                </a:solidFill>
-              </a:rPr>
-              <a:t>variables</a:t>
-            </a:r>
-            <a:r>
-              <a:rPr lang="en-US" dirty="0" smtClean="0"/>
-              <a:t>: 	</a:t>
-            </a:r>
-            <a:r>
-              <a:rPr lang="en-US" dirty="0" err="1" smtClean="0">
-                <a:solidFill>
-                  <a:srgbClr val="0070C0"/>
-                </a:solidFill>
-              </a:rPr>
-              <a:t>camelCase</a:t>
-            </a:r>
-            <a:endParaRPr lang="en-US" dirty="0" smtClean="0">
-              <a:solidFill>
-                <a:srgbClr val="0070C0"/>
-              </a:solidFill>
-            </a:endParaRPr>
-          </a:p>
-          <a:p>
-            <a:r>
-              <a:rPr lang="en-US" dirty="0" smtClean="0"/>
-              <a:t>For </a:t>
-            </a:r>
-            <a:r>
-              <a:rPr lang="en-US" dirty="0" smtClean="0">
-                <a:solidFill>
-                  <a:schemeClr val="accent2">
-                    <a:lumMod val="75000"/>
-                  </a:schemeClr>
-                </a:solidFill>
-              </a:rPr>
-              <a:t>constants</a:t>
-            </a:r>
-            <a:r>
-              <a:rPr lang="en-US" dirty="0" smtClean="0"/>
-              <a:t>: 	</a:t>
-            </a:r>
-            <a:r>
-              <a:rPr lang="en-US" dirty="0" err="1" smtClean="0">
-                <a:solidFill>
-                  <a:schemeClr val="accent2">
-                    <a:lumMod val="75000"/>
-                  </a:schemeClr>
-                </a:solidFill>
-              </a:rPr>
-              <a:t>PascalCase</a:t>
-            </a:r>
-            <a:endParaRPr lang="en-US" dirty="0" smtClean="0">
-              <a:solidFill>
-                <a:schemeClr val="accent2">
-                  <a:lumMod val="75000"/>
-                </a:schemeClr>
-              </a:solidFill>
-            </a:endParaRPr>
-          </a:p>
-          <a:p>
-            <a:endParaRPr lang="en-US" dirty="0" smtClean="0">
-              <a:solidFill>
-                <a:schemeClr val="accent2">
-                  <a:lumMod val="75000"/>
-                </a:schemeClr>
-              </a:solidFill>
-            </a:endParaRPr>
-          </a:p>
-          <a:p>
-            <a:endParaRPr lang="en-US" dirty="0">
-              <a:solidFill>
-                <a:schemeClr val="accent2">
-                  <a:lumMod val="75000"/>
-                </a:schemeClr>
-              </a:solidFill>
-            </a:endParaRPr>
-          </a:p>
-          <a:p>
-            <a:r>
-              <a:rPr lang="en-US" b="1" i="1" u="sng" dirty="0" smtClean="0"/>
-              <a:t>Note: </a:t>
-            </a:r>
-            <a:r>
-              <a:rPr lang="en-US" dirty="0" smtClean="0"/>
-              <a:t>In C# is </a:t>
-            </a:r>
-            <a:r>
-              <a:rPr lang="en-US" b="1" dirty="0" smtClean="0"/>
-              <a:t>Not</a:t>
-            </a:r>
-            <a:r>
-              <a:rPr lang="en-US" dirty="0" smtClean="0"/>
-              <a:t> recommended to be used </a:t>
-            </a:r>
-            <a:r>
-              <a:rPr lang="en-US" dirty="0" smtClean="0">
-                <a:solidFill>
-                  <a:srgbClr val="FF0000"/>
-                </a:solidFill>
-              </a:rPr>
-              <a:t>Hungarian Notation</a:t>
-            </a:r>
-            <a:r>
-              <a:rPr lang="en-US" dirty="0" smtClean="0"/>
-              <a:t>.</a:t>
-            </a:r>
-          </a:p>
-          <a:p>
-            <a:endParaRPr lang="en-US" dirty="0"/>
-          </a:p>
-          <a:p>
-            <a:r>
-              <a:rPr lang="en-US" b="1" dirty="0"/>
-              <a:t>s</a:t>
-            </a:r>
-            <a:r>
-              <a:rPr lang="en-US" b="1" dirty="0" smtClean="0"/>
-              <a:t>tring</a:t>
-            </a:r>
-            <a:r>
-              <a:rPr lang="en-US" dirty="0" smtClean="0"/>
-              <a:t> </a:t>
-            </a:r>
-            <a:r>
-              <a:rPr lang="en-US" dirty="0" err="1" smtClean="0">
-                <a:solidFill>
-                  <a:srgbClr val="C00000"/>
-                </a:solidFill>
-              </a:rPr>
-              <a:t>strFirstName</a:t>
-            </a:r>
-            <a:r>
-              <a:rPr lang="en-US" dirty="0" smtClean="0"/>
-              <a:t> = “</a:t>
-            </a:r>
-            <a:r>
-              <a:rPr lang="en-US" dirty="0" err="1" smtClean="0"/>
-              <a:t>Velizar</a:t>
-            </a:r>
-            <a:r>
-              <a:rPr lang="en-US" dirty="0" smtClean="0"/>
-              <a:t>”;</a:t>
-            </a:r>
-          </a:p>
-          <a:p>
-            <a:endParaRPr lang="en-US" dirty="0" smtClean="0"/>
-          </a:p>
-          <a:p>
-            <a:endParaRPr lang="en-US" dirty="0"/>
-          </a:p>
-        </p:txBody>
-      </p:sp>
-    </p:spTree>
-    <p:extLst>
-      <p:ext uri="{BB962C8B-B14F-4D97-AF65-F5344CB8AC3E}">
-        <p14:creationId xmlns:p14="http://schemas.microsoft.com/office/powerpoint/2010/main" val="2568291402"/>
-      </p:ext>
-    </p:extLst>
-  </p:cSld>
-  <p:clrMapOvr>
-    <a:masterClrMapping/>
-  </p:clrMapOvr>
-  <p:timing>
-    <p:tnLst>
-      <p:par>
-        <p:cTn id="1" dur="indefinite" restart="never" nodeType="tmRoot"/>
-      </p:par>
-    </p:tnLst>
-  </p:timing>
-</p:sld>
-</file>
-
-<file path=ppt/slides/slide14.xml><?xml version="1.0" encoding="utf-8"?>
-<p:sld xmlns:a="http://schemas.openxmlformats.org/drawingml/2006/main" xmlns:r="http://schemas.openxmlformats.org/officeDocument/2006/relationships" xmlns:p="http://schemas.openxmlformats.org/presentationml/2006/main">
-  <p:cSld>
-    <p:spTree>
-      <p:nvGrpSpPr>
-        <p:cNvPr id="1" name=""/>
-        <p:cNvGrpSpPr/>
-        <p:nvPr/>
-      </p:nvGrpSpPr>
-      <p:grpSpPr>
-        <a:xfrm>
-          <a:off x="0" y="0"/>
-          <a:ext cx="0" cy="0"/>
-          <a:chOff x="0" y="0"/>
-          <a:chExt cx="0" cy="0"/>
-        </a:xfrm>
-      </p:grpSpPr>
-      <p:sp>
-        <p:nvSpPr>
-          <p:cNvPr id="2" name="Title 1"/>
-          <p:cNvSpPr>
-            <a:spLocks noGrp="1"/>
-          </p:cNvSpPr>
-          <p:nvPr>
-            <p:ph type="title"/>
-          </p:nvPr>
-        </p:nvSpPr>
-        <p:spPr/>
-        <p:txBody>
-          <a:bodyPr/>
-          <a:lstStyle/>
-          <a:p>
-            <a:pPr algn="ctr"/>
-            <a:r>
-              <a:rPr lang="en-US" dirty="0" smtClean="0">
-                <a:latin typeface="Arial" panose="020B0604020202020204" pitchFamily="34" charset="0"/>
-                <a:cs typeface="Arial" panose="020B0604020202020204" pitchFamily="34" charset="0"/>
-              </a:rPr>
-              <a:t>C# </a:t>
+              <a:t>C</a:t>
             </a:r>
             <a:r>
               <a:rPr lang="en-US" dirty="0" smtClean="0">
@@ -15019,7 +15522,7 @@
                 <a:latin typeface="Arial" panose="020B0604020202020204" pitchFamily="34" charset="0"/>
                 <a:cs typeface="Arial" panose="020B0604020202020204" pitchFamily="34" charset="0"/>
               </a:rPr>
-              <a:t>data types</a:t>
+              <a:t># </a:t>
             </a:r>
             <a:endParaRPr lang="en-US" dirty="0">
               <a:solidFill>
@@ -15110,7 +15613,378 @@
 </p:sld>
 </file>
 
-<file path=ppt/slides/slide15.xml><?xml version="1.0" encoding="utf-8"?>
+<file path=ppt/slides/slide16.xml><?xml version="1.0" encoding="utf-8"?>
+<p:sld xmlns:a="http://schemas.openxmlformats.org/drawingml/2006/main" xmlns:r="http://schemas.openxmlformats.org/officeDocument/2006/relationships" xmlns:p="http://schemas.openxmlformats.org/presentationml/2006/main">
+  <p:cSld>
+    <p:spTree>
+      <p:nvGrpSpPr>
+        <p:cNvPr id="1" name=""/>
+        <p:cNvGrpSpPr/>
+        <p:nvPr/>
+      </p:nvGrpSpPr>
+      <p:grpSpPr>
+        <a:xfrm>
+          <a:off x="0" y="0"/>
+          <a:ext cx="0" cy="0"/>
+          <a:chOff x="0" y="0"/>
+          <a:chExt cx="0" cy="0"/>
+        </a:xfrm>
+      </p:grpSpPr>
+      <p:sp>
+        <p:nvSpPr>
+          <p:cNvPr id="2" name="Title 1"/>
+          <p:cNvSpPr>
+            <a:spLocks noGrp="1"/>
+          </p:cNvSpPr>
+          <p:nvPr>
+            <p:ph type="title"/>
+          </p:nvPr>
+        </p:nvSpPr>
+        <p:spPr/>
+        <p:txBody>
+          <a:bodyPr/>
+          <a:lstStyle/>
+          <a:p>
+            <a:pPr algn="ctr"/>
+            <a:r>
+              <a:rPr lang="en-US" dirty="0" smtClean="0">
+                <a:solidFill>
+                  <a:schemeClr val="bg1"/>
+                </a:solidFill>
+                <a:latin typeface="Arial" panose="020B0604020202020204" pitchFamily="34" charset="0"/>
+                <a:cs typeface="Arial" panose="020B0604020202020204" pitchFamily="34" charset="0"/>
+              </a:rPr>
+              <a:t>C# </a:t>
+            </a:r>
+            <a:r>
+              <a:rPr lang="bg-BG" dirty="0" smtClean="0">
+                <a:solidFill>
+                  <a:srgbClr val="FFFF00"/>
+                </a:solidFill>
+                <a:latin typeface="Arial" panose="020B0604020202020204" pitchFamily="34" charset="0"/>
+                <a:cs typeface="Arial" panose="020B0604020202020204" pitchFamily="34" charset="0"/>
+              </a:rPr>
+              <a:t>константи</a:t>
+            </a:r>
+            <a:endParaRPr lang="en-US" dirty="0">
+              <a:solidFill>
+                <a:srgbClr val="FFFF00"/>
+              </a:solidFill>
+              <a:latin typeface="Arial" panose="020B0604020202020204" pitchFamily="34" charset="0"/>
+              <a:cs typeface="Arial" panose="020B0604020202020204" pitchFamily="34" charset="0"/>
+            </a:endParaRPr>
+          </a:p>
+        </p:txBody>
+      </p:sp>
+      <p:pic>
+        <p:nvPicPr>
+          <p:cNvPr id="4" name="Content Placeholder 3"/>
+          <p:cNvPicPr>
+            <a:picLocks noGrp="1" noChangeAspect="1"/>
+          </p:cNvPicPr>
+          <p:nvPr>
+            <p:ph idx="1"/>
+          </p:nvPr>
+        </p:nvPicPr>
+        <p:blipFill>
+          <a:blip r:embed="rId2">
+            <a:extLst>
+              <a:ext uri="{28A0092B-C50C-407E-A947-70E740481C1C}">
+                <a14:useLocalDpi xmlns:a14="http://schemas.microsoft.com/office/drawing/2010/main" val="0"/>
+              </a:ext>
+            </a:extLst>
+          </a:blip>
+          <a:stretch>
+            <a:fillRect/>
+          </a:stretch>
+        </p:blipFill>
+        <p:spPr>
+          <a:xfrm>
+            <a:off x="7154537" y="3624807"/>
+            <a:ext cx="4088850" cy="1074846"/>
+          </a:xfrm>
+        </p:spPr>
+      </p:pic>
+      <p:sp>
+        <p:nvSpPr>
+          <p:cNvPr id="5" name="TextBox 4"/>
+          <p:cNvSpPr txBox="1"/>
+          <p:nvPr/>
+        </p:nvSpPr>
+        <p:spPr>
+          <a:xfrm>
+            <a:off x="886408" y="2565918"/>
+            <a:ext cx="5840963" cy="3693319"/>
+          </a:xfrm>
+          <a:prstGeom prst="rect">
+            <a:avLst/>
+          </a:prstGeom>
+          <a:noFill/>
+        </p:spPr>
+        <p:txBody>
+          <a:bodyPr wrap="square" rtlCol="0">
+            <a:spAutoFit/>
+          </a:bodyPr>
+          <a:lstStyle/>
+          <a:p>
+            <a:r>
+              <a:rPr lang="bg-BG" dirty="0" smtClean="0"/>
+              <a:t>Нейминг конвенции за </a:t>
+            </a:r>
+            <a:r>
+              <a:rPr lang="bg-BG" dirty="0" smtClean="0">
+                <a:solidFill>
+                  <a:srgbClr val="0070C0"/>
+                </a:solidFill>
+              </a:rPr>
+              <a:t>променливи</a:t>
+            </a:r>
+            <a:r>
+              <a:rPr lang="en-US" dirty="0" smtClean="0"/>
+              <a:t> </a:t>
+            </a:r>
+            <a:r>
+              <a:rPr lang="bg-BG" dirty="0" smtClean="0"/>
+              <a:t>и</a:t>
+            </a:r>
+            <a:r>
+              <a:rPr lang="en-US" dirty="0" smtClean="0"/>
+              <a:t> </a:t>
+            </a:r>
+            <a:r>
+              <a:rPr lang="bg-BG" dirty="0" smtClean="0">
+                <a:solidFill>
+                  <a:schemeClr val="accent2">
+                    <a:lumMod val="75000"/>
+                  </a:schemeClr>
+                </a:solidFill>
+              </a:rPr>
+              <a:t>константи</a:t>
+            </a:r>
+            <a:r>
+              <a:rPr lang="en-US" dirty="0" smtClean="0"/>
+              <a:t>:</a:t>
+            </a:r>
+            <a:endParaRPr lang="en-US" dirty="0" smtClean="0"/>
+          </a:p>
+          <a:p>
+            <a:endParaRPr lang="en-US" dirty="0"/>
+          </a:p>
+          <a:p>
+            <a:r>
+              <a:rPr lang="bg-BG" dirty="0" smtClean="0"/>
+              <a:t>За</a:t>
+            </a:r>
+            <a:r>
+              <a:rPr lang="en-US" dirty="0" smtClean="0"/>
+              <a:t> </a:t>
+            </a:r>
+            <a:r>
+              <a:rPr lang="bg-BG" dirty="0" smtClean="0">
+                <a:solidFill>
+                  <a:srgbClr val="0070C0"/>
+                </a:solidFill>
+              </a:rPr>
+              <a:t>променливи</a:t>
+            </a:r>
+            <a:r>
+              <a:rPr lang="en-US" dirty="0" smtClean="0"/>
+              <a:t>: </a:t>
+            </a:r>
+            <a:r>
+              <a:rPr lang="en-US" dirty="0" err="1" smtClean="0">
+                <a:solidFill>
+                  <a:srgbClr val="0070C0"/>
+                </a:solidFill>
+              </a:rPr>
+              <a:t>camelCase</a:t>
+            </a:r>
+            <a:endParaRPr lang="en-US" dirty="0" smtClean="0">
+              <a:solidFill>
+                <a:srgbClr val="0070C0"/>
+              </a:solidFill>
+            </a:endParaRPr>
+          </a:p>
+          <a:p>
+            <a:r>
+              <a:rPr lang="bg-BG" dirty="0" smtClean="0"/>
+              <a:t>За</a:t>
+            </a:r>
+            <a:r>
+              <a:rPr lang="en-US" dirty="0" smtClean="0"/>
+              <a:t> </a:t>
+            </a:r>
+            <a:r>
+              <a:rPr lang="bg-BG" dirty="0" smtClean="0">
+                <a:solidFill>
+                  <a:schemeClr val="accent2">
+                    <a:lumMod val="75000"/>
+                  </a:schemeClr>
+                </a:solidFill>
+              </a:rPr>
+              <a:t>константи</a:t>
+            </a:r>
+            <a:r>
+              <a:rPr lang="en-US" dirty="0" smtClean="0"/>
+              <a:t>: </a:t>
+            </a:r>
+            <a:r>
+              <a:rPr lang="en-US" dirty="0" err="1" smtClean="0">
+                <a:solidFill>
+                  <a:schemeClr val="accent2">
+                    <a:lumMod val="75000"/>
+                  </a:schemeClr>
+                </a:solidFill>
+              </a:rPr>
+              <a:t>PascalCase</a:t>
+            </a:r>
+            <a:endParaRPr lang="en-US" dirty="0" smtClean="0">
+              <a:solidFill>
+                <a:schemeClr val="accent2">
+                  <a:lumMod val="75000"/>
+                </a:schemeClr>
+              </a:solidFill>
+            </a:endParaRPr>
+          </a:p>
+          <a:p>
+            <a:endParaRPr lang="en-US" dirty="0" smtClean="0">
+              <a:solidFill>
+                <a:schemeClr val="accent2">
+                  <a:lumMod val="75000"/>
+                </a:schemeClr>
+              </a:solidFill>
+            </a:endParaRPr>
+          </a:p>
+          <a:p>
+            <a:endParaRPr lang="en-US" dirty="0">
+              <a:solidFill>
+                <a:schemeClr val="accent2">
+                  <a:lumMod val="75000"/>
+                </a:schemeClr>
+              </a:solidFill>
+            </a:endParaRPr>
+          </a:p>
+          <a:p>
+            <a:r>
+              <a:rPr lang="bg-BG" b="1" i="1" u="sng" dirty="0" smtClean="0"/>
+              <a:t>Бележка</a:t>
+            </a:r>
+            <a:r>
+              <a:rPr lang="en-US" b="1" i="1" u="sng" dirty="0" smtClean="0"/>
+              <a:t>: </a:t>
+            </a:r>
+            <a:r>
+              <a:rPr lang="bg-BG" dirty="0"/>
+              <a:t>В</a:t>
+            </a:r>
+            <a:r>
+              <a:rPr lang="en-US" dirty="0" smtClean="0"/>
+              <a:t> </a:t>
+            </a:r>
+            <a:r>
+              <a:rPr lang="en-US" dirty="0" smtClean="0"/>
+              <a:t>C# </a:t>
+            </a:r>
+            <a:r>
+              <a:rPr lang="bg-BG" dirty="0" smtClean="0"/>
+              <a:t>не е препоръчително да се използва </a:t>
+            </a:r>
+            <a:r>
+              <a:rPr lang="bg-BG" dirty="0" smtClean="0">
+                <a:solidFill>
+                  <a:srgbClr val="FF0000"/>
+                </a:solidFill>
+              </a:rPr>
+              <a:t>Унгарската нотация (</a:t>
+            </a:r>
+            <a:r>
+              <a:rPr lang="en-US" dirty="0" smtClean="0">
+                <a:solidFill>
+                  <a:srgbClr val="FF0000"/>
+                </a:solidFill>
+              </a:rPr>
+              <a:t>Hungarian notation</a:t>
+            </a:r>
+            <a:r>
+              <a:rPr lang="bg-BG" dirty="0" smtClean="0">
+                <a:solidFill>
+                  <a:srgbClr val="FF0000"/>
+                </a:solidFill>
+              </a:rPr>
+              <a:t>)</a:t>
+            </a:r>
+            <a:r>
+              <a:rPr lang="en-US" dirty="0" smtClean="0"/>
+              <a:t>.</a:t>
+            </a:r>
+            <a:endParaRPr lang="en-US" dirty="0" smtClean="0"/>
+          </a:p>
+          <a:p>
+            <a:endParaRPr lang="en-US" dirty="0"/>
+          </a:p>
+          <a:p>
+            <a:r>
+              <a:rPr lang="en-US" b="1" dirty="0"/>
+              <a:t>s</a:t>
+            </a:r>
+            <a:r>
+              <a:rPr lang="en-US" b="1" dirty="0" smtClean="0"/>
+              <a:t>tring</a:t>
+            </a:r>
+            <a:r>
+              <a:rPr lang="en-US" dirty="0" smtClean="0"/>
+              <a:t> </a:t>
+            </a:r>
+            <a:r>
+              <a:rPr lang="en-US" dirty="0" err="1" smtClean="0">
+                <a:solidFill>
+                  <a:srgbClr val="C00000"/>
+                </a:solidFill>
+              </a:rPr>
+              <a:t>strFirstName</a:t>
+            </a:r>
+            <a:r>
+              <a:rPr lang="en-US" dirty="0" smtClean="0"/>
+              <a:t> = “</a:t>
+            </a:r>
+            <a:r>
+              <a:rPr lang="en-US" dirty="0" err="1" smtClean="0"/>
+              <a:t>Velizar</a:t>
+            </a:r>
+            <a:r>
+              <a:rPr lang="en-US" dirty="0" smtClean="0"/>
+              <a:t>”;</a:t>
+            </a:r>
+          </a:p>
+          <a:p>
+            <a:endParaRPr lang="en-US" dirty="0" smtClean="0"/>
+          </a:p>
+          <a:p>
+            <a:endParaRPr lang="en-US" dirty="0"/>
+          </a:p>
+        </p:txBody>
+      </p:sp>
+    </p:spTree>
+    <p:extLst>
+      <p:ext uri="{BB962C8B-B14F-4D97-AF65-F5344CB8AC3E}">
+        <p14:creationId xmlns:p14="http://schemas.microsoft.com/office/powerpoint/2010/main" val="2568291402"/>
+      </p:ext>
+    </p:extLst>
+  </p:cSld>
+  <p:clrMapOvr>
+    <a:masterClrMapping/>
+  </p:clrMapOvr>
+  <p:timing>
+    <p:tnLst>
+      <p:par>
+        <p:cTn id="1" dur="indefinite" restart="never" nodeType="tmRoot"/>
+      </p:par>
+    </p:tnLst>
+  </p:timing>
+</p:sld>
+</file>
+
+<file path=ppt/slides/slide17.xml><?xml version="1.0" encoding="utf-8"?>
 <p:sld xmlns:a="http://schemas.openxmlformats.org/drawingml/2006/main" xmlns:r="http://schemas.openxmlformats.org/officeDocument/2006/relationships" xmlns:p="http://schemas.openxmlformats.org/presentationml/2006/main">
   <p:cSld>
     <p:spTree>
@@ -15242,7 +16116,7 @@
 </p:sld>
 </file>
 
-<file path=ppt/slides/slide16.xml><?xml version="1.0" encoding="utf-8"?>
+<file path=ppt/slides/slide18.xml><?xml version="1.0" encoding="utf-8"?>
 <p:sld xmlns:a="http://schemas.openxmlformats.org/drawingml/2006/main" xmlns:r="http://schemas.openxmlformats.org/officeDocument/2006/relationships" xmlns:p="http://schemas.openxmlformats.org/presentationml/2006/main">
   <p:cSld>
     <p:spTree>
@@ -15276,11 +16150,18 @@
           <a:p>
             <a:pPr algn="ctr"/>
             <a:r>
+              <a:rPr lang="bg-BG" dirty="0" smtClean="0">
+                <a:latin typeface="Arial" panose="020B0604020202020204" pitchFamily="34" charset="0"/>
+                <a:cs typeface="Arial" panose="020B0604020202020204" pitchFamily="34" charset="0"/>
+              </a:rPr>
+              <a:t>Условна логика </a:t>
+            </a:r>
+            <a:r>
               <a:rPr lang="en-US" dirty="0" smtClean="0">
                 <a:latin typeface="Arial" panose="020B0604020202020204" pitchFamily="34" charset="0"/>
                 <a:cs typeface="Arial" panose="020B0604020202020204" pitchFamily="34" charset="0"/>
               </a:rPr>
-              <a:t>Conditional logic (</a:t>
+              <a:t>(</a:t>
             </a:r>
             <a:r>
               <a:rPr lang="en-US" dirty="0" smtClean="0">
@@ -15290,7 +16171,17 @@
                 <a:latin typeface="Arial" panose="020B0604020202020204" pitchFamily="34" charset="0"/>
                 <a:cs typeface="Arial" panose="020B0604020202020204" pitchFamily="34" charset="0"/>
               </a:rPr>
-              <a:t>if/else if/else</a:t>
+              <a:t>if/else </a:t>
+            </a:r>
+            <a:r>
+              <a:rPr lang="en-US" dirty="0" smtClean="0">
+                <a:solidFill>
+                  <a:srgbClr val="FFFF00"/>
+                </a:solidFill>
+                <a:latin typeface="Arial" panose="020B0604020202020204" pitchFamily="34" charset="0"/>
+                <a:cs typeface="Arial" panose="020B0604020202020204" pitchFamily="34" charset="0"/>
+              </a:rPr>
+              <a:t>if/else</a:t>
             </a:r>
             <a:r>
               <a:rPr lang="en-US" dirty="0" smtClean="0">
@@ -15355,7 +16246,7 @@
 </p:sld>
 </file>
 
-<file path=ppt/slides/slide17.xml><?xml version="1.0" encoding="utf-8"?>
+<file path=ppt/slides/slide19.xml><?xml version="1.0" encoding="utf-8"?>
 <p:sld xmlns:a="http://schemas.openxmlformats.org/drawingml/2006/main" xmlns:r="http://schemas.openxmlformats.org/officeDocument/2006/relationships" xmlns:p="http://schemas.openxmlformats.org/presentationml/2006/main">
   <p:cSld>
     <p:spTree>
@@ -15396,7 +16287,7 @@
                 <a:latin typeface="Arial" panose="020B0604020202020204" pitchFamily="34" charset="0"/>
                 <a:cs typeface="Arial" panose="020B0604020202020204" pitchFamily="34" charset="0"/>
               </a:rPr>
-              <a:t>s</a:t>
+              <a:t>S</a:t>
             </a:r>
             <a:r>
               <a:rPr lang="en-US" dirty="0" smtClean="0">
@@ -15413,7 +16304,14 @@
                 <a:latin typeface="Arial" panose="020B0604020202020204" pitchFamily="34" charset="0"/>
                 <a:cs typeface="Arial" panose="020B0604020202020204" pitchFamily="34" charset="0"/>
               </a:rPr>
-              <a:t> logic</a:t>
+              <a:t> </a:t>
+            </a:r>
+            <a:r>
+              <a:rPr lang="bg-BG" dirty="0" smtClean="0">
+                <a:latin typeface="Arial" panose="020B0604020202020204" pitchFamily="34" charset="0"/>
+                <a:cs typeface="Arial" panose="020B0604020202020204" pitchFamily="34" charset="0"/>
+              </a:rPr>
+              <a:t>логика</a:t>
             </a:r>
             <a:endParaRPr lang="en-US" dirty="0">
               <a:latin typeface="Arial" panose="020B0604020202020204" pitchFamily="34" charset="0"/>
@@ -15471,7 +16369,7 @@
 </p:sld>
 </file>
 
-<file path=ppt/slides/slide18.xml><?xml version="1.0" encoding="utf-8"?>
+<file path=ppt/slides/slide2.xml><?xml version="1.0" encoding="utf-8"?>
 <p:sld xmlns:a="http://schemas.openxmlformats.org/drawingml/2006/main" xmlns:r="http://schemas.openxmlformats.org/officeDocument/2006/relationships" xmlns:p="http://schemas.openxmlformats.org/presentationml/2006/main">
   <p:cSld>
     <p:spTree>
@@ -15505,11 +16403,165 @@
           <a:p>
             <a:pPr algn="ctr"/>
             <a:r>
+              <a:rPr lang="bg-BG" dirty="0" smtClean="0">
+                <a:latin typeface="Arial" panose="020B0604020202020204" pitchFamily="34" charset="0"/>
+                <a:cs typeface="Arial" panose="020B0604020202020204" pitchFamily="34" charset="0"/>
+              </a:rPr>
+              <a:t>Какво означава </a:t>
+            </a:r>
+            <a:r>
+              <a:rPr lang="bg-BG" dirty="0" smtClean="0">
+                <a:solidFill>
+                  <a:srgbClr val="FFFF00"/>
+                </a:solidFill>
+                <a:latin typeface="Arial" panose="020B0604020202020204" pitchFamily="34" charset="0"/>
+                <a:cs typeface="Arial" panose="020B0604020202020204" pitchFamily="34" charset="0"/>
+              </a:rPr>
+              <a:t>да програмираме</a:t>
+            </a:r>
+            <a:r>
+              <a:rPr lang="bg-BG" dirty="0" smtClean="0">
+                <a:latin typeface="Arial" panose="020B0604020202020204" pitchFamily="34" charset="0"/>
+                <a:cs typeface="Arial" panose="020B0604020202020204" pitchFamily="34" charset="0"/>
+              </a:rPr>
+              <a:t>?</a:t>
+            </a:r>
+            <a:endParaRPr lang="en-US" dirty="0">
+              <a:latin typeface="Arial" panose="020B0604020202020204" pitchFamily="34" charset="0"/>
+              <a:cs typeface="Arial" panose="020B0604020202020204" pitchFamily="34" charset="0"/>
+            </a:endParaRPr>
+          </a:p>
+        </p:txBody>
+      </p:sp>
+      <p:sp>
+        <p:nvSpPr>
+          <p:cNvPr id="3" name="Content Placeholder 2"/>
+          <p:cNvSpPr>
+            <a:spLocks noGrp="1"/>
+          </p:cNvSpPr>
+          <p:nvPr>
+            <p:ph idx="1"/>
+          </p:nvPr>
+        </p:nvSpPr>
+        <p:spPr>
+          <a:xfrm>
+            <a:off x="1154954" y="2603500"/>
+            <a:ext cx="10191069" cy="3853284"/>
+          </a:xfrm>
+        </p:spPr>
+        <p:txBody>
+          <a:bodyPr>
+            <a:normAutofit/>
+          </a:bodyPr>
+          <a:lstStyle/>
+          <a:p>
+            <a:r>
+              <a:rPr lang="bg-BG" sz="2400" dirty="0" smtClean="0">
+                <a:latin typeface="Arial" panose="020B0604020202020204" pitchFamily="34" charset="0"/>
+                <a:cs typeface="Arial" panose="020B0604020202020204" pitchFamily="34" charset="0"/>
+              </a:rPr>
+              <a:t>Програмирането е процес, при който задаваме някакви команди на компютъра.</a:t>
+            </a:r>
+          </a:p>
+          <a:p>
+            <a:r>
+              <a:rPr lang="bg-BG" sz="2400" dirty="0" smtClean="0">
+                <a:latin typeface="Arial" panose="020B0604020202020204" pitchFamily="34" charset="0"/>
+                <a:cs typeface="Arial" panose="020B0604020202020204" pitchFamily="34" charset="0"/>
+              </a:rPr>
+              <a:t>Командите се пишат на някакъв програмен език</a:t>
+            </a:r>
+          </a:p>
+          <a:p>
+            <a:r>
+              <a:rPr lang="bg-BG" sz="2400" dirty="0" smtClean="0">
+                <a:latin typeface="Arial" panose="020B0604020202020204" pitchFamily="34" charset="0"/>
+                <a:cs typeface="Arial" panose="020B0604020202020204" pitchFamily="34" charset="0"/>
+              </a:rPr>
+              <a:t>Командите се подреждат една след друга </a:t>
+            </a:r>
+          </a:p>
+          <a:p>
+            <a:r>
+              <a:rPr lang="bg-BG" sz="2400" dirty="0" smtClean="0">
+                <a:latin typeface="Arial" panose="020B0604020202020204" pitchFamily="34" charset="0"/>
+                <a:cs typeface="Arial" panose="020B0604020202020204" pitchFamily="34" charset="0"/>
+              </a:rPr>
+              <a:t>В поредица, командите образуват компютърна програма </a:t>
+            </a:r>
+            <a:endParaRPr lang="en-US" sz="2400" dirty="0">
+              <a:latin typeface="Arial" panose="020B0604020202020204" pitchFamily="34" charset="0"/>
+              <a:cs typeface="Arial" panose="020B0604020202020204" pitchFamily="34" charset="0"/>
+            </a:endParaRPr>
+          </a:p>
+        </p:txBody>
+      </p:sp>
+    </p:spTree>
+    <p:extLst>
+      <p:ext uri="{BB962C8B-B14F-4D97-AF65-F5344CB8AC3E}">
+        <p14:creationId xmlns:p14="http://schemas.microsoft.com/office/powerpoint/2010/main" val="1648912798"/>
+      </p:ext>
+    </p:extLst>
+  </p:cSld>
+  <p:clrMapOvr>
+    <a:masterClrMapping/>
+  </p:clrMapOvr>
+</p:sld>
+</file>
+
+<file path=ppt/slides/slide20.xml><?xml version="1.0" encoding="utf-8"?>
+<p:sld xmlns:a="http://schemas.openxmlformats.org/drawingml/2006/main" xmlns:r="http://schemas.openxmlformats.org/officeDocument/2006/relationships" xmlns:p="http://schemas.openxmlformats.org/presentationml/2006/main">
+  <p:cSld>
+    <p:spTree>
+      <p:nvGrpSpPr>
+        <p:cNvPr id="1" name=""/>
+        <p:cNvGrpSpPr/>
+        <p:nvPr/>
+      </p:nvGrpSpPr>
+      <p:grpSpPr>
+        <a:xfrm>
+          <a:off x="0" y="0"/>
+          <a:ext cx="0" cy="0"/>
+          <a:chOff x="0" y="0"/>
+          <a:chExt cx="0" cy="0"/>
+        </a:xfrm>
+      </p:grpSpPr>
+      <p:sp>
+        <p:nvSpPr>
+          <p:cNvPr id="2" name="Title 1"/>
+          <p:cNvSpPr>
+            <a:spLocks noGrp="1"/>
+          </p:cNvSpPr>
+          <p:nvPr>
+            <p:ph type="title"/>
+          </p:nvPr>
+        </p:nvSpPr>
+        <p:spPr/>
+        <p:txBody>
+          <a:bodyPr/>
+          <a:lstStyle/>
+          <a:p>
+            <a:pPr algn="ctr"/>
+            <a:r>
+              <a:rPr lang="bg-BG" dirty="0">
+                <a:latin typeface="Arial" panose="020B0604020202020204" pitchFamily="34" charset="0"/>
+                <a:cs typeface="Arial" panose="020B0604020202020204" pitchFamily="34" charset="0"/>
+              </a:rPr>
+              <a:t>Цикли</a:t>
+            </a:r>
+            <a:r>
               <a:rPr lang="en-US" dirty="0" smtClean="0">
                 <a:latin typeface="Arial" panose="020B0604020202020204" pitchFamily="34" charset="0"/>
                 <a:cs typeface="Arial" panose="020B0604020202020204" pitchFamily="34" charset="0"/>
               </a:rPr>
-              <a:t>Loops (</a:t>
+              <a:t> </a:t>
+            </a:r>
+            <a:r>
+              <a:rPr lang="en-US" dirty="0" smtClean="0">
+                <a:latin typeface="Arial" panose="020B0604020202020204" pitchFamily="34" charset="0"/>
+                <a:cs typeface="Arial" panose="020B0604020202020204" pitchFamily="34" charset="0"/>
+              </a:rPr>
+              <a:t>(</a:t>
             </a:r>
             <a:r>
               <a:rPr lang="en-US" dirty="0" smtClean="0">
@@ -15526,7 +16578,21 @@
                 <a:latin typeface="Arial" panose="020B0604020202020204" pitchFamily="34" charset="0"/>
                 <a:cs typeface="Arial" panose="020B0604020202020204" pitchFamily="34" charset="0"/>
               </a:rPr>
-              <a:t> loop)</a:t>
+              <a:t> </a:t>
+            </a:r>
+            <a:r>
+              <a:rPr lang="bg-BG" dirty="0" smtClean="0">
+                <a:latin typeface="Arial" panose="020B0604020202020204" pitchFamily="34" charset="0"/>
+                <a:cs typeface="Arial" panose="020B0604020202020204" pitchFamily="34" charset="0"/>
+              </a:rPr>
+              <a:t>цикъл</a:t>
+            </a:r>
+            <a:r>
+              <a:rPr lang="en-US" dirty="0" smtClean="0">
+                <a:latin typeface="Arial" panose="020B0604020202020204" pitchFamily="34" charset="0"/>
+                <a:cs typeface="Arial" panose="020B0604020202020204" pitchFamily="34" charset="0"/>
+              </a:rPr>
+              <a:t>)</a:t>
             </a:r>
             <a:endParaRPr lang="en-US" dirty="0">
               <a:latin typeface="Arial" panose="020B0604020202020204" pitchFamily="34" charset="0"/>
@@ -15591,23 +16657,52 @@
                 <a:latin typeface="Arial" panose="020B0604020202020204" pitchFamily="34" charset="0"/>
                 <a:cs typeface="Arial" panose="020B0604020202020204" pitchFamily="34" charset="0"/>
               </a:rPr>
-              <a:t>For loop is one of the most used loops in the programming.</a:t>
-            </a:r>
-          </a:p>
-          <a:p>
+              <a:t>For </a:t>
+            </a:r>
+            <a:r>
+              <a:rPr lang="bg-BG" dirty="0" smtClean="0">
+                <a:latin typeface="Arial" panose="020B0604020202020204" pitchFamily="34" charset="0"/>
+                <a:cs typeface="Arial" panose="020B0604020202020204" pitchFamily="34" charset="0"/>
+              </a:rPr>
+              <a:t>цикълът е един от най-използваните цикли в програмирането</a:t>
+            </a:r>
+            <a:r>
+              <a:rPr lang="en-US" dirty="0" smtClean="0">
+                <a:latin typeface="Arial" panose="020B0604020202020204" pitchFamily="34" charset="0"/>
+                <a:cs typeface="Arial" panose="020B0604020202020204" pitchFamily="34" charset="0"/>
+              </a:rPr>
+              <a:t>.</a:t>
+            </a:r>
             <a:endParaRPr lang="en-US" dirty="0" smtClean="0">
               <a:latin typeface="Arial" panose="020B0604020202020204" pitchFamily="34" charset="0"/>
               <a:cs typeface="Arial" panose="020B0604020202020204" pitchFamily="34" charset="0"/>
             </a:endParaRPr>
           </a:p>
           <a:p>
+            <a:endParaRPr lang="en-US" dirty="0" smtClean="0">
+              <a:latin typeface="Arial" panose="020B0604020202020204" pitchFamily="34" charset="0"/>
+              <a:cs typeface="Arial" panose="020B0604020202020204" pitchFamily="34" charset="0"/>
+            </a:endParaRPr>
+          </a:p>
+          <a:p>
+            <a:r>
+              <a:rPr lang="bg-BG" dirty="0" smtClean="0">
+                <a:latin typeface="Arial" panose="020B0604020202020204" pitchFamily="34" charset="0"/>
+                <a:cs typeface="Arial" panose="020B0604020202020204" pitchFamily="34" charset="0"/>
+              </a:rPr>
+              <a:t>Съдържа три части</a:t>
+            </a:r>
             <a:r>
               <a:rPr lang="en-US" dirty="0" smtClean="0">
                 <a:latin typeface="Arial" panose="020B0604020202020204" pitchFamily="34" charset="0"/>
                 <a:cs typeface="Arial" panose="020B0604020202020204" pitchFamily="34" charset="0"/>
               </a:rPr>
-              <a:t>It contains three parts:</a:t>
-            </a:r>
+              <a:t>:</a:t>
+            </a:r>
+            <a:endParaRPr lang="en-US" dirty="0" smtClean="0">
+              <a:latin typeface="Arial" panose="020B0604020202020204" pitchFamily="34" charset="0"/>
+              <a:cs typeface="Arial" panose="020B0604020202020204" pitchFamily="34" charset="0"/>
+            </a:endParaRPr>
           </a:p>
           <a:p>
             <a:endParaRPr lang="en-US" dirty="0" smtClean="0"/>
@@ -15636,8 +16731,54 @@
                 <a:latin typeface="Arial" panose="020B0604020202020204" pitchFamily="34" charset="0"/>
                 <a:cs typeface="Arial" panose="020B0604020202020204" pitchFamily="34" charset="0"/>
               </a:rPr>
-              <a:t> is executed (one time) before the execution of the code block.</a:t>
-            </a:r>
+              <a:t> </a:t>
+            </a:r>
+            <a:r>
+              <a:rPr lang="bg-BG" dirty="0" smtClean="0">
+                <a:latin typeface="Arial" panose="020B0604020202020204" pitchFamily="34" charset="0"/>
+                <a:cs typeface="Arial" panose="020B0604020202020204" pitchFamily="34" charset="0"/>
+              </a:rPr>
+              <a:t>се изпълнява веднъж само</a:t>
+            </a:r>
+            <a:r>
+              <a:rPr lang="bg-BG" dirty="0" smtClean="0">
+                <a:latin typeface="Arial" panose="020B0604020202020204" pitchFamily="34" charset="0"/>
+                <a:cs typeface="Arial" panose="020B0604020202020204" pitchFamily="34" charset="0"/>
+              </a:rPr>
+              <a:t>, </a:t>
+            </a:r>
+            <a:r>
+              <a:rPr lang="bg-BG" dirty="0" smtClean="0">
+                <a:latin typeface="Arial" panose="020B0604020202020204" pitchFamily="34" charset="0"/>
+                <a:cs typeface="Arial" panose="020B0604020202020204" pitchFamily="34" charset="0"/>
+              </a:rPr>
+              <a:t>преди изпълнението на </a:t>
+            </a:r>
+            <a:r>
+              <a:rPr lang="en-US" dirty="0" smtClean="0">
+                <a:latin typeface="Arial" panose="020B0604020202020204" pitchFamily="34" charset="0"/>
+                <a:cs typeface="Arial" panose="020B0604020202020204" pitchFamily="34" charset="0"/>
+              </a:rPr>
+              <a:t>code block</a:t>
+            </a:r>
+            <a:r>
+              <a:rPr lang="bg-BG" dirty="0" smtClean="0">
+                <a:latin typeface="Arial" panose="020B0604020202020204" pitchFamily="34" charset="0"/>
+                <a:cs typeface="Arial" panose="020B0604020202020204" pitchFamily="34" charset="0"/>
+              </a:rPr>
+              <a:t>-а</a:t>
+            </a:r>
+            <a:r>
+              <a:rPr lang="en-US" dirty="0" smtClean="0">
+                <a:latin typeface="Arial" panose="020B0604020202020204" pitchFamily="34" charset="0"/>
+                <a:cs typeface="Arial" panose="020B0604020202020204" pitchFamily="34" charset="0"/>
+              </a:rPr>
+              <a:t>.</a:t>
+            </a:r>
+            <a:endParaRPr lang="en-US" dirty="0">
+              <a:latin typeface="Arial" panose="020B0604020202020204" pitchFamily="34" charset="0"/>
+              <a:cs typeface="Arial" panose="020B0604020202020204" pitchFamily="34" charset="0"/>
+            </a:endParaRPr>
           </a:p>
           <a:p>
             <a:pPr marL="742950" lvl="1" indent="-285750">
@@ -15663,8 +16804,40 @@
                 <a:latin typeface="Arial" panose="020B0604020202020204" pitchFamily="34" charset="0"/>
                 <a:cs typeface="Arial" panose="020B0604020202020204" pitchFamily="34" charset="0"/>
               </a:rPr>
-              <a:t> defines the condition for executing the code block.</a:t>
-            </a:r>
+              <a:t> </a:t>
+            </a:r>
+            <a:r>
+              <a:rPr lang="bg-BG" dirty="0" smtClean="0">
+                <a:latin typeface="Arial" panose="020B0604020202020204" pitchFamily="34" charset="0"/>
+                <a:cs typeface="Arial" panose="020B0604020202020204" pitchFamily="34" charset="0"/>
+              </a:rPr>
+              <a:t>определя условието за изпълнение на </a:t>
+            </a:r>
+            <a:r>
+              <a:rPr lang="en-US" dirty="0" smtClean="0">
+                <a:latin typeface="Arial" panose="020B0604020202020204" pitchFamily="34" charset="0"/>
+                <a:cs typeface="Arial" panose="020B0604020202020204" pitchFamily="34" charset="0"/>
+              </a:rPr>
+              <a:t>code block-</a:t>
+            </a:r>
+            <a:r>
+              <a:rPr lang="bg-BG" dirty="0" smtClean="0">
+                <a:latin typeface="Arial" panose="020B0604020202020204" pitchFamily="34" charset="0"/>
+                <a:cs typeface="Arial" panose="020B0604020202020204" pitchFamily="34" charset="0"/>
+              </a:rPr>
+              <a:t>а</a:t>
+            </a:r>
+            <a:r>
+              <a:rPr lang="en-US" dirty="0" smtClean="0">
+                <a:latin typeface="Arial" panose="020B0604020202020204" pitchFamily="34" charset="0"/>
+                <a:cs typeface="Arial" panose="020B0604020202020204" pitchFamily="34" charset="0"/>
+              </a:rPr>
+              <a:t>.</a:t>
+            </a:r>
+            <a:endParaRPr lang="en-US" dirty="0">
+              <a:latin typeface="Arial" panose="020B0604020202020204" pitchFamily="34" charset="0"/>
+              <a:cs typeface="Arial" panose="020B0604020202020204" pitchFamily="34" charset="0"/>
+            </a:endParaRPr>
           </a:p>
           <a:p>
             <a:pPr marL="742950" lvl="1" indent="-285750">
@@ -15676,7 +16849,7 @@
                 <a:latin typeface="Arial" panose="020B0604020202020204" pitchFamily="34" charset="0"/>
                 <a:cs typeface="Arial" panose="020B0604020202020204" pitchFamily="34" charset="0"/>
               </a:rPr>
-              <a:t>statement </a:t>
+              <a:t>Statement </a:t>
             </a:r>
             <a:r>
               <a:rPr lang="en-US" b="1" dirty="0">
@@ -15690,7 +16863,56 @@
                 <a:latin typeface="Arial" panose="020B0604020202020204" pitchFamily="34" charset="0"/>
                 <a:cs typeface="Arial" panose="020B0604020202020204" pitchFamily="34" charset="0"/>
               </a:rPr>
-              <a:t> is executed (every time) after the code block has been executed</a:t>
+              <a:t> </a:t>
+            </a:r>
+            <a:r>
+              <a:rPr lang="bg-BG" dirty="0" smtClean="0">
+                <a:latin typeface="Arial" panose="020B0604020202020204" pitchFamily="34" charset="0"/>
+                <a:cs typeface="Arial" panose="020B0604020202020204" pitchFamily="34" charset="0"/>
+              </a:rPr>
+              <a:t>се изпълнява всеки път</a:t>
+            </a:r>
+            <a:r>
+              <a:rPr lang="en-US" dirty="0" smtClean="0">
+                <a:latin typeface="Arial" panose="020B0604020202020204" pitchFamily="34" charset="0"/>
+                <a:cs typeface="Arial" panose="020B0604020202020204" pitchFamily="34" charset="0"/>
+              </a:rPr>
+              <a:t> </a:t>
+            </a:r>
+            <a:r>
+              <a:rPr lang="bg-BG" dirty="0" smtClean="0">
+                <a:latin typeface="Arial" panose="020B0604020202020204" pitchFamily="34" charset="0"/>
+                <a:cs typeface="Arial" panose="020B0604020202020204" pitchFamily="34" charset="0"/>
+              </a:rPr>
+              <a:t>след като </a:t>
+            </a:r>
+            <a:r>
+              <a:rPr lang="en-US" dirty="0" smtClean="0">
+                <a:latin typeface="Arial" panose="020B0604020202020204" pitchFamily="34" charset="0"/>
+                <a:cs typeface="Arial" panose="020B0604020202020204" pitchFamily="34" charset="0"/>
+              </a:rPr>
+              <a:t>code</a:t>
+            </a:r>
+            <a:r>
+              <a:rPr lang="bg-BG" dirty="0" smtClean="0">
+                <a:latin typeface="Arial" panose="020B0604020202020204" pitchFamily="34" charset="0"/>
+                <a:cs typeface="Arial" panose="020B0604020202020204" pitchFamily="34" charset="0"/>
+              </a:rPr>
+              <a:t> </a:t>
+            </a:r>
+            <a:r>
+              <a:rPr lang="en-US" dirty="0" smtClean="0">
+                <a:latin typeface="Arial" panose="020B0604020202020204" pitchFamily="34" charset="0"/>
+                <a:cs typeface="Arial" panose="020B0604020202020204" pitchFamily="34" charset="0"/>
+              </a:rPr>
+              <a:t>block-</a:t>
+            </a:r>
+            <a:r>
+              <a:rPr lang="bg-BG" dirty="0" smtClean="0">
+                <a:latin typeface="Arial" panose="020B0604020202020204" pitchFamily="34" charset="0"/>
+                <a:cs typeface="Arial" panose="020B0604020202020204" pitchFamily="34" charset="0"/>
+              </a:rPr>
+              <a:t>а се изпълни</a:t>
             </a:r>
             <a:r>
               <a:rPr lang="en-US" dirty="0" smtClean="0">
@@ -15756,7 +16978,7 @@
 </p:sld>
 </file>
 
-<file path=ppt/slides/slide19.xml><?xml version="1.0" encoding="utf-8"?>
+<file path=ppt/slides/slide21.xml><?xml version="1.0" encoding="utf-8"?>
 <p:sld xmlns:a="http://schemas.openxmlformats.org/drawingml/2006/main" xmlns:r="http://schemas.openxmlformats.org/officeDocument/2006/relationships" xmlns:p="http://schemas.openxmlformats.org/presentationml/2006/main">
   <p:cSld>
     <p:spTree>
@@ -15790,11 +17012,25 @@
           <a:p>
             <a:pPr algn="ctr"/>
             <a:r>
+              <a:rPr lang="bg-BG" dirty="0">
+                <a:latin typeface="Arial" panose="020B0604020202020204" pitchFamily="34" charset="0"/>
+                <a:cs typeface="Arial" panose="020B0604020202020204" pitchFamily="34" charset="0"/>
+              </a:rPr>
+              <a:t>Цикли</a:t>
+            </a:r>
+            <a:r>
               <a:rPr lang="en-US" dirty="0" smtClean="0">
                 <a:latin typeface="Arial" panose="020B0604020202020204" pitchFamily="34" charset="0"/>
                 <a:cs typeface="Arial" panose="020B0604020202020204" pitchFamily="34" charset="0"/>
               </a:rPr>
-              <a:t>Loops (</a:t>
+              <a:t> </a:t>
+            </a:r>
+            <a:r>
+              <a:rPr lang="en-US" dirty="0" smtClean="0">
+                <a:latin typeface="Arial" panose="020B0604020202020204" pitchFamily="34" charset="0"/>
+                <a:cs typeface="Arial" panose="020B0604020202020204" pitchFamily="34" charset="0"/>
+              </a:rPr>
+              <a:t>(</a:t>
             </a:r>
             <a:r>
               <a:rPr lang="en-US" dirty="0" smtClean="0">
@@ -15811,7 +17047,21 @@
                 <a:latin typeface="Arial" panose="020B0604020202020204" pitchFamily="34" charset="0"/>
                 <a:cs typeface="Arial" panose="020B0604020202020204" pitchFamily="34" charset="0"/>
               </a:rPr>
-              <a:t> loop)</a:t>
+              <a:t> </a:t>
+            </a:r>
+            <a:r>
+              <a:rPr lang="bg-BG" dirty="0" smtClean="0">
+                <a:latin typeface="Arial" panose="020B0604020202020204" pitchFamily="34" charset="0"/>
+                <a:cs typeface="Arial" panose="020B0604020202020204" pitchFamily="34" charset="0"/>
+              </a:rPr>
+              <a:t>цикъл</a:t>
+            </a:r>
+            <a:r>
+              <a:rPr lang="en-US" dirty="0" smtClean="0">
+                <a:latin typeface="Arial" panose="020B0604020202020204" pitchFamily="34" charset="0"/>
+                <a:cs typeface="Arial" panose="020B0604020202020204" pitchFamily="34" charset="0"/>
+              </a:rPr>
+              <a:t>)</a:t>
             </a:r>
             <a:endParaRPr lang="en-US" dirty="0">
               <a:latin typeface="Arial" panose="020B0604020202020204" pitchFamily="34" charset="0"/>
@@ -15858,7 +17108,7 @@
         <p:spPr>
           <a:xfrm>
             <a:off x="646419" y="3710668"/>
-            <a:ext cx="5054585" cy="1384995"/>
+            <a:ext cx="5054585" cy="1815882"/>
           </a:xfrm>
           <a:prstGeom prst="rect">
             <a:avLst/>
@@ -15873,32 +17123,83 @@
           <a:p>
             <a:r>
               <a:rPr lang="en-US" sz="2800" dirty="0" smtClean="0">
-                <a:latin typeface="Arial" panose="020B0604020202020204" pitchFamily="34" charset="0"/>
-                <a:cs typeface="Arial" panose="020B0604020202020204" pitchFamily="34" charset="0"/>
-              </a:rPr>
-              <a:t>The </a:t>
-            </a:r>
-            <a:r>
-              <a:rPr lang="en-US" sz="2800" dirty="0" smtClean="0">
                 <a:solidFill>
                   <a:srgbClr val="00B050"/>
                 </a:solidFill>
                 <a:latin typeface="Arial" panose="020B0604020202020204" pitchFamily="34" charset="0"/>
                 <a:cs typeface="Arial" panose="020B0604020202020204" pitchFamily="34" charset="0"/>
               </a:rPr>
-              <a:t>while</a:t>
+              <a:t>While</a:t>
             </a:r>
             <a:r>
               <a:rPr lang="en-US" sz="2800" dirty="0" smtClean="0">
                 <a:latin typeface="Arial" panose="020B0604020202020204" pitchFamily="34" charset="0"/>
                 <a:cs typeface="Arial" panose="020B0604020202020204" pitchFamily="34" charset="0"/>
               </a:rPr>
-              <a:t> loop loops through a block of code as long as a specified condition is </a:t>
+              <a:t> </a:t>
+            </a:r>
+            <a:r>
+              <a:rPr lang="bg-BG" sz="2800" dirty="0" smtClean="0">
+                <a:latin typeface="Arial" panose="020B0604020202020204" pitchFamily="34" charset="0"/>
+                <a:cs typeface="Arial" panose="020B0604020202020204" pitchFamily="34" charset="0"/>
+              </a:rPr>
+              <a:t>цикълът цикли кодът в </a:t>
+            </a:r>
+            <a:r>
+              <a:rPr lang="en-US" sz="2800" dirty="0" smtClean="0">
+                <a:latin typeface="Arial" panose="020B0604020202020204" pitchFamily="34" charset="0"/>
+                <a:cs typeface="Arial" panose="020B0604020202020204" pitchFamily="34" charset="0"/>
+              </a:rPr>
+              <a:t>code block-</a:t>
+            </a:r>
+            <a:r>
+              <a:rPr lang="bg-BG" sz="2800" dirty="0">
+                <a:latin typeface="Arial" panose="020B0604020202020204" pitchFamily="34" charset="0"/>
+                <a:cs typeface="Arial" panose="020B0604020202020204" pitchFamily="34" charset="0"/>
+              </a:rPr>
+              <a:t>а</a:t>
+            </a:r>
+            <a:r>
+              <a:rPr lang="bg-BG" sz="2800" dirty="0" smtClean="0">
+                <a:latin typeface="Arial" panose="020B0604020202020204" pitchFamily="34" charset="0"/>
+                <a:cs typeface="Arial" panose="020B0604020202020204" pitchFamily="34" charset="0"/>
+              </a:rPr>
+              <a:t> докато условието в скобите е удовлетворено</a:t>
+            </a:r>
+            <a:r>
+              <a:rPr lang="en-US" sz="2800" dirty="0" smtClean="0">
+                <a:latin typeface="Arial" panose="020B0604020202020204" pitchFamily="34" charset="0"/>
+                <a:cs typeface="Arial" panose="020B0604020202020204" pitchFamily="34" charset="0"/>
+              </a:rPr>
+              <a:t>,</a:t>
+            </a:r>
+            <a:r>
+              <a:rPr lang="bg-BG" sz="2800" dirty="0" smtClean="0">
+                <a:latin typeface="Arial" panose="020B0604020202020204" pitchFamily="34" charset="0"/>
+                <a:cs typeface="Arial" panose="020B0604020202020204" pitchFamily="34" charset="0"/>
+              </a:rPr>
+              <a:t> т.е.</a:t>
+            </a:r>
+            <a:r>
+              <a:rPr lang="en-US" sz="2800" dirty="0" smtClean="0">
+                <a:latin typeface="Arial" panose="020B0604020202020204" pitchFamily="34" charset="0"/>
+                <a:cs typeface="Arial" panose="020B0604020202020204" pitchFamily="34" charset="0"/>
+              </a:rPr>
+              <a:t> </a:t>
+            </a:r>
+            <a:r>
+              <a:rPr lang="bg-BG" sz="2800" dirty="0" smtClean="0">
+                <a:latin typeface="Arial" panose="020B0604020202020204" pitchFamily="34" charset="0"/>
+                <a:cs typeface="Arial" panose="020B0604020202020204" pitchFamily="34" charset="0"/>
+              </a:rPr>
+              <a:t>е </a:t>
             </a:r>
             <a:r>
               <a:rPr lang="en-US" sz="2800" dirty="0" smtClean="0">
                 <a:solidFill>
-                  <a:srgbClr val="002060"/>
+                  <a:schemeClr val="accent5">
+                    <a:lumMod val="50000"/>
+                  </a:schemeClr>
                 </a:solidFill>
                 <a:latin typeface="Arial" panose="020B0604020202020204" pitchFamily="34" charset="0"/>
                 <a:cs typeface="Arial" panose="020B0604020202020204" pitchFamily="34" charset="0"/>
@@ -15906,11 +17207,18 @@
               <a:t>True</a:t>
             </a:r>
             <a:r>
+              <a:rPr lang="bg-BG" sz="2800" dirty="0" smtClean="0">
+                <a:latin typeface="Arial" panose="020B0604020202020204" pitchFamily="34" charset="0"/>
+                <a:cs typeface="Arial" panose="020B0604020202020204" pitchFamily="34" charset="0"/>
+              </a:rPr>
+              <a:t>.</a:t>
+            </a:r>
+            <a:r>
               <a:rPr lang="en-US" sz="2800" dirty="0" smtClean="0">
                 <a:latin typeface="Arial" panose="020B0604020202020204" pitchFamily="34" charset="0"/>
                 <a:cs typeface="Arial" panose="020B0604020202020204" pitchFamily="34" charset="0"/>
               </a:rPr>
-              <a:t>.</a:t>
+              <a:t> </a:t>
             </a:r>
             <a:endParaRPr lang="en-US" sz="2800" dirty="0">
               <a:latin typeface="Arial" panose="020B0604020202020204" pitchFamily="34" charset="0"/>
@@ -15969,7 +17277,7 @@
 </p:sld>
 </file>
 
-<file path=ppt/slides/slide2.xml><?xml version="1.0" encoding="utf-8"?>
+<file path=ppt/slides/slide22.xml><?xml version="1.0" encoding="utf-8"?>
 <p:sld xmlns:a="http://schemas.openxmlformats.org/drawingml/2006/main" xmlns:r="http://schemas.openxmlformats.org/officeDocument/2006/relationships" xmlns:p="http://schemas.openxmlformats.org/presentationml/2006/main">
   <p:cSld>
     <p:spTree>
@@ -16001,363 +17309,20 @@
           <a:bodyPr/>
           <a:lstStyle/>
           <a:p>
+            <a:pPr algn="ctr"/>
+            <a:r>
+              <a:rPr lang="bg-BG" dirty="0" smtClean="0">
+                <a:latin typeface="Arial" panose="020B0604020202020204" pitchFamily="34" charset="0"/>
+                <a:cs typeface="Arial" panose="020B0604020202020204" pitchFamily="34" charset="0"/>
+              </a:rPr>
+              <a:t>Цикли</a:t>
+            </a:r>
             <a:r>
               <a:rPr lang="en-US" dirty="0" smtClean="0">
                 <a:latin typeface="Arial" panose="020B0604020202020204" pitchFamily="34" charset="0"/>
                 <a:cs typeface="Arial" panose="020B0604020202020204" pitchFamily="34" charset="0"/>
               </a:rPr>
-              <a:t>Introduction to C# and .NET</a:t>
-            </a:r>
-            <a:endParaRPr lang="en-US" dirty="0">
-              <a:latin typeface="Arial" panose="020B0604020202020204" pitchFamily="34" charset="0"/>
-              <a:cs typeface="Arial" panose="020B0604020202020204" pitchFamily="34" charset="0"/>
-            </a:endParaRPr>
-          </a:p>
-        </p:txBody>
-      </p:sp>
-      <p:sp>
-        <p:nvSpPr>
-          <p:cNvPr id="7" name="Content Placeholder 3"/>
-          <p:cNvSpPr>
-            <a:spLocks noGrp="1"/>
-          </p:cNvSpPr>
-          <p:nvPr>
-            <p:ph sz="half" idx="2"/>
-          </p:nvPr>
-        </p:nvSpPr>
-        <p:spPr>
-          <a:xfrm>
-            <a:off x="6196902" y="2327563"/>
-            <a:ext cx="4535753" cy="4054763"/>
-          </a:xfrm>
-        </p:spPr>
-        <p:txBody>
-          <a:bodyPr>
-            <a:normAutofit/>
-          </a:bodyPr>
-          <a:lstStyle/>
-          <a:p>
-            <a:pPr marL="0" indent="0">
-              <a:buNone/>
-            </a:pPr>
-            <a:endParaRPr lang="en-US" sz="1600" dirty="0">
-              <a:latin typeface="Arial" panose="020B0604020202020204" pitchFamily="34" charset="0"/>
-              <a:cs typeface="Arial" panose="020B0604020202020204" pitchFamily="34" charset="0"/>
-            </a:endParaRPr>
-          </a:p>
-          <a:p>
-            <a:endParaRPr lang="en-US" sz="1600" dirty="0">
-              <a:latin typeface="Arial" panose="020B0604020202020204" pitchFamily="34" charset="0"/>
-              <a:cs typeface="Arial" panose="020B0604020202020204" pitchFamily="34" charset="0"/>
-            </a:endParaRPr>
-          </a:p>
-          <a:p>
-            <a:endParaRPr lang="en-US" sz="1600" dirty="0">
-              <a:latin typeface="Arial" panose="020B0604020202020204" pitchFamily="34" charset="0"/>
-              <a:cs typeface="Arial" panose="020B0604020202020204" pitchFamily="34" charset="0"/>
-            </a:endParaRPr>
-          </a:p>
-          <a:p>
-            <a:endParaRPr lang="en-US" dirty="0">
-              <a:latin typeface="Arial" panose="020B0604020202020204" pitchFamily="34" charset="0"/>
-              <a:cs typeface="Arial" panose="020B0604020202020204" pitchFamily="34" charset="0"/>
-            </a:endParaRPr>
-          </a:p>
-          <a:p>
-            <a:endParaRPr lang="en-US" dirty="0">
-              <a:latin typeface="Arial" panose="020B0604020202020204" pitchFamily="34" charset="0"/>
-              <a:cs typeface="Arial" panose="020B0604020202020204" pitchFamily="34" charset="0"/>
-            </a:endParaRPr>
-          </a:p>
-          <a:p>
-            <a:endParaRPr lang="en-US" dirty="0">
-              <a:latin typeface="Arial" panose="020B0604020202020204" pitchFamily="34" charset="0"/>
-              <a:cs typeface="Arial" panose="020B0604020202020204" pitchFamily="34" charset="0"/>
-            </a:endParaRPr>
-          </a:p>
-          <a:p>
-            <a:endParaRPr lang="en-US" dirty="0">
-              <a:latin typeface="Arial" panose="020B0604020202020204" pitchFamily="34" charset="0"/>
-              <a:cs typeface="Arial" panose="020B0604020202020204" pitchFamily="34" charset="0"/>
-            </a:endParaRPr>
-          </a:p>
-          <a:p>
-            <a:endParaRPr lang="en-US" dirty="0"/>
-          </a:p>
-          <a:p>
-            <a:endParaRPr lang="en-US" dirty="0"/>
-          </a:p>
-        </p:txBody>
-      </p:sp>
-      <p:sp>
-        <p:nvSpPr>
-          <p:cNvPr id="4" name="Content Placeholder 3"/>
-          <p:cNvSpPr>
-            <a:spLocks noGrp="1"/>
-          </p:cNvSpPr>
-          <p:nvPr>
-            <p:ph sz="half" idx="2"/>
-          </p:nvPr>
-        </p:nvSpPr>
-        <p:spPr>
-          <a:xfrm>
-            <a:off x="782192" y="2771700"/>
-            <a:ext cx="10927726" cy="3713076"/>
-          </a:xfrm>
-        </p:spPr>
-        <p:txBody>
-          <a:bodyPr>
-            <a:normAutofit lnSpcReduction="10000"/>
-          </a:bodyPr>
-          <a:lstStyle/>
-          <a:p>
-            <a:r>
-              <a:rPr lang="en-US" sz="2000" dirty="0" smtClean="0">
-                <a:latin typeface="Arial" panose="020B0604020202020204" pitchFamily="34" charset="0"/>
-                <a:cs typeface="Arial" panose="020B0604020202020204" pitchFamily="34" charset="0"/>
-              </a:rPr>
-              <a:t>C# is designed by Anders Hejlsberg from Microsoft in 2000</a:t>
-            </a:r>
-          </a:p>
-          <a:p>
-            <a:r>
-              <a:rPr lang="en-US" sz="2000" dirty="0" smtClean="0">
-                <a:latin typeface="Arial" panose="020B0604020202020204" pitchFamily="34" charset="0"/>
-                <a:cs typeface="Arial" panose="020B0604020202020204" pitchFamily="34" charset="0"/>
-              </a:rPr>
-              <a:t>C# is general purpose programming language</a:t>
-            </a:r>
-          </a:p>
-          <a:p>
-            <a:r>
-              <a:rPr lang="en-US" sz="2000" dirty="0" smtClean="0">
-                <a:latin typeface="Arial" panose="020B0604020202020204" pitchFamily="34" charset="0"/>
-                <a:cs typeface="Arial" panose="020B0604020202020204" pitchFamily="34" charset="0"/>
-              </a:rPr>
-              <a:t>C# is object oriented (class-based) programming language</a:t>
-            </a:r>
-          </a:p>
-          <a:p>
-            <a:r>
-              <a:rPr lang="en-US" sz="2000" dirty="0" smtClean="0">
-                <a:latin typeface="Arial" panose="020B0604020202020204" pitchFamily="34" charset="0"/>
-                <a:cs typeface="Arial" panose="020B0604020202020204" pitchFamily="34" charset="0"/>
-              </a:rPr>
-              <a:t>C# is used on .NET platform /.NET 6 is the latest version/</a:t>
-            </a:r>
-          </a:p>
-          <a:p>
-            <a:r>
-              <a:rPr lang="en-US" sz="2000" dirty="0" smtClean="0">
-                <a:latin typeface="Arial" panose="020B0604020202020204" pitchFamily="34" charset="0"/>
-                <a:cs typeface="Arial" panose="020B0604020202020204" pitchFamily="34" charset="0"/>
-              </a:rPr>
-              <a:t>C# can be used for writing of Console, Desktop, Widows Services, Web apps, Mobile apps, Games and </a:t>
-            </a:r>
-            <a:r>
-              <a:rPr lang="en-US" sz="2000" dirty="0" err="1" smtClean="0">
-                <a:latin typeface="Arial" panose="020B0604020202020204" pitchFamily="34" charset="0"/>
-                <a:cs typeface="Arial" panose="020B0604020202020204" pitchFamily="34" charset="0"/>
-              </a:rPr>
-              <a:t>IoT</a:t>
-            </a:r>
-            <a:endParaRPr lang="en-US" sz="2000" dirty="0" smtClean="0">
-              <a:latin typeface="Arial" panose="020B0604020202020204" pitchFamily="34" charset="0"/>
-              <a:cs typeface="Arial" panose="020B0604020202020204" pitchFamily="34" charset="0"/>
-            </a:endParaRPr>
-          </a:p>
-          <a:p>
-            <a:r>
-              <a:rPr lang="en-US" sz="2000" dirty="0" smtClean="0">
-                <a:latin typeface="Arial" panose="020B0604020202020204" pitchFamily="34" charset="0"/>
-                <a:cs typeface="Arial" panose="020B0604020202020204" pitchFamily="34" charset="0"/>
-              </a:rPr>
-              <a:t>C# supports static typing, functional programming, generics and more features</a:t>
-            </a:r>
-            <a:endParaRPr lang="bg-BG" sz="2000" dirty="0" smtClean="0">
-              <a:latin typeface="Arial" panose="020B0604020202020204" pitchFamily="34" charset="0"/>
-              <a:cs typeface="Arial" panose="020B0604020202020204" pitchFamily="34" charset="0"/>
-            </a:endParaRPr>
-          </a:p>
-          <a:p>
-            <a:r>
-              <a:rPr lang="en-US" sz="2000" dirty="0" smtClean="0">
-                <a:latin typeface="Arial" panose="020B0604020202020204" pitchFamily="34" charset="0"/>
-                <a:cs typeface="Arial" panose="020B0604020202020204" pitchFamily="34" charset="0"/>
-              </a:rPr>
-              <a:t>C# and Microsoft documentation are generally quite good</a:t>
-            </a:r>
-          </a:p>
-          <a:p>
-            <a:r>
-              <a:rPr lang="en-US" sz="2000" dirty="0" smtClean="0">
-                <a:latin typeface="Arial" panose="020B0604020202020204" pitchFamily="34" charset="0"/>
-                <a:cs typeface="Arial" panose="020B0604020202020204" pitchFamily="34" charset="0"/>
-              </a:rPr>
-              <a:t>C</a:t>
-            </a:r>
-            <a:r>
-              <a:rPr lang="en-US" sz="2000" dirty="0" smtClean="0">
-                <a:latin typeface="Arial" panose="020B0604020202020204" pitchFamily="34" charset="0"/>
-                <a:cs typeface="Arial" panose="020B0604020202020204" pitchFamily="34" charset="0"/>
-              </a:rPr>
-              <a:t># documentation</a:t>
-            </a:r>
-            <a:r>
-              <a:rPr lang="en-US" sz="2000" dirty="0">
-                <a:latin typeface="Arial" panose="020B0604020202020204" pitchFamily="34" charset="0"/>
-                <a:cs typeface="Arial" panose="020B0604020202020204" pitchFamily="34" charset="0"/>
-              </a:rPr>
-              <a:t>: </a:t>
-            </a:r>
-            <a:r>
-              <a:rPr lang="en-US" sz="2000" dirty="0">
-                <a:solidFill>
-                  <a:srgbClr val="0070C0"/>
-                </a:solidFill>
-                <a:latin typeface="Arial" panose="020B0604020202020204" pitchFamily="34" charset="0"/>
-                <a:cs typeface="Arial" panose="020B0604020202020204" pitchFamily="34" charset="0"/>
-              </a:rPr>
-              <a:t>https://docs.microsoft.com/en-us/dotnet/csharp/</a:t>
-            </a:r>
-            <a:endParaRPr lang="en-US" sz="2000" dirty="0" smtClean="0">
-              <a:solidFill>
-                <a:srgbClr val="0070C0"/>
-              </a:solidFill>
-              <a:latin typeface="Arial" panose="020B0604020202020204" pitchFamily="34" charset="0"/>
-              <a:cs typeface="Arial" panose="020B0604020202020204" pitchFamily="34" charset="0"/>
-            </a:endParaRPr>
-          </a:p>
-          <a:p>
-            <a:endParaRPr lang="en-US" sz="2000" dirty="0" smtClean="0">
-              <a:latin typeface="Arial" panose="020B0604020202020204" pitchFamily="34" charset="0"/>
-              <a:cs typeface="Arial" panose="020B0604020202020204" pitchFamily="34" charset="0"/>
-            </a:endParaRPr>
-          </a:p>
-          <a:p>
-            <a:endParaRPr lang="en-US" sz="2000" dirty="0">
-              <a:latin typeface="Arial" panose="020B0604020202020204" pitchFamily="34" charset="0"/>
-              <a:cs typeface="Arial" panose="020B0604020202020204" pitchFamily="34" charset="0"/>
-            </a:endParaRPr>
-          </a:p>
-          <a:p>
-            <a:endParaRPr lang="en-US" sz="2000" dirty="0">
-              <a:latin typeface="Arial" panose="020B0604020202020204" pitchFamily="34" charset="0"/>
-              <a:cs typeface="Arial" panose="020B0604020202020204" pitchFamily="34" charset="0"/>
-            </a:endParaRPr>
-          </a:p>
-          <a:p>
-            <a:pPr marL="0" indent="0">
-              <a:buNone/>
-            </a:pPr>
-            <a:endParaRPr lang="en-US" sz="1600" dirty="0">
-              <a:latin typeface="Arial" panose="020B0604020202020204" pitchFamily="34" charset="0"/>
-              <a:cs typeface="Arial" panose="020B0604020202020204" pitchFamily="34" charset="0"/>
-            </a:endParaRPr>
-          </a:p>
-          <a:p>
-            <a:endParaRPr lang="en-US" sz="1600" dirty="0">
-              <a:latin typeface="Arial" panose="020B0604020202020204" pitchFamily="34" charset="0"/>
-              <a:cs typeface="Arial" panose="020B0604020202020204" pitchFamily="34" charset="0"/>
-            </a:endParaRPr>
-          </a:p>
-          <a:p>
-            <a:endParaRPr lang="en-US" sz="1600" dirty="0">
-              <a:latin typeface="Arial" panose="020B0604020202020204" pitchFamily="34" charset="0"/>
-              <a:cs typeface="Arial" panose="020B0604020202020204" pitchFamily="34" charset="0"/>
-            </a:endParaRPr>
-          </a:p>
-          <a:p>
-            <a:endParaRPr lang="en-US" dirty="0">
-              <a:latin typeface="Arial" panose="020B0604020202020204" pitchFamily="34" charset="0"/>
-              <a:cs typeface="Arial" panose="020B0604020202020204" pitchFamily="34" charset="0"/>
-            </a:endParaRPr>
-          </a:p>
-          <a:p>
-            <a:endParaRPr lang="en-US" dirty="0">
-              <a:latin typeface="Arial" panose="020B0604020202020204" pitchFamily="34" charset="0"/>
-              <a:cs typeface="Arial" panose="020B0604020202020204" pitchFamily="34" charset="0"/>
-            </a:endParaRPr>
-          </a:p>
-          <a:p>
-            <a:endParaRPr lang="en-US" dirty="0">
-              <a:latin typeface="Arial" panose="020B0604020202020204" pitchFamily="34" charset="0"/>
-              <a:cs typeface="Arial" panose="020B0604020202020204" pitchFamily="34" charset="0"/>
-            </a:endParaRPr>
-          </a:p>
-          <a:p>
-            <a:endParaRPr lang="en-US" dirty="0">
-              <a:latin typeface="Arial" panose="020B0604020202020204" pitchFamily="34" charset="0"/>
-              <a:cs typeface="Arial" panose="020B0604020202020204" pitchFamily="34" charset="0"/>
-            </a:endParaRPr>
-          </a:p>
-          <a:p>
-            <a:endParaRPr lang="en-US" dirty="0"/>
-          </a:p>
-          <a:p>
-            <a:endParaRPr lang="en-US" dirty="0"/>
-          </a:p>
-        </p:txBody>
-      </p:sp>
-    </p:spTree>
-    <p:extLst>
-      <p:ext uri="{BB962C8B-B14F-4D97-AF65-F5344CB8AC3E}">
-        <p14:creationId xmlns:p14="http://schemas.microsoft.com/office/powerpoint/2010/main" val="927372469"/>
-      </p:ext>
-    </p:extLst>
-  </p:cSld>
-  <p:clrMapOvr>
-    <a:masterClrMapping/>
-  </p:clrMapOvr>
-  <p:timing>
-    <p:tnLst>
-      <p:par>
-        <p:cTn id="1" dur="indefinite" restart="never" nodeType="tmRoot"/>
-      </p:par>
-    </p:tnLst>
-  </p:timing>
-</p:sld>
-</file>
-
-<file path=ppt/slides/slide20.xml><?xml version="1.0" encoding="utf-8"?>
-<p:sld xmlns:a="http://schemas.openxmlformats.org/drawingml/2006/main" xmlns:r="http://schemas.openxmlformats.org/officeDocument/2006/relationships" xmlns:p="http://schemas.openxmlformats.org/presentationml/2006/main">
-  <p:cSld>
-    <p:spTree>
-      <p:nvGrpSpPr>
-        <p:cNvPr id="1" name=""/>
-        <p:cNvGrpSpPr/>
-        <p:nvPr/>
-      </p:nvGrpSpPr>
-      <p:grpSpPr>
-        <a:xfrm>
-          <a:off x="0" y="0"/>
-          <a:ext cx="0" cy="0"/>
-          <a:chOff x="0" y="0"/>
-          <a:chExt cx="0" cy="0"/>
-        </a:xfrm>
-      </p:grpSpPr>
-      <p:sp>
-        <p:nvSpPr>
-          <p:cNvPr id="2" name="Title 1"/>
-          <p:cNvSpPr>
-            <a:spLocks noGrp="1"/>
-          </p:cNvSpPr>
-          <p:nvPr>
-            <p:ph type="title"/>
-          </p:nvPr>
-        </p:nvSpPr>
-        <p:spPr/>
-        <p:txBody>
-          <a:bodyPr/>
-          <a:lstStyle/>
-          <a:p>
-            <a:pPr algn="ctr"/>
-            <a:r>
-              <a:rPr lang="en-US" dirty="0">
-                <a:latin typeface="Arial" panose="020B0604020202020204" pitchFamily="34" charset="0"/>
-                <a:cs typeface="Arial" panose="020B0604020202020204" pitchFamily="34" charset="0"/>
-              </a:rPr>
-              <a:t>Loops </a:t>
+              <a:t> </a:t>
             </a:r>
             <a:r>
               <a:rPr lang="en-US" dirty="0" smtClean="0">
@@ -16384,11 +17349,18 @@
               <a:t> </a:t>
             </a:r>
             <a:r>
-              <a:rPr lang="en-US" dirty="0">
-                <a:latin typeface="Arial" panose="020B0604020202020204" pitchFamily="34" charset="0"/>
-                <a:cs typeface="Arial" panose="020B0604020202020204" pitchFamily="34" charset="0"/>
-              </a:rPr>
-              <a:t>loop)</a:t>
+              <a:rPr lang="bg-BG" dirty="0" smtClean="0">
+                <a:latin typeface="Arial" panose="020B0604020202020204" pitchFamily="34" charset="0"/>
+                <a:cs typeface="Arial" panose="020B0604020202020204" pitchFamily="34" charset="0"/>
+              </a:rPr>
+              <a:t>цикъл</a:t>
+            </a:r>
+            <a:r>
+              <a:rPr lang="en-US" dirty="0" smtClean="0">
+                <a:latin typeface="Arial" panose="020B0604020202020204" pitchFamily="34" charset="0"/>
+                <a:cs typeface="Arial" panose="020B0604020202020204" pitchFamily="34" charset="0"/>
+              </a:rPr>
+              <a:t>)</a:t>
             </a:r>
             <a:endParaRPr lang="en-US" dirty="0"/>
           </a:p>
@@ -16462,7 +17434,7 @@
         <p:spPr>
           <a:xfrm>
             <a:off x="1154954" y="2789852"/>
-            <a:ext cx="5054585" cy="3539430"/>
+            <a:ext cx="5054585" cy="3970318"/>
           </a:xfrm>
           <a:prstGeom prst="rect">
             <a:avLst/>
@@ -16476,11 +17448,14 @@
           <a:lstStyle/>
           <a:p>
             <a:r>
-              <a:rPr lang="en-US" sz="2800" dirty="0" smtClean="0">
-                <a:latin typeface="Arial" panose="020B0604020202020204" pitchFamily="34" charset="0"/>
-                <a:cs typeface="Arial" panose="020B0604020202020204" pitchFamily="34" charset="0"/>
-              </a:rPr>
-              <a:t>The </a:t>
+              <a:rPr lang="en-US" sz="2800" dirty="0">
+                <a:solidFill>
+                  <a:srgbClr val="00B050"/>
+                </a:solidFill>
+                <a:latin typeface="Arial" panose="020B0604020202020204" pitchFamily="34" charset="0"/>
+                <a:cs typeface="Arial" panose="020B0604020202020204" pitchFamily="34" charset="0"/>
+              </a:rPr>
+              <a:t>D</a:t>
             </a:r>
             <a:r>
               <a:rPr lang="en-US" sz="2800" dirty="0" smtClean="0">
@@ -16490,23 +17465,112 @@
                 <a:latin typeface="Arial" panose="020B0604020202020204" pitchFamily="34" charset="0"/>
                 <a:cs typeface="Arial" panose="020B0604020202020204" pitchFamily="34" charset="0"/>
               </a:rPr>
-              <a:t>do/while</a:t>
+              <a:t>o/while</a:t>
             </a:r>
             <a:r>
               <a:rPr lang="en-US" sz="2800" dirty="0" smtClean="0">
                 <a:latin typeface="Arial" panose="020B0604020202020204" pitchFamily="34" charset="0"/>
                 <a:cs typeface="Arial" panose="020B0604020202020204" pitchFamily="34" charset="0"/>
               </a:rPr>
-              <a:t> loop is a variant of while loop. This loop will execute the code for sure at least only once, before checking if the condition is </a:t>
+              <a:t> </a:t>
+            </a:r>
+            <a:r>
+              <a:rPr lang="bg-BG" sz="2800" dirty="0" smtClean="0">
+                <a:latin typeface="Arial" panose="020B0604020202020204" pitchFamily="34" charset="0"/>
+                <a:cs typeface="Arial" panose="020B0604020202020204" pitchFamily="34" charset="0"/>
+              </a:rPr>
+              <a:t>цикъла е вариация на </a:t>
             </a:r>
             <a:r>
               <a:rPr lang="en-US" sz="2800" dirty="0" smtClean="0">
                 <a:solidFill>
-                  <a:srgbClr val="002060"/>
+                  <a:srgbClr val="00B050"/>
                 </a:solidFill>
                 <a:latin typeface="Arial" panose="020B0604020202020204" pitchFamily="34" charset="0"/>
                 <a:cs typeface="Arial" panose="020B0604020202020204" pitchFamily="34" charset="0"/>
               </a:rPr>
+              <a:t>While</a:t>
+            </a:r>
+            <a:r>
+              <a:rPr lang="en-US" sz="2800" dirty="0" smtClean="0">
+                <a:latin typeface="Arial" panose="020B0604020202020204" pitchFamily="34" charset="0"/>
+                <a:cs typeface="Arial" panose="020B0604020202020204" pitchFamily="34" charset="0"/>
+              </a:rPr>
+              <a:t> </a:t>
+            </a:r>
+            <a:r>
+              <a:rPr lang="bg-BG" sz="2800" dirty="0" smtClean="0">
+                <a:latin typeface="Arial" panose="020B0604020202020204" pitchFamily="34" charset="0"/>
+                <a:cs typeface="Arial" panose="020B0604020202020204" pitchFamily="34" charset="0"/>
+              </a:rPr>
+              <a:t>цикъла</a:t>
+            </a:r>
+            <a:r>
+              <a:rPr lang="en-US" sz="2800" dirty="0" smtClean="0">
+                <a:latin typeface="Arial" panose="020B0604020202020204" pitchFamily="34" charset="0"/>
+                <a:cs typeface="Arial" panose="020B0604020202020204" pitchFamily="34" charset="0"/>
+              </a:rPr>
+              <a:t>. </a:t>
+            </a:r>
+            <a:r>
+              <a:rPr lang="bg-BG" sz="2800" dirty="0" smtClean="0">
+                <a:latin typeface="Arial" panose="020B0604020202020204" pitchFamily="34" charset="0"/>
+                <a:cs typeface="Arial" panose="020B0604020202020204" pitchFamily="34" charset="0"/>
+              </a:rPr>
+              <a:t>Този цикъл ще изпълни кодът в </a:t>
+            </a:r>
+            <a:r>
+              <a:rPr lang="en-US" sz="2800" dirty="0" smtClean="0">
+                <a:latin typeface="Arial" panose="020B0604020202020204" pitchFamily="34" charset="0"/>
+                <a:cs typeface="Arial" panose="020B0604020202020204" pitchFamily="34" charset="0"/>
+              </a:rPr>
+              <a:t>code</a:t>
+            </a:r>
+            <a:r>
+              <a:rPr lang="bg-BG" sz="2800" dirty="0" smtClean="0">
+                <a:latin typeface="Arial" panose="020B0604020202020204" pitchFamily="34" charset="0"/>
+                <a:cs typeface="Arial" panose="020B0604020202020204" pitchFamily="34" charset="0"/>
+              </a:rPr>
+              <a:t>-</a:t>
+            </a:r>
+            <a:r>
+              <a:rPr lang="en-US" sz="2800" dirty="0" smtClean="0">
+                <a:latin typeface="Arial" panose="020B0604020202020204" pitchFamily="34" charset="0"/>
+                <a:cs typeface="Arial" panose="020B0604020202020204" pitchFamily="34" charset="0"/>
+              </a:rPr>
+              <a:t>block</a:t>
+            </a:r>
+            <a:r>
+              <a:rPr lang="bg-BG" sz="2800" dirty="0" smtClean="0">
+                <a:latin typeface="Arial" panose="020B0604020202020204" pitchFamily="34" charset="0"/>
+                <a:cs typeface="Arial" panose="020B0604020202020204" pitchFamily="34" charset="0"/>
+              </a:rPr>
+              <a:t>-а поне веднъж</a:t>
+            </a:r>
+            <a:r>
+              <a:rPr lang="en-US" sz="2800" dirty="0" smtClean="0">
+                <a:latin typeface="Arial" panose="020B0604020202020204" pitchFamily="34" charset="0"/>
+                <a:cs typeface="Arial" panose="020B0604020202020204" pitchFamily="34" charset="0"/>
+              </a:rPr>
+              <a:t>, </a:t>
+            </a:r>
+            <a:r>
+              <a:rPr lang="bg-BG" sz="2800" dirty="0" smtClean="0">
+                <a:latin typeface="Arial" panose="020B0604020202020204" pitchFamily="34" charset="0"/>
+                <a:cs typeface="Arial" panose="020B0604020202020204" pitchFamily="34" charset="0"/>
+              </a:rPr>
+              <a:t>преди да провери дали условието е </a:t>
+            </a:r>
+            <a:r>
+              <a:rPr lang="en-US" sz="2800" dirty="0" smtClean="0">
+                <a:solidFill>
+                  <a:schemeClr val="accent5">
+                    <a:lumMod val="50000"/>
+                  </a:schemeClr>
+                </a:solidFill>
+                <a:latin typeface="Arial" panose="020B0604020202020204" pitchFamily="34" charset="0"/>
+                <a:cs typeface="Arial" panose="020B0604020202020204" pitchFamily="34" charset="0"/>
+              </a:rPr>
               <a:t>True</a:t>
             </a:r>
             <a:r>
@@ -16514,7 +17578,21 @@
                 <a:latin typeface="Arial" panose="020B0604020202020204" pitchFamily="34" charset="0"/>
                 <a:cs typeface="Arial" panose="020B0604020202020204" pitchFamily="34" charset="0"/>
               </a:rPr>
-              <a:t>, then it will repeat the loop as long as the condition is true.</a:t>
+              <a:t>,</a:t>
+            </a:r>
+            <a:r>
+              <a:rPr lang="bg-BG" sz="2800" dirty="0" smtClean="0">
+                <a:latin typeface="Arial" panose="020B0604020202020204" pitchFamily="34" charset="0"/>
+                <a:cs typeface="Arial" panose="020B0604020202020204" pitchFamily="34" charset="0"/>
+              </a:rPr>
+              <a:t> след това цикълът ще продължи докато условието в скобите е валидно</a:t>
+            </a:r>
+            <a:r>
+              <a:rPr lang="en-US" sz="2800" dirty="0" smtClean="0">
+                <a:latin typeface="Arial" panose="020B0604020202020204" pitchFamily="34" charset="0"/>
+                <a:cs typeface="Arial" panose="020B0604020202020204" pitchFamily="34" charset="0"/>
+              </a:rPr>
+              <a:t>.</a:t>
             </a:r>
             <a:endParaRPr lang="en-US" sz="2800" dirty="0">
               <a:latin typeface="Arial" panose="020B0604020202020204" pitchFamily="34" charset="0"/>
@@ -16527,348 +17605,6 @@
     <p:extLst>
       <p:ext uri="{BB962C8B-B14F-4D97-AF65-F5344CB8AC3E}">
         <p14:creationId xmlns:p14="http://schemas.microsoft.com/office/powerpoint/2010/main" val="902789663"/>
-      </p:ext>
-    </p:extLst>
-  </p:cSld>
-  <p:clrMapOvr>
-    <a:masterClrMapping/>
-  </p:clrMapOvr>
-  <p:timing>
-    <p:tnLst>
-      <p:par>
-        <p:cTn id="1" dur="indefinite" restart="never" nodeType="tmRoot"/>
-      </p:par>
-    </p:tnLst>
-  </p:timing>
-</p:sld>
-</file>
-
-<file path=ppt/slides/slide21.xml><?xml version="1.0" encoding="utf-8"?>
-<p:sld xmlns:a="http://schemas.openxmlformats.org/drawingml/2006/main" xmlns:r="http://schemas.openxmlformats.org/officeDocument/2006/relationships" xmlns:p="http://schemas.openxmlformats.org/presentationml/2006/main">
-  <p:cSld>
-    <p:spTree>
-      <p:nvGrpSpPr>
-        <p:cNvPr id="1" name=""/>
-        <p:cNvGrpSpPr/>
-        <p:nvPr/>
-      </p:nvGrpSpPr>
-      <p:grpSpPr>
-        <a:xfrm>
-          <a:off x="0" y="0"/>
-          <a:ext cx="0" cy="0"/>
-          <a:chOff x="0" y="0"/>
-          <a:chExt cx="0" cy="0"/>
-        </a:xfrm>
-      </p:grpSpPr>
-      <p:sp>
-        <p:nvSpPr>
-          <p:cNvPr id="2" name="Title 1"/>
-          <p:cNvSpPr>
-            <a:spLocks noGrp="1"/>
-          </p:cNvSpPr>
-          <p:nvPr>
-            <p:ph type="title"/>
-          </p:nvPr>
-        </p:nvSpPr>
-        <p:spPr/>
-        <p:txBody>
-          <a:bodyPr/>
-          <a:lstStyle/>
-          <a:p>
-            <a:pPr algn="ctr"/>
-            <a:r>
-              <a:rPr lang="en-US" dirty="0" smtClean="0">
-                <a:latin typeface="Arial" panose="020B0604020202020204" pitchFamily="34" charset="0"/>
-                <a:cs typeface="Arial" panose="020B0604020202020204" pitchFamily="34" charset="0"/>
-              </a:rPr>
-              <a:t>Loops(nested </a:t>
-            </a:r>
-            <a:r>
-              <a:rPr lang="en-US" dirty="0" smtClean="0">
-                <a:solidFill>
-                  <a:srgbClr val="FFFF00"/>
-                </a:solidFill>
-                <a:latin typeface="Arial" panose="020B0604020202020204" pitchFamily="34" charset="0"/>
-                <a:cs typeface="Arial" panose="020B0604020202020204" pitchFamily="34" charset="0"/>
-              </a:rPr>
-              <a:t>for</a:t>
-            </a:r>
-            <a:r>
-              <a:rPr lang="en-US" dirty="0" smtClean="0">
-                <a:latin typeface="Arial" panose="020B0604020202020204" pitchFamily="34" charset="0"/>
-                <a:cs typeface="Arial" panose="020B0604020202020204" pitchFamily="34" charset="0"/>
-              </a:rPr>
-              <a:t> loops)</a:t>
-            </a:r>
-            <a:endParaRPr lang="en-US" dirty="0">
-              <a:latin typeface="Arial" panose="020B0604020202020204" pitchFamily="34" charset="0"/>
-              <a:cs typeface="Arial" panose="020B0604020202020204" pitchFamily="34" charset="0"/>
-            </a:endParaRPr>
-          </a:p>
-        </p:txBody>
-      </p:sp>
-      <p:pic>
-        <p:nvPicPr>
-          <p:cNvPr id="4" name="Content Placeholder 3"/>
-          <p:cNvPicPr>
-            <a:picLocks noGrp="1" noChangeAspect="1"/>
-          </p:cNvPicPr>
-          <p:nvPr>
-            <p:ph idx="1"/>
-          </p:nvPr>
-        </p:nvPicPr>
-        <p:blipFill>
-          <a:blip r:embed="rId2">
-            <a:extLst>
-              <a:ext uri="{28A0092B-C50C-407E-A947-70E740481C1C}">
-                <a14:useLocalDpi xmlns:a14="http://schemas.microsoft.com/office/drawing/2010/main" val="0"/>
-              </a:ext>
-            </a:extLst>
-          </a:blip>
-          <a:stretch>
-            <a:fillRect/>
-          </a:stretch>
-        </p:blipFill>
-        <p:spPr>
-          <a:xfrm>
-            <a:off x="6469726" y="2496689"/>
-            <a:ext cx="5454796" cy="4135255"/>
-          </a:xfrm>
-        </p:spPr>
-      </p:pic>
-      <p:sp>
-        <p:nvSpPr>
-          <p:cNvPr id="5" name="TextBox 4"/>
-          <p:cNvSpPr txBox="1"/>
-          <p:nvPr/>
-        </p:nvSpPr>
-        <p:spPr>
-          <a:xfrm>
-            <a:off x="823701" y="3048194"/>
-            <a:ext cx="5054585" cy="2677656"/>
-          </a:xfrm>
-          <a:prstGeom prst="rect">
-            <a:avLst/>
-          </a:prstGeom>
-          <a:noFill/>
-        </p:spPr>
-        <p:txBody>
-          <a:bodyPr wrap="square" rtlCol="0">
-            <a:spAutoFit/>
-          </a:bodyPr>
-          <a:lstStyle/>
-          <a:p>
-            <a:r>
-              <a:rPr lang="en-US" sz="2800" dirty="0" smtClean="0">
-                <a:latin typeface="Arial" panose="020B0604020202020204" pitchFamily="34" charset="0"/>
-                <a:cs typeface="Arial" panose="020B0604020202020204" pitchFamily="34" charset="0"/>
-              </a:rPr>
-              <a:t>It is very important to know that after first iteration of </a:t>
-            </a:r>
-            <a:r>
-              <a:rPr lang="en-US" sz="2800" dirty="0" smtClean="0">
-                <a:solidFill>
-                  <a:srgbClr val="00B050"/>
-                </a:solidFill>
-                <a:latin typeface="Arial" panose="020B0604020202020204" pitchFamily="34" charset="0"/>
-                <a:cs typeface="Arial" panose="020B0604020202020204" pitchFamily="34" charset="0"/>
-              </a:rPr>
-              <a:t>outer</a:t>
-            </a:r>
-            <a:r>
-              <a:rPr lang="en-US" sz="2800" dirty="0" smtClean="0">
-                <a:latin typeface="Arial" panose="020B0604020202020204" pitchFamily="34" charset="0"/>
-                <a:cs typeface="Arial" panose="020B0604020202020204" pitchFamily="34" charset="0"/>
-              </a:rPr>
-              <a:t> loop, the </a:t>
-            </a:r>
-            <a:r>
-              <a:rPr lang="en-US" sz="2800" dirty="0" smtClean="0">
-                <a:solidFill>
-                  <a:srgbClr val="00B050"/>
-                </a:solidFill>
-                <a:latin typeface="Arial" panose="020B0604020202020204" pitchFamily="34" charset="0"/>
-                <a:cs typeface="Arial" panose="020B0604020202020204" pitchFamily="34" charset="0"/>
-              </a:rPr>
-              <a:t>inner</a:t>
-            </a:r>
-            <a:r>
-              <a:rPr lang="en-US" sz="2800" dirty="0" smtClean="0">
-                <a:latin typeface="Arial" panose="020B0604020202020204" pitchFamily="34" charset="0"/>
-                <a:cs typeface="Arial" panose="020B0604020202020204" pitchFamily="34" charset="0"/>
-              </a:rPr>
-              <a:t> loop has to complete. After that again the program goes to outer loop for second iteration, etc.</a:t>
-            </a:r>
-            <a:endParaRPr lang="en-US" sz="2800" dirty="0">
-              <a:latin typeface="Arial" panose="020B0604020202020204" pitchFamily="34" charset="0"/>
-              <a:cs typeface="Arial" panose="020B0604020202020204" pitchFamily="34" charset="0"/>
-            </a:endParaRPr>
-          </a:p>
-        </p:txBody>
-      </p:sp>
-    </p:spTree>
-    <p:extLst>
-      <p:ext uri="{BB962C8B-B14F-4D97-AF65-F5344CB8AC3E}">
-        <p14:creationId xmlns:p14="http://schemas.microsoft.com/office/powerpoint/2010/main" val="4081519577"/>
-      </p:ext>
-    </p:extLst>
-  </p:cSld>
-  <p:clrMapOvr>
-    <a:masterClrMapping/>
-  </p:clrMapOvr>
-  <p:timing>
-    <p:tnLst>
-      <p:par>
-        <p:cTn id="1" dur="indefinite" restart="never" nodeType="tmRoot"/>
-      </p:par>
-    </p:tnLst>
-  </p:timing>
-</p:sld>
-</file>
-
-<file path=ppt/slides/slide22.xml><?xml version="1.0" encoding="utf-8"?>
-<p:sld xmlns:a="http://schemas.openxmlformats.org/drawingml/2006/main" xmlns:r="http://schemas.openxmlformats.org/officeDocument/2006/relationships" xmlns:p="http://schemas.openxmlformats.org/presentationml/2006/main">
-  <p:cSld>
-    <p:spTree>
-      <p:nvGrpSpPr>
-        <p:cNvPr id="1" name=""/>
-        <p:cNvGrpSpPr/>
-        <p:nvPr/>
-      </p:nvGrpSpPr>
-      <p:grpSpPr>
-        <a:xfrm>
-          <a:off x="0" y="0"/>
-          <a:ext cx="0" cy="0"/>
-          <a:chOff x="0" y="0"/>
-          <a:chExt cx="0" cy="0"/>
-        </a:xfrm>
-      </p:grpSpPr>
-      <p:sp>
-        <p:nvSpPr>
-          <p:cNvPr id="2" name="Title 1"/>
-          <p:cNvSpPr>
-            <a:spLocks noGrp="1"/>
-          </p:cNvSpPr>
-          <p:nvPr>
-            <p:ph type="title"/>
-          </p:nvPr>
-        </p:nvSpPr>
-        <p:spPr/>
-        <p:txBody>
-          <a:bodyPr/>
-          <a:lstStyle/>
-          <a:p>
-            <a:pPr algn="ctr"/>
-            <a:r>
-              <a:rPr lang="en-US" dirty="0" smtClean="0">
-                <a:latin typeface="Arial" panose="020B0604020202020204" pitchFamily="34" charset="0"/>
-                <a:cs typeface="Arial" panose="020B0604020202020204" pitchFamily="34" charset="0"/>
-              </a:rPr>
-              <a:t>Using of “</a:t>
-            </a:r>
-            <a:r>
-              <a:rPr lang="en-US" dirty="0" smtClean="0">
-                <a:solidFill>
-                  <a:srgbClr val="FFFF00"/>
-                </a:solidFill>
-                <a:latin typeface="Arial" panose="020B0604020202020204" pitchFamily="34" charset="0"/>
-                <a:cs typeface="Arial" panose="020B0604020202020204" pitchFamily="34" charset="0"/>
-              </a:rPr>
-              <a:t>break</a:t>
-            </a:r>
-            <a:r>
-              <a:rPr lang="en-US" dirty="0" smtClean="0">
-                <a:latin typeface="Arial" panose="020B0604020202020204" pitchFamily="34" charset="0"/>
-                <a:cs typeface="Arial" panose="020B0604020202020204" pitchFamily="34" charset="0"/>
-              </a:rPr>
-              <a:t>”</a:t>
-            </a:r>
-            <a:endParaRPr lang="en-US" dirty="0">
-              <a:latin typeface="Arial" panose="020B0604020202020204" pitchFamily="34" charset="0"/>
-              <a:cs typeface="Arial" panose="020B0604020202020204" pitchFamily="34" charset="0"/>
-            </a:endParaRPr>
-          </a:p>
-        </p:txBody>
-      </p:sp>
-      <p:pic>
-        <p:nvPicPr>
-          <p:cNvPr id="4" name="Content Placeholder 3"/>
-          <p:cNvPicPr>
-            <a:picLocks noGrp="1" noChangeAspect="1"/>
-          </p:cNvPicPr>
-          <p:nvPr>
-            <p:ph idx="1"/>
-          </p:nvPr>
-        </p:nvPicPr>
-        <p:blipFill>
-          <a:blip r:embed="rId2">
-            <a:extLst>
-              <a:ext uri="{28A0092B-C50C-407E-A947-70E740481C1C}">
-                <a14:useLocalDpi xmlns:a14="http://schemas.microsoft.com/office/drawing/2010/main" val="0"/>
-              </a:ext>
-            </a:extLst>
-          </a:blip>
-          <a:stretch>
-            <a:fillRect/>
-          </a:stretch>
-        </p:blipFill>
-        <p:spPr>
-          <a:xfrm>
-            <a:off x="6259783" y="2510192"/>
-            <a:ext cx="4843645" cy="4126687"/>
-          </a:xfrm>
-        </p:spPr>
-      </p:pic>
-      <p:sp>
-        <p:nvSpPr>
-          <p:cNvPr id="5" name="TextBox 4"/>
-          <p:cNvSpPr txBox="1"/>
-          <p:nvPr/>
-        </p:nvSpPr>
-        <p:spPr>
-          <a:xfrm>
-            <a:off x="683741" y="3788228"/>
-            <a:ext cx="5054585" cy="954107"/>
-          </a:xfrm>
-          <a:prstGeom prst="rect">
-            <a:avLst/>
-          </a:prstGeom>
-          <a:noFill/>
-        </p:spPr>
-        <p:txBody>
-          <a:bodyPr wrap="square" rtlCol="0">
-            <a:spAutoFit/>
-          </a:bodyPr>
-          <a:lstStyle/>
-          <a:p>
-            <a:r>
-              <a:rPr lang="en-US" sz="2800" dirty="0" smtClean="0">
-                <a:solidFill>
-                  <a:srgbClr val="002060"/>
-                </a:solidFill>
-                <a:latin typeface="Arial" panose="020B0604020202020204" pitchFamily="34" charset="0"/>
-                <a:cs typeface="Arial" panose="020B0604020202020204" pitchFamily="34" charset="0"/>
-              </a:rPr>
-              <a:t>Break</a:t>
-            </a:r>
-            <a:r>
-              <a:rPr lang="en-US" sz="2800" dirty="0" smtClean="0">
-                <a:latin typeface="Arial" panose="020B0604020202020204" pitchFamily="34" charset="0"/>
-                <a:cs typeface="Arial" panose="020B0604020202020204" pitchFamily="34" charset="0"/>
-              </a:rPr>
-              <a:t> terminates the loop if condition is satisfied.</a:t>
-            </a:r>
-            <a:endParaRPr lang="en-US" sz="2800" dirty="0">
-              <a:latin typeface="Arial" panose="020B0604020202020204" pitchFamily="34" charset="0"/>
-              <a:cs typeface="Arial" panose="020B0604020202020204" pitchFamily="34" charset="0"/>
-            </a:endParaRPr>
-          </a:p>
-        </p:txBody>
-      </p:sp>
-    </p:spTree>
-    <p:extLst>
-      <p:ext uri="{BB962C8B-B14F-4D97-AF65-F5344CB8AC3E}">
-        <p14:creationId xmlns:p14="http://schemas.microsoft.com/office/powerpoint/2010/main" val="1064126904"/>
       </p:ext>
     </p:extLst>
   </p:cSld>
@@ -16919,11 +17655,421 @@
           <a:p>
             <a:pPr algn="ctr"/>
             <a:r>
+              <a:rPr lang="bg-BG" dirty="0" smtClean="0">
+                <a:latin typeface="Arial" panose="020B0604020202020204" pitchFamily="34" charset="0"/>
+                <a:cs typeface="Arial" panose="020B0604020202020204" pitchFamily="34" charset="0"/>
+              </a:rPr>
+              <a:t>Цикли (вложени</a:t>
+            </a:r>
+            <a:r>
               <a:rPr lang="en-US" dirty="0" smtClean="0">
                 <a:latin typeface="Arial" panose="020B0604020202020204" pitchFamily="34" charset="0"/>
                 <a:cs typeface="Arial" panose="020B0604020202020204" pitchFamily="34" charset="0"/>
               </a:rPr>
-              <a:t>Using of “</a:t>
+              <a:t> </a:t>
+            </a:r>
+            <a:r>
+              <a:rPr lang="en-US" dirty="0" smtClean="0">
+                <a:solidFill>
+                  <a:srgbClr val="FFFF00"/>
+                </a:solidFill>
+                <a:latin typeface="Arial" panose="020B0604020202020204" pitchFamily="34" charset="0"/>
+                <a:cs typeface="Arial" panose="020B0604020202020204" pitchFamily="34" charset="0"/>
+              </a:rPr>
+              <a:t>for</a:t>
+            </a:r>
+            <a:r>
+              <a:rPr lang="en-US" dirty="0" smtClean="0">
+                <a:latin typeface="Arial" panose="020B0604020202020204" pitchFamily="34" charset="0"/>
+                <a:cs typeface="Arial" panose="020B0604020202020204" pitchFamily="34" charset="0"/>
+              </a:rPr>
+              <a:t> </a:t>
+            </a:r>
+            <a:r>
+              <a:rPr lang="bg-BG" dirty="0" smtClean="0">
+                <a:latin typeface="Arial" panose="020B0604020202020204" pitchFamily="34" charset="0"/>
+                <a:cs typeface="Arial" panose="020B0604020202020204" pitchFamily="34" charset="0"/>
+              </a:rPr>
+              <a:t>цикли</a:t>
+            </a:r>
+            <a:r>
+              <a:rPr lang="en-US" dirty="0" smtClean="0">
+                <a:latin typeface="Arial" panose="020B0604020202020204" pitchFamily="34" charset="0"/>
+                <a:cs typeface="Arial" panose="020B0604020202020204" pitchFamily="34" charset="0"/>
+              </a:rPr>
+              <a:t>)</a:t>
+            </a:r>
+            <a:endParaRPr lang="en-US" dirty="0">
+              <a:latin typeface="Arial" panose="020B0604020202020204" pitchFamily="34" charset="0"/>
+              <a:cs typeface="Arial" panose="020B0604020202020204" pitchFamily="34" charset="0"/>
+            </a:endParaRPr>
+          </a:p>
+        </p:txBody>
+      </p:sp>
+      <p:pic>
+        <p:nvPicPr>
+          <p:cNvPr id="4" name="Content Placeholder 3"/>
+          <p:cNvPicPr>
+            <a:picLocks noGrp="1" noChangeAspect="1"/>
+          </p:cNvPicPr>
+          <p:nvPr>
+            <p:ph idx="1"/>
+          </p:nvPr>
+        </p:nvPicPr>
+        <p:blipFill>
+          <a:blip r:embed="rId2">
+            <a:extLst>
+              <a:ext uri="{28A0092B-C50C-407E-A947-70E740481C1C}">
+                <a14:useLocalDpi xmlns:a14="http://schemas.microsoft.com/office/drawing/2010/main" val="0"/>
+              </a:ext>
+            </a:extLst>
+          </a:blip>
+          <a:stretch>
+            <a:fillRect/>
+          </a:stretch>
+        </p:blipFill>
+        <p:spPr>
+          <a:xfrm>
+            <a:off x="6469726" y="2496689"/>
+            <a:ext cx="5454796" cy="4135255"/>
+          </a:xfrm>
+        </p:spPr>
+      </p:pic>
+      <p:sp>
+        <p:nvSpPr>
+          <p:cNvPr id="5" name="TextBox 4"/>
+          <p:cNvSpPr txBox="1"/>
+          <p:nvPr/>
+        </p:nvSpPr>
+        <p:spPr>
+          <a:xfrm>
+            <a:off x="823701" y="3048194"/>
+            <a:ext cx="5054585" cy="3108543"/>
+          </a:xfrm>
+          <a:prstGeom prst="rect">
+            <a:avLst/>
+          </a:prstGeom>
+          <a:noFill/>
+        </p:spPr>
+        <p:txBody>
+          <a:bodyPr wrap="square" rtlCol="0">
+            <a:spAutoFit/>
+          </a:bodyPr>
+          <a:lstStyle/>
+          <a:p>
+            <a:r>
+              <a:rPr lang="bg-BG" sz="2800" dirty="0" smtClean="0">
+                <a:latin typeface="Arial" panose="020B0604020202020204" pitchFamily="34" charset="0"/>
+                <a:cs typeface="Arial" panose="020B0604020202020204" pitchFamily="34" charset="0"/>
+              </a:rPr>
+              <a:t>Много е важно да знаете, че след първата итерация на </a:t>
+            </a:r>
+            <a:r>
+              <a:rPr lang="bg-BG" sz="2800" dirty="0" smtClean="0">
+                <a:solidFill>
+                  <a:srgbClr val="00B050"/>
+                </a:solidFill>
+                <a:latin typeface="Arial" panose="020B0604020202020204" pitchFamily="34" charset="0"/>
+                <a:cs typeface="Arial" panose="020B0604020202020204" pitchFamily="34" charset="0"/>
+              </a:rPr>
+              <a:t>външния</a:t>
+            </a:r>
+            <a:r>
+              <a:rPr lang="bg-BG" sz="2800" dirty="0" smtClean="0">
+                <a:latin typeface="Arial" panose="020B0604020202020204" pitchFamily="34" charset="0"/>
+                <a:cs typeface="Arial" panose="020B0604020202020204" pitchFamily="34" charset="0"/>
+              </a:rPr>
+              <a:t> цикъл, </a:t>
+            </a:r>
+            <a:r>
+              <a:rPr lang="bg-BG" sz="2800" dirty="0" smtClean="0">
+                <a:solidFill>
+                  <a:srgbClr val="00B050"/>
+                </a:solidFill>
+                <a:latin typeface="Arial" panose="020B0604020202020204" pitchFamily="34" charset="0"/>
+                <a:cs typeface="Arial" panose="020B0604020202020204" pitchFamily="34" charset="0"/>
+              </a:rPr>
+              <a:t>вътрешният</a:t>
+            </a:r>
+            <a:r>
+              <a:rPr lang="bg-BG" sz="2800" dirty="0" smtClean="0">
+                <a:latin typeface="Arial" panose="020B0604020202020204" pitchFamily="34" charset="0"/>
+                <a:cs typeface="Arial" panose="020B0604020202020204" pitchFamily="34" charset="0"/>
+              </a:rPr>
+              <a:t> цикъл ще се изпълни </a:t>
+            </a:r>
+            <a:r>
+              <a:rPr lang="bg-BG" sz="2800" dirty="0" smtClean="0">
+                <a:solidFill>
+                  <a:schemeClr val="accent2">
+                    <a:lumMod val="75000"/>
+                  </a:schemeClr>
+                </a:solidFill>
+                <a:latin typeface="Arial" panose="020B0604020202020204" pitchFamily="34" charset="0"/>
+                <a:cs typeface="Arial" panose="020B0604020202020204" pitchFamily="34" charset="0"/>
+              </a:rPr>
+              <a:t>целият</a:t>
+            </a:r>
+            <a:r>
+              <a:rPr lang="bg-BG" sz="2800" dirty="0" smtClean="0">
+                <a:latin typeface="Arial" panose="020B0604020202020204" pitchFamily="34" charset="0"/>
+                <a:cs typeface="Arial" panose="020B0604020202020204" pitchFamily="34" charset="0"/>
+              </a:rPr>
+              <a:t>, след което отново ще се върнем във външния за втора итерация и т.н.</a:t>
+            </a:r>
+            <a:endParaRPr lang="en-US" sz="2800" dirty="0">
+              <a:latin typeface="Arial" panose="020B0604020202020204" pitchFamily="34" charset="0"/>
+              <a:cs typeface="Arial" panose="020B0604020202020204" pitchFamily="34" charset="0"/>
+            </a:endParaRPr>
+          </a:p>
+        </p:txBody>
+      </p:sp>
+    </p:spTree>
+    <p:extLst>
+      <p:ext uri="{BB962C8B-B14F-4D97-AF65-F5344CB8AC3E}">
+        <p14:creationId xmlns:p14="http://schemas.microsoft.com/office/powerpoint/2010/main" val="4081519577"/>
+      </p:ext>
+    </p:extLst>
+  </p:cSld>
+  <p:clrMapOvr>
+    <a:masterClrMapping/>
+  </p:clrMapOvr>
+  <p:timing>
+    <p:tnLst>
+      <p:par>
+        <p:cTn id="1" dur="indefinite" restart="never" nodeType="tmRoot"/>
+      </p:par>
+    </p:tnLst>
+  </p:timing>
+</p:sld>
+</file>
+
+<file path=ppt/slides/slide24.xml><?xml version="1.0" encoding="utf-8"?>
+<p:sld xmlns:a="http://schemas.openxmlformats.org/drawingml/2006/main" xmlns:r="http://schemas.openxmlformats.org/officeDocument/2006/relationships" xmlns:p="http://schemas.openxmlformats.org/presentationml/2006/main">
+  <p:cSld>
+    <p:spTree>
+      <p:nvGrpSpPr>
+        <p:cNvPr id="1" name=""/>
+        <p:cNvGrpSpPr/>
+        <p:nvPr/>
+      </p:nvGrpSpPr>
+      <p:grpSpPr>
+        <a:xfrm>
+          <a:off x="0" y="0"/>
+          <a:ext cx="0" cy="0"/>
+          <a:chOff x="0" y="0"/>
+          <a:chExt cx="0" cy="0"/>
+        </a:xfrm>
+      </p:grpSpPr>
+      <p:sp>
+        <p:nvSpPr>
+          <p:cNvPr id="2" name="Title 1"/>
+          <p:cNvSpPr>
+            <a:spLocks noGrp="1"/>
+          </p:cNvSpPr>
+          <p:nvPr>
+            <p:ph type="title"/>
+          </p:nvPr>
+        </p:nvSpPr>
+        <p:spPr/>
+        <p:txBody>
+          <a:bodyPr/>
+          <a:lstStyle/>
+          <a:p>
+            <a:pPr algn="ctr"/>
+            <a:r>
+              <a:rPr lang="bg-BG" dirty="0" smtClean="0">
+                <a:latin typeface="Arial" panose="020B0604020202020204" pitchFamily="34" charset="0"/>
+                <a:cs typeface="Arial" panose="020B0604020202020204" pitchFamily="34" charset="0"/>
+              </a:rPr>
+              <a:t>Използване на </a:t>
+            </a:r>
+            <a:r>
+              <a:rPr lang="en-US" dirty="0" smtClean="0">
+                <a:latin typeface="Arial" panose="020B0604020202020204" pitchFamily="34" charset="0"/>
+                <a:cs typeface="Arial" panose="020B0604020202020204" pitchFamily="34" charset="0"/>
+              </a:rPr>
+              <a:t>“</a:t>
+            </a:r>
+            <a:r>
+              <a:rPr lang="en-US" dirty="0" smtClean="0">
+                <a:solidFill>
+                  <a:srgbClr val="FFFF00"/>
+                </a:solidFill>
+                <a:latin typeface="Arial" panose="020B0604020202020204" pitchFamily="34" charset="0"/>
+                <a:cs typeface="Arial" panose="020B0604020202020204" pitchFamily="34" charset="0"/>
+              </a:rPr>
+              <a:t>break</a:t>
+            </a:r>
+            <a:r>
+              <a:rPr lang="en-US" dirty="0" smtClean="0">
+                <a:latin typeface="Arial" panose="020B0604020202020204" pitchFamily="34" charset="0"/>
+                <a:cs typeface="Arial" panose="020B0604020202020204" pitchFamily="34" charset="0"/>
+              </a:rPr>
+              <a:t>”</a:t>
+            </a:r>
+            <a:endParaRPr lang="en-US" dirty="0">
+              <a:latin typeface="Arial" panose="020B0604020202020204" pitchFamily="34" charset="0"/>
+              <a:cs typeface="Arial" panose="020B0604020202020204" pitchFamily="34" charset="0"/>
+            </a:endParaRPr>
+          </a:p>
+        </p:txBody>
+      </p:sp>
+      <p:pic>
+        <p:nvPicPr>
+          <p:cNvPr id="4" name="Content Placeholder 3"/>
+          <p:cNvPicPr>
+            <a:picLocks noGrp="1" noChangeAspect="1"/>
+          </p:cNvPicPr>
+          <p:nvPr>
+            <p:ph idx="1"/>
+          </p:nvPr>
+        </p:nvPicPr>
+        <p:blipFill>
+          <a:blip r:embed="rId2">
+            <a:extLst>
+              <a:ext uri="{28A0092B-C50C-407E-A947-70E740481C1C}">
+                <a14:useLocalDpi xmlns:a14="http://schemas.microsoft.com/office/drawing/2010/main" val="0"/>
+              </a:ext>
+            </a:extLst>
+          </a:blip>
+          <a:stretch>
+            <a:fillRect/>
+          </a:stretch>
+        </p:blipFill>
+        <p:spPr>
+          <a:xfrm>
+            <a:off x="6259783" y="2510192"/>
+            <a:ext cx="4843645" cy="4126687"/>
+          </a:xfrm>
+        </p:spPr>
+      </p:pic>
+      <p:sp>
+        <p:nvSpPr>
+          <p:cNvPr id="5" name="TextBox 4"/>
+          <p:cNvSpPr txBox="1"/>
+          <p:nvPr/>
+        </p:nvSpPr>
+        <p:spPr>
+          <a:xfrm>
+            <a:off x="719022" y="3218212"/>
+            <a:ext cx="5054585" cy="1815882"/>
+          </a:xfrm>
+          <a:prstGeom prst="rect">
+            <a:avLst/>
+          </a:prstGeom>
+          <a:noFill/>
+        </p:spPr>
+        <p:txBody>
+          <a:bodyPr wrap="square" rtlCol="0">
+            <a:spAutoFit/>
+          </a:bodyPr>
+          <a:lstStyle/>
+          <a:p>
+            <a:r>
+              <a:rPr lang="en-US" sz="2800" dirty="0" smtClean="0">
+                <a:solidFill>
+                  <a:srgbClr val="002060"/>
+                </a:solidFill>
+                <a:latin typeface="Arial" panose="020B0604020202020204" pitchFamily="34" charset="0"/>
+                <a:cs typeface="Arial" panose="020B0604020202020204" pitchFamily="34" charset="0"/>
+              </a:rPr>
+              <a:t>Break</a:t>
+            </a:r>
+            <a:r>
+              <a:rPr lang="en-US" sz="2800" dirty="0" smtClean="0">
+                <a:latin typeface="Arial" panose="020B0604020202020204" pitchFamily="34" charset="0"/>
+                <a:cs typeface="Arial" panose="020B0604020202020204" pitchFamily="34" charset="0"/>
+              </a:rPr>
+              <a:t> </a:t>
+            </a:r>
+            <a:r>
+              <a:rPr lang="bg-BG" sz="2800" dirty="0" smtClean="0">
+                <a:latin typeface="Arial" panose="020B0604020202020204" pitchFamily="34" charset="0"/>
+                <a:cs typeface="Arial" panose="020B0604020202020204" pitchFamily="34" charset="0"/>
+              </a:rPr>
+              <a:t>прекъсва (терминира) цикъла, ако условието, в което се намира е изпълнено</a:t>
+            </a:r>
+            <a:r>
+              <a:rPr lang="en-US" sz="2800" dirty="0" smtClean="0">
+                <a:latin typeface="Arial" panose="020B0604020202020204" pitchFamily="34" charset="0"/>
+                <a:cs typeface="Arial" panose="020B0604020202020204" pitchFamily="34" charset="0"/>
+              </a:rPr>
+              <a:t>.</a:t>
+            </a:r>
+            <a:endParaRPr lang="en-US" sz="2800" dirty="0">
+              <a:latin typeface="Arial" panose="020B0604020202020204" pitchFamily="34" charset="0"/>
+              <a:cs typeface="Arial" panose="020B0604020202020204" pitchFamily="34" charset="0"/>
+            </a:endParaRPr>
+          </a:p>
+        </p:txBody>
+      </p:sp>
+    </p:spTree>
+    <p:extLst>
+      <p:ext uri="{BB962C8B-B14F-4D97-AF65-F5344CB8AC3E}">
+        <p14:creationId xmlns:p14="http://schemas.microsoft.com/office/powerpoint/2010/main" val="1064126904"/>
+      </p:ext>
+    </p:extLst>
+  </p:cSld>
+  <p:clrMapOvr>
+    <a:masterClrMapping/>
+  </p:clrMapOvr>
+  <p:timing>
+    <p:tnLst>
+      <p:par>
+        <p:cTn id="1" dur="indefinite" restart="never" nodeType="tmRoot"/>
+      </p:par>
+    </p:tnLst>
+  </p:timing>
+</p:sld>
+</file>
+
+<file path=ppt/slides/slide25.xml><?xml version="1.0" encoding="utf-8"?>
+<p:sld xmlns:a="http://schemas.openxmlformats.org/drawingml/2006/main" xmlns:r="http://schemas.openxmlformats.org/officeDocument/2006/relationships" xmlns:p="http://schemas.openxmlformats.org/presentationml/2006/main">
+  <p:cSld>
+    <p:spTree>
+      <p:nvGrpSpPr>
+        <p:cNvPr id="1" name=""/>
+        <p:cNvGrpSpPr/>
+        <p:nvPr/>
+      </p:nvGrpSpPr>
+      <p:grpSpPr>
+        <a:xfrm>
+          <a:off x="0" y="0"/>
+          <a:ext cx="0" cy="0"/>
+          <a:chOff x="0" y="0"/>
+          <a:chExt cx="0" cy="0"/>
+        </a:xfrm>
+      </p:grpSpPr>
+      <p:sp>
+        <p:nvSpPr>
+          <p:cNvPr id="2" name="Title 1"/>
+          <p:cNvSpPr>
+            <a:spLocks noGrp="1"/>
+          </p:cNvSpPr>
+          <p:nvPr>
+            <p:ph type="title"/>
+          </p:nvPr>
+        </p:nvSpPr>
+        <p:spPr/>
+        <p:txBody>
+          <a:bodyPr/>
+          <a:lstStyle/>
+          <a:p>
+            <a:pPr algn="ctr"/>
+            <a:r>
+              <a:rPr lang="bg-BG" dirty="0" smtClean="0">
+                <a:latin typeface="Arial" panose="020B0604020202020204" pitchFamily="34" charset="0"/>
+                <a:cs typeface="Arial" panose="020B0604020202020204" pitchFamily="34" charset="0"/>
+              </a:rPr>
+              <a:t>Използване на </a:t>
+            </a:r>
+            <a:r>
+              <a:rPr lang="en-US" dirty="0" smtClean="0">
+                <a:latin typeface="Arial" panose="020B0604020202020204" pitchFamily="34" charset="0"/>
+                <a:cs typeface="Arial" panose="020B0604020202020204" pitchFamily="34" charset="0"/>
+              </a:rPr>
+              <a:t>“</a:t>
             </a:r>
             <a:r>
               <a:rPr lang="en-US" dirty="0" smtClean="0">
@@ -17011,11 +18157,21 @@
               <a:t>Continue</a:t>
             </a:r>
             <a:r>
-              <a:rPr lang="en-US" sz="2800" dirty="0" smtClean="0">
-                <a:latin typeface="Arial" panose="020B0604020202020204" pitchFamily="34" charset="0"/>
-                <a:cs typeface="Arial" panose="020B0604020202020204" pitchFamily="34" charset="0"/>
-              </a:rPr>
-              <a:t> just continue to the next loop iteration if the condition is satisfied.</a:t>
+              <a:rPr lang="bg-BG" sz="2800" dirty="0" smtClean="0">
+                <a:solidFill>
+                  <a:srgbClr val="002060"/>
+                </a:solidFill>
+                <a:latin typeface="Arial" panose="020B0604020202020204" pitchFamily="34" charset="0"/>
+                <a:cs typeface="Arial" panose="020B0604020202020204" pitchFamily="34" charset="0"/>
+              </a:rPr>
+              <a:t> </a:t>
+            </a:r>
+            <a:r>
+              <a:rPr lang="bg-BG" sz="2800" dirty="0" smtClean="0">
+                <a:latin typeface="Arial" panose="020B0604020202020204" pitchFamily="34" charset="0"/>
+                <a:cs typeface="Arial" panose="020B0604020202020204" pitchFamily="34" charset="0"/>
+              </a:rPr>
+              <a:t>просто отива на следващата итерация от цикъла, ако има такава.</a:t>
             </a:r>
             <a:endParaRPr lang="en-US" sz="2800" dirty="0">
               <a:latin typeface="Arial" panose="020B0604020202020204" pitchFamily="34" charset="0"/>
@@ -17041,6 +18197,188 @@
       </p:par>
     </p:tnLst>
   </p:timing>
+</p:sld>
+</file>
+
+<file path=ppt/slides/slide26.xml><?xml version="1.0" encoding="utf-8"?>
+<p:sld xmlns:a="http://schemas.openxmlformats.org/drawingml/2006/main" xmlns:r="http://schemas.openxmlformats.org/officeDocument/2006/relationships" xmlns:p="http://schemas.openxmlformats.org/presentationml/2006/main">
+  <p:cSld>
+    <p:spTree>
+      <p:nvGrpSpPr>
+        <p:cNvPr id="1" name=""/>
+        <p:cNvGrpSpPr/>
+        <p:nvPr/>
+      </p:nvGrpSpPr>
+      <p:grpSpPr>
+        <a:xfrm>
+          <a:off x="0" y="0"/>
+          <a:ext cx="0" cy="0"/>
+          <a:chOff x="0" y="0"/>
+          <a:chExt cx="0" cy="0"/>
+        </a:xfrm>
+      </p:grpSpPr>
+      <p:sp>
+        <p:nvSpPr>
+          <p:cNvPr id="2" name="Title 1"/>
+          <p:cNvSpPr>
+            <a:spLocks noGrp="1"/>
+          </p:cNvSpPr>
+          <p:nvPr>
+            <p:ph type="title"/>
+          </p:nvPr>
+        </p:nvSpPr>
+        <p:spPr/>
+        <p:txBody>
+          <a:bodyPr/>
+          <a:lstStyle/>
+          <a:p>
+            <a:pPr algn="ctr"/>
+            <a:r>
+              <a:rPr lang="en-US" dirty="0" smtClean="0">
+                <a:latin typeface="Arial" panose="020B0604020202020204" pitchFamily="34" charset="0"/>
+                <a:cs typeface="Arial" panose="020B0604020202020204" pitchFamily="34" charset="0"/>
+              </a:rPr>
+              <a:t>C# </a:t>
+            </a:r>
+            <a:r>
+              <a:rPr lang="bg-BG" dirty="0" smtClean="0">
+                <a:solidFill>
+                  <a:srgbClr val="FFFF00"/>
+                </a:solidFill>
+                <a:latin typeface="Arial" panose="020B0604020202020204" pitchFamily="34" charset="0"/>
+                <a:cs typeface="Arial" panose="020B0604020202020204" pitchFamily="34" charset="0"/>
+              </a:rPr>
+              <a:t>коментари</a:t>
+            </a:r>
+            <a:endParaRPr lang="en-US" dirty="0">
+              <a:solidFill>
+                <a:srgbClr val="FFFF00"/>
+              </a:solidFill>
+              <a:latin typeface="Arial" panose="020B0604020202020204" pitchFamily="34" charset="0"/>
+              <a:cs typeface="Arial" panose="020B0604020202020204" pitchFamily="34" charset="0"/>
+            </a:endParaRPr>
+          </a:p>
+        </p:txBody>
+      </p:sp>
+      <p:sp>
+        <p:nvSpPr>
+          <p:cNvPr id="3" name="Text Placeholder 2"/>
+          <p:cNvSpPr>
+            <a:spLocks noGrp="1"/>
+          </p:cNvSpPr>
+          <p:nvPr>
+            <p:ph type="body" idx="1"/>
+          </p:nvPr>
+        </p:nvSpPr>
+        <p:spPr/>
+        <p:txBody>
+          <a:bodyPr/>
+          <a:lstStyle/>
+          <a:p>
+            <a:r>
+              <a:rPr lang="bg-BG" dirty="0" smtClean="0"/>
+              <a:t>Коментар на една линия</a:t>
+            </a:r>
+            <a:endParaRPr lang="en-US" dirty="0"/>
+          </a:p>
+        </p:txBody>
+      </p:sp>
+      <p:pic>
+        <p:nvPicPr>
+          <p:cNvPr id="7" name="Content Placeholder 6"/>
+          <p:cNvPicPr>
+            <a:picLocks noGrp="1" noChangeAspect="1"/>
+          </p:cNvPicPr>
+          <p:nvPr>
+            <p:ph sz="half" idx="2"/>
+          </p:nvPr>
+        </p:nvPicPr>
+        <p:blipFill>
+          <a:blip r:embed="rId2">
+            <a:extLst>
+              <a:ext uri="{28A0092B-C50C-407E-A947-70E740481C1C}">
+                <a14:useLocalDpi xmlns:a14="http://schemas.microsoft.com/office/drawing/2010/main" val="0"/>
+              </a:ext>
+            </a:extLst>
+          </a:blip>
+          <a:stretch>
+            <a:fillRect/>
+          </a:stretch>
+        </p:blipFill>
+        <p:spPr>
+          <a:xfrm>
+            <a:off x="1154954" y="3464519"/>
+            <a:ext cx="4085790" cy="923086"/>
+          </a:xfrm>
+        </p:spPr>
+      </p:pic>
+      <p:sp>
+        <p:nvSpPr>
+          <p:cNvPr id="5" name="Text Placeholder 4"/>
+          <p:cNvSpPr>
+            <a:spLocks noGrp="1"/>
+          </p:cNvSpPr>
+          <p:nvPr>
+            <p:ph type="body" sz="quarter" idx="3"/>
+          </p:nvPr>
+        </p:nvSpPr>
+        <p:spPr>
+          <a:xfrm>
+            <a:off x="6532562" y="2379306"/>
+            <a:ext cx="5659438" cy="800456"/>
+          </a:xfrm>
+        </p:spPr>
+        <p:txBody>
+          <a:bodyPr/>
+          <a:lstStyle/>
+          <a:p>
+            <a:r>
+              <a:rPr lang="bg-BG" dirty="0" smtClean="0"/>
+              <a:t>Коментар на множество линии</a:t>
+            </a:r>
+            <a:endParaRPr lang="en-US" dirty="0"/>
+          </a:p>
+        </p:txBody>
+      </p:sp>
+      <p:pic>
+        <p:nvPicPr>
+          <p:cNvPr id="8" name="Content Placeholder 7"/>
+          <p:cNvPicPr>
+            <a:picLocks noGrp="1" noChangeAspect="1"/>
+          </p:cNvPicPr>
+          <p:nvPr>
+            <p:ph sz="quarter" idx="4"/>
+          </p:nvPr>
+        </p:nvPicPr>
+        <p:blipFill>
+          <a:blip r:embed="rId3">
+            <a:extLst>
+              <a:ext uri="{28A0092B-C50C-407E-A947-70E740481C1C}">
+                <a14:useLocalDpi xmlns:a14="http://schemas.microsoft.com/office/drawing/2010/main" val="0"/>
+              </a:ext>
+            </a:extLst>
+          </a:blip>
+          <a:stretch>
+            <a:fillRect/>
+          </a:stretch>
+        </p:blipFill>
+        <p:spPr>
+          <a:xfrm>
+            <a:off x="7906884" y="3312801"/>
+            <a:ext cx="2726186" cy="2167402"/>
+          </a:xfrm>
+        </p:spPr>
+      </p:pic>
+    </p:spTree>
+    <p:extLst>
+      <p:ext uri="{BB962C8B-B14F-4D97-AF65-F5344CB8AC3E}">
+        <p14:creationId xmlns:p14="http://schemas.microsoft.com/office/powerpoint/2010/main" val="2680792248"/>
+      </p:ext>
+    </p:extLst>
+  </p:cSld>
+  <p:clrMapOvr>
+    <a:masterClrMapping/>
+  </p:clrMapOvr>
 </p:sld>
 </file>
 
@@ -17071,10 +18409,744 @@
             <p:ph type="title"/>
           </p:nvPr>
         </p:nvSpPr>
+        <p:spPr/>
+        <p:txBody>
+          <a:bodyPr/>
+          <a:lstStyle/>
+          <a:p>
+            <a:pPr algn="ctr"/>
+            <a:r>
+              <a:rPr lang="bg-BG" dirty="0" smtClean="0">
+                <a:latin typeface="Arial" panose="020B0604020202020204" pitchFamily="34" charset="0"/>
+                <a:cs typeface="Arial" panose="020B0604020202020204" pitchFamily="34" charset="0"/>
+              </a:rPr>
+              <a:t>Какво е </a:t>
+            </a:r>
+            <a:r>
+              <a:rPr lang="en-US" dirty="0" smtClean="0">
+                <a:solidFill>
+                  <a:srgbClr val="FFFF00"/>
+                </a:solidFill>
+                <a:latin typeface="Arial" panose="020B0604020202020204" pitchFamily="34" charset="0"/>
+                <a:cs typeface="Arial" panose="020B0604020202020204" pitchFamily="34" charset="0"/>
+              </a:rPr>
+              <a:t>C</a:t>
+            </a:r>
+            <a:r>
+              <a:rPr lang="en-US" dirty="0" smtClean="0">
+                <a:solidFill>
+                  <a:srgbClr val="FFFF00"/>
+                </a:solidFill>
+                <a:latin typeface="Arial" panose="020B0604020202020204" pitchFamily="34" charset="0"/>
+                <a:cs typeface="Arial" panose="020B0604020202020204" pitchFamily="34" charset="0"/>
+              </a:rPr>
+              <a:t>#</a:t>
+            </a:r>
+            <a:r>
+              <a:rPr lang="en-US" dirty="0" smtClean="0">
+                <a:latin typeface="Arial" panose="020B0604020202020204" pitchFamily="34" charset="0"/>
+                <a:cs typeface="Arial" panose="020B0604020202020204" pitchFamily="34" charset="0"/>
+              </a:rPr>
+              <a:t>?</a:t>
+            </a:r>
+            <a:endParaRPr lang="en-US" dirty="0">
+              <a:latin typeface="Arial" panose="020B0604020202020204" pitchFamily="34" charset="0"/>
+              <a:cs typeface="Arial" panose="020B0604020202020204" pitchFamily="34" charset="0"/>
+            </a:endParaRPr>
+          </a:p>
+        </p:txBody>
+      </p:sp>
+      <p:sp>
+        <p:nvSpPr>
+          <p:cNvPr id="7" name="Content Placeholder 3"/>
+          <p:cNvSpPr>
+            <a:spLocks noGrp="1"/>
+          </p:cNvSpPr>
+          <p:nvPr>
+            <p:ph sz="half" idx="2"/>
+          </p:nvPr>
+        </p:nvSpPr>
         <p:spPr>
           <a:xfrm>
-            <a:off x="1154956" y="1346719"/>
-            <a:ext cx="2793158" cy="486747"/>
+            <a:off x="6196902" y="2327563"/>
+            <a:ext cx="4535753" cy="4054763"/>
+          </a:xfrm>
+        </p:spPr>
+        <p:txBody>
+          <a:bodyPr>
+            <a:normAutofit/>
+          </a:bodyPr>
+          <a:lstStyle/>
+          <a:p>
+            <a:pPr marL="0" indent="0">
+              <a:buNone/>
+            </a:pPr>
+            <a:endParaRPr lang="en-US" sz="1600" dirty="0">
+              <a:latin typeface="Arial" panose="020B0604020202020204" pitchFamily="34" charset="0"/>
+              <a:cs typeface="Arial" panose="020B0604020202020204" pitchFamily="34" charset="0"/>
+            </a:endParaRPr>
+          </a:p>
+          <a:p>
+            <a:endParaRPr lang="en-US" sz="1600" dirty="0">
+              <a:latin typeface="Arial" panose="020B0604020202020204" pitchFamily="34" charset="0"/>
+              <a:cs typeface="Arial" panose="020B0604020202020204" pitchFamily="34" charset="0"/>
+            </a:endParaRPr>
+          </a:p>
+          <a:p>
+            <a:endParaRPr lang="en-US" sz="1600" dirty="0">
+              <a:latin typeface="Arial" panose="020B0604020202020204" pitchFamily="34" charset="0"/>
+              <a:cs typeface="Arial" panose="020B0604020202020204" pitchFamily="34" charset="0"/>
+            </a:endParaRPr>
+          </a:p>
+          <a:p>
+            <a:endParaRPr lang="en-US" dirty="0">
+              <a:latin typeface="Arial" panose="020B0604020202020204" pitchFamily="34" charset="0"/>
+              <a:cs typeface="Arial" panose="020B0604020202020204" pitchFamily="34" charset="0"/>
+            </a:endParaRPr>
+          </a:p>
+          <a:p>
+            <a:endParaRPr lang="en-US" dirty="0">
+              <a:latin typeface="Arial" panose="020B0604020202020204" pitchFamily="34" charset="0"/>
+              <a:cs typeface="Arial" panose="020B0604020202020204" pitchFamily="34" charset="0"/>
+            </a:endParaRPr>
+          </a:p>
+          <a:p>
+            <a:endParaRPr lang="en-US" dirty="0">
+              <a:latin typeface="Arial" panose="020B0604020202020204" pitchFamily="34" charset="0"/>
+              <a:cs typeface="Arial" panose="020B0604020202020204" pitchFamily="34" charset="0"/>
+            </a:endParaRPr>
+          </a:p>
+          <a:p>
+            <a:endParaRPr lang="en-US" dirty="0">
+              <a:latin typeface="Arial" panose="020B0604020202020204" pitchFamily="34" charset="0"/>
+              <a:cs typeface="Arial" panose="020B0604020202020204" pitchFamily="34" charset="0"/>
+            </a:endParaRPr>
+          </a:p>
+          <a:p>
+            <a:endParaRPr lang="en-US" dirty="0"/>
+          </a:p>
+          <a:p>
+            <a:endParaRPr lang="en-US" dirty="0"/>
+          </a:p>
+        </p:txBody>
+      </p:sp>
+      <p:sp>
+        <p:nvSpPr>
+          <p:cNvPr id="4" name="Content Placeholder 3"/>
+          <p:cNvSpPr>
+            <a:spLocks noGrp="1"/>
+          </p:cNvSpPr>
+          <p:nvPr>
+            <p:ph sz="half" idx="2"/>
+          </p:nvPr>
+        </p:nvSpPr>
+        <p:spPr>
+          <a:xfrm>
+            <a:off x="782192" y="2771700"/>
+            <a:ext cx="10927726" cy="3713076"/>
+          </a:xfrm>
+        </p:spPr>
+        <p:txBody>
+          <a:bodyPr>
+            <a:normAutofit fontScale="92500" lnSpcReduction="10000"/>
+          </a:bodyPr>
+          <a:lstStyle/>
+          <a:p>
+            <a:r>
+              <a:rPr lang="en-US" sz="2000" dirty="0" smtClean="0">
+                <a:latin typeface="Arial" panose="020B0604020202020204" pitchFamily="34" charset="0"/>
+                <a:cs typeface="Arial" panose="020B0604020202020204" pitchFamily="34" charset="0"/>
+              </a:rPr>
+              <a:t>C# </a:t>
+            </a:r>
+            <a:r>
+              <a:rPr lang="bg-BG" sz="2000" dirty="0" smtClean="0">
+                <a:latin typeface="Arial" panose="020B0604020202020204" pitchFamily="34" charset="0"/>
+                <a:cs typeface="Arial" panose="020B0604020202020204" pitchFamily="34" charset="0"/>
+              </a:rPr>
+              <a:t>е проектиран от </a:t>
+            </a:r>
+            <a:r>
+              <a:rPr lang="bg-BG" sz="2000" dirty="0" smtClean="0">
+                <a:latin typeface="Arial" panose="020B0604020202020204" pitchFamily="34" charset="0"/>
+                <a:cs typeface="Arial" panose="020B0604020202020204" pitchFamily="34" charset="0"/>
+              </a:rPr>
+              <a:t>Андерс Хейлсберг от</a:t>
+            </a:r>
+            <a:r>
+              <a:rPr lang="en-US" sz="2000" dirty="0" smtClean="0">
+                <a:latin typeface="Arial" panose="020B0604020202020204" pitchFamily="34" charset="0"/>
+                <a:cs typeface="Arial" panose="020B0604020202020204" pitchFamily="34" charset="0"/>
+              </a:rPr>
+              <a:t> </a:t>
+            </a:r>
+            <a:r>
+              <a:rPr lang="en-US" sz="2000" dirty="0" smtClean="0">
+                <a:latin typeface="Arial" panose="020B0604020202020204" pitchFamily="34" charset="0"/>
+                <a:cs typeface="Arial" panose="020B0604020202020204" pitchFamily="34" charset="0"/>
+              </a:rPr>
+              <a:t>Microsoft </a:t>
+            </a:r>
+            <a:r>
+              <a:rPr lang="bg-BG" sz="2000" dirty="0" smtClean="0">
+                <a:latin typeface="Arial" panose="020B0604020202020204" pitchFamily="34" charset="0"/>
+                <a:cs typeface="Arial" panose="020B0604020202020204" pitchFamily="34" charset="0"/>
+              </a:rPr>
+              <a:t>през</a:t>
+            </a:r>
+            <a:r>
+              <a:rPr lang="en-US" sz="2000" dirty="0" smtClean="0">
+                <a:latin typeface="Arial" panose="020B0604020202020204" pitchFamily="34" charset="0"/>
+                <a:cs typeface="Arial" panose="020B0604020202020204" pitchFamily="34" charset="0"/>
+              </a:rPr>
+              <a:t> 2000</a:t>
+            </a:r>
+            <a:r>
+              <a:rPr lang="bg-BG" sz="2000" dirty="0" smtClean="0">
+                <a:latin typeface="Arial" panose="020B0604020202020204" pitchFamily="34" charset="0"/>
+                <a:cs typeface="Arial" panose="020B0604020202020204" pitchFamily="34" charset="0"/>
+              </a:rPr>
+              <a:t> год.</a:t>
+            </a:r>
+            <a:endParaRPr lang="en-US" sz="2000" dirty="0" smtClean="0">
+              <a:latin typeface="Arial" panose="020B0604020202020204" pitchFamily="34" charset="0"/>
+              <a:cs typeface="Arial" panose="020B0604020202020204" pitchFamily="34" charset="0"/>
+            </a:endParaRPr>
+          </a:p>
+          <a:p>
+            <a:r>
+              <a:rPr lang="en-US" sz="2000" dirty="0" smtClean="0">
+                <a:latin typeface="Arial" panose="020B0604020202020204" pitchFamily="34" charset="0"/>
+                <a:cs typeface="Arial" panose="020B0604020202020204" pitchFamily="34" charset="0"/>
+              </a:rPr>
+              <a:t>C# </a:t>
+            </a:r>
+            <a:r>
+              <a:rPr lang="bg-BG" sz="2000" dirty="0">
+                <a:latin typeface="Arial" panose="020B0604020202020204" pitchFamily="34" charset="0"/>
+                <a:cs typeface="Arial" panose="020B0604020202020204" pitchFamily="34" charset="0"/>
+              </a:rPr>
+              <a:t>е</a:t>
+            </a:r>
+            <a:r>
+              <a:rPr lang="en-US" sz="2000" dirty="0" smtClean="0">
+                <a:latin typeface="Arial" panose="020B0604020202020204" pitchFamily="34" charset="0"/>
+                <a:cs typeface="Arial" panose="020B0604020202020204" pitchFamily="34" charset="0"/>
+              </a:rPr>
+              <a:t> </a:t>
+            </a:r>
+            <a:r>
+              <a:rPr lang="en-US" sz="2000" dirty="0" smtClean="0">
+                <a:latin typeface="Arial" panose="020B0604020202020204" pitchFamily="34" charset="0"/>
+                <a:cs typeface="Arial" panose="020B0604020202020204" pitchFamily="34" charset="0"/>
+              </a:rPr>
+              <a:t>general purpose </a:t>
+            </a:r>
+            <a:r>
+              <a:rPr lang="bg-BG" sz="2000" dirty="0" smtClean="0">
+                <a:latin typeface="Arial" panose="020B0604020202020204" pitchFamily="34" charset="0"/>
+                <a:cs typeface="Arial" panose="020B0604020202020204" pitchFamily="34" charset="0"/>
+              </a:rPr>
+              <a:t>програмен език</a:t>
+            </a:r>
+            <a:endParaRPr lang="en-US" sz="2000" dirty="0" smtClean="0">
+              <a:latin typeface="Arial" panose="020B0604020202020204" pitchFamily="34" charset="0"/>
+              <a:cs typeface="Arial" panose="020B0604020202020204" pitchFamily="34" charset="0"/>
+            </a:endParaRPr>
+          </a:p>
+          <a:p>
+            <a:r>
+              <a:rPr lang="en-US" sz="2000" dirty="0" smtClean="0">
+                <a:latin typeface="Arial" panose="020B0604020202020204" pitchFamily="34" charset="0"/>
+                <a:cs typeface="Arial" panose="020B0604020202020204" pitchFamily="34" charset="0"/>
+              </a:rPr>
+              <a:t>C# </a:t>
+            </a:r>
+            <a:r>
+              <a:rPr lang="bg-BG" sz="2000" dirty="0" smtClean="0">
+                <a:latin typeface="Arial" panose="020B0604020202020204" pitchFamily="34" charset="0"/>
+                <a:cs typeface="Arial" panose="020B0604020202020204" pitchFamily="34" charset="0"/>
+              </a:rPr>
+              <a:t>е обектно-ориентиран </a:t>
+            </a:r>
+            <a:r>
+              <a:rPr lang="en-US" sz="2000" dirty="0" smtClean="0">
+                <a:latin typeface="Arial" panose="020B0604020202020204" pitchFamily="34" charset="0"/>
+                <a:cs typeface="Arial" panose="020B0604020202020204" pitchFamily="34" charset="0"/>
+              </a:rPr>
+              <a:t>(</a:t>
+            </a:r>
+            <a:r>
+              <a:rPr lang="bg-BG" sz="2000" dirty="0" smtClean="0">
+                <a:latin typeface="Arial" panose="020B0604020202020204" pitchFamily="34" charset="0"/>
+                <a:cs typeface="Arial" panose="020B0604020202020204" pitchFamily="34" charset="0"/>
+              </a:rPr>
+              <a:t>клас-базиран</a:t>
+            </a:r>
+            <a:r>
+              <a:rPr lang="en-US" sz="2000" dirty="0" smtClean="0">
+                <a:latin typeface="Arial" panose="020B0604020202020204" pitchFamily="34" charset="0"/>
+                <a:cs typeface="Arial" panose="020B0604020202020204" pitchFamily="34" charset="0"/>
+              </a:rPr>
+              <a:t>) </a:t>
+            </a:r>
+            <a:r>
+              <a:rPr lang="bg-BG" sz="2000" dirty="0" smtClean="0">
+                <a:latin typeface="Arial" panose="020B0604020202020204" pitchFamily="34" charset="0"/>
+                <a:cs typeface="Arial" panose="020B0604020202020204" pitchFamily="34" charset="0"/>
+              </a:rPr>
+              <a:t>програмен език</a:t>
+            </a:r>
+            <a:endParaRPr lang="en-US" sz="2000" dirty="0" smtClean="0">
+              <a:latin typeface="Arial" panose="020B0604020202020204" pitchFamily="34" charset="0"/>
+              <a:cs typeface="Arial" panose="020B0604020202020204" pitchFamily="34" charset="0"/>
+            </a:endParaRPr>
+          </a:p>
+          <a:p>
+            <a:r>
+              <a:rPr lang="en-US" sz="2000" dirty="0" smtClean="0">
+                <a:latin typeface="Arial" panose="020B0604020202020204" pitchFamily="34" charset="0"/>
+                <a:cs typeface="Arial" panose="020B0604020202020204" pitchFamily="34" charset="0"/>
+              </a:rPr>
+              <a:t>C# </a:t>
+            </a:r>
+            <a:r>
+              <a:rPr lang="bg-BG" sz="2000" dirty="0" smtClean="0">
+                <a:latin typeface="Arial" panose="020B0604020202020204" pitchFamily="34" charset="0"/>
+                <a:cs typeface="Arial" panose="020B0604020202020204" pitchFamily="34" charset="0"/>
+              </a:rPr>
+              <a:t>се използва върху </a:t>
+            </a:r>
+            <a:r>
+              <a:rPr lang="en-US" sz="2000" dirty="0" smtClean="0">
+                <a:latin typeface="Arial" panose="020B0604020202020204" pitchFamily="34" charset="0"/>
+                <a:cs typeface="Arial" panose="020B0604020202020204" pitchFamily="34" charset="0"/>
+              </a:rPr>
+              <a:t>.NET </a:t>
+            </a:r>
+            <a:r>
+              <a:rPr lang="bg-BG" sz="2000" dirty="0" smtClean="0">
+                <a:latin typeface="Arial" panose="020B0604020202020204" pitchFamily="34" charset="0"/>
+                <a:cs typeface="Arial" panose="020B0604020202020204" pitchFamily="34" charset="0"/>
+              </a:rPr>
+              <a:t>платформата</a:t>
+            </a:r>
+            <a:r>
+              <a:rPr lang="en-US" sz="2000" dirty="0" smtClean="0">
+                <a:latin typeface="Arial" panose="020B0604020202020204" pitchFamily="34" charset="0"/>
+                <a:cs typeface="Arial" panose="020B0604020202020204" pitchFamily="34" charset="0"/>
+              </a:rPr>
+              <a:t> </a:t>
+            </a:r>
+            <a:r>
+              <a:rPr lang="en-US" sz="2000" dirty="0" smtClean="0">
+                <a:latin typeface="Arial" panose="020B0604020202020204" pitchFamily="34" charset="0"/>
+                <a:cs typeface="Arial" panose="020B0604020202020204" pitchFamily="34" charset="0"/>
+              </a:rPr>
+              <a:t>/.NET 6 </a:t>
+            </a:r>
+            <a:r>
+              <a:rPr lang="bg-BG" sz="2000" dirty="0" smtClean="0">
+                <a:latin typeface="Arial" panose="020B0604020202020204" pitchFamily="34" charset="0"/>
+                <a:cs typeface="Arial" panose="020B0604020202020204" pitchFamily="34" charset="0"/>
+              </a:rPr>
+              <a:t>е последната версия</a:t>
+            </a:r>
+            <a:r>
+              <a:rPr lang="en-US" sz="2000" dirty="0" smtClean="0">
+                <a:latin typeface="Arial" panose="020B0604020202020204" pitchFamily="34" charset="0"/>
+                <a:cs typeface="Arial" panose="020B0604020202020204" pitchFamily="34" charset="0"/>
+              </a:rPr>
+              <a:t>/</a:t>
+            </a:r>
+            <a:endParaRPr lang="en-US" sz="2000" dirty="0" smtClean="0">
+              <a:latin typeface="Arial" panose="020B0604020202020204" pitchFamily="34" charset="0"/>
+              <a:cs typeface="Arial" panose="020B0604020202020204" pitchFamily="34" charset="0"/>
+            </a:endParaRPr>
+          </a:p>
+          <a:p>
+            <a:r>
+              <a:rPr lang="en-US" sz="2000" dirty="0" smtClean="0">
+                <a:latin typeface="Arial" panose="020B0604020202020204" pitchFamily="34" charset="0"/>
+                <a:cs typeface="Arial" panose="020B0604020202020204" pitchFamily="34" charset="0"/>
+              </a:rPr>
+              <a:t>C# </a:t>
+            </a:r>
+            <a:r>
+              <a:rPr lang="bg-BG" sz="2000" dirty="0" smtClean="0">
+                <a:latin typeface="Arial" panose="020B0604020202020204" pitchFamily="34" charset="0"/>
+                <a:cs typeface="Arial" panose="020B0604020202020204" pitchFamily="34" charset="0"/>
+              </a:rPr>
+              <a:t>може да бъде използван за писане на </a:t>
+            </a:r>
+            <a:r>
+              <a:rPr lang="en-US" sz="2000" dirty="0" smtClean="0">
+                <a:latin typeface="Arial" panose="020B0604020202020204" pitchFamily="34" charset="0"/>
+                <a:cs typeface="Arial" panose="020B0604020202020204" pitchFamily="34" charset="0"/>
+              </a:rPr>
+              <a:t>Console</a:t>
+            </a:r>
+            <a:r>
+              <a:rPr lang="en-US" sz="2000" dirty="0" smtClean="0">
+                <a:latin typeface="Arial" panose="020B0604020202020204" pitchFamily="34" charset="0"/>
+                <a:cs typeface="Arial" panose="020B0604020202020204" pitchFamily="34" charset="0"/>
+              </a:rPr>
+              <a:t>, Desktop, Widows Services, Web </a:t>
+            </a:r>
+            <a:r>
+              <a:rPr lang="bg-BG" sz="2000" dirty="0" smtClean="0">
+                <a:latin typeface="Arial" panose="020B0604020202020204" pitchFamily="34" charset="0"/>
+                <a:cs typeface="Arial" panose="020B0604020202020204" pitchFamily="34" charset="0"/>
+              </a:rPr>
+              <a:t>приложения</a:t>
+            </a:r>
+            <a:r>
+              <a:rPr lang="en-US" sz="2000" dirty="0" smtClean="0">
+                <a:latin typeface="Arial" panose="020B0604020202020204" pitchFamily="34" charset="0"/>
+                <a:cs typeface="Arial" panose="020B0604020202020204" pitchFamily="34" charset="0"/>
+              </a:rPr>
+              <a:t>, </a:t>
+            </a:r>
+            <a:r>
+              <a:rPr lang="en-US" sz="2000" dirty="0" smtClean="0">
+                <a:latin typeface="Arial" panose="020B0604020202020204" pitchFamily="34" charset="0"/>
+                <a:cs typeface="Arial" panose="020B0604020202020204" pitchFamily="34" charset="0"/>
+              </a:rPr>
+              <a:t>Mobile </a:t>
+            </a:r>
+            <a:r>
+              <a:rPr lang="bg-BG" sz="2000" dirty="0" smtClean="0">
+                <a:latin typeface="Arial" panose="020B0604020202020204" pitchFamily="34" charset="0"/>
+                <a:cs typeface="Arial" panose="020B0604020202020204" pitchFamily="34" charset="0"/>
+              </a:rPr>
+              <a:t>приложения</a:t>
+            </a:r>
+            <a:r>
+              <a:rPr lang="en-US" sz="2000" dirty="0" smtClean="0">
+                <a:latin typeface="Arial" panose="020B0604020202020204" pitchFamily="34" charset="0"/>
+                <a:cs typeface="Arial" panose="020B0604020202020204" pitchFamily="34" charset="0"/>
+              </a:rPr>
+              <a:t>, </a:t>
+            </a:r>
+            <a:r>
+              <a:rPr lang="en-US" sz="2000" dirty="0" smtClean="0">
+                <a:latin typeface="Arial" panose="020B0604020202020204" pitchFamily="34" charset="0"/>
+                <a:cs typeface="Arial" panose="020B0604020202020204" pitchFamily="34" charset="0"/>
+              </a:rPr>
+              <a:t>Games </a:t>
+            </a:r>
+            <a:r>
+              <a:rPr lang="bg-BG" sz="2000" dirty="0" smtClean="0">
+                <a:latin typeface="Arial" panose="020B0604020202020204" pitchFamily="34" charset="0"/>
+                <a:cs typeface="Arial" panose="020B0604020202020204" pitchFamily="34" charset="0"/>
+              </a:rPr>
+              <a:t>и</a:t>
+            </a:r>
+            <a:r>
+              <a:rPr lang="en-US" sz="2000" dirty="0" smtClean="0">
+                <a:latin typeface="Arial" panose="020B0604020202020204" pitchFamily="34" charset="0"/>
+                <a:cs typeface="Arial" panose="020B0604020202020204" pitchFamily="34" charset="0"/>
+              </a:rPr>
+              <a:t> </a:t>
+            </a:r>
+            <a:r>
+              <a:rPr lang="en-US" sz="2000" dirty="0" err="1" smtClean="0">
+                <a:latin typeface="Arial" panose="020B0604020202020204" pitchFamily="34" charset="0"/>
+                <a:cs typeface="Arial" panose="020B0604020202020204" pitchFamily="34" charset="0"/>
+              </a:rPr>
+              <a:t>IoT</a:t>
+            </a:r>
+            <a:endParaRPr lang="en-US" sz="2000" dirty="0" smtClean="0">
+              <a:latin typeface="Arial" panose="020B0604020202020204" pitchFamily="34" charset="0"/>
+              <a:cs typeface="Arial" panose="020B0604020202020204" pitchFamily="34" charset="0"/>
+            </a:endParaRPr>
+          </a:p>
+          <a:p>
+            <a:r>
+              <a:rPr lang="en-US" sz="2000" dirty="0" smtClean="0">
+                <a:latin typeface="Arial" panose="020B0604020202020204" pitchFamily="34" charset="0"/>
+                <a:cs typeface="Arial" panose="020B0604020202020204" pitchFamily="34" charset="0"/>
+              </a:rPr>
+              <a:t>C# </a:t>
+            </a:r>
+            <a:r>
+              <a:rPr lang="bg-BG" sz="2000" dirty="0" smtClean="0">
+                <a:latin typeface="Arial" panose="020B0604020202020204" pitchFamily="34" charset="0"/>
+                <a:cs typeface="Arial" panose="020B0604020202020204" pitchFamily="34" charset="0"/>
+              </a:rPr>
+              <a:t>поддържа статично типизиране</a:t>
+            </a:r>
+            <a:r>
+              <a:rPr lang="en-US" sz="2000" dirty="0" smtClean="0">
+                <a:latin typeface="Arial" panose="020B0604020202020204" pitchFamily="34" charset="0"/>
+                <a:cs typeface="Arial" panose="020B0604020202020204" pitchFamily="34" charset="0"/>
+              </a:rPr>
+              <a:t>, </a:t>
+            </a:r>
+            <a:r>
+              <a:rPr lang="bg-BG" sz="2000" dirty="0" smtClean="0">
+                <a:latin typeface="Arial" panose="020B0604020202020204" pitchFamily="34" charset="0"/>
+                <a:cs typeface="Arial" panose="020B0604020202020204" pitchFamily="34" charset="0"/>
+              </a:rPr>
+              <a:t>функционални програмиране</a:t>
+            </a:r>
+            <a:r>
+              <a:rPr lang="en-US" sz="2000" dirty="0" smtClean="0">
+                <a:latin typeface="Arial" panose="020B0604020202020204" pitchFamily="34" charset="0"/>
+                <a:cs typeface="Arial" panose="020B0604020202020204" pitchFamily="34" charset="0"/>
+              </a:rPr>
+              <a:t>, </a:t>
+            </a:r>
+            <a:r>
+              <a:rPr lang="en-US" sz="2000" dirty="0" smtClean="0">
+                <a:latin typeface="Arial" panose="020B0604020202020204" pitchFamily="34" charset="0"/>
+                <a:cs typeface="Arial" panose="020B0604020202020204" pitchFamily="34" charset="0"/>
+              </a:rPr>
+              <a:t>generics </a:t>
+            </a:r>
+            <a:r>
+              <a:rPr lang="bg-BG" sz="2000" dirty="0" smtClean="0">
+                <a:latin typeface="Arial" panose="020B0604020202020204" pitchFamily="34" charset="0"/>
+                <a:cs typeface="Arial" panose="020B0604020202020204" pitchFamily="34" charset="0"/>
+              </a:rPr>
+              <a:t>и</a:t>
+            </a:r>
+            <a:r>
+              <a:rPr lang="en-US" sz="2000" dirty="0" smtClean="0">
+                <a:latin typeface="Arial" panose="020B0604020202020204" pitchFamily="34" charset="0"/>
+                <a:cs typeface="Arial" panose="020B0604020202020204" pitchFamily="34" charset="0"/>
+              </a:rPr>
+              <a:t> </a:t>
+            </a:r>
+            <a:r>
+              <a:rPr lang="bg-BG" sz="2000" dirty="0" smtClean="0">
+                <a:latin typeface="Arial" panose="020B0604020202020204" pitchFamily="34" charset="0"/>
+                <a:cs typeface="Arial" panose="020B0604020202020204" pitchFamily="34" charset="0"/>
+              </a:rPr>
+              <a:t>много други неща</a:t>
+            </a:r>
+            <a:endParaRPr lang="bg-BG" sz="2000" dirty="0" smtClean="0">
+              <a:latin typeface="Arial" panose="020B0604020202020204" pitchFamily="34" charset="0"/>
+              <a:cs typeface="Arial" panose="020B0604020202020204" pitchFamily="34" charset="0"/>
+            </a:endParaRPr>
+          </a:p>
+          <a:p>
+            <a:r>
+              <a:rPr lang="en-US" sz="2000" dirty="0" smtClean="0">
+                <a:latin typeface="Arial" panose="020B0604020202020204" pitchFamily="34" charset="0"/>
+                <a:cs typeface="Arial" panose="020B0604020202020204" pitchFamily="34" charset="0"/>
+              </a:rPr>
+              <a:t>C# </a:t>
+            </a:r>
+            <a:r>
+              <a:rPr lang="bg-BG" sz="2000" dirty="0" smtClean="0">
+                <a:latin typeface="Arial" panose="020B0604020202020204" pitchFamily="34" charset="0"/>
+                <a:cs typeface="Arial" panose="020B0604020202020204" pitchFamily="34" charset="0"/>
+              </a:rPr>
+              <a:t>и</a:t>
+            </a:r>
+            <a:r>
+              <a:rPr lang="en-US" sz="2000" dirty="0" smtClean="0">
+                <a:latin typeface="Arial" panose="020B0604020202020204" pitchFamily="34" charset="0"/>
+                <a:cs typeface="Arial" panose="020B0604020202020204" pitchFamily="34" charset="0"/>
+              </a:rPr>
+              <a:t> </a:t>
+            </a:r>
+            <a:r>
+              <a:rPr lang="en-US" sz="2000" dirty="0" smtClean="0">
+                <a:latin typeface="Arial" panose="020B0604020202020204" pitchFamily="34" charset="0"/>
+                <a:cs typeface="Arial" panose="020B0604020202020204" pitchFamily="34" charset="0"/>
+              </a:rPr>
+              <a:t>Microsoft </a:t>
+            </a:r>
+            <a:r>
+              <a:rPr lang="bg-BG" sz="2000" dirty="0" smtClean="0">
+                <a:latin typeface="Arial" panose="020B0604020202020204" pitchFamily="34" charset="0"/>
+                <a:cs typeface="Arial" panose="020B0604020202020204" pitchFamily="34" charset="0"/>
+              </a:rPr>
+              <a:t>документациите</a:t>
+            </a:r>
+            <a:r>
+              <a:rPr lang="en-US" sz="2000" dirty="0" smtClean="0">
+                <a:latin typeface="Arial" panose="020B0604020202020204" pitchFamily="34" charset="0"/>
+                <a:cs typeface="Arial" panose="020B0604020202020204" pitchFamily="34" charset="0"/>
+              </a:rPr>
+              <a:t> </a:t>
+            </a:r>
+            <a:r>
+              <a:rPr lang="bg-BG" sz="2000" dirty="0" smtClean="0">
+                <a:latin typeface="Arial" panose="020B0604020202020204" pitchFamily="34" charset="0"/>
+                <a:cs typeface="Arial" panose="020B0604020202020204" pitchFamily="34" charset="0"/>
+              </a:rPr>
+              <a:t>са много информативни и добре структурирани</a:t>
+            </a:r>
+            <a:endParaRPr lang="en-US" sz="2000" dirty="0" smtClean="0">
+              <a:latin typeface="Arial" panose="020B0604020202020204" pitchFamily="34" charset="0"/>
+              <a:cs typeface="Arial" panose="020B0604020202020204" pitchFamily="34" charset="0"/>
+            </a:endParaRPr>
+          </a:p>
+          <a:p>
+            <a:r>
+              <a:rPr lang="en-US" sz="2000" dirty="0" smtClean="0">
+                <a:latin typeface="Arial" panose="020B0604020202020204" pitchFamily="34" charset="0"/>
+                <a:cs typeface="Arial" panose="020B0604020202020204" pitchFamily="34" charset="0"/>
+              </a:rPr>
+              <a:t>C# </a:t>
+            </a:r>
+            <a:r>
+              <a:rPr lang="bg-BG" sz="2000" dirty="0" smtClean="0">
+                <a:latin typeface="Arial" panose="020B0604020202020204" pitchFamily="34" charset="0"/>
+                <a:cs typeface="Arial" panose="020B0604020202020204" pitchFamily="34" charset="0"/>
+              </a:rPr>
+              <a:t>документация</a:t>
+            </a:r>
+            <a:r>
+              <a:rPr lang="en-US" sz="2000" dirty="0" smtClean="0">
+                <a:latin typeface="Arial" panose="020B0604020202020204" pitchFamily="34" charset="0"/>
+                <a:cs typeface="Arial" panose="020B0604020202020204" pitchFamily="34" charset="0"/>
+              </a:rPr>
+              <a:t>: </a:t>
+            </a:r>
+            <a:r>
+              <a:rPr lang="en-US" sz="2000" dirty="0">
+                <a:solidFill>
+                  <a:srgbClr val="0070C0"/>
+                </a:solidFill>
+                <a:latin typeface="Arial" panose="020B0604020202020204" pitchFamily="34" charset="0"/>
+                <a:cs typeface="Arial" panose="020B0604020202020204" pitchFamily="34" charset="0"/>
+              </a:rPr>
+              <a:t>https://docs.microsoft.com/en-us/dotnet/csharp/</a:t>
+            </a:r>
+            <a:endParaRPr lang="en-US" sz="2000" dirty="0" smtClean="0">
+              <a:solidFill>
+                <a:srgbClr val="0070C0"/>
+              </a:solidFill>
+              <a:latin typeface="Arial" panose="020B0604020202020204" pitchFamily="34" charset="0"/>
+              <a:cs typeface="Arial" panose="020B0604020202020204" pitchFamily="34" charset="0"/>
+            </a:endParaRPr>
+          </a:p>
+          <a:p>
+            <a:endParaRPr lang="en-US" sz="2000" dirty="0" smtClean="0">
+              <a:latin typeface="Arial" panose="020B0604020202020204" pitchFamily="34" charset="0"/>
+              <a:cs typeface="Arial" panose="020B0604020202020204" pitchFamily="34" charset="0"/>
+            </a:endParaRPr>
+          </a:p>
+          <a:p>
+            <a:endParaRPr lang="en-US" sz="2000" dirty="0">
+              <a:latin typeface="Arial" panose="020B0604020202020204" pitchFamily="34" charset="0"/>
+              <a:cs typeface="Arial" panose="020B0604020202020204" pitchFamily="34" charset="0"/>
+            </a:endParaRPr>
+          </a:p>
+          <a:p>
+            <a:endParaRPr lang="en-US" sz="2000" dirty="0">
+              <a:latin typeface="Arial" panose="020B0604020202020204" pitchFamily="34" charset="0"/>
+              <a:cs typeface="Arial" panose="020B0604020202020204" pitchFamily="34" charset="0"/>
+            </a:endParaRPr>
+          </a:p>
+          <a:p>
+            <a:pPr marL="0" indent="0">
+              <a:buNone/>
+            </a:pPr>
+            <a:endParaRPr lang="en-US" sz="1600" dirty="0">
+              <a:latin typeface="Arial" panose="020B0604020202020204" pitchFamily="34" charset="0"/>
+              <a:cs typeface="Arial" panose="020B0604020202020204" pitchFamily="34" charset="0"/>
+            </a:endParaRPr>
+          </a:p>
+          <a:p>
+            <a:endParaRPr lang="en-US" sz="1600" dirty="0">
+              <a:latin typeface="Arial" panose="020B0604020202020204" pitchFamily="34" charset="0"/>
+              <a:cs typeface="Arial" panose="020B0604020202020204" pitchFamily="34" charset="0"/>
+            </a:endParaRPr>
+          </a:p>
+          <a:p>
+            <a:endParaRPr lang="en-US" sz="1600" dirty="0">
+              <a:latin typeface="Arial" panose="020B0604020202020204" pitchFamily="34" charset="0"/>
+              <a:cs typeface="Arial" panose="020B0604020202020204" pitchFamily="34" charset="0"/>
+            </a:endParaRPr>
+          </a:p>
+          <a:p>
+            <a:endParaRPr lang="en-US" dirty="0">
+              <a:latin typeface="Arial" panose="020B0604020202020204" pitchFamily="34" charset="0"/>
+              <a:cs typeface="Arial" panose="020B0604020202020204" pitchFamily="34" charset="0"/>
+            </a:endParaRPr>
+          </a:p>
+          <a:p>
+            <a:endParaRPr lang="en-US" dirty="0">
+              <a:latin typeface="Arial" panose="020B0604020202020204" pitchFamily="34" charset="0"/>
+              <a:cs typeface="Arial" panose="020B0604020202020204" pitchFamily="34" charset="0"/>
+            </a:endParaRPr>
+          </a:p>
+          <a:p>
+            <a:endParaRPr lang="en-US" dirty="0">
+              <a:latin typeface="Arial" panose="020B0604020202020204" pitchFamily="34" charset="0"/>
+              <a:cs typeface="Arial" panose="020B0604020202020204" pitchFamily="34" charset="0"/>
+            </a:endParaRPr>
+          </a:p>
+          <a:p>
+            <a:endParaRPr lang="en-US" dirty="0">
+              <a:latin typeface="Arial" panose="020B0604020202020204" pitchFamily="34" charset="0"/>
+              <a:cs typeface="Arial" panose="020B0604020202020204" pitchFamily="34" charset="0"/>
+            </a:endParaRPr>
+          </a:p>
+          <a:p>
+            <a:endParaRPr lang="en-US" dirty="0"/>
+          </a:p>
+          <a:p>
+            <a:endParaRPr lang="en-US" dirty="0"/>
+          </a:p>
+        </p:txBody>
+      </p:sp>
+    </p:spTree>
+    <p:extLst>
+      <p:ext uri="{BB962C8B-B14F-4D97-AF65-F5344CB8AC3E}">
+        <p14:creationId xmlns:p14="http://schemas.microsoft.com/office/powerpoint/2010/main" val="927372469"/>
+      </p:ext>
+    </p:extLst>
+  </p:cSld>
+  <p:clrMapOvr>
+    <a:masterClrMapping/>
+  </p:clrMapOvr>
+  <p:timing>
+    <p:tnLst>
+      <p:par>
+        <p:cTn id="1" dur="indefinite" restart="never" nodeType="tmRoot"/>
+      </p:par>
+    </p:tnLst>
+  </p:timing>
+</p:sld>
+</file>
+
+<file path=ppt/slides/slide4.xml><?xml version="1.0" encoding="utf-8"?>
+<p:sld xmlns:a="http://schemas.openxmlformats.org/drawingml/2006/main" xmlns:r="http://schemas.openxmlformats.org/officeDocument/2006/relationships" xmlns:p="http://schemas.openxmlformats.org/presentationml/2006/main">
+  <p:cSld>
+    <p:spTree>
+      <p:nvGrpSpPr>
+        <p:cNvPr id="1" name=""/>
+        <p:cNvGrpSpPr/>
+        <p:nvPr/>
+      </p:nvGrpSpPr>
+      <p:grpSpPr>
+        <a:xfrm>
+          <a:off x="0" y="0"/>
+          <a:ext cx="0" cy="0"/>
+          <a:chOff x="0" y="0"/>
+          <a:chExt cx="0" cy="0"/>
+        </a:xfrm>
+      </p:grpSpPr>
+      <p:sp>
+        <p:nvSpPr>
+          <p:cNvPr id="2" name="Title 1"/>
+          <p:cNvSpPr>
+            <a:spLocks noGrp="1"/>
+          </p:cNvSpPr>
+          <p:nvPr>
+            <p:ph type="title"/>
+          </p:nvPr>
+        </p:nvSpPr>
+        <p:spPr>
+          <a:xfrm>
+            <a:off x="853754" y="1214535"/>
+            <a:ext cx="3603657" cy="595604"/>
           </a:xfrm>
         </p:spPr>
         <p:txBody>
@@ -17082,13 +19154,13 @@
           <a:lstStyle/>
           <a:p>
             <a:r>
-              <a:rPr lang="en-US" dirty="0">
-                <a:latin typeface="Arial" panose="020B0604020202020204" pitchFamily="34" charset="0"/>
-                <a:cs typeface="Arial" panose="020B0604020202020204" pitchFamily="34" charset="0"/>
-              </a:rPr>
-              <a:t>Anders Hejlsberg</a:t>
-            </a:r>
-            <a:endParaRPr lang="en-US" dirty="0"/>
+              <a:rPr lang="bg-BG" sz="2800" dirty="0" smtClean="0">
+                <a:latin typeface="Arial" panose="020B0604020202020204" pitchFamily="34" charset="0"/>
+                <a:cs typeface="Arial" panose="020B0604020202020204" pitchFamily="34" charset="0"/>
+              </a:rPr>
+              <a:t>Андерс Хейлсберг</a:t>
+            </a:r>
+            <a:endParaRPr lang="en-US" sz="2800" dirty="0"/>
           </a:p>
         </p:txBody>
       </p:sp>
@@ -17134,7 +19206,7 @@
         <p:spPr>
           <a:xfrm>
             <a:off x="571216" y="2010954"/>
-            <a:ext cx="4112751" cy="2449079"/>
+            <a:ext cx="4168735" cy="3876662"/>
           </a:xfrm>
         </p:spPr>
         <p:txBody>
@@ -17144,37 +19216,77 @@
           <a:lstStyle/>
           <a:p>
             <a:r>
-              <a:rPr lang="en-US" sz="1800" dirty="0" smtClean="0">
+              <a:rPr lang="bg-BG" sz="2400" dirty="0" smtClean="0">
                 <a:solidFill>
                   <a:schemeClr val="bg1"/>
                 </a:solidFill>
                 <a:latin typeface="Arial" panose="020B0604020202020204" pitchFamily="34" charset="0"/>
                 <a:cs typeface="Arial" panose="020B0604020202020204" pitchFamily="34" charset="0"/>
               </a:rPr>
-              <a:t>Danish software engineer who co-designed several programming languages and development tools. He is the original author of </a:t>
-            </a:r>
-            <a:r>
-              <a:rPr lang="en-US" sz="1800" dirty="0" smtClean="0">
+              <a:t>Датски софтуерен инженер, създател на няколко програмни езика и инструменти за разработка. Той е автор на взика </a:t>
+            </a:r>
+            <a:r>
+              <a:rPr lang="en-US" sz="2400" dirty="0" smtClean="0">
                 <a:solidFill>
                   <a:srgbClr val="FFFF00"/>
                 </a:solidFill>
                 <a:latin typeface="Arial" panose="020B0604020202020204" pitchFamily="34" charset="0"/>
                 <a:cs typeface="Arial" panose="020B0604020202020204" pitchFamily="34" charset="0"/>
               </a:rPr>
-              <a:t>Turbo Pascal</a:t>
-            </a:r>
-            <a:r>
-              <a:rPr lang="en-US" sz="1800" dirty="0" smtClean="0">
+              <a:t>Turbo</a:t>
+            </a:r>
+            <a:r>
+              <a:rPr lang="bg-BG" sz="2400" dirty="0" smtClean="0">
+                <a:solidFill>
+                  <a:srgbClr val="FFFF00"/>
+                </a:solidFill>
+                <a:latin typeface="Arial" panose="020B0604020202020204" pitchFamily="34" charset="0"/>
+                <a:cs typeface="Arial" panose="020B0604020202020204" pitchFamily="34" charset="0"/>
+              </a:rPr>
+              <a:t> </a:t>
+            </a:r>
+            <a:r>
+              <a:rPr lang="en-US" sz="2400" dirty="0" smtClean="0">
+                <a:solidFill>
+                  <a:srgbClr val="FFFF00"/>
+                </a:solidFill>
+                <a:latin typeface="Arial" panose="020B0604020202020204" pitchFamily="34" charset="0"/>
+                <a:cs typeface="Arial" panose="020B0604020202020204" pitchFamily="34" charset="0"/>
+              </a:rPr>
+              <a:t>Pascal </a:t>
+            </a:r>
+            <a:r>
+              <a:rPr lang="bg-BG" sz="2400" dirty="0" smtClean="0">
                 <a:solidFill>
                   <a:schemeClr val="bg1"/>
                 </a:solidFill>
                 <a:latin typeface="Arial" panose="020B0604020202020204" pitchFamily="34" charset="0"/>
                 <a:cs typeface="Arial" panose="020B0604020202020204" pitchFamily="34" charset="0"/>
               </a:rPr>
-              <a:t> and co-chief of </a:t>
-            </a:r>
-            <a:r>
-              <a:rPr lang="en-US" sz="1800" dirty="0" smtClean="0">
+              <a:t>и </a:t>
+            </a:r>
+            <a:r>
+              <a:rPr lang="en-US" sz="2400" dirty="0" smtClean="0">
+                <a:solidFill>
+                  <a:schemeClr val="bg1"/>
+                </a:solidFill>
+                <a:latin typeface="Arial" panose="020B0604020202020204" pitchFamily="34" charset="0"/>
+                <a:cs typeface="Arial" panose="020B0604020202020204" pitchFamily="34" charset="0"/>
+              </a:rPr>
+              <a:t>co-chief </a:t>
+            </a:r>
+            <a:r>
+              <a:rPr lang="bg-BG" sz="2400" dirty="0" smtClean="0">
+                <a:solidFill>
+                  <a:schemeClr val="bg1"/>
+                </a:solidFill>
+                <a:latin typeface="Arial" panose="020B0604020202020204" pitchFamily="34" charset="0"/>
+                <a:cs typeface="Arial" panose="020B0604020202020204" pitchFamily="34" charset="0"/>
+              </a:rPr>
+              <a:t>на </a:t>
+            </a:r>
+            <a:r>
+              <a:rPr lang="en-US" sz="2400" dirty="0" smtClean="0">
                 <a:solidFill>
                   <a:srgbClr val="FFFF00"/>
                 </a:solidFill>
@@ -17184,17 +19296,27 @@
               <a:t>Delphi</a:t>
             </a:r>
             <a:r>
-              <a:rPr lang="en-US" sz="1800" dirty="0" smtClean="0">
+              <a:rPr lang="en-US" sz="2400" dirty="0" smtClean="0">
                 <a:solidFill>
                   <a:schemeClr val="bg1"/>
                 </a:solidFill>
                 <a:latin typeface="Arial" panose="020B0604020202020204" pitchFamily="34" charset="0"/>
                 <a:cs typeface="Arial" panose="020B0604020202020204" pitchFamily="34" charset="0"/>
               </a:rPr>
-              <a:t>. Currently works in Microsoft as a lead architect and core developer of </a:t>
-            </a:r>
-            <a:r>
-              <a:rPr lang="en-US" sz="1800" dirty="0" err="1" smtClean="0">
+              <a:t>. </a:t>
+            </a:r>
+            <a:r>
+              <a:rPr lang="bg-BG" sz="2400" dirty="0" smtClean="0">
+                <a:solidFill>
+                  <a:schemeClr val="bg1"/>
+                </a:solidFill>
+                <a:latin typeface="Arial" panose="020B0604020202020204" pitchFamily="34" charset="0"/>
+                <a:cs typeface="Arial" panose="020B0604020202020204" pitchFamily="34" charset="0"/>
+              </a:rPr>
+              <a:t>В момента работи в Майкрософт като главен архитект на </a:t>
+            </a:r>
+            <a:r>
+              <a:rPr lang="en-US" sz="2400" dirty="0" err="1" smtClean="0">
                 <a:solidFill>
                   <a:srgbClr val="FFFF00"/>
                 </a:solidFill>
@@ -17204,7 +19326,7 @@
               <a:t>TypeScript</a:t>
             </a:r>
             <a:r>
-              <a:rPr lang="en-US" sz="1800" dirty="0" smtClean="0">
+              <a:rPr lang="en-US" sz="2400" dirty="0" smtClean="0">
                 <a:solidFill>
                   <a:schemeClr val="bg1"/>
                 </a:solidFill>
@@ -17213,7 +19335,7 @@
               </a:rPr>
               <a:t>.</a:t>
             </a:r>
-            <a:endParaRPr lang="en-US" sz="1800" dirty="0">
+            <a:endParaRPr lang="en-US" sz="2400" dirty="0">
               <a:solidFill>
                 <a:schemeClr val="bg1"/>
               </a:solidFill>
@@ -17243,7 +19365,7 @@
 </p:sld>
 </file>
 
-<file path=ppt/slides/slide4.xml><?xml version="1.0" encoding="utf-8"?>
+<file path=ppt/slides/slide5.xml><?xml version="1.0" encoding="utf-8"?>
 <p:sld xmlns:a="http://schemas.openxmlformats.org/drawingml/2006/main" xmlns:r="http://schemas.openxmlformats.org/officeDocument/2006/relationships" xmlns:p="http://schemas.openxmlformats.org/presentationml/2006/main">
   <p:cSld>
     <p:spTree>
@@ -17281,7 +19403,24 @@
                 <a:latin typeface="Arial" panose="020B0604020202020204" pitchFamily="34" charset="0"/>
                 <a:cs typeface="Arial" panose="020B0604020202020204" pitchFamily="34" charset="0"/>
               </a:rPr>
-              <a:t>What is .NET?</a:t>
+              <a:t>What is .</a:t>
+            </a:r>
+            <a:r>
+              <a:rPr lang="en-US" dirty="0" smtClean="0">
+                <a:solidFill>
+                  <a:srgbClr val="FFFF00"/>
+                </a:solidFill>
+                <a:latin typeface="Arial" panose="020B0604020202020204" pitchFamily="34" charset="0"/>
+                <a:cs typeface="Arial" panose="020B0604020202020204" pitchFamily="34" charset="0"/>
+              </a:rPr>
+              <a:t>NET</a:t>
+            </a:r>
+            <a:r>
+              <a:rPr lang="en-US" dirty="0" smtClean="0">
+                <a:latin typeface="Arial" panose="020B0604020202020204" pitchFamily="34" charset="0"/>
+                <a:cs typeface="Arial" panose="020B0604020202020204" pitchFamily="34" charset="0"/>
+              </a:rPr>
+              <a:t>?</a:t>
             </a:r>
             <a:endParaRPr lang="en-US" dirty="0">
               <a:latin typeface="Arial" panose="020B0604020202020204" pitchFamily="34" charset="0"/>
@@ -17308,7 +19447,7 @@
         </p:spPr>
         <p:txBody>
           <a:bodyPr>
-            <a:normAutofit/>
+            <a:normAutofit lnSpcReduction="10000"/>
           </a:bodyPr>
           <a:lstStyle/>
           <a:p>
@@ -17320,99 +19459,60 @@
               <a:t>.NET </a:t>
             </a:r>
             <a:r>
-              <a:rPr lang="en-US" sz="2000" dirty="0">
-                <a:latin typeface="Arial" panose="020B0604020202020204" pitchFamily="34" charset="0"/>
-                <a:cs typeface="Arial" panose="020B0604020202020204" pitchFamily="34" charset="0"/>
-              </a:rPr>
-              <a:t>is a free, cross-platform, open source developer platform for building many different types of applications</a:t>
-            </a:r>
-            <a:r>
               <a:rPr lang="en-US" sz="2000" dirty="0" smtClean="0">
                 <a:latin typeface="Arial" panose="020B0604020202020204" pitchFamily="34" charset="0"/>
                 <a:cs typeface="Arial" panose="020B0604020202020204" pitchFamily="34" charset="0"/>
               </a:rPr>
-              <a:t>.</a:t>
-            </a:r>
-          </a:p>
-          <a:p>
-            <a:r>
-              <a:rPr lang="en-US" sz="2000" dirty="0">
-                <a:latin typeface="Arial" panose="020B0604020202020204" pitchFamily="34" charset="0"/>
-                <a:cs typeface="Arial" panose="020B0604020202020204" pitchFamily="34" charset="0"/>
-              </a:rPr>
-              <a:t>With </a:t>
-            </a:r>
-            <a:r>
-              <a:rPr lang="en-US" sz="2000" b="1" dirty="0">
-                <a:latin typeface="Arial" panose="020B0604020202020204" pitchFamily="34" charset="0"/>
-                <a:cs typeface="Arial" panose="020B0604020202020204" pitchFamily="34" charset="0"/>
-              </a:rPr>
-              <a:t>.NET</a:t>
-            </a:r>
-            <a:r>
-              <a:rPr lang="en-US" sz="2000" dirty="0">
-                <a:latin typeface="Arial" panose="020B0604020202020204" pitchFamily="34" charset="0"/>
-                <a:cs typeface="Arial" panose="020B0604020202020204" pitchFamily="34" charset="0"/>
-              </a:rPr>
-              <a:t>, you can use multiple languages, editors, and libraries to build for web, mobile, desktop, games, and </a:t>
-            </a:r>
-            <a:r>
-              <a:rPr lang="en-US" sz="2000" dirty="0" err="1">
-                <a:latin typeface="Arial" panose="020B0604020202020204" pitchFamily="34" charset="0"/>
-                <a:cs typeface="Arial" panose="020B0604020202020204" pitchFamily="34" charset="0"/>
-              </a:rPr>
-              <a:t>IoT</a:t>
+              <a:t>e </a:t>
+            </a:r>
+            <a:r>
+              <a:rPr lang="bg-BG" sz="2000" dirty="0" smtClean="0">
+                <a:latin typeface="Arial" panose="020B0604020202020204" pitchFamily="34" charset="0"/>
+                <a:cs typeface="Arial" panose="020B0604020202020204" pitchFamily="34" charset="0"/>
+              </a:rPr>
+              <a:t>безплатна</a:t>
             </a:r>
             <a:r>
               <a:rPr lang="en-US" sz="2000" dirty="0" smtClean="0">
                 <a:latin typeface="Arial" panose="020B0604020202020204" pitchFamily="34" charset="0"/>
                 <a:cs typeface="Arial" panose="020B0604020202020204" pitchFamily="34" charset="0"/>
               </a:rPr>
-              <a:t>.</a:t>
-            </a:r>
-          </a:p>
-          <a:p>
-            <a:r>
-              <a:rPr lang="en-US" sz="2000" dirty="0">
-                <a:latin typeface="Arial" panose="020B0604020202020204" pitchFamily="34" charset="0"/>
-                <a:cs typeface="Arial" panose="020B0604020202020204" pitchFamily="34" charset="0"/>
-              </a:rPr>
-              <a:t>The two main components of .</a:t>
-            </a:r>
-            <a:r>
-              <a:rPr lang="en-US" sz="2000" b="1" dirty="0">
-                <a:latin typeface="Arial" panose="020B0604020202020204" pitchFamily="34" charset="0"/>
-                <a:cs typeface="Arial" panose="020B0604020202020204" pitchFamily="34" charset="0"/>
-              </a:rPr>
-              <a:t>NET</a:t>
-            </a:r>
-            <a:r>
-              <a:rPr lang="en-US" sz="2000" dirty="0">
-                <a:latin typeface="Arial" panose="020B0604020202020204" pitchFamily="34" charset="0"/>
-                <a:cs typeface="Arial" panose="020B0604020202020204" pitchFamily="34" charset="0"/>
-              </a:rPr>
-              <a:t> are </a:t>
-            </a:r>
-            <a:r>
-              <a:rPr lang="en-US" sz="2000" b="1" dirty="0" err="1">
-                <a:latin typeface="Arial" panose="020B0604020202020204" pitchFamily="34" charset="0"/>
-                <a:cs typeface="Arial" panose="020B0604020202020204" pitchFamily="34" charset="0"/>
-              </a:rPr>
-              <a:t>CoreCLR</a:t>
-            </a:r>
-            <a:r>
-              <a:rPr lang="en-US" sz="2000" dirty="0">
-                <a:latin typeface="Arial" panose="020B0604020202020204" pitchFamily="34" charset="0"/>
-                <a:cs typeface="Arial" panose="020B0604020202020204" pitchFamily="34" charset="0"/>
-              </a:rPr>
-              <a:t> and </a:t>
-            </a:r>
-            <a:r>
-              <a:rPr lang="en-US" sz="2000" b="1" dirty="0" err="1" smtClean="0">
-                <a:latin typeface="Arial" panose="020B0604020202020204" pitchFamily="34" charset="0"/>
-                <a:cs typeface="Arial" panose="020B0604020202020204" pitchFamily="34" charset="0"/>
-              </a:rPr>
-              <a:t>CoreFX</a:t>
+              <a:t>,</a:t>
+            </a:r>
+            <a:r>
+              <a:rPr lang="bg-BG" sz="2000" dirty="0">
+                <a:latin typeface="Arial" panose="020B0604020202020204" pitchFamily="34" charset="0"/>
+                <a:cs typeface="Arial" panose="020B0604020202020204" pitchFamily="34" charset="0"/>
+              </a:rPr>
+              <a:t> </a:t>
+            </a:r>
+            <a:r>
+              <a:rPr lang="en-US" sz="2000" dirty="0" smtClean="0">
+                <a:latin typeface="Arial" panose="020B0604020202020204" pitchFamily="34" charset="0"/>
+                <a:cs typeface="Arial" panose="020B0604020202020204" pitchFamily="34" charset="0"/>
+              </a:rPr>
+              <a:t>cross-platform</a:t>
+            </a:r>
+            <a:r>
+              <a:rPr lang="bg-BG" sz="2000" dirty="0" smtClean="0">
+                <a:latin typeface="Arial" panose="020B0604020202020204" pitchFamily="34" charset="0"/>
+                <a:cs typeface="Arial" panose="020B0604020202020204" pitchFamily="34" charset="0"/>
+              </a:rPr>
+              <a:t> и </a:t>
+            </a:r>
+            <a:r>
+              <a:rPr lang="en-US" sz="2000" dirty="0" smtClean="0">
+                <a:latin typeface="Arial" panose="020B0604020202020204" pitchFamily="34" charset="0"/>
+                <a:cs typeface="Arial" panose="020B0604020202020204" pitchFamily="34" charset="0"/>
+              </a:rPr>
+              <a:t>open source</a:t>
+            </a:r>
+            <a:r>
+              <a:rPr lang="bg-BG" sz="2000" dirty="0" smtClean="0">
+                <a:latin typeface="Arial" panose="020B0604020202020204" pitchFamily="34" charset="0"/>
+                <a:cs typeface="Arial" panose="020B0604020202020204" pitchFamily="34" charset="0"/>
+              </a:rPr>
+              <a:t> платформа за разработка на различни видове приложения.</a:t>
             </a:r>
             <a:endParaRPr lang="en-US" sz="2000" dirty="0" smtClean="0">
               <a:latin typeface="Arial" panose="020B0604020202020204" pitchFamily="34" charset="0"/>
@@ -17421,24 +19521,225 @@
           </a:p>
           <a:p>
             <a:r>
+              <a:rPr lang="en-US" sz="2000" b="1" dirty="0" smtClean="0">
+                <a:latin typeface="Arial" panose="020B0604020202020204" pitchFamily="34" charset="0"/>
+                <a:cs typeface="Arial" panose="020B0604020202020204" pitchFamily="34" charset="0"/>
+              </a:rPr>
+              <a:t>.NET</a:t>
+            </a:r>
+            <a:r>
+              <a:rPr lang="en-US" sz="2000" dirty="0">
+                <a:latin typeface="Arial" panose="020B0604020202020204" pitchFamily="34" charset="0"/>
+                <a:cs typeface="Arial" panose="020B0604020202020204" pitchFamily="34" charset="0"/>
+              </a:rPr>
+              <a:t> </a:t>
+            </a:r>
+            <a:r>
+              <a:rPr lang="bg-BG" sz="2000" dirty="0" smtClean="0">
+                <a:latin typeface="Arial" panose="020B0604020202020204" pitchFamily="34" charset="0"/>
+                <a:cs typeface="Arial" panose="020B0604020202020204" pitchFamily="34" charset="0"/>
+              </a:rPr>
+              <a:t>съдържа</a:t>
+            </a:r>
+            <a:r>
               <a:rPr lang="en-US" sz="2000" dirty="0" smtClean="0">
                 <a:latin typeface="Arial" panose="020B0604020202020204" pitchFamily="34" charset="0"/>
                 <a:cs typeface="Arial" panose="020B0604020202020204" pitchFamily="34" charset="0"/>
               </a:rPr>
-              <a:t>You can write on </a:t>
+              <a:t> </a:t>
+            </a:r>
+            <a:r>
+              <a:rPr lang="bg-BG" sz="2000" dirty="0" smtClean="0">
+                <a:latin typeface="Arial" panose="020B0604020202020204" pitchFamily="34" charset="0"/>
+                <a:cs typeface="Arial" panose="020B0604020202020204" pitchFamily="34" charset="0"/>
+              </a:rPr>
+              <a:t>програмни езици</a:t>
+            </a:r>
+            <a:r>
+              <a:rPr lang="en-US" sz="2000" dirty="0" smtClean="0">
+                <a:latin typeface="Arial" panose="020B0604020202020204" pitchFamily="34" charset="0"/>
+                <a:cs typeface="Arial" panose="020B0604020202020204" pitchFamily="34" charset="0"/>
+              </a:rPr>
+              <a:t>, </a:t>
+            </a:r>
+            <a:r>
+              <a:rPr lang="bg-BG" sz="2000" dirty="0" smtClean="0">
+                <a:latin typeface="Arial" panose="020B0604020202020204" pitchFamily="34" charset="0"/>
+                <a:cs typeface="Arial" panose="020B0604020202020204" pitchFamily="34" charset="0"/>
+              </a:rPr>
+              <a:t>среда за изпълнение на кода - </a:t>
+            </a:r>
+            <a:r>
+              <a:rPr lang="en-US" sz="2000" dirty="0" smtClean="0">
+                <a:latin typeface="Arial" panose="020B0604020202020204" pitchFamily="34" charset="0"/>
+                <a:cs typeface="Arial" panose="020B0604020202020204" pitchFamily="34" charset="0"/>
+              </a:rPr>
+              <a:t>runtime, </a:t>
+            </a:r>
+            <a:r>
+              <a:rPr lang="bg-BG" sz="2000" dirty="0" smtClean="0">
+                <a:latin typeface="Arial" panose="020B0604020202020204" pitchFamily="34" charset="0"/>
+                <a:cs typeface="Arial" panose="020B0604020202020204" pitchFamily="34" charset="0"/>
+              </a:rPr>
+              <a:t>и библиотеки </a:t>
+            </a:r>
+            <a:r>
+              <a:rPr lang="bg-BG" sz="2000" dirty="0" smtClean="0">
+                <a:latin typeface="Arial" panose="020B0604020202020204" pitchFamily="34" charset="0"/>
+                <a:cs typeface="Arial" panose="020B0604020202020204" pitchFamily="34" charset="0"/>
+              </a:rPr>
+              <a:t>за разработка на</a:t>
+            </a:r>
+            <a:r>
+              <a:rPr lang="en-US" sz="2000" dirty="0" smtClean="0">
+                <a:latin typeface="Arial" panose="020B0604020202020204" pitchFamily="34" charset="0"/>
+                <a:cs typeface="Arial" panose="020B0604020202020204" pitchFamily="34" charset="0"/>
+              </a:rPr>
+              <a:t> </a:t>
+            </a:r>
+            <a:r>
+              <a:rPr lang="en-US" sz="2000" dirty="0">
+                <a:latin typeface="Arial" panose="020B0604020202020204" pitchFamily="34" charset="0"/>
+                <a:cs typeface="Arial" panose="020B0604020202020204" pitchFamily="34" charset="0"/>
+              </a:rPr>
+              <a:t>web, mobile, desktop, games, </a:t>
+            </a:r>
+            <a:r>
+              <a:rPr lang="bg-BG" sz="2000" dirty="0" smtClean="0">
+                <a:latin typeface="Arial" panose="020B0604020202020204" pitchFamily="34" charset="0"/>
+                <a:cs typeface="Arial" panose="020B0604020202020204" pitchFamily="34" charset="0"/>
+              </a:rPr>
+              <a:t>и</a:t>
+            </a:r>
+            <a:r>
+              <a:rPr lang="en-US" sz="2000" dirty="0" smtClean="0">
+                <a:latin typeface="Arial" panose="020B0604020202020204" pitchFamily="34" charset="0"/>
+                <a:cs typeface="Arial" panose="020B0604020202020204" pitchFamily="34" charset="0"/>
+              </a:rPr>
+              <a:t> </a:t>
+            </a:r>
+            <a:r>
+              <a:rPr lang="en-US" sz="2000" dirty="0" err="1" smtClean="0">
+                <a:latin typeface="Arial" panose="020B0604020202020204" pitchFamily="34" charset="0"/>
+                <a:cs typeface="Arial" panose="020B0604020202020204" pitchFamily="34" charset="0"/>
+              </a:rPr>
+              <a:t>IoT</a:t>
+            </a:r>
+            <a:r>
+              <a:rPr lang="bg-BG" sz="2000" dirty="0" smtClean="0">
+                <a:latin typeface="Arial" panose="020B0604020202020204" pitchFamily="34" charset="0"/>
+                <a:cs typeface="Arial" panose="020B0604020202020204" pitchFamily="34" charset="0"/>
+              </a:rPr>
+              <a:t> приложения</a:t>
+            </a:r>
+            <a:r>
+              <a:rPr lang="en-US" sz="2000" dirty="0" smtClean="0">
+                <a:latin typeface="Arial" panose="020B0604020202020204" pitchFamily="34" charset="0"/>
+                <a:cs typeface="Arial" panose="020B0604020202020204" pitchFamily="34" charset="0"/>
+              </a:rPr>
+              <a:t>.</a:t>
+            </a:r>
+            <a:endParaRPr lang="en-US" sz="2000" dirty="0" smtClean="0">
+              <a:latin typeface="Arial" panose="020B0604020202020204" pitchFamily="34" charset="0"/>
+              <a:cs typeface="Arial" panose="020B0604020202020204" pitchFamily="34" charset="0"/>
+            </a:endParaRPr>
+          </a:p>
+          <a:p>
+            <a:r>
+              <a:rPr lang="bg-BG" sz="2000" dirty="0" smtClean="0">
+                <a:latin typeface="Arial" panose="020B0604020202020204" pitchFamily="34" charset="0"/>
+                <a:cs typeface="Arial" panose="020B0604020202020204" pitchFamily="34" charset="0"/>
+              </a:rPr>
+              <a:t>Двата основни компонента на </a:t>
+            </a:r>
+            <a:r>
+              <a:rPr lang="en-US" sz="2000" dirty="0" smtClean="0">
+                <a:latin typeface="Arial" panose="020B0604020202020204" pitchFamily="34" charset="0"/>
+                <a:cs typeface="Arial" panose="020B0604020202020204" pitchFamily="34" charset="0"/>
+              </a:rPr>
+              <a:t>.</a:t>
             </a:r>
             <a:r>
               <a:rPr lang="en-US" sz="2000" b="1" dirty="0" smtClean="0">
                 <a:latin typeface="Arial" panose="020B0604020202020204" pitchFamily="34" charset="0"/>
                 <a:cs typeface="Arial" panose="020B0604020202020204" pitchFamily="34" charset="0"/>
               </a:rPr>
-              <a:t>C#</a:t>
+              <a:t>NET</a:t>
             </a:r>
             <a:r>
               <a:rPr lang="en-US" sz="2000" dirty="0" smtClean="0">
                 <a:latin typeface="Arial" panose="020B0604020202020204" pitchFamily="34" charset="0"/>
                 <a:cs typeface="Arial" panose="020B0604020202020204" pitchFamily="34" charset="0"/>
               </a:rPr>
+              <a:t> </a:t>
+            </a:r>
+            <a:r>
+              <a:rPr lang="en-US" sz="2000" dirty="0">
+                <a:latin typeface="Arial" panose="020B0604020202020204" pitchFamily="34" charset="0"/>
+                <a:cs typeface="Arial" panose="020B0604020202020204" pitchFamily="34" charset="0"/>
+              </a:rPr>
+              <a:t>are </a:t>
+            </a:r>
+            <a:r>
+              <a:rPr lang="en-US" sz="2000" b="1" dirty="0" err="1">
+                <a:latin typeface="Arial" panose="020B0604020202020204" pitchFamily="34" charset="0"/>
+                <a:cs typeface="Arial" panose="020B0604020202020204" pitchFamily="34" charset="0"/>
+              </a:rPr>
+              <a:t>CoreCLR</a:t>
+            </a:r>
+            <a:r>
+              <a:rPr lang="en-US" sz="2000" dirty="0">
+                <a:latin typeface="Arial" panose="020B0604020202020204" pitchFamily="34" charset="0"/>
+                <a:cs typeface="Arial" panose="020B0604020202020204" pitchFamily="34" charset="0"/>
+              </a:rPr>
+              <a:t> </a:t>
+            </a:r>
+            <a:r>
+              <a:rPr lang="en-US" sz="2000" dirty="0" smtClean="0">
+                <a:latin typeface="Arial" panose="020B0604020202020204" pitchFamily="34" charset="0"/>
+                <a:cs typeface="Arial" panose="020B0604020202020204" pitchFamily="34" charset="0"/>
+              </a:rPr>
+              <a:t>and </a:t>
+            </a:r>
+            <a:r>
+              <a:rPr lang="en-US" sz="2000" b="1" dirty="0" err="1" smtClean="0">
+                <a:latin typeface="Arial" panose="020B0604020202020204" pitchFamily="34" charset="0"/>
+                <a:cs typeface="Arial" panose="020B0604020202020204" pitchFamily="34" charset="0"/>
+              </a:rPr>
+              <a:t>CoreFX</a:t>
+            </a:r>
+            <a:endParaRPr lang="en-US" sz="2000" dirty="0" smtClean="0">
+              <a:latin typeface="Arial" panose="020B0604020202020204" pitchFamily="34" charset="0"/>
+              <a:cs typeface="Arial" panose="020B0604020202020204" pitchFamily="34" charset="0"/>
+            </a:endParaRPr>
+          </a:p>
+          <a:p>
+            <a:r>
+              <a:rPr lang="bg-BG" sz="2000" dirty="0" smtClean="0">
+                <a:latin typeface="Arial" panose="020B0604020202020204" pitchFamily="34" charset="0"/>
+                <a:cs typeface="Arial" panose="020B0604020202020204" pitchFamily="34" charset="0"/>
+              </a:rPr>
+              <a:t>Можем да пишем на </a:t>
+            </a:r>
+            <a:r>
+              <a:rPr lang="en-US" sz="2000" b="1" dirty="0" smtClean="0">
+                <a:latin typeface="Arial" panose="020B0604020202020204" pitchFamily="34" charset="0"/>
+                <a:cs typeface="Arial" panose="020B0604020202020204" pitchFamily="34" charset="0"/>
+              </a:rPr>
+              <a:t>C</a:t>
+            </a:r>
+            <a:r>
+              <a:rPr lang="en-US" sz="2000" b="1" dirty="0" smtClean="0">
+                <a:latin typeface="Arial" panose="020B0604020202020204" pitchFamily="34" charset="0"/>
+                <a:cs typeface="Arial" panose="020B0604020202020204" pitchFamily="34" charset="0"/>
+              </a:rPr>
+              <a:t>#</a:t>
+            </a:r>
+            <a:r>
+              <a:rPr lang="en-US" sz="2000" dirty="0" smtClean="0">
+                <a:latin typeface="Arial" panose="020B0604020202020204" pitchFamily="34" charset="0"/>
+                <a:cs typeface="Arial" panose="020B0604020202020204" pitchFamily="34" charset="0"/>
+              </a:rPr>
               <a:t>, </a:t>
             </a:r>
             <a:r>
@@ -17463,12 +19764,23 @@
               <a:t>Visual Basic </a:t>
             </a:r>
             <a:r>
+              <a:rPr lang="bg-BG" sz="2000" dirty="0" smtClean="0">
+                <a:latin typeface="Arial" panose="020B0604020202020204" pitchFamily="34" charset="0"/>
+                <a:cs typeface="Arial" panose="020B0604020202020204" pitchFamily="34" charset="0"/>
+              </a:rPr>
+              <a:t>и други програмни езици</a:t>
+            </a:r>
+            <a:r>
               <a:rPr lang="en-US" sz="2000" dirty="0" smtClean="0">
                 <a:latin typeface="Arial" panose="020B0604020202020204" pitchFamily="34" charset="0"/>
                 <a:cs typeface="Arial" panose="020B0604020202020204" pitchFamily="34" charset="0"/>
               </a:rPr>
-              <a:t>and other programming languages.</a:t>
-            </a:r>
+              <a:t>.</a:t>
+            </a:r>
+            <a:endParaRPr lang="en-US" sz="2000" dirty="0" smtClean="0">
+              <a:latin typeface="Arial" panose="020B0604020202020204" pitchFamily="34" charset="0"/>
+              <a:cs typeface="Arial" panose="020B0604020202020204" pitchFamily="34" charset="0"/>
+            </a:endParaRPr>
           </a:p>
           <a:p>
             <a:endParaRPr lang="en-US" dirty="0" smtClean="0"/>
@@ -17588,7 +19900,7 @@
 </p:sld>
 </file>
 
-<file path=ppt/slides/slide5.xml><?xml version="1.0" encoding="utf-8"?>
+<file path=ppt/slides/slide6.xml><?xml version="1.0" encoding="utf-8"?>
 <p:sld xmlns:a="http://schemas.openxmlformats.org/drawingml/2006/main" xmlns:r="http://schemas.openxmlformats.org/officeDocument/2006/relationships" xmlns:p="http://schemas.openxmlformats.org/presentationml/2006/main">
   <p:cSld>
     <p:spTree>
@@ -17623,10 +19935,27 @@
             <a:pPr algn="ctr"/>
             <a:r>
               <a:rPr lang="en-US" dirty="0" smtClean="0">
-                <a:latin typeface="Arial" panose="020B0604020202020204" pitchFamily="34" charset="0"/>
-                <a:cs typeface="Arial" panose="020B0604020202020204" pitchFamily="34" charset="0"/>
-              </a:rPr>
-              <a:t>.NET = The Ecosystem</a:t>
+                <a:solidFill>
+                  <a:srgbClr val="FFFF00"/>
+                </a:solidFill>
+                <a:latin typeface="Arial" panose="020B0604020202020204" pitchFamily="34" charset="0"/>
+                <a:cs typeface="Arial" panose="020B0604020202020204" pitchFamily="34" charset="0"/>
+              </a:rPr>
+              <a:t>.NET </a:t>
+            </a:r>
+            <a:r>
+              <a:rPr lang="en-US" dirty="0" smtClean="0">
+                <a:latin typeface="Arial" panose="020B0604020202020204" pitchFamily="34" charset="0"/>
+                <a:cs typeface="Arial" panose="020B0604020202020204" pitchFamily="34" charset="0"/>
+              </a:rPr>
+              <a:t>= </a:t>
+            </a:r>
+            <a:r>
+              <a:rPr lang="bg-BG" dirty="0" smtClean="0">
+                <a:latin typeface="Arial" panose="020B0604020202020204" pitchFamily="34" charset="0"/>
+                <a:cs typeface="Arial" panose="020B0604020202020204" pitchFamily="34" charset="0"/>
+              </a:rPr>
+              <a:t>Екосистемата</a:t>
             </a:r>
             <a:endParaRPr lang="en-US" dirty="0">
               <a:latin typeface="Arial" panose="020B0604020202020204" pitchFamily="34" charset="0"/>
@@ -17763,129 +20092,6 @@
 </p:sld>
 </file>
 
-<file path=ppt/slides/slide6.xml><?xml version="1.0" encoding="utf-8"?>
-<p:sld xmlns:a="http://schemas.openxmlformats.org/drawingml/2006/main" xmlns:r="http://schemas.openxmlformats.org/officeDocument/2006/relationships" xmlns:p="http://schemas.openxmlformats.org/presentationml/2006/main">
-  <p:cSld>
-    <p:spTree>
-      <p:nvGrpSpPr>
-        <p:cNvPr id="1" name=""/>
-        <p:cNvGrpSpPr/>
-        <p:nvPr/>
-      </p:nvGrpSpPr>
-      <p:grpSpPr>
-        <a:xfrm>
-          <a:off x="0" y="0"/>
-          <a:ext cx="0" cy="0"/>
-          <a:chOff x="0" y="0"/>
-          <a:chExt cx="0" cy="0"/>
-        </a:xfrm>
-      </p:grpSpPr>
-      <p:sp>
-        <p:nvSpPr>
-          <p:cNvPr id="2" name="Title 1"/>
-          <p:cNvSpPr>
-            <a:spLocks noGrp="1"/>
-          </p:cNvSpPr>
-          <p:nvPr>
-            <p:ph type="title"/>
-          </p:nvPr>
-        </p:nvSpPr>
-        <p:spPr/>
-        <p:txBody>
-          <a:bodyPr/>
-          <a:lstStyle/>
-          <a:p>
-            <a:pPr algn="ctr"/>
-            <a:r>
-              <a:rPr lang="en-US" dirty="0" smtClean="0">
-                <a:latin typeface="Arial" panose="020B0604020202020204" pitchFamily="34" charset="0"/>
-                <a:cs typeface="Arial" panose="020B0604020202020204" pitchFamily="34" charset="0"/>
-              </a:rPr>
-              <a:t>.NET ecosystem</a:t>
-            </a:r>
-            <a:endParaRPr lang="en-US" dirty="0">
-              <a:latin typeface="Arial" panose="020B0604020202020204" pitchFamily="34" charset="0"/>
-              <a:cs typeface="Arial" panose="020B0604020202020204" pitchFamily="34" charset="0"/>
-            </a:endParaRPr>
-          </a:p>
-        </p:txBody>
-      </p:sp>
-      <p:pic>
-        <p:nvPicPr>
-          <p:cNvPr id="13" name="Content Placeholder 12"/>
-          <p:cNvPicPr>
-            <a:picLocks noGrp="1" noChangeAspect="1"/>
-          </p:cNvPicPr>
-          <p:nvPr>
-            <p:ph sz="half" idx="2"/>
-          </p:nvPr>
-        </p:nvPicPr>
-        <p:blipFill>
-          <a:blip r:embed="rId2">
-            <a:extLst>
-              <a:ext uri="{28A0092B-C50C-407E-A947-70E740481C1C}">
-                <a14:useLocalDpi xmlns:a14="http://schemas.microsoft.com/office/drawing/2010/main" val="0"/>
-              </a:ext>
-            </a:extLst>
-          </a:blip>
-          <a:stretch>
-            <a:fillRect/>
-          </a:stretch>
-        </p:blipFill>
-        <p:spPr>
-          <a:xfrm>
-            <a:off x="1258336" y="2186037"/>
-            <a:ext cx="9117304" cy="4308069"/>
-          </a:xfrm>
-          <a:prstGeom prst="roundRect">
-            <a:avLst>
-              <a:gd name="adj" fmla="val 16667"/>
-            </a:avLst>
-          </a:prstGeom>
-          <a:ln>
-            <a:noFill/>
-          </a:ln>
-          <a:effectLst>
-            <a:outerShdw blurRad="152400" dist="12000" dir="900000" sy="98000" kx="110000" ky="200000" algn="tl" rotWithShape="0">
-              <a:srgbClr val="000000">
-                <a:alpha val="30000"/>
-              </a:srgbClr>
-            </a:outerShdw>
-          </a:effectLst>
-          <a:scene3d>
-            <a:camera prst="perspectiveRelaxed">
-              <a:rot lat="19800000" lon="1200000" rev="20820000"/>
-            </a:camera>
-            <a:lightRig rig="threePt" dir="t"/>
-          </a:scene3d>
-          <a:sp3d contourW="6350" prstMaterial="matte">
-            <a:bevelT w="101600" h="101600"/>
-            <a:contourClr>
-              <a:srgbClr val="969696"/>
-            </a:contourClr>
-          </a:sp3d>
-        </p:spPr>
-      </p:pic>
-    </p:spTree>
-    <p:extLst>
-      <p:ext uri="{BB962C8B-B14F-4D97-AF65-F5344CB8AC3E}">
-        <p14:creationId xmlns:p14="http://schemas.microsoft.com/office/powerpoint/2010/main" val="2571713889"/>
-      </p:ext>
-    </p:extLst>
-  </p:cSld>
-  <p:clrMapOvr>
-    <a:masterClrMapping/>
-  </p:clrMapOvr>
-  <p:timing>
-    <p:tnLst>
-      <p:par>
-        <p:cTn id="1" dur="indefinite" restart="never" nodeType="tmRoot"/>
-      </p:par>
-    </p:tnLst>
-  </p:timing>
-</p:sld>
-</file>
-
 <file path=ppt/slides/slide7.xml><?xml version="1.0" encoding="utf-8"?>
 <p:sld xmlns:a="http://schemas.openxmlformats.org/drawingml/2006/main" xmlns:r="http://schemas.openxmlformats.org/officeDocument/2006/relationships" xmlns:p="http://schemas.openxmlformats.org/presentationml/2006/main">
   <p:cSld>
@@ -17921,10 +20127,41 @@
             <a:pPr algn="ctr"/>
             <a:r>
               <a:rPr lang="en-US" dirty="0" smtClean="0">
-                <a:latin typeface="Arial" panose="020B0604020202020204" pitchFamily="34" charset="0"/>
-                <a:cs typeface="Arial" panose="020B0604020202020204" pitchFamily="34" charset="0"/>
-              </a:rPr>
-              <a:t>.NET platform /whole new world/</a:t>
+                <a:solidFill>
+                  <a:srgbClr val="FFFF00"/>
+                </a:solidFill>
+                <a:latin typeface="Arial" panose="020B0604020202020204" pitchFamily="34" charset="0"/>
+                <a:cs typeface="Arial" panose="020B0604020202020204" pitchFamily="34" charset="0"/>
+              </a:rPr>
+              <a:t>.NET </a:t>
+            </a:r>
+            <a:r>
+              <a:rPr lang="bg-BG" dirty="0" smtClean="0">
+                <a:latin typeface="Arial" panose="020B0604020202020204" pitchFamily="34" charset="0"/>
+                <a:cs typeface="Arial" panose="020B0604020202020204" pitchFamily="34" charset="0"/>
+              </a:rPr>
+              <a:t>платформата</a:t>
+            </a:r>
+            <a:r>
+              <a:rPr lang="en-US" dirty="0" smtClean="0">
+                <a:latin typeface="Arial" panose="020B0604020202020204" pitchFamily="34" charset="0"/>
+                <a:cs typeface="Arial" panose="020B0604020202020204" pitchFamily="34" charset="0"/>
+              </a:rPr>
+              <a:t> /</a:t>
+            </a:r>
+            <a:r>
+              <a:rPr lang="bg-BG" dirty="0" smtClean="0">
+                <a:latin typeface="Arial" panose="020B0604020202020204" pitchFamily="34" charset="0"/>
+                <a:cs typeface="Arial" panose="020B0604020202020204" pitchFamily="34" charset="0"/>
+              </a:rPr>
+              <a:t>цял нов свят</a:t>
+            </a:r>
+            <a:r>
+              <a:rPr lang="en-US" dirty="0" smtClean="0">
+                <a:latin typeface="Arial" panose="020B0604020202020204" pitchFamily="34" charset="0"/>
+                <a:cs typeface="Arial" panose="020B0604020202020204" pitchFamily="34" charset="0"/>
+              </a:rPr>
+              <a:t>/</a:t>
             </a:r>
             <a:endParaRPr lang="en-US" dirty="0">
               <a:latin typeface="Arial" panose="020B0604020202020204" pitchFamily="34" charset="0"/>
@@ -18016,6 +20253,239 @@
           <a:p>
             <a:pPr algn="ctr"/>
             <a:r>
+              <a:rPr lang="en-US" dirty="0" smtClean="0">
+                <a:solidFill>
+                  <a:srgbClr val="FFFF00"/>
+                </a:solidFill>
+                <a:latin typeface="Arial" panose="020B0604020202020204" pitchFamily="34" charset="0"/>
+                <a:cs typeface="Arial" panose="020B0604020202020204" pitchFamily="34" charset="0"/>
+              </a:rPr>
+              <a:t>C#</a:t>
+            </a:r>
+            <a:r>
+              <a:rPr lang="en-US" dirty="0" smtClean="0">
+                <a:latin typeface="Arial" panose="020B0604020202020204" pitchFamily="34" charset="0"/>
+                <a:cs typeface="Arial" panose="020B0604020202020204" pitchFamily="34" charset="0"/>
+              </a:rPr>
+              <a:t> </a:t>
+            </a:r>
+            <a:r>
+              <a:rPr lang="bg-BG" dirty="0" smtClean="0">
+                <a:latin typeface="Arial" panose="020B0604020202020204" pitchFamily="34" charset="0"/>
+                <a:cs typeface="Arial" panose="020B0604020202020204" pitchFamily="34" charset="0"/>
+              </a:rPr>
+              <a:t>не е </a:t>
+            </a:r>
+            <a:r>
+              <a:rPr lang="en-US" dirty="0" smtClean="0">
+                <a:solidFill>
+                  <a:srgbClr val="FFFF00"/>
+                </a:solidFill>
+                <a:latin typeface="Arial" panose="020B0604020202020204" pitchFamily="34" charset="0"/>
+                <a:cs typeface="Arial" panose="020B0604020202020204" pitchFamily="34" charset="0"/>
+              </a:rPr>
+              <a:t>.NET</a:t>
+            </a:r>
+            <a:r>
+              <a:rPr lang="en-US" dirty="0" smtClean="0">
+                <a:latin typeface="Arial" panose="020B0604020202020204" pitchFamily="34" charset="0"/>
+                <a:cs typeface="Arial" panose="020B0604020202020204" pitchFamily="34" charset="0"/>
+              </a:rPr>
+              <a:t>!</a:t>
+            </a:r>
+            <a:endParaRPr lang="en-US" dirty="0">
+              <a:latin typeface="Arial" panose="020B0604020202020204" pitchFamily="34" charset="0"/>
+              <a:cs typeface="Arial" panose="020B0604020202020204" pitchFamily="34" charset="0"/>
+            </a:endParaRPr>
+          </a:p>
+        </p:txBody>
+      </p:sp>
+      <p:pic>
+        <p:nvPicPr>
+          <p:cNvPr id="12" name="Picture Placeholder 11"/>
+          <p:cNvPicPr>
+            <a:picLocks noGrp="1" noChangeAspect="1"/>
+          </p:cNvPicPr>
+          <p:nvPr>
+            <p:ph type="pic" idx="15"/>
+          </p:nvPr>
+        </p:nvPicPr>
+        <p:blipFill>
+          <a:blip r:embed="rId2" cstate="print">
+            <a:extLst>
+              <a:ext uri="{28A0092B-C50C-407E-A947-70E740481C1C}">
+                <a14:useLocalDpi xmlns:a14="http://schemas.microsoft.com/office/drawing/2010/main" val="0"/>
+              </a:ext>
+            </a:extLst>
+          </a:blip>
+          <a:stretch>
+            <a:fillRect/>
+          </a:stretch>
+        </p:blipFill>
+        <p:spPr>
+          <a:xfrm>
+            <a:off x="1154954" y="2733040"/>
+            <a:ext cx="2460402" cy="2460402"/>
+          </a:xfrm>
+          <a:prstGeom prst="rect">
+            <a:avLst/>
+          </a:prstGeom>
+        </p:spPr>
+      </p:pic>
+      <p:pic>
+        <p:nvPicPr>
+          <p:cNvPr id="13" name="Picture Placeholder 12"/>
+          <p:cNvPicPr>
+            <a:picLocks noGrp="1" noChangeAspect="1"/>
+          </p:cNvPicPr>
+          <p:nvPr>
+            <p:ph type="pic" idx="22"/>
+          </p:nvPr>
+        </p:nvPicPr>
+        <p:blipFill>
+          <a:blip r:embed="rId3">
+            <a:extLst>
+              <a:ext uri="{28A0092B-C50C-407E-A947-70E740481C1C}">
+                <a14:useLocalDpi xmlns:a14="http://schemas.microsoft.com/office/drawing/2010/main" val="0"/>
+              </a:ext>
+            </a:extLst>
+          </a:blip>
+          <a:srcRect t="20413" b="20413"/>
+          <a:stretch>
+            <a:fillRect/>
+          </a:stretch>
+        </p:blipFill>
+        <p:spPr>
+          <a:xfrm>
+            <a:off x="8125344" y="3019202"/>
+            <a:ext cx="3504501" cy="2072444"/>
+          </a:xfrm>
+          <a:prstGeom prst="roundRect">
+            <a:avLst>
+              <a:gd name="adj" fmla="val 16667"/>
+            </a:avLst>
+          </a:prstGeom>
+          <a:ln>
+            <a:noFill/>
+          </a:ln>
+          <a:effectLst>
+            <a:outerShdw blurRad="152400" dist="12000" dir="900000" sy="98000" kx="110000" ky="200000" algn="tl" rotWithShape="0">
+              <a:srgbClr val="000000">
+                <a:alpha val="30000"/>
+              </a:srgbClr>
+            </a:outerShdw>
+          </a:effectLst>
+          <a:scene3d>
+            <a:camera prst="perspectiveRelaxed">
+              <a:rot lat="19800000" lon="1200000" rev="20820000"/>
+            </a:camera>
+            <a:lightRig rig="threePt" dir="t"/>
+          </a:scene3d>
+          <a:sp3d contourW="6350" prstMaterial="matte">
+            <a:bevelT w="101600" h="101600"/>
+            <a:contourClr>
+              <a:srgbClr val="969696"/>
+            </a:contourClr>
+          </a:sp3d>
+        </p:spPr>
+      </p:pic>
+      <p:pic>
+        <p:nvPicPr>
+          <p:cNvPr id="18" name="Picture Placeholder 17"/>
+          <p:cNvPicPr>
+            <a:picLocks noGrp="1" noChangeAspect="1"/>
+          </p:cNvPicPr>
+          <p:nvPr>
+            <p:ph type="pic" idx="21"/>
+          </p:nvPr>
+        </p:nvPicPr>
+        <p:blipFill>
+          <a:blip r:embed="rId4">
+            <a:extLst>
+              <a:ext uri="{28A0092B-C50C-407E-A947-70E740481C1C}">
+                <a14:useLocalDpi xmlns:a14="http://schemas.microsoft.com/office/drawing/2010/main" val="0"/>
+              </a:ext>
+            </a:extLst>
+          </a:blip>
+          <a:srcRect t="20413" b="20413"/>
+          <a:stretch>
+            <a:fillRect/>
+          </a:stretch>
+        </p:blipFill>
+        <p:spPr>
+          <a:xfrm>
+            <a:off x="4775266" y="3252728"/>
+            <a:ext cx="2765999" cy="1635718"/>
+          </a:xfrm>
+          <a:prstGeom prst="rect">
+            <a:avLst/>
+          </a:prstGeom>
+          <a:ln>
+            <a:noFill/>
+          </a:ln>
+          <a:effectLst>
+            <a:reflection blurRad="12700" stA="30000" endPos="30000" dist="5000" dir="5400000" sy="-100000" algn="bl" rotWithShape="0"/>
+          </a:effectLst>
+          <a:scene3d>
+            <a:camera prst="perspectiveContrastingLeftFacing">
+              <a:rot lat="300000" lon="19800000" rev="0"/>
+            </a:camera>
+            <a:lightRig rig="threePt" dir="t">
+              <a:rot lat="0" lon="0" rev="2700000"/>
+            </a:lightRig>
+          </a:scene3d>
+          <a:sp3d>
+            <a:bevelT w="63500" h="50800"/>
+          </a:sp3d>
+        </p:spPr>
+      </p:pic>
+    </p:spTree>
+    <p:extLst>
+      <p:ext uri="{BB962C8B-B14F-4D97-AF65-F5344CB8AC3E}">
+        <p14:creationId xmlns:p14="http://schemas.microsoft.com/office/powerpoint/2010/main" val="3170254347"/>
+      </p:ext>
+    </p:extLst>
+  </p:cSld>
+  <p:clrMapOvr>
+    <a:masterClrMapping/>
+  </p:clrMapOvr>
+</p:sld>
+</file>
+
+<file path=ppt/slides/slide9.xml><?xml version="1.0" encoding="utf-8"?>
+<p:sld xmlns:a="http://schemas.openxmlformats.org/drawingml/2006/main" xmlns:r="http://schemas.openxmlformats.org/officeDocument/2006/relationships" xmlns:p="http://schemas.openxmlformats.org/presentationml/2006/main">
+  <p:cSld>
+    <p:spTree>
+      <p:nvGrpSpPr>
+        <p:cNvPr id="1" name=""/>
+        <p:cNvGrpSpPr/>
+        <p:nvPr/>
+      </p:nvGrpSpPr>
+      <p:grpSpPr>
+        <a:xfrm>
+          <a:off x="0" y="0"/>
+          <a:ext cx="0" cy="0"/>
+          <a:chOff x="0" y="0"/>
+          <a:chExt cx="0" cy="0"/>
+        </a:xfrm>
+      </p:grpSpPr>
+      <p:sp>
+        <p:nvSpPr>
+          <p:cNvPr id="2" name="Title 1"/>
+          <p:cNvSpPr>
+            <a:spLocks noGrp="1"/>
+          </p:cNvSpPr>
+          <p:nvPr>
+            <p:ph type="title"/>
+          </p:nvPr>
+        </p:nvSpPr>
+        <p:spPr/>
+        <p:txBody>
+          <a:bodyPr/>
+          <a:lstStyle/>
+          <a:p>
+            <a:pPr algn="ctr"/>
+            <a:r>
               <a:rPr lang="en-US" dirty="0" smtClean="0"/>
               <a:t>.NET Schedule</a:t>
             </a:r>
@@ -18056,179 +20526,6 @@
     <p:extLst>
       <p:ext uri="{BB962C8B-B14F-4D97-AF65-F5344CB8AC3E}">
         <p14:creationId xmlns:p14="http://schemas.microsoft.com/office/powerpoint/2010/main" val="1234884613"/>
-      </p:ext>
-    </p:extLst>
-  </p:cSld>
-  <p:clrMapOvr>
-    <a:masterClrMapping/>
-  </p:clrMapOvr>
-  <p:timing>
-    <p:tnLst>
-      <p:par>
-        <p:cTn id="1" dur="indefinite" restart="never" nodeType="tmRoot"/>
-      </p:par>
-    </p:tnLst>
-  </p:timing>
-</p:sld>
-</file>
-
-<file path=ppt/slides/slide9.xml><?xml version="1.0" encoding="utf-8"?>
-<p:sld xmlns:a="http://schemas.openxmlformats.org/drawingml/2006/main" xmlns:r="http://schemas.openxmlformats.org/officeDocument/2006/relationships" xmlns:p="http://schemas.openxmlformats.org/presentationml/2006/main">
-  <p:cSld>
-    <p:spTree>
-      <p:nvGrpSpPr>
-        <p:cNvPr id="1" name=""/>
-        <p:cNvGrpSpPr/>
-        <p:nvPr/>
-      </p:nvGrpSpPr>
-      <p:grpSpPr>
-        <a:xfrm>
-          <a:off x="0" y="0"/>
-          <a:ext cx="0" cy="0"/>
-          <a:chOff x="0" y="0"/>
-          <a:chExt cx="0" cy="0"/>
-        </a:xfrm>
-      </p:grpSpPr>
-      <p:sp>
-        <p:nvSpPr>
-          <p:cNvPr id="2" name="Title 1"/>
-          <p:cNvSpPr>
-            <a:spLocks noGrp="1"/>
-          </p:cNvSpPr>
-          <p:nvPr>
-            <p:ph type="title"/>
-          </p:nvPr>
-        </p:nvSpPr>
-        <p:spPr/>
-        <p:txBody>
-          <a:bodyPr/>
-          <a:lstStyle/>
-          <a:p>
-            <a:pPr algn="ctr"/>
-            <a:r>
-              <a:rPr lang="en-US" dirty="0" smtClean="0">
-                <a:latin typeface="Arial" panose="020B0604020202020204" pitchFamily="34" charset="0"/>
-                <a:cs typeface="Arial" panose="020B0604020202020204" pitchFamily="34" charset="0"/>
-              </a:rPr>
-              <a:t>What is compiler?</a:t>
-            </a:r>
-            <a:endParaRPr lang="en-US" dirty="0">
-              <a:latin typeface="Arial" panose="020B0604020202020204" pitchFamily="34" charset="0"/>
-              <a:cs typeface="Arial" panose="020B0604020202020204" pitchFamily="34" charset="0"/>
-            </a:endParaRPr>
-          </a:p>
-        </p:txBody>
-      </p:sp>
-      <p:sp>
-        <p:nvSpPr>
-          <p:cNvPr id="3" name="Content Placeholder 2"/>
-          <p:cNvSpPr>
-            <a:spLocks noGrp="1"/>
-          </p:cNvSpPr>
-          <p:nvPr>
-            <p:ph idx="1"/>
-          </p:nvPr>
-        </p:nvSpPr>
-        <p:spPr>
-          <a:xfrm>
-            <a:off x="1546839" y="2603499"/>
-            <a:ext cx="8825659" cy="4021235"/>
-          </a:xfrm>
-        </p:spPr>
-        <p:txBody>
-          <a:bodyPr/>
-          <a:lstStyle/>
-          <a:p>
-            <a:r>
-              <a:rPr lang="en-US" dirty="0">
-                <a:latin typeface="Arial" panose="020B0604020202020204" pitchFamily="34" charset="0"/>
-                <a:cs typeface="Arial" panose="020B0604020202020204" pitchFamily="34" charset="0"/>
-              </a:rPr>
-              <a:t>A compiler is a special program that translates a programming language's </a:t>
-            </a:r>
-            <a:r>
-              <a:rPr lang="en-US" dirty="0" smtClean="0">
-                <a:latin typeface="Arial" panose="020B0604020202020204" pitchFamily="34" charset="0"/>
-                <a:cs typeface="Arial" panose="020B0604020202020204" pitchFamily="34" charset="0"/>
-              </a:rPr>
-              <a:t>source code into </a:t>
-            </a:r>
-            <a:r>
-              <a:rPr lang="en-US" dirty="0">
-                <a:latin typeface="Arial" panose="020B0604020202020204" pitchFamily="34" charset="0"/>
-                <a:cs typeface="Arial" panose="020B0604020202020204" pitchFamily="34" charset="0"/>
-              </a:rPr>
-              <a:t>machine code, bytecode or another programming language. The source code is typically written in a high-level, human-readable language such as </a:t>
-            </a:r>
-            <a:r>
-              <a:rPr lang="en-US" b="1" dirty="0" smtClean="0">
-                <a:latin typeface="Arial" panose="020B0604020202020204" pitchFamily="34" charset="0"/>
-                <a:cs typeface="Arial" panose="020B0604020202020204" pitchFamily="34" charset="0"/>
-              </a:rPr>
-              <a:t>C#</a:t>
-            </a:r>
-            <a:r>
-              <a:rPr lang="en-US" dirty="0" smtClean="0">
-                <a:latin typeface="Arial" panose="020B0604020202020204" pitchFamily="34" charset="0"/>
-                <a:cs typeface="Arial" panose="020B0604020202020204" pitchFamily="34" charset="0"/>
-              </a:rPr>
-              <a:t>, </a:t>
-            </a:r>
-            <a:r>
-              <a:rPr lang="en-US" b="1" dirty="0" smtClean="0">
-                <a:latin typeface="Arial" panose="020B0604020202020204" pitchFamily="34" charset="0"/>
-                <a:cs typeface="Arial" panose="020B0604020202020204" pitchFamily="34" charset="0"/>
-              </a:rPr>
-              <a:t>Java, C++, etc</a:t>
-            </a:r>
-            <a:r>
-              <a:rPr lang="en-US" dirty="0" smtClean="0">
-                <a:latin typeface="Arial" panose="020B0604020202020204" pitchFamily="34" charset="0"/>
-                <a:cs typeface="Arial" panose="020B0604020202020204" pitchFamily="34" charset="0"/>
-              </a:rPr>
-              <a:t>.</a:t>
-            </a:r>
-            <a:endParaRPr lang="en-US" dirty="0">
-              <a:latin typeface="Arial" panose="020B0604020202020204" pitchFamily="34" charset="0"/>
-              <a:cs typeface="Arial" panose="020B0604020202020204" pitchFamily="34" charset="0"/>
-            </a:endParaRPr>
-          </a:p>
-        </p:txBody>
-      </p:sp>
-      <p:pic>
-        <p:nvPicPr>
-          <p:cNvPr id="5" name="Picture 4"/>
-          <p:cNvPicPr>
-            <a:picLocks noChangeAspect="1"/>
-          </p:cNvPicPr>
-          <p:nvPr/>
-        </p:nvPicPr>
-        <p:blipFill>
-          <a:blip r:embed="rId2">
-            <a:extLst>
-              <a:ext uri="{28A0092B-C50C-407E-A947-70E740481C1C}">
-                <a14:useLocalDpi xmlns:a14="http://schemas.microsoft.com/office/drawing/2010/main" val="0"/>
-              </a:ext>
-            </a:extLst>
-          </a:blip>
-          <a:stretch>
-            <a:fillRect/>
-          </a:stretch>
-        </p:blipFill>
-        <p:spPr>
-          <a:xfrm>
-            <a:off x="1905842" y="3948209"/>
-            <a:ext cx="8010525" cy="2676525"/>
-          </a:xfrm>
-          <a:prstGeom prst="rect">
-            <a:avLst/>
-          </a:prstGeom>
-        </p:spPr>
-      </p:pic>
-    </p:spTree>
-    <p:extLst>
-      <p:ext uri="{BB962C8B-B14F-4D97-AF65-F5344CB8AC3E}">
-        <p14:creationId xmlns:p14="http://schemas.microsoft.com/office/powerpoint/2010/main" val="525679394"/>
       </p:ext>
     </p:extLst>
   </p:cSld>

--- a/C# Basics.pptx
+++ b/C# Basics.pptx
@@ -5,7 +5,7 @@
     <p:sldMasterId id="2147483707" r:id="rId1"/>
   </p:sldMasterIdLst>
   <p:notesMasterIdLst>
-    <p:notesMasterId r:id="rId28"/>
+    <p:notesMasterId r:id="rId35"/>
   </p:notesMasterIdLst>
   <p:sldIdLst>
     <p:sldId id="256" r:id="rId2"/>
@@ -14,26 +14,33 @@
     <p:sldId id="259" r:id="rId5"/>
     <p:sldId id="262" r:id="rId6"/>
     <p:sldId id="264" r:id="rId7"/>
-    <p:sldId id="261" r:id="rId8"/>
-    <p:sldId id="283" r:id="rId9"/>
-    <p:sldId id="265" r:id="rId10"/>
-    <p:sldId id="267" r:id="rId11"/>
-    <p:sldId id="266" r:id="rId12"/>
-    <p:sldId id="269" r:id="rId13"/>
-    <p:sldId id="281" r:id="rId14"/>
-    <p:sldId id="268" r:id="rId15"/>
-    <p:sldId id="280" r:id="rId16"/>
-    <p:sldId id="279" r:id="rId17"/>
-    <p:sldId id="278" r:id="rId18"/>
-    <p:sldId id="270" r:id="rId19"/>
-    <p:sldId id="271" r:id="rId20"/>
-    <p:sldId id="272" r:id="rId21"/>
-    <p:sldId id="273" r:id="rId22"/>
-    <p:sldId id="276" r:id="rId23"/>
-    <p:sldId id="277" r:id="rId24"/>
-    <p:sldId id="274" r:id="rId25"/>
-    <p:sldId id="275" r:id="rId26"/>
-    <p:sldId id="282" r:id="rId27"/>
+    <p:sldId id="287" r:id="rId8"/>
+    <p:sldId id="261" r:id="rId9"/>
+    <p:sldId id="283" r:id="rId10"/>
+    <p:sldId id="265" r:id="rId11"/>
+    <p:sldId id="267" r:id="rId12"/>
+    <p:sldId id="285" r:id="rId13"/>
+    <p:sldId id="266" r:id="rId14"/>
+    <p:sldId id="269" r:id="rId15"/>
+    <p:sldId id="281" r:id="rId16"/>
+    <p:sldId id="288" r:id="rId17"/>
+    <p:sldId id="289" r:id="rId18"/>
+    <p:sldId id="290" r:id="rId19"/>
+    <p:sldId id="291" r:id="rId20"/>
+    <p:sldId id="292" r:id="rId21"/>
+    <p:sldId id="268" r:id="rId22"/>
+    <p:sldId id="280" r:id="rId23"/>
+    <p:sldId id="279" r:id="rId24"/>
+    <p:sldId id="278" r:id="rId25"/>
+    <p:sldId id="270" r:id="rId26"/>
+    <p:sldId id="271" r:id="rId27"/>
+    <p:sldId id="272" r:id="rId28"/>
+    <p:sldId id="273" r:id="rId29"/>
+    <p:sldId id="276" r:id="rId30"/>
+    <p:sldId id="277" r:id="rId31"/>
+    <p:sldId id="274" r:id="rId32"/>
+    <p:sldId id="275" r:id="rId33"/>
+    <p:sldId id="282" r:id="rId34"/>
   </p:sldIdLst>
   <p:sldSz cx="12192000" cy="6858000"/>
   <p:notesSz cx="6858000" cy="9144000"/>
@@ -222,7 +229,7 @@
           <a:p>
             <a:fld id="{068E3771-71AF-4AE2-9E86-BE935DBF2B0E}" type="datetimeFigureOut">
               <a:rPr lang="en-US" smtClean="0"/>
-              <a:t>10/9/2022</a:t>
+              <a:t>10/10/2022</a:t>
             </a:fld>
             <a:endParaRPr lang="en-US"/>
           </a:p>
@@ -286,38 +293,37 @@
           <a:p>
             <a:pPr lvl="0"/>
             <a:r>
-              <a:rPr lang="en-US" smtClean="0"/>
+              <a:rPr lang="en-US"/>
               <a:t>Edit Master text styles</a:t>
             </a:r>
           </a:p>
           <a:p>
             <a:pPr lvl="1"/>
             <a:r>
-              <a:rPr lang="en-US" smtClean="0"/>
+              <a:rPr lang="en-US"/>
               <a:t>Second level</a:t>
             </a:r>
           </a:p>
           <a:p>
             <a:pPr lvl="2"/>
             <a:r>
-              <a:rPr lang="en-US" smtClean="0"/>
+              <a:rPr lang="en-US"/>
               <a:t>Third level</a:t>
             </a:r>
           </a:p>
           <a:p>
             <a:pPr lvl="3"/>
             <a:r>
-              <a:rPr lang="en-US" smtClean="0"/>
+              <a:rPr lang="en-US"/>
               <a:t>Fourth level</a:t>
             </a:r>
           </a:p>
           <a:p>
             <a:pPr lvl="4"/>
             <a:r>
-              <a:rPr lang="en-US" smtClean="0"/>
+              <a:rPr lang="en-US"/>
               <a:t>Fifth level</a:t>
             </a:r>
-            <a:endParaRPr lang="en-US"/>
           </a:p>
         </p:txBody>
       </p:sp>
@@ -666,7 +672,7 @@
           </a:lstStyle>
           <a:p>
             <a:r>
-              <a:rPr lang="en-US" smtClean="0"/>
+              <a:rPr lang="en-US"/>
               <a:t>Click to edit Master title style</a:t>
             </a:r>
             <a:endParaRPr lang="en-US" dirty="0"/>
@@ -786,7 +792,7 @@
           </a:lstStyle>
           <a:p>
             <a:r>
-              <a:rPr lang="en-US" smtClean="0"/>
+              <a:rPr lang="en-US"/>
               <a:t>Click to edit Master subtitle style</a:t>
             </a:r>
             <a:endParaRPr lang="en-US" dirty="0"/>
@@ -825,7 +831,7 @@
           <a:p>
             <a:fld id="{C0A3DACC-474D-44ED-8DF0-6B6BA2CE3243}" type="datetimeFigureOut">
               <a:rPr lang="en-US" smtClean="0"/>
-              <a:t>10/9/2022</a:t>
+              <a:t>10/10/2022</a:t>
             </a:fld>
             <a:endParaRPr lang="en-US"/>
           </a:p>
@@ -1736,7 +1742,7 @@
           </a:lstStyle>
           <a:p>
             <a:r>
-              <a:rPr lang="en-US" smtClean="0"/>
+              <a:rPr lang="en-US"/>
               <a:t>Click to edit Master title style</a:t>
             </a:r>
             <a:endParaRPr lang="en-US" dirty="0"/>
@@ -1815,7 +1821,7 @@
           </a:lstStyle>
           <a:p>
             <a:r>
-              <a:rPr lang="en-US" smtClean="0"/>
+              <a:rPr lang="en-US"/>
               <a:t>Click icon to add picture</a:t>
             </a:r>
             <a:endParaRPr lang="en-US" dirty="0"/>
@@ -1890,7 +1896,7 @@
           <a:p>
             <a:pPr lvl="0"/>
             <a:r>
-              <a:rPr lang="en-US" smtClean="0"/>
+              <a:rPr lang="en-US"/>
               <a:t>Edit Master text styles</a:t>
             </a:r>
           </a:p>
@@ -1913,7 +1919,7 @@
           <a:p>
             <a:fld id="{C0A3DACC-474D-44ED-8DF0-6B6BA2CE3243}" type="datetimeFigureOut">
               <a:rPr lang="en-US" smtClean="0"/>
-              <a:t>10/9/2022</a:t>
+              <a:t>10/10/2022</a:t>
             </a:fld>
             <a:endParaRPr lang="en-US"/>
           </a:p>
@@ -2802,7 +2808,7 @@
           </a:lstStyle>
           <a:p>
             <a:r>
-              <a:rPr lang="en-US" smtClean="0"/>
+              <a:rPr lang="en-US"/>
               <a:t>Click to edit Master title style</a:t>
             </a:r>
             <a:endParaRPr lang="en-US" dirty="0"/>
@@ -2870,7 +2876,7 @@
           <a:p>
             <a:pPr lvl="0"/>
             <a:r>
-              <a:rPr lang="en-US" smtClean="0"/>
+              <a:rPr lang="en-US"/>
               <a:t>Edit Master text styles</a:t>
             </a:r>
           </a:p>
@@ -2893,7 +2899,7 @@
           <a:p>
             <a:fld id="{C0A3DACC-474D-44ED-8DF0-6B6BA2CE3243}" type="datetimeFigureOut">
               <a:rPr lang="en-US" smtClean="0"/>
-              <a:t>10/9/2022</a:t>
+              <a:t>10/10/2022</a:t>
             </a:fld>
             <a:endParaRPr lang="en-US"/>
           </a:p>
@@ -3860,7 +3866,7 @@
           </a:lstStyle>
           <a:p>
             <a:r>
-              <a:rPr lang="en-US" smtClean="0"/>
+              <a:rPr lang="en-US"/>
               <a:t>Click to edit Master title style</a:t>
             </a:r>
             <a:endParaRPr lang="en-US" dirty="0"/>
@@ -3937,7 +3943,7 @@
           <a:p>
             <a:pPr lvl="0"/>
             <a:r>
-              <a:rPr lang="en-US" smtClean="0"/>
+              <a:rPr lang="en-US"/>
               <a:t>Edit Master text styles</a:t>
             </a:r>
           </a:p>
@@ -4004,7 +4010,7 @@
           <a:p>
             <a:pPr lvl="0"/>
             <a:r>
-              <a:rPr lang="en-US" smtClean="0"/>
+              <a:rPr lang="en-US"/>
               <a:t>Edit Master text styles</a:t>
             </a:r>
           </a:p>
@@ -4027,7 +4033,7 @@
           <a:p>
             <a:fld id="{C0A3DACC-474D-44ED-8DF0-6B6BA2CE3243}" type="datetimeFigureOut">
               <a:rPr lang="en-US" smtClean="0"/>
-              <a:t>10/9/2022</a:t>
+              <a:t>10/10/2022</a:t>
             </a:fld>
             <a:endParaRPr lang="en-US"/>
           </a:p>
@@ -4916,7 +4922,7 @@
           </a:lstStyle>
           <a:p>
             <a:r>
-              <a:rPr lang="en-US" smtClean="0"/>
+              <a:rPr lang="en-US"/>
               <a:t>Click to edit Master title style</a:t>
             </a:r>
             <a:endParaRPr lang="en-US" dirty="0"/>
@@ -5037,7 +5043,7 @@
           <a:p>
             <a:pPr lvl="0"/>
             <a:r>
-              <a:rPr lang="en-US" smtClean="0"/>
+              <a:rPr lang="en-US"/>
               <a:t>Edit Master text styles</a:t>
             </a:r>
           </a:p>
@@ -5060,7 +5066,7 @@
           <a:p>
             <a:fld id="{C0A3DACC-474D-44ED-8DF0-6B6BA2CE3243}" type="datetimeFigureOut">
               <a:rPr lang="en-US" smtClean="0"/>
-              <a:t>10/9/2022</a:t>
+              <a:t>10/10/2022</a:t>
             </a:fld>
             <a:endParaRPr lang="en-US"/>
           </a:p>
@@ -5199,7 +5205,7 @@
           </a:lstStyle>
           <a:p>
             <a:r>
-              <a:rPr lang="en-US" smtClean="0"/>
+              <a:rPr lang="en-US"/>
               <a:t>Click to edit Master title style</a:t>
             </a:r>
             <a:endParaRPr lang="en-US" dirty="0"/>
@@ -5274,7 +5280,7 @@
           <a:p>
             <a:pPr lvl="0"/>
             <a:r>
-              <a:rPr lang="en-US" smtClean="0"/>
+              <a:rPr lang="en-US"/>
               <a:t>Edit Master text styles</a:t>
             </a:r>
           </a:p>
@@ -5341,7 +5347,7 @@
           <a:p>
             <a:pPr lvl="0"/>
             <a:r>
-              <a:rPr lang="en-US" smtClean="0"/>
+              <a:rPr lang="en-US"/>
               <a:t>Edit Master text styles</a:t>
             </a:r>
           </a:p>
@@ -5415,7 +5421,7 @@
           <a:p>
             <a:pPr lvl="0"/>
             <a:r>
-              <a:rPr lang="en-US" smtClean="0"/>
+              <a:rPr lang="en-US"/>
               <a:t>Edit Master text styles</a:t>
             </a:r>
           </a:p>
@@ -5482,7 +5488,7 @@
           <a:p>
             <a:pPr lvl="0"/>
             <a:r>
-              <a:rPr lang="en-US" smtClean="0"/>
+              <a:rPr lang="en-US"/>
               <a:t>Edit Master text styles</a:t>
             </a:r>
           </a:p>
@@ -5556,7 +5562,7 @@
           <a:p>
             <a:pPr lvl="0"/>
             <a:r>
-              <a:rPr lang="en-US" smtClean="0"/>
+              <a:rPr lang="en-US"/>
               <a:t>Edit Master text styles</a:t>
             </a:r>
           </a:p>
@@ -5623,7 +5629,7 @@
           <a:p>
             <a:pPr lvl="0"/>
             <a:r>
-              <a:rPr lang="en-US" smtClean="0"/>
+              <a:rPr lang="en-US"/>
               <a:t>Edit Master text styles</a:t>
             </a:r>
           </a:p>
@@ -5720,7 +5726,7 @@
           <a:p>
             <a:fld id="{C0A3DACC-474D-44ED-8DF0-6B6BA2CE3243}" type="datetimeFigureOut">
               <a:rPr lang="en-US" smtClean="0"/>
-              <a:t>10/9/2022</a:t>
+              <a:t>10/10/2022</a:t>
             </a:fld>
             <a:endParaRPr lang="en-US"/>
           </a:p>
@@ -5823,7 +5829,7 @@
           </a:lstStyle>
           <a:p>
             <a:r>
-              <a:rPr lang="en-US" smtClean="0"/>
+              <a:rPr lang="en-US"/>
               <a:t>Click to edit Master title style</a:t>
             </a:r>
             <a:endParaRPr lang="en-US" dirty="0"/>
@@ -5898,7 +5904,7 @@
           <a:p>
             <a:pPr lvl="0"/>
             <a:r>
-              <a:rPr lang="en-US" smtClean="0"/>
+              <a:rPr lang="en-US"/>
               <a:t>Edit Master text styles</a:t>
             </a:r>
           </a:p>
@@ -5976,7 +5982,7 @@
           </a:lstStyle>
           <a:p>
             <a:r>
-              <a:rPr lang="en-US" smtClean="0"/>
+              <a:rPr lang="en-US"/>
               <a:t>Click icon to add picture</a:t>
             </a:r>
             <a:endParaRPr lang="en-US" dirty="0"/>
@@ -6044,7 +6050,7 @@
           <a:p>
             <a:pPr lvl="0"/>
             <a:r>
-              <a:rPr lang="en-US" smtClean="0"/>
+              <a:rPr lang="en-US"/>
               <a:t>Edit Master text styles</a:t>
             </a:r>
           </a:p>
@@ -6118,7 +6124,7 @@
           <a:p>
             <a:pPr lvl="0"/>
             <a:r>
-              <a:rPr lang="en-US" smtClean="0"/>
+              <a:rPr lang="en-US"/>
               <a:t>Edit Master text styles</a:t>
             </a:r>
           </a:p>
@@ -6196,7 +6202,7 @@
           </a:lstStyle>
           <a:p>
             <a:r>
-              <a:rPr lang="en-US" smtClean="0"/>
+              <a:rPr lang="en-US"/>
               <a:t>Click icon to add picture</a:t>
             </a:r>
             <a:endParaRPr lang="en-US" dirty="0"/>
@@ -6264,7 +6270,7 @@
           <a:p>
             <a:pPr lvl="0"/>
             <a:r>
-              <a:rPr lang="en-US" smtClean="0"/>
+              <a:rPr lang="en-US"/>
               <a:t>Edit Master text styles</a:t>
             </a:r>
           </a:p>
@@ -6338,7 +6344,7 @@
           <a:p>
             <a:pPr lvl="0"/>
             <a:r>
-              <a:rPr lang="en-US" smtClean="0"/>
+              <a:rPr lang="en-US"/>
               <a:t>Edit Master text styles</a:t>
             </a:r>
           </a:p>
@@ -6416,7 +6422,7 @@
           </a:lstStyle>
           <a:p>
             <a:r>
-              <a:rPr lang="en-US" smtClean="0"/>
+              <a:rPr lang="en-US"/>
               <a:t>Click icon to add picture</a:t>
             </a:r>
             <a:endParaRPr lang="en-US" dirty="0"/>
@@ -6484,7 +6490,7 @@
           <a:p>
             <a:pPr lvl="0"/>
             <a:r>
-              <a:rPr lang="en-US" smtClean="0"/>
+              <a:rPr lang="en-US"/>
               <a:t>Edit Master text styles</a:t>
             </a:r>
           </a:p>
@@ -6581,7 +6587,7 @@
           <a:p>
             <a:fld id="{C0A3DACC-474D-44ED-8DF0-6B6BA2CE3243}" type="datetimeFigureOut">
               <a:rPr lang="en-US" smtClean="0"/>
-              <a:t>10/9/2022</a:t>
+              <a:t>10/10/2022</a:t>
             </a:fld>
             <a:endParaRPr lang="en-US"/>
           </a:p>
@@ -6685,7 +6691,7 @@
           <a:lstStyle/>
           <a:p>
             <a:r>
-              <a:rPr lang="en-US" smtClean="0"/>
+              <a:rPr lang="en-US"/>
               <a:t>Click to edit Master title style</a:t>
             </a:r>
             <a:endParaRPr lang="en-US" dirty="0"/>
@@ -6714,35 +6720,35 @@
           <a:p>
             <a:pPr lvl="0"/>
             <a:r>
-              <a:rPr lang="en-US" smtClean="0"/>
+              <a:rPr lang="en-US"/>
               <a:t>Edit Master text styles</a:t>
             </a:r>
           </a:p>
           <a:p>
             <a:pPr lvl="1"/>
             <a:r>
-              <a:rPr lang="en-US" smtClean="0"/>
+              <a:rPr lang="en-US"/>
               <a:t>Second level</a:t>
             </a:r>
           </a:p>
           <a:p>
             <a:pPr lvl="2"/>
             <a:r>
-              <a:rPr lang="en-US" smtClean="0"/>
+              <a:rPr lang="en-US"/>
               <a:t>Third level</a:t>
             </a:r>
           </a:p>
           <a:p>
             <a:pPr lvl="3"/>
             <a:r>
-              <a:rPr lang="en-US" smtClean="0"/>
+              <a:rPr lang="en-US"/>
               <a:t>Fourth level</a:t>
             </a:r>
           </a:p>
           <a:p>
             <a:pPr lvl="4"/>
             <a:r>
-              <a:rPr lang="en-US" smtClean="0"/>
+              <a:rPr lang="en-US"/>
               <a:t>Fifth level</a:t>
             </a:r>
             <a:endParaRPr lang="en-US" dirty="0"/>
@@ -6771,7 +6777,7 @@
           <a:p>
             <a:fld id="{C0A3DACC-474D-44ED-8DF0-6B6BA2CE3243}" type="datetimeFigureOut">
               <a:rPr lang="en-US" smtClean="0"/>
-              <a:t>10/9/2022</a:t>
+              <a:t>10/10/2022</a:t>
             </a:fld>
             <a:endParaRPr lang="en-US"/>
           </a:p>
@@ -7657,7 +7663,7 @@
           <a:lstStyle/>
           <a:p>
             <a:r>
-              <a:rPr lang="en-US" smtClean="0"/>
+              <a:rPr lang="en-US"/>
               <a:t>Click to edit Master title style</a:t>
             </a:r>
             <a:endParaRPr lang="en-US" dirty="0"/>
@@ -7686,35 +7692,35 @@
           <a:p>
             <a:pPr lvl="0"/>
             <a:r>
-              <a:rPr lang="en-US" smtClean="0"/>
+              <a:rPr lang="en-US"/>
               <a:t>Edit Master text styles</a:t>
             </a:r>
           </a:p>
           <a:p>
             <a:pPr lvl="1"/>
             <a:r>
-              <a:rPr lang="en-US" smtClean="0"/>
+              <a:rPr lang="en-US"/>
               <a:t>Second level</a:t>
             </a:r>
           </a:p>
           <a:p>
             <a:pPr lvl="2"/>
             <a:r>
-              <a:rPr lang="en-US" smtClean="0"/>
+              <a:rPr lang="en-US"/>
               <a:t>Third level</a:t>
             </a:r>
           </a:p>
           <a:p>
             <a:pPr lvl="3"/>
             <a:r>
-              <a:rPr lang="en-US" smtClean="0"/>
+              <a:rPr lang="en-US"/>
               <a:t>Fourth level</a:t>
             </a:r>
           </a:p>
           <a:p>
             <a:pPr lvl="4"/>
             <a:r>
-              <a:rPr lang="en-US" smtClean="0"/>
+              <a:rPr lang="en-US"/>
               <a:t>Fifth level</a:t>
             </a:r>
             <a:endParaRPr lang="en-US" dirty="0"/>
@@ -7743,7 +7749,7 @@
           <a:p>
             <a:fld id="{C0A3DACC-474D-44ED-8DF0-6B6BA2CE3243}" type="datetimeFigureOut">
               <a:rPr lang="en-US" smtClean="0"/>
-              <a:t>10/9/2022</a:t>
+              <a:t>10/10/2022</a:t>
             </a:fld>
             <a:endParaRPr lang="en-US"/>
           </a:p>
@@ -7873,7 +7879,7 @@
           <a:lstStyle/>
           <a:p>
             <a:r>
-              <a:rPr lang="en-US" smtClean="0"/>
+              <a:rPr lang="en-US"/>
               <a:t>Click to edit Master title style</a:t>
             </a:r>
             <a:endParaRPr lang="en-US" dirty="0"/>
@@ -7902,35 +7908,35 @@
           <a:p>
             <a:pPr lvl="0"/>
             <a:r>
-              <a:rPr lang="en-US" smtClean="0"/>
+              <a:rPr lang="en-US"/>
               <a:t>Edit Master text styles</a:t>
             </a:r>
           </a:p>
           <a:p>
             <a:pPr lvl="1"/>
             <a:r>
-              <a:rPr lang="en-US" smtClean="0"/>
+              <a:rPr lang="en-US"/>
               <a:t>Second level</a:t>
             </a:r>
           </a:p>
           <a:p>
             <a:pPr lvl="2"/>
             <a:r>
-              <a:rPr lang="en-US" smtClean="0"/>
+              <a:rPr lang="en-US"/>
               <a:t>Third level</a:t>
             </a:r>
           </a:p>
           <a:p>
             <a:pPr lvl="3"/>
             <a:r>
-              <a:rPr lang="en-US" smtClean="0"/>
+              <a:rPr lang="en-US"/>
               <a:t>Fourth level</a:t>
             </a:r>
           </a:p>
           <a:p>
             <a:pPr lvl="4"/>
             <a:r>
-              <a:rPr lang="en-US" smtClean="0"/>
+              <a:rPr lang="en-US"/>
               <a:t>Fifth level</a:t>
             </a:r>
             <a:endParaRPr lang="en-US" dirty="0"/>
@@ -7954,7 +7960,7 @@
           <a:p>
             <a:fld id="{C0A3DACC-474D-44ED-8DF0-6B6BA2CE3243}" type="datetimeFigureOut">
               <a:rPr lang="en-US" smtClean="0"/>
-              <a:t>10/9/2022</a:t>
+              <a:t>10/10/2022</a:t>
             </a:fld>
             <a:endParaRPr lang="en-US"/>
           </a:p>
@@ -8844,7 +8850,7 @@
           </a:lstStyle>
           <a:p>
             <a:r>
-              <a:rPr lang="en-US" smtClean="0"/>
+              <a:rPr lang="en-US"/>
               <a:t>Click to edit Master title style</a:t>
             </a:r>
             <a:endParaRPr lang="en-US" dirty="0"/>
@@ -8965,7 +8971,7 @@
           <a:p>
             <a:pPr lvl="0"/>
             <a:r>
-              <a:rPr lang="en-US" smtClean="0"/>
+              <a:rPr lang="en-US"/>
               <a:t>Edit Master text styles</a:t>
             </a:r>
           </a:p>
@@ -8988,7 +8994,7 @@
           <a:p>
             <a:fld id="{C0A3DACC-474D-44ED-8DF0-6B6BA2CE3243}" type="datetimeFigureOut">
               <a:rPr lang="en-US" smtClean="0"/>
-              <a:t>10/9/2022</a:t>
+              <a:t>10/10/2022</a:t>
             </a:fld>
             <a:endParaRPr lang="en-US"/>
           </a:p>
@@ -9118,7 +9124,7 @@
           <a:lstStyle/>
           <a:p>
             <a:r>
-              <a:rPr lang="en-US" smtClean="0"/>
+              <a:rPr lang="en-US"/>
               <a:t>Click to edit Master title style</a:t>
             </a:r>
             <a:endParaRPr lang="en-US" dirty="0"/>
@@ -9149,35 +9155,35 @@
           <a:p>
             <a:pPr lvl="0"/>
             <a:r>
-              <a:rPr lang="en-US" smtClean="0"/>
+              <a:rPr lang="en-US"/>
               <a:t>Edit Master text styles</a:t>
             </a:r>
           </a:p>
           <a:p>
             <a:pPr lvl="1"/>
             <a:r>
-              <a:rPr lang="en-US" smtClean="0"/>
+              <a:rPr lang="en-US"/>
               <a:t>Second level</a:t>
             </a:r>
           </a:p>
           <a:p>
             <a:pPr lvl="2"/>
             <a:r>
-              <a:rPr lang="en-US" smtClean="0"/>
+              <a:rPr lang="en-US"/>
               <a:t>Third level</a:t>
             </a:r>
           </a:p>
           <a:p>
             <a:pPr lvl="3"/>
             <a:r>
-              <a:rPr lang="en-US" smtClean="0"/>
+              <a:rPr lang="en-US"/>
               <a:t>Fourth level</a:t>
             </a:r>
           </a:p>
           <a:p>
             <a:pPr lvl="4"/>
             <a:r>
-              <a:rPr lang="en-US" smtClean="0"/>
+              <a:rPr lang="en-US"/>
               <a:t>Fifth level</a:t>
             </a:r>
             <a:endParaRPr lang="en-US" dirty="0"/>
@@ -9208,35 +9214,35 @@
           <a:p>
             <a:pPr lvl="0"/>
             <a:r>
-              <a:rPr lang="en-US" smtClean="0"/>
+              <a:rPr lang="en-US"/>
               <a:t>Edit Master text styles</a:t>
             </a:r>
           </a:p>
           <a:p>
             <a:pPr lvl="1"/>
             <a:r>
-              <a:rPr lang="en-US" smtClean="0"/>
+              <a:rPr lang="en-US"/>
               <a:t>Second level</a:t>
             </a:r>
           </a:p>
           <a:p>
             <a:pPr lvl="2"/>
             <a:r>
-              <a:rPr lang="en-US" smtClean="0"/>
+              <a:rPr lang="en-US"/>
               <a:t>Third level</a:t>
             </a:r>
           </a:p>
           <a:p>
             <a:pPr lvl="3"/>
             <a:r>
-              <a:rPr lang="en-US" smtClean="0"/>
+              <a:rPr lang="en-US"/>
               <a:t>Fourth level</a:t>
             </a:r>
           </a:p>
           <a:p>
             <a:pPr lvl="4"/>
             <a:r>
-              <a:rPr lang="en-US" smtClean="0"/>
+              <a:rPr lang="en-US"/>
               <a:t>Fifth level</a:t>
             </a:r>
             <a:endParaRPr lang="en-US" dirty="0"/>
@@ -9260,7 +9266,7 @@
           <a:p>
             <a:fld id="{C0A3DACC-474D-44ED-8DF0-6B6BA2CE3243}" type="datetimeFigureOut">
               <a:rPr lang="en-US" smtClean="0"/>
-              <a:t>10/9/2022</a:t>
+              <a:t>10/10/2022</a:t>
             </a:fld>
             <a:endParaRPr lang="en-US"/>
           </a:p>
@@ -9358,7 +9364,7 @@
           </a:lstStyle>
           <a:p>
             <a:r>
-              <a:rPr lang="en-US" smtClean="0"/>
+              <a:rPr lang="en-US"/>
               <a:t>Click to edit Master title style</a:t>
             </a:r>
             <a:endParaRPr lang="en-US" dirty="0"/>
@@ -9430,7 +9436,7 @@
           <a:p>
             <a:pPr lvl="0"/>
             <a:r>
-              <a:rPr lang="en-US" smtClean="0"/>
+              <a:rPr lang="en-US"/>
               <a:t>Edit Master text styles</a:t>
             </a:r>
           </a:p>
@@ -9460,35 +9466,35 @@
           <a:p>
             <a:pPr lvl="0"/>
             <a:r>
-              <a:rPr lang="en-US" smtClean="0"/>
+              <a:rPr lang="en-US"/>
               <a:t>Edit Master text styles</a:t>
             </a:r>
           </a:p>
           <a:p>
             <a:pPr lvl="1"/>
             <a:r>
-              <a:rPr lang="en-US" smtClean="0"/>
+              <a:rPr lang="en-US"/>
               <a:t>Second level</a:t>
             </a:r>
           </a:p>
           <a:p>
             <a:pPr lvl="2"/>
             <a:r>
-              <a:rPr lang="en-US" smtClean="0"/>
+              <a:rPr lang="en-US"/>
               <a:t>Third level</a:t>
             </a:r>
           </a:p>
           <a:p>
             <a:pPr lvl="3"/>
             <a:r>
-              <a:rPr lang="en-US" smtClean="0"/>
+              <a:rPr lang="en-US"/>
               <a:t>Fourth level</a:t>
             </a:r>
           </a:p>
           <a:p>
             <a:pPr lvl="4"/>
             <a:r>
-              <a:rPr lang="en-US" smtClean="0"/>
+              <a:rPr lang="en-US"/>
               <a:t>Fifth level</a:t>
             </a:r>
             <a:endParaRPr lang="en-US" dirty="0"/>
@@ -9560,7 +9566,7 @@
           <a:p>
             <a:pPr lvl="0"/>
             <a:r>
-              <a:rPr lang="en-US" smtClean="0"/>
+              <a:rPr lang="en-US"/>
               <a:t>Edit Master text styles</a:t>
             </a:r>
           </a:p>
@@ -9618,35 +9624,35 @@
           <a:p>
             <a:pPr lvl="0"/>
             <a:r>
-              <a:rPr lang="en-US" smtClean="0"/>
+              <a:rPr lang="en-US"/>
               <a:t>Edit Master text styles</a:t>
             </a:r>
           </a:p>
           <a:p>
             <a:pPr lvl="1"/>
             <a:r>
-              <a:rPr lang="en-US" smtClean="0"/>
+              <a:rPr lang="en-US"/>
               <a:t>Second level</a:t>
             </a:r>
           </a:p>
           <a:p>
             <a:pPr lvl="2"/>
             <a:r>
-              <a:rPr lang="en-US" smtClean="0"/>
+              <a:rPr lang="en-US"/>
               <a:t>Third level</a:t>
             </a:r>
           </a:p>
           <a:p>
             <a:pPr lvl="3"/>
             <a:r>
-              <a:rPr lang="en-US" smtClean="0"/>
+              <a:rPr lang="en-US"/>
               <a:t>Fourth level</a:t>
             </a:r>
           </a:p>
           <a:p>
             <a:pPr lvl="4"/>
             <a:r>
-              <a:rPr lang="en-US" smtClean="0"/>
+              <a:rPr lang="en-US"/>
               <a:t>Fifth level</a:t>
             </a:r>
             <a:endParaRPr lang="en-US" dirty="0"/>
@@ -9670,7 +9676,7 @@
           <a:p>
             <a:fld id="{C0A3DACC-474D-44ED-8DF0-6B6BA2CE3243}" type="datetimeFigureOut">
               <a:rPr lang="en-US" smtClean="0"/>
-              <a:t>10/9/2022</a:t>
+              <a:t>10/10/2022</a:t>
             </a:fld>
             <a:endParaRPr lang="en-US"/>
           </a:p>
@@ -9773,7 +9779,7 @@
           </a:lstStyle>
           <a:p>
             <a:r>
-              <a:rPr lang="en-US" smtClean="0"/>
+              <a:rPr lang="en-US"/>
               <a:t>Click to edit Master title style</a:t>
             </a:r>
             <a:endParaRPr lang="en-US" dirty="0"/>
@@ -9797,7 +9803,7 @@
           <a:p>
             <a:fld id="{C0A3DACC-474D-44ED-8DF0-6B6BA2CE3243}" type="datetimeFigureOut">
               <a:rPr lang="en-US" smtClean="0"/>
-              <a:t>10/9/2022</a:t>
+              <a:t>10/10/2022</a:t>
             </a:fld>
             <a:endParaRPr lang="en-US"/>
           </a:p>
@@ -9892,7 +9898,7 @@
           <a:p>
             <a:fld id="{C0A3DACC-474D-44ED-8DF0-6B6BA2CE3243}" type="datetimeFigureOut">
               <a:rPr lang="en-US" smtClean="0"/>
-              <a:t>10/9/2022</a:t>
+              <a:t>10/10/2022</a:t>
             </a:fld>
             <a:endParaRPr lang="en-US"/>
           </a:p>
@@ -10818,7 +10824,7 @@
           </a:lstStyle>
           <a:p>
             <a:r>
-              <a:rPr lang="en-US" smtClean="0"/>
+              <a:rPr lang="en-US"/>
               <a:t>Click to edit Master title style</a:t>
             </a:r>
             <a:endParaRPr lang="en-US" dirty="0"/>
@@ -10849,35 +10855,35 @@
           <a:p>
             <a:pPr lvl="0"/>
             <a:r>
-              <a:rPr lang="en-US" smtClean="0"/>
+              <a:rPr lang="en-US"/>
               <a:t>Edit Master text styles</a:t>
             </a:r>
           </a:p>
           <a:p>
             <a:pPr lvl="1"/>
             <a:r>
-              <a:rPr lang="en-US" smtClean="0"/>
+              <a:rPr lang="en-US"/>
               <a:t>Second level</a:t>
             </a:r>
           </a:p>
           <a:p>
             <a:pPr lvl="2"/>
             <a:r>
-              <a:rPr lang="en-US" smtClean="0"/>
+              <a:rPr lang="en-US"/>
               <a:t>Third level</a:t>
             </a:r>
           </a:p>
           <a:p>
             <a:pPr lvl="3"/>
             <a:r>
-              <a:rPr lang="en-US" smtClean="0"/>
+              <a:rPr lang="en-US"/>
               <a:t>Fourth level</a:t>
             </a:r>
           </a:p>
           <a:p>
             <a:pPr lvl="4"/>
             <a:r>
-              <a:rPr lang="en-US" smtClean="0"/>
+              <a:rPr lang="en-US"/>
               <a:t>Fifth level</a:t>
             </a:r>
             <a:endParaRPr lang="en-US" dirty="0"/>
@@ -10950,7 +10956,7 @@
           <a:p>
             <a:pPr lvl="0"/>
             <a:r>
-              <a:rPr lang="en-US" smtClean="0"/>
+              <a:rPr lang="en-US"/>
               <a:t>Edit Master text styles</a:t>
             </a:r>
           </a:p>
@@ -10973,7 +10979,7 @@
           <a:p>
             <a:fld id="{C0A3DACC-474D-44ED-8DF0-6B6BA2CE3243}" type="datetimeFigureOut">
               <a:rPr lang="en-US" smtClean="0"/>
-              <a:t>10/9/2022</a:t>
+              <a:t>10/10/2022</a:t>
             </a:fld>
             <a:endParaRPr lang="en-US"/>
           </a:p>
@@ -11901,7 +11907,7 @@
           </a:lstStyle>
           <a:p>
             <a:r>
-              <a:rPr lang="en-US" smtClean="0"/>
+              <a:rPr lang="en-US"/>
               <a:t>Click to edit Master title style</a:t>
             </a:r>
             <a:endParaRPr lang="en-US" dirty="0"/>
@@ -11983,7 +11989,7 @@
               <a:buNone/>
             </a:pPr>
             <a:r>
-              <a:rPr lang="en-US" smtClean="0"/>
+              <a:rPr lang="en-US"/>
               <a:t>Click icon to add picture</a:t>
             </a:r>
             <a:endParaRPr lang="en-US" dirty="0"/>
@@ -12058,7 +12064,7 @@
           <a:p>
             <a:pPr lvl="0"/>
             <a:r>
-              <a:rPr lang="en-US" smtClean="0"/>
+              <a:rPr lang="en-US"/>
               <a:t>Edit Master text styles</a:t>
             </a:r>
           </a:p>
@@ -12081,7 +12087,7 @@
           <a:p>
             <a:fld id="{C0A3DACC-474D-44ED-8DF0-6B6BA2CE3243}" type="datetimeFigureOut">
               <a:rPr lang="en-US" smtClean="0"/>
-              <a:t>10/9/2022</a:t>
+              <a:t>10/10/2022</a:t>
             </a:fld>
             <a:endParaRPr lang="en-US"/>
           </a:p>
@@ -12976,7 +12982,7 @@
           <a:lstStyle/>
           <a:p>
             <a:r>
-              <a:rPr lang="en-US" smtClean="0"/>
+              <a:rPr lang="en-US"/>
               <a:t>Click to edit Master title style</a:t>
             </a:r>
             <a:endParaRPr lang="en-US" dirty="0"/>
@@ -13010,35 +13016,35 @@
           <a:p>
             <a:pPr lvl="0"/>
             <a:r>
-              <a:rPr lang="en-US" smtClean="0"/>
+              <a:rPr lang="en-US"/>
               <a:t>Edit Master text styles</a:t>
             </a:r>
           </a:p>
           <a:p>
             <a:pPr lvl="1"/>
             <a:r>
-              <a:rPr lang="en-US" smtClean="0"/>
+              <a:rPr lang="en-US"/>
               <a:t>Second level</a:t>
             </a:r>
           </a:p>
           <a:p>
             <a:pPr lvl="2"/>
             <a:r>
-              <a:rPr lang="en-US" smtClean="0"/>
+              <a:rPr lang="en-US"/>
               <a:t>Third level</a:t>
             </a:r>
           </a:p>
           <a:p>
             <a:pPr lvl="3"/>
             <a:r>
-              <a:rPr lang="en-US" smtClean="0"/>
+              <a:rPr lang="en-US"/>
               <a:t>Fourth level</a:t>
             </a:r>
           </a:p>
           <a:p>
             <a:pPr lvl="4"/>
             <a:r>
-              <a:rPr lang="en-US" smtClean="0"/>
+              <a:rPr lang="en-US"/>
               <a:t>Fifth level</a:t>
             </a:r>
             <a:endParaRPr lang="en-US" dirty="0"/>
@@ -13078,7 +13084,7 @@
           <a:p>
             <a:fld id="{C0A3DACC-474D-44ED-8DF0-6B6BA2CE3243}" type="datetimeFigureOut">
               <a:rPr lang="en-US" smtClean="0"/>
-              <a:t>10/9/2022</a:t>
+              <a:t>10/10/2022</a:t>
             </a:fld>
             <a:endParaRPr lang="en-US"/>
           </a:p>
@@ -13659,7 +13665,7 @@
           <a:p>
             <a:pPr algn="ctr"/>
             <a:r>
-              <a:rPr lang="en-US" dirty="0" smtClean="0">
+              <a:rPr lang="en-US" dirty="0">
                 <a:solidFill>
                   <a:schemeClr val="bg1"/>
                 </a:solidFill>
@@ -13668,13 +13674,6 @@
               </a:rPr>
               <a:t>C# Basics</a:t>
             </a:r>
-            <a:endParaRPr lang="en-US" dirty="0">
-              <a:solidFill>
-                <a:schemeClr val="bg1"/>
-              </a:solidFill>
-              <a:latin typeface="Arial" panose="020B0604020202020204" pitchFamily="34" charset="0"/>
-              <a:cs typeface="Arial" panose="020B0604020202020204" pitchFamily="34" charset="0"/>
-            </a:endParaRPr>
           </a:p>
         </p:txBody>
       </p:sp>
@@ -13742,21 +13741,6 @@
   <p:clrMapOvr>
     <a:masterClrMapping/>
   </p:clrMapOvr>
-  <mc:AlternateContent xmlns:mc="http://schemas.openxmlformats.org/markup-compatibility/2006" xmlns:p14="http://schemas.microsoft.com/office/powerpoint/2010/main">
-    <mc:Choice Requires="p14">
-      <p:transition p14:dur="0"/>
-    </mc:Choice>
-    <mc:Fallback xmlns="">
-      <p:transition/>
-    </mc:Fallback>
-  </mc:AlternateContent>
-  <p:timing>
-    <p:tnLst>
-      <p:par>
-        <p:cTn id="1" dur="indefinite" restart="never" nodeType="tmRoot"/>
-      </p:par>
-    </p:tnLst>
-  </p:timing>
 </p:sld>
 </file>
 
@@ -13794,33 +13778,128 @@
           <a:p>
             <a:pPr algn="ctr"/>
             <a:r>
-              <a:rPr lang="bg-BG" dirty="0" smtClean="0">
-                <a:latin typeface="Arial" panose="020B0604020202020204" pitchFamily="34" charset="0"/>
-                <a:cs typeface="Arial" panose="020B0604020202020204" pitchFamily="34" charset="0"/>
-              </a:rPr>
-              <a:t>Какво е </a:t>
-            </a:r>
-            <a:r>
-              <a:rPr lang="bg-BG" dirty="0" smtClean="0">
+              <a:rPr lang="en-US" dirty="0">
                 <a:solidFill>
                   <a:srgbClr val="FFFF00"/>
                 </a:solidFill>
                 <a:latin typeface="Arial" panose="020B0604020202020204" pitchFamily="34" charset="0"/>
                 <a:cs typeface="Arial" panose="020B0604020202020204" pitchFamily="34" charset="0"/>
               </a:rPr>
-              <a:t>компилатор</a:t>
-            </a:r>
-            <a:r>
-              <a:rPr lang="en-US" dirty="0" smtClean="0">
-                <a:latin typeface="Arial" panose="020B0604020202020204" pitchFamily="34" charset="0"/>
-                <a:cs typeface="Arial" panose="020B0604020202020204" pitchFamily="34" charset="0"/>
-              </a:rPr>
-              <a:t>?</a:t>
+              <a:t>.NET </a:t>
+            </a:r>
+            <a:r>
+              <a:rPr lang="bg-BG" dirty="0">
+                <a:latin typeface="Arial" panose="020B0604020202020204" pitchFamily="34" charset="0"/>
+                <a:cs typeface="Arial" panose="020B0604020202020204" pitchFamily="34" charset="0"/>
+              </a:rPr>
+              <a:t>график</a:t>
             </a:r>
             <a:endParaRPr lang="en-US" dirty="0">
               <a:latin typeface="Arial" panose="020B0604020202020204" pitchFamily="34" charset="0"/>
               <a:cs typeface="Arial" panose="020B0604020202020204" pitchFamily="34" charset="0"/>
             </a:endParaRPr>
+          </a:p>
+        </p:txBody>
+      </p:sp>
+      <p:pic>
+        <p:nvPicPr>
+          <p:cNvPr id="4" name="Content Placeholder 3"/>
+          <p:cNvPicPr>
+            <a:picLocks noGrp="1" noChangeAspect="1"/>
+          </p:cNvPicPr>
+          <p:nvPr>
+            <p:ph idx="1"/>
+          </p:nvPr>
+        </p:nvPicPr>
+        <p:blipFill>
+          <a:blip r:embed="rId2" cstate="print">
+            <a:extLst>
+              <a:ext uri="{28A0092B-C50C-407E-A947-70E740481C1C}">
+                <a14:useLocalDpi xmlns:a14="http://schemas.microsoft.com/office/drawing/2010/main" val="0"/>
+              </a:ext>
+            </a:extLst>
+          </a:blip>
+          <a:stretch>
+            <a:fillRect/>
+          </a:stretch>
+        </p:blipFill>
+        <p:spPr>
+          <a:xfrm>
+            <a:off x="2542823" y="2510194"/>
+            <a:ext cx="7011724" cy="3934658"/>
+          </a:xfrm>
+        </p:spPr>
+      </p:pic>
+    </p:spTree>
+    <p:extLst>
+      <p:ext uri="{BB962C8B-B14F-4D97-AF65-F5344CB8AC3E}">
+        <p14:creationId xmlns:p14="http://schemas.microsoft.com/office/powerpoint/2010/main" val="1234884613"/>
+      </p:ext>
+    </p:extLst>
+  </p:cSld>
+  <p:clrMapOvr>
+    <a:masterClrMapping/>
+  </p:clrMapOvr>
+</p:sld>
+</file>
+
+<file path=ppt/slides/slide11.xml><?xml version="1.0" encoding="utf-8"?>
+<p:sld xmlns:a="http://schemas.openxmlformats.org/drawingml/2006/main" xmlns:r="http://schemas.openxmlformats.org/officeDocument/2006/relationships" xmlns:p="http://schemas.openxmlformats.org/presentationml/2006/main">
+  <p:cSld>
+    <p:spTree>
+      <p:nvGrpSpPr>
+        <p:cNvPr id="1" name=""/>
+        <p:cNvGrpSpPr/>
+        <p:nvPr/>
+      </p:nvGrpSpPr>
+      <p:grpSpPr>
+        <a:xfrm>
+          <a:off x="0" y="0"/>
+          <a:ext cx="0" cy="0"/>
+          <a:chOff x="0" y="0"/>
+          <a:chExt cx="0" cy="0"/>
+        </a:xfrm>
+      </p:grpSpPr>
+      <p:sp>
+        <p:nvSpPr>
+          <p:cNvPr id="2" name="Title 1"/>
+          <p:cNvSpPr>
+            <a:spLocks noGrp="1"/>
+          </p:cNvSpPr>
+          <p:nvPr>
+            <p:ph type="title"/>
+          </p:nvPr>
+        </p:nvSpPr>
+        <p:spPr/>
+        <p:txBody>
+          <a:bodyPr/>
+          <a:lstStyle/>
+          <a:p>
+            <a:pPr algn="ctr"/>
+            <a:r>
+              <a:rPr lang="bg-BG" dirty="0">
+                <a:latin typeface="Arial" panose="020B0604020202020204" pitchFamily="34" charset="0"/>
+                <a:cs typeface="Arial" panose="020B0604020202020204" pitchFamily="34" charset="0"/>
+              </a:rPr>
+              <a:t>Какво е </a:t>
+            </a:r>
+            <a:r>
+              <a:rPr lang="bg-BG" dirty="0">
+                <a:solidFill>
+                  <a:srgbClr val="FFFF00"/>
+                </a:solidFill>
+                <a:latin typeface="Arial" panose="020B0604020202020204" pitchFamily="34" charset="0"/>
+                <a:cs typeface="Arial" panose="020B0604020202020204" pitchFamily="34" charset="0"/>
+              </a:rPr>
+              <a:t>компилатор</a:t>
+            </a:r>
+            <a:r>
+              <a:rPr lang="en-US" dirty="0">
+                <a:latin typeface="Arial" panose="020B0604020202020204" pitchFamily="34" charset="0"/>
+                <a:cs typeface="Arial" panose="020B0604020202020204" pitchFamily="34" charset="0"/>
+              </a:rPr>
+              <a:t>?</a:t>
+            </a:r>
           </a:p>
         </p:txBody>
       </p:sp>
@@ -13845,63 +13924,258 @@
           <a:lstStyle/>
           <a:p>
             <a:r>
-              <a:rPr lang="bg-BG" b="1" dirty="0" smtClean="0">
+              <a:rPr lang="bg-BG" b="1" dirty="0">
                 <a:latin typeface="Arial" panose="020B0604020202020204" pitchFamily="34" charset="0"/>
                 <a:cs typeface="Arial" panose="020B0604020202020204" pitchFamily="34" charset="0"/>
               </a:rPr>
               <a:t>Компилаторът</a:t>
             </a:r>
             <a:r>
-              <a:rPr lang="bg-BG" dirty="0" smtClean="0">
-                <a:latin typeface="Arial" panose="020B0604020202020204" pitchFamily="34" charset="0"/>
-                <a:cs typeface="Arial" panose="020B0604020202020204" pitchFamily="34" charset="0"/>
-              </a:rPr>
-              <a:t> е специална компютърна програма, която транслира нашият програмен код в машинен код или </a:t>
-            </a:r>
-            <a:r>
-              <a:rPr lang="bg-BG" dirty="0" smtClean="0">
-                <a:latin typeface="Arial" panose="020B0604020202020204" pitchFamily="34" charset="0"/>
-                <a:cs typeface="Arial" panose="020B0604020202020204" pitchFamily="34" charset="0"/>
-              </a:rPr>
-              <a:t>байткод. Сорс кодът на програмата ни е написан най-често на програмен език от високо ниво, който е разбираем за човек, като </a:t>
-            </a:r>
-            <a:r>
-              <a:rPr lang="en-US" b="1" dirty="0" smtClean="0">
+              <a:rPr lang="bg-BG" dirty="0">
+                <a:latin typeface="Arial" panose="020B0604020202020204" pitchFamily="34" charset="0"/>
+                <a:cs typeface="Arial" panose="020B0604020202020204" pitchFamily="34" charset="0"/>
+              </a:rPr>
+              <a:t> е специална компютърна програма, която транслира нашият програмен код в машинен код или байткод. Сорс кодът на програмата ни е написан най-често на програмен език от високо ниво, който е разбираем за човек, като </a:t>
+            </a:r>
+            <a:r>
+              <a:rPr lang="en-US" b="1" dirty="0">
                 <a:latin typeface="Arial" panose="020B0604020202020204" pitchFamily="34" charset="0"/>
                 <a:cs typeface="Arial" panose="020B0604020202020204" pitchFamily="34" charset="0"/>
               </a:rPr>
               <a:t>C#</a:t>
             </a:r>
             <a:r>
-              <a:rPr lang="en-US" dirty="0" smtClean="0">
+              <a:rPr lang="en-US" dirty="0">
                 <a:latin typeface="Arial" panose="020B0604020202020204" pitchFamily="34" charset="0"/>
                 <a:cs typeface="Arial" panose="020B0604020202020204" pitchFamily="34" charset="0"/>
               </a:rPr>
               <a:t>, </a:t>
             </a:r>
             <a:r>
-              <a:rPr lang="en-US" b="1" dirty="0" smtClean="0">
+              <a:rPr lang="en-US" b="1" dirty="0">
                 <a:latin typeface="Arial" panose="020B0604020202020204" pitchFamily="34" charset="0"/>
                 <a:cs typeface="Arial" panose="020B0604020202020204" pitchFamily="34" charset="0"/>
               </a:rPr>
               <a:t>Java</a:t>
             </a:r>
             <a:r>
-              <a:rPr lang="en-US" dirty="0" smtClean="0">
+              <a:rPr lang="en-US" dirty="0">
                 <a:latin typeface="Arial" panose="020B0604020202020204" pitchFamily="34" charset="0"/>
                 <a:cs typeface="Arial" panose="020B0604020202020204" pitchFamily="34" charset="0"/>
               </a:rPr>
               <a:t>, </a:t>
             </a:r>
             <a:r>
-              <a:rPr lang="en-US" b="1" dirty="0" smtClean="0">
+              <a:rPr lang="en-US" b="1" dirty="0">
                 <a:latin typeface="Arial" panose="020B0604020202020204" pitchFamily="34" charset="0"/>
                 <a:cs typeface="Arial" panose="020B0604020202020204" pitchFamily="34" charset="0"/>
               </a:rPr>
               <a:t>C++ </a:t>
             </a:r>
             <a:r>
-              <a:rPr lang="bg-BG" dirty="0" smtClean="0">
+              <a:rPr lang="bg-BG" dirty="0">
+                <a:latin typeface="Arial" panose="020B0604020202020204" pitchFamily="34" charset="0"/>
+                <a:cs typeface="Arial" panose="020B0604020202020204" pitchFamily="34" charset="0"/>
+              </a:rPr>
+              <a:t>и т.н.</a:t>
+            </a:r>
+            <a:endParaRPr lang="en-US" dirty="0">
+              <a:latin typeface="Arial" panose="020B0604020202020204" pitchFamily="34" charset="0"/>
+              <a:cs typeface="Arial" panose="020B0604020202020204" pitchFamily="34" charset="0"/>
+            </a:endParaRPr>
+          </a:p>
+        </p:txBody>
+      </p:sp>
+      <p:pic>
+        <p:nvPicPr>
+          <p:cNvPr id="8" name="Picture 7" descr="Diagram&#10;&#10;Description automatically generated">
+            <a:extLst>
+              <a:ext uri="{FF2B5EF4-FFF2-40B4-BE49-F238E27FC236}">
+                <a16:creationId xmlns:a16="http://schemas.microsoft.com/office/drawing/2014/main" id="{7F411070-98F9-41C2-D0E3-4BB0C07A09A2}"/>
+              </a:ext>
+            </a:extLst>
+          </p:cNvPr>
+          <p:cNvPicPr>
+            <a:picLocks noChangeAspect="1"/>
+          </p:cNvPicPr>
+          <p:nvPr/>
+        </p:nvPicPr>
+        <p:blipFill>
+          <a:blip r:embed="rId2">
+            <a:extLst>
+              <a:ext uri="{28A0092B-C50C-407E-A947-70E740481C1C}">
+                <a14:useLocalDpi xmlns:a14="http://schemas.microsoft.com/office/drawing/2010/main" val="0"/>
+              </a:ext>
+            </a:extLst>
+          </a:blip>
+          <a:stretch>
+            <a:fillRect/>
+          </a:stretch>
+        </p:blipFill>
+        <p:spPr>
+          <a:xfrm>
+            <a:off x="1819502" y="3958590"/>
+            <a:ext cx="8465820" cy="2407920"/>
+          </a:xfrm>
+          <a:prstGeom prst="rect">
+            <a:avLst/>
+          </a:prstGeom>
+        </p:spPr>
+      </p:pic>
+    </p:spTree>
+    <p:extLst>
+      <p:ext uri="{BB962C8B-B14F-4D97-AF65-F5344CB8AC3E}">
+        <p14:creationId xmlns:p14="http://schemas.microsoft.com/office/powerpoint/2010/main" val="525679394"/>
+      </p:ext>
+    </p:extLst>
+  </p:cSld>
+  <p:clrMapOvr>
+    <a:masterClrMapping/>
+  </p:clrMapOvr>
+</p:sld>
+</file>
+
+<file path=ppt/slides/slide12.xml><?xml version="1.0" encoding="utf-8"?>
+<p:sld xmlns:a="http://schemas.openxmlformats.org/drawingml/2006/main" xmlns:r="http://schemas.openxmlformats.org/officeDocument/2006/relationships" xmlns:p="http://schemas.openxmlformats.org/presentationml/2006/main">
+  <p:cSld>
+    <p:spTree>
+      <p:nvGrpSpPr>
+        <p:cNvPr id="1" name=""/>
+        <p:cNvGrpSpPr/>
+        <p:nvPr/>
+      </p:nvGrpSpPr>
+      <p:grpSpPr>
+        <a:xfrm>
+          <a:off x="0" y="0"/>
+          <a:ext cx="0" cy="0"/>
+          <a:chOff x="0" y="0"/>
+          <a:chExt cx="0" cy="0"/>
+        </a:xfrm>
+      </p:grpSpPr>
+      <p:sp>
+        <p:nvSpPr>
+          <p:cNvPr id="2" name="Title 1"/>
+          <p:cNvSpPr>
+            <a:spLocks noGrp="1"/>
+          </p:cNvSpPr>
+          <p:nvPr>
+            <p:ph type="title"/>
+          </p:nvPr>
+        </p:nvSpPr>
+        <p:spPr/>
+        <p:txBody>
+          <a:bodyPr/>
+          <a:lstStyle/>
+          <a:p>
+            <a:pPr algn="ctr"/>
+            <a:r>
+              <a:rPr lang="bg-BG" dirty="0">
+                <a:latin typeface="Arial" panose="020B0604020202020204" pitchFamily="34" charset="0"/>
+                <a:cs typeface="Arial" panose="020B0604020202020204" pitchFamily="34" charset="0"/>
+              </a:rPr>
+              <a:t>Какво е </a:t>
+            </a:r>
+            <a:r>
+              <a:rPr lang="bg-BG" dirty="0">
+                <a:solidFill>
+                  <a:srgbClr val="FFFF00"/>
+                </a:solidFill>
+                <a:latin typeface="Arial" panose="020B0604020202020204" pitchFamily="34" charset="0"/>
+                <a:cs typeface="Arial" panose="020B0604020202020204" pitchFamily="34" charset="0"/>
+              </a:rPr>
+              <a:t>компилаторът в </a:t>
+            </a:r>
+            <a:r>
+              <a:rPr lang="en-US" dirty="0">
+                <a:solidFill>
+                  <a:srgbClr val="FFFF00"/>
+                </a:solidFill>
+                <a:latin typeface="Arial" panose="020B0604020202020204" pitchFamily="34" charset="0"/>
+                <a:cs typeface="Arial" panose="020B0604020202020204" pitchFamily="34" charset="0"/>
+              </a:rPr>
+              <a:t>C#</a:t>
+            </a:r>
+            <a:r>
+              <a:rPr lang="en-US" dirty="0">
+                <a:latin typeface="Arial" panose="020B0604020202020204" pitchFamily="34" charset="0"/>
+                <a:cs typeface="Arial" panose="020B0604020202020204" pitchFamily="34" charset="0"/>
+              </a:rPr>
+              <a:t>?</a:t>
+            </a:r>
+          </a:p>
+        </p:txBody>
+      </p:sp>
+      <p:sp>
+        <p:nvSpPr>
+          <p:cNvPr id="3" name="Content Placeholder 2"/>
+          <p:cNvSpPr>
+            <a:spLocks noGrp="1"/>
+          </p:cNvSpPr>
+          <p:nvPr>
+            <p:ph idx="1"/>
+          </p:nvPr>
+        </p:nvSpPr>
+        <p:spPr>
+          <a:xfrm>
+            <a:off x="1546839" y="2603499"/>
+            <a:ext cx="8825659" cy="4021235"/>
+          </a:xfrm>
+        </p:spPr>
+        <p:txBody>
+          <a:bodyPr/>
+          <a:lstStyle/>
+          <a:p>
+            <a:r>
+              <a:rPr lang="bg-BG" b="1" dirty="0">
+                <a:latin typeface="Arial" panose="020B0604020202020204" pitchFamily="34" charset="0"/>
+                <a:cs typeface="Arial" panose="020B0604020202020204" pitchFamily="34" charset="0"/>
+              </a:rPr>
+              <a:t>Компилаторът</a:t>
+            </a:r>
+            <a:r>
+              <a:rPr lang="bg-BG" dirty="0">
+                <a:latin typeface="Arial" panose="020B0604020202020204" pitchFamily="34" charset="0"/>
+                <a:cs typeface="Arial" panose="020B0604020202020204" pitchFamily="34" charset="0"/>
+              </a:rPr>
+              <a:t> е специална компютърна програма, която транслира нашият програмен код в машинен код или байткод. Сорс кодът на програмата ни е написан най-често на програмен език от високо ниво, който е разбираем за човек, като </a:t>
+            </a:r>
+            <a:r>
+              <a:rPr lang="en-US" b="1" dirty="0">
+                <a:latin typeface="Arial" panose="020B0604020202020204" pitchFamily="34" charset="0"/>
+                <a:cs typeface="Arial" panose="020B0604020202020204" pitchFamily="34" charset="0"/>
+              </a:rPr>
+              <a:t>C#</a:t>
+            </a:r>
+            <a:r>
+              <a:rPr lang="en-US" dirty="0">
+                <a:latin typeface="Arial" panose="020B0604020202020204" pitchFamily="34" charset="0"/>
+                <a:cs typeface="Arial" panose="020B0604020202020204" pitchFamily="34" charset="0"/>
+              </a:rPr>
+              <a:t>, </a:t>
+            </a:r>
+            <a:r>
+              <a:rPr lang="en-US" b="1" dirty="0">
+                <a:latin typeface="Arial" panose="020B0604020202020204" pitchFamily="34" charset="0"/>
+                <a:cs typeface="Arial" panose="020B0604020202020204" pitchFamily="34" charset="0"/>
+              </a:rPr>
+              <a:t>Java</a:t>
+            </a:r>
+            <a:r>
+              <a:rPr lang="en-US" dirty="0">
+                <a:latin typeface="Arial" panose="020B0604020202020204" pitchFamily="34" charset="0"/>
+                <a:cs typeface="Arial" panose="020B0604020202020204" pitchFamily="34" charset="0"/>
+              </a:rPr>
+              <a:t>, </a:t>
+            </a:r>
+            <a:r>
+              <a:rPr lang="en-US" b="1" dirty="0">
+                <a:latin typeface="Arial" panose="020B0604020202020204" pitchFamily="34" charset="0"/>
+                <a:cs typeface="Arial" panose="020B0604020202020204" pitchFamily="34" charset="0"/>
+              </a:rPr>
+              <a:t>C++ </a:t>
+            </a:r>
+            <a:r>
+              <a:rPr lang="bg-BG" dirty="0">
                 <a:latin typeface="Arial" panose="020B0604020202020204" pitchFamily="34" charset="0"/>
                 <a:cs typeface="Arial" panose="020B0604020202020204" pitchFamily="34" charset="0"/>
               </a:rPr>
@@ -13947,24 +14221,17 @@
     </p:spTree>
     <p:extLst>
       <p:ext uri="{BB962C8B-B14F-4D97-AF65-F5344CB8AC3E}">
-        <p14:creationId xmlns:p14="http://schemas.microsoft.com/office/powerpoint/2010/main" val="525679394"/>
+        <p14:creationId xmlns:p14="http://schemas.microsoft.com/office/powerpoint/2010/main" val="80090018"/>
       </p:ext>
     </p:extLst>
   </p:cSld>
   <p:clrMapOvr>
     <a:masterClrMapping/>
   </p:clrMapOvr>
-  <p:timing>
-    <p:tnLst>
-      <p:par>
-        <p:cTn id="1" dur="indefinite" restart="never" nodeType="tmRoot"/>
-      </p:par>
-    </p:tnLst>
-  </p:timing>
 </p:sld>
 </file>
 
-<file path=ppt/slides/slide11.xml><?xml version="1.0" encoding="utf-8"?>
+<file path=ppt/slides/slide13.xml><?xml version="1.0" encoding="utf-8"?>
 <p:sld xmlns:a="http://schemas.openxmlformats.org/drawingml/2006/main" xmlns:r="http://schemas.openxmlformats.org/officeDocument/2006/relationships" xmlns:p="http://schemas.openxmlformats.org/presentationml/2006/main">
   <p:cSld>
     <p:spTree>
@@ -13998,14 +14265,14 @@
           <a:p>
             <a:pPr algn="ctr"/>
             <a:r>
-              <a:rPr lang="bg-BG" dirty="0" smtClean="0">
+              <a:rPr lang="bg-BG" dirty="0">
                 <a:latin typeface="Arial" panose="020B0604020202020204" pitchFamily="34" charset="0"/>
                 <a:cs typeface="Arial" panose="020B0604020202020204" pitchFamily="34" charset="0"/>
               </a:rPr>
               <a:t>Какво е </a:t>
             </a:r>
             <a:r>
-              <a:rPr lang="en-US" dirty="0" smtClean="0">
+              <a:rPr lang="en-US" dirty="0">
                 <a:solidFill>
                   <a:srgbClr val="FFFF00"/>
                 </a:solidFill>
@@ -14015,16 +14282,12 @@
               <a:t>IDE</a:t>
             </a:r>
             <a:r>
-              <a:rPr lang="en-US" dirty="0" smtClean="0">
+              <a:rPr lang="en-US" dirty="0">
                 <a:latin typeface="Arial" panose="020B0604020202020204" pitchFamily="34" charset="0"/>
                 <a:cs typeface="Arial" panose="020B0604020202020204" pitchFamily="34" charset="0"/>
               </a:rPr>
               <a:t>?</a:t>
             </a:r>
-            <a:endParaRPr lang="en-US" dirty="0">
-              <a:latin typeface="Arial" panose="020B0604020202020204" pitchFamily="34" charset="0"/>
-              <a:cs typeface="Arial" panose="020B0604020202020204" pitchFamily="34" charset="0"/>
-            </a:endParaRPr>
           </a:p>
         </p:txBody>
       </p:sp>
@@ -14125,199 +14388,191 @@
           <a:lstStyle/>
           <a:p>
             <a:r>
-              <a:rPr lang="en-US" sz="2000" b="1" dirty="0" smtClean="0">
+              <a:rPr lang="en-US" sz="2000" b="1" dirty="0">
                 <a:latin typeface="Arial" panose="020B0604020202020204" pitchFamily="34" charset="0"/>
                 <a:cs typeface="Arial" panose="020B0604020202020204" pitchFamily="34" charset="0"/>
               </a:rPr>
               <a:t>IDE</a:t>
             </a:r>
             <a:r>
-              <a:rPr lang="en-US" sz="2000" dirty="0" smtClean="0">
+              <a:rPr lang="en-US" sz="2000" dirty="0">
                 <a:latin typeface="Arial" panose="020B0604020202020204" pitchFamily="34" charset="0"/>
                 <a:cs typeface="Arial" panose="020B0604020202020204" pitchFamily="34" charset="0"/>
               </a:rPr>
               <a:t> - </a:t>
             </a:r>
             <a:r>
-              <a:rPr lang="en-US" sz="2000" b="1" dirty="0" smtClean="0">
+              <a:rPr lang="en-US" sz="2000" b="1" dirty="0">
                 <a:latin typeface="Arial" panose="020B0604020202020204" pitchFamily="34" charset="0"/>
                 <a:cs typeface="Arial" panose="020B0604020202020204" pitchFamily="34" charset="0"/>
               </a:rPr>
               <a:t>Integrated Development Environment</a:t>
             </a:r>
             <a:r>
-              <a:rPr lang="en-US" sz="2000" dirty="0" smtClean="0">
+              <a:rPr lang="en-US" sz="2000" dirty="0">
                 <a:latin typeface="Arial" panose="020B0604020202020204" pitchFamily="34" charset="0"/>
                 <a:cs typeface="Arial" panose="020B0604020202020204" pitchFamily="34" charset="0"/>
               </a:rPr>
               <a:t> </a:t>
             </a:r>
             <a:r>
-              <a:rPr lang="bg-BG" sz="2000" dirty="0" smtClean="0">
+              <a:rPr lang="bg-BG" sz="2000" dirty="0">
                 <a:latin typeface="Arial" panose="020B0604020202020204" pitchFamily="34" charset="0"/>
                 <a:cs typeface="Arial" panose="020B0604020202020204" pitchFamily="34" charset="0"/>
               </a:rPr>
               <a:t>е софтуер, който ни позволява</a:t>
             </a:r>
             <a:r>
-              <a:rPr lang="en-US" sz="2000" dirty="0" smtClean="0">
+              <a:rPr lang="en-US" sz="2000" dirty="0">
                 <a:latin typeface="Arial" panose="020B0604020202020204" pitchFamily="34" charset="0"/>
                 <a:cs typeface="Arial" panose="020B0604020202020204" pitchFamily="34" charset="0"/>
               </a:rPr>
               <a:t> </a:t>
             </a:r>
             <a:r>
-              <a:rPr lang="bg-BG" sz="2000" dirty="0" smtClean="0">
+              <a:rPr lang="bg-BG" sz="2000" dirty="0">
                 <a:latin typeface="Arial" panose="020B0604020202020204" pitchFamily="34" charset="0"/>
                 <a:cs typeface="Arial" panose="020B0604020202020204" pitchFamily="34" charset="0"/>
               </a:rPr>
               <a:t>да</a:t>
             </a:r>
             <a:r>
-              <a:rPr lang="en-US" sz="2000" dirty="0" smtClean="0">
+              <a:rPr lang="en-US" sz="2000" dirty="0">
                 <a:latin typeface="Arial" panose="020B0604020202020204" pitchFamily="34" charset="0"/>
                 <a:cs typeface="Arial" panose="020B0604020202020204" pitchFamily="34" charset="0"/>
               </a:rPr>
               <a:t> </a:t>
             </a:r>
             <a:r>
-              <a:rPr lang="bg-BG" sz="2000" dirty="0" smtClean="0">
+              <a:rPr lang="bg-BG" sz="2000" dirty="0">
                 <a:latin typeface="Arial" panose="020B0604020202020204" pitchFamily="34" charset="0"/>
                 <a:cs typeface="Arial" panose="020B0604020202020204" pitchFamily="34" charset="0"/>
               </a:rPr>
               <a:t>пишем</a:t>
             </a:r>
             <a:r>
-              <a:rPr lang="en-US" sz="2000" dirty="0" smtClean="0">
+              <a:rPr lang="en-US" sz="2000" dirty="0">
                 <a:latin typeface="Arial" panose="020B0604020202020204" pitchFamily="34" charset="0"/>
                 <a:cs typeface="Arial" panose="020B0604020202020204" pitchFamily="34" charset="0"/>
               </a:rPr>
               <a:t>/</a:t>
             </a:r>
             <a:r>
-              <a:rPr lang="bg-BG" sz="2000" dirty="0" smtClean="0">
+              <a:rPr lang="bg-BG" sz="2000" dirty="0">
                 <a:latin typeface="Arial" panose="020B0604020202020204" pitchFamily="34" charset="0"/>
                 <a:cs typeface="Arial" panose="020B0604020202020204" pitchFamily="34" charset="0"/>
               </a:rPr>
               <a:t>дебъгваме</a:t>
             </a:r>
             <a:r>
-              <a:rPr lang="en-US" sz="2000" dirty="0" smtClean="0">
+              <a:rPr lang="en-US" sz="2000" dirty="0">
                 <a:latin typeface="Arial" panose="020B0604020202020204" pitchFamily="34" charset="0"/>
                 <a:cs typeface="Arial" panose="020B0604020202020204" pitchFamily="34" charset="0"/>
               </a:rPr>
               <a:t>/</a:t>
             </a:r>
             <a:r>
-              <a:rPr lang="bg-BG" sz="2000" dirty="0" smtClean="0">
+              <a:rPr lang="bg-BG" sz="2000" dirty="0">
                 <a:latin typeface="Arial" panose="020B0604020202020204" pitchFamily="34" charset="0"/>
                 <a:cs typeface="Arial" panose="020B0604020202020204" pitchFamily="34" charset="0"/>
               </a:rPr>
               <a:t>изпълняваме</a:t>
             </a:r>
             <a:r>
-              <a:rPr lang="en-US" sz="2000" dirty="0" smtClean="0">
+              <a:rPr lang="en-US" sz="2000" dirty="0">
                 <a:latin typeface="Arial" panose="020B0604020202020204" pitchFamily="34" charset="0"/>
                 <a:cs typeface="Arial" panose="020B0604020202020204" pitchFamily="34" charset="0"/>
               </a:rPr>
               <a:t> </a:t>
             </a:r>
             <a:r>
-              <a:rPr lang="bg-BG" sz="2000" dirty="0" smtClean="0">
+              <a:rPr lang="bg-BG" sz="2000" dirty="0">
                 <a:latin typeface="Arial" panose="020B0604020202020204" pitchFamily="34" charset="0"/>
                 <a:cs typeface="Arial" panose="020B0604020202020204" pitchFamily="34" charset="0"/>
               </a:rPr>
               <a:t>нашият код по-лесно и да създаваме нашите порграми по по-добър начин</a:t>
             </a:r>
             <a:r>
-              <a:rPr lang="en-US" sz="2000" dirty="0" smtClean="0">
+              <a:rPr lang="en-US" sz="2000" dirty="0">
                 <a:latin typeface="Arial" panose="020B0604020202020204" pitchFamily="34" charset="0"/>
                 <a:cs typeface="Arial" panose="020B0604020202020204" pitchFamily="34" charset="0"/>
               </a:rPr>
               <a:t>.</a:t>
             </a:r>
-            <a:endParaRPr lang="en-US" sz="2000" dirty="0" smtClean="0">
+          </a:p>
+          <a:p>
+            <a:r>
+              <a:rPr lang="en-US" sz="2000" dirty="0">
+                <a:latin typeface="Arial" panose="020B0604020202020204" pitchFamily="34" charset="0"/>
+                <a:cs typeface="Arial" panose="020B0604020202020204" pitchFamily="34" charset="0"/>
+              </a:rPr>
+              <a:t>IDE </a:t>
+            </a:r>
+            <a:r>
+              <a:rPr lang="bg-BG" sz="2000" dirty="0">
+                <a:latin typeface="Arial" panose="020B0604020202020204" pitchFamily="34" charset="0"/>
+                <a:cs typeface="Arial" panose="020B0604020202020204" pitchFamily="34" charset="0"/>
+              </a:rPr>
+              <a:t>съдържа главно</a:t>
+            </a:r>
+            <a:r>
+              <a:rPr lang="en-US" sz="2000" dirty="0">
+                <a:latin typeface="Arial" panose="020B0604020202020204" pitchFamily="34" charset="0"/>
+                <a:cs typeface="Arial" panose="020B0604020202020204" pitchFamily="34" charset="0"/>
+              </a:rPr>
+              <a:t>:</a:t>
+            </a:r>
+          </a:p>
+          <a:p>
+            <a:pPr lvl="1"/>
+            <a:r>
+              <a:rPr lang="en-US" sz="1800" dirty="0">
+                <a:latin typeface="Arial" panose="020B0604020202020204" pitchFamily="34" charset="0"/>
+                <a:cs typeface="Arial" panose="020B0604020202020204" pitchFamily="34" charset="0"/>
+              </a:rPr>
+              <a:t>Source Code </a:t>
+            </a:r>
+            <a:r>
+              <a:rPr lang="bg-BG" sz="1800" dirty="0">
+                <a:latin typeface="Arial" panose="020B0604020202020204" pitchFamily="34" charset="0"/>
+                <a:cs typeface="Arial" panose="020B0604020202020204" pitchFamily="34" charset="0"/>
+              </a:rPr>
+              <a:t>редактор</a:t>
+            </a:r>
+            <a:endParaRPr lang="en-US" sz="1800" dirty="0">
               <a:latin typeface="Arial" panose="020B0604020202020204" pitchFamily="34" charset="0"/>
               <a:cs typeface="Arial" panose="020B0604020202020204" pitchFamily="34" charset="0"/>
             </a:endParaRPr>
           </a:p>
           <a:p>
-            <a:r>
-              <a:rPr lang="en-US" sz="2000" dirty="0" smtClean="0">
-                <a:latin typeface="Arial" panose="020B0604020202020204" pitchFamily="34" charset="0"/>
-                <a:cs typeface="Arial" panose="020B0604020202020204" pitchFamily="34" charset="0"/>
-              </a:rPr>
-              <a:t>IDE </a:t>
-            </a:r>
-            <a:r>
-              <a:rPr lang="bg-BG" sz="2000" dirty="0" smtClean="0">
-                <a:latin typeface="Arial" panose="020B0604020202020204" pitchFamily="34" charset="0"/>
-                <a:cs typeface="Arial" panose="020B0604020202020204" pitchFamily="34" charset="0"/>
-              </a:rPr>
-              <a:t>съдържа главно</a:t>
-            </a:r>
-            <a:r>
-              <a:rPr lang="en-US" sz="2000" dirty="0" smtClean="0">
-                <a:latin typeface="Arial" panose="020B0604020202020204" pitchFamily="34" charset="0"/>
-                <a:cs typeface="Arial" panose="020B0604020202020204" pitchFamily="34" charset="0"/>
-              </a:rPr>
-              <a:t>:</a:t>
-            </a:r>
-            <a:endParaRPr lang="en-US" sz="2000" dirty="0" smtClean="0">
+            <a:pPr lvl="1"/>
+            <a:r>
+              <a:rPr lang="en-US" sz="1800" dirty="0">
+                <a:latin typeface="Arial" panose="020B0604020202020204" pitchFamily="34" charset="0"/>
+                <a:cs typeface="Arial" panose="020B0604020202020204" pitchFamily="34" charset="0"/>
+              </a:rPr>
+              <a:t>Local Build Automation</a:t>
+            </a:r>
+          </a:p>
+          <a:p>
+            <a:pPr lvl="1"/>
+            <a:r>
+              <a:rPr lang="bg-BG" sz="1800" dirty="0">
+                <a:latin typeface="Arial" panose="020B0604020202020204" pitchFamily="34" charset="0"/>
+                <a:cs typeface="Arial" panose="020B0604020202020204" pitchFamily="34" charset="0"/>
+              </a:rPr>
+              <a:t>Дебъгер</a:t>
+            </a:r>
+            <a:endParaRPr lang="en-US" sz="1800" dirty="0">
               <a:latin typeface="Arial" panose="020B0604020202020204" pitchFamily="34" charset="0"/>
               <a:cs typeface="Arial" panose="020B0604020202020204" pitchFamily="34" charset="0"/>
             </a:endParaRPr>
           </a:p>
           <a:p>
-            <a:pPr lvl="1"/>
-            <a:r>
-              <a:rPr lang="en-US" sz="1800" dirty="0" smtClean="0">
-                <a:latin typeface="Arial" panose="020B0604020202020204" pitchFamily="34" charset="0"/>
-                <a:cs typeface="Arial" panose="020B0604020202020204" pitchFamily="34" charset="0"/>
-              </a:rPr>
-              <a:t>Source Code </a:t>
-            </a:r>
-            <a:r>
-              <a:rPr lang="bg-BG" sz="1800" dirty="0" smtClean="0">
-                <a:latin typeface="Arial" panose="020B0604020202020204" pitchFamily="34" charset="0"/>
-                <a:cs typeface="Arial" panose="020B0604020202020204" pitchFamily="34" charset="0"/>
-              </a:rPr>
-              <a:t>редактор</a:t>
-            </a:r>
-            <a:endParaRPr lang="en-US" sz="1800" dirty="0" smtClean="0">
-              <a:latin typeface="Arial" panose="020B0604020202020204" pitchFamily="34" charset="0"/>
-              <a:cs typeface="Arial" panose="020B0604020202020204" pitchFamily="34" charset="0"/>
-            </a:endParaRPr>
-          </a:p>
-          <a:p>
-            <a:pPr lvl="1"/>
-            <a:r>
-              <a:rPr lang="en-US" sz="1800" dirty="0" smtClean="0">
-                <a:latin typeface="Arial" panose="020B0604020202020204" pitchFamily="34" charset="0"/>
-                <a:cs typeface="Arial" panose="020B0604020202020204" pitchFamily="34" charset="0"/>
-              </a:rPr>
-              <a:t>Local Build Automation</a:t>
-            </a:r>
-          </a:p>
-          <a:p>
-            <a:pPr lvl="1"/>
-            <a:r>
-              <a:rPr lang="bg-BG" sz="1800" dirty="0" smtClean="0">
-                <a:latin typeface="Arial" panose="020B0604020202020204" pitchFamily="34" charset="0"/>
-                <a:cs typeface="Arial" panose="020B0604020202020204" pitchFamily="34" charset="0"/>
-              </a:rPr>
-              <a:t>Дебъгер</a:t>
-            </a:r>
-            <a:endParaRPr lang="en-US" sz="1800" dirty="0" smtClean="0">
-              <a:latin typeface="Arial" panose="020B0604020202020204" pitchFamily="34" charset="0"/>
-              <a:cs typeface="Arial" panose="020B0604020202020204" pitchFamily="34" charset="0"/>
-            </a:endParaRPr>
-          </a:p>
-          <a:p>
             <a:pPr marL="0" indent="0">
               <a:buNone/>
             </a:pPr>
-            <a:endParaRPr lang="en-US" sz="2000" dirty="0" smtClean="0">
+            <a:endParaRPr lang="en-US" sz="2000" dirty="0">
               <a:latin typeface="Arial" panose="020B0604020202020204" pitchFamily="34" charset="0"/>
               <a:cs typeface="Arial" panose="020B0604020202020204" pitchFamily="34" charset="0"/>
             </a:endParaRPr>
@@ -14430,17 +14685,10 @@
   <p:clrMapOvr>
     <a:masterClrMapping/>
   </p:clrMapOvr>
-  <p:timing>
-    <p:tnLst>
-      <p:par>
-        <p:cTn id="1" dur="indefinite" restart="never" nodeType="tmRoot"/>
-      </p:par>
-    </p:tnLst>
-  </p:timing>
 </p:sld>
 </file>
 
-<file path=ppt/slides/slide12.xml><?xml version="1.0" encoding="utf-8"?>
+<file path=ppt/slides/slide14.xml><?xml version="1.0" encoding="utf-8"?>
 <p:sld xmlns:a="http://schemas.openxmlformats.org/drawingml/2006/main" xmlns:r="http://schemas.openxmlformats.org/officeDocument/2006/relationships" xmlns:p="http://schemas.openxmlformats.org/presentationml/2006/main">
   <p:cSld>
     <p:spTree>
@@ -14474,51 +14722,40 @@
           <a:p>
             <a:pPr algn="ctr"/>
             <a:r>
-              <a:rPr lang="en-US" dirty="0" smtClean="0">
+              <a:rPr lang="en-US" dirty="0">
                 <a:latin typeface="Arial" panose="020B0604020202020204" pitchFamily="34" charset="0"/>
                 <a:cs typeface="Arial" panose="020B0604020202020204" pitchFamily="34" charset="0"/>
               </a:rPr>
               <a:t>Visual Studio</a:t>
             </a:r>
             <a:r>
-              <a:rPr lang="bg-BG" dirty="0" smtClean="0">
+              <a:rPr lang="bg-BG" dirty="0">
                 <a:latin typeface="Arial" panose="020B0604020202020204" pitchFamily="34" charset="0"/>
                 <a:cs typeface="Arial" panose="020B0604020202020204" pitchFamily="34" charset="0"/>
               </a:rPr>
               <a:t> 2022</a:t>
             </a:r>
             <a:r>
-              <a:rPr lang="en-US" dirty="0" smtClean="0">
-                <a:latin typeface="Arial" panose="020B0604020202020204" pitchFamily="34" charset="0"/>
-                <a:cs typeface="Arial" panose="020B0604020202020204" pitchFamily="34" charset="0"/>
-              </a:rPr>
-              <a:t> </a:t>
-            </a:r>
-            <a:r>
-              <a:rPr lang="en-US" dirty="0" smtClean="0">
+              <a:rPr lang="en-US" dirty="0">
+                <a:latin typeface="Arial" panose="020B0604020202020204" pitchFamily="34" charset="0"/>
+                <a:cs typeface="Arial" panose="020B0604020202020204" pitchFamily="34" charset="0"/>
+              </a:rPr>
+              <a:t> /</a:t>
+            </a:r>
+            <a:r>
+              <a:rPr lang="bg-BG" dirty="0">
+                <a:latin typeface="Arial" panose="020B0604020202020204" pitchFamily="34" charset="0"/>
+                <a:cs typeface="Arial" panose="020B0604020202020204" pitchFamily="34" charset="0"/>
+              </a:rPr>
+              <a:t>инсталация</a:t>
+            </a:r>
+            <a:r>
+              <a:rPr lang="en-US" dirty="0">
                 <a:latin typeface="Arial" panose="020B0604020202020204" pitchFamily="34" charset="0"/>
                 <a:cs typeface="Arial" panose="020B0604020202020204" pitchFamily="34" charset="0"/>
               </a:rPr>
               <a:t>/</a:t>
             </a:r>
-            <a:r>
-              <a:rPr lang="bg-BG" dirty="0" smtClean="0">
-                <a:latin typeface="Arial" panose="020B0604020202020204" pitchFamily="34" charset="0"/>
-                <a:cs typeface="Arial" panose="020B0604020202020204" pitchFamily="34" charset="0"/>
-              </a:rPr>
-              <a:t>инсталация</a:t>
-            </a:r>
-            <a:r>
-              <a:rPr lang="en-US" dirty="0" smtClean="0">
-                <a:latin typeface="Arial" panose="020B0604020202020204" pitchFamily="34" charset="0"/>
-                <a:cs typeface="Arial" panose="020B0604020202020204" pitchFamily="34" charset="0"/>
-              </a:rPr>
-              <a:t>/</a:t>
-            </a:r>
-            <a:endParaRPr lang="en-US" dirty="0">
-              <a:latin typeface="Arial" panose="020B0604020202020204" pitchFamily="34" charset="0"/>
-              <a:cs typeface="Arial" panose="020B0604020202020204" pitchFamily="34" charset="0"/>
-            </a:endParaRPr>
           </a:p>
         </p:txBody>
       </p:sp>
@@ -14561,17 +14798,10 @@
   <p:clrMapOvr>
     <a:masterClrMapping/>
   </p:clrMapOvr>
-  <p:timing>
-    <p:tnLst>
-      <p:par>
-        <p:cTn id="1" dur="indefinite" restart="never" nodeType="tmRoot"/>
-      </p:par>
-    </p:tnLst>
-  </p:timing>
 </p:sld>
 </file>
 
-<file path=ppt/slides/slide13.xml><?xml version="1.0" encoding="utf-8"?>
+<file path=ppt/slides/slide15.xml><?xml version="1.0" encoding="utf-8"?>
 <p:sld xmlns:a="http://schemas.openxmlformats.org/drawingml/2006/main" xmlns:r="http://schemas.openxmlformats.org/officeDocument/2006/relationships" xmlns:p="http://schemas.openxmlformats.org/presentationml/2006/main">
   <p:cSld>
     <p:spTree>
@@ -14605,42 +14835,35 @@
           <a:p>
             <a:pPr algn="ctr"/>
             <a:r>
-              <a:rPr lang="bg-BG" dirty="0" smtClean="0">
+              <a:rPr lang="bg-BG" dirty="0">
                 <a:latin typeface="Arial" panose="020B0604020202020204" pitchFamily="34" charset="0"/>
                 <a:cs typeface="Arial" panose="020B0604020202020204" pitchFamily="34" charset="0"/>
               </a:rPr>
               <a:t>Архитектура</a:t>
             </a:r>
             <a:r>
-              <a:rPr lang="en-US" dirty="0" smtClean="0">
+              <a:rPr lang="en-US" dirty="0">
                 <a:latin typeface="Arial" panose="020B0604020202020204" pitchFamily="34" charset="0"/>
                 <a:cs typeface="Arial" panose="020B0604020202020204" pitchFamily="34" charset="0"/>
               </a:rPr>
               <a:t> </a:t>
             </a:r>
             <a:r>
-              <a:rPr lang="bg-BG" dirty="0" smtClean="0">
+              <a:rPr lang="bg-BG" dirty="0">
                 <a:latin typeface="Arial" panose="020B0604020202020204" pitchFamily="34" charset="0"/>
                 <a:cs typeface="Arial" panose="020B0604020202020204" pitchFamily="34" charset="0"/>
               </a:rPr>
               <a:t>на</a:t>
             </a:r>
             <a:r>
-              <a:rPr lang="en-US" dirty="0" smtClean="0">
-                <a:latin typeface="Arial" panose="020B0604020202020204" pitchFamily="34" charset="0"/>
-                <a:cs typeface="Arial" panose="020B0604020202020204" pitchFamily="34" charset="0"/>
-              </a:rPr>
-              <a:t> </a:t>
-            </a:r>
-            <a:r>
-              <a:rPr lang="en-US" dirty="0" smtClean="0">
-                <a:latin typeface="Arial" panose="020B0604020202020204" pitchFamily="34" charset="0"/>
-                <a:cs typeface="Arial" panose="020B0604020202020204" pitchFamily="34" charset="0"/>
-              </a:rPr>
-              <a:t>.NET </a:t>
-            </a:r>
-            <a:r>
-              <a:rPr lang="bg-BG" dirty="0" smtClean="0">
+              <a:rPr lang="en-US" dirty="0">
+                <a:latin typeface="Arial" panose="020B0604020202020204" pitchFamily="34" charset="0"/>
+                <a:cs typeface="Arial" panose="020B0604020202020204" pitchFamily="34" charset="0"/>
+              </a:rPr>
+              <a:t> .NET </a:t>
+            </a:r>
+            <a:r>
+              <a:rPr lang="bg-BG" dirty="0">
                 <a:latin typeface="Arial" panose="020B0604020202020204" pitchFamily="34" charset="0"/>
                 <a:cs typeface="Arial" panose="020B0604020202020204" pitchFamily="34" charset="0"/>
               </a:rPr>
@@ -14725,7 +14948,2218 @@
 </p:sld>
 </file>
 
-<file path=ppt/slides/slide14.xml><?xml version="1.0" encoding="utf-8"?>
+<file path=ppt/slides/slide16.xml><?xml version="1.0" encoding="utf-8"?>
+<p:sld xmlns:a="http://schemas.openxmlformats.org/drawingml/2006/main" xmlns:r="http://schemas.openxmlformats.org/officeDocument/2006/relationships" xmlns:p="http://schemas.openxmlformats.org/presentationml/2006/main">
+  <p:cSld>
+    <p:bg>
+      <p:bgPr>
+        <a:solidFill>
+          <a:schemeClr val="bg1"/>
+        </a:solidFill>
+        <a:effectLst/>
+      </p:bgPr>
+    </p:bg>
+    <p:spTree>
+      <p:nvGrpSpPr>
+        <p:cNvPr id="1" name=""/>
+        <p:cNvGrpSpPr/>
+        <p:nvPr/>
+      </p:nvGrpSpPr>
+      <p:grpSpPr>
+        <a:xfrm>
+          <a:off x="0" y="0"/>
+          <a:ext cx="0" cy="0"/>
+          <a:chOff x="0" y="0"/>
+          <a:chExt cx="0" cy="0"/>
+        </a:xfrm>
+      </p:grpSpPr>
+      <p:sp>
+        <p:nvSpPr>
+          <p:cNvPr id="54" name="Rectangle 53">
+            <a:extLst>
+              <a:ext uri="{FF2B5EF4-FFF2-40B4-BE49-F238E27FC236}">
+                <a16:creationId xmlns:a16="http://schemas.microsoft.com/office/drawing/2014/main" id="{71616407-3E4D-4469-BDAF-3837EBF9FDA8}"/>
+              </a:ext>
+              <a:ext uri="{C183D7F6-B498-43B3-948B-1728B52AA6E4}">
+                <adec:decorative xmlns:adec="http://schemas.microsoft.com/office/drawing/2017/decorative" val="1"/>
+              </a:ext>
+            </a:extLst>
+          </p:cNvPr>
+          <p:cNvSpPr>
+            <a:spLocks noGrp="1" noRot="1" noChangeAspect="1" noMove="1" noResize="1" noEditPoints="1" noAdjustHandles="1" noChangeArrowheads="1" noChangeShapeType="1" noTextEdit="1"/>
+          </p:cNvSpPr>
+          <p:nvPr>
+            <p:extLst>
+              <p:ext uri="{386F3935-93C4-4BCD-93E2-E3B085C9AB24}">
+                <p16:designElem xmlns:p16="http://schemas.microsoft.com/office/powerpoint/2015/main" val="1"/>
+              </p:ext>
+            </p:extLst>
+          </p:nvPr>
+        </p:nvSpPr>
+        <p:spPr>
+          <a:xfrm>
+            <a:off x="10437812" y="0"/>
+            <a:ext cx="685800" cy="1143000"/>
+          </a:xfrm>
+          <a:prstGeom prst="rect">
+            <a:avLst/>
+          </a:prstGeom>
+          <a:solidFill>
+            <a:schemeClr val="accent1"/>
+          </a:solidFill>
+          <a:ln>
+            <a:noFill/>
+          </a:ln>
+        </p:spPr>
+        <p:style>
+          <a:lnRef idx="1">
+            <a:schemeClr val="accent1"/>
+          </a:lnRef>
+          <a:fillRef idx="3">
+            <a:schemeClr val="accent1"/>
+          </a:fillRef>
+          <a:effectRef idx="2">
+            <a:schemeClr val="accent1"/>
+          </a:effectRef>
+          <a:fontRef idx="minor">
+            <a:schemeClr val="lt1"/>
+          </a:fontRef>
+        </p:style>
+      </p:sp>
+      <p:sp>
+        <p:nvSpPr>
+          <p:cNvPr id="32" name="Title 1">
+            <a:extLst>
+              <a:ext uri="{FF2B5EF4-FFF2-40B4-BE49-F238E27FC236}">
+                <a16:creationId xmlns:a16="http://schemas.microsoft.com/office/drawing/2014/main" id="{F7B5A884-14FE-DD0C-9641-9F6B0E1A2583}"/>
+              </a:ext>
+            </a:extLst>
+          </p:cNvPr>
+          <p:cNvSpPr>
+            <a:spLocks noGrp="1"/>
+          </p:cNvSpPr>
+          <p:nvPr>
+            <p:ph type="title"/>
+          </p:nvPr>
+        </p:nvSpPr>
+        <p:spPr>
+          <a:xfrm>
+            <a:off x="1154954" y="973668"/>
+            <a:ext cx="8761413" cy="706964"/>
+          </a:xfrm>
+        </p:spPr>
+        <p:txBody>
+          <a:bodyPr/>
+          <a:lstStyle/>
+          <a:p>
+            <a:pPr algn="ctr"/>
+            <a:r>
+              <a:rPr lang="bg-BG" dirty="0">
+                <a:solidFill>
+                  <a:schemeClr val="bg1"/>
+                </a:solidFill>
+                <a:latin typeface="Arial" panose="020B0604020202020204" pitchFamily="34" charset="0"/>
+                <a:cs typeface="Arial" panose="020B0604020202020204" pitchFamily="34" charset="0"/>
+              </a:rPr>
+              <a:t>Създаване на</a:t>
+            </a:r>
+            <a:r>
+              <a:rPr lang="bg-BG" dirty="0">
+                <a:solidFill>
+                  <a:srgbClr val="FFFF00"/>
+                </a:solidFill>
+                <a:latin typeface="Arial" panose="020B0604020202020204" pitchFamily="34" charset="0"/>
+                <a:cs typeface="Arial" panose="020B0604020202020204" pitchFamily="34" charset="0"/>
+              </a:rPr>
+              <a:t> </a:t>
+            </a:r>
+            <a:r>
+              <a:rPr lang="en-US" dirty="0">
+                <a:solidFill>
+                  <a:srgbClr val="FFFF00"/>
+                </a:solidFill>
+                <a:latin typeface="Arial" panose="020B0604020202020204" pitchFamily="34" charset="0"/>
+                <a:cs typeface="Arial" panose="020B0604020202020204" pitchFamily="34" charset="0"/>
+              </a:rPr>
+              <a:t>C# </a:t>
+            </a:r>
+            <a:r>
+              <a:rPr lang="bg-BG" dirty="0">
+                <a:solidFill>
+                  <a:srgbClr val="FFFF00"/>
+                </a:solidFill>
+                <a:latin typeface="Arial" panose="020B0604020202020204" pitchFamily="34" charset="0"/>
+                <a:cs typeface="Arial" panose="020B0604020202020204" pitchFamily="34" charset="0"/>
+              </a:rPr>
+              <a:t>проект </a:t>
+            </a:r>
+            <a:r>
+              <a:rPr lang="bg-BG" dirty="0">
+                <a:solidFill>
+                  <a:schemeClr val="bg1"/>
+                </a:solidFill>
+                <a:latin typeface="Arial" panose="020B0604020202020204" pitchFamily="34" charset="0"/>
+                <a:cs typeface="Arial" panose="020B0604020202020204" pitchFamily="34" charset="0"/>
+              </a:rPr>
+              <a:t>(</a:t>
+            </a:r>
+            <a:r>
+              <a:rPr lang="en-US" dirty="0">
+                <a:solidFill>
+                  <a:schemeClr val="bg1"/>
+                </a:solidFill>
+                <a:latin typeface="Arial" panose="020B0604020202020204" pitchFamily="34" charset="0"/>
+                <a:cs typeface="Arial" panose="020B0604020202020204" pitchFamily="34" charset="0"/>
+              </a:rPr>
+              <a:t>I </a:t>
+            </a:r>
+            <a:r>
+              <a:rPr lang="bg-BG" dirty="0">
+                <a:solidFill>
+                  <a:schemeClr val="bg1"/>
+                </a:solidFill>
+                <a:latin typeface="Arial" panose="020B0604020202020204" pitchFamily="34" charset="0"/>
+                <a:cs typeface="Arial" panose="020B0604020202020204" pitchFamily="34" charset="0"/>
+              </a:rPr>
+              <a:t>част)</a:t>
+            </a:r>
+            <a:endParaRPr lang="en-US" dirty="0">
+              <a:solidFill>
+                <a:schemeClr val="bg1"/>
+              </a:solidFill>
+              <a:latin typeface="Arial" panose="020B0604020202020204" pitchFamily="34" charset="0"/>
+              <a:cs typeface="Arial" panose="020B0604020202020204" pitchFamily="34" charset="0"/>
+            </a:endParaRPr>
+          </a:p>
+        </p:txBody>
+      </p:sp>
+      <p:pic>
+        <p:nvPicPr>
+          <p:cNvPr id="39" name="Picture 38" descr="Graphical user interface, application&#10;&#10;Description automatically generated">
+            <a:extLst>
+              <a:ext uri="{FF2B5EF4-FFF2-40B4-BE49-F238E27FC236}">
+                <a16:creationId xmlns:a16="http://schemas.microsoft.com/office/drawing/2014/main" id="{BD9935BF-E18E-56D4-FCE1-97A2B5514063}"/>
+              </a:ext>
+            </a:extLst>
+          </p:cNvPr>
+          <p:cNvPicPr>
+            <a:picLocks noChangeAspect="1"/>
+          </p:cNvPicPr>
+          <p:nvPr/>
+        </p:nvPicPr>
+        <p:blipFill>
+          <a:blip r:embed="rId2" cstate="print">
+            <a:extLst>
+              <a:ext uri="{28A0092B-C50C-407E-A947-70E740481C1C}">
+                <a14:useLocalDpi xmlns:a14="http://schemas.microsoft.com/office/drawing/2010/main" val="0"/>
+              </a:ext>
+            </a:extLst>
+          </a:blip>
+          <a:stretch>
+            <a:fillRect/>
+          </a:stretch>
+        </p:blipFill>
+        <p:spPr>
+          <a:xfrm>
+            <a:off x="819093" y="2819400"/>
+            <a:ext cx="4962581" cy="3307080"/>
+          </a:xfrm>
+          <a:prstGeom prst="rect">
+            <a:avLst/>
+          </a:prstGeom>
+        </p:spPr>
+      </p:pic>
+      <p:pic>
+        <p:nvPicPr>
+          <p:cNvPr id="41" name="Picture 40">
+            <a:extLst>
+              <a:ext uri="{FF2B5EF4-FFF2-40B4-BE49-F238E27FC236}">
+                <a16:creationId xmlns:a16="http://schemas.microsoft.com/office/drawing/2014/main" id="{BD1B4039-AEF8-438F-17E6-C227E5DEDB15}"/>
+              </a:ext>
+            </a:extLst>
+          </p:cNvPr>
+          <p:cNvPicPr>
+            <a:picLocks noChangeAspect="1"/>
+          </p:cNvPicPr>
+          <p:nvPr/>
+        </p:nvPicPr>
+        <p:blipFill>
+          <a:blip r:embed="rId3" cstate="print">
+            <a:extLst>
+              <a:ext uri="{28A0092B-C50C-407E-A947-70E740481C1C}">
+                <a14:useLocalDpi xmlns:a14="http://schemas.microsoft.com/office/drawing/2010/main" val="0"/>
+              </a:ext>
+            </a:extLst>
+          </a:blip>
+          <a:stretch>
+            <a:fillRect/>
+          </a:stretch>
+        </p:blipFill>
+        <p:spPr>
+          <a:xfrm>
+            <a:off x="6410326" y="2807581"/>
+            <a:ext cx="4962581" cy="3318899"/>
+          </a:xfrm>
+          <a:prstGeom prst="rect">
+            <a:avLst/>
+          </a:prstGeom>
+        </p:spPr>
+      </p:pic>
+      <p:sp>
+        <p:nvSpPr>
+          <p:cNvPr id="44" name="TextBox 43">
+            <a:extLst>
+              <a:ext uri="{FF2B5EF4-FFF2-40B4-BE49-F238E27FC236}">
+                <a16:creationId xmlns:a16="http://schemas.microsoft.com/office/drawing/2014/main" id="{50218543-DD08-82C4-14C8-F19250957584}"/>
+              </a:ext>
+            </a:extLst>
+          </p:cNvPr>
+          <p:cNvSpPr txBox="1"/>
+          <p:nvPr/>
+        </p:nvSpPr>
+        <p:spPr>
+          <a:xfrm>
+            <a:off x="819093" y="2352675"/>
+            <a:ext cx="1200150" cy="369332"/>
+          </a:xfrm>
+          <a:prstGeom prst="rect">
+            <a:avLst/>
+          </a:prstGeom>
+          <a:noFill/>
+        </p:spPr>
+        <p:txBody>
+          <a:bodyPr wrap="square" rtlCol="0">
+            <a:spAutoFit/>
+          </a:bodyPr>
+          <a:lstStyle/>
+          <a:p>
+            <a:r>
+              <a:rPr lang="en-US" dirty="0">
+                <a:latin typeface="Arial" panose="020B0604020202020204" pitchFamily="34" charset="0"/>
+                <a:cs typeface="Arial" panose="020B0604020202020204" pitchFamily="34" charset="0"/>
+              </a:rPr>
+              <a:t>1)</a:t>
+            </a:r>
+            <a:endParaRPr lang="bg-BG" dirty="0">
+              <a:latin typeface="Arial" panose="020B0604020202020204" pitchFamily="34" charset="0"/>
+              <a:cs typeface="Arial" panose="020B0604020202020204" pitchFamily="34" charset="0"/>
+            </a:endParaRPr>
+          </a:p>
+        </p:txBody>
+      </p:sp>
+      <p:sp>
+        <p:nvSpPr>
+          <p:cNvPr id="46" name="TextBox 45">
+            <a:extLst>
+              <a:ext uri="{FF2B5EF4-FFF2-40B4-BE49-F238E27FC236}">
+                <a16:creationId xmlns:a16="http://schemas.microsoft.com/office/drawing/2014/main" id="{12D1B92F-84C1-0BB0-BDE2-43DB6B06EE7D}"/>
+              </a:ext>
+            </a:extLst>
+          </p:cNvPr>
+          <p:cNvSpPr txBox="1"/>
+          <p:nvPr/>
+        </p:nvSpPr>
+        <p:spPr>
+          <a:xfrm>
+            <a:off x="6486526" y="2432415"/>
+            <a:ext cx="1933574" cy="369332"/>
+          </a:xfrm>
+          <a:prstGeom prst="rect">
+            <a:avLst/>
+          </a:prstGeom>
+          <a:noFill/>
+        </p:spPr>
+        <p:txBody>
+          <a:bodyPr wrap="square" rtlCol="0">
+            <a:spAutoFit/>
+          </a:bodyPr>
+          <a:lstStyle/>
+          <a:p>
+            <a:r>
+              <a:rPr lang="en-US" dirty="0"/>
+              <a:t>2)</a:t>
+            </a:r>
+            <a:endParaRPr lang="bg-BG" dirty="0"/>
+          </a:p>
+        </p:txBody>
+      </p:sp>
+    </p:spTree>
+    <p:extLst>
+      <p:ext uri="{BB962C8B-B14F-4D97-AF65-F5344CB8AC3E}">
+        <p14:creationId xmlns:p14="http://schemas.microsoft.com/office/powerpoint/2010/main" val="3766529404"/>
+      </p:ext>
+    </p:extLst>
+  </p:cSld>
+  <p:clrMapOvr>
+    <a:masterClrMapping/>
+  </p:clrMapOvr>
+</p:sld>
+</file>
+
+<file path=ppt/slides/slide17.xml><?xml version="1.0" encoding="utf-8"?>
+<p:sld xmlns:a="http://schemas.openxmlformats.org/drawingml/2006/main" xmlns:r="http://schemas.openxmlformats.org/officeDocument/2006/relationships" xmlns:p="http://schemas.openxmlformats.org/presentationml/2006/main">
+  <p:cSld>
+    <p:spTree>
+      <p:nvGrpSpPr>
+        <p:cNvPr id="1" name=""/>
+        <p:cNvGrpSpPr/>
+        <p:nvPr/>
+      </p:nvGrpSpPr>
+      <p:grpSpPr>
+        <a:xfrm>
+          <a:off x="0" y="0"/>
+          <a:ext cx="0" cy="0"/>
+          <a:chOff x="0" y="0"/>
+          <a:chExt cx="0" cy="0"/>
+        </a:xfrm>
+      </p:grpSpPr>
+      <p:sp>
+        <p:nvSpPr>
+          <p:cNvPr id="32" name="Title 1">
+            <a:extLst>
+              <a:ext uri="{FF2B5EF4-FFF2-40B4-BE49-F238E27FC236}">
+                <a16:creationId xmlns:a16="http://schemas.microsoft.com/office/drawing/2014/main" id="{F7B5A884-14FE-DD0C-9641-9F6B0E1A2583}"/>
+              </a:ext>
+            </a:extLst>
+          </p:cNvPr>
+          <p:cNvSpPr>
+            <a:spLocks noGrp="1"/>
+          </p:cNvSpPr>
+          <p:nvPr>
+            <p:ph type="title"/>
+          </p:nvPr>
+        </p:nvSpPr>
+        <p:spPr>
+          <a:xfrm>
+            <a:off x="1154954" y="973668"/>
+            <a:ext cx="8761413" cy="706964"/>
+          </a:xfrm>
+        </p:spPr>
+        <p:txBody>
+          <a:bodyPr/>
+          <a:lstStyle/>
+          <a:p>
+            <a:pPr algn="ctr"/>
+            <a:r>
+              <a:rPr lang="bg-BG" dirty="0">
+                <a:solidFill>
+                  <a:schemeClr val="bg1"/>
+                </a:solidFill>
+                <a:latin typeface="Arial" panose="020B0604020202020204" pitchFamily="34" charset="0"/>
+                <a:cs typeface="Arial" panose="020B0604020202020204" pitchFamily="34" charset="0"/>
+              </a:rPr>
+              <a:t>Създаване на</a:t>
+            </a:r>
+            <a:r>
+              <a:rPr lang="bg-BG" dirty="0">
+                <a:solidFill>
+                  <a:srgbClr val="FFFF00"/>
+                </a:solidFill>
+                <a:latin typeface="Arial" panose="020B0604020202020204" pitchFamily="34" charset="0"/>
+                <a:cs typeface="Arial" panose="020B0604020202020204" pitchFamily="34" charset="0"/>
+              </a:rPr>
+              <a:t> </a:t>
+            </a:r>
+            <a:r>
+              <a:rPr lang="en-US" dirty="0">
+                <a:solidFill>
+                  <a:srgbClr val="FFFF00"/>
+                </a:solidFill>
+                <a:latin typeface="Arial" panose="020B0604020202020204" pitchFamily="34" charset="0"/>
+                <a:cs typeface="Arial" panose="020B0604020202020204" pitchFamily="34" charset="0"/>
+              </a:rPr>
+              <a:t>C# </a:t>
+            </a:r>
+            <a:r>
+              <a:rPr lang="bg-BG" dirty="0">
+                <a:solidFill>
+                  <a:srgbClr val="FFFF00"/>
+                </a:solidFill>
+                <a:latin typeface="Arial" panose="020B0604020202020204" pitchFamily="34" charset="0"/>
+                <a:cs typeface="Arial" panose="020B0604020202020204" pitchFamily="34" charset="0"/>
+              </a:rPr>
+              <a:t>проект </a:t>
+            </a:r>
+            <a:r>
+              <a:rPr lang="bg-BG" dirty="0">
+                <a:solidFill>
+                  <a:schemeClr val="bg1"/>
+                </a:solidFill>
+                <a:latin typeface="Arial" panose="020B0604020202020204" pitchFamily="34" charset="0"/>
+                <a:cs typeface="Arial" panose="020B0604020202020204" pitchFamily="34" charset="0"/>
+              </a:rPr>
+              <a:t>(</a:t>
+            </a:r>
+            <a:r>
+              <a:rPr lang="en-US" dirty="0">
+                <a:solidFill>
+                  <a:schemeClr val="bg1"/>
+                </a:solidFill>
+                <a:latin typeface="Arial" panose="020B0604020202020204" pitchFamily="34" charset="0"/>
+                <a:cs typeface="Arial" panose="020B0604020202020204" pitchFamily="34" charset="0"/>
+              </a:rPr>
+              <a:t>II </a:t>
+            </a:r>
+            <a:r>
+              <a:rPr lang="bg-BG" dirty="0">
+                <a:solidFill>
+                  <a:schemeClr val="bg1"/>
+                </a:solidFill>
+                <a:latin typeface="Arial" panose="020B0604020202020204" pitchFamily="34" charset="0"/>
+                <a:cs typeface="Arial" panose="020B0604020202020204" pitchFamily="34" charset="0"/>
+              </a:rPr>
+              <a:t>част)</a:t>
+            </a:r>
+            <a:endParaRPr lang="en-US" dirty="0">
+              <a:solidFill>
+                <a:schemeClr val="bg1"/>
+              </a:solidFill>
+              <a:latin typeface="Arial" panose="020B0604020202020204" pitchFamily="34" charset="0"/>
+              <a:cs typeface="Arial" panose="020B0604020202020204" pitchFamily="34" charset="0"/>
+            </a:endParaRPr>
+          </a:p>
+        </p:txBody>
+      </p:sp>
+      <p:pic>
+        <p:nvPicPr>
+          <p:cNvPr id="3" name="Picture 2" descr="Graphical user interface, text, application&#10;&#10;Description automatically generated">
+            <a:extLst>
+              <a:ext uri="{FF2B5EF4-FFF2-40B4-BE49-F238E27FC236}">
+                <a16:creationId xmlns:a16="http://schemas.microsoft.com/office/drawing/2014/main" id="{EC5BCB45-C088-D019-11C2-63148BF06661}"/>
+              </a:ext>
+            </a:extLst>
+          </p:cNvPr>
+          <p:cNvPicPr>
+            <a:picLocks noChangeAspect="1"/>
+          </p:cNvPicPr>
+          <p:nvPr/>
+        </p:nvPicPr>
+        <p:blipFill>
+          <a:blip r:embed="rId2" cstate="print">
+            <a:extLst>
+              <a:ext uri="{28A0092B-C50C-407E-A947-70E740481C1C}">
+                <a14:useLocalDpi xmlns:a14="http://schemas.microsoft.com/office/drawing/2010/main" val="0"/>
+              </a:ext>
+            </a:extLst>
+          </a:blip>
+          <a:stretch>
+            <a:fillRect/>
+          </a:stretch>
+        </p:blipFill>
+        <p:spPr>
+          <a:xfrm>
+            <a:off x="828674" y="2738525"/>
+            <a:ext cx="4981575" cy="3314482"/>
+          </a:xfrm>
+          <a:prstGeom prst="rect">
+            <a:avLst/>
+          </a:prstGeom>
+        </p:spPr>
+      </p:pic>
+      <p:pic>
+        <p:nvPicPr>
+          <p:cNvPr id="5" name="Picture 4" descr="Graphical user interface, text, application, email&#10;&#10;Description automatically generated">
+            <a:extLst>
+              <a:ext uri="{FF2B5EF4-FFF2-40B4-BE49-F238E27FC236}">
+                <a16:creationId xmlns:a16="http://schemas.microsoft.com/office/drawing/2014/main" id="{49928189-6389-B1F1-D95A-8F7761AA8EDE}"/>
+              </a:ext>
+            </a:extLst>
+          </p:cNvPr>
+          <p:cNvPicPr>
+            <a:picLocks noChangeAspect="1"/>
+          </p:cNvPicPr>
+          <p:nvPr/>
+        </p:nvPicPr>
+        <p:blipFill>
+          <a:blip r:embed="rId3" cstate="print">
+            <a:extLst>
+              <a:ext uri="{28A0092B-C50C-407E-A947-70E740481C1C}">
+                <a14:useLocalDpi xmlns:a14="http://schemas.microsoft.com/office/drawing/2010/main" val="0"/>
+              </a:ext>
+            </a:extLst>
+          </a:blip>
+          <a:stretch>
+            <a:fillRect/>
+          </a:stretch>
+        </p:blipFill>
+        <p:spPr>
+          <a:xfrm>
+            <a:off x="6296028" y="2738525"/>
+            <a:ext cx="4952088" cy="3314482"/>
+          </a:xfrm>
+          <a:prstGeom prst="rect">
+            <a:avLst/>
+          </a:prstGeom>
+        </p:spPr>
+      </p:pic>
+      <p:sp>
+        <p:nvSpPr>
+          <p:cNvPr id="6" name="TextBox 5">
+            <a:extLst>
+              <a:ext uri="{FF2B5EF4-FFF2-40B4-BE49-F238E27FC236}">
+                <a16:creationId xmlns:a16="http://schemas.microsoft.com/office/drawing/2014/main" id="{4C457C6E-D509-787D-866B-BF9DBAED4707}"/>
+              </a:ext>
+            </a:extLst>
+          </p:cNvPr>
+          <p:cNvSpPr txBox="1"/>
+          <p:nvPr/>
+        </p:nvSpPr>
+        <p:spPr>
+          <a:xfrm>
+            <a:off x="828674" y="2209800"/>
+            <a:ext cx="2019301" cy="369332"/>
+          </a:xfrm>
+          <a:prstGeom prst="rect">
+            <a:avLst/>
+          </a:prstGeom>
+          <a:noFill/>
+        </p:spPr>
+        <p:txBody>
+          <a:bodyPr wrap="square" rtlCol="0">
+            <a:spAutoFit/>
+          </a:bodyPr>
+          <a:lstStyle/>
+          <a:p>
+            <a:r>
+              <a:rPr lang="en-US" dirty="0"/>
+              <a:t>3)</a:t>
+            </a:r>
+            <a:endParaRPr lang="bg-BG" dirty="0"/>
+          </a:p>
+        </p:txBody>
+      </p:sp>
+      <p:sp>
+        <p:nvSpPr>
+          <p:cNvPr id="7" name="TextBox 6">
+            <a:extLst>
+              <a:ext uri="{FF2B5EF4-FFF2-40B4-BE49-F238E27FC236}">
+                <a16:creationId xmlns:a16="http://schemas.microsoft.com/office/drawing/2014/main" id="{5DA2C9C0-2EA5-08A1-FA4E-B2A40C12804F}"/>
+              </a:ext>
+            </a:extLst>
+          </p:cNvPr>
+          <p:cNvSpPr txBox="1"/>
+          <p:nvPr/>
+        </p:nvSpPr>
+        <p:spPr>
+          <a:xfrm>
+            <a:off x="6438900" y="2409825"/>
+            <a:ext cx="1581150" cy="369332"/>
+          </a:xfrm>
+          <a:prstGeom prst="rect">
+            <a:avLst/>
+          </a:prstGeom>
+          <a:noFill/>
+        </p:spPr>
+        <p:txBody>
+          <a:bodyPr wrap="square" rtlCol="0">
+            <a:spAutoFit/>
+          </a:bodyPr>
+          <a:lstStyle/>
+          <a:p>
+            <a:r>
+              <a:rPr lang="en-US" dirty="0"/>
+              <a:t>4)</a:t>
+            </a:r>
+            <a:endParaRPr lang="bg-BG" dirty="0"/>
+          </a:p>
+        </p:txBody>
+      </p:sp>
+    </p:spTree>
+    <p:extLst>
+      <p:ext uri="{BB962C8B-B14F-4D97-AF65-F5344CB8AC3E}">
+        <p14:creationId xmlns:p14="http://schemas.microsoft.com/office/powerpoint/2010/main" val="1457164801"/>
+      </p:ext>
+    </p:extLst>
+  </p:cSld>
+  <p:clrMapOvr>
+    <a:masterClrMapping/>
+  </p:clrMapOvr>
+</p:sld>
+</file>
+
+<file path=ppt/slides/slide18.xml><?xml version="1.0" encoding="utf-8"?>
+<p:sld xmlns:a="http://schemas.openxmlformats.org/drawingml/2006/main" xmlns:r="http://schemas.openxmlformats.org/officeDocument/2006/relationships" xmlns:p="http://schemas.openxmlformats.org/presentationml/2006/main">
+  <p:cSld>
+    <p:spTree>
+      <p:nvGrpSpPr>
+        <p:cNvPr id="1" name=""/>
+        <p:cNvGrpSpPr/>
+        <p:nvPr/>
+      </p:nvGrpSpPr>
+      <p:grpSpPr>
+        <a:xfrm>
+          <a:off x="0" y="0"/>
+          <a:ext cx="0" cy="0"/>
+          <a:chOff x="0" y="0"/>
+          <a:chExt cx="0" cy="0"/>
+        </a:xfrm>
+      </p:grpSpPr>
+      <p:sp>
+        <p:nvSpPr>
+          <p:cNvPr id="32" name="Title 1">
+            <a:extLst>
+              <a:ext uri="{FF2B5EF4-FFF2-40B4-BE49-F238E27FC236}">
+                <a16:creationId xmlns:a16="http://schemas.microsoft.com/office/drawing/2014/main" id="{F7B5A884-14FE-DD0C-9641-9F6B0E1A2583}"/>
+              </a:ext>
+            </a:extLst>
+          </p:cNvPr>
+          <p:cNvSpPr>
+            <a:spLocks noGrp="1"/>
+          </p:cNvSpPr>
+          <p:nvPr>
+            <p:ph type="title"/>
+          </p:nvPr>
+        </p:nvSpPr>
+        <p:spPr>
+          <a:xfrm>
+            <a:off x="1154954" y="973668"/>
+            <a:ext cx="8761413" cy="706964"/>
+          </a:xfrm>
+        </p:spPr>
+        <p:txBody>
+          <a:bodyPr/>
+          <a:lstStyle/>
+          <a:p>
+            <a:pPr algn="ctr"/>
+            <a:r>
+              <a:rPr lang="bg-BG" dirty="0">
+                <a:solidFill>
+                  <a:schemeClr val="bg1"/>
+                </a:solidFill>
+                <a:latin typeface="Arial" panose="020B0604020202020204" pitchFamily="34" charset="0"/>
+                <a:cs typeface="Arial" panose="020B0604020202020204" pitchFamily="34" charset="0"/>
+              </a:rPr>
+              <a:t>Изглед от проекта</a:t>
+            </a:r>
+            <a:endParaRPr lang="en-US" dirty="0">
+              <a:solidFill>
+                <a:schemeClr val="bg1"/>
+              </a:solidFill>
+              <a:latin typeface="Arial" panose="020B0604020202020204" pitchFamily="34" charset="0"/>
+              <a:cs typeface="Arial" panose="020B0604020202020204" pitchFamily="34" charset="0"/>
+            </a:endParaRPr>
+          </a:p>
+        </p:txBody>
+      </p:sp>
+      <p:pic>
+        <p:nvPicPr>
+          <p:cNvPr id="4" name="Picture 3" descr="Graphical user interface, application, Word&#10;&#10;Description automatically generated">
+            <a:extLst>
+              <a:ext uri="{FF2B5EF4-FFF2-40B4-BE49-F238E27FC236}">
+                <a16:creationId xmlns:a16="http://schemas.microsoft.com/office/drawing/2014/main" id="{6F04B78D-7116-F593-2B55-0451537C72FE}"/>
+              </a:ext>
+            </a:extLst>
+          </p:cNvPr>
+          <p:cNvPicPr>
+            <a:picLocks noChangeAspect="1"/>
+          </p:cNvPicPr>
+          <p:nvPr/>
+        </p:nvPicPr>
+        <p:blipFill>
+          <a:blip r:embed="rId2" cstate="print">
+            <a:extLst>
+              <a:ext uri="{28A0092B-C50C-407E-A947-70E740481C1C}">
+                <a14:useLocalDpi xmlns:a14="http://schemas.microsoft.com/office/drawing/2010/main" val="0"/>
+              </a:ext>
+            </a:extLst>
+          </a:blip>
+          <a:stretch>
+            <a:fillRect/>
+          </a:stretch>
+        </p:blipFill>
+        <p:spPr>
+          <a:xfrm>
+            <a:off x="2026715" y="2466975"/>
+            <a:ext cx="7151792" cy="4120669"/>
+          </a:xfrm>
+          <a:prstGeom prst="rect">
+            <a:avLst/>
+          </a:prstGeom>
+        </p:spPr>
+      </p:pic>
+    </p:spTree>
+    <p:extLst>
+      <p:ext uri="{BB962C8B-B14F-4D97-AF65-F5344CB8AC3E}">
+        <p14:creationId xmlns:p14="http://schemas.microsoft.com/office/powerpoint/2010/main" val="390819686"/>
+      </p:ext>
+    </p:extLst>
+  </p:cSld>
+  <p:clrMapOvr>
+    <a:masterClrMapping/>
+  </p:clrMapOvr>
+</p:sld>
+</file>
+
+<file path=ppt/slides/slide19.xml><?xml version="1.0" encoding="utf-8"?>
+<p:sld xmlns:a="http://schemas.openxmlformats.org/drawingml/2006/main" xmlns:r="http://schemas.openxmlformats.org/officeDocument/2006/relationships" xmlns:p="http://schemas.openxmlformats.org/presentationml/2006/main">
+  <p:cSld>
+    <p:spTree>
+      <p:nvGrpSpPr>
+        <p:cNvPr id="1" name=""/>
+        <p:cNvGrpSpPr/>
+        <p:nvPr/>
+      </p:nvGrpSpPr>
+      <p:grpSpPr>
+        <a:xfrm>
+          <a:off x="0" y="0"/>
+          <a:ext cx="0" cy="0"/>
+          <a:chOff x="0" y="0"/>
+          <a:chExt cx="0" cy="0"/>
+        </a:xfrm>
+      </p:grpSpPr>
+      <p:sp>
+        <p:nvSpPr>
+          <p:cNvPr id="2" name="TextBox 1">
+            <a:extLst>
+              <a:ext uri="{FF2B5EF4-FFF2-40B4-BE49-F238E27FC236}">
+                <a16:creationId xmlns:a16="http://schemas.microsoft.com/office/drawing/2014/main" id="{A3E0AE81-D042-3D82-A73F-2395EE3AF4A0}"/>
+              </a:ext>
+            </a:extLst>
+          </p:cNvPr>
+          <p:cNvSpPr txBox="1"/>
+          <p:nvPr/>
+        </p:nvSpPr>
+        <p:spPr>
+          <a:xfrm>
+            <a:off x="940279" y="2907101"/>
+            <a:ext cx="10765766" cy="3416320"/>
+          </a:xfrm>
+          <a:prstGeom prst="rect">
+            <a:avLst/>
+          </a:prstGeom>
+          <a:noFill/>
+        </p:spPr>
+        <p:txBody>
+          <a:bodyPr wrap="square" rtlCol="0">
+            <a:spAutoFit/>
+          </a:bodyPr>
+          <a:lstStyle/>
+          <a:p>
+            <a:r>
+              <a:rPr lang="en-US" sz="1800" dirty="0">
+                <a:solidFill>
+                  <a:srgbClr val="0000FF"/>
+                </a:solidFill>
+                <a:latin typeface="Cascadia Mono" panose="020B0609020000020004" pitchFamily="49" charset="0"/>
+              </a:rPr>
+              <a:t>using</a:t>
+            </a:r>
+            <a:r>
+              <a:rPr lang="en-US" sz="1800" dirty="0">
+                <a:solidFill>
+                  <a:srgbClr val="000000"/>
+                </a:solidFill>
+                <a:latin typeface="Cascadia Mono" panose="020B0609020000020004" pitchFamily="49" charset="0"/>
+              </a:rPr>
+              <a:t> System;</a:t>
+            </a:r>
+          </a:p>
+          <a:p>
+            <a:endParaRPr lang="bg-BG" sz="1800" dirty="0">
+              <a:solidFill>
+                <a:srgbClr val="000000"/>
+              </a:solidFill>
+              <a:latin typeface="Cascadia Mono" panose="020B0609020000020004" pitchFamily="49" charset="0"/>
+            </a:endParaRPr>
+          </a:p>
+          <a:p>
+            <a:r>
+              <a:rPr lang="en-US" sz="1800" dirty="0">
+                <a:solidFill>
+                  <a:srgbClr val="0000FF"/>
+                </a:solidFill>
+                <a:latin typeface="Cascadia Mono" panose="020B0609020000020004" pitchFamily="49" charset="0"/>
+              </a:rPr>
+              <a:t>namespace</a:t>
+            </a:r>
+            <a:r>
+              <a:rPr lang="en-US" sz="1800" dirty="0">
+                <a:solidFill>
+                  <a:srgbClr val="000000"/>
+                </a:solidFill>
+                <a:latin typeface="Cascadia Mono" panose="020B0609020000020004" pitchFamily="49" charset="0"/>
+              </a:rPr>
+              <a:t> </a:t>
+            </a:r>
+            <a:r>
+              <a:rPr lang="en-US" dirty="0" err="1">
+                <a:solidFill>
+                  <a:srgbClr val="000000"/>
+                </a:solidFill>
+                <a:latin typeface="Cascadia Mono" panose="020B0609020000020004" pitchFamily="49" charset="0"/>
+              </a:rPr>
+              <a:t>MyApplication</a:t>
+            </a:r>
+            <a:endParaRPr lang="en-US" sz="1800" dirty="0">
+              <a:solidFill>
+                <a:srgbClr val="000000"/>
+              </a:solidFill>
+              <a:latin typeface="Cascadia Mono" panose="020B0609020000020004" pitchFamily="49" charset="0"/>
+            </a:endParaRPr>
+          </a:p>
+          <a:p>
+            <a:r>
+              <a:rPr lang="bg-BG" sz="1800" dirty="0">
+                <a:solidFill>
+                  <a:srgbClr val="000000"/>
+                </a:solidFill>
+                <a:latin typeface="Cascadia Mono" panose="020B0609020000020004" pitchFamily="49" charset="0"/>
+              </a:rPr>
+              <a:t>{</a:t>
+            </a:r>
+          </a:p>
+          <a:p>
+            <a:r>
+              <a:rPr lang="en-US" sz="1800" dirty="0">
+                <a:solidFill>
+                  <a:srgbClr val="000000"/>
+                </a:solidFill>
+                <a:latin typeface="Cascadia Mono" panose="020B0609020000020004" pitchFamily="49" charset="0"/>
+              </a:rPr>
+              <a:t>    </a:t>
+            </a:r>
+            <a:r>
+              <a:rPr lang="en-US" sz="1800" dirty="0">
+                <a:solidFill>
+                  <a:srgbClr val="0000FF"/>
+                </a:solidFill>
+                <a:latin typeface="Cascadia Mono" panose="020B0609020000020004" pitchFamily="49" charset="0"/>
+              </a:rPr>
+              <a:t>class</a:t>
+            </a:r>
+            <a:r>
+              <a:rPr lang="en-US" sz="1800" dirty="0">
+                <a:solidFill>
+                  <a:srgbClr val="000000"/>
+                </a:solidFill>
+                <a:latin typeface="Cascadia Mono" panose="020B0609020000020004" pitchFamily="49" charset="0"/>
+              </a:rPr>
+              <a:t> </a:t>
+            </a:r>
+            <a:r>
+              <a:rPr lang="en-US" sz="1800" dirty="0">
+                <a:solidFill>
+                  <a:srgbClr val="2B91AF"/>
+                </a:solidFill>
+                <a:latin typeface="Cascadia Mono" panose="020B0609020000020004" pitchFamily="49" charset="0"/>
+              </a:rPr>
+              <a:t>Program</a:t>
+            </a:r>
+            <a:endParaRPr lang="en-US" sz="1800" dirty="0">
+              <a:solidFill>
+                <a:srgbClr val="000000"/>
+              </a:solidFill>
+              <a:latin typeface="Cascadia Mono" panose="020B0609020000020004" pitchFamily="49" charset="0"/>
+            </a:endParaRPr>
+          </a:p>
+          <a:p>
+            <a:r>
+              <a:rPr lang="bg-BG" sz="1800" dirty="0">
+                <a:solidFill>
+                  <a:srgbClr val="000000"/>
+                </a:solidFill>
+                <a:latin typeface="Cascadia Mono" panose="020B0609020000020004" pitchFamily="49" charset="0"/>
+              </a:rPr>
+              <a:t>    {</a:t>
+            </a:r>
+          </a:p>
+          <a:p>
+            <a:r>
+              <a:rPr lang="en-US" sz="1800" dirty="0">
+                <a:solidFill>
+                  <a:srgbClr val="000000"/>
+                </a:solidFill>
+                <a:latin typeface="Cascadia Mono" panose="020B0609020000020004" pitchFamily="49" charset="0"/>
+              </a:rPr>
+              <a:t>        </a:t>
+            </a:r>
+            <a:r>
+              <a:rPr lang="en-US" sz="1800" dirty="0">
+                <a:solidFill>
+                  <a:srgbClr val="0000FF"/>
+                </a:solidFill>
+                <a:latin typeface="Cascadia Mono" panose="020B0609020000020004" pitchFamily="49" charset="0"/>
+              </a:rPr>
+              <a:t>static</a:t>
+            </a:r>
+            <a:r>
+              <a:rPr lang="en-US" sz="1800" dirty="0">
+                <a:solidFill>
+                  <a:srgbClr val="000000"/>
+                </a:solidFill>
+                <a:latin typeface="Cascadia Mono" panose="020B0609020000020004" pitchFamily="49" charset="0"/>
+              </a:rPr>
+              <a:t> </a:t>
+            </a:r>
+            <a:r>
+              <a:rPr lang="en-US" sz="1800" dirty="0">
+                <a:solidFill>
+                  <a:srgbClr val="0000FF"/>
+                </a:solidFill>
+                <a:latin typeface="Cascadia Mono" panose="020B0609020000020004" pitchFamily="49" charset="0"/>
+              </a:rPr>
+              <a:t>void</a:t>
+            </a:r>
+            <a:r>
+              <a:rPr lang="en-US" sz="1800" dirty="0">
+                <a:solidFill>
+                  <a:srgbClr val="000000"/>
+                </a:solidFill>
+                <a:latin typeface="Cascadia Mono" panose="020B0609020000020004" pitchFamily="49" charset="0"/>
+              </a:rPr>
+              <a:t> Main(</a:t>
+            </a:r>
+            <a:r>
+              <a:rPr lang="en-US" sz="1800" dirty="0">
+                <a:solidFill>
+                  <a:srgbClr val="0000FF"/>
+                </a:solidFill>
+                <a:latin typeface="Cascadia Mono" panose="020B0609020000020004" pitchFamily="49" charset="0"/>
+              </a:rPr>
+              <a:t>string</a:t>
+            </a:r>
+            <a:r>
+              <a:rPr lang="en-US" sz="1800" dirty="0">
+                <a:solidFill>
+                  <a:srgbClr val="000000"/>
+                </a:solidFill>
+                <a:latin typeface="Cascadia Mono" panose="020B0609020000020004" pitchFamily="49" charset="0"/>
+              </a:rPr>
+              <a:t>[] </a:t>
+            </a:r>
+            <a:r>
+              <a:rPr lang="en-US" sz="1800" dirty="0" err="1">
+                <a:solidFill>
+                  <a:srgbClr val="000000"/>
+                </a:solidFill>
+                <a:latin typeface="Cascadia Mono" panose="020B0609020000020004" pitchFamily="49" charset="0"/>
+              </a:rPr>
+              <a:t>args</a:t>
+            </a:r>
+            <a:r>
+              <a:rPr lang="en-US" sz="1800" dirty="0">
+                <a:solidFill>
+                  <a:srgbClr val="000000"/>
+                </a:solidFill>
+                <a:latin typeface="Cascadia Mono" panose="020B0609020000020004" pitchFamily="49" charset="0"/>
+              </a:rPr>
+              <a:t>)</a:t>
+            </a:r>
+          </a:p>
+          <a:p>
+            <a:r>
+              <a:rPr lang="bg-BG" sz="1800" dirty="0">
+                <a:solidFill>
+                  <a:srgbClr val="000000"/>
+                </a:solidFill>
+                <a:latin typeface="Cascadia Mono" panose="020B0609020000020004" pitchFamily="49" charset="0"/>
+              </a:rPr>
+              <a:t>        {</a:t>
+            </a:r>
+          </a:p>
+          <a:p>
+            <a:r>
+              <a:rPr lang="en-US" sz="1800" dirty="0">
+                <a:solidFill>
+                  <a:srgbClr val="000000"/>
+                </a:solidFill>
+                <a:latin typeface="Cascadia Mono" panose="020B0609020000020004" pitchFamily="49" charset="0"/>
+              </a:rPr>
+              <a:t>            </a:t>
+            </a:r>
+            <a:r>
+              <a:rPr lang="en-US" sz="1800" dirty="0" err="1">
+                <a:solidFill>
+                  <a:srgbClr val="000000"/>
+                </a:solidFill>
+                <a:latin typeface="Cascadia Mono" panose="020B0609020000020004" pitchFamily="49" charset="0"/>
+              </a:rPr>
+              <a:t>Console.WriteLine</a:t>
+            </a:r>
+            <a:r>
+              <a:rPr lang="en-US" sz="1800" dirty="0">
+                <a:solidFill>
+                  <a:srgbClr val="000000"/>
+                </a:solidFill>
+                <a:latin typeface="Cascadia Mono" panose="020B0609020000020004" pitchFamily="49" charset="0"/>
+              </a:rPr>
+              <a:t>(</a:t>
+            </a:r>
+            <a:r>
+              <a:rPr lang="en-US" sz="1800" dirty="0">
+                <a:solidFill>
+                  <a:srgbClr val="A31515"/>
+                </a:solidFill>
+                <a:latin typeface="Cascadia Mono" panose="020B0609020000020004" pitchFamily="49" charset="0"/>
+              </a:rPr>
+              <a:t>"Hello World!"</a:t>
+            </a:r>
+            <a:r>
+              <a:rPr lang="en-US" sz="1800" dirty="0">
+                <a:solidFill>
+                  <a:srgbClr val="000000"/>
+                </a:solidFill>
+                <a:latin typeface="Cascadia Mono" panose="020B0609020000020004" pitchFamily="49" charset="0"/>
+              </a:rPr>
+              <a:t>);</a:t>
+            </a:r>
+          </a:p>
+          <a:p>
+            <a:r>
+              <a:rPr lang="bg-BG" sz="1800" dirty="0">
+                <a:solidFill>
+                  <a:srgbClr val="000000"/>
+                </a:solidFill>
+                <a:latin typeface="Cascadia Mono" panose="020B0609020000020004" pitchFamily="49" charset="0"/>
+              </a:rPr>
+              <a:t>        }</a:t>
+            </a:r>
+          </a:p>
+          <a:p>
+            <a:r>
+              <a:rPr lang="bg-BG" sz="1800" dirty="0">
+                <a:solidFill>
+                  <a:srgbClr val="000000"/>
+                </a:solidFill>
+                <a:latin typeface="Cascadia Mono" panose="020B0609020000020004" pitchFamily="49" charset="0"/>
+              </a:rPr>
+              <a:t>    }</a:t>
+            </a:r>
+          </a:p>
+          <a:p>
+            <a:r>
+              <a:rPr lang="bg-BG" sz="1800" dirty="0">
+                <a:solidFill>
+                  <a:srgbClr val="000000"/>
+                </a:solidFill>
+                <a:latin typeface="Cascadia Mono" panose="020B0609020000020004" pitchFamily="49" charset="0"/>
+              </a:rPr>
+              <a:t>}</a:t>
+            </a:r>
+            <a:endParaRPr lang="bg-BG" dirty="0"/>
+          </a:p>
+        </p:txBody>
+      </p:sp>
+      <p:sp>
+        <p:nvSpPr>
+          <p:cNvPr id="3" name="TextBox 2">
+            <a:extLst>
+              <a:ext uri="{FF2B5EF4-FFF2-40B4-BE49-F238E27FC236}">
+                <a16:creationId xmlns:a16="http://schemas.microsoft.com/office/drawing/2014/main" id="{AFCE8E27-7F27-79B3-682F-B762E831844F}"/>
+              </a:ext>
+            </a:extLst>
+          </p:cNvPr>
+          <p:cNvSpPr txBox="1"/>
+          <p:nvPr/>
+        </p:nvSpPr>
+        <p:spPr>
+          <a:xfrm>
+            <a:off x="940279" y="655608"/>
+            <a:ext cx="8635041" cy="1569660"/>
+          </a:xfrm>
+          <a:prstGeom prst="rect">
+            <a:avLst/>
+          </a:prstGeom>
+          <a:noFill/>
+        </p:spPr>
+        <p:txBody>
+          <a:bodyPr wrap="square" rtlCol="0">
+            <a:spAutoFit/>
+          </a:bodyPr>
+          <a:lstStyle/>
+          <a:p>
+            <a:r>
+              <a:rPr lang="bg-BG" sz="3200" b="1" i="1" dirty="0">
+                <a:latin typeface="Arial" panose="020B0604020202020204" pitchFamily="34" charset="0"/>
+                <a:cs typeface="Arial" panose="020B0604020202020204" pitchFamily="34" charset="0"/>
+              </a:rPr>
+              <a:t>Бележка: </a:t>
+            </a:r>
+            <a:r>
+              <a:rPr lang="bg-BG" sz="3200" dirty="0">
+                <a:latin typeface="Arial" panose="020B0604020202020204" pitchFamily="34" charset="0"/>
+                <a:cs typeface="Arial" panose="020B0604020202020204" pitchFamily="34" charset="0"/>
+              </a:rPr>
+              <a:t>Изтрийте кодът в голямото бяло поле на вашият проект от предния слайд и поставете следния код в същото поле.</a:t>
+            </a:r>
+          </a:p>
+        </p:txBody>
+      </p:sp>
+    </p:spTree>
+    <p:extLst>
+      <p:ext uri="{BB962C8B-B14F-4D97-AF65-F5344CB8AC3E}">
+        <p14:creationId xmlns:p14="http://schemas.microsoft.com/office/powerpoint/2010/main" val="1791789952"/>
+      </p:ext>
+    </p:extLst>
+  </p:cSld>
+  <p:clrMapOvr>
+    <a:masterClrMapping/>
+  </p:clrMapOvr>
+</p:sld>
+</file>
+
+<file path=ppt/slides/slide2.xml><?xml version="1.0" encoding="utf-8"?>
+<p:sld xmlns:a="http://schemas.openxmlformats.org/drawingml/2006/main" xmlns:r="http://schemas.openxmlformats.org/officeDocument/2006/relationships" xmlns:p="http://schemas.openxmlformats.org/presentationml/2006/main">
+  <p:cSld>
+    <p:bg>
+      <p:bgPr>
+        <a:solidFill>
+          <a:schemeClr val="bg2"/>
+        </a:solidFill>
+        <a:effectLst/>
+      </p:bgPr>
+    </p:bg>
+    <p:spTree>
+      <p:nvGrpSpPr>
+        <p:cNvPr id="1" name=""/>
+        <p:cNvGrpSpPr/>
+        <p:nvPr/>
+      </p:nvGrpSpPr>
+      <p:grpSpPr>
+        <a:xfrm>
+          <a:off x="0" y="0"/>
+          <a:ext cx="0" cy="0"/>
+          <a:chOff x="0" y="0"/>
+          <a:chExt cx="0" cy="0"/>
+        </a:xfrm>
+      </p:grpSpPr>
+      <p:sp>
+        <p:nvSpPr>
+          <p:cNvPr id="27" name="Rectangle 26">
+            <a:extLst>
+              <a:ext uri="{FF2B5EF4-FFF2-40B4-BE49-F238E27FC236}">
+                <a16:creationId xmlns:a16="http://schemas.microsoft.com/office/drawing/2014/main" id="{89EA2611-DCBA-4E97-A2B2-9A466E76BDA4}"/>
+              </a:ext>
+              <a:ext uri="{C183D7F6-B498-43B3-948B-1728B52AA6E4}">
+                <adec:decorative xmlns:adec="http://schemas.microsoft.com/office/drawing/2017/decorative" val="1"/>
+              </a:ext>
+            </a:extLst>
+          </p:cNvPr>
+          <p:cNvSpPr>
+            <a:spLocks noGrp="1" noRot="1" noChangeAspect="1" noMove="1" noResize="1" noEditPoints="1" noAdjustHandles="1" noChangeArrowheads="1" noChangeShapeType="1" noTextEdit="1"/>
+          </p:cNvSpPr>
+          <p:nvPr>
+            <p:extLst>
+              <p:ext uri="{386F3935-93C4-4BCD-93E2-E3B085C9AB24}">
+                <p16:designElem xmlns:p16="http://schemas.microsoft.com/office/powerpoint/2015/main" val="1"/>
+              </p:ext>
+            </p:extLst>
+          </p:nvPr>
+        </p:nvSpPr>
+        <p:spPr>
+          <a:xfrm>
+            <a:off x="0" y="0"/>
+            <a:ext cx="12192000" cy="6858000"/>
+          </a:xfrm>
+          <a:prstGeom prst="rect">
+            <a:avLst/>
+          </a:prstGeom>
+          <a:ln>
+            <a:noFill/>
+          </a:ln>
+        </p:spPr>
+        <p:style>
+          <a:lnRef idx="2">
+            <a:schemeClr val="accent1">
+              <a:shade val="50000"/>
+            </a:schemeClr>
+          </a:lnRef>
+          <a:fillRef idx="1001">
+            <a:schemeClr val="dk2"/>
+          </a:fillRef>
+          <a:effectRef idx="0">
+            <a:schemeClr val="accent1"/>
+          </a:effectRef>
+          <a:fontRef idx="minor">
+            <a:schemeClr val="lt1"/>
+          </a:fontRef>
+        </p:style>
+      </p:sp>
+      <p:sp>
+        <p:nvSpPr>
+          <p:cNvPr id="29" name="Freeform 5">
+            <a:extLst>
+              <a:ext uri="{FF2B5EF4-FFF2-40B4-BE49-F238E27FC236}">
+                <a16:creationId xmlns:a16="http://schemas.microsoft.com/office/drawing/2014/main" id="{BBC615D1-6E12-40EF-915B-316CFDB550D5}"/>
+              </a:ext>
+              <a:ext uri="{C183D7F6-B498-43B3-948B-1728B52AA6E4}">
+                <adec:decorative xmlns:adec="http://schemas.microsoft.com/office/drawing/2017/decorative" val="1"/>
+              </a:ext>
+            </a:extLst>
+          </p:cNvPr>
+          <p:cNvSpPr>
+            <a:spLocks noGrp="1" noRot="1" noChangeAspect="1" noMove="1" noResize="1" noEditPoints="1" noAdjustHandles="1" noChangeArrowheads="1" noChangeShapeType="1" noTextEdit="1"/>
+          </p:cNvSpPr>
+          <p:nvPr>
+            <p:extLst>
+              <p:ext uri="{386F3935-93C4-4BCD-93E2-E3B085C9AB24}">
+                <p16:designElem xmlns:p16="http://schemas.microsoft.com/office/powerpoint/2015/main" val="1"/>
+              </p:ext>
+            </p:extLst>
+          </p:nvPr>
+        </p:nvSpPr>
+        <p:spPr bwMode="gray">
+          <a:xfrm>
+            <a:off x="0" y="794"/>
+            <a:ext cx="12192000" cy="6856413"/>
+          </a:xfrm>
+          <a:custGeom>
+            <a:avLst/>
+            <a:gdLst/>
+            <a:ahLst/>
+            <a:cxnLst/>
+            <a:rect l="0" t="0" r="r" b="b"/>
+            <a:pathLst>
+              <a:path w="15356" h="8638">
+                <a:moveTo>
+                  <a:pt x="0" y="0"/>
+                </a:moveTo>
+                <a:lnTo>
+                  <a:pt x="0" y="8638"/>
+                </a:lnTo>
+                <a:lnTo>
+                  <a:pt x="15356" y="8638"/>
+                </a:lnTo>
+                <a:lnTo>
+                  <a:pt x="15356" y="0"/>
+                </a:lnTo>
+                <a:lnTo>
+                  <a:pt x="0" y="0"/>
+                </a:lnTo>
+                <a:close/>
+                <a:moveTo>
+                  <a:pt x="14748" y="8038"/>
+                </a:moveTo>
+                <a:lnTo>
+                  <a:pt x="600" y="8038"/>
+                </a:lnTo>
+                <a:lnTo>
+                  <a:pt x="600" y="592"/>
+                </a:lnTo>
+                <a:lnTo>
+                  <a:pt x="14748" y="592"/>
+                </a:lnTo>
+                <a:lnTo>
+                  <a:pt x="14748" y="8038"/>
+                </a:lnTo>
+                <a:close/>
+              </a:path>
+            </a:pathLst>
+          </a:custGeom>
+          <a:solidFill>
+            <a:schemeClr val="tx1"/>
+          </a:solidFill>
+          <a:ln>
+            <a:noFill/>
+          </a:ln>
+        </p:spPr>
+      </p:sp>
+      <p:sp>
+        <p:nvSpPr>
+          <p:cNvPr id="31" name="Freeform 5">
+            <a:extLst>
+              <a:ext uri="{FF2B5EF4-FFF2-40B4-BE49-F238E27FC236}">
+                <a16:creationId xmlns:a16="http://schemas.microsoft.com/office/drawing/2014/main" id="{B9797D36-DE1E-47CD-881A-6C1F5828261B}"/>
+              </a:ext>
+              <a:ext uri="{C183D7F6-B498-43B3-948B-1728B52AA6E4}">
+                <adec:decorative xmlns:adec="http://schemas.microsoft.com/office/drawing/2017/decorative" val="1"/>
+              </a:ext>
+            </a:extLst>
+          </p:cNvPr>
+          <p:cNvSpPr>
+            <a:spLocks noGrp="1" noRot="1" noChangeAspect="1" noMove="1" noResize="1" noEditPoints="1" noAdjustHandles="1" noChangeArrowheads="1" noChangeShapeType="1" noTextEdit="1"/>
+          </p:cNvSpPr>
+          <p:nvPr>
+            <p:extLst>
+              <p:ext uri="{386F3935-93C4-4BCD-93E2-E3B085C9AB24}">
+                <p16:designElem xmlns:p16="http://schemas.microsoft.com/office/powerpoint/2015/main" val="1"/>
+              </p:ext>
+            </p:extLst>
+          </p:nvPr>
+        </p:nvSpPr>
+        <p:spPr bwMode="gray">
+          <a:xfrm rot="15922489">
+            <a:off x="5376762" y="1826078"/>
+            <a:ext cx="3299407" cy="440924"/>
+          </a:xfrm>
+          <a:custGeom>
+            <a:avLst/>
+            <a:gdLst/>
+            <a:ahLst/>
+            <a:cxnLst/>
+            <a:rect l="l" t="t" r="r" b="b"/>
+            <a:pathLst>
+              <a:path w="10000" h="5291">
+                <a:moveTo>
+                  <a:pt x="85" y="2532"/>
+                </a:moveTo>
+                <a:cubicBezTo>
+                  <a:pt x="1736" y="3911"/>
+                  <a:pt x="7524" y="5298"/>
+                  <a:pt x="9958" y="5291"/>
+                </a:cubicBezTo>
+                <a:cubicBezTo>
+                  <a:pt x="9989" y="1958"/>
+                  <a:pt x="9969" y="3333"/>
+                  <a:pt x="10000" y="0"/>
+                </a:cubicBezTo>
+                <a:lnTo>
+                  <a:pt x="10000" y="0"/>
+                </a:lnTo>
+                <a:lnTo>
+                  <a:pt x="9667" y="204"/>
+                </a:lnTo>
+                <a:lnTo>
+                  <a:pt x="9334" y="400"/>
+                </a:lnTo>
+                <a:lnTo>
+                  <a:pt x="9001" y="590"/>
+                </a:lnTo>
+                <a:lnTo>
+                  <a:pt x="8667" y="753"/>
+                </a:lnTo>
+                <a:lnTo>
+                  <a:pt x="8333" y="917"/>
+                </a:lnTo>
+                <a:lnTo>
+                  <a:pt x="7999" y="1071"/>
+                </a:lnTo>
+                <a:lnTo>
+                  <a:pt x="7669" y="1202"/>
+                </a:lnTo>
+                <a:lnTo>
+                  <a:pt x="7333" y="1325"/>
+                </a:lnTo>
+                <a:lnTo>
+                  <a:pt x="7000" y="1440"/>
+                </a:lnTo>
+                <a:lnTo>
+                  <a:pt x="6673" y="1538"/>
+                </a:lnTo>
+                <a:lnTo>
+                  <a:pt x="6340" y="1636"/>
+                </a:lnTo>
+                <a:lnTo>
+                  <a:pt x="6013" y="1719"/>
+                </a:lnTo>
+                <a:lnTo>
+                  <a:pt x="5686" y="1784"/>
+                </a:lnTo>
+                <a:lnTo>
+                  <a:pt x="5359" y="1850"/>
+                </a:lnTo>
+                <a:lnTo>
+                  <a:pt x="5036" y="1906"/>
+                </a:lnTo>
+                <a:lnTo>
+                  <a:pt x="4717" y="1948"/>
+                </a:lnTo>
+                <a:lnTo>
+                  <a:pt x="4396" y="1980"/>
+                </a:lnTo>
+                <a:lnTo>
+                  <a:pt x="4079" y="2013"/>
+                </a:lnTo>
+                <a:lnTo>
+                  <a:pt x="3766" y="2029"/>
+                </a:lnTo>
+                <a:lnTo>
+                  <a:pt x="3454" y="2046"/>
+                </a:lnTo>
+                <a:lnTo>
+                  <a:pt x="3145" y="2053"/>
+                </a:lnTo>
+                <a:lnTo>
+                  <a:pt x="2839" y="2046"/>
+                </a:lnTo>
+                <a:lnTo>
+                  <a:pt x="2537" y="2046"/>
+                </a:lnTo>
+                <a:lnTo>
+                  <a:pt x="2238" y="2029"/>
+                </a:lnTo>
+                <a:lnTo>
+                  <a:pt x="1943" y="2004"/>
+                </a:lnTo>
+                <a:lnTo>
+                  <a:pt x="1653" y="1980"/>
+                </a:lnTo>
+                <a:lnTo>
+                  <a:pt x="1368" y="1955"/>
+                </a:lnTo>
+                <a:lnTo>
+                  <a:pt x="1085" y="1915"/>
+                </a:lnTo>
+                <a:lnTo>
+                  <a:pt x="806" y="1873"/>
+                </a:lnTo>
+                <a:lnTo>
+                  <a:pt x="533" y="1833"/>
+                </a:lnTo>
+                <a:lnTo>
+                  <a:pt x="0" y="1726"/>
+                </a:lnTo>
+                <a:cubicBezTo>
+                  <a:pt x="28" y="1995"/>
+                  <a:pt x="57" y="2263"/>
+                  <a:pt x="85" y="2532"/>
+                </a:cubicBezTo>
+                <a:close/>
+              </a:path>
+            </a:pathLst>
+          </a:custGeom>
+          <a:solidFill>
+            <a:schemeClr val="tx1">
+              <a:alpha val="20000"/>
+            </a:schemeClr>
+          </a:solidFill>
+          <a:ln>
+            <a:noFill/>
+          </a:ln>
+        </p:spPr>
+      </p:sp>
+      <p:sp>
+        <p:nvSpPr>
+          <p:cNvPr id="2" name="Title 1"/>
+          <p:cNvSpPr>
+            <a:spLocks noGrp="1"/>
+          </p:cNvSpPr>
+          <p:nvPr>
+            <p:ph type="title"/>
+          </p:nvPr>
+        </p:nvSpPr>
+        <p:spPr>
+          <a:xfrm>
+            <a:off x="639098" y="629265"/>
+            <a:ext cx="6072776" cy="1622322"/>
+          </a:xfrm>
+        </p:spPr>
+        <p:txBody>
+          <a:bodyPr>
+            <a:normAutofit/>
+          </a:bodyPr>
+          <a:lstStyle/>
+          <a:p>
+            <a:r>
+              <a:rPr lang="bg-BG" dirty="0">
+                <a:solidFill>
+                  <a:srgbClr val="FFFFFF"/>
+                </a:solidFill>
+                <a:latin typeface="Arial" panose="020B0604020202020204" pitchFamily="34" charset="0"/>
+                <a:cs typeface="Arial" panose="020B0604020202020204" pitchFamily="34" charset="0"/>
+              </a:rPr>
+              <a:t>Какво означава </a:t>
+            </a:r>
+            <a:r>
+              <a:rPr lang="en-US" dirty="0">
+                <a:solidFill>
+                  <a:srgbClr val="FFFFFF"/>
+                </a:solidFill>
+                <a:latin typeface="Arial" panose="020B0604020202020204" pitchFamily="34" charset="0"/>
+                <a:cs typeface="Arial" panose="020B0604020202020204" pitchFamily="34" charset="0"/>
+              </a:rPr>
+              <a:t>“</a:t>
+            </a:r>
+            <a:r>
+              <a:rPr lang="bg-BG" dirty="0">
+                <a:solidFill>
+                  <a:srgbClr val="FFFFFF"/>
+                </a:solidFill>
+                <a:latin typeface="Arial" panose="020B0604020202020204" pitchFamily="34" charset="0"/>
+                <a:cs typeface="Arial" panose="020B0604020202020204" pitchFamily="34" charset="0"/>
+              </a:rPr>
+              <a:t>да програмираме</a:t>
+            </a:r>
+            <a:r>
+              <a:rPr lang="en-US" dirty="0">
+                <a:solidFill>
+                  <a:srgbClr val="FFFFFF"/>
+                </a:solidFill>
+                <a:latin typeface="Arial" panose="020B0604020202020204" pitchFamily="34" charset="0"/>
+                <a:cs typeface="Arial" panose="020B0604020202020204" pitchFamily="34" charset="0"/>
+              </a:rPr>
+              <a:t>”</a:t>
+            </a:r>
+            <a:r>
+              <a:rPr lang="bg-BG" dirty="0">
+                <a:solidFill>
+                  <a:srgbClr val="FFFFFF"/>
+                </a:solidFill>
+                <a:latin typeface="Arial" panose="020B0604020202020204" pitchFamily="34" charset="0"/>
+                <a:cs typeface="Arial" panose="020B0604020202020204" pitchFamily="34" charset="0"/>
+              </a:rPr>
+              <a:t>?</a:t>
+            </a:r>
+            <a:endParaRPr lang="en-US" dirty="0">
+              <a:solidFill>
+                <a:srgbClr val="FFFFFF"/>
+              </a:solidFill>
+              <a:latin typeface="Arial" panose="020B0604020202020204" pitchFamily="34" charset="0"/>
+              <a:cs typeface="Arial" panose="020B0604020202020204" pitchFamily="34" charset="0"/>
+            </a:endParaRPr>
+          </a:p>
+        </p:txBody>
+      </p:sp>
+      <p:pic>
+        <p:nvPicPr>
+          <p:cNvPr id="5" name="Picture 4" descr="A person using a computer&#10;&#10;Description automatically generated with medium confidence">
+            <a:extLst>
+              <a:ext uri="{FF2B5EF4-FFF2-40B4-BE49-F238E27FC236}">
+                <a16:creationId xmlns:a16="http://schemas.microsoft.com/office/drawing/2014/main" id="{6997E060-407A-19EB-8EA0-AB3AA7C3FF4F}"/>
+              </a:ext>
+            </a:extLst>
+          </p:cNvPr>
+          <p:cNvPicPr>
+            <a:picLocks noChangeAspect="1"/>
+          </p:cNvPicPr>
+          <p:nvPr/>
+        </p:nvPicPr>
+        <p:blipFill rotWithShape="1">
+          <a:blip r:embed="rId2">
+            <a:extLst>
+              <a:ext uri="{28A0092B-C50C-407E-A947-70E740481C1C}">
+                <a14:useLocalDpi xmlns:a14="http://schemas.microsoft.com/office/drawing/2010/main" val="0"/>
+              </a:ext>
+            </a:extLst>
+          </a:blip>
+          <a:srcRect l="10248" r="47958" b="-1"/>
+          <a:stretch/>
+        </p:blipFill>
+        <p:spPr>
+          <a:xfrm>
+            <a:off x="6774511" y="480060"/>
+            <a:ext cx="4929808" cy="5897880"/>
+          </a:xfrm>
+          <a:custGeom>
+            <a:avLst/>
+            <a:gdLst/>
+            <a:ahLst/>
+            <a:cxnLst/>
+            <a:rect l="l" t="t" r="r" b="b"/>
+            <a:pathLst>
+              <a:path w="4929808" h="5897880">
+                <a:moveTo>
+                  <a:pt x="104535" y="0"/>
+                </a:moveTo>
+                <a:lnTo>
+                  <a:pt x="2751151" y="0"/>
+                </a:lnTo>
+                <a:lnTo>
+                  <a:pt x="4769032" y="0"/>
+                </a:lnTo>
+                <a:lnTo>
+                  <a:pt x="4929808" y="0"/>
+                </a:lnTo>
+                <a:lnTo>
+                  <a:pt x="4929808" y="5897880"/>
+                </a:lnTo>
+                <a:lnTo>
+                  <a:pt x="4769032" y="5897880"/>
+                </a:lnTo>
+                <a:lnTo>
+                  <a:pt x="2751151" y="5897880"/>
+                </a:lnTo>
+                <a:lnTo>
+                  <a:pt x="0" y="5897880"/>
+                </a:lnTo>
+                <a:lnTo>
+                  <a:pt x="0" y="5896985"/>
+                </a:lnTo>
+                <a:lnTo>
+                  <a:pt x="103291" y="5896985"/>
+                </a:lnTo>
+                <a:lnTo>
+                  <a:pt x="112340" y="5838313"/>
+                </a:lnTo>
+                <a:lnTo>
+                  <a:pt x="123631" y="5762037"/>
+                </a:lnTo>
+                <a:lnTo>
+                  <a:pt x="135550" y="5671232"/>
+                </a:lnTo>
+                <a:lnTo>
+                  <a:pt x="149820" y="5563476"/>
+                </a:lnTo>
+                <a:lnTo>
+                  <a:pt x="164875" y="5444219"/>
+                </a:lnTo>
+                <a:lnTo>
+                  <a:pt x="180714" y="5309828"/>
+                </a:lnTo>
+                <a:lnTo>
+                  <a:pt x="197494" y="5163329"/>
+                </a:lnTo>
+                <a:lnTo>
+                  <a:pt x="214273" y="5004117"/>
+                </a:lnTo>
+                <a:lnTo>
+                  <a:pt x="231367" y="4834615"/>
+                </a:lnTo>
+                <a:lnTo>
+                  <a:pt x="247205" y="4651794"/>
+                </a:lnTo>
+                <a:lnTo>
+                  <a:pt x="262417" y="4460498"/>
+                </a:lnTo>
+                <a:lnTo>
+                  <a:pt x="276217" y="4258305"/>
+                </a:lnTo>
+                <a:lnTo>
+                  <a:pt x="289390" y="4047637"/>
+                </a:lnTo>
+                <a:lnTo>
+                  <a:pt x="301779" y="3827889"/>
+                </a:lnTo>
+                <a:lnTo>
+                  <a:pt x="306170" y="3715291"/>
+                </a:lnTo>
+                <a:lnTo>
+                  <a:pt x="311031" y="3600271"/>
+                </a:lnTo>
+                <a:lnTo>
+                  <a:pt x="315579" y="3483435"/>
+                </a:lnTo>
+                <a:lnTo>
+                  <a:pt x="318558" y="3365994"/>
+                </a:lnTo>
+                <a:lnTo>
+                  <a:pt x="321224" y="3246131"/>
+                </a:lnTo>
+                <a:lnTo>
+                  <a:pt x="324047" y="3125058"/>
+                </a:lnTo>
+                <a:lnTo>
+                  <a:pt x="325929" y="3001563"/>
+                </a:lnTo>
+                <a:lnTo>
+                  <a:pt x="325929" y="2876858"/>
+                </a:lnTo>
+                <a:lnTo>
+                  <a:pt x="326870" y="2750941"/>
+                </a:lnTo>
+                <a:lnTo>
+                  <a:pt x="325929" y="2623814"/>
+                </a:lnTo>
+                <a:lnTo>
+                  <a:pt x="324047" y="2494871"/>
+                </a:lnTo>
+                <a:lnTo>
+                  <a:pt x="322322" y="2365928"/>
+                </a:lnTo>
+                <a:lnTo>
+                  <a:pt x="318558" y="2235169"/>
+                </a:lnTo>
+                <a:lnTo>
+                  <a:pt x="314638" y="2103199"/>
+                </a:lnTo>
+                <a:lnTo>
+                  <a:pt x="310090" y="1971229"/>
+                </a:lnTo>
+                <a:lnTo>
+                  <a:pt x="303660" y="1838048"/>
+                </a:lnTo>
+                <a:lnTo>
+                  <a:pt x="295976" y="1703656"/>
+                </a:lnTo>
+                <a:lnTo>
+                  <a:pt x="288606" y="1568660"/>
+                </a:lnTo>
+                <a:lnTo>
+                  <a:pt x="279197" y="1433663"/>
+                </a:lnTo>
+                <a:lnTo>
+                  <a:pt x="267906" y="1296850"/>
+                </a:lnTo>
+                <a:lnTo>
+                  <a:pt x="256615" y="1161853"/>
+                </a:lnTo>
+                <a:lnTo>
+                  <a:pt x="243598" y="1024435"/>
+                </a:lnTo>
+                <a:lnTo>
+                  <a:pt x="229328" y="886411"/>
+                </a:lnTo>
+                <a:lnTo>
+                  <a:pt x="214273" y="750203"/>
+                </a:lnTo>
+                <a:lnTo>
+                  <a:pt x="196709" y="612180"/>
+                </a:lnTo>
+                <a:lnTo>
+                  <a:pt x="177891" y="474761"/>
+                </a:lnTo>
+                <a:lnTo>
+                  <a:pt x="159229" y="336738"/>
+                </a:lnTo>
+                <a:lnTo>
+                  <a:pt x="137432" y="199320"/>
+                </a:lnTo>
+                <a:lnTo>
+                  <a:pt x="115163" y="62507"/>
+                </a:lnTo>
+                <a:close/>
+              </a:path>
+            </a:pathLst>
+          </a:custGeom>
+        </p:spPr>
+      </p:pic>
+      <p:sp>
+        <p:nvSpPr>
+          <p:cNvPr id="33" name="Rectangle 32">
+            <a:extLst>
+              <a:ext uri="{FF2B5EF4-FFF2-40B4-BE49-F238E27FC236}">
+                <a16:creationId xmlns:a16="http://schemas.microsoft.com/office/drawing/2014/main" id="{4A2FAF1F-F462-46AF-A9E6-CC93C4E2C359}"/>
+              </a:ext>
+              <a:ext uri="{C183D7F6-B498-43B3-948B-1728B52AA6E4}">
+                <adec:decorative xmlns:adec="http://schemas.microsoft.com/office/drawing/2017/decorative" val="1"/>
+              </a:ext>
+            </a:extLst>
+          </p:cNvPr>
+          <p:cNvSpPr>
+            <a:spLocks noGrp="1" noRot="1" noChangeAspect="1" noMove="1" noResize="1" noEditPoints="1" noAdjustHandles="1" noChangeArrowheads="1" noChangeShapeType="1" noTextEdit="1"/>
+          </p:cNvSpPr>
+          <p:nvPr>
+            <p:extLst>
+              <p:ext uri="{386F3935-93C4-4BCD-93E2-E3B085C9AB24}">
+                <p16:designElem xmlns:p16="http://schemas.microsoft.com/office/powerpoint/2015/main" val="1"/>
+              </p:ext>
+            </p:extLst>
+          </p:nvPr>
+        </p:nvSpPr>
+        <p:spPr>
+          <a:xfrm>
+            <a:off x="10437812" y="0"/>
+            <a:ext cx="685800" cy="1143000"/>
+          </a:xfrm>
+          <a:prstGeom prst="rect">
+            <a:avLst/>
+          </a:prstGeom>
+          <a:solidFill>
+            <a:schemeClr val="accent1"/>
+          </a:solidFill>
+          <a:ln>
+            <a:noFill/>
+          </a:ln>
+        </p:spPr>
+        <p:style>
+          <a:lnRef idx="1">
+            <a:schemeClr val="accent1"/>
+          </a:lnRef>
+          <a:fillRef idx="3">
+            <a:schemeClr val="accent1"/>
+          </a:fillRef>
+          <a:effectRef idx="2">
+            <a:schemeClr val="accent1"/>
+          </a:effectRef>
+          <a:fontRef idx="minor">
+            <a:schemeClr val="lt1"/>
+          </a:fontRef>
+        </p:style>
+      </p:sp>
+      <p:sp>
+        <p:nvSpPr>
+          <p:cNvPr id="35" name="Oval 34">
+            <a:extLst>
+              <a:ext uri="{FF2B5EF4-FFF2-40B4-BE49-F238E27FC236}">
+                <a16:creationId xmlns:a16="http://schemas.microsoft.com/office/drawing/2014/main" id="{7146BED8-BAE9-42C5-A3DD-7B946445DB8C}"/>
+              </a:ext>
+              <a:ext uri="{C183D7F6-B498-43B3-948B-1728B52AA6E4}">
+                <adec:decorative xmlns:adec="http://schemas.microsoft.com/office/drawing/2017/decorative" val="1"/>
+              </a:ext>
+            </a:extLst>
+          </p:cNvPr>
+          <p:cNvSpPr>
+            <a:spLocks noGrp="1" noRot="1" noChangeAspect="1" noMove="1" noResize="1" noEditPoints="1" noAdjustHandles="1" noChangeArrowheads="1" noChangeShapeType="1" noTextEdit="1"/>
+          </p:cNvSpPr>
+          <p:nvPr>
+            <p:extLst>
+              <p:ext uri="{386F3935-93C4-4BCD-93E2-E3B085C9AB24}">
+                <p16:designElem xmlns:p16="http://schemas.microsoft.com/office/powerpoint/2015/main" val="1"/>
+              </p:ext>
+            </p:extLst>
+          </p:nvPr>
+        </p:nvSpPr>
+        <p:spPr>
+          <a:xfrm>
+            <a:off x="0" y="2667000"/>
+            <a:ext cx="4191000" cy="4191000"/>
+          </a:xfrm>
+          <a:prstGeom prst="ellipse">
+            <a:avLst/>
+          </a:prstGeom>
+          <a:gradFill flip="none" rotWithShape="1">
+            <a:gsLst>
+              <a:gs pos="0">
+                <a:schemeClr val="accent5">
+                  <a:alpha val="11000"/>
+                </a:schemeClr>
+              </a:gs>
+              <a:gs pos="75000">
+                <a:schemeClr val="accent5">
+                  <a:alpha val="0"/>
+                </a:schemeClr>
+              </a:gs>
+              <a:gs pos="36000">
+                <a:schemeClr val="accent5">
+                  <a:alpha val="10000"/>
+                </a:schemeClr>
+              </a:gs>
+            </a:gsLst>
+            <a:path path="circle">
+              <a:fillToRect l="50000" t="50000" r="50000" b="50000"/>
+            </a:path>
+            <a:tileRect/>
+          </a:gradFill>
+          <a:ln>
+            <a:noFill/>
+          </a:ln>
+          <a:effectLst/>
+        </p:spPr>
+        <p:style>
+          <a:lnRef idx="1">
+            <a:schemeClr val="accent1"/>
+          </a:lnRef>
+          <a:fillRef idx="3">
+            <a:schemeClr val="accent1"/>
+          </a:fillRef>
+          <a:effectRef idx="2">
+            <a:schemeClr val="accent1"/>
+          </a:effectRef>
+          <a:fontRef idx="minor">
+            <a:schemeClr val="lt1"/>
+          </a:fontRef>
+        </p:style>
+      </p:sp>
+      <p:sp>
+        <p:nvSpPr>
+          <p:cNvPr id="37" name="Oval 36">
+            <a:extLst>
+              <a:ext uri="{FF2B5EF4-FFF2-40B4-BE49-F238E27FC236}">
+                <a16:creationId xmlns:a16="http://schemas.microsoft.com/office/drawing/2014/main" id="{15765FE8-B62F-41E4-A73C-74C91A8FD945}"/>
+              </a:ext>
+              <a:ext uri="{C183D7F6-B498-43B3-948B-1728B52AA6E4}">
+                <adec:decorative xmlns:adec="http://schemas.microsoft.com/office/drawing/2017/decorative" val="1"/>
+              </a:ext>
+            </a:extLst>
+          </p:cNvPr>
+          <p:cNvSpPr>
+            <a:spLocks noGrp="1" noRot="1" noChangeAspect="1" noMove="1" noResize="1" noEditPoints="1" noAdjustHandles="1" noChangeArrowheads="1" noChangeShapeType="1" noTextEdit="1"/>
+          </p:cNvSpPr>
+          <p:nvPr>
+            <p:extLst>
+              <p:ext uri="{386F3935-93C4-4BCD-93E2-E3B085C9AB24}">
+                <p16:designElem xmlns:p16="http://schemas.microsoft.com/office/powerpoint/2015/main" val="1"/>
+              </p:ext>
+            </p:extLst>
+          </p:nvPr>
+        </p:nvSpPr>
+        <p:spPr>
+          <a:xfrm>
+            <a:off x="0" y="2895600"/>
+            <a:ext cx="2362200" cy="2362200"/>
+          </a:xfrm>
+          <a:prstGeom prst="ellipse">
+            <a:avLst/>
+          </a:prstGeom>
+          <a:gradFill flip="none" rotWithShape="1">
+            <a:gsLst>
+              <a:gs pos="0">
+                <a:schemeClr val="accent5">
+                  <a:alpha val="8000"/>
+                </a:schemeClr>
+              </a:gs>
+              <a:gs pos="72000">
+                <a:schemeClr val="accent5">
+                  <a:alpha val="0"/>
+                </a:schemeClr>
+              </a:gs>
+              <a:gs pos="36000">
+                <a:schemeClr val="accent5">
+                  <a:alpha val="8000"/>
+                </a:schemeClr>
+              </a:gs>
+            </a:gsLst>
+            <a:path path="circle">
+              <a:fillToRect l="50000" t="50000" r="50000" b="50000"/>
+            </a:path>
+            <a:tileRect/>
+          </a:gradFill>
+          <a:ln>
+            <a:noFill/>
+          </a:ln>
+          <a:effectLst/>
+        </p:spPr>
+        <p:style>
+          <a:lnRef idx="1">
+            <a:schemeClr val="accent1"/>
+          </a:lnRef>
+          <a:fillRef idx="3">
+            <a:schemeClr val="accent1"/>
+          </a:fillRef>
+          <a:effectRef idx="2">
+            <a:schemeClr val="accent1"/>
+          </a:effectRef>
+          <a:fontRef idx="minor">
+            <a:schemeClr val="lt1"/>
+          </a:fontRef>
+        </p:style>
+      </p:sp>
+      <p:sp>
+        <p:nvSpPr>
+          <p:cNvPr id="3" name="Content Placeholder 2"/>
+          <p:cNvSpPr>
+            <a:spLocks noGrp="1"/>
+          </p:cNvSpPr>
+          <p:nvPr>
+            <p:ph idx="1"/>
+          </p:nvPr>
+        </p:nvSpPr>
+        <p:spPr>
+          <a:xfrm>
+            <a:off x="639098" y="2133600"/>
+            <a:ext cx="6072776" cy="4096875"/>
+          </a:xfrm>
+        </p:spPr>
+        <p:txBody>
+          <a:bodyPr anchor="ctr">
+            <a:normAutofit/>
+          </a:bodyPr>
+          <a:lstStyle/>
+          <a:p>
+            <a:r>
+              <a:rPr lang="bg-BG" sz="2400" dirty="0">
+                <a:solidFill>
+                  <a:srgbClr val="FFFFFF"/>
+                </a:solidFill>
+                <a:latin typeface="Arial" panose="020B0604020202020204" pitchFamily="34" charset="0"/>
+                <a:cs typeface="Arial" panose="020B0604020202020204" pitchFamily="34" charset="0"/>
+              </a:rPr>
+              <a:t>Програмирането е процес, при който задаваме някакви команди на компютъра.</a:t>
+            </a:r>
+          </a:p>
+          <a:p>
+            <a:r>
+              <a:rPr lang="bg-BG" sz="2400" dirty="0">
+                <a:solidFill>
+                  <a:srgbClr val="FFFFFF"/>
+                </a:solidFill>
+                <a:latin typeface="Arial" panose="020B0604020202020204" pitchFamily="34" charset="0"/>
+                <a:cs typeface="Arial" panose="020B0604020202020204" pitchFamily="34" charset="0"/>
+              </a:rPr>
+              <a:t>Командите се пишат на някакъв програмен език</a:t>
+            </a:r>
+          </a:p>
+          <a:p>
+            <a:r>
+              <a:rPr lang="bg-BG" sz="2400" dirty="0">
+                <a:solidFill>
+                  <a:srgbClr val="FFFFFF"/>
+                </a:solidFill>
+                <a:latin typeface="Arial" panose="020B0604020202020204" pitchFamily="34" charset="0"/>
+                <a:cs typeface="Arial" panose="020B0604020202020204" pitchFamily="34" charset="0"/>
+              </a:rPr>
+              <a:t>Командите се подреждат една след друга </a:t>
+            </a:r>
+          </a:p>
+          <a:p>
+            <a:r>
+              <a:rPr lang="bg-BG" sz="2400" dirty="0">
+                <a:solidFill>
+                  <a:srgbClr val="FFFFFF"/>
+                </a:solidFill>
+                <a:latin typeface="Arial" panose="020B0604020202020204" pitchFamily="34" charset="0"/>
+                <a:cs typeface="Arial" panose="020B0604020202020204" pitchFamily="34" charset="0"/>
+              </a:rPr>
+              <a:t>В поредица, командите образуват компютърна програма </a:t>
+            </a:r>
+            <a:endParaRPr lang="en-US" sz="2400" dirty="0">
+              <a:solidFill>
+                <a:srgbClr val="FFFFFF"/>
+              </a:solidFill>
+              <a:latin typeface="Arial" panose="020B0604020202020204" pitchFamily="34" charset="0"/>
+              <a:cs typeface="Arial" panose="020B0604020202020204" pitchFamily="34" charset="0"/>
+            </a:endParaRPr>
+          </a:p>
+        </p:txBody>
+      </p:sp>
+    </p:spTree>
+    <p:extLst>
+      <p:ext uri="{BB962C8B-B14F-4D97-AF65-F5344CB8AC3E}">
+        <p14:creationId xmlns:p14="http://schemas.microsoft.com/office/powerpoint/2010/main" val="1648912798"/>
+      </p:ext>
+    </p:extLst>
+  </p:cSld>
+  <p:clrMapOvr>
+    <a:overrideClrMapping bg1="dk1" tx1="lt1" bg2="dk2" tx2="lt2" accent1="accent1" accent2="accent2" accent3="accent3" accent4="accent4" accent5="accent5" accent6="accent6" hlink="hlink" folHlink="folHlink"/>
+  </p:clrMapOvr>
+</p:sld>
+</file>
+
+<file path=ppt/slides/slide20.xml><?xml version="1.0" encoding="utf-8"?>
+<p:sld xmlns:a="http://schemas.openxmlformats.org/drawingml/2006/main" xmlns:r="http://schemas.openxmlformats.org/officeDocument/2006/relationships" xmlns:p="http://schemas.openxmlformats.org/presentationml/2006/main">
+  <p:cSld>
+    <p:spTree>
+      <p:nvGrpSpPr>
+        <p:cNvPr id="1" name=""/>
+        <p:cNvGrpSpPr/>
+        <p:nvPr/>
+      </p:nvGrpSpPr>
+      <p:grpSpPr>
+        <a:xfrm>
+          <a:off x="0" y="0"/>
+          <a:ext cx="0" cy="0"/>
+          <a:chOff x="0" y="0"/>
+          <a:chExt cx="0" cy="0"/>
+        </a:xfrm>
+      </p:grpSpPr>
+      <p:sp>
+        <p:nvSpPr>
+          <p:cNvPr id="2" name="Title 1">
+            <a:extLst>
+              <a:ext uri="{FF2B5EF4-FFF2-40B4-BE49-F238E27FC236}">
+                <a16:creationId xmlns:a16="http://schemas.microsoft.com/office/drawing/2014/main" id="{888B1A5D-8AF0-1441-F123-8D93B073D8B7}"/>
+              </a:ext>
+            </a:extLst>
+          </p:cNvPr>
+          <p:cNvSpPr>
+            <a:spLocks noGrp="1"/>
+          </p:cNvSpPr>
+          <p:nvPr>
+            <p:ph type="title"/>
+          </p:nvPr>
+        </p:nvSpPr>
+        <p:spPr>
+          <a:xfrm>
+            <a:off x="1154953" y="833120"/>
+            <a:ext cx="2793158" cy="1125747"/>
+          </a:xfrm>
+        </p:spPr>
+        <p:txBody>
+          <a:bodyPr/>
+          <a:lstStyle/>
+          <a:p>
+            <a:r>
+              <a:rPr lang="bg-BG" sz="3200" dirty="0">
+                <a:latin typeface="Arial" panose="020B0604020202020204" pitchFamily="34" charset="0"/>
+                <a:cs typeface="Arial" panose="020B0604020202020204" pitchFamily="34" charset="0"/>
+              </a:rPr>
+              <a:t>Къде пишем нашият код?</a:t>
+            </a:r>
+          </a:p>
+        </p:txBody>
+      </p:sp>
+      <p:pic>
+        <p:nvPicPr>
+          <p:cNvPr id="6" name="Content Placeholder 5" descr="Text&#10;&#10;Description automatically generated with low confidence">
+            <a:extLst>
+              <a:ext uri="{FF2B5EF4-FFF2-40B4-BE49-F238E27FC236}">
+                <a16:creationId xmlns:a16="http://schemas.microsoft.com/office/drawing/2014/main" id="{EBE6B376-A776-D2E0-C8D2-131E7F9C82FB}"/>
+              </a:ext>
+            </a:extLst>
+          </p:cNvPr>
+          <p:cNvPicPr>
+            <a:picLocks noGrp="1" noChangeAspect="1"/>
+          </p:cNvPicPr>
+          <p:nvPr>
+            <p:ph idx="1"/>
+          </p:nvPr>
+        </p:nvPicPr>
+        <p:blipFill>
+          <a:blip r:embed="rId2">
+            <a:extLst>
+              <a:ext uri="{28A0092B-C50C-407E-A947-70E740481C1C}">
+                <a14:useLocalDpi xmlns:a14="http://schemas.microsoft.com/office/drawing/2010/main" val="0"/>
+              </a:ext>
+            </a:extLst>
+          </a:blip>
+          <a:stretch>
+            <a:fillRect/>
+          </a:stretch>
+        </p:blipFill>
+        <p:spPr>
+          <a:xfrm>
+            <a:off x="5360829" y="2640329"/>
+            <a:ext cx="6561296" cy="1884045"/>
+          </a:xfrm>
+        </p:spPr>
+      </p:pic>
+      <p:sp>
+        <p:nvSpPr>
+          <p:cNvPr id="4" name="Text Placeholder 3">
+            <a:extLst>
+              <a:ext uri="{FF2B5EF4-FFF2-40B4-BE49-F238E27FC236}">
+                <a16:creationId xmlns:a16="http://schemas.microsoft.com/office/drawing/2014/main" id="{8E77E77C-D300-C491-7806-ABDAD80FB3EE}"/>
+              </a:ext>
+            </a:extLst>
+          </p:cNvPr>
+          <p:cNvSpPr>
+            <a:spLocks noGrp="1"/>
+          </p:cNvSpPr>
+          <p:nvPr>
+            <p:ph type="body" sz="half" idx="2"/>
+          </p:nvPr>
+        </p:nvSpPr>
+        <p:spPr>
+          <a:xfrm>
+            <a:off x="991052" y="2078966"/>
+            <a:ext cx="3580948" cy="3945913"/>
+          </a:xfrm>
+        </p:spPr>
+        <p:txBody>
+          <a:bodyPr>
+            <a:noAutofit/>
+          </a:bodyPr>
+          <a:lstStyle/>
+          <a:p>
+            <a:r>
+              <a:rPr lang="bg-BG" sz="2400" dirty="0">
+                <a:solidFill>
+                  <a:schemeClr val="bg1"/>
+                </a:solidFill>
+                <a:latin typeface="Arial" panose="020B0604020202020204" pitchFamily="34" charset="0"/>
+                <a:cs typeface="Arial" panose="020B0604020202020204" pitchFamily="34" charset="0"/>
+              </a:rPr>
+              <a:t>Кодът, който ние ще пишем трябва да бъде между 2-те къдрави скоби </a:t>
+            </a:r>
+            <a:r>
+              <a:rPr lang="en-US" sz="2400" dirty="0">
+                <a:solidFill>
+                  <a:schemeClr val="bg1"/>
+                </a:solidFill>
+                <a:latin typeface="Arial" panose="020B0604020202020204" pitchFamily="34" charset="0"/>
+                <a:cs typeface="Arial" panose="020B0604020202020204" pitchFamily="34" charset="0"/>
+              </a:rPr>
+              <a:t>{}.</a:t>
+            </a:r>
+          </a:p>
+          <a:p>
+            <a:r>
+              <a:rPr lang="bg-BG" sz="2400" dirty="0">
+                <a:solidFill>
+                  <a:schemeClr val="bg1"/>
+                </a:solidFill>
+                <a:latin typeface="Arial" panose="020B0604020202020204" pitchFamily="34" charset="0"/>
+                <a:cs typeface="Arial" panose="020B0604020202020204" pitchFamily="34" charset="0"/>
+              </a:rPr>
+              <a:t>По време на този мини курс кодът, който ще пишем ще се намира единствено и само там.</a:t>
+            </a:r>
+          </a:p>
+        </p:txBody>
+      </p:sp>
+    </p:spTree>
+    <p:extLst>
+      <p:ext uri="{BB962C8B-B14F-4D97-AF65-F5344CB8AC3E}">
+        <p14:creationId xmlns:p14="http://schemas.microsoft.com/office/powerpoint/2010/main" val="2413825979"/>
+      </p:ext>
+    </p:extLst>
+  </p:cSld>
+  <p:clrMapOvr>
+    <a:masterClrMapping/>
+  </p:clrMapOvr>
+</p:sld>
+</file>
+
+<file path=ppt/slides/slide21.xml><?xml version="1.0" encoding="utf-8"?>
 <p:sld xmlns:a="http://schemas.openxmlformats.org/drawingml/2006/main" xmlns:r="http://schemas.openxmlformats.org/officeDocument/2006/relationships" xmlns:p="http://schemas.openxmlformats.org/presentationml/2006/main">
   <p:cSld>
     <p:spTree>
@@ -14759,14 +17193,14 @@
           <a:p>
             <a:pPr algn="ctr"/>
             <a:r>
-              <a:rPr lang="en-US" dirty="0" smtClean="0">
+              <a:rPr lang="en-US" dirty="0">
                 <a:latin typeface="Arial" panose="020B0604020202020204" pitchFamily="34" charset="0"/>
                 <a:cs typeface="Arial" panose="020B0604020202020204" pitchFamily="34" charset="0"/>
               </a:rPr>
               <a:t>C# </a:t>
             </a:r>
             <a:r>
-              <a:rPr lang="bg-BG" dirty="0" smtClean="0">
+              <a:rPr lang="bg-BG" dirty="0">
                 <a:solidFill>
                   <a:srgbClr val="FFFF00"/>
                 </a:solidFill>
@@ -14776,7 +17210,7 @@
               <a:t>променливи</a:t>
             </a:r>
             <a:r>
-              <a:rPr lang="en-US" dirty="0" smtClean="0">
+              <a:rPr lang="en-US" dirty="0">
                 <a:solidFill>
                   <a:srgbClr val="FFFF00"/>
                 </a:solidFill>
@@ -14785,13 +17219,6 @@
               </a:rPr>
               <a:t> (variables)</a:t>
             </a:r>
-            <a:endParaRPr lang="en-US" dirty="0">
-              <a:solidFill>
-                <a:srgbClr val="FFFF00"/>
-              </a:solidFill>
-              <a:latin typeface="Arial" panose="020B0604020202020204" pitchFamily="34" charset="0"/>
-              <a:cs typeface="Arial" panose="020B0604020202020204" pitchFamily="34" charset="0"/>
-            </a:endParaRPr>
           </a:p>
         </p:txBody>
       </p:sp>
@@ -14818,62 +17245,51 @@
           <a:lstStyle/>
           <a:p>
             <a:r>
-              <a:rPr lang="bg-BG" sz="2000" dirty="0" smtClean="0">
+              <a:rPr lang="bg-BG" sz="2000" dirty="0">
                 <a:latin typeface="Arial" panose="020B0604020202020204" pitchFamily="34" charset="0"/>
                 <a:cs typeface="Arial" panose="020B0604020202020204" pitchFamily="34" charset="0"/>
               </a:rPr>
               <a:t>Променливите са контейнери за съхранение на различни типове данни</a:t>
             </a:r>
             <a:r>
-              <a:rPr lang="en-US" sz="2000" dirty="0" smtClean="0">
+              <a:rPr lang="en-US" sz="2000" dirty="0">
                 <a:latin typeface="Arial" panose="020B0604020202020204" pitchFamily="34" charset="0"/>
                 <a:cs typeface="Arial" panose="020B0604020202020204" pitchFamily="34" charset="0"/>
               </a:rPr>
               <a:t>.</a:t>
             </a:r>
-            <a:endParaRPr lang="en-US" sz="2000" dirty="0" smtClean="0">
-              <a:latin typeface="Arial" panose="020B0604020202020204" pitchFamily="34" charset="0"/>
-              <a:cs typeface="Arial" panose="020B0604020202020204" pitchFamily="34" charset="0"/>
-            </a:endParaRPr>
-          </a:p>
-          <a:p>
-            <a:r>
-              <a:rPr lang="bg-BG" sz="2000" dirty="0" smtClean="0">
+          </a:p>
+          <a:p>
+            <a:r>
+              <a:rPr lang="bg-BG" sz="2000" dirty="0">
                 <a:latin typeface="Arial" panose="020B0604020202020204" pitchFamily="34" charset="0"/>
                 <a:cs typeface="Arial" panose="020B0604020202020204" pitchFamily="34" charset="0"/>
               </a:rPr>
               <a:t>В</a:t>
             </a:r>
             <a:r>
-              <a:rPr lang="en-US" sz="2000" dirty="0" smtClean="0">
+              <a:rPr lang="en-US" sz="2000" dirty="0">
                 <a:latin typeface="Arial" panose="020B0604020202020204" pitchFamily="34" charset="0"/>
                 <a:cs typeface="Arial" panose="020B0604020202020204" pitchFamily="34" charset="0"/>
               </a:rPr>
               <a:t> </a:t>
             </a:r>
             <a:r>
-              <a:rPr lang="en-US" sz="2000" b="1" dirty="0" smtClean="0">
-                <a:latin typeface="Arial" panose="020B0604020202020204" pitchFamily="34" charset="0"/>
-                <a:cs typeface="Arial" panose="020B0604020202020204" pitchFamily="34" charset="0"/>
-              </a:rPr>
-              <a:t>C</a:t>
-            </a:r>
-            <a:r>
-              <a:rPr lang="en-US" sz="2000" b="1" dirty="0" smtClean="0">
-                <a:latin typeface="Arial" panose="020B0604020202020204" pitchFamily="34" charset="0"/>
-                <a:cs typeface="Arial" panose="020B0604020202020204" pitchFamily="34" charset="0"/>
-              </a:rPr>
-              <a:t>#</a:t>
-            </a:r>
-            <a:r>
-              <a:rPr lang="en-US" sz="2000" dirty="0" smtClean="0">
+              <a:rPr lang="en-US" sz="2000" b="1" dirty="0">
+                <a:latin typeface="Arial" panose="020B0604020202020204" pitchFamily="34" charset="0"/>
+                <a:cs typeface="Arial" panose="020B0604020202020204" pitchFamily="34" charset="0"/>
+              </a:rPr>
+              <a:t>C#</a:t>
+            </a:r>
+            <a:r>
+              <a:rPr lang="en-US" sz="2000" dirty="0">
                 <a:latin typeface="Arial" panose="020B0604020202020204" pitchFamily="34" charset="0"/>
                 <a:cs typeface="Arial" panose="020B0604020202020204" pitchFamily="34" charset="0"/>
               </a:rPr>
               <a:t>,</a:t>
             </a:r>
             <a:r>
-              <a:rPr lang="bg-BG" sz="2000" dirty="0" smtClean="0">
+              <a:rPr lang="bg-BG" sz="2000" dirty="0">
                 <a:latin typeface="Arial" panose="020B0604020202020204" pitchFamily="34" charset="0"/>
                 <a:cs typeface="Arial" panose="020B0604020202020204" pitchFamily="34" charset="0"/>
               </a:rPr>
@@ -14882,37 +17298,33 @@
           </a:p>
           <a:p>
             <a:r>
-              <a:rPr lang="bg-BG" sz="2000" dirty="0" smtClean="0">
+              <a:rPr lang="bg-BG" sz="2000" dirty="0">
                 <a:latin typeface="Arial" panose="020B0604020202020204" pitchFamily="34" charset="0"/>
                 <a:cs typeface="Arial" panose="020B0604020202020204" pitchFamily="34" charset="0"/>
               </a:rPr>
               <a:t>Примери за променливи (</a:t>
             </a:r>
             <a:r>
-              <a:rPr lang="en-US" sz="2000" dirty="0" smtClean="0">
+              <a:rPr lang="en-US" sz="2000" dirty="0">
                 <a:latin typeface="Arial" panose="020B0604020202020204" pitchFamily="34" charset="0"/>
                 <a:cs typeface="Arial" panose="020B0604020202020204" pitchFamily="34" charset="0"/>
               </a:rPr>
               <a:t>variables</a:t>
             </a:r>
             <a:r>
-              <a:rPr lang="bg-BG" sz="2000" dirty="0" smtClean="0">
+              <a:rPr lang="bg-BG" sz="2000" dirty="0">
                 <a:latin typeface="Arial" panose="020B0604020202020204" pitchFamily="34" charset="0"/>
                 <a:cs typeface="Arial" panose="020B0604020202020204" pitchFamily="34" charset="0"/>
               </a:rPr>
               <a:t>)</a:t>
             </a:r>
             <a:r>
-              <a:rPr lang="en-US" sz="2000" dirty="0" smtClean="0">
+              <a:rPr lang="en-US" sz="2000" dirty="0">
                 <a:latin typeface="Arial" panose="020B0604020202020204" pitchFamily="34" charset="0"/>
                 <a:cs typeface="Arial" panose="020B0604020202020204" pitchFamily="34" charset="0"/>
               </a:rPr>
               <a:t>:</a:t>
             </a:r>
-            <a:endParaRPr lang="en-US" sz="2000" dirty="0" smtClean="0">
-              <a:latin typeface="Arial" panose="020B0604020202020204" pitchFamily="34" charset="0"/>
-              <a:cs typeface="Arial" panose="020B0604020202020204" pitchFamily="34" charset="0"/>
-            </a:endParaRPr>
           </a:p>
           <a:p>
             <a:pPr marL="457200" lvl="1" indent="0">
@@ -14923,24 +17335,17 @@
                 <a:latin typeface="Arial" panose="020B0604020202020204" pitchFamily="34" charset="0"/>
                 <a:cs typeface="Arial" panose="020B0604020202020204" pitchFamily="34" charset="0"/>
               </a:rPr>
-              <a:t>s</a:t>
-            </a:r>
-            <a:r>
-              <a:rPr lang="en-US" sz="1800" b="1" dirty="0" smtClean="0">
-                <a:latin typeface="Arial" panose="020B0604020202020204" pitchFamily="34" charset="0"/>
-                <a:cs typeface="Arial" panose="020B0604020202020204" pitchFamily="34" charset="0"/>
-              </a:rPr>
-              <a:t>tring</a:t>
-            </a:r>
-            <a:r>
-              <a:rPr lang="en-US" sz="1800" dirty="0" smtClean="0">
+              <a:t>string</a:t>
+            </a:r>
+            <a:r>
+              <a:rPr lang="en-US" sz="1800" dirty="0">
                 <a:latin typeface="Arial" panose="020B0604020202020204" pitchFamily="34" charset="0"/>
                 <a:cs typeface="Arial" panose="020B0604020202020204" pitchFamily="34" charset="0"/>
               </a:rPr>
               <a:t> </a:t>
             </a:r>
             <a:r>
-              <a:rPr lang="en-US" sz="1800" dirty="0" err="1" smtClean="0">
+              <a:rPr lang="en-US" sz="1800" dirty="0" err="1">
                 <a:solidFill>
                   <a:schemeClr val="accent5">
                     <a:lumMod val="50000"/>
@@ -14952,28 +17357,28 @@
               <a:t>firstName</a:t>
             </a:r>
             <a:r>
-              <a:rPr lang="en-US" sz="1800" dirty="0" smtClean="0">
+              <a:rPr lang="en-US" sz="1800" dirty="0">
                 <a:latin typeface="Arial" panose="020B0604020202020204" pitchFamily="34" charset="0"/>
                 <a:cs typeface="Arial" panose="020B0604020202020204" pitchFamily="34" charset="0"/>
               </a:rPr>
               <a:t> = “</a:t>
             </a:r>
             <a:r>
-              <a:rPr lang="en-US" sz="1800" dirty="0" err="1" smtClean="0">
+              <a:rPr lang="en-US" sz="1800" dirty="0" err="1">
                 <a:latin typeface="Arial" panose="020B0604020202020204" pitchFamily="34" charset="0"/>
                 <a:cs typeface="Arial" panose="020B0604020202020204" pitchFamily="34" charset="0"/>
               </a:rPr>
               <a:t>Velizar</a:t>
             </a:r>
             <a:r>
-              <a:rPr lang="en-US" sz="1800" dirty="0" smtClean="0">
+              <a:rPr lang="en-US" sz="1800" dirty="0">
                 <a:latin typeface="Arial" panose="020B0604020202020204" pitchFamily="34" charset="0"/>
                 <a:cs typeface="Arial" panose="020B0604020202020204" pitchFamily="34" charset="0"/>
               </a:rPr>
               <a:t>”;  </a:t>
             </a:r>
             <a:r>
-              <a:rPr lang="en-US" sz="1800" dirty="0" smtClean="0">
+              <a:rPr lang="en-US" sz="1800" dirty="0">
                 <a:solidFill>
                   <a:srgbClr val="00B050"/>
                 </a:solidFill>
@@ -14992,22 +17397,10 @@
                 <a:latin typeface="Arial" panose="020B0604020202020204" pitchFamily="34" charset="0"/>
                 <a:cs typeface="Arial" panose="020B0604020202020204" pitchFamily="34" charset="0"/>
               </a:rPr>
-              <a:t>В</a:t>
-            </a:r>
-            <a:r>
-              <a:rPr lang="bg-BG" sz="1800" dirty="0" smtClean="0">
-                <a:solidFill>
-                  <a:schemeClr val="accent5">
-                    <a:lumMod val="50000"/>
-                  </a:schemeClr>
-                </a:solidFill>
-                <a:latin typeface="Arial" panose="020B0604020202020204" pitchFamily="34" charset="0"/>
-                <a:cs typeface="Arial" panose="020B0604020202020204" pitchFamily="34" charset="0"/>
-              </a:rPr>
-              <a:t>алидно</a:t>
-            </a:r>
-            <a:r>
-              <a:rPr lang="bg-BG" sz="1800" dirty="0" smtClean="0">
+              <a:t>Валидно</a:t>
+            </a:r>
+            <a:r>
+              <a:rPr lang="bg-BG" sz="1800" dirty="0">
                 <a:solidFill>
                   <a:srgbClr val="00B050"/>
                 </a:solidFill>
@@ -15016,7 +17409,7 @@
               </a:rPr>
               <a:t> име на променлива</a:t>
             </a:r>
-            <a:endParaRPr lang="en-US" sz="1800" dirty="0" smtClean="0">
+            <a:endParaRPr lang="en-US" sz="1800" dirty="0">
               <a:solidFill>
                 <a:srgbClr val="00B050"/>
               </a:solidFill>
@@ -15033,24 +17426,17 @@
                 <a:latin typeface="Arial" panose="020B0604020202020204" pitchFamily="34" charset="0"/>
                 <a:cs typeface="Arial" panose="020B0604020202020204" pitchFamily="34" charset="0"/>
               </a:rPr>
-              <a:t>s</a:t>
-            </a:r>
-            <a:r>
-              <a:rPr lang="en-US" sz="1800" b="1" dirty="0" smtClean="0">
-                <a:latin typeface="Arial" panose="020B0604020202020204" pitchFamily="34" charset="0"/>
-                <a:cs typeface="Arial" panose="020B0604020202020204" pitchFamily="34" charset="0"/>
-              </a:rPr>
-              <a:t>tring</a:t>
-            </a:r>
-            <a:r>
-              <a:rPr lang="en-US" sz="1800" dirty="0" smtClean="0">
+              <a:t>string</a:t>
+            </a:r>
+            <a:r>
+              <a:rPr lang="en-US" sz="1800" dirty="0">
                 <a:latin typeface="Arial" panose="020B0604020202020204" pitchFamily="34" charset="0"/>
                 <a:cs typeface="Arial" panose="020B0604020202020204" pitchFamily="34" charset="0"/>
               </a:rPr>
               <a:t> </a:t>
             </a:r>
             <a:r>
-              <a:rPr lang="en-US" sz="1800" dirty="0" smtClean="0">
+              <a:rPr lang="en-US" sz="1800" dirty="0">
                 <a:solidFill>
                   <a:srgbClr val="FF0000"/>
                 </a:solidFill>
@@ -15060,14 +17446,14 @@
               <a:t>12Test</a:t>
             </a:r>
             <a:r>
-              <a:rPr lang="en-US" sz="1800" dirty="0" smtClean="0">
+              <a:rPr lang="en-US" sz="1800" dirty="0">
                 <a:latin typeface="Arial" panose="020B0604020202020204" pitchFamily="34" charset="0"/>
                 <a:cs typeface="Arial" panose="020B0604020202020204" pitchFamily="34" charset="0"/>
               </a:rPr>
               <a:t> = “test”;  </a:t>
             </a:r>
             <a:r>
-              <a:rPr lang="en-US" sz="1800" dirty="0" smtClean="0">
+              <a:rPr lang="en-US" sz="1800" dirty="0">
                 <a:solidFill>
                   <a:srgbClr val="00B050"/>
                 </a:solidFill>
@@ -15077,7 +17463,7 @@
               <a:t>//</a:t>
             </a:r>
             <a:r>
-              <a:rPr lang="bg-BG" sz="1800" dirty="0" smtClean="0">
+              <a:rPr lang="bg-BG" sz="1800" dirty="0">
                 <a:solidFill>
                   <a:srgbClr val="FF0000"/>
                 </a:solidFill>
@@ -15087,7 +17473,7 @@
               <a:t>Невалидно</a:t>
             </a:r>
             <a:r>
-              <a:rPr lang="en-US" sz="1800" dirty="0" smtClean="0">
+              <a:rPr lang="en-US" sz="1800" dirty="0">
                 <a:solidFill>
                   <a:srgbClr val="00B050"/>
                 </a:solidFill>
@@ -15097,7 +17483,7 @@
               <a:t>: </a:t>
             </a:r>
             <a:r>
-              <a:rPr lang="bg-BG" sz="1800" dirty="0" smtClean="0">
+              <a:rPr lang="bg-BG" sz="1800" dirty="0">
                 <a:solidFill>
                   <a:srgbClr val="00B050"/>
                 </a:solidFill>
@@ -15106,7 +17492,7 @@
               </a:rPr>
               <a:t>не може да стартира с число</a:t>
             </a:r>
-            <a:endParaRPr lang="en-US" sz="1800" dirty="0" smtClean="0">
+            <a:endParaRPr lang="en-US" sz="1800" dirty="0">
               <a:solidFill>
                 <a:srgbClr val="00B050"/>
               </a:solidFill>
@@ -15123,24 +17509,17 @@
                 <a:latin typeface="Arial" panose="020B0604020202020204" pitchFamily="34" charset="0"/>
                 <a:cs typeface="Arial" panose="020B0604020202020204" pitchFamily="34" charset="0"/>
               </a:rPr>
-              <a:t>i</a:t>
-            </a:r>
-            <a:r>
-              <a:rPr lang="en-US" sz="1800" b="1" dirty="0" err="1" smtClean="0">
-                <a:latin typeface="Arial" panose="020B0604020202020204" pitchFamily="34" charset="0"/>
-                <a:cs typeface="Arial" panose="020B0604020202020204" pitchFamily="34" charset="0"/>
-              </a:rPr>
-              <a:t>nt</a:t>
-            </a:r>
-            <a:r>
-              <a:rPr lang="en-US" sz="1800" dirty="0" smtClean="0">
+              <a:t>int</a:t>
+            </a:r>
+            <a:r>
+              <a:rPr lang="en-US" sz="1800" dirty="0">
                 <a:latin typeface="Arial" panose="020B0604020202020204" pitchFamily="34" charset="0"/>
                 <a:cs typeface="Arial" panose="020B0604020202020204" pitchFamily="34" charset="0"/>
               </a:rPr>
               <a:t> </a:t>
             </a:r>
             <a:r>
-              <a:rPr lang="en-US" sz="1800" dirty="0" smtClean="0">
+              <a:rPr lang="en-US" sz="1800" dirty="0">
                 <a:solidFill>
                   <a:srgbClr val="FF0000"/>
                 </a:solidFill>
@@ -15150,14 +17529,14 @@
               <a:t>my Number</a:t>
             </a:r>
             <a:r>
-              <a:rPr lang="en-US" sz="1800" dirty="0" smtClean="0">
+              <a:rPr lang="en-US" sz="1800" dirty="0">
                 <a:latin typeface="Arial" panose="020B0604020202020204" pitchFamily="34" charset="0"/>
                 <a:cs typeface="Arial" panose="020B0604020202020204" pitchFamily="34" charset="0"/>
               </a:rPr>
               <a:t> = 2; </a:t>
             </a:r>
             <a:r>
-              <a:rPr lang="en-US" sz="1800" dirty="0" smtClean="0">
+              <a:rPr lang="en-US" sz="1800" dirty="0">
                 <a:solidFill>
                   <a:srgbClr val="00B050"/>
                 </a:solidFill>
@@ -15167,7 +17546,7 @@
               <a:t>//</a:t>
             </a:r>
             <a:r>
-              <a:rPr lang="bg-BG" sz="1800" dirty="0" smtClean="0">
+              <a:rPr lang="bg-BG" sz="1800" dirty="0">
                 <a:solidFill>
                   <a:srgbClr val="FF0000"/>
                 </a:solidFill>
@@ -15177,7 +17556,7 @@
               <a:t>Невалидно</a:t>
             </a:r>
             <a:r>
-              <a:rPr lang="en-US" sz="1800" dirty="0" smtClean="0">
+              <a:rPr lang="en-US" sz="1800" dirty="0">
                 <a:solidFill>
                   <a:srgbClr val="00B050"/>
                 </a:solidFill>
@@ -15187,7 +17566,7 @@
               <a:t>: </a:t>
             </a:r>
             <a:r>
-              <a:rPr lang="bg-BG" sz="1800" dirty="0" smtClean="0">
+              <a:rPr lang="bg-BG" sz="1800" dirty="0">
                 <a:solidFill>
                   <a:srgbClr val="00B050"/>
                 </a:solidFill>
@@ -15196,7 +17575,7 @@
               </a:rPr>
               <a:t>не може да съдържа прано място</a:t>
             </a:r>
-            <a:endParaRPr lang="en-US" sz="1800" dirty="0" smtClean="0">
+            <a:endParaRPr lang="en-US" sz="1800" dirty="0">
               <a:solidFill>
                 <a:srgbClr val="00B050"/>
               </a:solidFill>
@@ -15213,24 +17592,17 @@
                 <a:latin typeface="Arial" panose="020B0604020202020204" pitchFamily="34" charset="0"/>
                 <a:cs typeface="Arial" panose="020B0604020202020204" pitchFamily="34" charset="0"/>
               </a:rPr>
-              <a:t>s</a:t>
-            </a:r>
-            <a:r>
-              <a:rPr lang="en-US" sz="1800" b="1" dirty="0" smtClean="0">
-                <a:latin typeface="Arial" panose="020B0604020202020204" pitchFamily="34" charset="0"/>
-                <a:cs typeface="Arial" panose="020B0604020202020204" pitchFamily="34" charset="0"/>
-              </a:rPr>
-              <a:t>tring</a:t>
-            </a:r>
-            <a:r>
-              <a:rPr lang="en-US" sz="1800" dirty="0" smtClean="0">
+              <a:t>string</a:t>
+            </a:r>
+            <a:r>
+              <a:rPr lang="en-US" sz="1800" dirty="0">
                 <a:latin typeface="Arial" panose="020B0604020202020204" pitchFamily="34" charset="0"/>
                 <a:cs typeface="Arial" panose="020B0604020202020204" pitchFamily="34" charset="0"/>
               </a:rPr>
               <a:t> </a:t>
             </a:r>
             <a:r>
-              <a:rPr lang="en-US" sz="1800" dirty="0" smtClean="0">
+              <a:rPr lang="en-US" sz="1800" dirty="0">
                 <a:solidFill>
                   <a:srgbClr val="FFC000"/>
                 </a:solidFill>
@@ -15240,35 +17612,28 @@
               <a:t>ln</a:t>
             </a:r>
             <a:r>
-              <a:rPr lang="en-US" sz="1800" dirty="0" smtClean="0">
+              <a:rPr lang="en-US" sz="1800" dirty="0">
                 <a:latin typeface="Arial" panose="020B0604020202020204" pitchFamily="34" charset="0"/>
                 <a:cs typeface="Arial" panose="020B0604020202020204" pitchFamily="34" charset="0"/>
               </a:rPr>
               <a:t> = “</a:t>
             </a:r>
             <a:r>
-              <a:rPr lang="en-US" sz="1800" dirty="0" err="1" smtClean="0">
+              <a:rPr lang="en-US" sz="1800" dirty="0" err="1">
                 <a:latin typeface="Arial" panose="020B0604020202020204" pitchFamily="34" charset="0"/>
                 <a:cs typeface="Arial" panose="020B0604020202020204" pitchFamily="34" charset="0"/>
               </a:rPr>
               <a:t>Gerasimov</a:t>
             </a:r>
             <a:r>
-              <a:rPr lang="en-US" sz="1800" dirty="0" smtClean="0">
-                <a:latin typeface="Arial" panose="020B0604020202020204" pitchFamily="34" charset="0"/>
-                <a:cs typeface="Arial" panose="020B0604020202020204" pitchFamily="34" charset="0"/>
-              </a:rPr>
-              <a:t>”; </a:t>
-            </a:r>
-            <a:r>
-              <a:rPr lang="en-US" sz="1800" dirty="0" smtClean="0">
-                <a:latin typeface="Arial" panose="020B0604020202020204" pitchFamily="34" charset="0"/>
-                <a:cs typeface="Arial" panose="020B0604020202020204" pitchFamily="34" charset="0"/>
-              </a:rPr>
-              <a:t>//</a:t>
-            </a:r>
-            <a:r>
-              <a:rPr lang="bg-BG" sz="1800" dirty="0" smtClean="0">
+              <a:rPr lang="en-US" sz="1800" dirty="0">
+                <a:latin typeface="Arial" panose="020B0604020202020204" pitchFamily="34" charset="0"/>
+                <a:cs typeface="Arial" panose="020B0604020202020204" pitchFamily="34" charset="0"/>
+              </a:rPr>
+              <a:t>”; //</a:t>
+            </a:r>
+            <a:r>
+              <a:rPr lang="bg-BG" sz="1800" dirty="0">
                 <a:solidFill>
                   <a:schemeClr val="accent5">
                     <a:lumMod val="50000"/>
@@ -15280,7 +17645,7 @@
               <a:t>Валидно</a:t>
             </a:r>
             <a:r>
-              <a:rPr lang="en-US" sz="1800" dirty="0" smtClean="0">
+              <a:rPr lang="en-US" sz="1800" dirty="0">
                 <a:solidFill>
                   <a:srgbClr val="00B050"/>
                 </a:solidFill>
@@ -15290,7 +17655,7 @@
               <a:t>, </a:t>
             </a:r>
             <a:r>
-              <a:rPr lang="bg-BG" sz="1800" dirty="0" smtClean="0">
+              <a:rPr lang="bg-BG" sz="1800" dirty="0">
                 <a:solidFill>
                   <a:srgbClr val="00B050"/>
                 </a:solidFill>
@@ -15300,7 +17665,7 @@
               <a:t>но</a:t>
             </a:r>
             <a:r>
-              <a:rPr lang="en-US" sz="1800" dirty="0" smtClean="0">
+              <a:rPr lang="en-US" sz="1800" dirty="0">
                 <a:solidFill>
                   <a:srgbClr val="00B050"/>
                 </a:solidFill>
@@ -15310,7 +17675,7 @@
               <a:t> </a:t>
             </a:r>
             <a:r>
-              <a:rPr lang="bg-BG" sz="1800" dirty="0" smtClean="0">
+              <a:rPr lang="bg-BG" sz="1800" dirty="0">
                 <a:solidFill>
                   <a:srgbClr val="FF0000"/>
                 </a:solidFill>
@@ -15320,7 +17685,7 @@
               <a:t>Не</a:t>
             </a:r>
             <a:r>
-              <a:rPr lang="en-US" sz="1800" dirty="0" smtClean="0">
+              <a:rPr lang="en-US" sz="1800" dirty="0">
                 <a:solidFill>
                   <a:srgbClr val="00B050"/>
                 </a:solidFill>
@@ -15330,7 +17695,7 @@
               <a:t> </a:t>
             </a:r>
             <a:r>
-              <a:rPr lang="bg-BG" sz="1800" dirty="0" smtClean="0">
+              <a:rPr lang="bg-BG" sz="1800" dirty="0">
                 <a:solidFill>
                   <a:srgbClr val="00B050"/>
                 </a:solidFill>
@@ -15340,7 +17705,7 @@
               <a:t>препоръчително</a:t>
             </a:r>
             <a:r>
-              <a:rPr lang="en-US" sz="1800" dirty="0" smtClean="0">
+              <a:rPr lang="en-US" sz="1800" dirty="0">
                 <a:solidFill>
                   <a:srgbClr val="00B050"/>
                 </a:solidFill>
@@ -15350,7 +17715,7 @@
               <a:t>! </a:t>
             </a:r>
             <a:r>
-              <a:rPr lang="bg-BG" sz="1800" dirty="0" smtClean="0">
+              <a:rPr lang="bg-BG" sz="1800" dirty="0">
                 <a:solidFill>
                   <a:srgbClr val="00B050"/>
                 </a:solidFill>
@@ -15360,7 +17725,7 @@
               <a:t>Вместо това трябва да бъде </a:t>
             </a:r>
             <a:r>
-              <a:rPr lang="en-US" sz="1800" dirty="0" err="1" smtClean="0">
+              <a:rPr lang="en-US" sz="1800" dirty="0" err="1">
                 <a:solidFill>
                   <a:schemeClr val="accent5">
                     <a:lumMod val="50000"/>
@@ -15372,7 +17737,7 @@
               <a:t>lastName</a:t>
             </a:r>
             <a:r>
-              <a:rPr lang="bg-BG" sz="1800" dirty="0" smtClean="0">
+              <a:rPr lang="bg-BG" sz="1800" dirty="0">
                 <a:solidFill>
                   <a:srgbClr val="00B050"/>
                 </a:solidFill>
@@ -15382,16 +17747,12 @@
               <a:t>, защото е смислено</a:t>
             </a:r>
             <a:r>
-              <a:rPr lang="en-US" sz="1800" dirty="0" smtClean="0">
+              <a:rPr lang="en-US" sz="1800" dirty="0">
                 <a:latin typeface="Arial" panose="020B0604020202020204" pitchFamily="34" charset="0"/>
                 <a:cs typeface="Arial" panose="020B0604020202020204" pitchFamily="34" charset="0"/>
               </a:rPr>
               <a:t>.</a:t>
             </a:r>
-            <a:endParaRPr lang="en-US" sz="1800" dirty="0" smtClean="0">
-              <a:latin typeface="Arial" panose="020B0604020202020204" pitchFamily="34" charset="0"/>
-              <a:cs typeface="Arial" panose="020B0604020202020204" pitchFamily="34" charset="0"/>
-            </a:endParaRPr>
           </a:p>
           <a:p>
             <a:pPr marL="457200" lvl="1" indent="0">
@@ -15444,17 +17805,10 @@
   <p:clrMapOvr>
     <a:masterClrMapping/>
   </p:clrMapOvr>
-  <p:timing>
-    <p:tnLst>
-      <p:par>
-        <p:cTn id="1" dur="indefinite" restart="never" nodeType="tmRoot"/>
-      </p:par>
-    </p:tnLst>
-  </p:timing>
 </p:sld>
 </file>
 
-<file path=ppt/slides/slide15.xml><?xml version="1.0" encoding="utf-8"?>
+<file path=ppt/slides/slide22.xml><?xml version="1.0" encoding="utf-8"?>
 <p:sld xmlns:a="http://schemas.openxmlformats.org/drawingml/2006/main" xmlns:r="http://schemas.openxmlformats.org/officeDocument/2006/relationships" xmlns:p="http://schemas.openxmlformats.org/presentationml/2006/main">
   <p:cSld>
     <p:spTree>
@@ -15488,14 +17842,14 @@
           <a:p>
             <a:pPr algn="ctr"/>
             <a:r>
-              <a:rPr lang="bg-BG" dirty="0" smtClean="0">
+              <a:rPr lang="bg-BG" dirty="0">
                 <a:latin typeface="Arial" panose="020B0604020202020204" pitchFamily="34" charset="0"/>
                 <a:cs typeface="Arial" panose="020B0604020202020204" pitchFamily="34" charset="0"/>
               </a:rPr>
               <a:t>Типове данни в</a:t>
             </a:r>
             <a:r>
-              <a:rPr lang="bg-BG" dirty="0" smtClean="0">
+              <a:rPr lang="bg-BG" dirty="0">
                 <a:solidFill>
                   <a:srgbClr val="FFFF00"/>
                 </a:solidFill>
@@ -15505,32 +17859,15 @@
               <a:t> </a:t>
             </a:r>
             <a:r>
-              <a:rPr lang="en-US" dirty="0" smtClean="0">
+              <a:rPr lang="en-US" dirty="0">
                 <a:solidFill>
                   <a:srgbClr val="FFFF00"/>
                 </a:solidFill>
                 <a:latin typeface="Arial" panose="020B0604020202020204" pitchFamily="34" charset="0"/>
                 <a:cs typeface="Arial" panose="020B0604020202020204" pitchFamily="34" charset="0"/>
               </a:rPr>
-              <a:t>C</a:t>
-            </a:r>
-            <a:r>
-              <a:rPr lang="en-US" dirty="0" smtClean="0">
-                <a:solidFill>
-                  <a:srgbClr val="FFFF00"/>
-                </a:solidFill>
-                <a:latin typeface="Arial" panose="020B0604020202020204" pitchFamily="34" charset="0"/>
-                <a:cs typeface="Arial" panose="020B0604020202020204" pitchFamily="34" charset="0"/>
-              </a:rPr>
-              <a:t># </a:t>
-            </a:r>
-            <a:endParaRPr lang="en-US" dirty="0">
-              <a:solidFill>
-                <a:srgbClr val="FFFF00"/>
-              </a:solidFill>
-              <a:latin typeface="Arial" panose="020B0604020202020204" pitchFamily="34" charset="0"/>
-              <a:cs typeface="Arial" panose="020B0604020202020204" pitchFamily="34" charset="0"/>
-            </a:endParaRPr>
+              <a:t>C# </a:t>
+            </a:r>
           </a:p>
         </p:txBody>
       </p:sp>
@@ -15603,17 +17940,10 @@
   <p:clrMapOvr>
     <a:masterClrMapping/>
   </p:clrMapOvr>
-  <p:timing>
-    <p:tnLst>
-      <p:par>
-        <p:cTn id="1" dur="indefinite" restart="never" nodeType="tmRoot"/>
-      </p:par>
-    </p:tnLst>
-  </p:timing>
 </p:sld>
 </file>
 
-<file path=ppt/slides/slide16.xml><?xml version="1.0" encoding="utf-8"?>
+<file path=ppt/slides/slide23.xml><?xml version="1.0" encoding="utf-8"?>
 <p:sld xmlns:a="http://schemas.openxmlformats.org/drawingml/2006/main" xmlns:r="http://schemas.openxmlformats.org/officeDocument/2006/relationships" xmlns:p="http://schemas.openxmlformats.org/presentationml/2006/main">
   <p:cSld>
     <p:spTree>
@@ -15647,7 +17977,7 @@
           <a:p>
             <a:pPr algn="ctr"/>
             <a:r>
-              <a:rPr lang="en-US" dirty="0" smtClean="0">
+              <a:rPr lang="en-US" dirty="0">
                 <a:solidFill>
                   <a:schemeClr val="bg1"/>
                 </a:solidFill>
@@ -15657,7 +17987,7 @@
               <a:t>C# </a:t>
             </a:r>
             <a:r>
-              <a:rPr lang="bg-BG" dirty="0" smtClean="0">
+              <a:rPr lang="bg-BG" dirty="0">
                 <a:solidFill>
                   <a:srgbClr val="FFFF00"/>
                 </a:solidFill>
@@ -15728,11 +18058,11 @@
           <a:lstStyle/>
           <a:p>
             <a:r>
-              <a:rPr lang="bg-BG" dirty="0" smtClean="0"/>
+              <a:rPr lang="bg-BG" dirty="0"/>
               <a:t>Нейминг конвенции за </a:t>
             </a:r>
             <a:r>
-              <a:rPr lang="bg-BG" dirty="0" smtClean="0">
+              <a:rPr lang="bg-BG" dirty="0">
                 <a:solidFill>
                   <a:srgbClr val="0070C0"/>
                 </a:solidFill>
@@ -15740,19 +18070,19 @@
               <a:t>променливи</a:t>
             </a:r>
             <a:r>
-              <a:rPr lang="en-US" dirty="0" smtClean="0"/>
+              <a:rPr lang="en-US" dirty="0"/>
               <a:t> </a:t>
             </a:r>
             <a:r>
-              <a:rPr lang="bg-BG" dirty="0" smtClean="0"/>
+              <a:rPr lang="bg-BG" dirty="0"/>
               <a:t>и</a:t>
             </a:r>
             <a:r>
-              <a:rPr lang="en-US" dirty="0" smtClean="0"/>
+              <a:rPr lang="en-US" dirty="0"/>
               <a:t> </a:t>
             </a:r>
             <a:r>
-              <a:rPr lang="bg-BG" dirty="0" smtClean="0">
+              <a:rPr lang="bg-BG" dirty="0">
                 <a:solidFill>
                   <a:schemeClr val="accent2">
                     <a:lumMod val="75000"/>
@@ -15762,25 +18092,24 @@
               <a:t>константи</a:t>
             </a:r>
             <a:r>
-              <a:rPr lang="en-US" dirty="0" smtClean="0"/>
+              <a:rPr lang="en-US" dirty="0"/>
               <a:t>:</a:t>
             </a:r>
-            <a:endParaRPr lang="en-US" dirty="0" smtClean="0"/>
           </a:p>
           <a:p>
             <a:endParaRPr lang="en-US" dirty="0"/>
           </a:p>
           <a:p>
             <a:r>
-              <a:rPr lang="bg-BG" dirty="0" smtClean="0"/>
+              <a:rPr lang="bg-BG" dirty="0"/>
               <a:t>За</a:t>
             </a:r>
             <a:r>
-              <a:rPr lang="en-US" dirty="0" smtClean="0"/>
+              <a:rPr lang="en-US" dirty="0"/>
               <a:t> </a:t>
             </a:r>
             <a:r>
-              <a:rPr lang="bg-BG" dirty="0" smtClean="0">
+              <a:rPr lang="bg-BG" dirty="0">
                 <a:solidFill>
                   <a:srgbClr val="0070C0"/>
                 </a:solidFill>
@@ -15788,18 +18117,18 @@
               <a:t>променливи</a:t>
             </a:r>
             <a:r>
-              <a:rPr lang="en-US" dirty="0" smtClean="0"/>
+              <a:rPr lang="en-US" dirty="0"/>
               <a:t>: </a:t>
             </a:r>
             <a:r>
-              <a:rPr lang="en-US" dirty="0" err="1" smtClean="0">
+              <a:rPr lang="en-US" dirty="0" err="1">
                 <a:solidFill>
                   <a:srgbClr val="0070C0"/>
                 </a:solidFill>
               </a:rPr>
               <a:t>camelCase</a:t>
             </a:r>
-            <a:endParaRPr lang="en-US" dirty="0" smtClean="0">
+            <a:endParaRPr lang="en-US" dirty="0">
               <a:solidFill>
                 <a:srgbClr val="0070C0"/>
               </a:solidFill>
@@ -15807,15 +18136,15 @@
           </a:p>
           <a:p>
             <a:r>
-              <a:rPr lang="bg-BG" dirty="0" smtClean="0"/>
+              <a:rPr lang="bg-BG" dirty="0"/>
               <a:t>За</a:t>
             </a:r>
             <a:r>
-              <a:rPr lang="en-US" dirty="0" smtClean="0"/>
+              <a:rPr lang="en-US" dirty="0"/>
               <a:t> </a:t>
             </a:r>
             <a:r>
-              <a:rPr lang="bg-BG" dirty="0" smtClean="0">
+              <a:rPr lang="bg-BG" dirty="0">
                 <a:solidFill>
                   <a:schemeClr val="accent2">
                     <a:lumMod val="75000"/>
@@ -15825,11 +18154,11 @@
               <a:t>константи</a:t>
             </a:r>
             <a:r>
-              <a:rPr lang="en-US" dirty="0" smtClean="0"/>
+              <a:rPr lang="en-US" dirty="0"/>
               <a:t>: </a:t>
             </a:r>
             <a:r>
-              <a:rPr lang="en-US" dirty="0" err="1" smtClean="0">
+              <a:rPr lang="en-US" dirty="0" err="1">
                 <a:solidFill>
                   <a:schemeClr val="accent2">
                     <a:lumMod val="75000"/>
@@ -15838,24 +18167,6 @@
               </a:rPr>
               <a:t>PascalCase</a:t>
             </a:r>
-            <a:endParaRPr lang="en-US" dirty="0" smtClean="0">
-              <a:solidFill>
-                <a:schemeClr val="accent2">
-                  <a:lumMod val="75000"/>
-                </a:schemeClr>
-              </a:solidFill>
-            </a:endParaRPr>
-          </a:p>
-          <a:p>
-            <a:endParaRPr lang="en-US" dirty="0" smtClean="0">
-              <a:solidFill>
-                <a:schemeClr val="accent2">
-                  <a:lumMod val="75000"/>
-                </a:schemeClr>
-              </a:solidFill>
-            </a:endParaRPr>
-          </a:p>
-          <a:p>
             <a:endParaRPr lang="en-US" dirty="0">
               <a:solidFill>
                 <a:schemeClr val="accent2">
@@ -15865,12 +18176,30 @@
             </a:endParaRPr>
           </a:p>
           <a:p>
-            <a:r>
-              <a:rPr lang="bg-BG" b="1" i="1" u="sng" dirty="0" smtClean="0"/>
+            <a:endParaRPr lang="en-US" dirty="0">
+              <a:solidFill>
+                <a:schemeClr val="accent2">
+                  <a:lumMod val="75000"/>
+                </a:schemeClr>
+              </a:solidFill>
+            </a:endParaRPr>
+          </a:p>
+          <a:p>
+            <a:endParaRPr lang="en-US" dirty="0">
+              <a:solidFill>
+                <a:schemeClr val="accent2">
+                  <a:lumMod val="75000"/>
+                </a:schemeClr>
+              </a:solidFill>
+            </a:endParaRPr>
+          </a:p>
+          <a:p>
+            <a:r>
+              <a:rPr lang="bg-BG" b="1" i="1" u="sng" dirty="0"/>
               <a:t>Бележка</a:t>
             </a:r>
             <a:r>
-              <a:rPr lang="en-US" b="1" i="1" u="sng" dirty="0" smtClean="0"/>
+              <a:rPr lang="en-US" b="1" i="1" u="sng" dirty="0"/>
               <a:t>: </a:t>
             </a:r>
             <a:r>
@@ -15878,19 +18207,15 @@
               <a:t>В</a:t>
             </a:r>
             <a:r>
-              <a:rPr lang="en-US" dirty="0" smtClean="0"/>
-              <a:t> </a:t>
-            </a:r>
-            <a:r>
-              <a:rPr lang="en-US" dirty="0" smtClean="0"/>
-              <a:t>C# </a:t>
-            </a:r>
-            <a:r>
-              <a:rPr lang="bg-BG" dirty="0" smtClean="0"/>
+              <a:rPr lang="en-US" dirty="0"/>
+              <a:t> C# </a:t>
+            </a:r>
+            <a:r>
+              <a:rPr lang="bg-BG" dirty="0"/>
               <a:t>не е препоръчително да се използва </a:t>
             </a:r>
             <a:r>
-              <a:rPr lang="bg-BG" dirty="0" smtClean="0">
+              <a:rPr lang="bg-BG" dirty="0">
                 <a:solidFill>
                   <a:srgbClr val="FF0000"/>
                 </a:solidFill>
@@ -15898,7 +18223,7 @@
               <a:t>Унгарската нотация (</a:t>
             </a:r>
             <a:r>
-              <a:rPr lang="en-US" dirty="0" smtClean="0">
+              <a:rPr lang="en-US" dirty="0">
                 <a:solidFill>
                   <a:srgbClr val="FF0000"/>
                 </a:solidFill>
@@ -15906,7 +18231,7 @@
               <a:t>Hungarian notation</a:t>
             </a:r>
             <a:r>
-              <a:rPr lang="bg-BG" dirty="0" smtClean="0">
+              <a:rPr lang="bg-BG" dirty="0">
                 <a:solidFill>
                   <a:srgbClr val="FF0000"/>
                 </a:solidFill>
@@ -15914,10 +18239,9 @@
               <a:t>)</a:t>
             </a:r>
             <a:r>
-              <a:rPr lang="en-US" dirty="0" smtClean="0"/>
+              <a:rPr lang="en-US" dirty="0"/>
               <a:t>.</a:t>
             </a:r>
-            <a:endParaRPr lang="en-US" dirty="0" smtClean="0"/>
           </a:p>
           <a:p>
             <a:endParaRPr lang="en-US" dirty="0"/>
@@ -15925,18 +18249,14 @@
           <a:p>
             <a:r>
               <a:rPr lang="en-US" b="1" dirty="0"/>
-              <a:t>s</a:t>
-            </a:r>
-            <a:r>
-              <a:rPr lang="en-US" b="1" dirty="0" smtClean="0"/>
-              <a:t>tring</a:t>
-            </a:r>
-            <a:r>
-              <a:rPr lang="en-US" dirty="0" smtClean="0"/>
+              <a:t>string</a:t>
+            </a:r>
+            <a:r>
+              <a:rPr lang="en-US" dirty="0"/>
               <a:t> </a:t>
             </a:r>
             <a:r>
-              <a:rPr lang="en-US" dirty="0" err="1" smtClean="0">
+              <a:rPr lang="en-US" dirty="0" err="1">
                 <a:solidFill>
                   <a:srgbClr val="C00000"/>
                 </a:solidFill>
@@ -15944,20 +18264,20 @@
               <a:t>strFirstName</a:t>
             </a:r>
             <a:r>
-              <a:rPr lang="en-US" dirty="0" smtClean="0"/>
+              <a:rPr lang="en-US" dirty="0"/>
               <a:t> = “</a:t>
             </a:r>
             <a:r>
-              <a:rPr lang="en-US" dirty="0" err="1" smtClean="0"/>
+              <a:rPr lang="en-US" dirty="0" err="1"/>
               <a:t>Velizar</a:t>
             </a:r>
             <a:r>
-              <a:rPr lang="en-US" dirty="0" smtClean="0"/>
+              <a:rPr lang="en-US" dirty="0"/>
               <a:t>”;</a:t>
             </a:r>
           </a:p>
           <a:p>
-            <a:endParaRPr lang="en-US" dirty="0" smtClean="0"/>
+            <a:endParaRPr lang="en-US" dirty="0"/>
           </a:p>
           <a:p>
             <a:endParaRPr lang="en-US" dirty="0"/>
@@ -15974,17 +18294,10 @@
   <p:clrMapOvr>
     <a:masterClrMapping/>
   </p:clrMapOvr>
-  <p:timing>
-    <p:tnLst>
-      <p:par>
-        <p:cTn id="1" dur="indefinite" restart="never" nodeType="tmRoot"/>
-      </p:par>
-    </p:tnLst>
-  </p:timing>
 </p:sld>
 </file>
 
-<file path=ppt/slides/slide17.xml><?xml version="1.0" encoding="utf-8"?>
+<file path=ppt/slides/slide24.xml><?xml version="1.0" encoding="utf-8"?>
 <p:sld xmlns:a="http://schemas.openxmlformats.org/drawingml/2006/main" xmlns:r="http://schemas.openxmlformats.org/officeDocument/2006/relationships" xmlns:p="http://schemas.openxmlformats.org/presentationml/2006/main">
   <p:cSld>
     <p:spTree>
@@ -16018,14 +18331,14 @@
           <a:p>
             <a:pPr algn="ctr"/>
             <a:r>
-              <a:rPr lang="en-US" dirty="0" smtClean="0">
+              <a:rPr lang="en-US" dirty="0">
                 <a:latin typeface="Arial" panose="020B0604020202020204" pitchFamily="34" charset="0"/>
                 <a:cs typeface="Arial" panose="020B0604020202020204" pitchFamily="34" charset="0"/>
               </a:rPr>
               <a:t>C# Console </a:t>
             </a:r>
             <a:r>
-              <a:rPr lang="en-US" dirty="0" err="1" smtClean="0">
+              <a:rPr lang="en-US" dirty="0" err="1">
                 <a:solidFill>
                   <a:srgbClr val="FFFF00"/>
                 </a:solidFill>
@@ -16116,7 +18429,7 @@
 </p:sld>
 </file>
 
-<file path=ppt/slides/slide18.xml><?xml version="1.0" encoding="utf-8"?>
+<file path=ppt/slides/slide25.xml><?xml version="1.0" encoding="utf-8"?>
 <p:sld xmlns:a="http://schemas.openxmlformats.org/drawingml/2006/main" xmlns:r="http://schemas.openxmlformats.org/officeDocument/2006/relationships" xmlns:p="http://schemas.openxmlformats.org/presentationml/2006/main">
   <p:cSld>
     <p:spTree>
@@ -16150,50 +18463,36 @@
           <a:p>
             <a:pPr algn="ctr"/>
             <a:r>
-              <a:rPr lang="bg-BG" dirty="0" smtClean="0">
+              <a:rPr lang="bg-BG" dirty="0">
                 <a:latin typeface="Arial" panose="020B0604020202020204" pitchFamily="34" charset="0"/>
                 <a:cs typeface="Arial" panose="020B0604020202020204" pitchFamily="34" charset="0"/>
               </a:rPr>
               <a:t>Условна логика </a:t>
             </a:r>
             <a:r>
-              <a:rPr lang="en-US" dirty="0" smtClean="0">
+              <a:rPr lang="en-US" dirty="0">
                 <a:latin typeface="Arial" panose="020B0604020202020204" pitchFamily="34" charset="0"/>
                 <a:cs typeface="Arial" panose="020B0604020202020204" pitchFamily="34" charset="0"/>
               </a:rPr>
               <a:t>(</a:t>
             </a:r>
             <a:r>
-              <a:rPr lang="en-US" dirty="0" smtClean="0">
+              <a:rPr lang="en-US" dirty="0">
                 <a:solidFill>
                   <a:srgbClr val="FFFF00"/>
                 </a:solidFill>
                 <a:latin typeface="Arial" panose="020B0604020202020204" pitchFamily="34" charset="0"/>
                 <a:cs typeface="Arial" panose="020B0604020202020204" pitchFamily="34" charset="0"/>
               </a:rPr>
-              <a:t>if/else </a:t>
-            </a:r>
-            <a:r>
-              <a:rPr lang="en-US" dirty="0" smtClean="0">
-                <a:solidFill>
-                  <a:srgbClr val="FFFF00"/>
-                </a:solidFill>
-                <a:latin typeface="Arial" panose="020B0604020202020204" pitchFamily="34" charset="0"/>
-                <a:cs typeface="Arial" panose="020B0604020202020204" pitchFamily="34" charset="0"/>
-              </a:rPr>
-              <a:t>if/else</a:t>
-            </a:r>
-            <a:r>
-              <a:rPr lang="en-US" dirty="0" smtClean="0">
+              <a:t>if/else if/else</a:t>
+            </a:r>
+            <a:r>
+              <a:rPr lang="en-US" dirty="0">
                 <a:latin typeface="Arial" panose="020B0604020202020204" pitchFamily="34" charset="0"/>
                 <a:cs typeface="Arial" panose="020B0604020202020204" pitchFamily="34" charset="0"/>
               </a:rPr>
               <a:t>)</a:t>
             </a:r>
-            <a:endParaRPr lang="en-US" dirty="0">
-              <a:latin typeface="Arial" panose="020B0604020202020204" pitchFamily="34" charset="0"/>
-              <a:cs typeface="Arial" panose="020B0604020202020204" pitchFamily="34" charset="0"/>
-            </a:endParaRPr>
           </a:p>
         </p:txBody>
       </p:sp>
@@ -16236,17 +18535,10 @@
   <p:clrMapOvr>
     <a:masterClrMapping/>
   </p:clrMapOvr>
-  <p:timing>
-    <p:tnLst>
-      <p:par>
-        <p:cTn id="1" dur="indefinite" restart="never" nodeType="tmRoot"/>
-      </p:par>
-    </p:tnLst>
-  </p:timing>
 </p:sld>
 </file>
 
-<file path=ppt/slides/slide19.xml><?xml version="1.0" encoding="utf-8"?>
+<file path=ppt/slides/slide26.xml><?xml version="1.0" encoding="utf-8"?>
 <p:sld xmlns:a="http://schemas.openxmlformats.org/drawingml/2006/main" xmlns:r="http://schemas.openxmlformats.org/officeDocument/2006/relationships" xmlns:p="http://schemas.openxmlformats.org/presentationml/2006/main">
   <p:cSld>
     <p:spTree>
@@ -16287,27 +18579,17 @@
                 <a:latin typeface="Arial" panose="020B0604020202020204" pitchFamily="34" charset="0"/>
                 <a:cs typeface="Arial" panose="020B0604020202020204" pitchFamily="34" charset="0"/>
               </a:rPr>
-              <a:t>S</a:t>
-            </a:r>
-            <a:r>
-              <a:rPr lang="en-US" dirty="0" smtClean="0">
-                <a:solidFill>
-                  <a:srgbClr val="FFFF00"/>
-                </a:solidFill>
-                <a:latin typeface="Arial" panose="020B0604020202020204" pitchFamily="34" charset="0"/>
-                <a:cs typeface="Arial" panose="020B0604020202020204" pitchFamily="34" charset="0"/>
-              </a:rPr>
-              <a:t>witch/case</a:t>
-            </a:r>
-            <a:r>
-              <a:rPr lang="en-US" dirty="0" smtClean="0">
+              <a:t>Switch/case</a:t>
+            </a:r>
+            <a:r>
+              <a:rPr lang="en-US" dirty="0">
                 <a:latin typeface="Arial" panose="020B0604020202020204" pitchFamily="34" charset="0"/>
                 <a:cs typeface="Arial" panose="020B0604020202020204" pitchFamily="34" charset="0"/>
               </a:rPr>
               <a:t> </a:t>
             </a:r>
             <a:r>
-              <a:rPr lang="bg-BG" dirty="0" smtClean="0">
+              <a:rPr lang="bg-BG" dirty="0">
                 <a:latin typeface="Arial" panose="020B0604020202020204" pitchFamily="34" charset="0"/>
                 <a:cs typeface="Arial" panose="020B0604020202020204" pitchFamily="34" charset="0"/>
               </a:rPr>
@@ -16359,17 +18641,10 @@
   <p:clrMapOvr>
     <a:masterClrMapping/>
   </p:clrMapOvr>
-  <p:timing>
-    <p:tnLst>
-      <p:par>
-        <p:cTn id="1" dur="indefinite" restart="never" nodeType="tmRoot"/>
-      </p:par>
-    </p:tnLst>
-  </p:timing>
 </p:sld>
 </file>
 
-<file path=ppt/slides/slide2.xml><?xml version="1.0" encoding="utf-8"?>
+<file path=ppt/slides/slide27.xml><?xml version="1.0" encoding="utf-8"?>
 <p:sld xmlns:a="http://schemas.openxmlformats.org/drawingml/2006/main" xmlns:r="http://schemas.openxmlformats.org/officeDocument/2006/relationships" xmlns:p="http://schemas.openxmlformats.org/presentationml/2006/main">
   <p:cSld>
     <p:spTree>
@@ -16403,201 +18678,50 @@
           <a:p>
             <a:pPr algn="ctr"/>
             <a:r>
-              <a:rPr lang="bg-BG" dirty="0" smtClean="0">
-                <a:latin typeface="Arial" panose="020B0604020202020204" pitchFamily="34" charset="0"/>
-                <a:cs typeface="Arial" panose="020B0604020202020204" pitchFamily="34" charset="0"/>
-              </a:rPr>
-              <a:t>Какво означава </a:t>
-            </a:r>
-            <a:r>
-              <a:rPr lang="bg-BG" dirty="0" smtClean="0">
+              <a:rPr lang="bg-BG" dirty="0">
+                <a:latin typeface="Arial" panose="020B0604020202020204" pitchFamily="34" charset="0"/>
+                <a:cs typeface="Arial" panose="020B0604020202020204" pitchFamily="34" charset="0"/>
+              </a:rPr>
+              <a:t>Цикли</a:t>
+            </a:r>
+            <a:r>
+              <a:rPr lang="en-US" dirty="0">
+                <a:latin typeface="Arial" panose="020B0604020202020204" pitchFamily="34" charset="0"/>
+                <a:cs typeface="Arial" panose="020B0604020202020204" pitchFamily="34" charset="0"/>
+              </a:rPr>
+              <a:t> (</a:t>
+            </a:r>
+            <a:r>
+              <a:rPr lang="en-US" dirty="0">
                 <a:solidFill>
                   <a:srgbClr val="FFFF00"/>
                 </a:solidFill>
                 <a:latin typeface="Arial" panose="020B0604020202020204" pitchFamily="34" charset="0"/>
                 <a:cs typeface="Arial" panose="020B0604020202020204" pitchFamily="34" charset="0"/>
               </a:rPr>
-              <a:t>да програмираме</a:t>
-            </a:r>
-            <a:r>
-              <a:rPr lang="bg-BG" dirty="0" smtClean="0">
-                <a:latin typeface="Arial" panose="020B0604020202020204" pitchFamily="34" charset="0"/>
-                <a:cs typeface="Arial" panose="020B0604020202020204" pitchFamily="34" charset="0"/>
-              </a:rPr>
-              <a:t>?</a:t>
-            </a:r>
-            <a:endParaRPr lang="en-US" dirty="0">
-              <a:latin typeface="Arial" panose="020B0604020202020204" pitchFamily="34" charset="0"/>
-              <a:cs typeface="Arial" panose="020B0604020202020204" pitchFamily="34" charset="0"/>
-            </a:endParaRPr>
-          </a:p>
-        </p:txBody>
-      </p:sp>
-      <p:sp>
-        <p:nvSpPr>
-          <p:cNvPr id="3" name="Content Placeholder 2"/>
-          <p:cNvSpPr>
-            <a:spLocks noGrp="1"/>
-          </p:cNvSpPr>
-          <p:nvPr>
-            <p:ph idx="1"/>
-          </p:nvPr>
-        </p:nvSpPr>
-        <p:spPr>
-          <a:xfrm>
-            <a:off x="1154954" y="2603500"/>
-            <a:ext cx="10191069" cy="3853284"/>
-          </a:xfrm>
-        </p:spPr>
-        <p:txBody>
-          <a:bodyPr>
-            <a:normAutofit/>
-          </a:bodyPr>
-          <a:lstStyle/>
-          <a:p>
-            <a:r>
-              <a:rPr lang="bg-BG" sz="2400" dirty="0" smtClean="0">
-                <a:latin typeface="Arial" panose="020B0604020202020204" pitchFamily="34" charset="0"/>
-                <a:cs typeface="Arial" panose="020B0604020202020204" pitchFamily="34" charset="0"/>
-              </a:rPr>
-              <a:t>Програмирането е процес, при който задаваме някакви команди на компютъра.</a:t>
-            </a:r>
-          </a:p>
-          <a:p>
-            <a:r>
-              <a:rPr lang="bg-BG" sz="2400" dirty="0" smtClean="0">
-                <a:latin typeface="Arial" panose="020B0604020202020204" pitchFamily="34" charset="0"/>
-                <a:cs typeface="Arial" panose="020B0604020202020204" pitchFamily="34" charset="0"/>
-              </a:rPr>
-              <a:t>Командите се пишат на някакъв програмен език</a:t>
-            </a:r>
-          </a:p>
-          <a:p>
-            <a:r>
-              <a:rPr lang="bg-BG" sz="2400" dirty="0" smtClean="0">
-                <a:latin typeface="Arial" panose="020B0604020202020204" pitchFamily="34" charset="0"/>
-                <a:cs typeface="Arial" panose="020B0604020202020204" pitchFamily="34" charset="0"/>
-              </a:rPr>
-              <a:t>Командите се подреждат една след друга </a:t>
-            </a:r>
-          </a:p>
-          <a:p>
-            <a:r>
-              <a:rPr lang="bg-BG" sz="2400" dirty="0" smtClean="0">
-                <a:latin typeface="Arial" panose="020B0604020202020204" pitchFamily="34" charset="0"/>
-                <a:cs typeface="Arial" panose="020B0604020202020204" pitchFamily="34" charset="0"/>
-              </a:rPr>
-              <a:t>В поредица, командите образуват компютърна програма </a:t>
-            </a:r>
-            <a:endParaRPr lang="en-US" sz="2400" dirty="0">
-              <a:latin typeface="Arial" panose="020B0604020202020204" pitchFamily="34" charset="0"/>
-              <a:cs typeface="Arial" panose="020B0604020202020204" pitchFamily="34" charset="0"/>
-            </a:endParaRPr>
-          </a:p>
-        </p:txBody>
-      </p:sp>
-    </p:spTree>
-    <p:extLst>
-      <p:ext uri="{BB962C8B-B14F-4D97-AF65-F5344CB8AC3E}">
-        <p14:creationId xmlns:p14="http://schemas.microsoft.com/office/powerpoint/2010/main" val="1648912798"/>
-      </p:ext>
-    </p:extLst>
-  </p:cSld>
-  <p:clrMapOvr>
-    <a:masterClrMapping/>
-  </p:clrMapOvr>
-</p:sld>
-</file>
-
-<file path=ppt/slides/slide20.xml><?xml version="1.0" encoding="utf-8"?>
-<p:sld xmlns:a="http://schemas.openxmlformats.org/drawingml/2006/main" xmlns:r="http://schemas.openxmlformats.org/officeDocument/2006/relationships" xmlns:p="http://schemas.openxmlformats.org/presentationml/2006/main">
-  <p:cSld>
-    <p:spTree>
-      <p:nvGrpSpPr>
-        <p:cNvPr id="1" name=""/>
-        <p:cNvGrpSpPr/>
-        <p:nvPr/>
-      </p:nvGrpSpPr>
-      <p:grpSpPr>
-        <a:xfrm>
-          <a:off x="0" y="0"/>
-          <a:ext cx="0" cy="0"/>
-          <a:chOff x="0" y="0"/>
-          <a:chExt cx="0" cy="0"/>
-        </a:xfrm>
-      </p:grpSpPr>
-      <p:sp>
-        <p:nvSpPr>
-          <p:cNvPr id="2" name="Title 1"/>
-          <p:cNvSpPr>
-            <a:spLocks noGrp="1"/>
-          </p:cNvSpPr>
-          <p:nvPr>
-            <p:ph type="title"/>
-          </p:nvPr>
-        </p:nvSpPr>
-        <p:spPr/>
-        <p:txBody>
-          <a:bodyPr/>
-          <a:lstStyle/>
-          <a:p>
-            <a:pPr algn="ctr"/>
+              <a:t>for</a:t>
+            </a:r>
+            <a:r>
+              <a:rPr lang="en-US" dirty="0">
+                <a:latin typeface="Arial" panose="020B0604020202020204" pitchFamily="34" charset="0"/>
+                <a:cs typeface="Arial" panose="020B0604020202020204" pitchFamily="34" charset="0"/>
+              </a:rPr>
+              <a:t> </a:t>
+            </a:r>
             <a:r>
               <a:rPr lang="bg-BG" dirty="0">
                 <a:latin typeface="Arial" panose="020B0604020202020204" pitchFamily="34" charset="0"/>
                 <a:cs typeface="Arial" panose="020B0604020202020204" pitchFamily="34" charset="0"/>
               </a:rPr>
-              <a:t>Цикли</a:t>
-            </a:r>
-            <a:r>
-              <a:rPr lang="en-US" dirty="0" smtClean="0">
-                <a:latin typeface="Arial" panose="020B0604020202020204" pitchFamily="34" charset="0"/>
-                <a:cs typeface="Arial" panose="020B0604020202020204" pitchFamily="34" charset="0"/>
-              </a:rPr>
-              <a:t> </a:t>
-            </a:r>
-            <a:r>
-              <a:rPr lang="en-US" dirty="0" smtClean="0">
-                <a:latin typeface="Arial" panose="020B0604020202020204" pitchFamily="34" charset="0"/>
-                <a:cs typeface="Arial" panose="020B0604020202020204" pitchFamily="34" charset="0"/>
-              </a:rPr>
-              <a:t>(</a:t>
-            </a:r>
-            <a:r>
-              <a:rPr lang="en-US" dirty="0" smtClean="0">
-                <a:solidFill>
-                  <a:srgbClr val="FFFF00"/>
-                </a:solidFill>
-                <a:latin typeface="Arial" panose="020B0604020202020204" pitchFamily="34" charset="0"/>
-                <a:cs typeface="Arial" panose="020B0604020202020204" pitchFamily="34" charset="0"/>
-              </a:rPr>
-              <a:t>for</a:t>
-            </a:r>
-            <a:r>
-              <a:rPr lang="en-US" dirty="0" smtClean="0">
-                <a:latin typeface="Arial" panose="020B0604020202020204" pitchFamily="34" charset="0"/>
-                <a:cs typeface="Arial" panose="020B0604020202020204" pitchFamily="34" charset="0"/>
-              </a:rPr>
-              <a:t> </a:t>
-            </a:r>
-            <a:r>
-              <a:rPr lang="bg-BG" dirty="0" smtClean="0">
-                <a:latin typeface="Arial" panose="020B0604020202020204" pitchFamily="34" charset="0"/>
-                <a:cs typeface="Arial" panose="020B0604020202020204" pitchFamily="34" charset="0"/>
-              </a:rPr>
               <a:t>цикъл</a:t>
             </a:r>
             <a:r>
-              <a:rPr lang="en-US" dirty="0" smtClean="0">
+              <a:rPr lang="en-US" dirty="0">
                 <a:latin typeface="Arial" panose="020B0604020202020204" pitchFamily="34" charset="0"/>
                 <a:cs typeface="Arial" panose="020B0604020202020204" pitchFamily="34" charset="0"/>
               </a:rPr>
               <a:t>)</a:t>
             </a:r>
-            <a:endParaRPr lang="en-US" dirty="0">
-              <a:latin typeface="Arial" panose="020B0604020202020204" pitchFamily="34" charset="0"/>
-              <a:cs typeface="Arial" panose="020B0604020202020204" pitchFamily="34" charset="0"/>
-            </a:endParaRPr>
           </a:p>
         </p:txBody>
       </p:sp>
@@ -16653,59 +18777,51 @@
           <a:lstStyle/>
           <a:p>
             <a:r>
-              <a:rPr lang="en-US" dirty="0" smtClean="0">
+              <a:rPr lang="en-US" dirty="0">
                 <a:latin typeface="Arial" panose="020B0604020202020204" pitchFamily="34" charset="0"/>
                 <a:cs typeface="Arial" panose="020B0604020202020204" pitchFamily="34" charset="0"/>
               </a:rPr>
               <a:t>For </a:t>
             </a:r>
             <a:r>
-              <a:rPr lang="bg-BG" dirty="0" smtClean="0">
+              <a:rPr lang="bg-BG" dirty="0">
                 <a:latin typeface="Arial" panose="020B0604020202020204" pitchFamily="34" charset="0"/>
                 <a:cs typeface="Arial" panose="020B0604020202020204" pitchFamily="34" charset="0"/>
               </a:rPr>
               <a:t>цикълът е един от най-използваните цикли в програмирането</a:t>
             </a:r>
             <a:r>
-              <a:rPr lang="en-US" dirty="0" smtClean="0">
+              <a:rPr lang="en-US" dirty="0">
                 <a:latin typeface="Arial" panose="020B0604020202020204" pitchFamily="34" charset="0"/>
                 <a:cs typeface="Arial" panose="020B0604020202020204" pitchFamily="34" charset="0"/>
               </a:rPr>
               <a:t>.</a:t>
             </a:r>
-            <a:endParaRPr lang="en-US" dirty="0" smtClean="0">
+          </a:p>
+          <a:p>
+            <a:endParaRPr lang="en-US" dirty="0">
               <a:latin typeface="Arial" panose="020B0604020202020204" pitchFamily="34" charset="0"/>
               <a:cs typeface="Arial" panose="020B0604020202020204" pitchFamily="34" charset="0"/>
             </a:endParaRPr>
           </a:p>
           <a:p>
-            <a:endParaRPr lang="en-US" dirty="0" smtClean="0">
-              <a:latin typeface="Arial" panose="020B0604020202020204" pitchFamily="34" charset="0"/>
-              <a:cs typeface="Arial" panose="020B0604020202020204" pitchFamily="34" charset="0"/>
-            </a:endParaRPr>
-          </a:p>
-          <a:p>
-            <a:r>
-              <a:rPr lang="bg-BG" dirty="0" smtClean="0">
+            <a:r>
+              <a:rPr lang="bg-BG" dirty="0">
                 <a:latin typeface="Arial" panose="020B0604020202020204" pitchFamily="34" charset="0"/>
                 <a:cs typeface="Arial" panose="020B0604020202020204" pitchFamily="34" charset="0"/>
               </a:rPr>
               <a:t>Съдържа три части</a:t>
             </a:r>
             <a:r>
-              <a:rPr lang="en-US" dirty="0" smtClean="0">
+              <a:rPr lang="en-US" dirty="0">
                 <a:latin typeface="Arial" panose="020B0604020202020204" pitchFamily="34" charset="0"/>
                 <a:cs typeface="Arial" panose="020B0604020202020204" pitchFamily="34" charset="0"/>
               </a:rPr>
               <a:t>:</a:t>
             </a:r>
-            <a:endParaRPr lang="en-US" dirty="0" smtClean="0">
-              <a:latin typeface="Arial" panose="020B0604020202020204" pitchFamily="34" charset="0"/>
-              <a:cs typeface="Arial" panose="020B0604020202020204" pitchFamily="34" charset="0"/>
-            </a:endParaRPr>
-          </a:p>
-          <a:p>
-            <a:endParaRPr lang="en-US" dirty="0" smtClean="0"/>
+          </a:p>
+          <a:p>
+            <a:endParaRPr lang="en-US" dirty="0"/>
           </a:p>
           <a:p>
             <a:pPr marL="742950" lvl="1" indent="-285750">
@@ -16713,18 +18829,11 @@
               <a:buChar char="•"/>
             </a:pPr>
             <a:r>
-              <a:rPr lang="en-US" b="1" dirty="0" smtClean="0">
-                <a:latin typeface="Arial" panose="020B0604020202020204" pitchFamily="34" charset="0"/>
-                <a:cs typeface="Arial" panose="020B0604020202020204" pitchFamily="34" charset="0"/>
-              </a:rPr>
-              <a:t>statement </a:t>
-            </a:r>
-            <a:r>
               <a:rPr lang="en-US" b="1" dirty="0">
                 <a:latin typeface="Arial" panose="020B0604020202020204" pitchFamily="34" charset="0"/>
                 <a:cs typeface="Arial" panose="020B0604020202020204" pitchFamily="34" charset="0"/>
               </a:rPr>
-              <a:t>1</a:t>
+              <a:t>statement 1</a:t>
             </a:r>
             <a:r>
               <a:rPr lang="en-US" dirty="0">
@@ -16734,51 +18843,33 @@
               <a:t> </a:t>
             </a:r>
             <a:r>
-              <a:rPr lang="bg-BG" dirty="0" smtClean="0">
-                <a:latin typeface="Arial" panose="020B0604020202020204" pitchFamily="34" charset="0"/>
-                <a:cs typeface="Arial" panose="020B0604020202020204" pitchFamily="34" charset="0"/>
-              </a:rPr>
-              <a:t>се изпълнява веднъж само</a:t>
-            </a:r>
-            <a:r>
-              <a:rPr lang="bg-BG" dirty="0" smtClean="0">
-                <a:latin typeface="Arial" panose="020B0604020202020204" pitchFamily="34" charset="0"/>
-                <a:cs typeface="Arial" panose="020B0604020202020204" pitchFamily="34" charset="0"/>
-              </a:rPr>
-              <a:t>, </a:t>
-            </a:r>
-            <a:r>
-              <a:rPr lang="bg-BG" dirty="0" smtClean="0">
-                <a:latin typeface="Arial" panose="020B0604020202020204" pitchFamily="34" charset="0"/>
-                <a:cs typeface="Arial" panose="020B0604020202020204" pitchFamily="34" charset="0"/>
-              </a:rPr>
-              <a:t>преди изпълнението на </a:t>
-            </a:r>
-            <a:r>
-              <a:rPr lang="en-US" dirty="0" smtClean="0">
+              <a:rPr lang="bg-BG" dirty="0">
+                <a:latin typeface="Arial" panose="020B0604020202020204" pitchFamily="34" charset="0"/>
+                <a:cs typeface="Arial" panose="020B0604020202020204" pitchFamily="34" charset="0"/>
+              </a:rPr>
+              <a:t>се изпълнява веднъж само, преди изпълнението на </a:t>
+            </a:r>
+            <a:r>
+              <a:rPr lang="en-US" dirty="0">
                 <a:latin typeface="Arial" panose="020B0604020202020204" pitchFamily="34" charset="0"/>
                 <a:cs typeface="Arial" panose="020B0604020202020204" pitchFamily="34" charset="0"/>
               </a:rPr>
               <a:t>code block</a:t>
             </a:r>
             <a:r>
-              <a:rPr lang="bg-BG" dirty="0" smtClean="0">
+              <a:rPr lang="bg-BG" dirty="0">
                 <a:latin typeface="Arial" panose="020B0604020202020204" pitchFamily="34" charset="0"/>
                 <a:cs typeface="Arial" panose="020B0604020202020204" pitchFamily="34" charset="0"/>
               </a:rPr>
               <a:t>-а</a:t>
             </a:r>
             <a:r>
-              <a:rPr lang="en-US" dirty="0" smtClean="0">
+              <a:rPr lang="en-US" dirty="0">
                 <a:latin typeface="Arial" panose="020B0604020202020204" pitchFamily="34" charset="0"/>
                 <a:cs typeface="Arial" panose="020B0604020202020204" pitchFamily="34" charset="0"/>
               </a:rPr>
               <a:t>.</a:t>
             </a:r>
-            <a:endParaRPr lang="en-US" dirty="0">
-              <a:latin typeface="Arial" panose="020B0604020202020204" pitchFamily="34" charset="0"/>
-              <a:cs typeface="Arial" panose="020B0604020202020204" pitchFamily="34" charset="0"/>
-            </a:endParaRPr>
           </a:p>
           <a:p>
             <a:pPr marL="742950" lvl="1" indent="-285750">
@@ -16786,18 +18877,11 @@
               <a:buChar char="•"/>
             </a:pPr>
             <a:r>
-              <a:rPr lang="en-US" b="1" dirty="0" smtClean="0">
-                <a:latin typeface="Arial" panose="020B0604020202020204" pitchFamily="34" charset="0"/>
-                <a:cs typeface="Arial" panose="020B0604020202020204" pitchFamily="34" charset="0"/>
-              </a:rPr>
-              <a:t>statement </a:t>
-            </a:r>
-            <a:r>
               <a:rPr lang="en-US" b="1" dirty="0">
                 <a:latin typeface="Arial" panose="020B0604020202020204" pitchFamily="34" charset="0"/>
                 <a:cs typeface="Arial" panose="020B0604020202020204" pitchFamily="34" charset="0"/>
               </a:rPr>
-              <a:t>2</a:t>
+              <a:t>statement 2</a:t>
             </a:r>
             <a:r>
               <a:rPr lang="en-US" dirty="0">
@@ -16807,37 +18891,33 @@
               <a:t> </a:t>
             </a:r>
             <a:r>
-              <a:rPr lang="bg-BG" dirty="0" smtClean="0">
+              <a:rPr lang="bg-BG" dirty="0">
                 <a:latin typeface="Arial" panose="020B0604020202020204" pitchFamily="34" charset="0"/>
                 <a:cs typeface="Arial" panose="020B0604020202020204" pitchFamily="34" charset="0"/>
               </a:rPr>
               <a:t>определя условието за изпълнение на </a:t>
             </a:r>
             <a:r>
-              <a:rPr lang="en-US" dirty="0" smtClean="0">
+              <a:rPr lang="en-US" dirty="0">
                 <a:latin typeface="Arial" panose="020B0604020202020204" pitchFamily="34" charset="0"/>
                 <a:cs typeface="Arial" panose="020B0604020202020204" pitchFamily="34" charset="0"/>
               </a:rPr>
               <a:t>code block-</a:t>
             </a:r>
             <a:r>
-              <a:rPr lang="bg-BG" dirty="0" smtClean="0">
+              <a:rPr lang="bg-BG" dirty="0">
                 <a:latin typeface="Arial" panose="020B0604020202020204" pitchFamily="34" charset="0"/>
                 <a:cs typeface="Arial" panose="020B0604020202020204" pitchFamily="34" charset="0"/>
               </a:rPr>
               <a:t>а</a:t>
             </a:r>
             <a:r>
-              <a:rPr lang="en-US" dirty="0" smtClean="0">
+              <a:rPr lang="en-US" dirty="0">
                 <a:latin typeface="Arial" panose="020B0604020202020204" pitchFamily="34" charset="0"/>
                 <a:cs typeface="Arial" panose="020B0604020202020204" pitchFamily="34" charset="0"/>
               </a:rPr>
               <a:t>.</a:t>
             </a:r>
-            <a:endParaRPr lang="en-US" dirty="0">
-              <a:latin typeface="Arial" panose="020B0604020202020204" pitchFamily="34" charset="0"/>
-              <a:cs typeface="Arial" panose="020B0604020202020204" pitchFamily="34" charset="0"/>
-            </a:endParaRPr>
           </a:p>
           <a:p>
             <a:pPr marL="742950" lvl="1" indent="-285750">
@@ -16845,18 +18925,11 @@
               <a:buChar char="•"/>
             </a:pPr>
             <a:r>
-              <a:rPr lang="en-US" b="1" dirty="0" smtClean="0">
-                <a:latin typeface="Arial" panose="020B0604020202020204" pitchFamily="34" charset="0"/>
-                <a:cs typeface="Arial" panose="020B0604020202020204" pitchFamily="34" charset="0"/>
-              </a:rPr>
-              <a:t>Statement </a:t>
-            </a:r>
-            <a:r>
               <a:rPr lang="en-US" b="1" dirty="0">
                 <a:latin typeface="Arial" panose="020B0604020202020204" pitchFamily="34" charset="0"/>
                 <a:cs typeface="Arial" panose="020B0604020202020204" pitchFamily="34" charset="0"/>
               </a:rPr>
-              <a:t>3</a:t>
+              <a:t>Statement 3</a:t>
             </a:r>
             <a:r>
               <a:rPr lang="en-US" dirty="0">
@@ -16866,65 +18939,61 @@
               <a:t> </a:t>
             </a:r>
             <a:r>
-              <a:rPr lang="bg-BG" dirty="0" smtClean="0">
+              <a:rPr lang="bg-BG" dirty="0">
                 <a:latin typeface="Arial" panose="020B0604020202020204" pitchFamily="34" charset="0"/>
                 <a:cs typeface="Arial" panose="020B0604020202020204" pitchFamily="34" charset="0"/>
               </a:rPr>
               <a:t>се изпълнява всеки път</a:t>
             </a:r>
             <a:r>
-              <a:rPr lang="en-US" dirty="0" smtClean="0">
+              <a:rPr lang="en-US" dirty="0">
                 <a:latin typeface="Arial" panose="020B0604020202020204" pitchFamily="34" charset="0"/>
                 <a:cs typeface="Arial" panose="020B0604020202020204" pitchFamily="34" charset="0"/>
               </a:rPr>
               <a:t> </a:t>
             </a:r>
             <a:r>
-              <a:rPr lang="bg-BG" dirty="0" smtClean="0">
+              <a:rPr lang="bg-BG" dirty="0">
                 <a:latin typeface="Arial" panose="020B0604020202020204" pitchFamily="34" charset="0"/>
                 <a:cs typeface="Arial" panose="020B0604020202020204" pitchFamily="34" charset="0"/>
               </a:rPr>
               <a:t>след като </a:t>
             </a:r>
             <a:r>
-              <a:rPr lang="en-US" dirty="0" smtClean="0">
+              <a:rPr lang="en-US" dirty="0">
                 <a:latin typeface="Arial" panose="020B0604020202020204" pitchFamily="34" charset="0"/>
                 <a:cs typeface="Arial" panose="020B0604020202020204" pitchFamily="34" charset="0"/>
               </a:rPr>
               <a:t>code</a:t>
             </a:r>
             <a:r>
-              <a:rPr lang="bg-BG" dirty="0" smtClean="0">
+              <a:rPr lang="bg-BG" dirty="0">
                 <a:latin typeface="Arial" panose="020B0604020202020204" pitchFamily="34" charset="0"/>
                 <a:cs typeface="Arial" panose="020B0604020202020204" pitchFamily="34" charset="0"/>
               </a:rPr>
               <a:t> </a:t>
             </a:r>
             <a:r>
-              <a:rPr lang="en-US" dirty="0" smtClean="0">
+              <a:rPr lang="en-US" dirty="0">
                 <a:latin typeface="Arial" panose="020B0604020202020204" pitchFamily="34" charset="0"/>
                 <a:cs typeface="Arial" panose="020B0604020202020204" pitchFamily="34" charset="0"/>
               </a:rPr>
               <a:t>block-</a:t>
             </a:r>
             <a:r>
-              <a:rPr lang="bg-BG" dirty="0" smtClean="0">
+              <a:rPr lang="bg-BG" dirty="0">
                 <a:latin typeface="Arial" panose="020B0604020202020204" pitchFamily="34" charset="0"/>
                 <a:cs typeface="Arial" panose="020B0604020202020204" pitchFamily="34" charset="0"/>
               </a:rPr>
               <a:t>а се изпълни</a:t>
             </a:r>
             <a:r>
-              <a:rPr lang="en-US" dirty="0" smtClean="0">
+              <a:rPr lang="en-US" dirty="0">
                 <a:latin typeface="Arial" panose="020B0604020202020204" pitchFamily="34" charset="0"/>
                 <a:cs typeface="Arial" panose="020B0604020202020204" pitchFamily="34" charset="0"/>
               </a:rPr>
               <a:t>.</a:t>
             </a:r>
-            <a:endParaRPr lang="en-US" dirty="0">
-              <a:latin typeface="Arial" panose="020B0604020202020204" pitchFamily="34" charset="0"/>
-              <a:cs typeface="Arial" panose="020B0604020202020204" pitchFamily="34" charset="0"/>
-            </a:endParaRPr>
           </a:p>
         </p:txBody>
       </p:sp>
@@ -16968,17 +19037,10 @@
   <p:clrMapOvr>
     <a:masterClrMapping/>
   </p:clrMapOvr>
-  <p:timing>
-    <p:tnLst>
-      <p:par>
-        <p:cTn id="1" dur="indefinite" restart="never" nodeType="tmRoot"/>
-      </p:par>
-    </p:tnLst>
-  </p:timing>
 </p:sld>
 </file>
 
-<file path=ppt/slides/slide21.xml><?xml version="1.0" encoding="utf-8"?>
+<file path=ppt/slides/slide28.xml><?xml version="1.0" encoding="utf-8"?>
 <p:sld xmlns:a="http://schemas.openxmlformats.org/drawingml/2006/main" xmlns:r="http://schemas.openxmlformats.org/officeDocument/2006/relationships" xmlns:p="http://schemas.openxmlformats.org/presentationml/2006/main">
   <p:cSld>
     <p:spTree>
@@ -17019,21 +19081,14 @@
               <a:t>Цикли</a:t>
             </a:r>
             <a:r>
-              <a:rPr lang="en-US" dirty="0" smtClean="0">
-                <a:latin typeface="Arial" panose="020B0604020202020204" pitchFamily="34" charset="0"/>
-                <a:cs typeface="Arial" panose="020B0604020202020204" pitchFamily="34" charset="0"/>
-              </a:rPr>
-              <a:t> </a:t>
-            </a:r>
-            <a:r>
-              <a:rPr lang="en-US" dirty="0" smtClean="0">
-                <a:latin typeface="Arial" panose="020B0604020202020204" pitchFamily="34" charset="0"/>
-                <a:cs typeface="Arial" panose="020B0604020202020204" pitchFamily="34" charset="0"/>
-              </a:rPr>
-              <a:t>(</a:t>
-            </a:r>
-            <a:r>
-              <a:rPr lang="en-US" dirty="0" smtClean="0">
+              <a:rPr lang="en-US" dirty="0">
+                <a:latin typeface="Arial" panose="020B0604020202020204" pitchFamily="34" charset="0"/>
+                <a:cs typeface="Arial" panose="020B0604020202020204" pitchFamily="34" charset="0"/>
+              </a:rPr>
+              <a:t> (</a:t>
+            </a:r>
+            <a:r>
+              <a:rPr lang="en-US" dirty="0">
                 <a:solidFill>
                   <a:srgbClr val="FFFF00"/>
                 </a:solidFill>
@@ -17043,30 +19098,26 @@
               <a:t>while</a:t>
             </a:r>
             <a:r>
-              <a:rPr lang="en-US" dirty="0" smtClean="0">
+              <a:rPr lang="en-US" dirty="0">
                 <a:latin typeface="Arial" panose="020B0604020202020204" pitchFamily="34" charset="0"/>
                 <a:cs typeface="Arial" panose="020B0604020202020204" pitchFamily="34" charset="0"/>
               </a:rPr>
               <a:t> </a:t>
             </a:r>
             <a:r>
-              <a:rPr lang="bg-BG" dirty="0" smtClean="0">
+              <a:rPr lang="bg-BG" dirty="0">
                 <a:latin typeface="Arial" panose="020B0604020202020204" pitchFamily="34" charset="0"/>
                 <a:cs typeface="Arial" panose="020B0604020202020204" pitchFamily="34" charset="0"/>
               </a:rPr>
               <a:t>цикъл</a:t>
             </a:r>
             <a:r>
-              <a:rPr lang="en-US" dirty="0" smtClean="0">
+              <a:rPr lang="en-US" dirty="0">
                 <a:latin typeface="Arial" panose="020B0604020202020204" pitchFamily="34" charset="0"/>
                 <a:cs typeface="Arial" panose="020B0604020202020204" pitchFamily="34" charset="0"/>
               </a:rPr>
               <a:t>)</a:t>
             </a:r>
-            <a:endParaRPr lang="en-US" dirty="0">
-              <a:latin typeface="Arial" panose="020B0604020202020204" pitchFamily="34" charset="0"/>
-              <a:cs typeface="Arial" panose="020B0604020202020204" pitchFamily="34" charset="0"/>
-            </a:endParaRPr>
           </a:p>
         </p:txBody>
       </p:sp>
@@ -17122,7 +19173,7 @@
           <a:lstStyle/>
           <a:p>
             <a:r>
-              <a:rPr lang="en-US" sz="2800" dirty="0" smtClean="0">
+              <a:rPr lang="en-US" sz="2800" dirty="0">
                 <a:solidFill>
                   <a:srgbClr val="00B050"/>
                 </a:solidFill>
@@ -17132,21 +19183,21 @@
               <a:t>While</a:t>
             </a:r>
             <a:r>
-              <a:rPr lang="en-US" sz="2800" dirty="0" smtClean="0">
+              <a:rPr lang="en-US" sz="2800" dirty="0">
                 <a:latin typeface="Arial" panose="020B0604020202020204" pitchFamily="34" charset="0"/>
                 <a:cs typeface="Arial" panose="020B0604020202020204" pitchFamily="34" charset="0"/>
               </a:rPr>
               <a:t> </a:t>
             </a:r>
             <a:r>
-              <a:rPr lang="bg-BG" sz="2800" dirty="0" smtClean="0">
+              <a:rPr lang="bg-BG" sz="2800" dirty="0">
                 <a:latin typeface="Arial" panose="020B0604020202020204" pitchFamily="34" charset="0"/>
                 <a:cs typeface="Arial" panose="020B0604020202020204" pitchFamily="34" charset="0"/>
               </a:rPr>
               <a:t>цикълът цикли кодът в </a:t>
             </a:r>
             <a:r>
-              <a:rPr lang="en-US" sz="2800" dirty="0" smtClean="0">
+              <a:rPr lang="en-US" sz="2800" dirty="0">
                 <a:latin typeface="Arial" panose="020B0604020202020204" pitchFamily="34" charset="0"/>
                 <a:cs typeface="Arial" panose="020B0604020202020204" pitchFamily="34" charset="0"/>
               </a:rPr>
@@ -17157,45 +19208,38 @@
                 <a:latin typeface="Arial" panose="020B0604020202020204" pitchFamily="34" charset="0"/>
                 <a:cs typeface="Arial" panose="020B0604020202020204" pitchFamily="34" charset="0"/>
               </a:rPr>
-              <a:t>а</a:t>
-            </a:r>
-            <a:r>
-              <a:rPr lang="bg-BG" sz="2800" dirty="0" smtClean="0">
-                <a:latin typeface="Arial" panose="020B0604020202020204" pitchFamily="34" charset="0"/>
-                <a:cs typeface="Arial" panose="020B0604020202020204" pitchFamily="34" charset="0"/>
-              </a:rPr>
-              <a:t> докато условието в скобите е удовлетворено</a:t>
-            </a:r>
-            <a:r>
-              <a:rPr lang="en-US" sz="2800" dirty="0" smtClean="0">
+              <a:t>а докато условието в скобите е удовлетворено</a:t>
+            </a:r>
+            <a:r>
+              <a:rPr lang="en-US" sz="2800" dirty="0">
                 <a:latin typeface="Arial" panose="020B0604020202020204" pitchFamily="34" charset="0"/>
                 <a:cs typeface="Arial" panose="020B0604020202020204" pitchFamily="34" charset="0"/>
               </a:rPr>
               <a:t>,</a:t>
             </a:r>
             <a:r>
-              <a:rPr lang="bg-BG" sz="2800" dirty="0" smtClean="0">
+              <a:rPr lang="bg-BG" sz="2800" dirty="0">
                 <a:latin typeface="Arial" panose="020B0604020202020204" pitchFamily="34" charset="0"/>
                 <a:cs typeface="Arial" panose="020B0604020202020204" pitchFamily="34" charset="0"/>
               </a:rPr>
               <a:t> т.е.</a:t>
             </a:r>
             <a:r>
-              <a:rPr lang="en-US" sz="2800" dirty="0" smtClean="0">
+              <a:rPr lang="en-US" sz="2800" dirty="0">
                 <a:latin typeface="Arial" panose="020B0604020202020204" pitchFamily="34" charset="0"/>
                 <a:cs typeface="Arial" panose="020B0604020202020204" pitchFamily="34" charset="0"/>
               </a:rPr>
               <a:t> </a:t>
             </a:r>
             <a:r>
-              <a:rPr lang="bg-BG" sz="2800" dirty="0" smtClean="0">
+              <a:rPr lang="bg-BG" sz="2800" dirty="0">
                 <a:latin typeface="Arial" panose="020B0604020202020204" pitchFamily="34" charset="0"/>
                 <a:cs typeface="Arial" panose="020B0604020202020204" pitchFamily="34" charset="0"/>
               </a:rPr>
               <a:t>е </a:t>
             </a:r>
             <a:r>
-              <a:rPr lang="en-US" sz="2800" dirty="0" smtClean="0">
+              <a:rPr lang="en-US" sz="2800" dirty="0">
                 <a:solidFill>
                   <a:schemeClr val="accent5">
                     <a:lumMod val="50000"/>
@@ -17207,23 +19251,19 @@
               <a:t>True</a:t>
             </a:r>
             <a:r>
-              <a:rPr lang="bg-BG" sz="2800" dirty="0" smtClean="0">
+              <a:rPr lang="bg-BG" sz="2800" dirty="0">
                 <a:latin typeface="Arial" panose="020B0604020202020204" pitchFamily="34" charset="0"/>
                 <a:cs typeface="Arial" panose="020B0604020202020204" pitchFamily="34" charset="0"/>
               </a:rPr>
               <a:t>.</a:t>
             </a:r>
             <a:r>
-              <a:rPr lang="en-US" sz="2800" dirty="0" smtClean="0">
+              <a:rPr lang="en-US" sz="2800" dirty="0">
                 <a:latin typeface="Arial" panose="020B0604020202020204" pitchFamily="34" charset="0"/>
                 <a:cs typeface="Arial" panose="020B0604020202020204" pitchFamily="34" charset="0"/>
               </a:rPr>
               <a:t> </a:t>
             </a:r>
-            <a:endParaRPr lang="en-US" sz="2800" dirty="0">
-              <a:latin typeface="Arial" panose="020B0604020202020204" pitchFamily="34" charset="0"/>
-              <a:cs typeface="Arial" panose="020B0604020202020204" pitchFamily="34" charset="0"/>
-            </a:endParaRPr>
           </a:p>
         </p:txBody>
       </p:sp>
@@ -17267,17 +19307,10 @@
   <p:clrMapOvr>
     <a:masterClrMapping/>
   </p:clrMapOvr>
-  <p:timing>
-    <p:tnLst>
-      <p:par>
-        <p:cTn id="1" dur="indefinite" restart="never" nodeType="tmRoot"/>
-      </p:par>
-    </p:tnLst>
-  </p:timing>
 </p:sld>
 </file>
 
-<file path=ppt/slides/slide22.xml><?xml version="1.0" encoding="utf-8"?>
+<file path=ppt/slides/slide29.xml><?xml version="1.0" encoding="utf-8"?>
 <p:sld xmlns:a="http://schemas.openxmlformats.org/drawingml/2006/main" xmlns:r="http://schemas.openxmlformats.org/officeDocument/2006/relationships" xmlns:p="http://schemas.openxmlformats.org/presentationml/2006/main">
   <p:cSld>
     <p:spTree>
@@ -17311,28 +19344,21 @@
           <a:p>
             <a:pPr algn="ctr"/>
             <a:r>
-              <a:rPr lang="bg-BG" dirty="0" smtClean="0">
+              <a:rPr lang="bg-BG" dirty="0">
                 <a:latin typeface="Arial" panose="020B0604020202020204" pitchFamily="34" charset="0"/>
                 <a:cs typeface="Arial" panose="020B0604020202020204" pitchFamily="34" charset="0"/>
               </a:rPr>
               <a:t>Цикли</a:t>
             </a:r>
             <a:r>
-              <a:rPr lang="en-US" dirty="0" smtClean="0">
-                <a:latin typeface="Arial" panose="020B0604020202020204" pitchFamily="34" charset="0"/>
-                <a:cs typeface="Arial" panose="020B0604020202020204" pitchFamily="34" charset="0"/>
-              </a:rPr>
-              <a:t> </a:t>
-            </a:r>
-            <a:r>
-              <a:rPr lang="en-US" dirty="0" smtClean="0">
-                <a:latin typeface="Arial" panose="020B0604020202020204" pitchFamily="34" charset="0"/>
-                <a:cs typeface="Arial" panose="020B0604020202020204" pitchFamily="34" charset="0"/>
-              </a:rPr>
-              <a:t>(</a:t>
-            </a:r>
-            <a:r>
-              <a:rPr lang="en-US" dirty="0" smtClean="0">
+              <a:rPr lang="en-US" dirty="0">
+                <a:latin typeface="Arial" panose="020B0604020202020204" pitchFamily="34" charset="0"/>
+                <a:cs typeface="Arial" panose="020B0604020202020204" pitchFamily="34" charset="0"/>
+              </a:rPr>
+              <a:t> (</a:t>
+            </a:r>
+            <a:r>
+              <a:rPr lang="en-US" dirty="0">
                 <a:solidFill>
                   <a:srgbClr val="FFFF00"/>
                 </a:solidFill>
@@ -17342,21 +19368,21 @@
               <a:t>do/while</a:t>
             </a:r>
             <a:r>
-              <a:rPr lang="en-US" dirty="0" smtClean="0">
+              <a:rPr lang="en-US" dirty="0">
                 <a:latin typeface="Arial" panose="020B0604020202020204" pitchFamily="34" charset="0"/>
                 <a:cs typeface="Arial" panose="020B0604020202020204" pitchFamily="34" charset="0"/>
               </a:rPr>
               <a:t> </a:t>
             </a:r>
             <a:r>
-              <a:rPr lang="bg-BG" dirty="0" smtClean="0">
+              <a:rPr lang="bg-BG" dirty="0">
                 <a:latin typeface="Arial" panose="020B0604020202020204" pitchFamily="34" charset="0"/>
                 <a:cs typeface="Arial" panose="020B0604020202020204" pitchFamily="34" charset="0"/>
               </a:rPr>
               <a:t>цикъл</a:t>
             </a:r>
             <a:r>
-              <a:rPr lang="en-US" dirty="0" smtClean="0">
+              <a:rPr lang="en-US" dirty="0">
                 <a:latin typeface="Arial" panose="020B0604020202020204" pitchFamily="34" charset="0"/>
                 <a:cs typeface="Arial" panose="020B0604020202020204" pitchFamily="34" charset="0"/>
               </a:rPr>
@@ -17455,114 +19481,104 @@
                 <a:latin typeface="Arial" panose="020B0604020202020204" pitchFamily="34" charset="0"/>
                 <a:cs typeface="Arial" panose="020B0604020202020204" pitchFamily="34" charset="0"/>
               </a:rPr>
-              <a:t>D</a:t>
-            </a:r>
-            <a:r>
-              <a:rPr lang="en-US" sz="2800" dirty="0" smtClean="0">
+              <a:t>Do/while</a:t>
+            </a:r>
+            <a:r>
+              <a:rPr lang="en-US" sz="2800" dirty="0">
+                <a:latin typeface="Arial" panose="020B0604020202020204" pitchFamily="34" charset="0"/>
+                <a:cs typeface="Arial" panose="020B0604020202020204" pitchFamily="34" charset="0"/>
+              </a:rPr>
+              <a:t> </a:t>
+            </a:r>
+            <a:r>
+              <a:rPr lang="bg-BG" sz="2800" dirty="0">
+                <a:latin typeface="Arial" panose="020B0604020202020204" pitchFamily="34" charset="0"/>
+                <a:cs typeface="Arial" panose="020B0604020202020204" pitchFamily="34" charset="0"/>
+              </a:rPr>
+              <a:t>цикъла е вариация на </a:t>
+            </a:r>
+            <a:r>
+              <a:rPr lang="en-US" sz="2800" dirty="0">
                 <a:solidFill>
                   <a:srgbClr val="00B050"/>
                 </a:solidFill>
                 <a:latin typeface="Arial" panose="020B0604020202020204" pitchFamily="34" charset="0"/>
                 <a:cs typeface="Arial" panose="020B0604020202020204" pitchFamily="34" charset="0"/>
               </a:rPr>
-              <a:t>o/while</a:t>
-            </a:r>
-            <a:r>
-              <a:rPr lang="en-US" sz="2800" dirty="0" smtClean="0">
+              <a:t>While</a:t>
+            </a:r>
+            <a:r>
+              <a:rPr lang="en-US" sz="2800" dirty="0">
                 <a:latin typeface="Arial" panose="020B0604020202020204" pitchFamily="34" charset="0"/>
                 <a:cs typeface="Arial" panose="020B0604020202020204" pitchFamily="34" charset="0"/>
               </a:rPr>
               <a:t> </a:t>
             </a:r>
             <a:r>
-              <a:rPr lang="bg-BG" sz="2800" dirty="0" smtClean="0">
-                <a:latin typeface="Arial" panose="020B0604020202020204" pitchFamily="34" charset="0"/>
-                <a:cs typeface="Arial" panose="020B0604020202020204" pitchFamily="34" charset="0"/>
-              </a:rPr>
-              <a:t>цикъла е вариация на </a:t>
-            </a:r>
-            <a:r>
-              <a:rPr lang="en-US" sz="2800" dirty="0" smtClean="0">
-                <a:solidFill>
-                  <a:srgbClr val="00B050"/>
-                </a:solidFill>
-                <a:latin typeface="Arial" panose="020B0604020202020204" pitchFamily="34" charset="0"/>
-                <a:cs typeface="Arial" panose="020B0604020202020204" pitchFamily="34" charset="0"/>
-              </a:rPr>
-              <a:t>While</a:t>
-            </a:r>
-            <a:r>
-              <a:rPr lang="en-US" sz="2800" dirty="0" smtClean="0">
-                <a:latin typeface="Arial" panose="020B0604020202020204" pitchFamily="34" charset="0"/>
-                <a:cs typeface="Arial" panose="020B0604020202020204" pitchFamily="34" charset="0"/>
-              </a:rPr>
-              <a:t> </a:t>
-            </a:r>
-            <a:r>
-              <a:rPr lang="bg-BG" sz="2800" dirty="0" smtClean="0">
+              <a:rPr lang="bg-BG" sz="2800" dirty="0">
                 <a:latin typeface="Arial" panose="020B0604020202020204" pitchFamily="34" charset="0"/>
                 <a:cs typeface="Arial" panose="020B0604020202020204" pitchFamily="34" charset="0"/>
               </a:rPr>
               <a:t>цикъла</a:t>
             </a:r>
             <a:r>
-              <a:rPr lang="en-US" sz="2800" dirty="0" smtClean="0">
+              <a:rPr lang="en-US" sz="2800" dirty="0">
                 <a:latin typeface="Arial" panose="020B0604020202020204" pitchFamily="34" charset="0"/>
                 <a:cs typeface="Arial" panose="020B0604020202020204" pitchFamily="34" charset="0"/>
               </a:rPr>
               <a:t>. </a:t>
             </a:r>
             <a:r>
-              <a:rPr lang="bg-BG" sz="2800" dirty="0" smtClean="0">
+              <a:rPr lang="bg-BG" sz="2800" dirty="0">
                 <a:latin typeface="Arial" panose="020B0604020202020204" pitchFamily="34" charset="0"/>
                 <a:cs typeface="Arial" panose="020B0604020202020204" pitchFamily="34" charset="0"/>
               </a:rPr>
               <a:t>Този цикъл ще изпълни кодът в </a:t>
             </a:r>
             <a:r>
-              <a:rPr lang="en-US" sz="2800" dirty="0" smtClean="0">
+              <a:rPr lang="en-US" sz="2800" dirty="0">
                 <a:latin typeface="Arial" panose="020B0604020202020204" pitchFamily="34" charset="0"/>
                 <a:cs typeface="Arial" panose="020B0604020202020204" pitchFamily="34" charset="0"/>
               </a:rPr>
               <a:t>code</a:t>
             </a:r>
             <a:r>
-              <a:rPr lang="bg-BG" sz="2800" dirty="0" smtClean="0">
+              <a:rPr lang="bg-BG" sz="2800" dirty="0">
                 <a:latin typeface="Arial" panose="020B0604020202020204" pitchFamily="34" charset="0"/>
                 <a:cs typeface="Arial" panose="020B0604020202020204" pitchFamily="34" charset="0"/>
               </a:rPr>
               <a:t>-</a:t>
             </a:r>
             <a:r>
-              <a:rPr lang="en-US" sz="2800" dirty="0" smtClean="0">
+              <a:rPr lang="en-US" sz="2800" dirty="0">
                 <a:latin typeface="Arial" panose="020B0604020202020204" pitchFamily="34" charset="0"/>
                 <a:cs typeface="Arial" panose="020B0604020202020204" pitchFamily="34" charset="0"/>
               </a:rPr>
               <a:t>block</a:t>
             </a:r>
             <a:r>
-              <a:rPr lang="bg-BG" sz="2800" dirty="0" smtClean="0">
+              <a:rPr lang="bg-BG" sz="2800" dirty="0">
                 <a:latin typeface="Arial" panose="020B0604020202020204" pitchFamily="34" charset="0"/>
                 <a:cs typeface="Arial" panose="020B0604020202020204" pitchFamily="34" charset="0"/>
               </a:rPr>
               <a:t>-а поне веднъж</a:t>
             </a:r>
             <a:r>
-              <a:rPr lang="en-US" sz="2800" dirty="0" smtClean="0">
+              <a:rPr lang="en-US" sz="2800" dirty="0">
                 <a:latin typeface="Arial" panose="020B0604020202020204" pitchFamily="34" charset="0"/>
                 <a:cs typeface="Arial" panose="020B0604020202020204" pitchFamily="34" charset="0"/>
               </a:rPr>
               <a:t>, </a:t>
             </a:r>
             <a:r>
-              <a:rPr lang="bg-BG" sz="2800" dirty="0" smtClean="0">
+              <a:rPr lang="bg-BG" sz="2800" dirty="0">
                 <a:latin typeface="Arial" panose="020B0604020202020204" pitchFamily="34" charset="0"/>
                 <a:cs typeface="Arial" panose="020B0604020202020204" pitchFamily="34" charset="0"/>
               </a:rPr>
               <a:t>преди да провери дали условието е </a:t>
             </a:r>
             <a:r>
-              <a:rPr lang="en-US" sz="2800" dirty="0" smtClean="0">
+              <a:rPr lang="en-US" sz="2800" dirty="0">
                 <a:solidFill>
                   <a:schemeClr val="accent5">
                     <a:lumMod val="50000"/>
@@ -17574,30 +19590,26 @@
               <a:t>True</a:t>
             </a:r>
             <a:r>
-              <a:rPr lang="en-US" sz="2800" dirty="0" smtClean="0">
+              <a:rPr lang="en-US" sz="2800" dirty="0">
                 <a:latin typeface="Arial" panose="020B0604020202020204" pitchFamily="34" charset="0"/>
                 <a:cs typeface="Arial" panose="020B0604020202020204" pitchFamily="34" charset="0"/>
               </a:rPr>
               <a:t>,</a:t>
             </a:r>
             <a:r>
-              <a:rPr lang="bg-BG" sz="2800" dirty="0" smtClean="0">
+              <a:rPr lang="bg-BG" sz="2800" dirty="0">
                 <a:latin typeface="Arial" panose="020B0604020202020204" pitchFamily="34" charset="0"/>
                 <a:cs typeface="Arial" panose="020B0604020202020204" pitchFamily="34" charset="0"/>
               </a:rPr>
               <a:t> след това цикълът ще продължи докато условието в скобите е валидно</a:t>
             </a:r>
             <a:r>
-              <a:rPr lang="en-US" sz="2800" dirty="0" smtClean="0">
+              <a:rPr lang="en-US" sz="2800" dirty="0">
                 <a:latin typeface="Arial" panose="020B0604020202020204" pitchFamily="34" charset="0"/>
                 <a:cs typeface="Arial" panose="020B0604020202020204" pitchFamily="34" charset="0"/>
               </a:rPr>
               <a:t>.</a:t>
             </a:r>
-            <a:endParaRPr lang="en-US" sz="2800" dirty="0">
-              <a:latin typeface="Arial" panose="020B0604020202020204" pitchFamily="34" charset="0"/>
-              <a:cs typeface="Arial" panose="020B0604020202020204" pitchFamily="34" charset="0"/>
-            </a:endParaRPr>
           </a:p>
         </p:txBody>
       </p:sp>
@@ -17611,17 +19623,10 @@
   <p:clrMapOvr>
     <a:masterClrMapping/>
   </p:clrMapOvr>
-  <p:timing>
-    <p:tnLst>
-      <p:par>
-        <p:cTn id="1" dur="indefinite" restart="never" nodeType="tmRoot"/>
-      </p:par>
-    </p:tnLst>
-  </p:timing>
 </p:sld>
 </file>
 
-<file path=ppt/slides/slide23.xml><?xml version="1.0" encoding="utf-8"?>
+<file path=ppt/slides/slide3.xml><?xml version="1.0" encoding="utf-8"?>
 <p:sld xmlns:a="http://schemas.openxmlformats.org/drawingml/2006/main" xmlns:r="http://schemas.openxmlformats.org/officeDocument/2006/relationships" xmlns:p="http://schemas.openxmlformats.org/presentationml/2006/main">
   <p:cSld>
     <p:spTree>
@@ -17655,54 +19660,699 @@
           <a:p>
             <a:pPr algn="ctr"/>
             <a:r>
-              <a:rPr lang="bg-BG" dirty="0" smtClean="0">
-                <a:latin typeface="Arial" panose="020B0604020202020204" pitchFamily="34" charset="0"/>
-                <a:cs typeface="Arial" panose="020B0604020202020204" pitchFamily="34" charset="0"/>
-              </a:rPr>
-              <a:t>Цикли (вложени</a:t>
-            </a:r>
-            <a:r>
-              <a:rPr lang="en-US" dirty="0" smtClean="0">
-                <a:latin typeface="Arial" panose="020B0604020202020204" pitchFamily="34" charset="0"/>
-                <a:cs typeface="Arial" panose="020B0604020202020204" pitchFamily="34" charset="0"/>
-              </a:rPr>
-              <a:t> </a:t>
-            </a:r>
-            <a:r>
-              <a:rPr lang="en-US" dirty="0" smtClean="0">
+              <a:rPr lang="bg-BG" dirty="0">
+                <a:latin typeface="Arial" panose="020B0604020202020204" pitchFamily="34" charset="0"/>
+                <a:cs typeface="Arial" panose="020B0604020202020204" pitchFamily="34" charset="0"/>
+              </a:rPr>
+              <a:t>Какво е </a:t>
+            </a:r>
+            <a:r>
+              <a:rPr lang="en-US" dirty="0">
                 <a:solidFill>
                   <a:srgbClr val="FFFF00"/>
                 </a:solidFill>
                 <a:latin typeface="Arial" panose="020B0604020202020204" pitchFamily="34" charset="0"/>
                 <a:cs typeface="Arial" panose="020B0604020202020204" pitchFamily="34" charset="0"/>
               </a:rPr>
-              <a:t>for</a:t>
-            </a:r>
-            <a:r>
-              <a:rPr lang="en-US" dirty="0" smtClean="0">
-                <a:latin typeface="Arial" panose="020B0604020202020204" pitchFamily="34" charset="0"/>
-                <a:cs typeface="Arial" panose="020B0604020202020204" pitchFamily="34" charset="0"/>
-              </a:rPr>
-              <a:t> </a:t>
-            </a:r>
-            <a:r>
-              <a:rPr lang="bg-BG" dirty="0" smtClean="0">
-                <a:latin typeface="Arial" panose="020B0604020202020204" pitchFamily="34" charset="0"/>
-                <a:cs typeface="Arial" panose="020B0604020202020204" pitchFamily="34" charset="0"/>
-              </a:rPr>
-              <a:t>цикли</a:t>
-            </a:r>
-            <a:r>
-              <a:rPr lang="en-US" dirty="0" smtClean="0">
-                <a:latin typeface="Arial" panose="020B0604020202020204" pitchFamily="34" charset="0"/>
-                <a:cs typeface="Arial" panose="020B0604020202020204" pitchFamily="34" charset="0"/>
-              </a:rPr>
-              <a:t>)</a:t>
-            </a:r>
+              <a:t>C#</a:t>
+            </a:r>
+            <a:r>
+              <a:rPr lang="en-US" dirty="0">
+                <a:latin typeface="Arial" panose="020B0604020202020204" pitchFamily="34" charset="0"/>
+                <a:cs typeface="Arial" panose="020B0604020202020204" pitchFamily="34" charset="0"/>
+              </a:rPr>
+              <a:t>?</a:t>
+            </a:r>
+          </a:p>
+        </p:txBody>
+      </p:sp>
+      <p:sp>
+        <p:nvSpPr>
+          <p:cNvPr id="7" name="Content Placeholder 3"/>
+          <p:cNvSpPr>
+            <a:spLocks noGrp="1"/>
+          </p:cNvSpPr>
+          <p:nvPr>
+            <p:ph sz="half" idx="2"/>
+          </p:nvPr>
+        </p:nvSpPr>
+        <p:spPr>
+          <a:xfrm>
+            <a:off x="6196902" y="2327563"/>
+            <a:ext cx="4535753" cy="4054763"/>
+          </a:xfrm>
+        </p:spPr>
+        <p:txBody>
+          <a:bodyPr>
+            <a:normAutofit/>
+          </a:bodyPr>
+          <a:lstStyle/>
+          <a:p>
+            <a:pPr marL="0" indent="0">
+              <a:buNone/>
+            </a:pPr>
+            <a:endParaRPr lang="en-US" sz="1600" dirty="0">
+              <a:latin typeface="Arial" panose="020B0604020202020204" pitchFamily="34" charset="0"/>
+              <a:cs typeface="Arial" panose="020B0604020202020204" pitchFamily="34" charset="0"/>
+            </a:endParaRPr>
+          </a:p>
+          <a:p>
+            <a:endParaRPr lang="en-US" sz="1600" dirty="0">
+              <a:latin typeface="Arial" panose="020B0604020202020204" pitchFamily="34" charset="0"/>
+              <a:cs typeface="Arial" panose="020B0604020202020204" pitchFamily="34" charset="0"/>
+            </a:endParaRPr>
+          </a:p>
+          <a:p>
+            <a:endParaRPr lang="en-US" sz="1600" dirty="0">
+              <a:latin typeface="Arial" panose="020B0604020202020204" pitchFamily="34" charset="0"/>
+              <a:cs typeface="Arial" panose="020B0604020202020204" pitchFamily="34" charset="0"/>
+            </a:endParaRPr>
+          </a:p>
+          <a:p>
             <a:endParaRPr lang="en-US" dirty="0">
               <a:latin typeface="Arial" panose="020B0604020202020204" pitchFamily="34" charset="0"/>
               <a:cs typeface="Arial" panose="020B0604020202020204" pitchFamily="34" charset="0"/>
             </a:endParaRPr>
+          </a:p>
+          <a:p>
+            <a:endParaRPr lang="en-US" dirty="0">
+              <a:latin typeface="Arial" panose="020B0604020202020204" pitchFamily="34" charset="0"/>
+              <a:cs typeface="Arial" panose="020B0604020202020204" pitchFamily="34" charset="0"/>
+            </a:endParaRPr>
+          </a:p>
+          <a:p>
+            <a:endParaRPr lang="en-US" dirty="0">
+              <a:latin typeface="Arial" panose="020B0604020202020204" pitchFamily="34" charset="0"/>
+              <a:cs typeface="Arial" panose="020B0604020202020204" pitchFamily="34" charset="0"/>
+            </a:endParaRPr>
+          </a:p>
+          <a:p>
+            <a:endParaRPr lang="en-US" dirty="0">
+              <a:latin typeface="Arial" panose="020B0604020202020204" pitchFamily="34" charset="0"/>
+              <a:cs typeface="Arial" panose="020B0604020202020204" pitchFamily="34" charset="0"/>
+            </a:endParaRPr>
+          </a:p>
+          <a:p>
+            <a:endParaRPr lang="en-US" dirty="0"/>
+          </a:p>
+          <a:p>
+            <a:endParaRPr lang="en-US" dirty="0"/>
+          </a:p>
+        </p:txBody>
+      </p:sp>
+      <p:sp>
+        <p:nvSpPr>
+          <p:cNvPr id="4" name="Content Placeholder 3"/>
+          <p:cNvSpPr>
+            <a:spLocks noGrp="1"/>
+          </p:cNvSpPr>
+          <p:nvPr>
+            <p:ph sz="half" idx="2"/>
+          </p:nvPr>
+        </p:nvSpPr>
+        <p:spPr>
+          <a:xfrm>
+            <a:off x="782192" y="2781300"/>
+            <a:ext cx="10927726" cy="3703476"/>
+          </a:xfrm>
+        </p:spPr>
+        <p:txBody>
+          <a:bodyPr>
+            <a:normAutofit fontScale="92500" lnSpcReduction="10000"/>
+          </a:bodyPr>
+          <a:lstStyle/>
+          <a:p>
+            <a:r>
+              <a:rPr lang="en-US" sz="2000" dirty="0">
+                <a:latin typeface="Arial" panose="020B0604020202020204" pitchFamily="34" charset="0"/>
+                <a:cs typeface="Arial" panose="020B0604020202020204" pitchFamily="34" charset="0"/>
+              </a:rPr>
+              <a:t>C# </a:t>
+            </a:r>
+            <a:r>
+              <a:rPr lang="bg-BG" sz="2000" dirty="0">
+                <a:latin typeface="Arial" panose="020B0604020202020204" pitchFamily="34" charset="0"/>
+                <a:cs typeface="Arial" panose="020B0604020202020204" pitchFamily="34" charset="0"/>
+              </a:rPr>
+              <a:t>е проектиран от Андерс Хейлсберг от</a:t>
+            </a:r>
+            <a:r>
+              <a:rPr lang="en-US" sz="2000" dirty="0">
+                <a:latin typeface="Arial" panose="020B0604020202020204" pitchFamily="34" charset="0"/>
+                <a:cs typeface="Arial" panose="020B0604020202020204" pitchFamily="34" charset="0"/>
+              </a:rPr>
+              <a:t> Microsoft </a:t>
+            </a:r>
+            <a:r>
+              <a:rPr lang="bg-BG" sz="2000" dirty="0">
+                <a:latin typeface="Arial" panose="020B0604020202020204" pitchFamily="34" charset="0"/>
+                <a:cs typeface="Arial" panose="020B0604020202020204" pitchFamily="34" charset="0"/>
+              </a:rPr>
+              <a:t>през</a:t>
+            </a:r>
+            <a:r>
+              <a:rPr lang="en-US" sz="2000" dirty="0">
+                <a:latin typeface="Arial" panose="020B0604020202020204" pitchFamily="34" charset="0"/>
+                <a:cs typeface="Arial" panose="020B0604020202020204" pitchFamily="34" charset="0"/>
+              </a:rPr>
+              <a:t> 2000</a:t>
+            </a:r>
+            <a:r>
+              <a:rPr lang="bg-BG" sz="2000" dirty="0">
+                <a:latin typeface="Arial" panose="020B0604020202020204" pitchFamily="34" charset="0"/>
+                <a:cs typeface="Arial" panose="020B0604020202020204" pitchFamily="34" charset="0"/>
+              </a:rPr>
+              <a:t> год.</a:t>
+            </a:r>
+            <a:endParaRPr lang="en-US" sz="2000" dirty="0">
+              <a:latin typeface="Arial" panose="020B0604020202020204" pitchFamily="34" charset="0"/>
+              <a:cs typeface="Arial" panose="020B0604020202020204" pitchFamily="34" charset="0"/>
+            </a:endParaRPr>
+          </a:p>
+          <a:p>
+            <a:r>
+              <a:rPr lang="en-US" sz="2000" dirty="0">
+                <a:latin typeface="Arial" panose="020B0604020202020204" pitchFamily="34" charset="0"/>
+                <a:cs typeface="Arial" panose="020B0604020202020204" pitchFamily="34" charset="0"/>
+              </a:rPr>
+              <a:t>C# </a:t>
+            </a:r>
+            <a:r>
+              <a:rPr lang="bg-BG" sz="2000" dirty="0">
+                <a:latin typeface="Arial" panose="020B0604020202020204" pitchFamily="34" charset="0"/>
+                <a:cs typeface="Arial" panose="020B0604020202020204" pitchFamily="34" charset="0"/>
+              </a:rPr>
+              <a:t>е</a:t>
+            </a:r>
+            <a:r>
+              <a:rPr lang="en-US" sz="2000" dirty="0">
+                <a:latin typeface="Arial" panose="020B0604020202020204" pitchFamily="34" charset="0"/>
+                <a:cs typeface="Arial" panose="020B0604020202020204" pitchFamily="34" charset="0"/>
+              </a:rPr>
+              <a:t> </a:t>
+            </a:r>
+            <a:r>
+              <a:rPr lang="bg-BG" sz="2000" dirty="0">
+                <a:latin typeface="Arial" panose="020B0604020202020204" pitchFamily="34" charset="0"/>
+                <a:cs typeface="Arial" panose="020B0604020202020204" pitchFamily="34" charset="0"/>
+              </a:rPr>
+              <a:t>програмен език</a:t>
+            </a:r>
+            <a:r>
+              <a:rPr lang="en-US" sz="2000" dirty="0">
+                <a:latin typeface="Arial" panose="020B0604020202020204" pitchFamily="34" charset="0"/>
+                <a:cs typeface="Arial" panose="020B0604020202020204" pitchFamily="34" charset="0"/>
+              </a:rPr>
+              <a:t> </a:t>
+            </a:r>
+            <a:r>
+              <a:rPr lang="bg-BG" sz="2000" dirty="0">
+                <a:latin typeface="Arial" panose="020B0604020202020204" pitchFamily="34" charset="0"/>
+                <a:cs typeface="Arial" panose="020B0604020202020204" pitchFamily="34" charset="0"/>
+              </a:rPr>
+              <a:t>с общо предназначение</a:t>
+            </a:r>
+            <a:endParaRPr lang="en-US" sz="2000" dirty="0">
+              <a:latin typeface="Arial" panose="020B0604020202020204" pitchFamily="34" charset="0"/>
+              <a:cs typeface="Arial" panose="020B0604020202020204" pitchFamily="34" charset="0"/>
+            </a:endParaRPr>
+          </a:p>
+          <a:p>
+            <a:r>
+              <a:rPr lang="en-US" sz="2000" dirty="0">
+                <a:latin typeface="Arial" panose="020B0604020202020204" pitchFamily="34" charset="0"/>
+                <a:cs typeface="Arial" panose="020B0604020202020204" pitchFamily="34" charset="0"/>
+              </a:rPr>
+              <a:t>C# </a:t>
+            </a:r>
+            <a:r>
+              <a:rPr lang="bg-BG" sz="2000" dirty="0">
+                <a:latin typeface="Arial" panose="020B0604020202020204" pitchFamily="34" charset="0"/>
+                <a:cs typeface="Arial" panose="020B0604020202020204" pitchFamily="34" charset="0"/>
+              </a:rPr>
+              <a:t>е обектно-ориентиран </a:t>
+            </a:r>
+            <a:r>
+              <a:rPr lang="en-US" sz="2000" dirty="0">
+                <a:latin typeface="Arial" panose="020B0604020202020204" pitchFamily="34" charset="0"/>
+                <a:cs typeface="Arial" panose="020B0604020202020204" pitchFamily="34" charset="0"/>
+              </a:rPr>
+              <a:t>(</a:t>
+            </a:r>
+            <a:r>
+              <a:rPr lang="bg-BG" sz="2000" dirty="0">
+                <a:latin typeface="Arial" panose="020B0604020202020204" pitchFamily="34" charset="0"/>
+                <a:cs typeface="Arial" panose="020B0604020202020204" pitchFamily="34" charset="0"/>
+              </a:rPr>
+              <a:t>клас-базиран</a:t>
+            </a:r>
+            <a:r>
+              <a:rPr lang="en-US" sz="2000" dirty="0">
+                <a:latin typeface="Arial" panose="020B0604020202020204" pitchFamily="34" charset="0"/>
+                <a:cs typeface="Arial" panose="020B0604020202020204" pitchFamily="34" charset="0"/>
+              </a:rPr>
+              <a:t>) </a:t>
+            </a:r>
+            <a:r>
+              <a:rPr lang="bg-BG" sz="2000" dirty="0">
+                <a:latin typeface="Arial" panose="020B0604020202020204" pitchFamily="34" charset="0"/>
+                <a:cs typeface="Arial" panose="020B0604020202020204" pitchFamily="34" charset="0"/>
+              </a:rPr>
+              <a:t>програмен език</a:t>
+            </a:r>
+            <a:endParaRPr lang="en-US" sz="2000" dirty="0">
+              <a:latin typeface="Arial" panose="020B0604020202020204" pitchFamily="34" charset="0"/>
+              <a:cs typeface="Arial" panose="020B0604020202020204" pitchFamily="34" charset="0"/>
+            </a:endParaRPr>
+          </a:p>
+          <a:p>
+            <a:r>
+              <a:rPr lang="en-US" sz="2000" dirty="0">
+                <a:latin typeface="Arial" panose="020B0604020202020204" pitchFamily="34" charset="0"/>
+                <a:cs typeface="Arial" panose="020B0604020202020204" pitchFamily="34" charset="0"/>
+              </a:rPr>
+              <a:t>C# </a:t>
+            </a:r>
+            <a:r>
+              <a:rPr lang="bg-BG" sz="2000" dirty="0">
+                <a:latin typeface="Arial" panose="020B0604020202020204" pitchFamily="34" charset="0"/>
+                <a:cs typeface="Arial" panose="020B0604020202020204" pitchFamily="34" charset="0"/>
+              </a:rPr>
+              <a:t>се използва върху </a:t>
+            </a:r>
+            <a:r>
+              <a:rPr lang="en-US" sz="2000" dirty="0">
+                <a:latin typeface="Arial" panose="020B0604020202020204" pitchFamily="34" charset="0"/>
+                <a:cs typeface="Arial" panose="020B0604020202020204" pitchFamily="34" charset="0"/>
+              </a:rPr>
+              <a:t>.NET </a:t>
+            </a:r>
+            <a:r>
+              <a:rPr lang="bg-BG" sz="2000" dirty="0">
+                <a:latin typeface="Arial" panose="020B0604020202020204" pitchFamily="34" charset="0"/>
+                <a:cs typeface="Arial" panose="020B0604020202020204" pitchFamily="34" charset="0"/>
+              </a:rPr>
+              <a:t>платформата</a:t>
+            </a:r>
+            <a:r>
+              <a:rPr lang="en-US" sz="2000" dirty="0">
+                <a:latin typeface="Arial" panose="020B0604020202020204" pitchFamily="34" charset="0"/>
+                <a:cs typeface="Arial" panose="020B0604020202020204" pitchFamily="34" charset="0"/>
+              </a:rPr>
+              <a:t> /.NET 6 </a:t>
+            </a:r>
+            <a:r>
+              <a:rPr lang="bg-BG" sz="2000" dirty="0">
+                <a:latin typeface="Arial" panose="020B0604020202020204" pitchFamily="34" charset="0"/>
+                <a:cs typeface="Arial" panose="020B0604020202020204" pitchFamily="34" charset="0"/>
+              </a:rPr>
+              <a:t>е последната версия</a:t>
+            </a:r>
+            <a:r>
+              <a:rPr lang="en-US" sz="2000" dirty="0">
+                <a:latin typeface="Arial" panose="020B0604020202020204" pitchFamily="34" charset="0"/>
+                <a:cs typeface="Arial" panose="020B0604020202020204" pitchFamily="34" charset="0"/>
+              </a:rPr>
+              <a:t>/</a:t>
+            </a:r>
+          </a:p>
+          <a:p>
+            <a:r>
+              <a:rPr lang="en-US" sz="2000" dirty="0">
+                <a:latin typeface="Arial" panose="020B0604020202020204" pitchFamily="34" charset="0"/>
+                <a:cs typeface="Arial" panose="020B0604020202020204" pitchFamily="34" charset="0"/>
+              </a:rPr>
+              <a:t>C# </a:t>
+            </a:r>
+            <a:r>
+              <a:rPr lang="bg-BG" sz="2000" dirty="0">
+                <a:latin typeface="Arial" panose="020B0604020202020204" pitchFamily="34" charset="0"/>
+                <a:cs typeface="Arial" panose="020B0604020202020204" pitchFamily="34" charset="0"/>
+              </a:rPr>
+              <a:t>може да бъде използван за писане на </a:t>
+            </a:r>
+            <a:r>
+              <a:rPr lang="en-US" sz="2000" dirty="0">
+                <a:latin typeface="Arial" panose="020B0604020202020204" pitchFamily="34" charset="0"/>
+                <a:cs typeface="Arial" panose="020B0604020202020204" pitchFamily="34" charset="0"/>
+              </a:rPr>
+              <a:t>Console, Desktop, Widows Services, Web </a:t>
+            </a:r>
+            <a:r>
+              <a:rPr lang="bg-BG" sz="2000" dirty="0">
+                <a:latin typeface="Arial" panose="020B0604020202020204" pitchFamily="34" charset="0"/>
+                <a:cs typeface="Arial" panose="020B0604020202020204" pitchFamily="34" charset="0"/>
+              </a:rPr>
+              <a:t>приложения</a:t>
+            </a:r>
+            <a:r>
+              <a:rPr lang="en-US" sz="2000" dirty="0">
+                <a:latin typeface="Arial" panose="020B0604020202020204" pitchFamily="34" charset="0"/>
+                <a:cs typeface="Arial" panose="020B0604020202020204" pitchFamily="34" charset="0"/>
+              </a:rPr>
+              <a:t>, Mobile </a:t>
+            </a:r>
+            <a:r>
+              <a:rPr lang="bg-BG" sz="2000" dirty="0">
+                <a:latin typeface="Arial" panose="020B0604020202020204" pitchFamily="34" charset="0"/>
+                <a:cs typeface="Arial" panose="020B0604020202020204" pitchFamily="34" charset="0"/>
+              </a:rPr>
+              <a:t>приложения</a:t>
+            </a:r>
+            <a:r>
+              <a:rPr lang="en-US" sz="2000" dirty="0">
+                <a:latin typeface="Arial" panose="020B0604020202020204" pitchFamily="34" charset="0"/>
+                <a:cs typeface="Arial" panose="020B0604020202020204" pitchFamily="34" charset="0"/>
+              </a:rPr>
+              <a:t>, Games </a:t>
+            </a:r>
+            <a:r>
+              <a:rPr lang="bg-BG" sz="2000" dirty="0">
+                <a:latin typeface="Arial" panose="020B0604020202020204" pitchFamily="34" charset="0"/>
+                <a:cs typeface="Arial" panose="020B0604020202020204" pitchFamily="34" charset="0"/>
+              </a:rPr>
+              <a:t>и</a:t>
+            </a:r>
+            <a:r>
+              <a:rPr lang="en-US" sz="2000" dirty="0">
+                <a:latin typeface="Arial" panose="020B0604020202020204" pitchFamily="34" charset="0"/>
+                <a:cs typeface="Arial" panose="020B0604020202020204" pitchFamily="34" charset="0"/>
+              </a:rPr>
+              <a:t> </a:t>
+            </a:r>
+            <a:r>
+              <a:rPr lang="en-US" sz="2000" dirty="0" err="1">
+                <a:latin typeface="Arial" panose="020B0604020202020204" pitchFamily="34" charset="0"/>
+                <a:cs typeface="Arial" panose="020B0604020202020204" pitchFamily="34" charset="0"/>
+              </a:rPr>
+              <a:t>IoT</a:t>
+            </a:r>
+            <a:endParaRPr lang="en-US" sz="2000" dirty="0">
+              <a:latin typeface="Arial" panose="020B0604020202020204" pitchFamily="34" charset="0"/>
+              <a:cs typeface="Arial" panose="020B0604020202020204" pitchFamily="34" charset="0"/>
+            </a:endParaRPr>
+          </a:p>
+          <a:p>
+            <a:r>
+              <a:rPr lang="en-US" sz="2000" dirty="0">
+                <a:latin typeface="Arial" panose="020B0604020202020204" pitchFamily="34" charset="0"/>
+                <a:cs typeface="Arial" panose="020B0604020202020204" pitchFamily="34" charset="0"/>
+              </a:rPr>
+              <a:t>C# </a:t>
+            </a:r>
+            <a:r>
+              <a:rPr lang="bg-BG" sz="2000" dirty="0">
+                <a:latin typeface="Arial" panose="020B0604020202020204" pitchFamily="34" charset="0"/>
+                <a:cs typeface="Arial" panose="020B0604020202020204" pitchFamily="34" charset="0"/>
+              </a:rPr>
+              <a:t>поддържа статично типизиране</a:t>
+            </a:r>
+            <a:r>
+              <a:rPr lang="en-US" sz="2000" dirty="0">
+                <a:latin typeface="Arial" panose="020B0604020202020204" pitchFamily="34" charset="0"/>
+                <a:cs typeface="Arial" panose="020B0604020202020204" pitchFamily="34" charset="0"/>
+              </a:rPr>
+              <a:t>, </a:t>
+            </a:r>
+            <a:r>
+              <a:rPr lang="bg-BG" sz="2000" dirty="0">
+                <a:latin typeface="Arial" panose="020B0604020202020204" pitchFamily="34" charset="0"/>
+                <a:cs typeface="Arial" panose="020B0604020202020204" pitchFamily="34" charset="0"/>
+              </a:rPr>
+              <a:t>функционално програмиране</a:t>
+            </a:r>
+            <a:r>
+              <a:rPr lang="en-US" sz="2000" dirty="0">
+                <a:latin typeface="Arial" panose="020B0604020202020204" pitchFamily="34" charset="0"/>
+                <a:cs typeface="Arial" panose="020B0604020202020204" pitchFamily="34" charset="0"/>
+              </a:rPr>
+              <a:t>, generics </a:t>
+            </a:r>
+            <a:r>
+              <a:rPr lang="bg-BG" sz="2000" dirty="0">
+                <a:latin typeface="Arial" panose="020B0604020202020204" pitchFamily="34" charset="0"/>
+                <a:cs typeface="Arial" panose="020B0604020202020204" pitchFamily="34" charset="0"/>
+              </a:rPr>
+              <a:t>и</a:t>
+            </a:r>
+            <a:r>
+              <a:rPr lang="en-US" sz="2000" dirty="0">
+                <a:latin typeface="Arial" panose="020B0604020202020204" pitchFamily="34" charset="0"/>
+                <a:cs typeface="Arial" panose="020B0604020202020204" pitchFamily="34" charset="0"/>
+              </a:rPr>
+              <a:t> </a:t>
+            </a:r>
+            <a:r>
+              <a:rPr lang="bg-BG" sz="2000" dirty="0">
+                <a:latin typeface="Arial" panose="020B0604020202020204" pitchFamily="34" charset="0"/>
+                <a:cs typeface="Arial" panose="020B0604020202020204" pitchFamily="34" charset="0"/>
+              </a:rPr>
+              <a:t>много други неща</a:t>
+            </a:r>
+          </a:p>
+          <a:p>
+            <a:r>
+              <a:rPr lang="en-US" sz="2000" dirty="0">
+                <a:latin typeface="Arial" panose="020B0604020202020204" pitchFamily="34" charset="0"/>
+                <a:cs typeface="Arial" panose="020B0604020202020204" pitchFamily="34" charset="0"/>
+              </a:rPr>
+              <a:t>C# </a:t>
+            </a:r>
+            <a:r>
+              <a:rPr lang="bg-BG" sz="2000" dirty="0">
+                <a:latin typeface="Arial" panose="020B0604020202020204" pitchFamily="34" charset="0"/>
+                <a:cs typeface="Arial" panose="020B0604020202020204" pitchFamily="34" charset="0"/>
+              </a:rPr>
+              <a:t>и</a:t>
+            </a:r>
+            <a:r>
+              <a:rPr lang="en-US" sz="2000" dirty="0">
+                <a:latin typeface="Arial" panose="020B0604020202020204" pitchFamily="34" charset="0"/>
+                <a:cs typeface="Arial" panose="020B0604020202020204" pitchFamily="34" charset="0"/>
+              </a:rPr>
+              <a:t> Microsoft </a:t>
+            </a:r>
+            <a:r>
+              <a:rPr lang="bg-BG" sz="2000" dirty="0">
+                <a:latin typeface="Arial" panose="020B0604020202020204" pitchFamily="34" charset="0"/>
+                <a:cs typeface="Arial" panose="020B0604020202020204" pitchFamily="34" charset="0"/>
+              </a:rPr>
+              <a:t>документациите</a:t>
+            </a:r>
+            <a:r>
+              <a:rPr lang="en-US" sz="2000" dirty="0">
+                <a:latin typeface="Arial" panose="020B0604020202020204" pitchFamily="34" charset="0"/>
+                <a:cs typeface="Arial" panose="020B0604020202020204" pitchFamily="34" charset="0"/>
+              </a:rPr>
+              <a:t> </a:t>
+            </a:r>
+            <a:r>
+              <a:rPr lang="bg-BG" sz="2000" dirty="0">
+                <a:latin typeface="Arial" panose="020B0604020202020204" pitchFamily="34" charset="0"/>
+                <a:cs typeface="Arial" panose="020B0604020202020204" pitchFamily="34" charset="0"/>
+              </a:rPr>
+              <a:t>са много информативни и добре структурирани</a:t>
+            </a:r>
+            <a:endParaRPr lang="en-US" sz="2000" dirty="0">
+              <a:latin typeface="Arial" panose="020B0604020202020204" pitchFamily="34" charset="0"/>
+              <a:cs typeface="Arial" panose="020B0604020202020204" pitchFamily="34" charset="0"/>
+            </a:endParaRPr>
+          </a:p>
+          <a:p>
+            <a:r>
+              <a:rPr lang="en-US" sz="2000" dirty="0">
+                <a:latin typeface="Arial" panose="020B0604020202020204" pitchFamily="34" charset="0"/>
+                <a:cs typeface="Arial" panose="020B0604020202020204" pitchFamily="34" charset="0"/>
+              </a:rPr>
+              <a:t>C# </a:t>
+            </a:r>
+            <a:r>
+              <a:rPr lang="bg-BG" sz="2000" dirty="0">
+                <a:latin typeface="Arial" panose="020B0604020202020204" pitchFamily="34" charset="0"/>
+                <a:cs typeface="Arial" panose="020B0604020202020204" pitchFamily="34" charset="0"/>
+              </a:rPr>
+              <a:t>документация</a:t>
+            </a:r>
+            <a:r>
+              <a:rPr lang="en-US" sz="2000" dirty="0">
+                <a:latin typeface="Arial" panose="020B0604020202020204" pitchFamily="34" charset="0"/>
+                <a:cs typeface="Arial" panose="020B0604020202020204" pitchFamily="34" charset="0"/>
+              </a:rPr>
+              <a:t>: </a:t>
+            </a:r>
+            <a:r>
+              <a:rPr lang="en-US" sz="2000" dirty="0">
+                <a:solidFill>
+                  <a:srgbClr val="0070C0"/>
+                </a:solidFill>
+                <a:latin typeface="Arial" panose="020B0604020202020204" pitchFamily="34" charset="0"/>
+                <a:cs typeface="Arial" panose="020B0604020202020204" pitchFamily="34" charset="0"/>
+              </a:rPr>
+              <a:t>https://docs.microsoft.com/en-us/dotnet/csharp/</a:t>
+            </a:r>
+          </a:p>
+          <a:p>
+            <a:endParaRPr lang="en-US" sz="2000" dirty="0">
+              <a:latin typeface="Arial" panose="020B0604020202020204" pitchFamily="34" charset="0"/>
+              <a:cs typeface="Arial" panose="020B0604020202020204" pitchFamily="34" charset="0"/>
+            </a:endParaRPr>
+          </a:p>
+          <a:p>
+            <a:endParaRPr lang="en-US" sz="2000" dirty="0">
+              <a:latin typeface="Arial" panose="020B0604020202020204" pitchFamily="34" charset="0"/>
+              <a:cs typeface="Arial" panose="020B0604020202020204" pitchFamily="34" charset="0"/>
+            </a:endParaRPr>
+          </a:p>
+          <a:p>
+            <a:endParaRPr lang="en-US" sz="2000" dirty="0">
+              <a:latin typeface="Arial" panose="020B0604020202020204" pitchFamily="34" charset="0"/>
+              <a:cs typeface="Arial" panose="020B0604020202020204" pitchFamily="34" charset="0"/>
+            </a:endParaRPr>
+          </a:p>
+          <a:p>
+            <a:pPr marL="0" indent="0">
+              <a:buNone/>
+            </a:pPr>
+            <a:endParaRPr lang="en-US" sz="1600" dirty="0">
+              <a:latin typeface="Arial" panose="020B0604020202020204" pitchFamily="34" charset="0"/>
+              <a:cs typeface="Arial" panose="020B0604020202020204" pitchFamily="34" charset="0"/>
+            </a:endParaRPr>
+          </a:p>
+          <a:p>
+            <a:endParaRPr lang="en-US" sz="1600" dirty="0">
+              <a:latin typeface="Arial" panose="020B0604020202020204" pitchFamily="34" charset="0"/>
+              <a:cs typeface="Arial" panose="020B0604020202020204" pitchFamily="34" charset="0"/>
+            </a:endParaRPr>
+          </a:p>
+          <a:p>
+            <a:endParaRPr lang="en-US" sz="1600" dirty="0">
+              <a:latin typeface="Arial" panose="020B0604020202020204" pitchFamily="34" charset="0"/>
+              <a:cs typeface="Arial" panose="020B0604020202020204" pitchFamily="34" charset="0"/>
+            </a:endParaRPr>
+          </a:p>
+          <a:p>
+            <a:endParaRPr lang="en-US" dirty="0">
+              <a:latin typeface="Arial" panose="020B0604020202020204" pitchFamily="34" charset="0"/>
+              <a:cs typeface="Arial" panose="020B0604020202020204" pitchFamily="34" charset="0"/>
+            </a:endParaRPr>
+          </a:p>
+          <a:p>
+            <a:endParaRPr lang="en-US" dirty="0">
+              <a:latin typeface="Arial" panose="020B0604020202020204" pitchFamily="34" charset="0"/>
+              <a:cs typeface="Arial" panose="020B0604020202020204" pitchFamily="34" charset="0"/>
+            </a:endParaRPr>
+          </a:p>
+          <a:p>
+            <a:endParaRPr lang="en-US" dirty="0">
+              <a:latin typeface="Arial" panose="020B0604020202020204" pitchFamily="34" charset="0"/>
+              <a:cs typeface="Arial" panose="020B0604020202020204" pitchFamily="34" charset="0"/>
+            </a:endParaRPr>
+          </a:p>
+          <a:p>
+            <a:endParaRPr lang="en-US" dirty="0">
+              <a:latin typeface="Arial" panose="020B0604020202020204" pitchFamily="34" charset="0"/>
+              <a:cs typeface="Arial" panose="020B0604020202020204" pitchFamily="34" charset="0"/>
+            </a:endParaRPr>
+          </a:p>
+          <a:p>
+            <a:endParaRPr lang="en-US" dirty="0"/>
+          </a:p>
+          <a:p>
+            <a:endParaRPr lang="en-US" dirty="0"/>
+          </a:p>
+        </p:txBody>
+      </p:sp>
+    </p:spTree>
+    <p:extLst>
+      <p:ext uri="{BB962C8B-B14F-4D97-AF65-F5344CB8AC3E}">
+        <p14:creationId xmlns:p14="http://schemas.microsoft.com/office/powerpoint/2010/main" val="927372469"/>
+      </p:ext>
+    </p:extLst>
+  </p:cSld>
+  <p:clrMapOvr>
+    <a:masterClrMapping/>
+  </p:clrMapOvr>
+</p:sld>
+</file>
+
+<file path=ppt/slides/slide30.xml><?xml version="1.0" encoding="utf-8"?>
+<p:sld xmlns:a="http://schemas.openxmlformats.org/drawingml/2006/main" xmlns:r="http://schemas.openxmlformats.org/officeDocument/2006/relationships" xmlns:p="http://schemas.openxmlformats.org/presentationml/2006/main">
+  <p:cSld>
+    <p:spTree>
+      <p:nvGrpSpPr>
+        <p:cNvPr id="1" name=""/>
+        <p:cNvGrpSpPr/>
+        <p:nvPr/>
+      </p:nvGrpSpPr>
+      <p:grpSpPr>
+        <a:xfrm>
+          <a:off x="0" y="0"/>
+          <a:ext cx="0" cy="0"/>
+          <a:chOff x="0" y="0"/>
+          <a:chExt cx="0" cy="0"/>
+        </a:xfrm>
+      </p:grpSpPr>
+      <p:sp>
+        <p:nvSpPr>
+          <p:cNvPr id="2" name="Title 1"/>
+          <p:cNvSpPr>
+            <a:spLocks noGrp="1"/>
+          </p:cNvSpPr>
+          <p:nvPr>
+            <p:ph type="title"/>
+          </p:nvPr>
+        </p:nvSpPr>
+        <p:spPr/>
+        <p:txBody>
+          <a:bodyPr/>
+          <a:lstStyle/>
+          <a:p>
+            <a:pPr algn="ctr"/>
+            <a:r>
+              <a:rPr lang="bg-BG" dirty="0">
+                <a:latin typeface="Arial" panose="020B0604020202020204" pitchFamily="34" charset="0"/>
+                <a:cs typeface="Arial" panose="020B0604020202020204" pitchFamily="34" charset="0"/>
+              </a:rPr>
+              <a:t>Цикли (вложени</a:t>
+            </a:r>
+            <a:r>
+              <a:rPr lang="en-US" dirty="0">
+                <a:latin typeface="Arial" panose="020B0604020202020204" pitchFamily="34" charset="0"/>
+                <a:cs typeface="Arial" panose="020B0604020202020204" pitchFamily="34" charset="0"/>
+              </a:rPr>
+              <a:t> </a:t>
+            </a:r>
+            <a:r>
+              <a:rPr lang="en-US" dirty="0">
+                <a:solidFill>
+                  <a:srgbClr val="FFFF00"/>
+                </a:solidFill>
+                <a:latin typeface="Arial" panose="020B0604020202020204" pitchFamily="34" charset="0"/>
+                <a:cs typeface="Arial" panose="020B0604020202020204" pitchFamily="34" charset="0"/>
+              </a:rPr>
+              <a:t>for</a:t>
+            </a:r>
+            <a:r>
+              <a:rPr lang="en-US" dirty="0">
+                <a:latin typeface="Arial" panose="020B0604020202020204" pitchFamily="34" charset="0"/>
+                <a:cs typeface="Arial" panose="020B0604020202020204" pitchFamily="34" charset="0"/>
+              </a:rPr>
+              <a:t> </a:t>
+            </a:r>
+            <a:r>
+              <a:rPr lang="bg-BG" dirty="0">
+                <a:latin typeface="Arial" panose="020B0604020202020204" pitchFamily="34" charset="0"/>
+                <a:cs typeface="Arial" panose="020B0604020202020204" pitchFamily="34" charset="0"/>
+              </a:rPr>
+              <a:t>цикли</a:t>
+            </a:r>
+            <a:r>
+              <a:rPr lang="en-US" dirty="0">
+                <a:latin typeface="Arial" panose="020B0604020202020204" pitchFamily="34" charset="0"/>
+                <a:cs typeface="Arial" panose="020B0604020202020204" pitchFamily="34" charset="0"/>
+              </a:rPr>
+              <a:t>)</a:t>
+            </a:r>
           </a:p>
         </p:txBody>
       </p:sp>
@@ -17758,14 +20408,14 @@
           <a:lstStyle/>
           <a:p>
             <a:r>
-              <a:rPr lang="bg-BG" sz="2800" dirty="0" smtClean="0">
+              <a:rPr lang="bg-BG" sz="2800" dirty="0">
                 <a:latin typeface="Arial" panose="020B0604020202020204" pitchFamily="34" charset="0"/>
                 <a:cs typeface="Arial" panose="020B0604020202020204" pitchFamily="34" charset="0"/>
               </a:rPr>
               <a:t>Много е важно да знаете, че след първата итерация на </a:t>
             </a:r>
             <a:r>
-              <a:rPr lang="bg-BG" sz="2800" dirty="0" smtClean="0">
+              <a:rPr lang="bg-BG" sz="2800" dirty="0">
                 <a:solidFill>
                   <a:srgbClr val="00B050"/>
                 </a:solidFill>
@@ -17775,14 +20425,14 @@
               <a:t>външния</a:t>
             </a:r>
             <a:r>
-              <a:rPr lang="bg-BG" sz="2800" dirty="0" smtClean="0">
+              <a:rPr lang="bg-BG" sz="2800" dirty="0">
                 <a:latin typeface="Arial" panose="020B0604020202020204" pitchFamily="34" charset="0"/>
                 <a:cs typeface="Arial" panose="020B0604020202020204" pitchFamily="34" charset="0"/>
               </a:rPr>
               <a:t> цикъл, </a:t>
             </a:r>
             <a:r>
-              <a:rPr lang="bg-BG" sz="2800" dirty="0" smtClean="0">
+              <a:rPr lang="bg-BG" sz="2800" dirty="0">
                 <a:solidFill>
                   <a:srgbClr val="00B050"/>
                 </a:solidFill>
@@ -17792,14 +20442,14 @@
               <a:t>вътрешният</a:t>
             </a:r>
             <a:r>
-              <a:rPr lang="bg-BG" sz="2800" dirty="0" smtClean="0">
+              <a:rPr lang="bg-BG" sz="2800" dirty="0">
                 <a:latin typeface="Arial" panose="020B0604020202020204" pitchFamily="34" charset="0"/>
                 <a:cs typeface="Arial" panose="020B0604020202020204" pitchFamily="34" charset="0"/>
               </a:rPr>
               <a:t> цикъл ще се изпълни </a:t>
             </a:r>
             <a:r>
-              <a:rPr lang="bg-BG" sz="2800" dirty="0" smtClean="0">
+              <a:rPr lang="bg-BG" sz="2800" dirty="0">
                 <a:solidFill>
                   <a:schemeClr val="accent2">
                     <a:lumMod val="75000"/>
@@ -17811,7 +20461,7 @@
               <a:t>целият</a:t>
             </a:r>
             <a:r>
-              <a:rPr lang="bg-BG" sz="2800" dirty="0" smtClean="0">
+              <a:rPr lang="bg-BG" sz="2800" dirty="0">
                 <a:latin typeface="Arial" panose="020B0604020202020204" pitchFamily="34" charset="0"/>
                 <a:cs typeface="Arial" panose="020B0604020202020204" pitchFamily="34" charset="0"/>
               </a:rPr>
@@ -17834,17 +20484,10 @@
   <p:clrMapOvr>
     <a:masterClrMapping/>
   </p:clrMapOvr>
-  <p:timing>
-    <p:tnLst>
-      <p:par>
-        <p:cTn id="1" dur="indefinite" restart="never" nodeType="tmRoot"/>
-      </p:par>
-    </p:tnLst>
-  </p:timing>
 </p:sld>
 </file>
 
-<file path=ppt/slides/slide24.xml><?xml version="1.0" encoding="utf-8"?>
+<file path=ppt/slides/slide31.xml><?xml version="1.0" encoding="utf-8"?>
 <p:sld xmlns:a="http://schemas.openxmlformats.org/drawingml/2006/main" xmlns:r="http://schemas.openxmlformats.org/officeDocument/2006/relationships" xmlns:p="http://schemas.openxmlformats.org/presentationml/2006/main">
   <p:cSld>
     <p:spTree>
@@ -17878,21 +20521,21 @@
           <a:p>
             <a:pPr algn="ctr"/>
             <a:r>
-              <a:rPr lang="bg-BG" dirty="0" smtClean="0">
+              <a:rPr lang="bg-BG" dirty="0">
                 <a:latin typeface="Arial" panose="020B0604020202020204" pitchFamily="34" charset="0"/>
                 <a:cs typeface="Arial" panose="020B0604020202020204" pitchFamily="34" charset="0"/>
               </a:rPr>
               <a:t>Използване на </a:t>
             </a:r>
             <a:r>
-              <a:rPr lang="en-US" dirty="0" smtClean="0">
+              <a:rPr lang="en-US" dirty="0">
                 <a:latin typeface="Arial" panose="020B0604020202020204" pitchFamily="34" charset="0"/>
                 <a:cs typeface="Arial" panose="020B0604020202020204" pitchFamily="34" charset="0"/>
               </a:rPr>
               <a:t>“</a:t>
             </a:r>
             <a:r>
-              <a:rPr lang="en-US" dirty="0" smtClean="0">
+              <a:rPr lang="en-US" dirty="0">
                 <a:solidFill>
                   <a:srgbClr val="FFFF00"/>
                 </a:solidFill>
@@ -17902,16 +20545,12 @@
               <a:t>break</a:t>
             </a:r>
             <a:r>
-              <a:rPr lang="en-US" dirty="0" smtClean="0">
+              <a:rPr lang="en-US" dirty="0">
                 <a:latin typeface="Arial" panose="020B0604020202020204" pitchFamily="34" charset="0"/>
                 <a:cs typeface="Arial" panose="020B0604020202020204" pitchFamily="34" charset="0"/>
               </a:rPr>
               <a:t>”</a:t>
             </a:r>
-            <a:endParaRPr lang="en-US" dirty="0">
-              <a:latin typeface="Arial" panose="020B0604020202020204" pitchFamily="34" charset="0"/>
-              <a:cs typeface="Arial" panose="020B0604020202020204" pitchFamily="34" charset="0"/>
-            </a:endParaRPr>
           </a:p>
         </p:txBody>
       </p:sp>
@@ -17967,7 +20606,7 @@
           <a:lstStyle/>
           <a:p>
             <a:r>
-              <a:rPr lang="en-US" sz="2800" dirty="0" smtClean="0">
+              <a:rPr lang="en-US" sz="2800" dirty="0">
                 <a:solidFill>
                   <a:srgbClr val="002060"/>
                 </a:solidFill>
@@ -17977,30 +20616,26 @@
               <a:t>Break</a:t>
             </a:r>
             <a:r>
-              <a:rPr lang="en-US" sz="2800" dirty="0" smtClean="0">
+              <a:rPr lang="en-US" sz="2800" dirty="0">
                 <a:latin typeface="Arial" panose="020B0604020202020204" pitchFamily="34" charset="0"/>
                 <a:cs typeface="Arial" panose="020B0604020202020204" pitchFamily="34" charset="0"/>
               </a:rPr>
               <a:t> </a:t>
             </a:r>
             <a:r>
-              <a:rPr lang="bg-BG" sz="2800" dirty="0" smtClean="0">
+              <a:rPr lang="bg-BG" sz="2800" dirty="0">
                 <a:latin typeface="Arial" panose="020B0604020202020204" pitchFamily="34" charset="0"/>
                 <a:cs typeface="Arial" panose="020B0604020202020204" pitchFamily="34" charset="0"/>
               </a:rPr>
               <a:t>прекъсва (терминира) цикъла, ако условието, в което се намира е изпълнено</a:t>
             </a:r>
             <a:r>
-              <a:rPr lang="en-US" sz="2800" dirty="0" smtClean="0">
+              <a:rPr lang="en-US" sz="2800" dirty="0">
                 <a:latin typeface="Arial" panose="020B0604020202020204" pitchFamily="34" charset="0"/>
                 <a:cs typeface="Arial" panose="020B0604020202020204" pitchFamily="34" charset="0"/>
               </a:rPr>
               <a:t>.</a:t>
             </a:r>
-            <a:endParaRPr lang="en-US" sz="2800" dirty="0">
-              <a:latin typeface="Arial" panose="020B0604020202020204" pitchFamily="34" charset="0"/>
-              <a:cs typeface="Arial" panose="020B0604020202020204" pitchFamily="34" charset="0"/>
-            </a:endParaRPr>
           </a:p>
         </p:txBody>
       </p:sp>
@@ -18014,17 +20649,10 @@
   <p:clrMapOvr>
     <a:masterClrMapping/>
   </p:clrMapOvr>
-  <p:timing>
-    <p:tnLst>
-      <p:par>
-        <p:cTn id="1" dur="indefinite" restart="never" nodeType="tmRoot"/>
-      </p:par>
-    </p:tnLst>
-  </p:timing>
 </p:sld>
 </file>
 
-<file path=ppt/slides/slide25.xml><?xml version="1.0" encoding="utf-8"?>
+<file path=ppt/slides/slide32.xml><?xml version="1.0" encoding="utf-8"?>
 <p:sld xmlns:a="http://schemas.openxmlformats.org/drawingml/2006/main" xmlns:r="http://schemas.openxmlformats.org/officeDocument/2006/relationships" xmlns:p="http://schemas.openxmlformats.org/presentationml/2006/main">
   <p:cSld>
     <p:spTree>
@@ -18058,21 +20686,21 @@
           <a:p>
             <a:pPr algn="ctr"/>
             <a:r>
-              <a:rPr lang="bg-BG" dirty="0" smtClean="0">
+              <a:rPr lang="bg-BG" dirty="0">
                 <a:latin typeface="Arial" panose="020B0604020202020204" pitchFamily="34" charset="0"/>
                 <a:cs typeface="Arial" panose="020B0604020202020204" pitchFamily="34" charset="0"/>
               </a:rPr>
               <a:t>Използване на </a:t>
             </a:r>
             <a:r>
-              <a:rPr lang="en-US" dirty="0" smtClean="0">
+              <a:rPr lang="en-US" dirty="0">
                 <a:latin typeface="Arial" panose="020B0604020202020204" pitchFamily="34" charset="0"/>
                 <a:cs typeface="Arial" panose="020B0604020202020204" pitchFamily="34" charset="0"/>
               </a:rPr>
               <a:t>“</a:t>
             </a:r>
             <a:r>
-              <a:rPr lang="en-US" dirty="0" smtClean="0">
+              <a:rPr lang="en-US" dirty="0">
                 <a:solidFill>
                   <a:srgbClr val="FFFF00"/>
                 </a:solidFill>
@@ -18082,16 +20710,12 @@
               <a:t>continue</a:t>
             </a:r>
             <a:r>
-              <a:rPr lang="en-US" dirty="0" smtClean="0">
+              <a:rPr lang="en-US" dirty="0">
                 <a:latin typeface="Arial" panose="020B0604020202020204" pitchFamily="34" charset="0"/>
                 <a:cs typeface="Arial" panose="020B0604020202020204" pitchFamily="34" charset="0"/>
               </a:rPr>
               <a:t>”</a:t>
             </a:r>
-            <a:endParaRPr lang="en-US" dirty="0">
-              <a:latin typeface="Arial" panose="020B0604020202020204" pitchFamily="34" charset="0"/>
-              <a:cs typeface="Arial" panose="020B0604020202020204" pitchFamily="34" charset="0"/>
-            </a:endParaRPr>
           </a:p>
         </p:txBody>
       </p:sp>
@@ -18147,7 +20771,7 @@
           <a:lstStyle/>
           <a:p>
             <a:r>
-              <a:rPr lang="en-US" sz="2800" dirty="0" smtClean="0">
+              <a:rPr lang="en-US" sz="2800" dirty="0">
                 <a:solidFill>
                   <a:srgbClr val="002060"/>
                 </a:solidFill>
@@ -18157,7 +20781,7 @@
               <a:t>Continue</a:t>
             </a:r>
             <a:r>
-              <a:rPr lang="bg-BG" sz="2800" dirty="0" smtClean="0">
+              <a:rPr lang="bg-BG" sz="2800" dirty="0">
                 <a:solidFill>
                   <a:srgbClr val="002060"/>
                 </a:solidFill>
@@ -18167,7 +20791,7 @@
               <a:t> </a:t>
             </a:r>
             <a:r>
-              <a:rPr lang="bg-BG" sz="2800" dirty="0" smtClean="0">
+              <a:rPr lang="bg-BG" sz="2800" dirty="0">
                 <a:latin typeface="Arial" panose="020B0604020202020204" pitchFamily="34" charset="0"/>
                 <a:cs typeface="Arial" panose="020B0604020202020204" pitchFamily="34" charset="0"/>
               </a:rPr>
@@ -18190,17 +20814,10 @@
   <p:clrMapOvr>
     <a:masterClrMapping/>
   </p:clrMapOvr>
-  <p:timing>
-    <p:tnLst>
-      <p:par>
-        <p:cTn id="1" dur="indefinite" restart="never" nodeType="tmRoot"/>
-      </p:par>
-    </p:tnLst>
-  </p:timing>
 </p:sld>
 </file>
 
-<file path=ppt/slides/slide26.xml><?xml version="1.0" encoding="utf-8"?>
+<file path=ppt/slides/slide33.xml><?xml version="1.0" encoding="utf-8"?>
 <p:sld xmlns:a="http://schemas.openxmlformats.org/drawingml/2006/main" xmlns:r="http://schemas.openxmlformats.org/officeDocument/2006/relationships" xmlns:p="http://schemas.openxmlformats.org/presentationml/2006/main">
   <p:cSld>
     <p:spTree>
@@ -18234,14 +20851,14 @@
           <a:p>
             <a:pPr algn="ctr"/>
             <a:r>
-              <a:rPr lang="en-US" dirty="0" smtClean="0">
+              <a:rPr lang="en-US" dirty="0">
                 <a:latin typeface="Arial" panose="020B0604020202020204" pitchFamily="34" charset="0"/>
                 <a:cs typeface="Arial" panose="020B0604020202020204" pitchFamily="34" charset="0"/>
               </a:rPr>
               <a:t>C# </a:t>
             </a:r>
             <a:r>
-              <a:rPr lang="bg-BG" dirty="0" smtClean="0">
+              <a:rPr lang="bg-BG" dirty="0">
                 <a:solidFill>
                   <a:srgbClr val="FFFF00"/>
                 </a:solidFill>
@@ -18276,7 +20893,7 @@
           <a:lstStyle/>
           <a:p>
             <a:r>
-              <a:rPr lang="bg-BG" dirty="0" smtClean="0"/>
+              <a:rPr lang="bg-BG" dirty="0"/>
               <a:t>Коментар на една линия</a:t>
             </a:r>
             <a:endParaRPr lang="en-US" dirty="0"/>
@@ -18333,7 +20950,7 @@
           <a:lstStyle/>
           <a:p>
             <a:r>
-              <a:rPr lang="bg-BG" dirty="0" smtClean="0"/>
+              <a:rPr lang="bg-BG" dirty="0"/>
               <a:t>Коментар на множество линии</a:t>
             </a:r>
             <a:endParaRPr lang="en-US" dirty="0"/>
@@ -18382,740 +20999,6 @@
 </p:sld>
 </file>
 
-<file path=ppt/slides/slide3.xml><?xml version="1.0" encoding="utf-8"?>
-<p:sld xmlns:a="http://schemas.openxmlformats.org/drawingml/2006/main" xmlns:r="http://schemas.openxmlformats.org/officeDocument/2006/relationships" xmlns:p="http://schemas.openxmlformats.org/presentationml/2006/main">
-  <p:cSld>
-    <p:spTree>
-      <p:nvGrpSpPr>
-        <p:cNvPr id="1" name=""/>
-        <p:cNvGrpSpPr/>
-        <p:nvPr/>
-      </p:nvGrpSpPr>
-      <p:grpSpPr>
-        <a:xfrm>
-          <a:off x="0" y="0"/>
-          <a:ext cx="0" cy="0"/>
-          <a:chOff x="0" y="0"/>
-          <a:chExt cx="0" cy="0"/>
-        </a:xfrm>
-      </p:grpSpPr>
-      <p:sp>
-        <p:nvSpPr>
-          <p:cNvPr id="2" name="Title 1"/>
-          <p:cNvSpPr>
-            <a:spLocks noGrp="1"/>
-          </p:cNvSpPr>
-          <p:nvPr>
-            <p:ph type="title"/>
-          </p:nvPr>
-        </p:nvSpPr>
-        <p:spPr/>
-        <p:txBody>
-          <a:bodyPr/>
-          <a:lstStyle/>
-          <a:p>
-            <a:pPr algn="ctr"/>
-            <a:r>
-              <a:rPr lang="bg-BG" dirty="0" smtClean="0">
-                <a:latin typeface="Arial" panose="020B0604020202020204" pitchFamily="34" charset="0"/>
-                <a:cs typeface="Arial" panose="020B0604020202020204" pitchFamily="34" charset="0"/>
-              </a:rPr>
-              <a:t>Какво е </a:t>
-            </a:r>
-            <a:r>
-              <a:rPr lang="en-US" dirty="0" smtClean="0">
-                <a:solidFill>
-                  <a:srgbClr val="FFFF00"/>
-                </a:solidFill>
-                <a:latin typeface="Arial" panose="020B0604020202020204" pitchFamily="34" charset="0"/>
-                <a:cs typeface="Arial" panose="020B0604020202020204" pitchFamily="34" charset="0"/>
-              </a:rPr>
-              <a:t>C</a:t>
-            </a:r>
-            <a:r>
-              <a:rPr lang="en-US" dirty="0" smtClean="0">
-                <a:solidFill>
-                  <a:srgbClr val="FFFF00"/>
-                </a:solidFill>
-                <a:latin typeface="Arial" panose="020B0604020202020204" pitchFamily="34" charset="0"/>
-                <a:cs typeface="Arial" panose="020B0604020202020204" pitchFamily="34" charset="0"/>
-              </a:rPr>
-              <a:t>#</a:t>
-            </a:r>
-            <a:r>
-              <a:rPr lang="en-US" dirty="0" smtClean="0">
-                <a:latin typeface="Arial" panose="020B0604020202020204" pitchFamily="34" charset="0"/>
-                <a:cs typeface="Arial" panose="020B0604020202020204" pitchFamily="34" charset="0"/>
-              </a:rPr>
-              <a:t>?</a:t>
-            </a:r>
-            <a:endParaRPr lang="en-US" dirty="0">
-              <a:latin typeface="Arial" panose="020B0604020202020204" pitchFamily="34" charset="0"/>
-              <a:cs typeface="Arial" panose="020B0604020202020204" pitchFamily="34" charset="0"/>
-            </a:endParaRPr>
-          </a:p>
-        </p:txBody>
-      </p:sp>
-      <p:sp>
-        <p:nvSpPr>
-          <p:cNvPr id="7" name="Content Placeholder 3"/>
-          <p:cNvSpPr>
-            <a:spLocks noGrp="1"/>
-          </p:cNvSpPr>
-          <p:nvPr>
-            <p:ph sz="half" idx="2"/>
-          </p:nvPr>
-        </p:nvSpPr>
-        <p:spPr>
-          <a:xfrm>
-            <a:off x="6196902" y="2327563"/>
-            <a:ext cx="4535753" cy="4054763"/>
-          </a:xfrm>
-        </p:spPr>
-        <p:txBody>
-          <a:bodyPr>
-            <a:normAutofit/>
-          </a:bodyPr>
-          <a:lstStyle/>
-          <a:p>
-            <a:pPr marL="0" indent="0">
-              <a:buNone/>
-            </a:pPr>
-            <a:endParaRPr lang="en-US" sz="1600" dirty="0">
-              <a:latin typeface="Arial" panose="020B0604020202020204" pitchFamily="34" charset="0"/>
-              <a:cs typeface="Arial" panose="020B0604020202020204" pitchFamily="34" charset="0"/>
-            </a:endParaRPr>
-          </a:p>
-          <a:p>
-            <a:endParaRPr lang="en-US" sz="1600" dirty="0">
-              <a:latin typeface="Arial" panose="020B0604020202020204" pitchFamily="34" charset="0"/>
-              <a:cs typeface="Arial" panose="020B0604020202020204" pitchFamily="34" charset="0"/>
-            </a:endParaRPr>
-          </a:p>
-          <a:p>
-            <a:endParaRPr lang="en-US" sz="1600" dirty="0">
-              <a:latin typeface="Arial" panose="020B0604020202020204" pitchFamily="34" charset="0"/>
-              <a:cs typeface="Arial" panose="020B0604020202020204" pitchFamily="34" charset="0"/>
-            </a:endParaRPr>
-          </a:p>
-          <a:p>
-            <a:endParaRPr lang="en-US" dirty="0">
-              <a:latin typeface="Arial" panose="020B0604020202020204" pitchFamily="34" charset="0"/>
-              <a:cs typeface="Arial" panose="020B0604020202020204" pitchFamily="34" charset="0"/>
-            </a:endParaRPr>
-          </a:p>
-          <a:p>
-            <a:endParaRPr lang="en-US" dirty="0">
-              <a:latin typeface="Arial" panose="020B0604020202020204" pitchFamily="34" charset="0"/>
-              <a:cs typeface="Arial" panose="020B0604020202020204" pitchFamily="34" charset="0"/>
-            </a:endParaRPr>
-          </a:p>
-          <a:p>
-            <a:endParaRPr lang="en-US" dirty="0">
-              <a:latin typeface="Arial" panose="020B0604020202020204" pitchFamily="34" charset="0"/>
-              <a:cs typeface="Arial" panose="020B0604020202020204" pitchFamily="34" charset="0"/>
-            </a:endParaRPr>
-          </a:p>
-          <a:p>
-            <a:endParaRPr lang="en-US" dirty="0">
-              <a:latin typeface="Arial" panose="020B0604020202020204" pitchFamily="34" charset="0"/>
-              <a:cs typeface="Arial" panose="020B0604020202020204" pitchFamily="34" charset="0"/>
-            </a:endParaRPr>
-          </a:p>
-          <a:p>
-            <a:endParaRPr lang="en-US" dirty="0"/>
-          </a:p>
-          <a:p>
-            <a:endParaRPr lang="en-US" dirty="0"/>
-          </a:p>
-        </p:txBody>
-      </p:sp>
-      <p:sp>
-        <p:nvSpPr>
-          <p:cNvPr id="4" name="Content Placeholder 3"/>
-          <p:cNvSpPr>
-            <a:spLocks noGrp="1"/>
-          </p:cNvSpPr>
-          <p:nvPr>
-            <p:ph sz="half" idx="2"/>
-          </p:nvPr>
-        </p:nvSpPr>
-        <p:spPr>
-          <a:xfrm>
-            <a:off x="782192" y="2771700"/>
-            <a:ext cx="10927726" cy="3713076"/>
-          </a:xfrm>
-        </p:spPr>
-        <p:txBody>
-          <a:bodyPr>
-            <a:normAutofit fontScale="92500" lnSpcReduction="10000"/>
-          </a:bodyPr>
-          <a:lstStyle/>
-          <a:p>
-            <a:r>
-              <a:rPr lang="en-US" sz="2000" dirty="0" smtClean="0">
-                <a:latin typeface="Arial" panose="020B0604020202020204" pitchFamily="34" charset="0"/>
-                <a:cs typeface="Arial" panose="020B0604020202020204" pitchFamily="34" charset="0"/>
-              </a:rPr>
-              <a:t>C# </a:t>
-            </a:r>
-            <a:r>
-              <a:rPr lang="bg-BG" sz="2000" dirty="0" smtClean="0">
-                <a:latin typeface="Arial" panose="020B0604020202020204" pitchFamily="34" charset="0"/>
-                <a:cs typeface="Arial" panose="020B0604020202020204" pitchFamily="34" charset="0"/>
-              </a:rPr>
-              <a:t>е проектиран от </a:t>
-            </a:r>
-            <a:r>
-              <a:rPr lang="bg-BG" sz="2000" dirty="0" smtClean="0">
-                <a:latin typeface="Arial" panose="020B0604020202020204" pitchFamily="34" charset="0"/>
-                <a:cs typeface="Arial" panose="020B0604020202020204" pitchFamily="34" charset="0"/>
-              </a:rPr>
-              <a:t>Андерс Хейлсберг от</a:t>
-            </a:r>
-            <a:r>
-              <a:rPr lang="en-US" sz="2000" dirty="0" smtClean="0">
-                <a:latin typeface="Arial" panose="020B0604020202020204" pitchFamily="34" charset="0"/>
-                <a:cs typeface="Arial" panose="020B0604020202020204" pitchFamily="34" charset="0"/>
-              </a:rPr>
-              <a:t> </a:t>
-            </a:r>
-            <a:r>
-              <a:rPr lang="en-US" sz="2000" dirty="0" smtClean="0">
-                <a:latin typeface="Arial" panose="020B0604020202020204" pitchFamily="34" charset="0"/>
-                <a:cs typeface="Arial" panose="020B0604020202020204" pitchFamily="34" charset="0"/>
-              </a:rPr>
-              <a:t>Microsoft </a:t>
-            </a:r>
-            <a:r>
-              <a:rPr lang="bg-BG" sz="2000" dirty="0" smtClean="0">
-                <a:latin typeface="Arial" panose="020B0604020202020204" pitchFamily="34" charset="0"/>
-                <a:cs typeface="Arial" panose="020B0604020202020204" pitchFamily="34" charset="0"/>
-              </a:rPr>
-              <a:t>през</a:t>
-            </a:r>
-            <a:r>
-              <a:rPr lang="en-US" sz="2000" dirty="0" smtClean="0">
-                <a:latin typeface="Arial" panose="020B0604020202020204" pitchFamily="34" charset="0"/>
-                <a:cs typeface="Arial" panose="020B0604020202020204" pitchFamily="34" charset="0"/>
-              </a:rPr>
-              <a:t> 2000</a:t>
-            </a:r>
-            <a:r>
-              <a:rPr lang="bg-BG" sz="2000" dirty="0" smtClean="0">
-                <a:latin typeface="Arial" panose="020B0604020202020204" pitchFamily="34" charset="0"/>
-                <a:cs typeface="Arial" panose="020B0604020202020204" pitchFamily="34" charset="0"/>
-              </a:rPr>
-              <a:t> год.</a:t>
-            </a:r>
-            <a:endParaRPr lang="en-US" sz="2000" dirty="0" smtClean="0">
-              <a:latin typeface="Arial" panose="020B0604020202020204" pitchFamily="34" charset="0"/>
-              <a:cs typeface="Arial" panose="020B0604020202020204" pitchFamily="34" charset="0"/>
-            </a:endParaRPr>
-          </a:p>
-          <a:p>
-            <a:r>
-              <a:rPr lang="en-US" sz="2000" dirty="0" smtClean="0">
-                <a:latin typeface="Arial" panose="020B0604020202020204" pitchFamily="34" charset="0"/>
-                <a:cs typeface="Arial" panose="020B0604020202020204" pitchFamily="34" charset="0"/>
-              </a:rPr>
-              <a:t>C# </a:t>
-            </a:r>
-            <a:r>
-              <a:rPr lang="bg-BG" sz="2000" dirty="0">
-                <a:latin typeface="Arial" panose="020B0604020202020204" pitchFamily="34" charset="0"/>
-                <a:cs typeface="Arial" panose="020B0604020202020204" pitchFamily="34" charset="0"/>
-              </a:rPr>
-              <a:t>е</a:t>
-            </a:r>
-            <a:r>
-              <a:rPr lang="en-US" sz="2000" dirty="0" smtClean="0">
-                <a:latin typeface="Arial" panose="020B0604020202020204" pitchFamily="34" charset="0"/>
-                <a:cs typeface="Arial" panose="020B0604020202020204" pitchFamily="34" charset="0"/>
-              </a:rPr>
-              <a:t> </a:t>
-            </a:r>
-            <a:r>
-              <a:rPr lang="en-US" sz="2000" dirty="0" smtClean="0">
-                <a:latin typeface="Arial" panose="020B0604020202020204" pitchFamily="34" charset="0"/>
-                <a:cs typeface="Arial" panose="020B0604020202020204" pitchFamily="34" charset="0"/>
-              </a:rPr>
-              <a:t>general purpose </a:t>
-            </a:r>
-            <a:r>
-              <a:rPr lang="bg-BG" sz="2000" dirty="0" smtClean="0">
-                <a:latin typeface="Arial" panose="020B0604020202020204" pitchFamily="34" charset="0"/>
-                <a:cs typeface="Arial" panose="020B0604020202020204" pitchFamily="34" charset="0"/>
-              </a:rPr>
-              <a:t>програмен език</a:t>
-            </a:r>
-            <a:endParaRPr lang="en-US" sz="2000" dirty="0" smtClean="0">
-              <a:latin typeface="Arial" panose="020B0604020202020204" pitchFamily="34" charset="0"/>
-              <a:cs typeface="Arial" panose="020B0604020202020204" pitchFamily="34" charset="0"/>
-            </a:endParaRPr>
-          </a:p>
-          <a:p>
-            <a:r>
-              <a:rPr lang="en-US" sz="2000" dirty="0" smtClean="0">
-                <a:latin typeface="Arial" panose="020B0604020202020204" pitchFamily="34" charset="0"/>
-                <a:cs typeface="Arial" panose="020B0604020202020204" pitchFamily="34" charset="0"/>
-              </a:rPr>
-              <a:t>C# </a:t>
-            </a:r>
-            <a:r>
-              <a:rPr lang="bg-BG" sz="2000" dirty="0" smtClean="0">
-                <a:latin typeface="Arial" panose="020B0604020202020204" pitchFamily="34" charset="0"/>
-                <a:cs typeface="Arial" panose="020B0604020202020204" pitchFamily="34" charset="0"/>
-              </a:rPr>
-              <a:t>е обектно-ориентиран </a:t>
-            </a:r>
-            <a:r>
-              <a:rPr lang="en-US" sz="2000" dirty="0" smtClean="0">
-                <a:latin typeface="Arial" panose="020B0604020202020204" pitchFamily="34" charset="0"/>
-                <a:cs typeface="Arial" panose="020B0604020202020204" pitchFamily="34" charset="0"/>
-              </a:rPr>
-              <a:t>(</a:t>
-            </a:r>
-            <a:r>
-              <a:rPr lang="bg-BG" sz="2000" dirty="0" smtClean="0">
-                <a:latin typeface="Arial" panose="020B0604020202020204" pitchFamily="34" charset="0"/>
-                <a:cs typeface="Arial" panose="020B0604020202020204" pitchFamily="34" charset="0"/>
-              </a:rPr>
-              <a:t>клас-базиран</a:t>
-            </a:r>
-            <a:r>
-              <a:rPr lang="en-US" sz="2000" dirty="0" smtClean="0">
-                <a:latin typeface="Arial" panose="020B0604020202020204" pitchFamily="34" charset="0"/>
-                <a:cs typeface="Arial" panose="020B0604020202020204" pitchFamily="34" charset="0"/>
-              </a:rPr>
-              <a:t>) </a:t>
-            </a:r>
-            <a:r>
-              <a:rPr lang="bg-BG" sz="2000" dirty="0" smtClean="0">
-                <a:latin typeface="Arial" panose="020B0604020202020204" pitchFamily="34" charset="0"/>
-                <a:cs typeface="Arial" panose="020B0604020202020204" pitchFamily="34" charset="0"/>
-              </a:rPr>
-              <a:t>програмен език</a:t>
-            </a:r>
-            <a:endParaRPr lang="en-US" sz="2000" dirty="0" smtClean="0">
-              <a:latin typeface="Arial" panose="020B0604020202020204" pitchFamily="34" charset="0"/>
-              <a:cs typeface="Arial" panose="020B0604020202020204" pitchFamily="34" charset="0"/>
-            </a:endParaRPr>
-          </a:p>
-          <a:p>
-            <a:r>
-              <a:rPr lang="en-US" sz="2000" dirty="0" smtClean="0">
-                <a:latin typeface="Arial" panose="020B0604020202020204" pitchFamily="34" charset="0"/>
-                <a:cs typeface="Arial" panose="020B0604020202020204" pitchFamily="34" charset="0"/>
-              </a:rPr>
-              <a:t>C# </a:t>
-            </a:r>
-            <a:r>
-              <a:rPr lang="bg-BG" sz="2000" dirty="0" smtClean="0">
-                <a:latin typeface="Arial" panose="020B0604020202020204" pitchFamily="34" charset="0"/>
-                <a:cs typeface="Arial" panose="020B0604020202020204" pitchFamily="34" charset="0"/>
-              </a:rPr>
-              <a:t>се използва върху </a:t>
-            </a:r>
-            <a:r>
-              <a:rPr lang="en-US" sz="2000" dirty="0" smtClean="0">
-                <a:latin typeface="Arial" panose="020B0604020202020204" pitchFamily="34" charset="0"/>
-                <a:cs typeface="Arial" panose="020B0604020202020204" pitchFamily="34" charset="0"/>
-              </a:rPr>
-              <a:t>.NET </a:t>
-            </a:r>
-            <a:r>
-              <a:rPr lang="bg-BG" sz="2000" dirty="0" smtClean="0">
-                <a:latin typeface="Arial" panose="020B0604020202020204" pitchFamily="34" charset="0"/>
-                <a:cs typeface="Arial" panose="020B0604020202020204" pitchFamily="34" charset="0"/>
-              </a:rPr>
-              <a:t>платформата</a:t>
-            </a:r>
-            <a:r>
-              <a:rPr lang="en-US" sz="2000" dirty="0" smtClean="0">
-                <a:latin typeface="Arial" panose="020B0604020202020204" pitchFamily="34" charset="0"/>
-                <a:cs typeface="Arial" panose="020B0604020202020204" pitchFamily="34" charset="0"/>
-              </a:rPr>
-              <a:t> </a:t>
-            </a:r>
-            <a:r>
-              <a:rPr lang="en-US" sz="2000" dirty="0" smtClean="0">
-                <a:latin typeface="Arial" panose="020B0604020202020204" pitchFamily="34" charset="0"/>
-                <a:cs typeface="Arial" panose="020B0604020202020204" pitchFamily="34" charset="0"/>
-              </a:rPr>
-              <a:t>/.NET 6 </a:t>
-            </a:r>
-            <a:r>
-              <a:rPr lang="bg-BG" sz="2000" dirty="0" smtClean="0">
-                <a:latin typeface="Arial" panose="020B0604020202020204" pitchFamily="34" charset="0"/>
-                <a:cs typeface="Arial" panose="020B0604020202020204" pitchFamily="34" charset="0"/>
-              </a:rPr>
-              <a:t>е последната версия</a:t>
-            </a:r>
-            <a:r>
-              <a:rPr lang="en-US" sz="2000" dirty="0" smtClean="0">
-                <a:latin typeface="Arial" panose="020B0604020202020204" pitchFamily="34" charset="0"/>
-                <a:cs typeface="Arial" panose="020B0604020202020204" pitchFamily="34" charset="0"/>
-              </a:rPr>
-              <a:t>/</a:t>
-            </a:r>
-            <a:endParaRPr lang="en-US" sz="2000" dirty="0" smtClean="0">
-              <a:latin typeface="Arial" panose="020B0604020202020204" pitchFamily="34" charset="0"/>
-              <a:cs typeface="Arial" panose="020B0604020202020204" pitchFamily="34" charset="0"/>
-            </a:endParaRPr>
-          </a:p>
-          <a:p>
-            <a:r>
-              <a:rPr lang="en-US" sz="2000" dirty="0" smtClean="0">
-                <a:latin typeface="Arial" panose="020B0604020202020204" pitchFamily="34" charset="0"/>
-                <a:cs typeface="Arial" panose="020B0604020202020204" pitchFamily="34" charset="0"/>
-              </a:rPr>
-              <a:t>C# </a:t>
-            </a:r>
-            <a:r>
-              <a:rPr lang="bg-BG" sz="2000" dirty="0" smtClean="0">
-                <a:latin typeface="Arial" panose="020B0604020202020204" pitchFamily="34" charset="0"/>
-                <a:cs typeface="Arial" panose="020B0604020202020204" pitchFamily="34" charset="0"/>
-              </a:rPr>
-              <a:t>може да бъде използван за писане на </a:t>
-            </a:r>
-            <a:r>
-              <a:rPr lang="en-US" sz="2000" dirty="0" smtClean="0">
-                <a:latin typeface="Arial" panose="020B0604020202020204" pitchFamily="34" charset="0"/>
-                <a:cs typeface="Arial" panose="020B0604020202020204" pitchFamily="34" charset="0"/>
-              </a:rPr>
-              <a:t>Console</a:t>
-            </a:r>
-            <a:r>
-              <a:rPr lang="en-US" sz="2000" dirty="0" smtClean="0">
-                <a:latin typeface="Arial" panose="020B0604020202020204" pitchFamily="34" charset="0"/>
-                <a:cs typeface="Arial" panose="020B0604020202020204" pitchFamily="34" charset="0"/>
-              </a:rPr>
-              <a:t>, Desktop, Widows Services, Web </a:t>
-            </a:r>
-            <a:r>
-              <a:rPr lang="bg-BG" sz="2000" dirty="0" smtClean="0">
-                <a:latin typeface="Arial" panose="020B0604020202020204" pitchFamily="34" charset="0"/>
-                <a:cs typeface="Arial" panose="020B0604020202020204" pitchFamily="34" charset="0"/>
-              </a:rPr>
-              <a:t>приложения</a:t>
-            </a:r>
-            <a:r>
-              <a:rPr lang="en-US" sz="2000" dirty="0" smtClean="0">
-                <a:latin typeface="Arial" panose="020B0604020202020204" pitchFamily="34" charset="0"/>
-                <a:cs typeface="Arial" panose="020B0604020202020204" pitchFamily="34" charset="0"/>
-              </a:rPr>
-              <a:t>, </a:t>
-            </a:r>
-            <a:r>
-              <a:rPr lang="en-US" sz="2000" dirty="0" smtClean="0">
-                <a:latin typeface="Arial" panose="020B0604020202020204" pitchFamily="34" charset="0"/>
-                <a:cs typeface="Arial" panose="020B0604020202020204" pitchFamily="34" charset="0"/>
-              </a:rPr>
-              <a:t>Mobile </a:t>
-            </a:r>
-            <a:r>
-              <a:rPr lang="bg-BG" sz="2000" dirty="0" smtClean="0">
-                <a:latin typeface="Arial" panose="020B0604020202020204" pitchFamily="34" charset="0"/>
-                <a:cs typeface="Arial" panose="020B0604020202020204" pitchFamily="34" charset="0"/>
-              </a:rPr>
-              <a:t>приложения</a:t>
-            </a:r>
-            <a:r>
-              <a:rPr lang="en-US" sz="2000" dirty="0" smtClean="0">
-                <a:latin typeface="Arial" panose="020B0604020202020204" pitchFamily="34" charset="0"/>
-                <a:cs typeface="Arial" panose="020B0604020202020204" pitchFamily="34" charset="0"/>
-              </a:rPr>
-              <a:t>, </a:t>
-            </a:r>
-            <a:r>
-              <a:rPr lang="en-US" sz="2000" dirty="0" smtClean="0">
-                <a:latin typeface="Arial" panose="020B0604020202020204" pitchFamily="34" charset="0"/>
-                <a:cs typeface="Arial" panose="020B0604020202020204" pitchFamily="34" charset="0"/>
-              </a:rPr>
-              <a:t>Games </a:t>
-            </a:r>
-            <a:r>
-              <a:rPr lang="bg-BG" sz="2000" dirty="0" smtClean="0">
-                <a:latin typeface="Arial" panose="020B0604020202020204" pitchFamily="34" charset="0"/>
-                <a:cs typeface="Arial" panose="020B0604020202020204" pitchFamily="34" charset="0"/>
-              </a:rPr>
-              <a:t>и</a:t>
-            </a:r>
-            <a:r>
-              <a:rPr lang="en-US" sz="2000" dirty="0" smtClean="0">
-                <a:latin typeface="Arial" panose="020B0604020202020204" pitchFamily="34" charset="0"/>
-                <a:cs typeface="Arial" panose="020B0604020202020204" pitchFamily="34" charset="0"/>
-              </a:rPr>
-              <a:t> </a:t>
-            </a:r>
-            <a:r>
-              <a:rPr lang="en-US" sz="2000" dirty="0" err="1" smtClean="0">
-                <a:latin typeface="Arial" panose="020B0604020202020204" pitchFamily="34" charset="0"/>
-                <a:cs typeface="Arial" panose="020B0604020202020204" pitchFamily="34" charset="0"/>
-              </a:rPr>
-              <a:t>IoT</a:t>
-            </a:r>
-            <a:endParaRPr lang="en-US" sz="2000" dirty="0" smtClean="0">
-              <a:latin typeface="Arial" panose="020B0604020202020204" pitchFamily="34" charset="0"/>
-              <a:cs typeface="Arial" panose="020B0604020202020204" pitchFamily="34" charset="0"/>
-            </a:endParaRPr>
-          </a:p>
-          <a:p>
-            <a:r>
-              <a:rPr lang="en-US" sz="2000" dirty="0" smtClean="0">
-                <a:latin typeface="Arial" panose="020B0604020202020204" pitchFamily="34" charset="0"/>
-                <a:cs typeface="Arial" panose="020B0604020202020204" pitchFamily="34" charset="0"/>
-              </a:rPr>
-              <a:t>C# </a:t>
-            </a:r>
-            <a:r>
-              <a:rPr lang="bg-BG" sz="2000" dirty="0" smtClean="0">
-                <a:latin typeface="Arial" panose="020B0604020202020204" pitchFamily="34" charset="0"/>
-                <a:cs typeface="Arial" panose="020B0604020202020204" pitchFamily="34" charset="0"/>
-              </a:rPr>
-              <a:t>поддържа статично типизиране</a:t>
-            </a:r>
-            <a:r>
-              <a:rPr lang="en-US" sz="2000" dirty="0" smtClean="0">
-                <a:latin typeface="Arial" panose="020B0604020202020204" pitchFamily="34" charset="0"/>
-                <a:cs typeface="Arial" panose="020B0604020202020204" pitchFamily="34" charset="0"/>
-              </a:rPr>
-              <a:t>, </a:t>
-            </a:r>
-            <a:r>
-              <a:rPr lang="bg-BG" sz="2000" dirty="0" smtClean="0">
-                <a:latin typeface="Arial" panose="020B0604020202020204" pitchFamily="34" charset="0"/>
-                <a:cs typeface="Arial" panose="020B0604020202020204" pitchFamily="34" charset="0"/>
-              </a:rPr>
-              <a:t>функционални програмиране</a:t>
-            </a:r>
-            <a:r>
-              <a:rPr lang="en-US" sz="2000" dirty="0" smtClean="0">
-                <a:latin typeface="Arial" panose="020B0604020202020204" pitchFamily="34" charset="0"/>
-                <a:cs typeface="Arial" panose="020B0604020202020204" pitchFamily="34" charset="0"/>
-              </a:rPr>
-              <a:t>, </a:t>
-            </a:r>
-            <a:r>
-              <a:rPr lang="en-US" sz="2000" dirty="0" smtClean="0">
-                <a:latin typeface="Arial" panose="020B0604020202020204" pitchFamily="34" charset="0"/>
-                <a:cs typeface="Arial" panose="020B0604020202020204" pitchFamily="34" charset="0"/>
-              </a:rPr>
-              <a:t>generics </a:t>
-            </a:r>
-            <a:r>
-              <a:rPr lang="bg-BG" sz="2000" dirty="0" smtClean="0">
-                <a:latin typeface="Arial" panose="020B0604020202020204" pitchFamily="34" charset="0"/>
-                <a:cs typeface="Arial" panose="020B0604020202020204" pitchFamily="34" charset="0"/>
-              </a:rPr>
-              <a:t>и</a:t>
-            </a:r>
-            <a:r>
-              <a:rPr lang="en-US" sz="2000" dirty="0" smtClean="0">
-                <a:latin typeface="Arial" panose="020B0604020202020204" pitchFamily="34" charset="0"/>
-                <a:cs typeface="Arial" panose="020B0604020202020204" pitchFamily="34" charset="0"/>
-              </a:rPr>
-              <a:t> </a:t>
-            </a:r>
-            <a:r>
-              <a:rPr lang="bg-BG" sz="2000" dirty="0" smtClean="0">
-                <a:latin typeface="Arial" panose="020B0604020202020204" pitchFamily="34" charset="0"/>
-                <a:cs typeface="Arial" panose="020B0604020202020204" pitchFamily="34" charset="0"/>
-              </a:rPr>
-              <a:t>много други неща</a:t>
-            </a:r>
-            <a:endParaRPr lang="bg-BG" sz="2000" dirty="0" smtClean="0">
-              <a:latin typeface="Arial" panose="020B0604020202020204" pitchFamily="34" charset="0"/>
-              <a:cs typeface="Arial" panose="020B0604020202020204" pitchFamily="34" charset="0"/>
-            </a:endParaRPr>
-          </a:p>
-          <a:p>
-            <a:r>
-              <a:rPr lang="en-US" sz="2000" dirty="0" smtClean="0">
-                <a:latin typeface="Arial" panose="020B0604020202020204" pitchFamily="34" charset="0"/>
-                <a:cs typeface="Arial" panose="020B0604020202020204" pitchFamily="34" charset="0"/>
-              </a:rPr>
-              <a:t>C# </a:t>
-            </a:r>
-            <a:r>
-              <a:rPr lang="bg-BG" sz="2000" dirty="0" smtClean="0">
-                <a:latin typeface="Arial" panose="020B0604020202020204" pitchFamily="34" charset="0"/>
-                <a:cs typeface="Arial" panose="020B0604020202020204" pitchFamily="34" charset="0"/>
-              </a:rPr>
-              <a:t>и</a:t>
-            </a:r>
-            <a:r>
-              <a:rPr lang="en-US" sz="2000" dirty="0" smtClean="0">
-                <a:latin typeface="Arial" panose="020B0604020202020204" pitchFamily="34" charset="0"/>
-                <a:cs typeface="Arial" panose="020B0604020202020204" pitchFamily="34" charset="0"/>
-              </a:rPr>
-              <a:t> </a:t>
-            </a:r>
-            <a:r>
-              <a:rPr lang="en-US" sz="2000" dirty="0" smtClean="0">
-                <a:latin typeface="Arial" panose="020B0604020202020204" pitchFamily="34" charset="0"/>
-                <a:cs typeface="Arial" panose="020B0604020202020204" pitchFamily="34" charset="0"/>
-              </a:rPr>
-              <a:t>Microsoft </a:t>
-            </a:r>
-            <a:r>
-              <a:rPr lang="bg-BG" sz="2000" dirty="0" smtClean="0">
-                <a:latin typeface="Arial" panose="020B0604020202020204" pitchFamily="34" charset="0"/>
-                <a:cs typeface="Arial" panose="020B0604020202020204" pitchFamily="34" charset="0"/>
-              </a:rPr>
-              <a:t>документациите</a:t>
-            </a:r>
-            <a:r>
-              <a:rPr lang="en-US" sz="2000" dirty="0" smtClean="0">
-                <a:latin typeface="Arial" panose="020B0604020202020204" pitchFamily="34" charset="0"/>
-                <a:cs typeface="Arial" panose="020B0604020202020204" pitchFamily="34" charset="0"/>
-              </a:rPr>
-              <a:t> </a:t>
-            </a:r>
-            <a:r>
-              <a:rPr lang="bg-BG" sz="2000" dirty="0" smtClean="0">
-                <a:latin typeface="Arial" panose="020B0604020202020204" pitchFamily="34" charset="0"/>
-                <a:cs typeface="Arial" panose="020B0604020202020204" pitchFamily="34" charset="0"/>
-              </a:rPr>
-              <a:t>са много информативни и добре структурирани</a:t>
-            </a:r>
-            <a:endParaRPr lang="en-US" sz="2000" dirty="0" smtClean="0">
-              <a:latin typeface="Arial" panose="020B0604020202020204" pitchFamily="34" charset="0"/>
-              <a:cs typeface="Arial" panose="020B0604020202020204" pitchFamily="34" charset="0"/>
-            </a:endParaRPr>
-          </a:p>
-          <a:p>
-            <a:r>
-              <a:rPr lang="en-US" sz="2000" dirty="0" smtClean="0">
-                <a:latin typeface="Arial" panose="020B0604020202020204" pitchFamily="34" charset="0"/>
-                <a:cs typeface="Arial" panose="020B0604020202020204" pitchFamily="34" charset="0"/>
-              </a:rPr>
-              <a:t>C# </a:t>
-            </a:r>
-            <a:r>
-              <a:rPr lang="bg-BG" sz="2000" dirty="0" smtClean="0">
-                <a:latin typeface="Arial" panose="020B0604020202020204" pitchFamily="34" charset="0"/>
-                <a:cs typeface="Arial" panose="020B0604020202020204" pitchFamily="34" charset="0"/>
-              </a:rPr>
-              <a:t>документация</a:t>
-            </a:r>
-            <a:r>
-              <a:rPr lang="en-US" sz="2000" dirty="0" smtClean="0">
-                <a:latin typeface="Arial" panose="020B0604020202020204" pitchFamily="34" charset="0"/>
-                <a:cs typeface="Arial" panose="020B0604020202020204" pitchFamily="34" charset="0"/>
-              </a:rPr>
-              <a:t>: </a:t>
-            </a:r>
-            <a:r>
-              <a:rPr lang="en-US" sz="2000" dirty="0">
-                <a:solidFill>
-                  <a:srgbClr val="0070C0"/>
-                </a:solidFill>
-                <a:latin typeface="Arial" panose="020B0604020202020204" pitchFamily="34" charset="0"/>
-                <a:cs typeface="Arial" panose="020B0604020202020204" pitchFamily="34" charset="0"/>
-              </a:rPr>
-              <a:t>https://docs.microsoft.com/en-us/dotnet/csharp/</a:t>
-            </a:r>
-            <a:endParaRPr lang="en-US" sz="2000" dirty="0" smtClean="0">
-              <a:solidFill>
-                <a:srgbClr val="0070C0"/>
-              </a:solidFill>
-              <a:latin typeface="Arial" panose="020B0604020202020204" pitchFamily="34" charset="0"/>
-              <a:cs typeface="Arial" panose="020B0604020202020204" pitchFamily="34" charset="0"/>
-            </a:endParaRPr>
-          </a:p>
-          <a:p>
-            <a:endParaRPr lang="en-US" sz="2000" dirty="0" smtClean="0">
-              <a:latin typeface="Arial" panose="020B0604020202020204" pitchFamily="34" charset="0"/>
-              <a:cs typeface="Arial" panose="020B0604020202020204" pitchFamily="34" charset="0"/>
-            </a:endParaRPr>
-          </a:p>
-          <a:p>
-            <a:endParaRPr lang="en-US" sz="2000" dirty="0">
-              <a:latin typeface="Arial" panose="020B0604020202020204" pitchFamily="34" charset="0"/>
-              <a:cs typeface="Arial" panose="020B0604020202020204" pitchFamily="34" charset="0"/>
-            </a:endParaRPr>
-          </a:p>
-          <a:p>
-            <a:endParaRPr lang="en-US" sz="2000" dirty="0">
-              <a:latin typeface="Arial" panose="020B0604020202020204" pitchFamily="34" charset="0"/>
-              <a:cs typeface="Arial" panose="020B0604020202020204" pitchFamily="34" charset="0"/>
-            </a:endParaRPr>
-          </a:p>
-          <a:p>
-            <a:pPr marL="0" indent="0">
-              <a:buNone/>
-            </a:pPr>
-            <a:endParaRPr lang="en-US" sz="1600" dirty="0">
-              <a:latin typeface="Arial" panose="020B0604020202020204" pitchFamily="34" charset="0"/>
-              <a:cs typeface="Arial" panose="020B0604020202020204" pitchFamily="34" charset="0"/>
-            </a:endParaRPr>
-          </a:p>
-          <a:p>
-            <a:endParaRPr lang="en-US" sz="1600" dirty="0">
-              <a:latin typeface="Arial" panose="020B0604020202020204" pitchFamily="34" charset="0"/>
-              <a:cs typeface="Arial" panose="020B0604020202020204" pitchFamily="34" charset="0"/>
-            </a:endParaRPr>
-          </a:p>
-          <a:p>
-            <a:endParaRPr lang="en-US" sz="1600" dirty="0">
-              <a:latin typeface="Arial" panose="020B0604020202020204" pitchFamily="34" charset="0"/>
-              <a:cs typeface="Arial" panose="020B0604020202020204" pitchFamily="34" charset="0"/>
-            </a:endParaRPr>
-          </a:p>
-          <a:p>
-            <a:endParaRPr lang="en-US" dirty="0">
-              <a:latin typeface="Arial" panose="020B0604020202020204" pitchFamily="34" charset="0"/>
-              <a:cs typeface="Arial" panose="020B0604020202020204" pitchFamily="34" charset="0"/>
-            </a:endParaRPr>
-          </a:p>
-          <a:p>
-            <a:endParaRPr lang="en-US" dirty="0">
-              <a:latin typeface="Arial" panose="020B0604020202020204" pitchFamily="34" charset="0"/>
-              <a:cs typeface="Arial" panose="020B0604020202020204" pitchFamily="34" charset="0"/>
-            </a:endParaRPr>
-          </a:p>
-          <a:p>
-            <a:endParaRPr lang="en-US" dirty="0">
-              <a:latin typeface="Arial" panose="020B0604020202020204" pitchFamily="34" charset="0"/>
-              <a:cs typeface="Arial" panose="020B0604020202020204" pitchFamily="34" charset="0"/>
-            </a:endParaRPr>
-          </a:p>
-          <a:p>
-            <a:endParaRPr lang="en-US" dirty="0">
-              <a:latin typeface="Arial" panose="020B0604020202020204" pitchFamily="34" charset="0"/>
-              <a:cs typeface="Arial" panose="020B0604020202020204" pitchFamily="34" charset="0"/>
-            </a:endParaRPr>
-          </a:p>
-          <a:p>
-            <a:endParaRPr lang="en-US" dirty="0"/>
-          </a:p>
-          <a:p>
-            <a:endParaRPr lang="en-US" dirty="0"/>
-          </a:p>
-        </p:txBody>
-      </p:sp>
-    </p:spTree>
-    <p:extLst>
-      <p:ext uri="{BB962C8B-B14F-4D97-AF65-F5344CB8AC3E}">
-        <p14:creationId xmlns:p14="http://schemas.microsoft.com/office/powerpoint/2010/main" val="927372469"/>
-      </p:ext>
-    </p:extLst>
-  </p:cSld>
-  <p:clrMapOvr>
-    <a:masterClrMapping/>
-  </p:clrMapOvr>
-  <p:timing>
-    <p:tnLst>
-      <p:par>
-        <p:cTn id="1" dur="indefinite" restart="never" nodeType="tmRoot"/>
-      </p:par>
-    </p:tnLst>
-  </p:timing>
-</p:sld>
-</file>
-
 <file path=ppt/slides/slide4.xml><?xml version="1.0" encoding="utf-8"?>
 <p:sld xmlns:a="http://schemas.openxmlformats.org/drawingml/2006/main" xmlns:r="http://schemas.openxmlformats.org/officeDocument/2006/relationships" xmlns:p="http://schemas.openxmlformats.org/presentationml/2006/main">
   <p:cSld>
@@ -19154,7 +21037,7 @@
           <a:lstStyle/>
           <a:p>
             <a:r>
-              <a:rPr lang="bg-BG" sz="2800" dirty="0" smtClean="0">
+              <a:rPr lang="bg-BG" sz="2800" dirty="0">
                 <a:latin typeface="Arial" panose="020B0604020202020204" pitchFamily="34" charset="0"/>
                 <a:cs typeface="Arial" panose="020B0604020202020204" pitchFamily="34" charset="0"/>
               </a:rPr>
@@ -19216,7 +21099,7 @@
           <a:lstStyle/>
           <a:p>
             <a:r>
-              <a:rPr lang="bg-BG" sz="2400" dirty="0" smtClean="0">
+              <a:rPr lang="bg-BG" sz="2400" dirty="0">
                 <a:solidFill>
                   <a:schemeClr val="bg1"/>
                 </a:solidFill>
@@ -19226,7 +21109,7 @@
               <a:t>Датски софтуерен инженер, създател на няколко програмни езика и инструменти за разработка. Той е автор на взика </a:t>
             </a:r>
             <a:r>
-              <a:rPr lang="en-US" sz="2400" dirty="0" smtClean="0">
+              <a:rPr lang="en-US" sz="2400" dirty="0">
                 <a:solidFill>
                   <a:srgbClr val="FFFF00"/>
                 </a:solidFill>
@@ -19236,7 +21119,7 @@
               <a:t>Turbo</a:t>
             </a:r>
             <a:r>
-              <a:rPr lang="bg-BG" sz="2400" dirty="0" smtClean="0">
+              <a:rPr lang="bg-BG" sz="2400" dirty="0">
                 <a:solidFill>
                   <a:srgbClr val="FFFF00"/>
                 </a:solidFill>
@@ -19246,7 +21129,7 @@
               <a:t> </a:t>
             </a:r>
             <a:r>
-              <a:rPr lang="en-US" sz="2400" dirty="0" smtClean="0">
+              <a:rPr lang="en-US" sz="2400" dirty="0">
                 <a:solidFill>
                   <a:srgbClr val="FFFF00"/>
                 </a:solidFill>
@@ -19256,7 +21139,7 @@
               <a:t>Pascal </a:t>
             </a:r>
             <a:r>
-              <a:rPr lang="bg-BG" sz="2400" dirty="0" smtClean="0">
+              <a:rPr lang="bg-BG" sz="2400" dirty="0">
                 <a:solidFill>
                   <a:schemeClr val="bg1"/>
                 </a:solidFill>
@@ -19266,7 +21149,7 @@
               <a:t>и </a:t>
             </a:r>
             <a:r>
-              <a:rPr lang="en-US" sz="2400" dirty="0" smtClean="0">
+              <a:rPr lang="en-US" sz="2400" dirty="0">
                 <a:solidFill>
                   <a:schemeClr val="bg1"/>
                 </a:solidFill>
@@ -19276,7 +21159,7 @@
               <a:t>co-chief </a:t>
             </a:r>
             <a:r>
-              <a:rPr lang="bg-BG" sz="2400" dirty="0" smtClean="0">
+              <a:rPr lang="bg-BG" sz="2400" dirty="0">
                 <a:solidFill>
                   <a:schemeClr val="bg1"/>
                 </a:solidFill>
@@ -19286,7 +21169,7 @@
               <a:t>на </a:t>
             </a:r>
             <a:r>
-              <a:rPr lang="en-US" sz="2400" dirty="0" smtClean="0">
+              <a:rPr lang="en-US" sz="2400" dirty="0">
                 <a:solidFill>
                   <a:srgbClr val="FFFF00"/>
                 </a:solidFill>
@@ -19296,7 +21179,7 @@
               <a:t>Delphi</a:t>
             </a:r>
             <a:r>
-              <a:rPr lang="en-US" sz="2400" dirty="0" smtClean="0">
+              <a:rPr lang="en-US" sz="2400" dirty="0">
                 <a:solidFill>
                   <a:schemeClr val="bg1"/>
                 </a:solidFill>
@@ -19306,7 +21189,7 @@
               <a:t>. </a:t>
             </a:r>
             <a:r>
-              <a:rPr lang="bg-BG" sz="2400" dirty="0" smtClean="0">
+              <a:rPr lang="bg-BG" sz="2400" dirty="0">
                 <a:solidFill>
                   <a:schemeClr val="bg1"/>
                 </a:solidFill>
@@ -19316,7 +21199,7 @@
               <a:t>В момента работи в Майкрософт като главен архитект на </a:t>
             </a:r>
             <a:r>
-              <a:rPr lang="en-US" sz="2400" dirty="0" err="1" smtClean="0">
+              <a:rPr lang="en-US" sz="2400" dirty="0" err="1">
                 <a:solidFill>
                   <a:srgbClr val="FFFF00"/>
                 </a:solidFill>
@@ -19326,7 +21209,7 @@
               <a:t>TypeScript</a:t>
             </a:r>
             <a:r>
-              <a:rPr lang="en-US" sz="2400" dirty="0" smtClean="0">
+              <a:rPr lang="en-US" sz="2400" dirty="0">
                 <a:solidFill>
                   <a:schemeClr val="bg1"/>
                 </a:solidFill>
@@ -19335,13 +21218,6 @@
               </a:rPr>
               <a:t>.</a:t>
             </a:r>
-            <a:endParaRPr lang="en-US" sz="2400" dirty="0">
-              <a:solidFill>
-                <a:schemeClr val="bg1"/>
-              </a:solidFill>
-              <a:latin typeface="Arial" panose="020B0604020202020204" pitchFamily="34" charset="0"/>
-              <a:cs typeface="Arial" panose="020B0604020202020204" pitchFamily="34" charset="0"/>
-            </a:endParaRPr>
           </a:p>
         </p:txBody>
       </p:sp>
@@ -19355,13 +21231,6 @@
   <p:clrMapOvr>
     <a:masterClrMapping/>
   </p:clrMapOvr>
-  <p:timing>
-    <p:tnLst>
-      <p:par>
-        <p:cTn id="1" dur="indefinite" restart="never" nodeType="tmRoot"/>
-      </p:par>
-    </p:tnLst>
-  </p:timing>
 </p:sld>
 </file>
 
@@ -19399,14 +21268,21 @@
           <a:p>
             <a:pPr algn="ctr"/>
             <a:r>
-              <a:rPr lang="en-US" dirty="0" smtClean="0">
-                <a:latin typeface="Arial" panose="020B0604020202020204" pitchFamily="34" charset="0"/>
-                <a:cs typeface="Arial" panose="020B0604020202020204" pitchFamily="34" charset="0"/>
-              </a:rPr>
-              <a:t>What is .</a:t>
-            </a:r>
-            <a:r>
-              <a:rPr lang="en-US" dirty="0" smtClean="0">
+              <a:rPr lang="bg-BG" dirty="0">
+                <a:latin typeface="Arial" panose="020B0604020202020204" pitchFamily="34" charset="0"/>
+                <a:cs typeface="Arial" panose="020B0604020202020204" pitchFamily="34" charset="0"/>
+              </a:rPr>
+              <a:t>Какво е </a:t>
+            </a:r>
+            <a:r>
+              <a:rPr lang="en-US" dirty="0">
+                <a:latin typeface="Arial" panose="020B0604020202020204" pitchFamily="34" charset="0"/>
+                <a:cs typeface="Arial" panose="020B0604020202020204" pitchFamily="34" charset="0"/>
+              </a:rPr>
+              <a:t>.</a:t>
+            </a:r>
+            <a:r>
+              <a:rPr lang="en-US" dirty="0">
                 <a:solidFill>
                   <a:srgbClr val="FFFF00"/>
                 </a:solidFill>
@@ -19416,16 +21292,12 @@
               <a:t>NET</a:t>
             </a:r>
             <a:r>
-              <a:rPr lang="en-US" dirty="0" smtClean="0">
+              <a:rPr lang="en-US" dirty="0">
                 <a:latin typeface="Arial" panose="020B0604020202020204" pitchFamily="34" charset="0"/>
                 <a:cs typeface="Arial" panose="020B0604020202020204" pitchFamily="34" charset="0"/>
               </a:rPr>
               <a:t>?</a:t>
             </a:r>
-            <a:endParaRPr lang="en-US" dirty="0">
-              <a:latin typeface="Arial" panose="020B0604020202020204" pitchFamily="34" charset="0"/>
-              <a:cs typeface="Arial" panose="020B0604020202020204" pitchFamily="34" charset="0"/>
-            </a:endParaRPr>
           </a:p>
         </p:txBody>
       </p:sp>
@@ -19459,21 +21331,21 @@
               <a:t>.NET </a:t>
             </a:r>
             <a:r>
-              <a:rPr lang="en-US" sz="2000" dirty="0" smtClean="0">
+              <a:rPr lang="en-US" sz="2000" dirty="0">
                 <a:latin typeface="Arial" panose="020B0604020202020204" pitchFamily="34" charset="0"/>
                 <a:cs typeface="Arial" panose="020B0604020202020204" pitchFamily="34" charset="0"/>
               </a:rPr>
               <a:t>e </a:t>
             </a:r>
             <a:r>
-              <a:rPr lang="bg-BG" sz="2000" dirty="0" smtClean="0">
+              <a:rPr lang="bg-BG" sz="2000" dirty="0">
                 <a:latin typeface="Arial" panose="020B0604020202020204" pitchFamily="34" charset="0"/>
                 <a:cs typeface="Arial" panose="020B0604020202020204" pitchFamily="34" charset="0"/>
               </a:rPr>
               <a:t>безплатна</a:t>
             </a:r>
             <a:r>
-              <a:rPr lang="en-US" sz="2000" dirty="0" smtClean="0">
+              <a:rPr lang="en-US" sz="2000" dirty="0">
                 <a:latin typeface="Arial" panose="020B0604020202020204" pitchFamily="34" charset="0"/>
                 <a:cs typeface="Arial" panose="020B0604020202020204" pitchFamily="34" charset="0"/>
               </a:rPr>
@@ -19487,41 +21359,41 @@
               <a:t> </a:t>
             </a:r>
             <a:r>
-              <a:rPr lang="en-US" sz="2000" dirty="0" smtClean="0">
+              <a:rPr lang="en-US" sz="2000" dirty="0">
                 <a:latin typeface="Arial" panose="020B0604020202020204" pitchFamily="34" charset="0"/>
                 <a:cs typeface="Arial" panose="020B0604020202020204" pitchFamily="34" charset="0"/>
               </a:rPr>
               <a:t>cross-platform</a:t>
             </a:r>
             <a:r>
-              <a:rPr lang="bg-BG" sz="2000" dirty="0" smtClean="0">
+              <a:rPr lang="bg-BG" sz="2000" dirty="0">
                 <a:latin typeface="Arial" panose="020B0604020202020204" pitchFamily="34" charset="0"/>
                 <a:cs typeface="Arial" panose="020B0604020202020204" pitchFamily="34" charset="0"/>
               </a:rPr>
               <a:t> и </a:t>
             </a:r>
             <a:r>
-              <a:rPr lang="en-US" sz="2000" dirty="0" smtClean="0">
+              <a:rPr lang="en-US" sz="2000" dirty="0">
                 <a:latin typeface="Arial" panose="020B0604020202020204" pitchFamily="34" charset="0"/>
                 <a:cs typeface="Arial" panose="020B0604020202020204" pitchFamily="34" charset="0"/>
               </a:rPr>
               <a:t>open source</a:t>
             </a:r>
             <a:r>
-              <a:rPr lang="bg-BG" sz="2000" dirty="0" smtClean="0">
+              <a:rPr lang="bg-BG" sz="2000" dirty="0">
                 <a:latin typeface="Arial" panose="020B0604020202020204" pitchFamily="34" charset="0"/>
                 <a:cs typeface="Arial" panose="020B0604020202020204" pitchFamily="34" charset="0"/>
               </a:rPr>
               <a:t> платформа за разработка на различни видове приложения.</a:t>
             </a:r>
-            <a:endParaRPr lang="en-US" sz="2000" dirty="0" smtClean="0">
+            <a:endParaRPr lang="en-US" sz="2000" dirty="0">
               <a:latin typeface="Arial" panose="020B0604020202020204" pitchFamily="34" charset="0"/>
               <a:cs typeface="Arial" panose="020B0604020202020204" pitchFamily="34" charset="0"/>
             </a:endParaRPr>
           </a:p>
           <a:p>
             <a:r>
-              <a:rPr lang="en-US" sz="2000" b="1" dirty="0" smtClean="0">
+              <a:rPr lang="en-US" sz="2000" b="1" dirty="0">
                 <a:latin typeface="Arial" panose="020B0604020202020204" pitchFamily="34" charset="0"/>
                 <a:cs typeface="Arial" panose="020B0604020202020204" pitchFamily="34" charset="0"/>
               </a:rPr>
@@ -19535,255 +21407,212 @@
               <a:t> </a:t>
             </a:r>
             <a:r>
-              <a:rPr lang="bg-BG" sz="2000" dirty="0" smtClean="0">
+              <a:rPr lang="bg-BG" sz="2000" dirty="0">
                 <a:latin typeface="Arial" panose="020B0604020202020204" pitchFamily="34" charset="0"/>
                 <a:cs typeface="Arial" panose="020B0604020202020204" pitchFamily="34" charset="0"/>
               </a:rPr>
               <a:t>съдържа</a:t>
             </a:r>
             <a:r>
-              <a:rPr lang="en-US" sz="2000" dirty="0" smtClean="0">
+              <a:rPr lang="en-US" sz="2000" dirty="0">
                 <a:latin typeface="Arial" panose="020B0604020202020204" pitchFamily="34" charset="0"/>
                 <a:cs typeface="Arial" panose="020B0604020202020204" pitchFamily="34" charset="0"/>
               </a:rPr>
               <a:t> </a:t>
             </a:r>
             <a:r>
-              <a:rPr lang="bg-BG" sz="2000" dirty="0" smtClean="0">
+              <a:rPr lang="bg-BG" sz="2000" dirty="0">
                 <a:latin typeface="Arial" panose="020B0604020202020204" pitchFamily="34" charset="0"/>
                 <a:cs typeface="Arial" panose="020B0604020202020204" pitchFamily="34" charset="0"/>
               </a:rPr>
               <a:t>програмни езици</a:t>
             </a:r>
             <a:r>
-              <a:rPr lang="en-US" sz="2000" dirty="0" smtClean="0">
+              <a:rPr lang="en-US" sz="2000" dirty="0">
                 <a:latin typeface="Arial" panose="020B0604020202020204" pitchFamily="34" charset="0"/>
                 <a:cs typeface="Arial" panose="020B0604020202020204" pitchFamily="34" charset="0"/>
               </a:rPr>
               <a:t>, </a:t>
             </a:r>
             <a:r>
-              <a:rPr lang="bg-BG" sz="2000" dirty="0" smtClean="0">
+              <a:rPr lang="bg-BG" sz="2000" dirty="0">
                 <a:latin typeface="Arial" panose="020B0604020202020204" pitchFamily="34" charset="0"/>
                 <a:cs typeface="Arial" panose="020B0604020202020204" pitchFamily="34" charset="0"/>
               </a:rPr>
               <a:t>среда за изпълнение на кода - </a:t>
             </a:r>
             <a:r>
-              <a:rPr lang="en-US" sz="2000" dirty="0" smtClean="0">
+              <a:rPr lang="en-US" sz="2000" dirty="0">
                 <a:latin typeface="Arial" panose="020B0604020202020204" pitchFamily="34" charset="0"/>
                 <a:cs typeface="Arial" panose="020B0604020202020204" pitchFamily="34" charset="0"/>
               </a:rPr>
               <a:t>runtime, </a:t>
             </a:r>
             <a:r>
-              <a:rPr lang="bg-BG" sz="2000" dirty="0" smtClean="0">
-                <a:latin typeface="Arial" panose="020B0604020202020204" pitchFamily="34" charset="0"/>
-                <a:cs typeface="Arial" panose="020B0604020202020204" pitchFamily="34" charset="0"/>
-              </a:rPr>
-              <a:t>и библиотеки </a:t>
-            </a:r>
-            <a:r>
-              <a:rPr lang="bg-BG" sz="2000" dirty="0" smtClean="0">
-                <a:latin typeface="Arial" panose="020B0604020202020204" pitchFamily="34" charset="0"/>
-                <a:cs typeface="Arial" panose="020B0604020202020204" pitchFamily="34" charset="0"/>
-              </a:rPr>
-              <a:t>за разработка на</a:t>
-            </a:r>
-            <a:r>
-              <a:rPr lang="en-US" sz="2000" dirty="0" smtClean="0">
+              <a:rPr lang="bg-BG" sz="2000" dirty="0">
+                <a:latin typeface="Arial" panose="020B0604020202020204" pitchFamily="34" charset="0"/>
+                <a:cs typeface="Arial" panose="020B0604020202020204" pitchFamily="34" charset="0"/>
+              </a:rPr>
+              <a:t>и библиотеки за разработка на</a:t>
+            </a:r>
+            <a:r>
+              <a:rPr lang="en-US" sz="2000" dirty="0">
+                <a:latin typeface="Arial" panose="020B0604020202020204" pitchFamily="34" charset="0"/>
+                <a:cs typeface="Arial" panose="020B0604020202020204" pitchFamily="34" charset="0"/>
+              </a:rPr>
+              <a:t> web, mobile, desktop, games, </a:t>
+            </a:r>
+            <a:r>
+              <a:rPr lang="bg-BG" sz="2000" dirty="0">
+                <a:latin typeface="Arial" panose="020B0604020202020204" pitchFamily="34" charset="0"/>
+                <a:cs typeface="Arial" panose="020B0604020202020204" pitchFamily="34" charset="0"/>
+              </a:rPr>
+              <a:t>и</a:t>
+            </a:r>
+            <a:r>
+              <a:rPr lang="en-US" sz="2000" dirty="0">
                 <a:latin typeface="Arial" panose="020B0604020202020204" pitchFamily="34" charset="0"/>
                 <a:cs typeface="Arial" panose="020B0604020202020204" pitchFamily="34" charset="0"/>
               </a:rPr>
               <a:t> </a:t>
             </a:r>
             <a:r>
+              <a:rPr lang="en-US" sz="2000" dirty="0" err="1">
+                <a:latin typeface="Arial" panose="020B0604020202020204" pitchFamily="34" charset="0"/>
+                <a:cs typeface="Arial" panose="020B0604020202020204" pitchFamily="34" charset="0"/>
+              </a:rPr>
+              <a:t>IoT</a:t>
+            </a:r>
+            <a:r>
+              <a:rPr lang="bg-BG" sz="2000" dirty="0">
+                <a:latin typeface="Arial" panose="020B0604020202020204" pitchFamily="34" charset="0"/>
+                <a:cs typeface="Arial" panose="020B0604020202020204" pitchFamily="34" charset="0"/>
+              </a:rPr>
+              <a:t> приложения</a:t>
+            </a:r>
+            <a:r>
               <a:rPr lang="en-US" sz="2000" dirty="0">
                 <a:latin typeface="Arial" panose="020B0604020202020204" pitchFamily="34" charset="0"/>
                 <a:cs typeface="Arial" panose="020B0604020202020204" pitchFamily="34" charset="0"/>
               </a:rPr>
-              <a:t>web, mobile, desktop, games, </a:t>
-            </a:r>
-            <a:r>
-              <a:rPr lang="bg-BG" sz="2000" dirty="0" smtClean="0">
-                <a:latin typeface="Arial" panose="020B0604020202020204" pitchFamily="34" charset="0"/>
-                <a:cs typeface="Arial" panose="020B0604020202020204" pitchFamily="34" charset="0"/>
-              </a:rPr>
-              <a:t>и</a:t>
-            </a:r>
-            <a:r>
-              <a:rPr lang="en-US" sz="2000" dirty="0" smtClean="0">
-                <a:latin typeface="Arial" panose="020B0604020202020204" pitchFamily="34" charset="0"/>
-                <a:cs typeface="Arial" panose="020B0604020202020204" pitchFamily="34" charset="0"/>
-              </a:rPr>
-              <a:t> </a:t>
-            </a:r>
-            <a:r>
-              <a:rPr lang="en-US" sz="2000" dirty="0" err="1" smtClean="0">
-                <a:latin typeface="Arial" panose="020B0604020202020204" pitchFamily="34" charset="0"/>
-                <a:cs typeface="Arial" panose="020B0604020202020204" pitchFamily="34" charset="0"/>
-              </a:rPr>
-              <a:t>IoT</a:t>
-            </a:r>
-            <a:r>
-              <a:rPr lang="bg-BG" sz="2000" dirty="0" smtClean="0">
-                <a:latin typeface="Arial" panose="020B0604020202020204" pitchFamily="34" charset="0"/>
-                <a:cs typeface="Arial" panose="020B0604020202020204" pitchFamily="34" charset="0"/>
-              </a:rPr>
-              <a:t> приложения</a:t>
-            </a:r>
-            <a:r>
-              <a:rPr lang="en-US" sz="2000" dirty="0" smtClean="0">
-                <a:latin typeface="Arial" panose="020B0604020202020204" pitchFamily="34" charset="0"/>
-                <a:cs typeface="Arial" panose="020B0604020202020204" pitchFamily="34" charset="0"/>
-              </a:rPr>
               <a:t>.</a:t>
             </a:r>
-            <a:endParaRPr lang="en-US" sz="2000" dirty="0" smtClean="0">
+          </a:p>
+          <a:p>
+            <a:r>
+              <a:rPr lang="bg-BG" sz="2000" dirty="0">
+                <a:latin typeface="Arial" panose="020B0604020202020204" pitchFamily="34" charset="0"/>
+                <a:cs typeface="Arial" panose="020B0604020202020204" pitchFamily="34" charset="0"/>
+              </a:rPr>
+              <a:t>Двата основни компонента на </a:t>
+            </a:r>
+            <a:r>
+              <a:rPr lang="en-US" sz="2000" dirty="0">
+                <a:latin typeface="Arial" panose="020B0604020202020204" pitchFamily="34" charset="0"/>
+                <a:cs typeface="Arial" panose="020B0604020202020204" pitchFamily="34" charset="0"/>
+              </a:rPr>
+              <a:t>.</a:t>
+            </a:r>
+            <a:r>
+              <a:rPr lang="en-US" sz="2000" b="1" dirty="0">
+                <a:latin typeface="Arial" panose="020B0604020202020204" pitchFamily="34" charset="0"/>
+                <a:cs typeface="Arial" panose="020B0604020202020204" pitchFamily="34" charset="0"/>
+              </a:rPr>
+              <a:t>NET</a:t>
+            </a:r>
+            <a:r>
+              <a:rPr lang="en-US" sz="2000" dirty="0">
+                <a:latin typeface="Arial" panose="020B0604020202020204" pitchFamily="34" charset="0"/>
+                <a:cs typeface="Arial" panose="020B0604020202020204" pitchFamily="34" charset="0"/>
+              </a:rPr>
+              <a:t> are </a:t>
+            </a:r>
+            <a:r>
+              <a:rPr lang="en-US" sz="2000" b="1" dirty="0" err="1">
+                <a:latin typeface="Arial" panose="020B0604020202020204" pitchFamily="34" charset="0"/>
+                <a:cs typeface="Arial" panose="020B0604020202020204" pitchFamily="34" charset="0"/>
+              </a:rPr>
+              <a:t>CoreCLR</a:t>
+            </a:r>
+            <a:r>
+              <a:rPr lang="en-US" sz="2000" dirty="0">
+                <a:latin typeface="Arial" panose="020B0604020202020204" pitchFamily="34" charset="0"/>
+                <a:cs typeface="Arial" panose="020B0604020202020204" pitchFamily="34" charset="0"/>
+              </a:rPr>
+              <a:t> and </a:t>
+            </a:r>
+            <a:r>
+              <a:rPr lang="en-US" sz="2000" b="1" dirty="0" err="1">
+                <a:latin typeface="Arial" panose="020B0604020202020204" pitchFamily="34" charset="0"/>
+                <a:cs typeface="Arial" panose="020B0604020202020204" pitchFamily="34" charset="0"/>
+              </a:rPr>
+              <a:t>CoreFX</a:t>
+            </a:r>
+            <a:endParaRPr lang="en-US" sz="2000" dirty="0">
               <a:latin typeface="Arial" panose="020B0604020202020204" pitchFamily="34" charset="0"/>
               <a:cs typeface="Arial" panose="020B0604020202020204" pitchFamily="34" charset="0"/>
             </a:endParaRPr>
           </a:p>
           <a:p>
             <a:r>
-              <a:rPr lang="bg-BG" sz="2000" dirty="0" smtClean="0">
-                <a:latin typeface="Arial" panose="020B0604020202020204" pitchFamily="34" charset="0"/>
-                <a:cs typeface="Arial" panose="020B0604020202020204" pitchFamily="34" charset="0"/>
-              </a:rPr>
-              <a:t>Двата основни компонента на </a:t>
-            </a:r>
-            <a:r>
-              <a:rPr lang="en-US" sz="2000" dirty="0" smtClean="0">
+              <a:rPr lang="bg-BG" sz="2000" dirty="0">
+                <a:latin typeface="Arial" panose="020B0604020202020204" pitchFamily="34" charset="0"/>
+                <a:cs typeface="Arial" panose="020B0604020202020204" pitchFamily="34" charset="0"/>
+              </a:rPr>
+              <a:t>Можем да пишем на </a:t>
+            </a:r>
+            <a:r>
+              <a:rPr lang="en-US" sz="2000" b="1" dirty="0">
+                <a:latin typeface="Arial" panose="020B0604020202020204" pitchFamily="34" charset="0"/>
+                <a:cs typeface="Arial" panose="020B0604020202020204" pitchFamily="34" charset="0"/>
+              </a:rPr>
+              <a:t>C#</a:t>
+            </a:r>
+            <a:r>
+              <a:rPr lang="en-US" sz="2000" dirty="0">
+                <a:latin typeface="Arial" panose="020B0604020202020204" pitchFamily="34" charset="0"/>
+                <a:cs typeface="Arial" panose="020B0604020202020204" pitchFamily="34" charset="0"/>
+              </a:rPr>
+              <a:t>, </a:t>
+            </a:r>
+            <a:r>
+              <a:rPr lang="en-US" sz="2000" b="1" dirty="0">
+                <a:latin typeface="Arial" panose="020B0604020202020204" pitchFamily="34" charset="0"/>
+                <a:cs typeface="Arial" panose="020B0604020202020204" pitchFamily="34" charset="0"/>
+              </a:rPr>
+              <a:t>F#</a:t>
+            </a:r>
+            <a:r>
+              <a:rPr lang="en-US" sz="2000" dirty="0">
+                <a:latin typeface="Arial" panose="020B0604020202020204" pitchFamily="34" charset="0"/>
+                <a:cs typeface="Arial" panose="020B0604020202020204" pitchFamily="34" charset="0"/>
+              </a:rPr>
+              <a:t>, </a:t>
+            </a:r>
+            <a:r>
+              <a:rPr lang="en-US" sz="2000" b="1" dirty="0">
+                <a:latin typeface="Arial" panose="020B0604020202020204" pitchFamily="34" charset="0"/>
+                <a:cs typeface="Arial" panose="020B0604020202020204" pitchFamily="34" charset="0"/>
+              </a:rPr>
+              <a:t>Visual Basic </a:t>
+            </a:r>
+            <a:r>
+              <a:rPr lang="bg-BG" sz="2000" dirty="0">
+                <a:latin typeface="Arial" panose="020B0604020202020204" pitchFamily="34" charset="0"/>
+                <a:cs typeface="Arial" panose="020B0604020202020204" pitchFamily="34" charset="0"/>
+              </a:rPr>
+              <a:t>и други програмни езици</a:t>
+            </a:r>
+            <a:r>
+              <a:rPr lang="en-US" sz="2000" dirty="0">
                 <a:latin typeface="Arial" panose="020B0604020202020204" pitchFamily="34" charset="0"/>
                 <a:cs typeface="Arial" panose="020B0604020202020204" pitchFamily="34" charset="0"/>
               </a:rPr>
               <a:t>.</a:t>
             </a:r>
-            <a:r>
-              <a:rPr lang="en-US" sz="2000" b="1" dirty="0" smtClean="0">
-                <a:latin typeface="Arial" panose="020B0604020202020204" pitchFamily="34" charset="0"/>
-                <a:cs typeface="Arial" panose="020B0604020202020204" pitchFamily="34" charset="0"/>
-              </a:rPr>
-              <a:t>NET</a:t>
-            </a:r>
-            <a:r>
-              <a:rPr lang="en-US" sz="2000" dirty="0" smtClean="0">
-                <a:latin typeface="Arial" panose="020B0604020202020204" pitchFamily="34" charset="0"/>
-                <a:cs typeface="Arial" panose="020B0604020202020204" pitchFamily="34" charset="0"/>
-              </a:rPr>
-              <a:t> </a:t>
-            </a:r>
-            <a:r>
-              <a:rPr lang="en-US" sz="2000" dirty="0">
-                <a:latin typeface="Arial" panose="020B0604020202020204" pitchFamily="34" charset="0"/>
-                <a:cs typeface="Arial" panose="020B0604020202020204" pitchFamily="34" charset="0"/>
-              </a:rPr>
-              <a:t>are </a:t>
-            </a:r>
-            <a:r>
-              <a:rPr lang="en-US" sz="2000" b="1" dirty="0" err="1">
-                <a:latin typeface="Arial" panose="020B0604020202020204" pitchFamily="34" charset="0"/>
-                <a:cs typeface="Arial" panose="020B0604020202020204" pitchFamily="34" charset="0"/>
-              </a:rPr>
-              <a:t>CoreCLR</a:t>
-            </a:r>
-            <a:r>
-              <a:rPr lang="en-US" sz="2000" dirty="0">
-                <a:latin typeface="Arial" panose="020B0604020202020204" pitchFamily="34" charset="0"/>
-                <a:cs typeface="Arial" panose="020B0604020202020204" pitchFamily="34" charset="0"/>
-              </a:rPr>
-              <a:t> </a:t>
-            </a:r>
-            <a:r>
-              <a:rPr lang="en-US" sz="2000" dirty="0" smtClean="0">
-                <a:latin typeface="Arial" panose="020B0604020202020204" pitchFamily="34" charset="0"/>
-                <a:cs typeface="Arial" panose="020B0604020202020204" pitchFamily="34" charset="0"/>
-              </a:rPr>
-              <a:t>and </a:t>
-            </a:r>
-            <a:r>
-              <a:rPr lang="en-US" sz="2000" b="1" dirty="0" err="1" smtClean="0">
-                <a:latin typeface="Arial" panose="020B0604020202020204" pitchFamily="34" charset="0"/>
-                <a:cs typeface="Arial" panose="020B0604020202020204" pitchFamily="34" charset="0"/>
-              </a:rPr>
-              <a:t>CoreFX</a:t>
-            </a:r>
-            <a:endParaRPr lang="en-US" sz="2000" dirty="0" smtClean="0">
-              <a:latin typeface="Arial" panose="020B0604020202020204" pitchFamily="34" charset="0"/>
-              <a:cs typeface="Arial" panose="020B0604020202020204" pitchFamily="34" charset="0"/>
-            </a:endParaRPr>
-          </a:p>
-          <a:p>
-            <a:r>
-              <a:rPr lang="bg-BG" sz="2000" dirty="0" smtClean="0">
-                <a:latin typeface="Arial" panose="020B0604020202020204" pitchFamily="34" charset="0"/>
-                <a:cs typeface="Arial" panose="020B0604020202020204" pitchFamily="34" charset="0"/>
-              </a:rPr>
-              <a:t>Можем да пишем на </a:t>
-            </a:r>
-            <a:r>
-              <a:rPr lang="en-US" sz="2000" b="1" dirty="0" smtClean="0">
-                <a:latin typeface="Arial" panose="020B0604020202020204" pitchFamily="34" charset="0"/>
-                <a:cs typeface="Arial" panose="020B0604020202020204" pitchFamily="34" charset="0"/>
-              </a:rPr>
-              <a:t>C</a:t>
-            </a:r>
-            <a:r>
-              <a:rPr lang="en-US" sz="2000" b="1" dirty="0" smtClean="0">
-                <a:latin typeface="Arial" panose="020B0604020202020204" pitchFamily="34" charset="0"/>
-                <a:cs typeface="Arial" panose="020B0604020202020204" pitchFamily="34" charset="0"/>
-              </a:rPr>
-              <a:t>#</a:t>
-            </a:r>
-            <a:r>
-              <a:rPr lang="en-US" sz="2000" dirty="0" smtClean="0">
-                <a:latin typeface="Arial" panose="020B0604020202020204" pitchFamily="34" charset="0"/>
-                <a:cs typeface="Arial" panose="020B0604020202020204" pitchFamily="34" charset="0"/>
-              </a:rPr>
-              <a:t>, </a:t>
-            </a:r>
-            <a:r>
-              <a:rPr lang="en-US" sz="2000" b="1" dirty="0" smtClean="0">
-                <a:latin typeface="Arial" panose="020B0604020202020204" pitchFamily="34" charset="0"/>
-                <a:cs typeface="Arial" panose="020B0604020202020204" pitchFamily="34" charset="0"/>
-              </a:rPr>
-              <a:t>F#</a:t>
-            </a:r>
-            <a:r>
-              <a:rPr lang="en-US" sz="2000" dirty="0" smtClean="0">
-                <a:latin typeface="Arial" panose="020B0604020202020204" pitchFamily="34" charset="0"/>
-                <a:cs typeface="Arial" panose="020B0604020202020204" pitchFamily="34" charset="0"/>
-              </a:rPr>
-              <a:t>, </a:t>
-            </a:r>
-            <a:r>
-              <a:rPr lang="en-US" sz="2000" b="1" dirty="0" smtClean="0">
-                <a:latin typeface="Arial" panose="020B0604020202020204" pitchFamily="34" charset="0"/>
-                <a:cs typeface="Arial" panose="020B0604020202020204" pitchFamily="34" charset="0"/>
-              </a:rPr>
-              <a:t>Visual Basic </a:t>
-            </a:r>
-            <a:r>
-              <a:rPr lang="bg-BG" sz="2000" dirty="0" smtClean="0">
-                <a:latin typeface="Arial" panose="020B0604020202020204" pitchFamily="34" charset="0"/>
-                <a:cs typeface="Arial" panose="020B0604020202020204" pitchFamily="34" charset="0"/>
-              </a:rPr>
-              <a:t>и други програмни езици</a:t>
-            </a:r>
-            <a:r>
-              <a:rPr lang="en-US" sz="2000" dirty="0" smtClean="0">
-                <a:latin typeface="Arial" panose="020B0604020202020204" pitchFamily="34" charset="0"/>
-                <a:cs typeface="Arial" panose="020B0604020202020204" pitchFamily="34" charset="0"/>
-              </a:rPr>
-              <a:t>.</a:t>
-            </a:r>
-            <a:endParaRPr lang="en-US" sz="2000" dirty="0" smtClean="0">
-              <a:latin typeface="Arial" panose="020B0604020202020204" pitchFamily="34" charset="0"/>
-              <a:cs typeface="Arial" panose="020B0604020202020204" pitchFamily="34" charset="0"/>
-            </a:endParaRPr>
-          </a:p>
-          <a:p>
-            <a:endParaRPr lang="en-US" dirty="0" smtClean="0"/>
+          </a:p>
+          <a:p>
+            <a:endParaRPr lang="en-US" dirty="0"/>
           </a:p>
           <a:p>
             <a:endParaRPr lang="en-US" dirty="0"/>
@@ -19890,13 +21719,6 @@
   <p:clrMapOvr>
     <a:masterClrMapping/>
   </p:clrMapOvr>
-  <p:timing>
-    <p:tnLst>
-      <p:par>
-        <p:cTn id="1" dur="indefinite" restart="never" nodeType="tmRoot"/>
-      </p:par>
-    </p:tnLst>
-  </p:timing>
 </p:sld>
 </file>
 
@@ -19934,7 +21756,7 @@
           <a:p>
             <a:pPr algn="ctr"/>
             <a:r>
-              <a:rPr lang="en-US" dirty="0" smtClean="0">
+              <a:rPr lang="en-US" dirty="0">
                 <a:solidFill>
                   <a:srgbClr val="FFFF00"/>
                 </a:solidFill>
@@ -19944,14 +21766,14 @@
               <a:t>.NET </a:t>
             </a:r>
             <a:r>
-              <a:rPr lang="en-US" dirty="0" smtClean="0">
+              <a:rPr lang="en-US" dirty="0">
                 <a:latin typeface="Arial" panose="020B0604020202020204" pitchFamily="34" charset="0"/>
                 <a:cs typeface="Arial" panose="020B0604020202020204" pitchFamily="34" charset="0"/>
               </a:rPr>
               <a:t>= </a:t>
             </a:r>
             <a:r>
-              <a:rPr lang="bg-BG" dirty="0" smtClean="0">
+              <a:rPr lang="bg-BG" dirty="0">
                 <a:latin typeface="Arial" panose="020B0604020202020204" pitchFamily="34" charset="0"/>
                 <a:cs typeface="Arial" panose="020B0604020202020204" pitchFamily="34" charset="0"/>
               </a:rPr>
@@ -19976,8 +21798,8 @@
         </p:nvSpPr>
         <p:spPr>
           <a:xfrm>
-            <a:off x="1154954" y="2603499"/>
-            <a:ext cx="2903862" cy="3349431"/>
+            <a:off x="620115" y="2948556"/>
+            <a:ext cx="5884202" cy="3349431"/>
           </a:xfrm>
         </p:spPr>
         <p:txBody>
@@ -19987,34 +21809,62 @@
           <a:lstStyle/>
           <a:p>
             <a:r>
-              <a:rPr lang="en-US" sz="3200" dirty="0" smtClean="0">
-                <a:latin typeface="Arial" panose="020B0604020202020204" pitchFamily="34" charset="0"/>
-                <a:cs typeface="Arial" panose="020B0604020202020204" pitchFamily="34" charset="0"/>
-              </a:rPr>
-              <a:t>Languages</a:t>
-            </a:r>
-          </a:p>
-          <a:p>
-            <a:r>
-              <a:rPr lang="en-US" sz="3200" dirty="0" smtClean="0">
-                <a:latin typeface="Arial" panose="020B0604020202020204" pitchFamily="34" charset="0"/>
-                <a:cs typeface="Arial" panose="020B0604020202020204" pitchFamily="34" charset="0"/>
-              </a:rPr>
-              <a:t>Runtimes</a:t>
-            </a:r>
-          </a:p>
-          <a:p>
-            <a:r>
-              <a:rPr lang="en-US" sz="3200" dirty="0" smtClean="0">
-                <a:latin typeface="Arial" panose="020B0604020202020204" pitchFamily="34" charset="0"/>
-                <a:cs typeface="Arial" panose="020B0604020202020204" pitchFamily="34" charset="0"/>
-              </a:rPr>
-              <a:t>Libraries</a:t>
+              <a:rPr lang="bg-BG" sz="3200" dirty="0">
+                <a:latin typeface="Arial" panose="020B0604020202020204" pitchFamily="34" charset="0"/>
+                <a:cs typeface="Arial" panose="020B0604020202020204" pitchFamily="34" charset="0"/>
+              </a:rPr>
+              <a:t>Програмни езици (</a:t>
+            </a:r>
+            <a:r>
+              <a:rPr lang="en-US" sz="3200" dirty="0">
+                <a:latin typeface="Arial" panose="020B0604020202020204" pitchFamily="34" charset="0"/>
+                <a:cs typeface="Arial" panose="020B0604020202020204" pitchFamily="34" charset="0"/>
+              </a:rPr>
+              <a:t>C#, F#, VB.NET</a:t>
+            </a:r>
+            <a:r>
+              <a:rPr lang="bg-BG" sz="3200" dirty="0">
+                <a:latin typeface="Arial" panose="020B0604020202020204" pitchFamily="34" charset="0"/>
+                <a:cs typeface="Arial" panose="020B0604020202020204" pitchFamily="34" charset="0"/>
+              </a:rPr>
+              <a:t>)</a:t>
             </a:r>
             <a:endParaRPr lang="en-US" sz="3200" dirty="0">
               <a:latin typeface="Arial" panose="020B0604020202020204" pitchFamily="34" charset="0"/>
               <a:cs typeface="Arial" panose="020B0604020202020204" pitchFamily="34" charset="0"/>
             </a:endParaRPr>
+          </a:p>
+          <a:p>
+            <a:r>
+              <a:rPr lang="bg-BG" sz="3200" dirty="0">
+                <a:latin typeface="Arial" panose="020B0604020202020204" pitchFamily="34" charset="0"/>
+                <a:cs typeface="Arial" panose="020B0604020202020204" pitchFamily="34" charset="0"/>
+              </a:rPr>
+              <a:t>Среда за изпълнение </a:t>
+            </a:r>
+            <a:r>
+              <a:rPr lang="en-US" sz="3200" dirty="0">
+                <a:latin typeface="Arial" panose="020B0604020202020204" pitchFamily="34" charset="0"/>
+                <a:cs typeface="Arial" panose="020B0604020202020204" pitchFamily="34" charset="0"/>
+              </a:rPr>
+              <a:t>(CLR)</a:t>
+            </a:r>
+          </a:p>
+          <a:p>
+            <a:r>
+              <a:rPr lang="bg-BG" sz="3200" dirty="0">
+                <a:latin typeface="Arial" panose="020B0604020202020204" pitchFamily="34" charset="0"/>
+                <a:cs typeface="Arial" panose="020B0604020202020204" pitchFamily="34" charset="0"/>
+              </a:rPr>
+              <a:t>Библиотеки</a:t>
+            </a:r>
+            <a:r>
+              <a:rPr lang="en-US" sz="3200" dirty="0">
+                <a:latin typeface="Arial" panose="020B0604020202020204" pitchFamily="34" charset="0"/>
+                <a:cs typeface="Arial" panose="020B0604020202020204" pitchFamily="34" charset="0"/>
+              </a:rPr>
+              <a:t> (FCL)</a:t>
+            </a:r>
           </a:p>
         </p:txBody>
       </p:sp>
@@ -20040,7 +21890,7 @@
         </p:blipFill>
         <p:spPr>
           <a:xfrm>
-            <a:off x="5897308" y="2435652"/>
+            <a:off x="6958357" y="2323508"/>
             <a:ext cx="4140358" cy="4140358"/>
           </a:xfrm>
           <a:prstGeom prst="roundRect">
@@ -20082,17 +21932,126 @@
   <p:clrMapOvr>
     <a:masterClrMapping/>
   </p:clrMapOvr>
-  <p:timing>
-    <p:tnLst>
-      <p:par>
-        <p:cTn id="1" dur="indefinite" restart="never" nodeType="tmRoot"/>
-      </p:par>
-    </p:tnLst>
-  </p:timing>
 </p:sld>
 </file>
 
 <file path=ppt/slides/slide7.xml><?xml version="1.0" encoding="utf-8"?>
+<p:sld xmlns:a="http://schemas.openxmlformats.org/drawingml/2006/main" xmlns:r="http://schemas.openxmlformats.org/officeDocument/2006/relationships" xmlns:p="http://schemas.openxmlformats.org/presentationml/2006/main">
+  <p:cSld>
+    <p:spTree>
+      <p:nvGrpSpPr>
+        <p:cNvPr id="1" name=""/>
+        <p:cNvGrpSpPr/>
+        <p:nvPr/>
+      </p:nvGrpSpPr>
+      <p:grpSpPr>
+        <a:xfrm>
+          <a:off x="0" y="0"/>
+          <a:ext cx="0" cy="0"/>
+          <a:chOff x="0" y="0"/>
+          <a:chExt cx="0" cy="0"/>
+        </a:xfrm>
+      </p:grpSpPr>
+      <p:sp>
+        <p:nvSpPr>
+          <p:cNvPr id="2" name="Title 1">
+            <a:extLst>
+              <a:ext uri="{FF2B5EF4-FFF2-40B4-BE49-F238E27FC236}">
+                <a16:creationId xmlns:a16="http://schemas.microsoft.com/office/drawing/2014/main" id="{BF74E08C-5523-4541-9132-01F6AF13B91C}"/>
+              </a:ext>
+            </a:extLst>
+          </p:cNvPr>
+          <p:cNvSpPr>
+            <a:spLocks noGrp="1"/>
+          </p:cNvSpPr>
+          <p:nvPr>
+            <p:ph type="title"/>
+          </p:nvPr>
+        </p:nvSpPr>
+        <p:spPr>
+          <a:xfrm>
+            <a:off x="1249846" y="2311879"/>
+            <a:ext cx="4107158" cy="1639018"/>
+          </a:xfrm>
+        </p:spPr>
+        <p:txBody>
+          <a:bodyPr>
+            <a:normAutofit/>
+          </a:bodyPr>
+          <a:lstStyle/>
+          <a:p>
+            <a:r>
+              <a:rPr lang="en-US" sz="4800" dirty="0">
+                <a:solidFill>
+                  <a:srgbClr val="FFFF00"/>
+                </a:solidFill>
+                <a:latin typeface="Arial" panose="020B0604020202020204" pitchFamily="34" charset="0"/>
+                <a:cs typeface="Arial" panose="020B0604020202020204" pitchFamily="34" charset="0"/>
+              </a:rPr>
+              <a:t>.NET </a:t>
+            </a:r>
+            <a:r>
+              <a:rPr lang="bg-BG" sz="4800" dirty="0">
+                <a:latin typeface="Arial" panose="020B0604020202020204" pitchFamily="34" charset="0"/>
+                <a:cs typeface="Arial" panose="020B0604020202020204" pitchFamily="34" charset="0"/>
+              </a:rPr>
+              <a:t>архитектура</a:t>
+            </a:r>
+          </a:p>
+        </p:txBody>
+      </p:sp>
+      <p:pic>
+        <p:nvPicPr>
+          <p:cNvPr id="5" name="Content Placeholder 3" descr="Diagram&#10;&#10;Description automatically generated">
+            <a:extLst>
+              <a:ext uri="{FF2B5EF4-FFF2-40B4-BE49-F238E27FC236}">
+                <a16:creationId xmlns:a16="http://schemas.microsoft.com/office/drawing/2014/main" id="{35086894-18D9-6A5E-1FA6-185FB66A74A3}"/>
+              </a:ext>
+            </a:extLst>
+          </p:cNvPr>
+          <p:cNvPicPr>
+            <a:picLocks noGrp="1" noChangeAspect="1"/>
+          </p:cNvPicPr>
+          <p:nvPr>
+            <p:ph idx="1"/>
+          </p:nvPr>
+        </p:nvPicPr>
+        <p:blipFill>
+          <a:blip r:embed="rId2">
+            <a:extLst>
+              <a:ext uri="{28A0092B-C50C-407E-A947-70E740481C1C}">
+                <a14:useLocalDpi xmlns:a14="http://schemas.microsoft.com/office/drawing/2010/main" val="0"/>
+              </a:ext>
+            </a:extLst>
+          </a:blip>
+          <a:stretch>
+            <a:fillRect/>
+          </a:stretch>
+        </p:blipFill>
+        <p:spPr>
+          <a:xfrm>
+            <a:off x="6744850" y="601534"/>
+            <a:ext cx="4444595" cy="5928565"/>
+          </a:xfrm>
+          <a:prstGeom prst="rect">
+            <a:avLst/>
+          </a:prstGeom>
+        </p:spPr>
+      </p:pic>
+    </p:spTree>
+    <p:extLst>
+      <p:ext uri="{BB962C8B-B14F-4D97-AF65-F5344CB8AC3E}">
+        <p14:creationId xmlns:p14="http://schemas.microsoft.com/office/powerpoint/2010/main" val="2369733126"/>
+      </p:ext>
+    </p:extLst>
+  </p:cSld>
+  <p:clrMapOvr>
+    <a:masterClrMapping/>
+  </p:clrMapOvr>
+</p:sld>
+</file>
+
+<file path=ppt/slides/slide8.xml><?xml version="1.0" encoding="utf-8"?>
 <p:sld xmlns:a="http://schemas.openxmlformats.org/drawingml/2006/main" xmlns:r="http://schemas.openxmlformats.org/officeDocument/2006/relationships" xmlns:p="http://schemas.openxmlformats.org/presentationml/2006/main">
   <p:cSld>
     <p:spTree>
@@ -20126,7 +22085,7 @@
           <a:p>
             <a:pPr algn="ctr"/>
             <a:r>
-              <a:rPr lang="en-US" dirty="0" smtClean="0">
+              <a:rPr lang="en-US" dirty="0">
                 <a:solidFill>
                   <a:srgbClr val="FFFF00"/>
                 </a:solidFill>
@@ -20136,37 +22095,33 @@
               <a:t>.NET </a:t>
             </a:r>
             <a:r>
-              <a:rPr lang="bg-BG" dirty="0" smtClean="0">
+              <a:rPr lang="bg-BG" dirty="0">
                 <a:latin typeface="Arial" panose="020B0604020202020204" pitchFamily="34" charset="0"/>
                 <a:cs typeface="Arial" panose="020B0604020202020204" pitchFamily="34" charset="0"/>
               </a:rPr>
               <a:t>платформата</a:t>
             </a:r>
             <a:r>
-              <a:rPr lang="en-US" dirty="0" smtClean="0">
+              <a:rPr lang="en-US" dirty="0">
                 <a:latin typeface="Arial" panose="020B0604020202020204" pitchFamily="34" charset="0"/>
                 <a:cs typeface="Arial" panose="020B0604020202020204" pitchFamily="34" charset="0"/>
               </a:rPr>
               <a:t> /</a:t>
             </a:r>
             <a:r>
-              <a:rPr lang="bg-BG" dirty="0" smtClean="0">
+              <a:rPr lang="bg-BG" dirty="0">
                 <a:latin typeface="Arial" panose="020B0604020202020204" pitchFamily="34" charset="0"/>
                 <a:cs typeface="Arial" panose="020B0604020202020204" pitchFamily="34" charset="0"/>
               </a:rPr>
               <a:t>цял нов свят</a:t>
             </a:r>
             <a:r>
-              <a:rPr lang="en-US" dirty="0" smtClean="0">
+              <a:rPr lang="en-US" dirty="0">
                 <a:latin typeface="Arial" panose="020B0604020202020204" pitchFamily="34" charset="0"/>
                 <a:cs typeface="Arial" panose="020B0604020202020204" pitchFamily="34" charset="0"/>
               </a:rPr>
               <a:t>/</a:t>
             </a:r>
-            <a:endParaRPr lang="en-US" dirty="0">
-              <a:latin typeface="Arial" panose="020B0604020202020204" pitchFamily="34" charset="0"/>
-              <a:cs typeface="Arial" panose="020B0604020202020204" pitchFamily="34" charset="0"/>
-            </a:endParaRPr>
           </a:p>
         </p:txBody>
       </p:sp>
@@ -20209,17 +22164,10 @@
   <p:clrMapOvr>
     <a:masterClrMapping/>
   </p:clrMapOvr>
-  <p:timing>
-    <p:tnLst>
-      <p:par>
-        <p:cTn id="1" dur="indefinite" restart="never" nodeType="tmRoot"/>
-      </p:par>
-    </p:tnLst>
-  </p:timing>
 </p:sld>
 </file>
 
-<file path=ppt/slides/slide8.xml><?xml version="1.0" encoding="utf-8"?>
+<file path=ppt/slides/slide9.xml><?xml version="1.0" encoding="utf-8"?>
 <p:sld xmlns:a="http://schemas.openxmlformats.org/drawingml/2006/main" xmlns:r="http://schemas.openxmlformats.org/officeDocument/2006/relationships" xmlns:p="http://schemas.openxmlformats.org/presentationml/2006/main">
   <p:cSld>
     <p:spTree>
@@ -20253,7 +22201,7 @@
           <a:p>
             <a:pPr algn="ctr"/>
             <a:r>
-              <a:rPr lang="en-US" dirty="0" smtClean="0">
+              <a:rPr lang="en-US" dirty="0">
                 <a:solidFill>
                   <a:srgbClr val="FFFF00"/>
                 </a:solidFill>
@@ -20263,21 +22211,21 @@
               <a:t>C#</a:t>
             </a:r>
             <a:r>
-              <a:rPr lang="en-US" dirty="0" smtClean="0">
+              <a:rPr lang="en-US" dirty="0">
                 <a:latin typeface="Arial" panose="020B0604020202020204" pitchFamily="34" charset="0"/>
                 <a:cs typeface="Arial" panose="020B0604020202020204" pitchFamily="34" charset="0"/>
               </a:rPr>
               <a:t> </a:t>
             </a:r>
             <a:r>
-              <a:rPr lang="bg-BG" dirty="0" smtClean="0">
+              <a:rPr lang="bg-BG" dirty="0">
                 <a:latin typeface="Arial" panose="020B0604020202020204" pitchFamily="34" charset="0"/>
                 <a:cs typeface="Arial" panose="020B0604020202020204" pitchFamily="34" charset="0"/>
               </a:rPr>
               <a:t>не е </a:t>
             </a:r>
             <a:r>
-              <a:rPr lang="en-US" dirty="0" smtClean="0">
+              <a:rPr lang="en-US" dirty="0">
                 <a:solidFill>
                   <a:srgbClr val="FFFF00"/>
                 </a:solidFill>
@@ -20287,16 +22235,12 @@
               <a:t>.NET</a:t>
             </a:r>
             <a:r>
-              <a:rPr lang="en-US" dirty="0" smtClean="0">
+              <a:rPr lang="en-US" dirty="0">
                 <a:latin typeface="Arial" panose="020B0604020202020204" pitchFamily="34" charset="0"/>
                 <a:cs typeface="Arial" panose="020B0604020202020204" pitchFamily="34" charset="0"/>
               </a:rPr>
               <a:t>!</a:t>
             </a:r>
-            <a:endParaRPr lang="en-US" dirty="0">
-              <a:latin typeface="Arial" panose="020B0604020202020204" pitchFamily="34" charset="0"/>
-              <a:cs typeface="Arial" panose="020B0604020202020204" pitchFamily="34" charset="0"/>
-            </a:endParaRPr>
           </a:p>
         </p:txBody>
       </p:sp>
@@ -20449,96 +22393,6 @@
   <p:clrMapOvr>
     <a:masterClrMapping/>
   </p:clrMapOvr>
-</p:sld>
-</file>
-
-<file path=ppt/slides/slide9.xml><?xml version="1.0" encoding="utf-8"?>
-<p:sld xmlns:a="http://schemas.openxmlformats.org/drawingml/2006/main" xmlns:r="http://schemas.openxmlformats.org/officeDocument/2006/relationships" xmlns:p="http://schemas.openxmlformats.org/presentationml/2006/main">
-  <p:cSld>
-    <p:spTree>
-      <p:nvGrpSpPr>
-        <p:cNvPr id="1" name=""/>
-        <p:cNvGrpSpPr/>
-        <p:nvPr/>
-      </p:nvGrpSpPr>
-      <p:grpSpPr>
-        <a:xfrm>
-          <a:off x="0" y="0"/>
-          <a:ext cx="0" cy="0"/>
-          <a:chOff x="0" y="0"/>
-          <a:chExt cx="0" cy="0"/>
-        </a:xfrm>
-      </p:grpSpPr>
-      <p:sp>
-        <p:nvSpPr>
-          <p:cNvPr id="2" name="Title 1"/>
-          <p:cNvSpPr>
-            <a:spLocks noGrp="1"/>
-          </p:cNvSpPr>
-          <p:nvPr>
-            <p:ph type="title"/>
-          </p:nvPr>
-        </p:nvSpPr>
-        <p:spPr/>
-        <p:txBody>
-          <a:bodyPr/>
-          <a:lstStyle/>
-          <a:p>
-            <a:pPr algn="ctr"/>
-            <a:r>
-              <a:rPr lang="en-US" dirty="0" smtClean="0"/>
-              <a:t>.NET Schedule</a:t>
-            </a:r>
-            <a:endParaRPr lang="en-US" dirty="0"/>
-          </a:p>
-        </p:txBody>
-      </p:sp>
-      <p:pic>
-        <p:nvPicPr>
-          <p:cNvPr id="4" name="Content Placeholder 3"/>
-          <p:cNvPicPr>
-            <a:picLocks noGrp="1" noChangeAspect="1"/>
-          </p:cNvPicPr>
-          <p:nvPr>
-            <p:ph idx="1"/>
-          </p:nvPr>
-        </p:nvPicPr>
-        <p:blipFill>
-          <a:blip r:embed="rId2" cstate="print">
-            <a:extLst>
-              <a:ext uri="{28A0092B-C50C-407E-A947-70E740481C1C}">
-                <a14:useLocalDpi xmlns:a14="http://schemas.microsoft.com/office/drawing/2010/main" val="0"/>
-              </a:ext>
-            </a:extLst>
-          </a:blip>
-          <a:stretch>
-            <a:fillRect/>
-          </a:stretch>
-        </p:blipFill>
-        <p:spPr>
-          <a:xfrm>
-            <a:off x="2542823" y="2510194"/>
-            <a:ext cx="7011724" cy="3934658"/>
-          </a:xfrm>
-        </p:spPr>
-      </p:pic>
-    </p:spTree>
-    <p:extLst>
-      <p:ext uri="{BB962C8B-B14F-4D97-AF65-F5344CB8AC3E}">
-        <p14:creationId xmlns:p14="http://schemas.microsoft.com/office/powerpoint/2010/main" val="1234884613"/>
-      </p:ext>
-    </p:extLst>
-  </p:cSld>
-  <p:clrMapOvr>
-    <a:masterClrMapping/>
-  </p:clrMapOvr>
-  <p:timing>
-    <p:tnLst>
-      <p:par>
-        <p:cTn id="1" dur="indefinite" restart="never" nodeType="tmRoot"/>
-      </p:par>
-    </p:tnLst>
-  </p:timing>
 </p:sld>
 </file>
 

--- a/C# Basics.pptx
+++ b/C# Basics.pptx
@@ -5,7 +5,7 @@
     <p:sldMasterId id="2147483707" r:id="rId1"/>
   </p:sldMasterIdLst>
   <p:notesMasterIdLst>
-    <p:notesMasterId r:id="rId35"/>
+    <p:notesMasterId r:id="rId36"/>
   </p:notesMasterIdLst>
   <p:sldIdLst>
     <p:sldId id="256" r:id="rId2"/>
@@ -13,13 +13,13 @@
     <p:sldId id="258" r:id="rId4"/>
     <p:sldId id="259" r:id="rId5"/>
     <p:sldId id="262" r:id="rId6"/>
-    <p:sldId id="264" r:id="rId7"/>
-    <p:sldId id="287" r:id="rId8"/>
-    <p:sldId id="261" r:id="rId9"/>
-    <p:sldId id="283" r:id="rId10"/>
-    <p:sldId id="265" r:id="rId11"/>
-    <p:sldId id="267" r:id="rId12"/>
-    <p:sldId id="285" r:id="rId13"/>
+    <p:sldId id="293" r:id="rId7"/>
+    <p:sldId id="267" r:id="rId8"/>
+    <p:sldId id="285" r:id="rId9"/>
+    <p:sldId id="287" r:id="rId10"/>
+    <p:sldId id="283" r:id="rId11"/>
+    <p:sldId id="261" r:id="rId12"/>
+    <p:sldId id="265" r:id="rId13"/>
     <p:sldId id="266" r:id="rId14"/>
     <p:sldId id="269" r:id="rId15"/>
     <p:sldId id="281" r:id="rId16"/>
@@ -41,6 +41,7 @@
     <p:sldId id="274" r:id="rId32"/>
     <p:sldId id="275" r:id="rId33"/>
     <p:sldId id="282" r:id="rId34"/>
+    <p:sldId id="294" r:id="rId35"/>
   </p:sldIdLst>
   <p:sldSz cx="12192000" cy="6858000"/>
   <p:notesSz cx="6858000" cy="9144000"/>
@@ -13785,30 +13786,50 @@
                 <a:latin typeface="Arial" panose="020B0604020202020204" pitchFamily="34" charset="0"/>
                 <a:cs typeface="Arial" panose="020B0604020202020204" pitchFamily="34" charset="0"/>
               </a:rPr>
-              <a:t>.NET </a:t>
+              <a:t>C#</a:t>
+            </a:r>
+            <a:r>
+              <a:rPr lang="en-US" dirty="0">
+                <a:latin typeface="Arial" panose="020B0604020202020204" pitchFamily="34" charset="0"/>
+                <a:cs typeface="Arial" panose="020B0604020202020204" pitchFamily="34" charset="0"/>
+              </a:rPr>
+              <a:t> </a:t>
             </a:r>
             <a:r>
               <a:rPr lang="bg-BG" dirty="0">
                 <a:latin typeface="Arial" panose="020B0604020202020204" pitchFamily="34" charset="0"/>
                 <a:cs typeface="Arial" panose="020B0604020202020204" pitchFamily="34" charset="0"/>
               </a:rPr>
-              <a:t>график</a:t>
-            </a:r>
-            <a:endParaRPr lang="en-US" dirty="0">
-              <a:latin typeface="Arial" panose="020B0604020202020204" pitchFamily="34" charset="0"/>
-              <a:cs typeface="Arial" panose="020B0604020202020204" pitchFamily="34" charset="0"/>
-            </a:endParaRPr>
+              <a:t>не е </a:t>
+            </a:r>
+            <a:r>
+              <a:rPr lang="en-US" dirty="0">
+                <a:solidFill>
+                  <a:srgbClr val="FFFF00"/>
+                </a:solidFill>
+                <a:latin typeface="Arial" panose="020B0604020202020204" pitchFamily="34" charset="0"/>
+                <a:cs typeface="Arial" panose="020B0604020202020204" pitchFamily="34" charset="0"/>
+              </a:rPr>
+              <a:t>.NET</a:t>
+            </a:r>
+            <a:r>
+              <a:rPr lang="en-US" dirty="0">
+                <a:latin typeface="Arial" panose="020B0604020202020204" pitchFamily="34" charset="0"/>
+                <a:cs typeface="Arial" panose="020B0604020202020204" pitchFamily="34" charset="0"/>
+              </a:rPr>
+              <a:t>!</a:t>
+            </a:r>
           </a:p>
         </p:txBody>
       </p:sp>
       <p:pic>
         <p:nvPicPr>
-          <p:cNvPr id="4" name="Content Placeholder 3"/>
+          <p:cNvPr id="12" name="Picture Placeholder 11"/>
           <p:cNvPicPr>
             <a:picLocks noGrp="1" noChangeAspect="1"/>
           </p:cNvPicPr>
           <p:nvPr>
-            <p:ph idx="1"/>
+            <p:ph type="pic" idx="15"/>
           </p:nvPr>
         </p:nvPicPr>
         <p:blipFill>
@@ -13825,15 +13846,125 @@
         </p:blipFill>
         <p:spPr>
           <a:xfrm>
-            <a:off x="2542823" y="2510194"/>
-            <a:ext cx="7011724" cy="3934658"/>
+            <a:off x="1154954" y="2733040"/>
+            <a:ext cx="2460402" cy="2460402"/>
           </a:xfrm>
+          <a:prstGeom prst="rect">
+            <a:avLst/>
+          </a:prstGeom>
+        </p:spPr>
+      </p:pic>
+      <p:pic>
+        <p:nvPicPr>
+          <p:cNvPr id="13" name="Picture Placeholder 12"/>
+          <p:cNvPicPr>
+            <a:picLocks noGrp="1" noChangeAspect="1"/>
+          </p:cNvPicPr>
+          <p:nvPr>
+            <p:ph type="pic" idx="22"/>
+          </p:nvPr>
+        </p:nvPicPr>
+        <p:blipFill>
+          <a:blip r:embed="rId3">
+            <a:extLst>
+              <a:ext uri="{28A0092B-C50C-407E-A947-70E740481C1C}">
+                <a14:useLocalDpi xmlns:a14="http://schemas.microsoft.com/office/drawing/2010/main" val="0"/>
+              </a:ext>
+            </a:extLst>
+          </a:blip>
+          <a:srcRect t="20413" b="20413"/>
+          <a:stretch>
+            <a:fillRect/>
+          </a:stretch>
+        </p:blipFill>
+        <p:spPr>
+          <a:xfrm>
+            <a:off x="8125344" y="3019202"/>
+            <a:ext cx="3504501" cy="2072444"/>
+          </a:xfrm>
+          <a:prstGeom prst="roundRect">
+            <a:avLst>
+              <a:gd name="adj" fmla="val 16667"/>
+            </a:avLst>
+          </a:prstGeom>
+          <a:ln>
+            <a:noFill/>
+          </a:ln>
+          <a:effectLst>
+            <a:outerShdw blurRad="152400" dist="12000" dir="900000" sy="98000" kx="110000" ky="200000" algn="tl" rotWithShape="0">
+              <a:srgbClr val="000000">
+                <a:alpha val="30000"/>
+              </a:srgbClr>
+            </a:outerShdw>
+          </a:effectLst>
+          <a:scene3d>
+            <a:camera prst="perspectiveRelaxed">
+              <a:rot lat="19800000" lon="1200000" rev="20820000"/>
+            </a:camera>
+            <a:lightRig rig="threePt" dir="t"/>
+          </a:scene3d>
+          <a:sp3d contourW="6350" prstMaterial="matte">
+            <a:bevelT w="101600" h="101600"/>
+            <a:contourClr>
+              <a:srgbClr val="969696"/>
+            </a:contourClr>
+          </a:sp3d>
+        </p:spPr>
+      </p:pic>
+      <p:pic>
+        <p:nvPicPr>
+          <p:cNvPr id="18" name="Picture Placeholder 17"/>
+          <p:cNvPicPr>
+            <a:picLocks noGrp="1" noChangeAspect="1"/>
+          </p:cNvPicPr>
+          <p:nvPr>
+            <p:ph type="pic" idx="21"/>
+          </p:nvPr>
+        </p:nvPicPr>
+        <p:blipFill>
+          <a:blip r:embed="rId4">
+            <a:extLst>
+              <a:ext uri="{28A0092B-C50C-407E-A947-70E740481C1C}">
+                <a14:useLocalDpi xmlns:a14="http://schemas.microsoft.com/office/drawing/2010/main" val="0"/>
+              </a:ext>
+            </a:extLst>
+          </a:blip>
+          <a:srcRect t="20413" b="20413"/>
+          <a:stretch>
+            <a:fillRect/>
+          </a:stretch>
+        </p:blipFill>
+        <p:spPr>
+          <a:xfrm>
+            <a:off x="4775266" y="3252728"/>
+            <a:ext cx="2765999" cy="1635718"/>
+          </a:xfrm>
+          <a:prstGeom prst="rect">
+            <a:avLst/>
+          </a:prstGeom>
+          <a:ln>
+            <a:noFill/>
+          </a:ln>
+          <a:effectLst>
+            <a:reflection blurRad="12700" stA="30000" endPos="30000" dist="5000" dir="5400000" sy="-100000" algn="bl" rotWithShape="0"/>
+          </a:effectLst>
+          <a:scene3d>
+            <a:camera prst="perspectiveContrastingLeftFacing">
+              <a:rot lat="300000" lon="19800000" rev="0"/>
+            </a:camera>
+            <a:lightRig rig="threePt" dir="t">
+              <a:rot lat="0" lon="0" rev="2700000"/>
+            </a:lightRig>
+          </a:scene3d>
+          <a:sp3d>
+            <a:bevelT w="63500" h="50800"/>
+          </a:sp3d>
         </p:spPr>
       </p:pic>
     </p:spTree>
     <p:extLst>
       <p:ext uri="{BB962C8B-B14F-4D97-AF65-F5344CB8AC3E}">
-        <p14:creationId xmlns:p14="http://schemas.microsoft.com/office/powerpoint/2010/main" val="1234884613"/>
+        <p14:creationId xmlns:p14="http://schemas.microsoft.com/office/powerpoint/2010/main" val="3170254347"/>
       </p:ext>
     </p:extLst>
   </p:cSld>
@@ -13877,128 +14008,55 @@
           <a:p>
             <a:pPr algn="ctr"/>
             <a:r>
-              <a:rPr lang="bg-BG" dirty="0">
-                <a:latin typeface="Arial" panose="020B0604020202020204" pitchFamily="34" charset="0"/>
-                <a:cs typeface="Arial" panose="020B0604020202020204" pitchFamily="34" charset="0"/>
-              </a:rPr>
-              <a:t>Какво е </a:t>
-            </a:r>
-            <a:r>
-              <a:rPr lang="bg-BG" dirty="0">
+              <a:rPr lang="en-US" dirty="0">
                 <a:solidFill>
                   <a:srgbClr val="FFFF00"/>
                 </a:solidFill>
                 <a:latin typeface="Arial" panose="020B0604020202020204" pitchFamily="34" charset="0"/>
                 <a:cs typeface="Arial" panose="020B0604020202020204" pitchFamily="34" charset="0"/>
               </a:rPr>
-              <a:t>компилатор</a:t>
+              <a:t>.NET </a:t>
+            </a:r>
+            <a:r>
+              <a:rPr lang="bg-BG" dirty="0">
+                <a:latin typeface="Arial" panose="020B0604020202020204" pitchFamily="34" charset="0"/>
+                <a:cs typeface="Arial" panose="020B0604020202020204" pitchFamily="34" charset="0"/>
+              </a:rPr>
+              <a:t>платформата</a:t>
             </a:r>
             <a:r>
               <a:rPr lang="en-US" dirty="0">
                 <a:latin typeface="Arial" panose="020B0604020202020204" pitchFamily="34" charset="0"/>
                 <a:cs typeface="Arial" panose="020B0604020202020204" pitchFamily="34" charset="0"/>
               </a:rPr>
-              <a:t>?</a:t>
-            </a:r>
-          </a:p>
-        </p:txBody>
-      </p:sp>
-      <p:sp>
-        <p:nvSpPr>
-          <p:cNvPr id="3" name="Content Placeholder 2"/>
-          <p:cNvSpPr>
-            <a:spLocks noGrp="1"/>
-          </p:cNvSpPr>
-          <p:nvPr>
-            <p:ph idx="1"/>
-          </p:nvPr>
-        </p:nvSpPr>
-        <p:spPr>
-          <a:xfrm>
-            <a:off x="1546839" y="2603499"/>
-            <a:ext cx="8825659" cy="4021235"/>
-          </a:xfrm>
-        </p:spPr>
-        <p:txBody>
-          <a:bodyPr/>
-          <a:lstStyle/>
-          <a:p>
-            <a:r>
-              <a:rPr lang="bg-BG" b="1" dirty="0">
-                <a:latin typeface="Arial" panose="020B0604020202020204" pitchFamily="34" charset="0"/>
-                <a:cs typeface="Arial" panose="020B0604020202020204" pitchFamily="34" charset="0"/>
-              </a:rPr>
-              <a:t>Компилаторът</a:t>
+              <a:t> /</a:t>
             </a:r>
             <a:r>
               <a:rPr lang="bg-BG" dirty="0">
                 <a:latin typeface="Arial" panose="020B0604020202020204" pitchFamily="34" charset="0"/>
                 <a:cs typeface="Arial" panose="020B0604020202020204" pitchFamily="34" charset="0"/>
               </a:rPr>
-              <a:t> е специална компютърна програма, която транслира нашият програмен код в машинен код или байткод. Сорс кодът на програмата ни е написан най-често на програмен език от високо ниво, който е разбираем за човек, като </a:t>
-            </a:r>
-            <a:r>
-              <a:rPr lang="en-US" b="1" dirty="0">
-                <a:latin typeface="Arial" panose="020B0604020202020204" pitchFamily="34" charset="0"/>
-                <a:cs typeface="Arial" panose="020B0604020202020204" pitchFamily="34" charset="0"/>
-              </a:rPr>
-              <a:t>C#</a:t>
+              <a:t>цял нов свят</a:t>
             </a:r>
             <a:r>
               <a:rPr lang="en-US" dirty="0">
                 <a:latin typeface="Arial" panose="020B0604020202020204" pitchFamily="34" charset="0"/>
                 <a:cs typeface="Arial" panose="020B0604020202020204" pitchFamily="34" charset="0"/>
               </a:rPr>
-              <a:t>, </a:t>
-            </a:r>
-            <a:r>
-              <a:rPr lang="en-US" b="1" dirty="0">
-                <a:latin typeface="Arial" panose="020B0604020202020204" pitchFamily="34" charset="0"/>
-                <a:cs typeface="Arial" panose="020B0604020202020204" pitchFamily="34" charset="0"/>
-              </a:rPr>
-              <a:t>Java</a:t>
-            </a:r>
-            <a:r>
-              <a:rPr lang="en-US" dirty="0">
-                <a:latin typeface="Arial" panose="020B0604020202020204" pitchFamily="34" charset="0"/>
-                <a:cs typeface="Arial" panose="020B0604020202020204" pitchFamily="34" charset="0"/>
-              </a:rPr>
-              <a:t>, </a:t>
-            </a:r>
-            <a:r>
-              <a:rPr lang="en-US" b="1" dirty="0">
-                <a:latin typeface="Arial" panose="020B0604020202020204" pitchFamily="34" charset="0"/>
-                <a:cs typeface="Arial" panose="020B0604020202020204" pitchFamily="34" charset="0"/>
-              </a:rPr>
-              <a:t>C++ </a:t>
-            </a:r>
-            <a:r>
-              <a:rPr lang="bg-BG" dirty="0">
-                <a:latin typeface="Arial" panose="020B0604020202020204" pitchFamily="34" charset="0"/>
-                <a:cs typeface="Arial" panose="020B0604020202020204" pitchFamily="34" charset="0"/>
-              </a:rPr>
-              <a:t>и т.н.</a:t>
-            </a:r>
-            <a:endParaRPr lang="en-US" dirty="0">
-              <a:latin typeface="Arial" panose="020B0604020202020204" pitchFamily="34" charset="0"/>
-              <a:cs typeface="Arial" panose="020B0604020202020204" pitchFamily="34" charset="0"/>
-            </a:endParaRPr>
+              <a:t>/</a:t>
+            </a:r>
           </a:p>
         </p:txBody>
       </p:sp>
       <p:pic>
         <p:nvPicPr>
-          <p:cNvPr id="8" name="Picture 7" descr="Diagram&#10;&#10;Description automatically generated">
-            <a:extLst>
-              <a:ext uri="{FF2B5EF4-FFF2-40B4-BE49-F238E27FC236}">
-                <a16:creationId xmlns:a16="http://schemas.microsoft.com/office/drawing/2014/main" id="{7F411070-98F9-41C2-D0E3-4BB0C07A09A2}"/>
-              </a:ext>
-            </a:extLst>
-          </p:cNvPr>
+          <p:cNvPr id="5" name="Content Placeholder 4"/>
           <p:cNvPicPr>
-            <a:picLocks noChangeAspect="1"/>
+            <a:picLocks noGrp="1" noChangeAspect="1"/>
           </p:cNvPicPr>
-          <p:nvPr/>
+          <p:nvPr>
+            <p:ph idx="1"/>
+          </p:nvPr>
         </p:nvPicPr>
         <p:blipFill>
           <a:blip r:embed="rId2">
@@ -14014,18 +14072,15 @@
         </p:blipFill>
         <p:spPr>
           <a:xfrm>
-            <a:off x="1819502" y="3958590"/>
-            <a:ext cx="8465820" cy="2407920"/>
+            <a:off x="1081055" y="2539452"/>
+            <a:ext cx="10107301" cy="3674736"/>
           </a:xfrm>
-          <a:prstGeom prst="rect">
-            <a:avLst/>
-          </a:prstGeom>
         </p:spPr>
       </p:pic>
     </p:spTree>
     <p:extLst>
       <p:ext uri="{BB962C8B-B14F-4D97-AF65-F5344CB8AC3E}">
-        <p14:creationId xmlns:p14="http://schemas.microsoft.com/office/powerpoint/2010/main" val="525679394"/>
+        <p14:creationId xmlns:p14="http://schemas.microsoft.com/office/powerpoint/2010/main" val="152368737"/>
       </p:ext>
     </p:extLst>
   </p:cSld>
@@ -14069,23 +14124,6 @@
           <a:p>
             <a:pPr algn="ctr"/>
             <a:r>
-              <a:rPr lang="bg-BG" dirty="0">
-                <a:latin typeface="Arial" panose="020B0604020202020204" pitchFamily="34" charset="0"/>
-                <a:cs typeface="Arial" panose="020B0604020202020204" pitchFamily="34" charset="0"/>
-              </a:rPr>
-              <a:t>Какво е </a:t>
-            </a:r>
-            <a:r>
-              <a:rPr lang="bg-BG" dirty="0">
-                <a:solidFill>
-                  <a:srgbClr val="FFFF00"/>
-                </a:solidFill>
-                <a:latin typeface="Arial" panose="020B0604020202020204" pitchFamily="34" charset="0"/>
-                <a:cs typeface="Arial" panose="020B0604020202020204" pitchFamily="34" charset="0"/>
-              </a:rPr>
-              <a:t>компилаторът в </a:t>
-            </a:r>
-            <a:r>
               <a:rPr lang="en-US" dirty="0">
                 <a:solidFill>
                   <a:srgbClr val="FFFF00"/>
@@ -14093,93 +14131,14 @@
                 <a:latin typeface="Arial" panose="020B0604020202020204" pitchFamily="34" charset="0"/>
                 <a:cs typeface="Arial" panose="020B0604020202020204" pitchFamily="34" charset="0"/>
               </a:rPr>
-              <a:t>C#</a:t>
-            </a:r>
-            <a:r>
-              <a:rPr lang="en-US" dirty="0">
-                <a:latin typeface="Arial" panose="020B0604020202020204" pitchFamily="34" charset="0"/>
-                <a:cs typeface="Arial" panose="020B0604020202020204" pitchFamily="34" charset="0"/>
-              </a:rPr>
-              <a:t>?</a:t>
-            </a:r>
-          </a:p>
-        </p:txBody>
-      </p:sp>
-      <p:sp>
-        <p:nvSpPr>
-          <p:cNvPr id="3" name="Content Placeholder 2"/>
-          <p:cNvSpPr>
-            <a:spLocks noGrp="1"/>
-          </p:cNvSpPr>
-          <p:nvPr>
-            <p:ph idx="1"/>
-          </p:nvPr>
-        </p:nvSpPr>
-        <p:spPr>
-          <a:xfrm>
-            <a:off x="1546839" y="2603499"/>
-            <a:ext cx="8825659" cy="4021235"/>
-          </a:xfrm>
-        </p:spPr>
-        <p:txBody>
-          <a:bodyPr/>
-          <a:lstStyle/>
-          <a:p>
-            <a:r>
-              <a:rPr lang="bg-BG" b="1" dirty="0">
-                <a:latin typeface="Arial" panose="020B0604020202020204" pitchFamily="34" charset="0"/>
-                <a:cs typeface="Arial" panose="020B0604020202020204" pitchFamily="34" charset="0"/>
-              </a:rPr>
-              <a:t>Компилаторът</a:t>
+              <a:t>.NET </a:t>
             </a:r>
             <a:r>
               <a:rPr lang="bg-BG" dirty="0">
                 <a:latin typeface="Arial" panose="020B0604020202020204" pitchFamily="34" charset="0"/>
                 <a:cs typeface="Arial" panose="020B0604020202020204" pitchFamily="34" charset="0"/>
               </a:rPr>
-              <a:t> е специална компютърна програма, която транслира нашият програмен код в машинен код или байткод. Сорс кодът на програмата ни е написан най-често на програмен език от високо ниво, който е разбираем за човек, като </a:t>
-            </a:r>
-            <a:r>
-              <a:rPr lang="en-US" b="1" dirty="0">
-                <a:latin typeface="Arial" panose="020B0604020202020204" pitchFamily="34" charset="0"/>
-                <a:cs typeface="Arial" panose="020B0604020202020204" pitchFamily="34" charset="0"/>
-              </a:rPr>
-              <a:t>C#</a:t>
-            </a:r>
-            <a:r>
-              <a:rPr lang="en-US" dirty="0">
-                <a:latin typeface="Arial" panose="020B0604020202020204" pitchFamily="34" charset="0"/>
-                <a:cs typeface="Arial" panose="020B0604020202020204" pitchFamily="34" charset="0"/>
-              </a:rPr>
-              <a:t>, </a:t>
-            </a:r>
-            <a:r>
-              <a:rPr lang="en-US" b="1" dirty="0">
-                <a:latin typeface="Arial" panose="020B0604020202020204" pitchFamily="34" charset="0"/>
-                <a:cs typeface="Arial" panose="020B0604020202020204" pitchFamily="34" charset="0"/>
-              </a:rPr>
-              <a:t>Java</a:t>
-            </a:r>
-            <a:r>
-              <a:rPr lang="en-US" dirty="0">
-                <a:latin typeface="Arial" panose="020B0604020202020204" pitchFamily="34" charset="0"/>
-                <a:cs typeface="Arial" panose="020B0604020202020204" pitchFamily="34" charset="0"/>
-              </a:rPr>
-              <a:t>, </a:t>
-            </a:r>
-            <a:r>
-              <a:rPr lang="en-US" b="1" dirty="0">
-                <a:latin typeface="Arial" panose="020B0604020202020204" pitchFamily="34" charset="0"/>
-                <a:cs typeface="Arial" panose="020B0604020202020204" pitchFamily="34" charset="0"/>
-              </a:rPr>
-              <a:t>C++ </a:t>
-            </a:r>
-            <a:r>
-              <a:rPr lang="bg-BG" dirty="0">
-                <a:latin typeface="Arial" panose="020B0604020202020204" pitchFamily="34" charset="0"/>
-                <a:cs typeface="Arial" panose="020B0604020202020204" pitchFamily="34" charset="0"/>
-              </a:rPr>
-              <a:t>и т.н.</a:t>
+              <a:t>график</a:t>
             </a:r>
             <a:endParaRPr lang="en-US" dirty="0">
               <a:latin typeface="Arial" panose="020B0604020202020204" pitchFamily="34" charset="0"/>
@@ -14190,14 +14149,16 @@
       </p:sp>
       <p:pic>
         <p:nvPicPr>
-          <p:cNvPr id="5" name="Picture 4"/>
+          <p:cNvPr id="4" name="Content Placeholder 3"/>
           <p:cNvPicPr>
-            <a:picLocks noChangeAspect="1"/>
+            <a:picLocks noGrp="1" noChangeAspect="1"/>
           </p:cNvPicPr>
-          <p:nvPr/>
+          <p:nvPr>
+            <p:ph idx="1"/>
+          </p:nvPr>
         </p:nvPicPr>
         <p:blipFill>
-          <a:blip r:embed="rId2">
+          <a:blip r:embed="rId2" cstate="print">
             <a:extLst>
               <a:ext uri="{28A0092B-C50C-407E-A947-70E740481C1C}">
                 <a14:useLocalDpi xmlns:a14="http://schemas.microsoft.com/office/drawing/2010/main" val="0"/>
@@ -14210,18 +14171,15 @@
         </p:blipFill>
         <p:spPr>
           <a:xfrm>
-            <a:off x="1905842" y="3948209"/>
-            <a:ext cx="8010525" cy="2676525"/>
+            <a:off x="2542823" y="2510194"/>
+            <a:ext cx="7011724" cy="3934658"/>
           </a:xfrm>
-          <a:prstGeom prst="rect">
-            <a:avLst/>
-          </a:prstGeom>
         </p:spPr>
       </p:pic>
     </p:spTree>
     <p:extLst>
       <p:ext uri="{BB962C8B-B14F-4D97-AF65-F5344CB8AC3E}">
-        <p14:creationId xmlns:p14="http://schemas.microsoft.com/office/powerpoint/2010/main" val="80090018"/>
+        <p14:creationId xmlns:p14="http://schemas.microsoft.com/office/powerpoint/2010/main" val="1234884613"/>
       </p:ext>
     </p:extLst>
   </p:cSld>
@@ -14860,16 +14818,32 @@
                 <a:latin typeface="Arial" panose="020B0604020202020204" pitchFamily="34" charset="0"/>
                 <a:cs typeface="Arial" panose="020B0604020202020204" pitchFamily="34" charset="0"/>
               </a:rPr>
-              <a:t> .NET </a:t>
+              <a:t> .</a:t>
+            </a:r>
+            <a:r>
+              <a:rPr lang="en-US" dirty="0">
+                <a:solidFill>
+                  <a:srgbClr val="FFFF00"/>
+                </a:solidFill>
+                <a:latin typeface="Arial" panose="020B0604020202020204" pitchFamily="34" charset="0"/>
+                <a:cs typeface="Arial" panose="020B0604020202020204" pitchFamily="34" charset="0"/>
+              </a:rPr>
+              <a:t>NET </a:t>
             </a:r>
             <a:r>
               <a:rPr lang="bg-BG" dirty="0">
+                <a:solidFill>
+                  <a:srgbClr val="FFFF00"/>
+                </a:solidFill>
                 <a:latin typeface="Arial" panose="020B0604020202020204" pitchFamily="34" charset="0"/>
                 <a:cs typeface="Arial" panose="020B0604020202020204" pitchFamily="34" charset="0"/>
               </a:rPr>
               <a:t>приложенията</a:t>
             </a:r>
             <a:endParaRPr lang="en-US" dirty="0">
+              <a:solidFill>
+                <a:srgbClr val="FFFF00"/>
+              </a:solidFill>
               <a:latin typeface="Arial" panose="020B0604020202020204" pitchFamily="34" charset="0"/>
               <a:cs typeface="Arial" panose="020B0604020202020204" pitchFamily="34" charset="0"/>
             </a:endParaRPr>
@@ -20999,6 +20973,493 @@
 </p:sld>
 </file>
 
+<file path=ppt/slides/slide34.xml><?xml version="1.0" encoding="utf-8"?>
+<p:sld xmlns:a="http://schemas.openxmlformats.org/drawingml/2006/main" xmlns:r="http://schemas.openxmlformats.org/officeDocument/2006/relationships" xmlns:p="http://schemas.openxmlformats.org/presentationml/2006/main">
+  <p:cSld>
+    <p:bg>
+      <p:bgPr>
+        <a:solidFill>
+          <a:schemeClr val="bg1"/>
+        </a:solidFill>
+        <a:effectLst/>
+      </p:bgPr>
+    </p:bg>
+    <p:spTree>
+      <p:nvGrpSpPr>
+        <p:cNvPr id="1" name=""/>
+        <p:cNvGrpSpPr/>
+        <p:nvPr/>
+      </p:nvGrpSpPr>
+      <p:grpSpPr>
+        <a:xfrm>
+          <a:off x="0" y="0"/>
+          <a:ext cx="0" cy="0"/>
+          <a:chOff x="0" y="0"/>
+          <a:chExt cx="0" cy="0"/>
+        </a:xfrm>
+      </p:grpSpPr>
+      <p:grpSp>
+        <p:nvGrpSpPr>
+          <p:cNvPr id="10" name="Group 9">
+            <a:extLst>
+              <a:ext uri="{FF2B5EF4-FFF2-40B4-BE49-F238E27FC236}">
+                <a16:creationId xmlns:a16="http://schemas.microsoft.com/office/drawing/2014/main" id="{4091D54B-59AB-4A5E-8E9E-0421BD66D4FB}"/>
+              </a:ext>
+              <a:ext uri="{C183D7F6-B498-43B3-948B-1728B52AA6E4}">
+                <adec:decorative xmlns:adec="http://schemas.microsoft.com/office/drawing/2017/decorative" val="1"/>
+              </a:ext>
+            </a:extLst>
+          </p:cNvPr>
+          <p:cNvGrpSpPr>
+            <a:grpSpLocks noGrp="1" noUngrp="1" noRot="1" noChangeAspect="1" noMove="1" noResize="1"/>
+          </p:cNvGrpSpPr>
+          <p:nvPr>
+            <p:extLst>
+              <p:ext uri="{386F3935-93C4-4BCD-93E2-E3B085C9AB24}">
+                <p16:designElem xmlns:p16="http://schemas.microsoft.com/office/powerpoint/2015/main" val="1"/>
+              </p:ext>
+            </p:extLst>
+          </p:nvPr>
+        </p:nvGrpSpPr>
+        <p:grpSpPr>
+          <a:xfrm>
+            <a:off x="0" y="0"/>
+            <a:ext cx="12192000" cy="6858000"/>
+            <a:chOff x="0" y="0"/>
+            <a:chExt cx="12192000" cy="6858000"/>
+          </a:xfrm>
+        </p:grpSpPr>
+        <p:sp>
+          <p:nvSpPr>
+            <p:cNvPr id="11" name="Rectangle 10">
+              <a:extLst>
+                <a:ext uri="{FF2B5EF4-FFF2-40B4-BE49-F238E27FC236}">
+                  <a16:creationId xmlns:a16="http://schemas.microsoft.com/office/drawing/2014/main" id="{547CE62E-FFFD-4A1F-BA78-C3B89C36FCA5}"/>
+                </a:ext>
+                <a:ext uri="{C183D7F6-B498-43B3-948B-1728B52AA6E4}">
+                  <adec:decorative xmlns:adec="http://schemas.microsoft.com/office/drawing/2017/decorative" val="1"/>
+                </a:ext>
+              </a:extLst>
+            </p:cNvPr>
+            <p:cNvSpPr/>
+            <p:nvPr>
+              <p:extLst>
+                <p:ext uri="{386F3935-93C4-4BCD-93E2-E3B085C9AB24}">
+                  <p16:designElem xmlns:p16="http://schemas.microsoft.com/office/powerpoint/2015/main" val="1"/>
+                </p:ext>
+              </p:extLst>
+            </p:nvPr>
+          </p:nvSpPr>
+          <p:spPr>
+            <a:xfrm>
+              <a:off x="0" y="0"/>
+              <a:ext cx="12192000" cy="6858000"/>
+            </a:xfrm>
+            <a:prstGeom prst="rect">
+              <a:avLst/>
+            </a:prstGeom>
+            <a:blipFill>
+              <a:blip r:embed="rId2">
+                <a:duotone>
+                  <a:schemeClr val="dk2">
+                    <a:shade val="69000"/>
+                    <a:hueMod val="91000"/>
+                    <a:satMod val="164000"/>
+                    <a:lumMod val="74000"/>
+                  </a:schemeClr>
+                  <a:schemeClr val="dk2">
+                    <a:hueMod val="124000"/>
+                    <a:satMod val="140000"/>
+                    <a:lumMod val="142000"/>
+                  </a:schemeClr>
+                </a:duotone>
+              </a:blip>
+              <a:stretch>
+                <a:fillRect/>
+              </a:stretch>
+            </a:blipFill>
+            <a:ln>
+              <a:noFill/>
+            </a:ln>
+          </p:spPr>
+          <p:style>
+            <a:lnRef idx="2">
+              <a:schemeClr val="accent1">
+                <a:shade val="50000"/>
+              </a:schemeClr>
+            </a:lnRef>
+            <a:fillRef idx="1">
+              <a:schemeClr val="accent1"/>
+            </a:fillRef>
+            <a:effectRef idx="0">
+              <a:schemeClr val="accent1"/>
+            </a:effectRef>
+            <a:fontRef idx="minor">
+              <a:schemeClr val="lt1"/>
+            </a:fontRef>
+          </p:style>
+        </p:sp>
+        <p:sp>
+          <p:nvSpPr>
+            <p:cNvPr id="12" name="Freeform 5">
+              <a:extLst>
+                <a:ext uri="{FF2B5EF4-FFF2-40B4-BE49-F238E27FC236}">
+                  <a16:creationId xmlns:a16="http://schemas.microsoft.com/office/drawing/2014/main" id="{AE51FD27-6B6A-4D21-BF22-245DA9BD0B3E}"/>
+                </a:ext>
+                <a:ext uri="{C183D7F6-B498-43B3-948B-1728B52AA6E4}">
+                  <adec:decorative xmlns:adec="http://schemas.microsoft.com/office/drawing/2017/decorative" val="1"/>
+                </a:ext>
+              </a:extLst>
+            </p:cNvPr>
+            <p:cNvSpPr>
+              <a:spLocks noEditPoints="1"/>
+            </p:cNvSpPr>
+            <p:nvPr>
+              <p:extLst>
+                <p:ext uri="{386F3935-93C4-4BCD-93E2-E3B085C9AB24}">
+                  <p16:designElem xmlns:p16="http://schemas.microsoft.com/office/powerpoint/2015/main" val="1"/>
+                </p:ext>
+              </p:extLst>
+            </p:nvPr>
+          </p:nvSpPr>
+          <p:spPr bwMode="gray">
+            <a:xfrm>
+              <a:off x="0" y="1587"/>
+              <a:ext cx="12192000" cy="6856413"/>
+            </a:xfrm>
+            <a:custGeom>
+              <a:avLst/>
+              <a:gdLst/>
+              <a:ahLst/>
+              <a:cxnLst/>
+              <a:rect l="0" t="0" r="r" b="b"/>
+              <a:pathLst>
+                <a:path w="15356" h="8638">
+                  <a:moveTo>
+                    <a:pt x="0" y="0"/>
+                  </a:moveTo>
+                  <a:lnTo>
+                    <a:pt x="0" y="8638"/>
+                  </a:lnTo>
+                  <a:lnTo>
+                    <a:pt x="15356" y="8638"/>
+                  </a:lnTo>
+                  <a:lnTo>
+                    <a:pt x="15356" y="0"/>
+                  </a:lnTo>
+                  <a:lnTo>
+                    <a:pt x="0" y="0"/>
+                  </a:lnTo>
+                  <a:close/>
+                  <a:moveTo>
+                    <a:pt x="14748" y="8038"/>
+                  </a:moveTo>
+                  <a:lnTo>
+                    <a:pt x="600" y="8038"/>
+                  </a:lnTo>
+                  <a:lnTo>
+                    <a:pt x="600" y="592"/>
+                  </a:lnTo>
+                  <a:lnTo>
+                    <a:pt x="14748" y="592"/>
+                  </a:lnTo>
+                  <a:lnTo>
+                    <a:pt x="14748" y="8038"/>
+                  </a:lnTo>
+                  <a:close/>
+                </a:path>
+              </a:pathLst>
+            </a:custGeom>
+            <a:solidFill>
+              <a:schemeClr val="bg1"/>
+            </a:solidFill>
+            <a:ln>
+              <a:noFill/>
+            </a:ln>
+          </p:spPr>
+        </p:sp>
+      </p:grpSp>
+      <p:sp>
+        <p:nvSpPr>
+          <p:cNvPr id="14" name="Rectangle 13">
+            <a:extLst>
+              <a:ext uri="{FF2B5EF4-FFF2-40B4-BE49-F238E27FC236}">
+                <a16:creationId xmlns:a16="http://schemas.microsoft.com/office/drawing/2014/main" id="{B8144315-1C5A-4185-A952-25D98D303D46}"/>
+              </a:ext>
+              <a:ext uri="{C183D7F6-B498-43B3-948B-1728B52AA6E4}">
+                <adec:decorative xmlns:adec="http://schemas.microsoft.com/office/drawing/2017/decorative" val="1"/>
+              </a:ext>
+            </a:extLst>
+          </p:cNvPr>
+          <p:cNvSpPr>
+            <a:spLocks noGrp="1" noRot="1" noChangeAspect="1" noMove="1" noResize="1" noEditPoints="1" noAdjustHandles="1" noChangeArrowheads="1" noChangeShapeType="1" noTextEdit="1"/>
+          </p:cNvSpPr>
+          <p:nvPr>
+            <p:extLst>
+              <p:ext uri="{386F3935-93C4-4BCD-93E2-E3B085C9AB24}">
+                <p16:designElem xmlns:p16="http://schemas.microsoft.com/office/powerpoint/2015/main" val="1"/>
+              </p:ext>
+            </p:extLst>
+          </p:nvPr>
+        </p:nvSpPr>
+        <p:spPr>
+          <a:xfrm>
+            <a:off x="10437812" y="0"/>
+            <a:ext cx="685800" cy="1143000"/>
+          </a:xfrm>
+          <a:prstGeom prst="rect">
+            <a:avLst/>
+          </a:prstGeom>
+          <a:solidFill>
+            <a:schemeClr val="accent1"/>
+          </a:solidFill>
+          <a:ln>
+            <a:noFill/>
+          </a:ln>
+        </p:spPr>
+        <p:style>
+          <a:lnRef idx="1">
+            <a:schemeClr val="accent1"/>
+          </a:lnRef>
+          <a:fillRef idx="3">
+            <a:schemeClr val="accent1"/>
+          </a:fillRef>
+          <a:effectRef idx="2">
+            <a:schemeClr val="accent1"/>
+          </a:effectRef>
+          <a:fontRef idx="minor">
+            <a:schemeClr val="lt1"/>
+          </a:fontRef>
+        </p:style>
+      </p:sp>
+      <p:sp>
+        <p:nvSpPr>
+          <p:cNvPr id="16" name="Freeform 5">
+            <a:extLst>
+              <a:ext uri="{FF2B5EF4-FFF2-40B4-BE49-F238E27FC236}">
+                <a16:creationId xmlns:a16="http://schemas.microsoft.com/office/drawing/2014/main" id="{11CAC6F2-0806-417B-BF5D-5AEF6195FA49}"/>
+              </a:ext>
+              <a:ext uri="{C183D7F6-B498-43B3-948B-1728B52AA6E4}">
+                <adec:decorative xmlns:adec="http://schemas.microsoft.com/office/drawing/2017/decorative" val="1"/>
+              </a:ext>
+            </a:extLst>
+          </p:cNvPr>
+          <p:cNvSpPr>
+            <a:spLocks noGrp="1" noRot="1" noChangeAspect="1" noMove="1" noResize="1" noEditPoints="1" noAdjustHandles="1" noChangeArrowheads="1" noChangeShapeType="1" noTextEdit="1"/>
+          </p:cNvSpPr>
+          <p:nvPr>
+            <p:extLst>
+              <p:ext uri="{386F3935-93C4-4BCD-93E2-E3B085C9AB24}">
+                <p16:designElem xmlns:p16="http://schemas.microsoft.com/office/powerpoint/2015/main" val="1"/>
+              </p:ext>
+            </p:extLst>
+          </p:nvPr>
+        </p:nvSpPr>
+        <p:spPr bwMode="gray">
+          <a:xfrm>
+            <a:off x="0" y="1587"/>
+            <a:ext cx="12192000" cy="6856413"/>
+          </a:xfrm>
+          <a:custGeom>
+            <a:avLst/>
+            <a:gdLst/>
+            <a:ahLst/>
+            <a:cxnLst/>
+            <a:rect l="0" t="0" r="r" b="b"/>
+            <a:pathLst>
+              <a:path w="15356" h="8638">
+                <a:moveTo>
+                  <a:pt x="0" y="0"/>
+                </a:moveTo>
+                <a:lnTo>
+                  <a:pt x="0" y="8638"/>
+                </a:lnTo>
+                <a:lnTo>
+                  <a:pt x="15356" y="8638"/>
+                </a:lnTo>
+                <a:lnTo>
+                  <a:pt x="15356" y="0"/>
+                </a:lnTo>
+                <a:lnTo>
+                  <a:pt x="0" y="0"/>
+                </a:lnTo>
+                <a:close/>
+                <a:moveTo>
+                  <a:pt x="14748" y="8038"/>
+                </a:moveTo>
+                <a:lnTo>
+                  <a:pt x="600" y="8038"/>
+                </a:lnTo>
+                <a:lnTo>
+                  <a:pt x="600" y="592"/>
+                </a:lnTo>
+                <a:lnTo>
+                  <a:pt x="14748" y="592"/>
+                </a:lnTo>
+                <a:lnTo>
+                  <a:pt x="14748" y="8038"/>
+                </a:lnTo>
+                <a:close/>
+              </a:path>
+            </a:pathLst>
+          </a:custGeom>
+          <a:solidFill>
+            <a:schemeClr val="tx1"/>
+          </a:solidFill>
+          <a:ln>
+            <a:noFill/>
+          </a:ln>
+        </p:spPr>
+      </p:sp>
+      <p:sp>
+        <p:nvSpPr>
+          <p:cNvPr id="18" name="Rectangle 17">
+            <a:extLst>
+              <a:ext uri="{FF2B5EF4-FFF2-40B4-BE49-F238E27FC236}">
+                <a16:creationId xmlns:a16="http://schemas.microsoft.com/office/drawing/2014/main" id="{D4723B02-0AAB-4F6E-BA41-8ED99D559D93}"/>
+              </a:ext>
+              <a:ext uri="{C183D7F6-B498-43B3-948B-1728B52AA6E4}">
+                <adec:decorative xmlns:adec="http://schemas.microsoft.com/office/drawing/2017/decorative" val="1"/>
+              </a:ext>
+            </a:extLst>
+          </p:cNvPr>
+          <p:cNvSpPr>
+            <a:spLocks noGrp="1" noRot="1" noChangeAspect="1" noMove="1" noResize="1" noEditPoints="1" noAdjustHandles="1" noChangeArrowheads="1" noChangeShapeType="1" noTextEdit="1"/>
+          </p:cNvSpPr>
+          <p:nvPr>
+            <p:extLst>
+              <p:ext uri="{386F3935-93C4-4BCD-93E2-E3B085C9AB24}">
+                <p16:designElem xmlns:p16="http://schemas.microsoft.com/office/powerpoint/2015/main" val="1"/>
+              </p:ext>
+            </p:extLst>
+          </p:nvPr>
+        </p:nvSpPr>
+        <p:spPr>
+          <a:xfrm>
+            <a:off x="10437812" y="0"/>
+            <a:ext cx="685800" cy="1143000"/>
+          </a:xfrm>
+          <a:prstGeom prst="rect">
+            <a:avLst/>
+          </a:prstGeom>
+          <a:solidFill>
+            <a:schemeClr val="accent1"/>
+          </a:solidFill>
+          <a:ln>
+            <a:noFill/>
+          </a:ln>
+        </p:spPr>
+        <p:style>
+          <a:lnRef idx="1">
+            <a:schemeClr val="accent1"/>
+          </a:lnRef>
+          <a:fillRef idx="3">
+            <a:schemeClr val="accent1"/>
+          </a:fillRef>
+          <a:effectRef idx="2">
+            <a:schemeClr val="accent1"/>
+          </a:effectRef>
+          <a:fontRef idx="minor">
+            <a:schemeClr val="lt1"/>
+          </a:fontRef>
+        </p:style>
+      </p:sp>
+      <p:sp>
+        <p:nvSpPr>
+          <p:cNvPr id="2" name="Title 1">
+            <a:extLst>
+              <a:ext uri="{FF2B5EF4-FFF2-40B4-BE49-F238E27FC236}">
+                <a16:creationId xmlns:a16="http://schemas.microsoft.com/office/drawing/2014/main" id="{A7BCC41A-A76E-6F96-0194-6465D370A7F9}"/>
+              </a:ext>
+            </a:extLst>
+          </p:cNvPr>
+          <p:cNvSpPr>
+            <a:spLocks noGrp="1"/>
+          </p:cNvSpPr>
+          <p:nvPr>
+            <p:ph type="title"/>
+          </p:nvPr>
+        </p:nvSpPr>
+        <p:spPr>
+          <a:xfrm>
+            <a:off x="8208399" y="3055528"/>
+            <a:ext cx="2802502" cy="746944"/>
+          </a:xfrm>
+        </p:spPr>
+        <p:txBody>
+          <a:bodyPr vert="horz" lIns="91440" tIns="45720" rIns="91440" bIns="45720" rtlCol="0" anchor="b">
+            <a:normAutofit fontScale="90000"/>
+          </a:bodyPr>
+          <a:lstStyle/>
+          <a:p>
+            <a:r>
+              <a:rPr lang="en-US" sz="4600" b="0" i="0" kern="1200" dirty="0" err="1">
+                <a:solidFill>
+                  <a:srgbClr val="EBEBEB"/>
+                </a:solidFill>
+                <a:latin typeface="Arial" panose="020B0604020202020204" pitchFamily="34" charset="0"/>
+                <a:cs typeface="Arial" panose="020B0604020202020204" pitchFamily="34" charset="0"/>
+              </a:rPr>
+              <a:t>Дебъгване</a:t>
+            </a:r>
+            <a:endParaRPr lang="en-US" sz="4600" b="0" i="0" kern="1200" dirty="0">
+              <a:solidFill>
+                <a:srgbClr val="EBEBEB"/>
+              </a:solidFill>
+              <a:latin typeface="Arial" panose="020B0604020202020204" pitchFamily="34" charset="0"/>
+              <a:cs typeface="Arial" panose="020B0604020202020204" pitchFamily="34" charset="0"/>
+            </a:endParaRPr>
+          </a:p>
+        </p:txBody>
+      </p:sp>
+      <p:pic>
+        <p:nvPicPr>
+          <p:cNvPr id="9" name="Content Placeholder 8" descr="A screenshot of a computer&#10;&#10;Description automatically generated">
+            <a:extLst>
+              <a:ext uri="{FF2B5EF4-FFF2-40B4-BE49-F238E27FC236}">
+                <a16:creationId xmlns:a16="http://schemas.microsoft.com/office/drawing/2014/main" id="{C84D8087-9EE5-2F02-2335-AC374984368D}"/>
+              </a:ext>
+            </a:extLst>
+          </p:cNvPr>
+          <p:cNvPicPr>
+            <a:picLocks noGrp="1" noChangeAspect="1"/>
+          </p:cNvPicPr>
+          <p:nvPr>
+            <p:ph idx="1"/>
+          </p:nvPr>
+        </p:nvPicPr>
+        <p:blipFill>
+          <a:blip r:embed="rId3">
+            <a:extLst>
+              <a:ext uri="{28A0092B-C50C-407E-A947-70E740481C1C}">
+                <a14:useLocalDpi xmlns:a14="http://schemas.microsoft.com/office/drawing/2010/main" val="0"/>
+              </a:ext>
+            </a:extLst>
+          </a:blip>
+          <a:stretch>
+            <a:fillRect/>
+          </a:stretch>
+        </p:blipFill>
+        <p:spPr>
+          <a:xfrm>
+            <a:off x="675196" y="1040175"/>
+            <a:ext cx="7397769" cy="4551000"/>
+          </a:xfrm>
+        </p:spPr>
+      </p:pic>
+    </p:spTree>
+    <p:extLst>
+      <p:ext uri="{BB962C8B-B14F-4D97-AF65-F5344CB8AC3E}">
+        <p14:creationId xmlns:p14="http://schemas.microsoft.com/office/powerpoint/2010/main" val="148823152"/>
+      </p:ext>
+    </p:extLst>
+  </p:cSld>
+  <p:clrMapOvr>
+    <a:overrideClrMapping bg1="dk1" tx1="lt1" bg2="dk2" tx2="lt2" accent1="accent1" accent2="accent2" accent3="accent3" accent4="accent4" accent5="accent5" accent6="accent6" hlink="hlink" folHlink="folHlink"/>
+  </p:clrMapOvr>
+</p:sld>
+</file>
+
 <file path=ppt/slides/slide4.xml><?xml version="1.0" encoding="utf-8"?>
 <p:sld xmlns:a="http://schemas.openxmlformats.org/drawingml/2006/main" xmlns:r="http://schemas.openxmlformats.org/officeDocument/2006/relationships" xmlns:p="http://schemas.openxmlformats.org/presentationml/2006/main">
   <p:cSld>
@@ -21847,7 +22308,21 @@
                 <a:latin typeface="Arial" panose="020B0604020202020204" pitchFamily="34" charset="0"/>
                 <a:cs typeface="Arial" panose="020B0604020202020204" pitchFamily="34" charset="0"/>
               </a:rPr>
-              <a:t>(CLR)</a:t>
+              <a:t>(</a:t>
+            </a:r>
+            <a:r>
+              <a:rPr lang="en-US" sz="3200" dirty="0" err="1">
+                <a:latin typeface="Arial" panose="020B0604020202020204" pitchFamily="34" charset="0"/>
+                <a:cs typeface="Arial" panose="020B0604020202020204" pitchFamily="34" charset="0"/>
+              </a:rPr>
+              <a:t>CoreCLR</a:t>
+            </a:r>
+            <a:r>
+              <a:rPr lang="en-US" sz="3200" dirty="0">
+                <a:latin typeface="Arial" panose="020B0604020202020204" pitchFamily="34" charset="0"/>
+                <a:cs typeface="Arial" panose="020B0604020202020204" pitchFamily="34" charset="0"/>
+              </a:rPr>
+              <a:t>)</a:t>
             </a:r>
           </a:p>
           <a:p>
@@ -21863,14 +22338,34 @@
                 <a:latin typeface="Arial" panose="020B0604020202020204" pitchFamily="34" charset="0"/>
                 <a:cs typeface="Arial" panose="020B0604020202020204" pitchFamily="34" charset="0"/>
               </a:rPr>
-              <a:t> (FCL)</a:t>
+              <a:t> (</a:t>
+            </a:r>
+            <a:r>
+              <a:rPr lang="en-US" sz="3200" dirty="0" err="1">
+                <a:latin typeface="Arial" panose="020B0604020202020204" pitchFamily="34" charset="0"/>
+                <a:cs typeface="Arial" panose="020B0604020202020204" pitchFamily="34" charset="0"/>
+              </a:rPr>
+              <a:t>CoreFX</a:t>
+            </a:r>
+            <a:r>
+              <a:rPr lang="en-US" sz="3200" dirty="0">
+                <a:latin typeface="Arial" panose="020B0604020202020204" pitchFamily="34" charset="0"/>
+                <a:cs typeface="Arial" panose="020B0604020202020204" pitchFamily="34" charset="0"/>
+              </a:rPr>
+              <a:t>)</a:t>
             </a:r>
           </a:p>
         </p:txBody>
       </p:sp>
       <p:pic>
         <p:nvPicPr>
-          <p:cNvPr id="4" name="Picture 3"/>
+          <p:cNvPr id="6" name="Picture 5" descr="Diagram&#10;&#10;Description automatically generated">
+            <a:extLst>
+              <a:ext uri="{FF2B5EF4-FFF2-40B4-BE49-F238E27FC236}">
+                <a16:creationId xmlns:a16="http://schemas.microsoft.com/office/drawing/2014/main" id="{B5DC8463-45DA-6CA6-D6D6-1BA1FF3BD598}"/>
+              </a:ext>
+            </a:extLst>
+          </p:cNvPr>
           <p:cNvPicPr>
             <a:picLocks noChangeAspect="1"/>
           </p:cNvPicPr>
@@ -21890,42 +22385,18 @@
         </p:blipFill>
         <p:spPr>
           <a:xfrm>
-            <a:off x="6958357" y="2323508"/>
-            <a:ext cx="4140358" cy="4140358"/>
+            <a:off x="6797615" y="3183146"/>
+            <a:ext cx="5230328" cy="2701185"/>
           </a:xfrm>
-          <a:prstGeom prst="roundRect">
-            <a:avLst>
-              <a:gd name="adj" fmla="val 16667"/>
-            </a:avLst>
+          <a:prstGeom prst="rect">
+            <a:avLst/>
           </a:prstGeom>
-          <a:ln>
-            <a:noFill/>
-          </a:ln>
-          <a:effectLst>
-            <a:outerShdw blurRad="152400" dist="12000" dir="900000" sy="98000" kx="110000" ky="200000" algn="tl" rotWithShape="0">
-              <a:srgbClr val="000000">
-                <a:alpha val="30000"/>
-              </a:srgbClr>
-            </a:outerShdw>
-          </a:effectLst>
-          <a:scene3d>
-            <a:camera prst="perspectiveRelaxed">
-              <a:rot lat="19800000" lon="1200000" rev="20820000"/>
-            </a:camera>
-            <a:lightRig rig="threePt" dir="t"/>
-          </a:scene3d>
-          <a:sp3d contourW="6350" prstMaterial="matte">
-            <a:bevelT w="101600" h="101600"/>
-            <a:contourClr>
-              <a:srgbClr val="969696"/>
-            </a:contourClr>
-          </a:sp3d>
         </p:spPr>
       </p:pic>
     </p:spTree>
     <p:extLst>
       <p:ext uri="{BB962C8B-B14F-4D97-AF65-F5344CB8AC3E}">
-        <p14:creationId xmlns:p14="http://schemas.microsoft.com/office/powerpoint/2010/main" val="1619143915"/>
+        <p14:creationId xmlns:p14="http://schemas.microsoft.com/office/powerpoint/2010/main" val="484127587"/>
       </p:ext>
     </p:extLst>
   </p:cSld>
@@ -21936,6 +22407,394 @@
 </file>
 
 <file path=ppt/slides/slide7.xml><?xml version="1.0" encoding="utf-8"?>
+<p:sld xmlns:a="http://schemas.openxmlformats.org/drawingml/2006/main" xmlns:r="http://schemas.openxmlformats.org/officeDocument/2006/relationships" xmlns:p="http://schemas.openxmlformats.org/presentationml/2006/main">
+  <p:cSld>
+    <p:spTree>
+      <p:nvGrpSpPr>
+        <p:cNvPr id="1" name=""/>
+        <p:cNvGrpSpPr/>
+        <p:nvPr/>
+      </p:nvGrpSpPr>
+      <p:grpSpPr>
+        <a:xfrm>
+          <a:off x="0" y="0"/>
+          <a:ext cx="0" cy="0"/>
+          <a:chOff x="0" y="0"/>
+          <a:chExt cx="0" cy="0"/>
+        </a:xfrm>
+      </p:grpSpPr>
+      <p:sp>
+        <p:nvSpPr>
+          <p:cNvPr id="2" name="Title 1"/>
+          <p:cNvSpPr>
+            <a:spLocks noGrp="1"/>
+          </p:cNvSpPr>
+          <p:nvPr>
+            <p:ph type="title"/>
+          </p:nvPr>
+        </p:nvSpPr>
+        <p:spPr/>
+        <p:txBody>
+          <a:bodyPr/>
+          <a:lstStyle/>
+          <a:p>
+            <a:pPr algn="ctr"/>
+            <a:r>
+              <a:rPr lang="bg-BG" dirty="0">
+                <a:latin typeface="Arial" panose="020B0604020202020204" pitchFamily="34" charset="0"/>
+                <a:cs typeface="Arial" panose="020B0604020202020204" pitchFamily="34" charset="0"/>
+              </a:rPr>
+              <a:t>Какво е </a:t>
+            </a:r>
+            <a:r>
+              <a:rPr lang="bg-BG" dirty="0">
+                <a:solidFill>
+                  <a:srgbClr val="FFFF00"/>
+                </a:solidFill>
+                <a:latin typeface="Arial" panose="020B0604020202020204" pitchFamily="34" charset="0"/>
+                <a:cs typeface="Arial" panose="020B0604020202020204" pitchFamily="34" charset="0"/>
+              </a:rPr>
+              <a:t>компилатор</a:t>
+            </a:r>
+            <a:r>
+              <a:rPr lang="en-US" dirty="0">
+                <a:latin typeface="Arial" panose="020B0604020202020204" pitchFamily="34" charset="0"/>
+                <a:cs typeface="Arial" panose="020B0604020202020204" pitchFamily="34" charset="0"/>
+              </a:rPr>
+              <a:t>?</a:t>
+            </a:r>
+          </a:p>
+        </p:txBody>
+      </p:sp>
+      <p:sp>
+        <p:nvSpPr>
+          <p:cNvPr id="3" name="Content Placeholder 2"/>
+          <p:cNvSpPr>
+            <a:spLocks noGrp="1"/>
+          </p:cNvSpPr>
+          <p:nvPr>
+            <p:ph idx="1"/>
+          </p:nvPr>
+        </p:nvSpPr>
+        <p:spPr>
+          <a:xfrm>
+            <a:off x="1546839" y="2603499"/>
+            <a:ext cx="8825659" cy="4021235"/>
+          </a:xfrm>
+        </p:spPr>
+        <p:txBody>
+          <a:bodyPr/>
+          <a:lstStyle/>
+          <a:p>
+            <a:r>
+              <a:rPr lang="bg-BG" b="1" dirty="0">
+                <a:latin typeface="Arial" panose="020B0604020202020204" pitchFamily="34" charset="0"/>
+                <a:cs typeface="Arial" panose="020B0604020202020204" pitchFamily="34" charset="0"/>
+              </a:rPr>
+              <a:t>Компилаторът</a:t>
+            </a:r>
+            <a:r>
+              <a:rPr lang="bg-BG" dirty="0">
+                <a:latin typeface="Arial" panose="020B0604020202020204" pitchFamily="34" charset="0"/>
+                <a:cs typeface="Arial" panose="020B0604020202020204" pitchFamily="34" charset="0"/>
+              </a:rPr>
+              <a:t> е специална компютърна програма, която транслира нашият програмен код в машинен код или байткод. Сорс кодът на програмата ни е написан най-често на програмен език от високо ниво, който е разбираем за човек, като </a:t>
+            </a:r>
+            <a:r>
+              <a:rPr lang="en-US" b="1" dirty="0">
+                <a:latin typeface="Arial" panose="020B0604020202020204" pitchFamily="34" charset="0"/>
+                <a:cs typeface="Arial" panose="020B0604020202020204" pitchFamily="34" charset="0"/>
+              </a:rPr>
+              <a:t>C#</a:t>
+            </a:r>
+            <a:r>
+              <a:rPr lang="en-US" dirty="0">
+                <a:latin typeface="Arial" panose="020B0604020202020204" pitchFamily="34" charset="0"/>
+                <a:cs typeface="Arial" panose="020B0604020202020204" pitchFamily="34" charset="0"/>
+              </a:rPr>
+              <a:t>, </a:t>
+            </a:r>
+            <a:r>
+              <a:rPr lang="en-US" b="1" dirty="0">
+                <a:latin typeface="Arial" panose="020B0604020202020204" pitchFamily="34" charset="0"/>
+                <a:cs typeface="Arial" panose="020B0604020202020204" pitchFamily="34" charset="0"/>
+              </a:rPr>
+              <a:t>Java</a:t>
+            </a:r>
+            <a:r>
+              <a:rPr lang="en-US" dirty="0">
+                <a:latin typeface="Arial" panose="020B0604020202020204" pitchFamily="34" charset="0"/>
+                <a:cs typeface="Arial" panose="020B0604020202020204" pitchFamily="34" charset="0"/>
+              </a:rPr>
+              <a:t>, </a:t>
+            </a:r>
+            <a:r>
+              <a:rPr lang="en-US" b="1" dirty="0">
+                <a:latin typeface="Arial" panose="020B0604020202020204" pitchFamily="34" charset="0"/>
+                <a:cs typeface="Arial" panose="020B0604020202020204" pitchFamily="34" charset="0"/>
+              </a:rPr>
+              <a:t>C++ </a:t>
+            </a:r>
+            <a:r>
+              <a:rPr lang="bg-BG" dirty="0">
+                <a:latin typeface="Arial" panose="020B0604020202020204" pitchFamily="34" charset="0"/>
+                <a:cs typeface="Arial" panose="020B0604020202020204" pitchFamily="34" charset="0"/>
+              </a:rPr>
+              <a:t>и т.н.</a:t>
+            </a:r>
+            <a:endParaRPr lang="en-US" dirty="0">
+              <a:latin typeface="Arial" panose="020B0604020202020204" pitchFamily="34" charset="0"/>
+              <a:cs typeface="Arial" panose="020B0604020202020204" pitchFamily="34" charset="0"/>
+            </a:endParaRPr>
+          </a:p>
+        </p:txBody>
+      </p:sp>
+      <p:pic>
+        <p:nvPicPr>
+          <p:cNvPr id="8" name="Picture 7" descr="Diagram&#10;&#10;Description automatically generated">
+            <a:extLst>
+              <a:ext uri="{FF2B5EF4-FFF2-40B4-BE49-F238E27FC236}">
+                <a16:creationId xmlns:a16="http://schemas.microsoft.com/office/drawing/2014/main" id="{7F411070-98F9-41C2-D0E3-4BB0C07A09A2}"/>
+              </a:ext>
+            </a:extLst>
+          </p:cNvPr>
+          <p:cNvPicPr>
+            <a:picLocks noChangeAspect="1"/>
+          </p:cNvPicPr>
+          <p:nvPr/>
+        </p:nvPicPr>
+        <p:blipFill>
+          <a:blip r:embed="rId2">
+            <a:extLst>
+              <a:ext uri="{28A0092B-C50C-407E-A947-70E740481C1C}">
+                <a14:useLocalDpi xmlns:a14="http://schemas.microsoft.com/office/drawing/2010/main" val="0"/>
+              </a:ext>
+            </a:extLst>
+          </a:blip>
+          <a:stretch>
+            <a:fillRect/>
+          </a:stretch>
+        </p:blipFill>
+        <p:spPr>
+          <a:xfrm>
+            <a:off x="1819502" y="3958590"/>
+            <a:ext cx="8465820" cy="2407920"/>
+          </a:xfrm>
+          <a:prstGeom prst="rect">
+            <a:avLst/>
+          </a:prstGeom>
+        </p:spPr>
+      </p:pic>
+    </p:spTree>
+    <p:extLst>
+      <p:ext uri="{BB962C8B-B14F-4D97-AF65-F5344CB8AC3E}">
+        <p14:creationId xmlns:p14="http://schemas.microsoft.com/office/powerpoint/2010/main" val="525679394"/>
+      </p:ext>
+    </p:extLst>
+  </p:cSld>
+  <p:clrMapOvr>
+    <a:masterClrMapping/>
+  </p:clrMapOvr>
+</p:sld>
+</file>
+
+<file path=ppt/slides/slide8.xml><?xml version="1.0" encoding="utf-8"?>
+<p:sld xmlns:a="http://schemas.openxmlformats.org/drawingml/2006/main" xmlns:r="http://schemas.openxmlformats.org/officeDocument/2006/relationships" xmlns:p="http://schemas.openxmlformats.org/presentationml/2006/main">
+  <p:cSld>
+    <p:spTree>
+      <p:nvGrpSpPr>
+        <p:cNvPr id="1" name=""/>
+        <p:cNvGrpSpPr/>
+        <p:nvPr/>
+      </p:nvGrpSpPr>
+      <p:grpSpPr>
+        <a:xfrm>
+          <a:off x="0" y="0"/>
+          <a:ext cx="0" cy="0"/>
+          <a:chOff x="0" y="0"/>
+          <a:chExt cx="0" cy="0"/>
+        </a:xfrm>
+      </p:grpSpPr>
+      <p:sp>
+        <p:nvSpPr>
+          <p:cNvPr id="2" name="Title 1"/>
+          <p:cNvSpPr>
+            <a:spLocks noGrp="1"/>
+          </p:cNvSpPr>
+          <p:nvPr>
+            <p:ph type="title"/>
+          </p:nvPr>
+        </p:nvSpPr>
+        <p:spPr/>
+        <p:txBody>
+          <a:bodyPr/>
+          <a:lstStyle/>
+          <a:p>
+            <a:pPr algn="ctr"/>
+            <a:r>
+              <a:rPr lang="bg-BG" dirty="0">
+                <a:latin typeface="Arial" panose="020B0604020202020204" pitchFamily="34" charset="0"/>
+                <a:cs typeface="Arial" panose="020B0604020202020204" pitchFamily="34" charset="0"/>
+              </a:rPr>
+              <a:t>Какво е </a:t>
+            </a:r>
+            <a:r>
+              <a:rPr lang="bg-BG" dirty="0">
+                <a:solidFill>
+                  <a:srgbClr val="FFFF00"/>
+                </a:solidFill>
+                <a:latin typeface="Arial" panose="020B0604020202020204" pitchFamily="34" charset="0"/>
+                <a:cs typeface="Arial" panose="020B0604020202020204" pitchFamily="34" charset="0"/>
+              </a:rPr>
+              <a:t>компилаторът в </a:t>
+            </a:r>
+            <a:r>
+              <a:rPr lang="en-US" dirty="0">
+                <a:solidFill>
+                  <a:srgbClr val="FFFF00"/>
+                </a:solidFill>
+                <a:latin typeface="Arial" panose="020B0604020202020204" pitchFamily="34" charset="0"/>
+                <a:cs typeface="Arial" panose="020B0604020202020204" pitchFamily="34" charset="0"/>
+              </a:rPr>
+              <a:t>C#</a:t>
+            </a:r>
+            <a:r>
+              <a:rPr lang="en-US" dirty="0">
+                <a:latin typeface="Arial" panose="020B0604020202020204" pitchFamily="34" charset="0"/>
+                <a:cs typeface="Arial" panose="020B0604020202020204" pitchFamily="34" charset="0"/>
+              </a:rPr>
+              <a:t>?</a:t>
+            </a:r>
+          </a:p>
+        </p:txBody>
+      </p:sp>
+      <p:sp>
+        <p:nvSpPr>
+          <p:cNvPr id="3" name="Content Placeholder 2"/>
+          <p:cNvSpPr>
+            <a:spLocks noGrp="1"/>
+          </p:cNvSpPr>
+          <p:nvPr>
+            <p:ph idx="1"/>
+          </p:nvPr>
+        </p:nvSpPr>
+        <p:spPr>
+          <a:xfrm>
+            <a:off x="1546839" y="2603499"/>
+            <a:ext cx="8825659" cy="4021235"/>
+          </a:xfrm>
+        </p:spPr>
+        <p:txBody>
+          <a:bodyPr/>
+          <a:lstStyle/>
+          <a:p>
+            <a:r>
+              <a:rPr lang="bg-BG" b="1" dirty="0">
+                <a:latin typeface="Arial" panose="020B0604020202020204" pitchFamily="34" charset="0"/>
+                <a:cs typeface="Arial" panose="020B0604020202020204" pitchFamily="34" charset="0"/>
+              </a:rPr>
+              <a:t>Компилаторът</a:t>
+            </a:r>
+            <a:r>
+              <a:rPr lang="bg-BG" dirty="0">
+                <a:latin typeface="Arial" panose="020B0604020202020204" pitchFamily="34" charset="0"/>
+                <a:cs typeface="Arial" panose="020B0604020202020204" pitchFamily="34" charset="0"/>
+              </a:rPr>
+              <a:t> е специална компютърна програма, която транслира нашият програмен код в машинен код или байткод. Сорс кодът на програмата ни е написан най-често на програмен език от високо ниво, който е разбираем за човек, като </a:t>
+            </a:r>
+            <a:r>
+              <a:rPr lang="en-US" b="1" dirty="0">
+                <a:latin typeface="Arial" panose="020B0604020202020204" pitchFamily="34" charset="0"/>
+                <a:cs typeface="Arial" panose="020B0604020202020204" pitchFamily="34" charset="0"/>
+              </a:rPr>
+              <a:t>C#</a:t>
+            </a:r>
+            <a:r>
+              <a:rPr lang="en-US" dirty="0">
+                <a:latin typeface="Arial" panose="020B0604020202020204" pitchFamily="34" charset="0"/>
+                <a:cs typeface="Arial" panose="020B0604020202020204" pitchFamily="34" charset="0"/>
+              </a:rPr>
+              <a:t>, </a:t>
+            </a:r>
+            <a:r>
+              <a:rPr lang="en-US" b="1" dirty="0">
+                <a:latin typeface="Arial" panose="020B0604020202020204" pitchFamily="34" charset="0"/>
+                <a:cs typeface="Arial" panose="020B0604020202020204" pitchFamily="34" charset="0"/>
+              </a:rPr>
+              <a:t>Java</a:t>
+            </a:r>
+            <a:r>
+              <a:rPr lang="en-US" dirty="0">
+                <a:latin typeface="Arial" panose="020B0604020202020204" pitchFamily="34" charset="0"/>
+                <a:cs typeface="Arial" panose="020B0604020202020204" pitchFamily="34" charset="0"/>
+              </a:rPr>
+              <a:t>, </a:t>
+            </a:r>
+            <a:r>
+              <a:rPr lang="en-US" b="1" dirty="0">
+                <a:latin typeface="Arial" panose="020B0604020202020204" pitchFamily="34" charset="0"/>
+                <a:cs typeface="Arial" panose="020B0604020202020204" pitchFamily="34" charset="0"/>
+              </a:rPr>
+              <a:t>C++ </a:t>
+            </a:r>
+            <a:r>
+              <a:rPr lang="bg-BG" dirty="0">
+                <a:latin typeface="Arial" panose="020B0604020202020204" pitchFamily="34" charset="0"/>
+                <a:cs typeface="Arial" panose="020B0604020202020204" pitchFamily="34" charset="0"/>
+              </a:rPr>
+              <a:t>и т.н.</a:t>
+            </a:r>
+            <a:endParaRPr lang="en-US" dirty="0">
+              <a:latin typeface="Arial" panose="020B0604020202020204" pitchFamily="34" charset="0"/>
+              <a:cs typeface="Arial" panose="020B0604020202020204" pitchFamily="34" charset="0"/>
+            </a:endParaRPr>
+          </a:p>
+        </p:txBody>
+      </p:sp>
+      <p:pic>
+        <p:nvPicPr>
+          <p:cNvPr id="5" name="Picture 4"/>
+          <p:cNvPicPr>
+            <a:picLocks noChangeAspect="1"/>
+          </p:cNvPicPr>
+          <p:nvPr/>
+        </p:nvPicPr>
+        <p:blipFill>
+          <a:blip r:embed="rId2">
+            <a:extLst>
+              <a:ext uri="{28A0092B-C50C-407E-A947-70E740481C1C}">
+                <a14:useLocalDpi xmlns:a14="http://schemas.microsoft.com/office/drawing/2010/main" val="0"/>
+              </a:ext>
+            </a:extLst>
+          </a:blip>
+          <a:stretch>
+            <a:fillRect/>
+          </a:stretch>
+        </p:blipFill>
+        <p:spPr>
+          <a:xfrm>
+            <a:off x="1905842" y="3948209"/>
+            <a:ext cx="8010525" cy="2676525"/>
+          </a:xfrm>
+          <a:prstGeom prst="rect">
+            <a:avLst/>
+          </a:prstGeom>
+        </p:spPr>
+      </p:pic>
+    </p:spTree>
+    <p:extLst>
+      <p:ext uri="{BB962C8B-B14F-4D97-AF65-F5344CB8AC3E}">
+        <p14:creationId xmlns:p14="http://schemas.microsoft.com/office/powerpoint/2010/main" val="80090018"/>
+      </p:ext>
+    </p:extLst>
+  </p:cSld>
+  <p:clrMapOvr>
+    <a:masterClrMapping/>
+  </p:clrMapOvr>
+</p:sld>
+</file>
+
+<file path=ppt/slides/slide9.xml><?xml version="1.0" encoding="utf-8"?>
 <p:sld xmlns:a="http://schemas.openxmlformats.org/drawingml/2006/main" xmlns:r="http://schemas.openxmlformats.org/officeDocument/2006/relationships" xmlns:p="http://schemas.openxmlformats.org/presentationml/2006/main">
   <p:cSld>
     <p:spTree>
@@ -22042,351 +22901,6 @@
     <p:extLst>
       <p:ext uri="{BB962C8B-B14F-4D97-AF65-F5344CB8AC3E}">
         <p14:creationId xmlns:p14="http://schemas.microsoft.com/office/powerpoint/2010/main" val="2369733126"/>
-      </p:ext>
-    </p:extLst>
-  </p:cSld>
-  <p:clrMapOvr>
-    <a:masterClrMapping/>
-  </p:clrMapOvr>
-</p:sld>
-</file>
-
-<file path=ppt/slides/slide8.xml><?xml version="1.0" encoding="utf-8"?>
-<p:sld xmlns:a="http://schemas.openxmlformats.org/drawingml/2006/main" xmlns:r="http://schemas.openxmlformats.org/officeDocument/2006/relationships" xmlns:p="http://schemas.openxmlformats.org/presentationml/2006/main">
-  <p:cSld>
-    <p:spTree>
-      <p:nvGrpSpPr>
-        <p:cNvPr id="1" name=""/>
-        <p:cNvGrpSpPr/>
-        <p:nvPr/>
-      </p:nvGrpSpPr>
-      <p:grpSpPr>
-        <a:xfrm>
-          <a:off x="0" y="0"/>
-          <a:ext cx="0" cy="0"/>
-          <a:chOff x="0" y="0"/>
-          <a:chExt cx="0" cy="0"/>
-        </a:xfrm>
-      </p:grpSpPr>
-      <p:sp>
-        <p:nvSpPr>
-          <p:cNvPr id="2" name="Title 1"/>
-          <p:cNvSpPr>
-            <a:spLocks noGrp="1"/>
-          </p:cNvSpPr>
-          <p:nvPr>
-            <p:ph type="title"/>
-          </p:nvPr>
-        </p:nvSpPr>
-        <p:spPr/>
-        <p:txBody>
-          <a:bodyPr/>
-          <a:lstStyle/>
-          <a:p>
-            <a:pPr algn="ctr"/>
-            <a:r>
-              <a:rPr lang="en-US" dirty="0">
-                <a:solidFill>
-                  <a:srgbClr val="FFFF00"/>
-                </a:solidFill>
-                <a:latin typeface="Arial" panose="020B0604020202020204" pitchFamily="34" charset="0"/>
-                <a:cs typeface="Arial" panose="020B0604020202020204" pitchFamily="34" charset="0"/>
-              </a:rPr>
-              <a:t>.NET </a:t>
-            </a:r>
-            <a:r>
-              <a:rPr lang="bg-BG" dirty="0">
-                <a:latin typeface="Arial" panose="020B0604020202020204" pitchFamily="34" charset="0"/>
-                <a:cs typeface="Arial" panose="020B0604020202020204" pitchFamily="34" charset="0"/>
-              </a:rPr>
-              <a:t>платформата</a:t>
-            </a:r>
-            <a:r>
-              <a:rPr lang="en-US" dirty="0">
-                <a:latin typeface="Arial" panose="020B0604020202020204" pitchFamily="34" charset="0"/>
-                <a:cs typeface="Arial" panose="020B0604020202020204" pitchFamily="34" charset="0"/>
-              </a:rPr>
-              <a:t> /</a:t>
-            </a:r>
-            <a:r>
-              <a:rPr lang="bg-BG" dirty="0">
-                <a:latin typeface="Arial" panose="020B0604020202020204" pitchFamily="34" charset="0"/>
-                <a:cs typeface="Arial" panose="020B0604020202020204" pitchFamily="34" charset="0"/>
-              </a:rPr>
-              <a:t>цял нов свят</a:t>
-            </a:r>
-            <a:r>
-              <a:rPr lang="en-US" dirty="0">
-                <a:latin typeface="Arial" panose="020B0604020202020204" pitchFamily="34" charset="0"/>
-                <a:cs typeface="Arial" panose="020B0604020202020204" pitchFamily="34" charset="0"/>
-              </a:rPr>
-              <a:t>/</a:t>
-            </a:r>
-          </a:p>
-        </p:txBody>
-      </p:sp>
-      <p:pic>
-        <p:nvPicPr>
-          <p:cNvPr id="5" name="Content Placeholder 4"/>
-          <p:cNvPicPr>
-            <a:picLocks noGrp="1" noChangeAspect="1"/>
-          </p:cNvPicPr>
-          <p:nvPr>
-            <p:ph idx="1"/>
-          </p:nvPr>
-        </p:nvPicPr>
-        <p:blipFill>
-          <a:blip r:embed="rId2">
-            <a:extLst>
-              <a:ext uri="{28A0092B-C50C-407E-A947-70E740481C1C}">
-                <a14:useLocalDpi xmlns:a14="http://schemas.microsoft.com/office/drawing/2010/main" val="0"/>
-              </a:ext>
-            </a:extLst>
-          </a:blip>
-          <a:stretch>
-            <a:fillRect/>
-          </a:stretch>
-        </p:blipFill>
-        <p:spPr>
-          <a:xfrm>
-            <a:off x="1081055" y="2539452"/>
-            <a:ext cx="10107301" cy="3674736"/>
-          </a:xfrm>
-        </p:spPr>
-      </p:pic>
-    </p:spTree>
-    <p:extLst>
-      <p:ext uri="{BB962C8B-B14F-4D97-AF65-F5344CB8AC3E}">
-        <p14:creationId xmlns:p14="http://schemas.microsoft.com/office/powerpoint/2010/main" val="152368737"/>
-      </p:ext>
-    </p:extLst>
-  </p:cSld>
-  <p:clrMapOvr>
-    <a:masterClrMapping/>
-  </p:clrMapOvr>
-</p:sld>
-</file>
-
-<file path=ppt/slides/slide9.xml><?xml version="1.0" encoding="utf-8"?>
-<p:sld xmlns:a="http://schemas.openxmlformats.org/drawingml/2006/main" xmlns:r="http://schemas.openxmlformats.org/officeDocument/2006/relationships" xmlns:p="http://schemas.openxmlformats.org/presentationml/2006/main">
-  <p:cSld>
-    <p:spTree>
-      <p:nvGrpSpPr>
-        <p:cNvPr id="1" name=""/>
-        <p:cNvGrpSpPr/>
-        <p:nvPr/>
-      </p:nvGrpSpPr>
-      <p:grpSpPr>
-        <a:xfrm>
-          <a:off x="0" y="0"/>
-          <a:ext cx="0" cy="0"/>
-          <a:chOff x="0" y="0"/>
-          <a:chExt cx="0" cy="0"/>
-        </a:xfrm>
-      </p:grpSpPr>
-      <p:sp>
-        <p:nvSpPr>
-          <p:cNvPr id="2" name="Title 1"/>
-          <p:cNvSpPr>
-            <a:spLocks noGrp="1"/>
-          </p:cNvSpPr>
-          <p:nvPr>
-            <p:ph type="title"/>
-          </p:nvPr>
-        </p:nvSpPr>
-        <p:spPr/>
-        <p:txBody>
-          <a:bodyPr/>
-          <a:lstStyle/>
-          <a:p>
-            <a:pPr algn="ctr"/>
-            <a:r>
-              <a:rPr lang="en-US" dirty="0">
-                <a:solidFill>
-                  <a:srgbClr val="FFFF00"/>
-                </a:solidFill>
-                <a:latin typeface="Arial" panose="020B0604020202020204" pitchFamily="34" charset="0"/>
-                <a:cs typeface="Arial" panose="020B0604020202020204" pitchFamily="34" charset="0"/>
-              </a:rPr>
-              <a:t>C#</a:t>
-            </a:r>
-            <a:r>
-              <a:rPr lang="en-US" dirty="0">
-                <a:latin typeface="Arial" panose="020B0604020202020204" pitchFamily="34" charset="0"/>
-                <a:cs typeface="Arial" panose="020B0604020202020204" pitchFamily="34" charset="0"/>
-              </a:rPr>
-              <a:t> </a:t>
-            </a:r>
-            <a:r>
-              <a:rPr lang="bg-BG" dirty="0">
-                <a:latin typeface="Arial" panose="020B0604020202020204" pitchFamily="34" charset="0"/>
-                <a:cs typeface="Arial" panose="020B0604020202020204" pitchFamily="34" charset="0"/>
-              </a:rPr>
-              <a:t>не е </a:t>
-            </a:r>
-            <a:r>
-              <a:rPr lang="en-US" dirty="0">
-                <a:solidFill>
-                  <a:srgbClr val="FFFF00"/>
-                </a:solidFill>
-                <a:latin typeface="Arial" panose="020B0604020202020204" pitchFamily="34" charset="0"/>
-                <a:cs typeface="Arial" panose="020B0604020202020204" pitchFamily="34" charset="0"/>
-              </a:rPr>
-              <a:t>.NET</a:t>
-            </a:r>
-            <a:r>
-              <a:rPr lang="en-US" dirty="0">
-                <a:latin typeface="Arial" panose="020B0604020202020204" pitchFamily="34" charset="0"/>
-                <a:cs typeface="Arial" panose="020B0604020202020204" pitchFamily="34" charset="0"/>
-              </a:rPr>
-              <a:t>!</a:t>
-            </a:r>
-          </a:p>
-        </p:txBody>
-      </p:sp>
-      <p:pic>
-        <p:nvPicPr>
-          <p:cNvPr id="12" name="Picture Placeholder 11"/>
-          <p:cNvPicPr>
-            <a:picLocks noGrp="1" noChangeAspect="1"/>
-          </p:cNvPicPr>
-          <p:nvPr>
-            <p:ph type="pic" idx="15"/>
-          </p:nvPr>
-        </p:nvPicPr>
-        <p:blipFill>
-          <a:blip r:embed="rId2" cstate="print">
-            <a:extLst>
-              <a:ext uri="{28A0092B-C50C-407E-A947-70E740481C1C}">
-                <a14:useLocalDpi xmlns:a14="http://schemas.microsoft.com/office/drawing/2010/main" val="0"/>
-              </a:ext>
-            </a:extLst>
-          </a:blip>
-          <a:stretch>
-            <a:fillRect/>
-          </a:stretch>
-        </p:blipFill>
-        <p:spPr>
-          <a:xfrm>
-            <a:off x="1154954" y="2733040"/>
-            <a:ext cx="2460402" cy="2460402"/>
-          </a:xfrm>
-          <a:prstGeom prst="rect">
-            <a:avLst/>
-          </a:prstGeom>
-        </p:spPr>
-      </p:pic>
-      <p:pic>
-        <p:nvPicPr>
-          <p:cNvPr id="13" name="Picture Placeholder 12"/>
-          <p:cNvPicPr>
-            <a:picLocks noGrp="1" noChangeAspect="1"/>
-          </p:cNvPicPr>
-          <p:nvPr>
-            <p:ph type="pic" idx="22"/>
-          </p:nvPr>
-        </p:nvPicPr>
-        <p:blipFill>
-          <a:blip r:embed="rId3">
-            <a:extLst>
-              <a:ext uri="{28A0092B-C50C-407E-A947-70E740481C1C}">
-                <a14:useLocalDpi xmlns:a14="http://schemas.microsoft.com/office/drawing/2010/main" val="0"/>
-              </a:ext>
-            </a:extLst>
-          </a:blip>
-          <a:srcRect t="20413" b="20413"/>
-          <a:stretch>
-            <a:fillRect/>
-          </a:stretch>
-        </p:blipFill>
-        <p:spPr>
-          <a:xfrm>
-            <a:off x="8125344" y="3019202"/>
-            <a:ext cx="3504501" cy="2072444"/>
-          </a:xfrm>
-          <a:prstGeom prst="roundRect">
-            <a:avLst>
-              <a:gd name="adj" fmla="val 16667"/>
-            </a:avLst>
-          </a:prstGeom>
-          <a:ln>
-            <a:noFill/>
-          </a:ln>
-          <a:effectLst>
-            <a:outerShdw blurRad="152400" dist="12000" dir="900000" sy="98000" kx="110000" ky="200000" algn="tl" rotWithShape="0">
-              <a:srgbClr val="000000">
-                <a:alpha val="30000"/>
-              </a:srgbClr>
-            </a:outerShdw>
-          </a:effectLst>
-          <a:scene3d>
-            <a:camera prst="perspectiveRelaxed">
-              <a:rot lat="19800000" lon="1200000" rev="20820000"/>
-            </a:camera>
-            <a:lightRig rig="threePt" dir="t"/>
-          </a:scene3d>
-          <a:sp3d contourW="6350" prstMaterial="matte">
-            <a:bevelT w="101600" h="101600"/>
-            <a:contourClr>
-              <a:srgbClr val="969696"/>
-            </a:contourClr>
-          </a:sp3d>
-        </p:spPr>
-      </p:pic>
-      <p:pic>
-        <p:nvPicPr>
-          <p:cNvPr id="18" name="Picture Placeholder 17"/>
-          <p:cNvPicPr>
-            <a:picLocks noGrp="1" noChangeAspect="1"/>
-          </p:cNvPicPr>
-          <p:nvPr>
-            <p:ph type="pic" idx="21"/>
-          </p:nvPr>
-        </p:nvPicPr>
-        <p:blipFill>
-          <a:blip r:embed="rId4">
-            <a:extLst>
-              <a:ext uri="{28A0092B-C50C-407E-A947-70E740481C1C}">
-                <a14:useLocalDpi xmlns:a14="http://schemas.microsoft.com/office/drawing/2010/main" val="0"/>
-              </a:ext>
-            </a:extLst>
-          </a:blip>
-          <a:srcRect t="20413" b="20413"/>
-          <a:stretch>
-            <a:fillRect/>
-          </a:stretch>
-        </p:blipFill>
-        <p:spPr>
-          <a:xfrm>
-            <a:off x="4775266" y="3252728"/>
-            <a:ext cx="2765999" cy="1635718"/>
-          </a:xfrm>
-          <a:prstGeom prst="rect">
-            <a:avLst/>
-          </a:prstGeom>
-          <a:ln>
-            <a:noFill/>
-          </a:ln>
-          <a:effectLst>
-            <a:reflection blurRad="12700" stA="30000" endPos="30000" dist="5000" dir="5400000" sy="-100000" algn="bl" rotWithShape="0"/>
-          </a:effectLst>
-          <a:scene3d>
-            <a:camera prst="perspectiveContrastingLeftFacing">
-              <a:rot lat="300000" lon="19800000" rev="0"/>
-            </a:camera>
-            <a:lightRig rig="threePt" dir="t">
-              <a:rot lat="0" lon="0" rev="2700000"/>
-            </a:lightRig>
-          </a:scene3d>
-          <a:sp3d>
-            <a:bevelT w="63500" h="50800"/>
-          </a:sp3d>
-        </p:spPr>
-      </p:pic>
-    </p:spTree>
-    <p:extLst>
-      <p:ext uri="{BB962C8B-B14F-4D97-AF65-F5344CB8AC3E}">
-        <p14:creationId xmlns:p14="http://schemas.microsoft.com/office/powerpoint/2010/main" val="3170254347"/>
       </p:ext>
     </p:extLst>
   </p:cSld>

--- a/C# Basics.pptx
+++ b/C# Basics.pptx
@@ -230,7 +230,7 @@
           <a:p>
             <a:fld id="{068E3771-71AF-4AE2-9E86-BE935DBF2B0E}" type="datetimeFigureOut">
               <a:rPr lang="en-US" smtClean="0"/>
-              <a:t>10/10/2022</a:t>
+              <a:t>10/12/2022</a:t>
             </a:fld>
             <a:endParaRPr lang="en-US"/>
           </a:p>
@@ -832,7 +832,7 @@
           <a:p>
             <a:fld id="{C0A3DACC-474D-44ED-8DF0-6B6BA2CE3243}" type="datetimeFigureOut">
               <a:rPr lang="en-US" smtClean="0"/>
-              <a:t>10/10/2022</a:t>
+              <a:t>10/12/2022</a:t>
             </a:fld>
             <a:endParaRPr lang="en-US"/>
           </a:p>
@@ -1920,7 +1920,7 @@
           <a:p>
             <a:fld id="{C0A3DACC-474D-44ED-8DF0-6B6BA2CE3243}" type="datetimeFigureOut">
               <a:rPr lang="en-US" smtClean="0"/>
-              <a:t>10/10/2022</a:t>
+              <a:t>10/12/2022</a:t>
             </a:fld>
             <a:endParaRPr lang="en-US"/>
           </a:p>
@@ -2900,7 +2900,7 @@
           <a:p>
             <a:fld id="{C0A3DACC-474D-44ED-8DF0-6B6BA2CE3243}" type="datetimeFigureOut">
               <a:rPr lang="en-US" smtClean="0"/>
-              <a:t>10/10/2022</a:t>
+              <a:t>10/12/2022</a:t>
             </a:fld>
             <a:endParaRPr lang="en-US"/>
           </a:p>
@@ -4034,7 +4034,7 @@
           <a:p>
             <a:fld id="{C0A3DACC-474D-44ED-8DF0-6B6BA2CE3243}" type="datetimeFigureOut">
               <a:rPr lang="en-US" smtClean="0"/>
-              <a:t>10/10/2022</a:t>
+              <a:t>10/12/2022</a:t>
             </a:fld>
             <a:endParaRPr lang="en-US"/>
           </a:p>
@@ -5067,7 +5067,7 @@
           <a:p>
             <a:fld id="{C0A3DACC-474D-44ED-8DF0-6B6BA2CE3243}" type="datetimeFigureOut">
               <a:rPr lang="en-US" smtClean="0"/>
-              <a:t>10/10/2022</a:t>
+              <a:t>10/12/2022</a:t>
             </a:fld>
             <a:endParaRPr lang="en-US"/>
           </a:p>
@@ -5727,7 +5727,7 @@
           <a:p>
             <a:fld id="{C0A3DACC-474D-44ED-8DF0-6B6BA2CE3243}" type="datetimeFigureOut">
               <a:rPr lang="en-US" smtClean="0"/>
-              <a:t>10/10/2022</a:t>
+              <a:t>10/12/2022</a:t>
             </a:fld>
             <a:endParaRPr lang="en-US"/>
           </a:p>
@@ -6588,7 +6588,7 @@
           <a:p>
             <a:fld id="{C0A3DACC-474D-44ED-8DF0-6B6BA2CE3243}" type="datetimeFigureOut">
               <a:rPr lang="en-US" smtClean="0"/>
-              <a:t>10/10/2022</a:t>
+              <a:t>10/12/2022</a:t>
             </a:fld>
             <a:endParaRPr lang="en-US"/>
           </a:p>
@@ -6778,7 +6778,7 @@
           <a:p>
             <a:fld id="{C0A3DACC-474D-44ED-8DF0-6B6BA2CE3243}" type="datetimeFigureOut">
               <a:rPr lang="en-US" smtClean="0"/>
-              <a:t>10/10/2022</a:t>
+              <a:t>10/12/2022</a:t>
             </a:fld>
             <a:endParaRPr lang="en-US"/>
           </a:p>
@@ -7750,7 +7750,7 @@
           <a:p>
             <a:fld id="{C0A3DACC-474D-44ED-8DF0-6B6BA2CE3243}" type="datetimeFigureOut">
               <a:rPr lang="en-US" smtClean="0"/>
-              <a:t>10/10/2022</a:t>
+              <a:t>10/12/2022</a:t>
             </a:fld>
             <a:endParaRPr lang="en-US"/>
           </a:p>
@@ -7961,7 +7961,7 @@
           <a:p>
             <a:fld id="{C0A3DACC-474D-44ED-8DF0-6B6BA2CE3243}" type="datetimeFigureOut">
               <a:rPr lang="en-US" smtClean="0"/>
-              <a:t>10/10/2022</a:t>
+              <a:t>10/12/2022</a:t>
             </a:fld>
             <a:endParaRPr lang="en-US"/>
           </a:p>
@@ -8995,7 +8995,7 @@
           <a:p>
             <a:fld id="{C0A3DACC-474D-44ED-8DF0-6B6BA2CE3243}" type="datetimeFigureOut">
               <a:rPr lang="en-US" smtClean="0"/>
-              <a:t>10/10/2022</a:t>
+              <a:t>10/12/2022</a:t>
             </a:fld>
             <a:endParaRPr lang="en-US"/>
           </a:p>
@@ -9267,7 +9267,7 @@
           <a:p>
             <a:fld id="{C0A3DACC-474D-44ED-8DF0-6B6BA2CE3243}" type="datetimeFigureOut">
               <a:rPr lang="en-US" smtClean="0"/>
-              <a:t>10/10/2022</a:t>
+              <a:t>10/12/2022</a:t>
             </a:fld>
             <a:endParaRPr lang="en-US"/>
           </a:p>
@@ -9677,7 +9677,7 @@
           <a:p>
             <a:fld id="{C0A3DACC-474D-44ED-8DF0-6B6BA2CE3243}" type="datetimeFigureOut">
               <a:rPr lang="en-US" smtClean="0"/>
-              <a:t>10/10/2022</a:t>
+              <a:t>10/12/2022</a:t>
             </a:fld>
             <a:endParaRPr lang="en-US"/>
           </a:p>
@@ -9804,7 +9804,7 @@
           <a:p>
             <a:fld id="{C0A3DACC-474D-44ED-8DF0-6B6BA2CE3243}" type="datetimeFigureOut">
               <a:rPr lang="en-US" smtClean="0"/>
-              <a:t>10/10/2022</a:t>
+              <a:t>10/12/2022</a:t>
             </a:fld>
             <a:endParaRPr lang="en-US"/>
           </a:p>
@@ -9899,7 +9899,7 @@
           <a:p>
             <a:fld id="{C0A3DACC-474D-44ED-8DF0-6B6BA2CE3243}" type="datetimeFigureOut">
               <a:rPr lang="en-US" smtClean="0"/>
-              <a:t>10/10/2022</a:t>
+              <a:t>10/12/2022</a:t>
             </a:fld>
             <a:endParaRPr lang="en-US"/>
           </a:p>
@@ -10980,7 +10980,7 @@
           <a:p>
             <a:fld id="{C0A3DACC-474D-44ED-8DF0-6B6BA2CE3243}" type="datetimeFigureOut">
               <a:rPr lang="en-US" smtClean="0"/>
-              <a:t>10/10/2022</a:t>
+              <a:t>10/12/2022</a:t>
             </a:fld>
             <a:endParaRPr lang="en-US"/>
           </a:p>
@@ -12088,7 +12088,7 @@
           <a:p>
             <a:fld id="{C0A3DACC-474D-44ED-8DF0-6B6BA2CE3243}" type="datetimeFigureOut">
               <a:rPr lang="en-US" smtClean="0"/>
-              <a:t>10/10/2022</a:t>
+              <a:t>10/12/2022</a:t>
             </a:fld>
             <a:endParaRPr lang="en-US"/>
           </a:p>
@@ -13085,7 +13085,7 @@
           <a:p>
             <a:fld id="{C0A3DACC-474D-44ED-8DF0-6B6BA2CE3243}" type="datetimeFigureOut">
               <a:rPr lang="en-US" smtClean="0"/>
-              <a:t>10/10/2022</a:t>
+              <a:t>10/12/2022</a:t>
             </a:fld>
             <a:endParaRPr lang="en-US"/>
           </a:p>
@@ -22700,7 +22700,14 @@
                 <a:latin typeface="Arial" panose="020B0604020202020204" pitchFamily="34" charset="0"/>
                 <a:cs typeface="Arial" panose="020B0604020202020204" pitchFamily="34" charset="0"/>
               </a:rPr>
-              <a:t> е специална компютърна програма, която транслира нашият програмен код в машинен код или байткод. Сорс кодът на програмата ни е написан най-често на програмен език от високо ниво, който е разбираем за човек, като </a:t>
+              <a:t> </a:t>
+            </a:r>
+            <a:r>
+              <a:rPr lang="bg-BG" b="1" dirty="0">
+                <a:latin typeface="Arial" panose="020B0604020202020204" pitchFamily="34" charset="0"/>
+                <a:cs typeface="Arial" panose="020B0604020202020204" pitchFamily="34" charset="0"/>
+              </a:rPr>
+              <a:t>в </a:t>
             </a:r>
             <a:r>
               <a:rPr lang="en-US" b="1" dirty="0">
@@ -22714,35 +22721,126 @@
                 <a:latin typeface="Arial" panose="020B0604020202020204" pitchFamily="34" charset="0"/>
                 <a:cs typeface="Arial" panose="020B0604020202020204" pitchFamily="34" charset="0"/>
               </a:rPr>
-              <a:t>, </a:t>
+              <a:t> </a:t>
+            </a:r>
+            <a:r>
+              <a:rPr lang="bg-BG" dirty="0">
+                <a:latin typeface="Arial" panose="020B0604020202020204" pitchFamily="34" charset="0"/>
+                <a:cs typeface="Arial" panose="020B0604020202020204" pitchFamily="34" charset="0"/>
+              </a:rPr>
+              <a:t>за разлика от нормалния компилатор, транслира нашият програмен код в </a:t>
             </a:r>
             <a:r>
               <a:rPr lang="en-US" b="1" dirty="0">
                 <a:latin typeface="Arial" panose="020B0604020202020204" pitchFamily="34" charset="0"/>
                 <a:cs typeface="Arial" panose="020B0604020202020204" pitchFamily="34" charset="0"/>
               </a:rPr>
-              <a:t>Java</a:t>
+              <a:t>intermediate language</a:t>
+            </a:r>
+            <a:r>
+              <a:rPr lang="bg-BG" b="1" dirty="0">
+                <a:latin typeface="Arial" panose="020B0604020202020204" pitchFamily="34" charset="0"/>
+                <a:cs typeface="Arial" panose="020B0604020202020204" pitchFamily="34" charset="0"/>
+              </a:rPr>
+              <a:t> </a:t>
+            </a:r>
+            <a:r>
+              <a:rPr lang="en-US" b="1" dirty="0">
+                <a:latin typeface="Arial" panose="020B0604020202020204" pitchFamily="34" charset="0"/>
+                <a:cs typeface="Arial" panose="020B0604020202020204" pitchFamily="34" charset="0"/>
+              </a:rPr>
+              <a:t>IL </a:t>
             </a:r>
             <a:r>
               <a:rPr lang="en-US" dirty="0">
                 <a:latin typeface="Arial" panose="020B0604020202020204" pitchFamily="34" charset="0"/>
                 <a:cs typeface="Arial" panose="020B0604020202020204" pitchFamily="34" charset="0"/>
               </a:rPr>
-              <a:t>, </a:t>
+              <a:t>(</a:t>
+            </a:r>
+            <a:r>
+              <a:rPr lang="bg-BG" dirty="0">
+                <a:latin typeface="Arial" panose="020B0604020202020204" pitchFamily="34" charset="0"/>
+                <a:cs typeface="Arial" panose="020B0604020202020204" pitchFamily="34" charset="0"/>
+              </a:rPr>
+              <a:t>или междинен код/език</a:t>
+            </a:r>
+            <a:r>
+              <a:rPr lang="en-US" dirty="0">
+                <a:latin typeface="Arial" panose="020B0604020202020204" pitchFamily="34" charset="0"/>
+                <a:cs typeface="Arial" panose="020B0604020202020204" pitchFamily="34" charset="0"/>
+              </a:rPr>
+              <a:t>)</a:t>
+            </a:r>
+            <a:r>
+              <a:rPr lang="bg-BG" dirty="0">
+                <a:latin typeface="Arial" panose="020B0604020202020204" pitchFamily="34" charset="0"/>
+                <a:cs typeface="Arial" panose="020B0604020202020204" pitchFamily="34" charset="0"/>
+              </a:rPr>
+              <a:t>. След което </a:t>
             </a:r>
             <a:r>
               <a:rPr lang="en-US" b="1" dirty="0">
                 <a:latin typeface="Arial" panose="020B0604020202020204" pitchFamily="34" charset="0"/>
                 <a:cs typeface="Arial" panose="020B0604020202020204" pitchFamily="34" charset="0"/>
               </a:rPr>
-              <a:t>C++ </a:t>
+              <a:t>JIT </a:t>
+            </a:r>
+            <a:r>
+              <a:rPr lang="bg-BG" b="1" dirty="0">
+                <a:latin typeface="Arial" panose="020B0604020202020204" pitchFamily="34" charset="0"/>
+                <a:cs typeface="Arial" panose="020B0604020202020204" pitchFamily="34" charset="0"/>
+              </a:rPr>
+              <a:t>компилатора </a:t>
             </a:r>
             <a:r>
               <a:rPr lang="bg-BG" dirty="0">
                 <a:latin typeface="Arial" panose="020B0604020202020204" pitchFamily="34" charset="0"/>
                 <a:cs typeface="Arial" panose="020B0604020202020204" pitchFamily="34" charset="0"/>
               </a:rPr>
-              <a:t>и т.н.</a:t>
+              <a:t>(</a:t>
+            </a:r>
+            <a:r>
+              <a:rPr lang="en-US" dirty="0">
+                <a:latin typeface="Arial" panose="020B0604020202020204" pitchFamily="34" charset="0"/>
+                <a:cs typeface="Arial" panose="020B0604020202020204" pitchFamily="34" charset="0"/>
+              </a:rPr>
+              <a:t>Just-In-Time</a:t>
+            </a:r>
+            <a:r>
+              <a:rPr lang="bg-BG" dirty="0">
+                <a:latin typeface="Arial" panose="020B0604020202020204" pitchFamily="34" charset="0"/>
+                <a:cs typeface="Arial" panose="020B0604020202020204" pitchFamily="34" charset="0"/>
+              </a:rPr>
+              <a:t>)</a:t>
+            </a:r>
+            <a:r>
+              <a:rPr lang="en-US" dirty="0">
+                <a:latin typeface="Arial" panose="020B0604020202020204" pitchFamily="34" charset="0"/>
+                <a:cs typeface="Arial" panose="020B0604020202020204" pitchFamily="34" charset="0"/>
+              </a:rPr>
+              <a:t> </a:t>
+            </a:r>
+            <a:r>
+              <a:rPr lang="bg-BG" dirty="0">
+                <a:latin typeface="Arial" panose="020B0604020202020204" pitchFamily="34" charset="0"/>
+                <a:cs typeface="Arial" panose="020B0604020202020204" pitchFamily="34" charset="0"/>
+              </a:rPr>
+              <a:t>компилира нашият междинен код до машинен за съответната </a:t>
+            </a:r>
+            <a:r>
+              <a:rPr lang="bg-BG" dirty="0" err="1">
+                <a:latin typeface="Arial" panose="020B0604020202020204" pitchFamily="34" charset="0"/>
+                <a:cs typeface="Arial" panose="020B0604020202020204" pitchFamily="34" charset="0"/>
+              </a:rPr>
+              <a:t>процесорна</a:t>
+            </a:r>
+            <a:r>
+              <a:rPr lang="bg-BG" dirty="0">
+                <a:latin typeface="Arial" panose="020B0604020202020204" pitchFamily="34" charset="0"/>
+                <a:cs typeface="Arial" panose="020B0604020202020204" pitchFamily="34" charset="0"/>
+              </a:rPr>
+              <a:t> архитектура.</a:t>
             </a:r>
             <a:endParaRPr lang="en-US" dirty="0">
               <a:latin typeface="Arial" panose="020B0604020202020204" pitchFamily="34" charset="0"/>

--- a/C# Basics.pptx
+++ b/C# Basics.pptx
@@ -17349,7 +17349,304 @@
                 <a:latin typeface="Arial" panose="020B0604020202020204" pitchFamily="34" charset="0"/>
                 <a:cs typeface="Arial" panose="020B0604020202020204" pitchFamily="34" charset="0"/>
               </a:rPr>
-              <a:t>”;  </a:t>
+              <a:t>”; </a:t>
+            </a:r>
+            <a:r>
+              <a:rPr lang="en-US" sz="1800" dirty="0">
+                <a:solidFill>
+                  <a:schemeClr val="tx1"/>
+                </a:solidFill>
+                <a:latin typeface="Arial" panose="020B0604020202020204" pitchFamily="34" charset="0"/>
+                <a:cs typeface="Arial" panose="020B0604020202020204" pitchFamily="34" charset="0"/>
+              </a:rPr>
+              <a:t> //</a:t>
+            </a:r>
+            <a:r>
+              <a:rPr lang="bg-BG" sz="1800" dirty="0">
+                <a:solidFill>
+                  <a:srgbClr val="00B050"/>
+                </a:solidFill>
+                <a:latin typeface="Arial" panose="020B0604020202020204" pitchFamily="34" charset="0"/>
+                <a:cs typeface="Arial" panose="020B0604020202020204" pitchFamily="34" charset="0"/>
+              </a:rPr>
+              <a:t>Валидно </a:t>
+            </a:r>
+            <a:r>
+              <a:rPr lang="bg-BG" sz="1800" dirty="0">
+                <a:solidFill>
+                  <a:schemeClr val="tx1"/>
+                </a:solidFill>
+                <a:latin typeface="Arial" panose="020B0604020202020204" pitchFamily="34" charset="0"/>
+                <a:cs typeface="Arial" panose="020B0604020202020204" pitchFamily="34" charset="0"/>
+              </a:rPr>
+              <a:t>име на променлива</a:t>
+            </a:r>
+            <a:endParaRPr lang="en-US" sz="1800" dirty="0">
+              <a:solidFill>
+                <a:schemeClr val="tx1"/>
+              </a:solidFill>
+              <a:latin typeface="Arial" panose="020B0604020202020204" pitchFamily="34" charset="0"/>
+              <a:cs typeface="Arial" panose="020B0604020202020204" pitchFamily="34" charset="0"/>
+            </a:endParaRPr>
+          </a:p>
+          <a:p>
+            <a:pPr marL="457200" lvl="1" indent="0">
+              <a:buNone/>
+            </a:pPr>
+            <a:r>
+              <a:rPr lang="en-US" sz="1800" b="1" dirty="0">
+                <a:latin typeface="Arial" panose="020B0604020202020204" pitchFamily="34" charset="0"/>
+                <a:cs typeface="Arial" panose="020B0604020202020204" pitchFamily="34" charset="0"/>
+              </a:rPr>
+              <a:t>string</a:t>
+            </a:r>
+            <a:r>
+              <a:rPr lang="en-US" sz="1800" dirty="0">
+                <a:latin typeface="Arial" panose="020B0604020202020204" pitchFamily="34" charset="0"/>
+                <a:cs typeface="Arial" panose="020B0604020202020204" pitchFamily="34" charset="0"/>
+              </a:rPr>
+              <a:t> </a:t>
+            </a:r>
+            <a:r>
+              <a:rPr lang="en-US" sz="1800" dirty="0">
+                <a:solidFill>
+                  <a:srgbClr val="FF0000"/>
+                </a:solidFill>
+                <a:latin typeface="Arial" panose="020B0604020202020204" pitchFamily="34" charset="0"/>
+                <a:cs typeface="Arial" panose="020B0604020202020204" pitchFamily="34" charset="0"/>
+              </a:rPr>
+              <a:t>12Test</a:t>
+            </a:r>
+            <a:r>
+              <a:rPr lang="en-US" sz="1800" dirty="0">
+                <a:latin typeface="Arial" panose="020B0604020202020204" pitchFamily="34" charset="0"/>
+                <a:cs typeface="Arial" panose="020B0604020202020204" pitchFamily="34" charset="0"/>
+              </a:rPr>
+              <a:t> = “test”;  </a:t>
+            </a:r>
+            <a:r>
+              <a:rPr lang="en-US" dirty="0"/>
+              <a:t>//</a:t>
+            </a:r>
+            <a:r>
+              <a:rPr lang="bg-BG" sz="1800" dirty="0">
+                <a:solidFill>
+                  <a:srgbClr val="FF0000"/>
+                </a:solidFill>
+                <a:latin typeface="Arial" panose="020B0604020202020204" pitchFamily="34" charset="0"/>
+                <a:cs typeface="Arial" panose="020B0604020202020204" pitchFamily="34" charset="0"/>
+              </a:rPr>
+              <a:t>Невалидно</a:t>
+            </a:r>
+            <a:r>
+              <a:rPr lang="en-US" sz="1800" dirty="0">
+                <a:solidFill>
+                  <a:schemeClr val="tx1"/>
+                </a:solidFill>
+                <a:latin typeface="Arial" panose="020B0604020202020204" pitchFamily="34" charset="0"/>
+                <a:cs typeface="Arial" panose="020B0604020202020204" pitchFamily="34" charset="0"/>
+              </a:rPr>
+              <a:t>: </a:t>
+            </a:r>
+            <a:r>
+              <a:rPr lang="bg-BG" sz="1800" dirty="0">
+                <a:solidFill>
+                  <a:schemeClr val="tx1"/>
+                </a:solidFill>
+                <a:latin typeface="Arial" panose="020B0604020202020204" pitchFamily="34" charset="0"/>
+                <a:cs typeface="Arial" panose="020B0604020202020204" pitchFamily="34" charset="0"/>
+              </a:rPr>
+              <a:t>не може да стартира с число</a:t>
+            </a:r>
+            <a:endParaRPr lang="en-US" sz="1800" dirty="0">
+              <a:solidFill>
+                <a:schemeClr val="tx1"/>
+              </a:solidFill>
+              <a:latin typeface="Arial" panose="020B0604020202020204" pitchFamily="34" charset="0"/>
+              <a:cs typeface="Arial" panose="020B0604020202020204" pitchFamily="34" charset="0"/>
+            </a:endParaRPr>
+          </a:p>
+          <a:p>
+            <a:pPr marL="457200" lvl="1" indent="0">
+              <a:buNone/>
+            </a:pPr>
+            <a:r>
+              <a:rPr lang="en-US" sz="1800" b="1" dirty="0" err="1">
+                <a:latin typeface="Arial" panose="020B0604020202020204" pitchFamily="34" charset="0"/>
+                <a:cs typeface="Arial" panose="020B0604020202020204" pitchFamily="34" charset="0"/>
+              </a:rPr>
+              <a:t>int</a:t>
+            </a:r>
+            <a:r>
+              <a:rPr lang="en-US" sz="1800" dirty="0">
+                <a:latin typeface="Arial" panose="020B0604020202020204" pitchFamily="34" charset="0"/>
+                <a:cs typeface="Arial" panose="020B0604020202020204" pitchFamily="34" charset="0"/>
+              </a:rPr>
+              <a:t> </a:t>
+            </a:r>
+            <a:r>
+              <a:rPr lang="en-US" sz="1800" dirty="0">
+                <a:solidFill>
+                  <a:srgbClr val="FF0000"/>
+                </a:solidFill>
+                <a:latin typeface="Arial" panose="020B0604020202020204" pitchFamily="34" charset="0"/>
+                <a:cs typeface="Arial" panose="020B0604020202020204" pitchFamily="34" charset="0"/>
+              </a:rPr>
+              <a:t>my Number</a:t>
+            </a:r>
+            <a:r>
+              <a:rPr lang="en-US" sz="1800" dirty="0">
+                <a:latin typeface="Arial" panose="020B0604020202020204" pitchFamily="34" charset="0"/>
+                <a:cs typeface="Arial" panose="020B0604020202020204" pitchFamily="34" charset="0"/>
+              </a:rPr>
+              <a:t> = 2; </a:t>
+            </a:r>
+            <a:r>
+              <a:rPr lang="en-US" sz="1800" dirty="0">
+                <a:solidFill>
+                  <a:schemeClr val="tx1"/>
+                </a:solidFill>
+                <a:latin typeface="Arial" panose="020B0604020202020204" pitchFamily="34" charset="0"/>
+                <a:cs typeface="Arial" panose="020B0604020202020204" pitchFamily="34" charset="0"/>
+              </a:rPr>
+              <a:t>//</a:t>
+            </a:r>
+            <a:r>
+              <a:rPr lang="bg-BG" sz="1800" dirty="0">
+                <a:solidFill>
+                  <a:srgbClr val="FF0000"/>
+                </a:solidFill>
+                <a:latin typeface="Arial" panose="020B0604020202020204" pitchFamily="34" charset="0"/>
+                <a:cs typeface="Arial" panose="020B0604020202020204" pitchFamily="34" charset="0"/>
+              </a:rPr>
+              <a:t>Невалидно</a:t>
+            </a:r>
+            <a:r>
+              <a:rPr lang="en-US" sz="1800" dirty="0">
+                <a:solidFill>
+                  <a:schemeClr val="tx1"/>
+                </a:solidFill>
+                <a:latin typeface="Arial" panose="020B0604020202020204" pitchFamily="34" charset="0"/>
+                <a:cs typeface="Arial" panose="020B0604020202020204" pitchFamily="34" charset="0"/>
+              </a:rPr>
+              <a:t>: </a:t>
+            </a:r>
+            <a:r>
+              <a:rPr lang="bg-BG" sz="1800" dirty="0">
+                <a:solidFill>
+                  <a:schemeClr val="tx1"/>
+                </a:solidFill>
+                <a:latin typeface="Arial" panose="020B0604020202020204" pitchFamily="34" charset="0"/>
+                <a:cs typeface="Arial" panose="020B0604020202020204" pitchFamily="34" charset="0"/>
+              </a:rPr>
+              <a:t>не може да съдържа прано място</a:t>
+            </a:r>
+            <a:endParaRPr lang="en-US" sz="1800" dirty="0">
+              <a:solidFill>
+                <a:schemeClr val="tx1"/>
+              </a:solidFill>
+              <a:latin typeface="Arial" panose="020B0604020202020204" pitchFamily="34" charset="0"/>
+              <a:cs typeface="Arial" panose="020B0604020202020204" pitchFamily="34" charset="0"/>
+            </a:endParaRPr>
+          </a:p>
+          <a:p>
+            <a:pPr marL="457200" lvl="1" indent="0">
+              <a:buNone/>
+            </a:pPr>
+            <a:r>
+              <a:rPr lang="en-US" sz="1800" b="1" dirty="0">
+                <a:latin typeface="Arial" panose="020B0604020202020204" pitchFamily="34" charset="0"/>
+                <a:cs typeface="Arial" panose="020B0604020202020204" pitchFamily="34" charset="0"/>
+              </a:rPr>
+              <a:t>string</a:t>
+            </a:r>
+            <a:r>
+              <a:rPr lang="en-US" sz="1800" dirty="0">
+                <a:latin typeface="Arial" panose="020B0604020202020204" pitchFamily="34" charset="0"/>
+                <a:cs typeface="Arial" panose="020B0604020202020204" pitchFamily="34" charset="0"/>
+              </a:rPr>
+              <a:t> </a:t>
+            </a:r>
+            <a:r>
+              <a:rPr lang="en-US" sz="1800" dirty="0">
+                <a:solidFill>
+                  <a:srgbClr val="FFC000"/>
+                </a:solidFill>
+                <a:latin typeface="Arial" panose="020B0604020202020204" pitchFamily="34" charset="0"/>
+                <a:cs typeface="Arial" panose="020B0604020202020204" pitchFamily="34" charset="0"/>
+              </a:rPr>
+              <a:t>ln</a:t>
+            </a:r>
+            <a:r>
+              <a:rPr lang="en-US" sz="1800" dirty="0">
+                <a:latin typeface="Arial" panose="020B0604020202020204" pitchFamily="34" charset="0"/>
+                <a:cs typeface="Arial" panose="020B0604020202020204" pitchFamily="34" charset="0"/>
+              </a:rPr>
+              <a:t> = “</a:t>
+            </a:r>
+            <a:r>
+              <a:rPr lang="en-US" sz="1800" dirty="0" err="1">
+                <a:latin typeface="Arial" panose="020B0604020202020204" pitchFamily="34" charset="0"/>
+                <a:cs typeface="Arial" panose="020B0604020202020204" pitchFamily="34" charset="0"/>
+              </a:rPr>
+              <a:t>Gerasimov</a:t>
+            </a:r>
+            <a:r>
+              <a:rPr lang="en-US" sz="1800" dirty="0">
+                <a:latin typeface="Arial" panose="020B0604020202020204" pitchFamily="34" charset="0"/>
+                <a:cs typeface="Arial" panose="020B0604020202020204" pitchFamily="34" charset="0"/>
+              </a:rPr>
+              <a:t>”; //</a:t>
+            </a:r>
+            <a:r>
+              <a:rPr lang="bg-BG" sz="1800" dirty="0">
+                <a:solidFill>
+                  <a:srgbClr val="00B050"/>
+                </a:solidFill>
+                <a:latin typeface="Arial" panose="020B0604020202020204" pitchFamily="34" charset="0"/>
+                <a:cs typeface="Arial" panose="020B0604020202020204" pitchFamily="34" charset="0"/>
+              </a:rPr>
+              <a:t>Валидно</a:t>
+            </a:r>
+            <a:r>
+              <a:rPr lang="en-US" sz="1800" dirty="0">
+                <a:solidFill>
+                  <a:schemeClr val="tx1"/>
+                </a:solidFill>
+                <a:latin typeface="Arial" panose="020B0604020202020204" pitchFamily="34" charset="0"/>
+                <a:cs typeface="Arial" panose="020B0604020202020204" pitchFamily="34" charset="0"/>
+              </a:rPr>
+              <a:t>, </a:t>
+            </a:r>
+            <a:r>
+              <a:rPr lang="bg-BG" sz="1800" dirty="0">
+                <a:solidFill>
+                  <a:schemeClr val="tx1"/>
+                </a:solidFill>
+                <a:latin typeface="Arial" panose="020B0604020202020204" pitchFamily="34" charset="0"/>
+                <a:cs typeface="Arial" panose="020B0604020202020204" pitchFamily="34" charset="0"/>
+              </a:rPr>
+              <a:t>но</a:t>
+            </a:r>
+            <a:r>
+              <a:rPr lang="en-US" sz="1800" dirty="0">
+                <a:solidFill>
+                  <a:schemeClr val="tx1"/>
+                </a:solidFill>
+                <a:latin typeface="Arial" panose="020B0604020202020204" pitchFamily="34" charset="0"/>
+                <a:cs typeface="Arial" panose="020B0604020202020204" pitchFamily="34" charset="0"/>
+              </a:rPr>
+              <a:t> </a:t>
+            </a:r>
+            <a:r>
+              <a:rPr lang="bg-BG" sz="1800" dirty="0">
+                <a:solidFill>
+                  <a:srgbClr val="FF0000"/>
+                </a:solidFill>
+                <a:latin typeface="Arial" panose="020B0604020202020204" pitchFamily="34" charset="0"/>
+                <a:cs typeface="Arial" panose="020B0604020202020204" pitchFamily="34" charset="0"/>
+              </a:rPr>
+              <a:t>Не</a:t>
             </a:r>
             <a:r>
               <a:rPr lang="en-US" sz="1800" dirty="0">
@@ -17359,72 +17656,17 @@
                 <a:latin typeface="Arial" panose="020B0604020202020204" pitchFamily="34" charset="0"/>
                 <a:cs typeface="Arial" panose="020B0604020202020204" pitchFamily="34" charset="0"/>
               </a:rPr>
-              <a:t>//</a:t>
+              <a:t> </a:t>
             </a:r>
             <a:r>
               <a:rPr lang="bg-BG" sz="1800" dirty="0">
                 <a:solidFill>
-                  <a:schemeClr val="accent5">
-                    <a:lumMod val="50000"/>
-                  </a:schemeClr>
+                  <a:schemeClr val="tx1"/>
                 </a:solidFill>
                 <a:latin typeface="Arial" panose="020B0604020202020204" pitchFamily="34" charset="0"/>
                 <a:cs typeface="Arial" panose="020B0604020202020204" pitchFamily="34" charset="0"/>
               </a:rPr>
-              <a:t>Валидно</a:t>
-            </a:r>
-            <a:r>
-              <a:rPr lang="bg-BG" sz="1800" dirty="0">
-                <a:solidFill>
-                  <a:srgbClr val="00B050"/>
-                </a:solidFill>
-                <a:latin typeface="Arial" panose="020B0604020202020204" pitchFamily="34" charset="0"/>
-                <a:cs typeface="Arial" panose="020B0604020202020204" pitchFamily="34" charset="0"/>
-              </a:rPr>
-              <a:t> име на променлива</a:t>
-            </a:r>
-            <a:endParaRPr lang="en-US" sz="1800" dirty="0">
-              <a:solidFill>
-                <a:srgbClr val="00B050"/>
-              </a:solidFill>
-              <a:latin typeface="Arial" panose="020B0604020202020204" pitchFamily="34" charset="0"/>
-              <a:cs typeface="Arial" panose="020B0604020202020204" pitchFamily="34" charset="0"/>
-            </a:endParaRPr>
-          </a:p>
-          <a:p>
-            <a:pPr marL="457200" lvl="1" indent="0">
-              <a:buNone/>
-            </a:pPr>
-            <a:r>
-              <a:rPr lang="en-US" sz="1800" b="1" dirty="0">
-                <a:latin typeface="Arial" panose="020B0604020202020204" pitchFamily="34" charset="0"/>
-                <a:cs typeface="Arial" panose="020B0604020202020204" pitchFamily="34" charset="0"/>
-              </a:rPr>
-              <a:t>string</a:t>
-            </a:r>
-            <a:r>
-              <a:rPr lang="en-US" sz="1800" dirty="0">
-                <a:latin typeface="Arial" panose="020B0604020202020204" pitchFamily="34" charset="0"/>
-                <a:cs typeface="Arial" panose="020B0604020202020204" pitchFamily="34" charset="0"/>
-              </a:rPr>
-              <a:t> </a:t>
-            </a:r>
-            <a:r>
-              <a:rPr lang="en-US" sz="1800" dirty="0">
-                <a:solidFill>
-                  <a:srgbClr val="FF0000"/>
-                </a:solidFill>
-                <a:latin typeface="Arial" panose="020B0604020202020204" pitchFamily="34" charset="0"/>
-                <a:cs typeface="Arial" panose="020B0604020202020204" pitchFamily="34" charset="0"/>
-              </a:rPr>
-              <a:t>12Test</a:t>
-            </a:r>
-            <a:r>
-              <a:rPr lang="en-US" sz="1800" dirty="0">
-                <a:latin typeface="Arial" panose="020B0604020202020204" pitchFamily="34" charset="0"/>
-                <a:cs typeface="Arial" panose="020B0604020202020204" pitchFamily="34" charset="0"/>
-              </a:rPr>
-              <a:t> = “test”;  </a:t>
+              <a:t>препоръчително</a:t>
             </a:r>
             <a:r>
               <a:rPr lang="en-US" sz="1800" dirty="0">
@@ -17434,264 +17676,12 @@
                 <a:latin typeface="Arial" panose="020B0604020202020204" pitchFamily="34" charset="0"/>
                 <a:cs typeface="Arial" panose="020B0604020202020204" pitchFamily="34" charset="0"/>
               </a:rPr>
-              <a:t>//</a:t>
+              <a:t>! </a:t>
             </a:r>
             <a:r>
               <a:rPr lang="bg-BG" sz="1800" dirty="0">
                 <a:solidFill>
-                  <a:srgbClr val="FF0000"/>
-                </a:solidFill>
-                <a:latin typeface="Arial" panose="020B0604020202020204" pitchFamily="34" charset="0"/>
-                <a:cs typeface="Arial" panose="020B0604020202020204" pitchFamily="34" charset="0"/>
-              </a:rPr>
-              <a:t>Невалидно</a:t>
-            </a:r>
-            <a:r>
-              <a:rPr lang="en-US" sz="1800" dirty="0">
-                <a:solidFill>
-                  <a:srgbClr val="00B050"/>
-                </a:solidFill>
-                <a:latin typeface="Arial" panose="020B0604020202020204" pitchFamily="34" charset="0"/>
-                <a:cs typeface="Arial" panose="020B0604020202020204" pitchFamily="34" charset="0"/>
-              </a:rPr>
-              <a:t>: </a:t>
-            </a:r>
-            <a:r>
-              <a:rPr lang="bg-BG" sz="1800" dirty="0">
-                <a:solidFill>
-                  <a:srgbClr val="00B050"/>
-                </a:solidFill>
-                <a:latin typeface="Arial" panose="020B0604020202020204" pitchFamily="34" charset="0"/>
-                <a:cs typeface="Arial" panose="020B0604020202020204" pitchFamily="34" charset="0"/>
-              </a:rPr>
-              <a:t>не може да стартира с число</a:t>
-            </a:r>
-            <a:endParaRPr lang="en-US" sz="1800" dirty="0">
-              <a:solidFill>
-                <a:srgbClr val="00B050"/>
-              </a:solidFill>
-              <a:latin typeface="Arial" panose="020B0604020202020204" pitchFamily="34" charset="0"/>
-              <a:cs typeface="Arial" panose="020B0604020202020204" pitchFamily="34" charset="0"/>
-            </a:endParaRPr>
-          </a:p>
-          <a:p>
-            <a:pPr marL="457200" lvl="1" indent="0">
-              <a:buNone/>
-            </a:pPr>
-            <a:r>
-              <a:rPr lang="en-US" sz="1800" b="1" dirty="0" err="1">
-                <a:latin typeface="Arial" panose="020B0604020202020204" pitchFamily="34" charset="0"/>
-                <a:cs typeface="Arial" panose="020B0604020202020204" pitchFamily="34" charset="0"/>
-              </a:rPr>
-              <a:t>int</a:t>
-            </a:r>
-            <a:r>
-              <a:rPr lang="en-US" sz="1800" dirty="0">
-                <a:latin typeface="Arial" panose="020B0604020202020204" pitchFamily="34" charset="0"/>
-                <a:cs typeface="Arial" panose="020B0604020202020204" pitchFamily="34" charset="0"/>
-              </a:rPr>
-              <a:t> </a:t>
-            </a:r>
-            <a:r>
-              <a:rPr lang="en-US" sz="1800" dirty="0">
-                <a:solidFill>
-                  <a:srgbClr val="FF0000"/>
-                </a:solidFill>
-                <a:latin typeface="Arial" panose="020B0604020202020204" pitchFamily="34" charset="0"/>
-                <a:cs typeface="Arial" panose="020B0604020202020204" pitchFamily="34" charset="0"/>
-              </a:rPr>
-              <a:t>my Number</a:t>
-            </a:r>
-            <a:r>
-              <a:rPr lang="en-US" sz="1800" dirty="0">
-                <a:latin typeface="Arial" panose="020B0604020202020204" pitchFamily="34" charset="0"/>
-                <a:cs typeface="Arial" panose="020B0604020202020204" pitchFamily="34" charset="0"/>
-              </a:rPr>
-              <a:t> = 2; </a:t>
-            </a:r>
-            <a:r>
-              <a:rPr lang="en-US" sz="1800" dirty="0">
-                <a:solidFill>
-                  <a:srgbClr val="00B050"/>
-                </a:solidFill>
-                <a:latin typeface="Arial" panose="020B0604020202020204" pitchFamily="34" charset="0"/>
-                <a:cs typeface="Arial" panose="020B0604020202020204" pitchFamily="34" charset="0"/>
-              </a:rPr>
-              <a:t>//</a:t>
-            </a:r>
-            <a:r>
-              <a:rPr lang="bg-BG" sz="1800" dirty="0">
-                <a:solidFill>
-                  <a:srgbClr val="FF0000"/>
-                </a:solidFill>
-                <a:latin typeface="Arial" panose="020B0604020202020204" pitchFamily="34" charset="0"/>
-                <a:cs typeface="Arial" panose="020B0604020202020204" pitchFamily="34" charset="0"/>
-              </a:rPr>
-              <a:t>Невалидно</a:t>
-            </a:r>
-            <a:r>
-              <a:rPr lang="en-US" sz="1800" dirty="0">
-                <a:solidFill>
-                  <a:srgbClr val="00B050"/>
-                </a:solidFill>
-                <a:latin typeface="Arial" panose="020B0604020202020204" pitchFamily="34" charset="0"/>
-                <a:cs typeface="Arial" panose="020B0604020202020204" pitchFamily="34" charset="0"/>
-              </a:rPr>
-              <a:t>: </a:t>
-            </a:r>
-            <a:r>
-              <a:rPr lang="bg-BG" sz="1800" dirty="0">
-                <a:solidFill>
-                  <a:srgbClr val="00B050"/>
-                </a:solidFill>
-                <a:latin typeface="Arial" panose="020B0604020202020204" pitchFamily="34" charset="0"/>
-                <a:cs typeface="Arial" panose="020B0604020202020204" pitchFamily="34" charset="0"/>
-              </a:rPr>
-              <a:t>не може да съдържа прано място</a:t>
-            </a:r>
-            <a:endParaRPr lang="en-US" sz="1800" dirty="0">
-              <a:solidFill>
-                <a:srgbClr val="00B050"/>
-              </a:solidFill>
-              <a:latin typeface="Arial" panose="020B0604020202020204" pitchFamily="34" charset="0"/>
-              <a:cs typeface="Arial" panose="020B0604020202020204" pitchFamily="34" charset="0"/>
-            </a:endParaRPr>
-          </a:p>
-          <a:p>
-            <a:pPr marL="457200" lvl="1" indent="0">
-              <a:buNone/>
-            </a:pPr>
-            <a:r>
-              <a:rPr lang="en-US" sz="1800" b="1" dirty="0">
-                <a:latin typeface="Arial" panose="020B0604020202020204" pitchFamily="34" charset="0"/>
-                <a:cs typeface="Arial" panose="020B0604020202020204" pitchFamily="34" charset="0"/>
-              </a:rPr>
-              <a:t>string</a:t>
-            </a:r>
-            <a:r>
-              <a:rPr lang="en-US" sz="1800" dirty="0">
-                <a:latin typeface="Arial" panose="020B0604020202020204" pitchFamily="34" charset="0"/>
-                <a:cs typeface="Arial" panose="020B0604020202020204" pitchFamily="34" charset="0"/>
-              </a:rPr>
-              <a:t> </a:t>
-            </a:r>
-            <a:r>
-              <a:rPr lang="en-US" sz="1800" dirty="0">
-                <a:solidFill>
-                  <a:srgbClr val="FFC000"/>
-                </a:solidFill>
-                <a:latin typeface="Arial" panose="020B0604020202020204" pitchFamily="34" charset="0"/>
-                <a:cs typeface="Arial" panose="020B0604020202020204" pitchFamily="34" charset="0"/>
-              </a:rPr>
-              <a:t>ln</a:t>
-            </a:r>
-            <a:r>
-              <a:rPr lang="en-US" sz="1800" dirty="0">
-                <a:latin typeface="Arial" panose="020B0604020202020204" pitchFamily="34" charset="0"/>
-                <a:cs typeface="Arial" panose="020B0604020202020204" pitchFamily="34" charset="0"/>
-              </a:rPr>
-              <a:t> = “</a:t>
-            </a:r>
-            <a:r>
-              <a:rPr lang="en-US" sz="1800" dirty="0" err="1">
-                <a:latin typeface="Arial" panose="020B0604020202020204" pitchFamily="34" charset="0"/>
-                <a:cs typeface="Arial" panose="020B0604020202020204" pitchFamily="34" charset="0"/>
-              </a:rPr>
-              <a:t>Gerasimov</a:t>
-            </a:r>
-            <a:r>
-              <a:rPr lang="en-US" sz="1800" dirty="0">
-                <a:latin typeface="Arial" panose="020B0604020202020204" pitchFamily="34" charset="0"/>
-                <a:cs typeface="Arial" panose="020B0604020202020204" pitchFamily="34" charset="0"/>
-              </a:rPr>
-              <a:t>”; //</a:t>
-            </a:r>
-            <a:r>
-              <a:rPr lang="bg-BG" sz="1800" dirty="0">
-                <a:solidFill>
-                  <a:schemeClr val="accent5">
-                    <a:lumMod val="50000"/>
-                  </a:schemeClr>
-                </a:solidFill>
-                <a:latin typeface="Arial" panose="020B0604020202020204" pitchFamily="34" charset="0"/>
-                <a:cs typeface="Arial" panose="020B0604020202020204" pitchFamily="34" charset="0"/>
-              </a:rPr>
-              <a:t>Валидно</a:t>
-            </a:r>
-            <a:r>
-              <a:rPr lang="en-US" sz="1800" dirty="0">
-                <a:solidFill>
-                  <a:srgbClr val="00B050"/>
-                </a:solidFill>
-                <a:latin typeface="Arial" panose="020B0604020202020204" pitchFamily="34" charset="0"/>
-                <a:cs typeface="Arial" panose="020B0604020202020204" pitchFamily="34" charset="0"/>
-              </a:rPr>
-              <a:t>, </a:t>
-            </a:r>
-            <a:r>
-              <a:rPr lang="bg-BG" sz="1800" dirty="0">
-                <a:solidFill>
-                  <a:srgbClr val="00B050"/>
-                </a:solidFill>
-                <a:latin typeface="Arial" panose="020B0604020202020204" pitchFamily="34" charset="0"/>
-                <a:cs typeface="Arial" panose="020B0604020202020204" pitchFamily="34" charset="0"/>
-              </a:rPr>
-              <a:t>но</a:t>
-            </a:r>
-            <a:r>
-              <a:rPr lang="en-US" sz="1800" dirty="0">
-                <a:solidFill>
-                  <a:srgbClr val="00B050"/>
-                </a:solidFill>
-                <a:latin typeface="Arial" panose="020B0604020202020204" pitchFamily="34" charset="0"/>
-                <a:cs typeface="Arial" panose="020B0604020202020204" pitchFamily="34" charset="0"/>
-              </a:rPr>
-              <a:t> </a:t>
-            </a:r>
-            <a:r>
-              <a:rPr lang="bg-BG" sz="1800" dirty="0">
-                <a:solidFill>
-                  <a:srgbClr val="FF0000"/>
-                </a:solidFill>
-                <a:latin typeface="Arial" panose="020B0604020202020204" pitchFamily="34" charset="0"/>
-                <a:cs typeface="Arial" panose="020B0604020202020204" pitchFamily="34" charset="0"/>
-              </a:rPr>
-              <a:t>Не</a:t>
-            </a:r>
-            <a:r>
-              <a:rPr lang="en-US" sz="1800" dirty="0">
-                <a:solidFill>
-                  <a:srgbClr val="00B050"/>
-                </a:solidFill>
-                <a:latin typeface="Arial" panose="020B0604020202020204" pitchFamily="34" charset="0"/>
-                <a:cs typeface="Arial" panose="020B0604020202020204" pitchFamily="34" charset="0"/>
-              </a:rPr>
-              <a:t> </a:t>
-            </a:r>
-            <a:r>
-              <a:rPr lang="bg-BG" sz="1800" dirty="0">
-                <a:solidFill>
-                  <a:srgbClr val="00B050"/>
-                </a:solidFill>
-                <a:latin typeface="Arial" panose="020B0604020202020204" pitchFamily="34" charset="0"/>
-                <a:cs typeface="Arial" panose="020B0604020202020204" pitchFamily="34" charset="0"/>
-              </a:rPr>
-              <a:t>препоръчително</a:t>
-            </a:r>
-            <a:r>
-              <a:rPr lang="en-US" sz="1800" dirty="0">
-                <a:solidFill>
-                  <a:srgbClr val="00B050"/>
-                </a:solidFill>
-                <a:latin typeface="Arial" panose="020B0604020202020204" pitchFamily="34" charset="0"/>
-                <a:cs typeface="Arial" panose="020B0604020202020204" pitchFamily="34" charset="0"/>
-              </a:rPr>
-              <a:t>! </a:t>
-            </a:r>
-            <a:r>
-              <a:rPr lang="bg-BG" sz="1800" dirty="0">
-                <a:solidFill>
-                  <a:srgbClr val="00B050"/>
+                  <a:schemeClr val="tx1"/>
                 </a:solidFill>
                 <a:latin typeface="Arial" panose="020B0604020202020204" pitchFamily="34" charset="0"/>
                 <a:cs typeface="Arial" panose="020B0604020202020204" pitchFamily="34" charset="0"/>
@@ -17713,7 +17703,7 @@
             <a:r>
               <a:rPr lang="bg-BG" sz="1800" dirty="0">
                 <a:solidFill>
-                  <a:srgbClr val="00B050"/>
+                  <a:schemeClr val="tx1"/>
                 </a:solidFill>
                 <a:latin typeface="Arial" panose="020B0604020202020204" pitchFamily="34" charset="0"/>
                 <a:cs typeface="Arial" panose="020B0604020202020204" pitchFamily="34" charset="0"/>
@@ -18355,7 +18345,7 @@
         </p:blipFill>
         <p:spPr>
           <a:xfrm>
-            <a:off x="657848" y="3505610"/>
+            <a:off x="623634" y="3429000"/>
             <a:ext cx="5472366" cy="1115840"/>
           </a:xfrm>
         </p:spPr>
@@ -18385,9 +18375,33 @@
             <a:off x="6555064" y="3049436"/>
             <a:ext cx="5030445" cy="3144028"/>
           </a:xfrm>
-          <a:prstGeom prst="rect">
-            <a:avLst/>
+          <a:prstGeom prst="roundRect">
+            <a:avLst>
+              <a:gd name="adj" fmla="val 16667"/>
+            </a:avLst>
           </a:prstGeom>
+          <a:ln>
+            <a:noFill/>
+          </a:ln>
+          <a:effectLst>
+            <a:outerShdw blurRad="152400" dist="12000" dir="900000" sy="98000" kx="110000" ky="200000" algn="tl" rotWithShape="0">
+              <a:srgbClr val="000000">
+                <a:alpha val="30000"/>
+              </a:srgbClr>
+            </a:outerShdw>
+          </a:effectLst>
+          <a:scene3d>
+            <a:camera prst="perspectiveRelaxed">
+              <a:rot lat="19800000" lon="1200000" rev="20820000"/>
+            </a:camera>
+            <a:lightRig rig="threePt" dir="t"/>
+          </a:scene3d>
+          <a:sp3d contourW="6350" prstMaterial="matte">
+            <a:bevelT w="101600" h="101600"/>
+            <a:contourClr>
+              <a:srgbClr val="969696"/>
+            </a:contourClr>
+          </a:sp3d>
         </p:spPr>
       </p:pic>
     </p:spTree>
@@ -21986,7 +22000,21 @@
                 <a:latin typeface="Arial" panose="020B0604020202020204" pitchFamily="34" charset="0"/>
                 <a:cs typeface="Arial" panose="020B0604020202020204" pitchFamily="34" charset="0"/>
               </a:rPr>
-              <a:t> are </a:t>
+              <a:t> </a:t>
+            </a:r>
+            <a:r>
+              <a:rPr lang="bg-BG" sz="2000" dirty="0">
+                <a:latin typeface="Arial" panose="020B0604020202020204" pitchFamily="34" charset="0"/>
+                <a:cs typeface="Arial" panose="020B0604020202020204" pitchFamily="34" charset="0"/>
+              </a:rPr>
+              <a:t>са</a:t>
+            </a:r>
+            <a:r>
+              <a:rPr lang="en-US" sz="2000" dirty="0">
+                <a:latin typeface="Arial" panose="020B0604020202020204" pitchFamily="34" charset="0"/>
+                <a:cs typeface="Arial" panose="020B0604020202020204" pitchFamily="34" charset="0"/>
+              </a:rPr>
+              <a:t> </a:t>
             </a:r>
             <a:r>
               <a:rPr lang="en-US" sz="2000" b="1" dirty="0" err="1">
@@ -22000,7 +22028,21 @@
                 <a:latin typeface="Arial" panose="020B0604020202020204" pitchFamily="34" charset="0"/>
                 <a:cs typeface="Arial" panose="020B0604020202020204" pitchFamily="34" charset="0"/>
               </a:rPr>
-              <a:t> and </a:t>
+              <a:t> </a:t>
+            </a:r>
+            <a:r>
+              <a:rPr lang="bg-BG" sz="2000" dirty="0">
+                <a:latin typeface="Arial" panose="020B0604020202020204" pitchFamily="34" charset="0"/>
+                <a:cs typeface="Arial" panose="020B0604020202020204" pitchFamily="34" charset="0"/>
+              </a:rPr>
+              <a:t>и</a:t>
+            </a:r>
+            <a:r>
+              <a:rPr lang="en-US" sz="2000" dirty="0">
+                <a:latin typeface="Arial" panose="020B0604020202020204" pitchFamily="34" charset="0"/>
+                <a:cs typeface="Arial" panose="020B0604020202020204" pitchFamily="34" charset="0"/>
+              </a:rPr>
+              <a:t> </a:t>
             </a:r>
             <a:r>
               <a:rPr lang="en-US" sz="2000" b="1" dirty="0" err="1">

--- a/C# Basics.pptx
+++ b/C# Basics.pptx
@@ -5,7 +5,7 @@
     <p:sldMasterId id="2147483707" r:id="rId1"/>
   </p:sldMasterIdLst>
   <p:notesMasterIdLst>
-    <p:notesMasterId r:id="rId50"/>
+    <p:notesMasterId r:id="rId53"/>
   </p:notesMasterIdLst>
   <p:sldIdLst>
     <p:sldId id="256" r:id="rId2"/>
@@ -47,15 +47,18 @@
     <p:sldId id="309" r:id="rId38"/>
     <p:sldId id="310" r:id="rId39"/>
     <p:sldId id="270" r:id="rId40"/>
-    <p:sldId id="271" r:id="rId41"/>
-    <p:sldId id="272" r:id="rId42"/>
-    <p:sldId id="273" r:id="rId43"/>
-    <p:sldId id="276" r:id="rId44"/>
-    <p:sldId id="277" r:id="rId45"/>
-    <p:sldId id="274" r:id="rId46"/>
-    <p:sldId id="275" r:id="rId47"/>
-    <p:sldId id="282" r:id="rId48"/>
-    <p:sldId id="294" r:id="rId49"/>
+    <p:sldId id="311" r:id="rId41"/>
+    <p:sldId id="271" r:id="rId42"/>
+    <p:sldId id="312" r:id="rId43"/>
+    <p:sldId id="313" r:id="rId44"/>
+    <p:sldId id="272" r:id="rId45"/>
+    <p:sldId id="273" r:id="rId46"/>
+    <p:sldId id="276" r:id="rId47"/>
+    <p:sldId id="277" r:id="rId48"/>
+    <p:sldId id="275" r:id="rId49"/>
+    <p:sldId id="274" r:id="rId50"/>
+    <p:sldId id="282" r:id="rId51"/>
+    <p:sldId id="294" r:id="rId52"/>
   </p:sldIdLst>
   <p:sldSz cx="12192000" cy="6858000"/>
   <p:notesSz cx="6858000" cy="9144000"/>
@@ -244,7 +247,7 @@
           <a:p>
             <a:fld id="{068E3771-71AF-4AE2-9E86-BE935DBF2B0E}" type="datetimeFigureOut">
               <a:rPr lang="en-US" smtClean="0"/>
-              <a:t>10/24/2022</a:t>
+              <a:t>10/30/2022</a:t>
             </a:fld>
             <a:endParaRPr lang="en-US"/>
           </a:p>
@@ -846,7 +849,7 @@
           <a:p>
             <a:fld id="{C0A3DACC-474D-44ED-8DF0-6B6BA2CE3243}" type="datetimeFigureOut">
               <a:rPr lang="en-US" smtClean="0"/>
-              <a:t>10/24/2022</a:t>
+              <a:t>10/30/2022</a:t>
             </a:fld>
             <a:endParaRPr lang="en-US"/>
           </a:p>
@@ -1934,7 +1937,7 @@
           <a:p>
             <a:fld id="{C0A3DACC-474D-44ED-8DF0-6B6BA2CE3243}" type="datetimeFigureOut">
               <a:rPr lang="en-US" smtClean="0"/>
-              <a:t>10/24/2022</a:t>
+              <a:t>10/30/2022</a:t>
             </a:fld>
             <a:endParaRPr lang="en-US"/>
           </a:p>
@@ -2914,7 +2917,7 @@
           <a:p>
             <a:fld id="{C0A3DACC-474D-44ED-8DF0-6B6BA2CE3243}" type="datetimeFigureOut">
               <a:rPr lang="en-US" smtClean="0"/>
-              <a:t>10/24/2022</a:t>
+              <a:t>10/30/2022</a:t>
             </a:fld>
             <a:endParaRPr lang="en-US"/>
           </a:p>
@@ -4048,7 +4051,7 @@
           <a:p>
             <a:fld id="{C0A3DACC-474D-44ED-8DF0-6B6BA2CE3243}" type="datetimeFigureOut">
               <a:rPr lang="en-US" smtClean="0"/>
-              <a:t>10/24/2022</a:t>
+              <a:t>10/30/2022</a:t>
             </a:fld>
             <a:endParaRPr lang="en-US"/>
           </a:p>
@@ -5081,7 +5084,7 @@
           <a:p>
             <a:fld id="{C0A3DACC-474D-44ED-8DF0-6B6BA2CE3243}" type="datetimeFigureOut">
               <a:rPr lang="en-US" smtClean="0"/>
-              <a:t>10/24/2022</a:t>
+              <a:t>10/30/2022</a:t>
             </a:fld>
             <a:endParaRPr lang="en-US"/>
           </a:p>
@@ -5741,7 +5744,7 @@
           <a:p>
             <a:fld id="{C0A3DACC-474D-44ED-8DF0-6B6BA2CE3243}" type="datetimeFigureOut">
               <a:rPr lang="en-US" smtClean="0"/>
-              <a:t>10/24/2022</a:t>
+              <a:t>10/30/2022</a:t>
             </a:fld>
             <a:endParaRPr lang="en-US"/>
           </a:p>
@@ -6602,7 +6605,7 @@
           <a:p>
             <a:fld id="{C0A3DACC-474D-44ED-8DF0-6B6BA2CE3243}" type="datetimeFigureOut">
               <a:rPr lang="en-US" smtClean="0"/>
-              <a:t>10/24/2022</a:t>
+              <a:t>10/30/2022</a:t>
             </a:fld>
             <a:endParaRPr lang="en-US"/>
           </a:p>
@@ -6792,7 +6795,7 @@
           <a:p>
             <a:fld id="{C0A3DACC-474D-44ED-8DF0-6B6BA2CE3243}" type="datetimeFigureOut">
               <a:rPr lang="en-US" smtClean="0"/>
-              <a:t>10/24/2022</a:t>
+              <a:t>10/30/2022</a:t>
             </a:fld>
             <a:endParaRPr lang="en-US"/>
           </a:p>
@@ -7764,7 +7767,7 @@
           <a:p>
             <a:fld id="{C0A3DACC-474D-44ED-8DF0-6B6BA2CE3243}" type="datetimeFigureOut">
               <a:rPr lang="en-US" smtClean="0"/>
-              <a:t>10/24/2022</a:t>
+              <a:t>10/30/2022</a:t>
             </a:fld>
             <a:endParaRPr lang="en-US"/>
           </a:p>
@@ -7975,7 +7978,7 @@
           <a:p>
             <a:fld id="{C0A3DACC-474D-44ED-8DF0-6B6BA2CE3243}" type="datetimeFigureOut">
               <a:rPr lang="en-US" smtClean="0"/>
-              <a:t>10/24/2022</a:t>
+              <a:t>10/30/2022</a:t>
             </a:fld>
             <a:endParaRPr lang="en-US"/>
           </a:p>
@@ -9009,7 +9012,7 @@
           <a:p>
             <a:fld id="{C0A3DACC-474D-44ED-8DF0-6B6BA2CE3243}" type="datetimeFigureOut">
               <a:rPr lang="en-US" smtClean="0"/>
-              <a:t>10/24/2022</a:t>
+              <a:t>10/30/2022</a:t>
             </a:fld>
             <a:endParaRPr lang="en-US"/>
           </a:p>
@@ -9281,7 +9284,7 @@
           <a:p>
             <a:fld id="{C0A3DACC-474D-44ED-8DF0-6B6BA2CE3243}" type="datetimeFigureOut">
               <a:rPr lang="en-US" smtClean="0"/>
-              <a:t>10/24/2022</a:t>
+              <a:t>10/30/2022</a:t>
             </a:fld>
             <a:endParaRPr lang="en-US"/>
           </a:p>
@@ -9691,7 +9694,7 @@
           <a:p>
             <a:fld id="{C0A3DACC-474D-44ED-8DF0-6B6BA2CE3243}" type="datetimeFigureOut">
               <a:rPr lang="en-US" smtClean="0"/>
-              <a:t>10/24/2022</a:t>
+              <a:t>10/30/2022</a:t>
             </a:fld>
             <a:endParaRPr lang="en-US"/>
           </a:p>
@@ -9818,7 +9821,7 @@
           <a:p>
             <a:fld id="{C0A3DACC-474D-44ED-8DF0-6B6BA2CE3243}" type="datetimeFigureOut">
               <a:rPr lang="en-US" smtClean="0"/>
-              <a:t>10/24/2022</a:t>
+              <a:t>10/30/2022</a:t>
             </a:fld>
             <a:endParaRPr lang="en-US"/>
           </a:p>
@@ -9913,7 +9916,7 @@
           <a:p>
             <a:fld id="{C0A3DACC-474D-44ED-8DF0-6B6BA2CE3243}" type="datetimeFigureOut">
               <a:rPr lang="en-US" smtClean="0"/>
-              <a:t>10/24/2022</a:t>
+              <a:t>10/30/2022</a:t>
             </a:fld>
             <a:endParaRPr lang="en-US"/>
           </a:p>
@@ -10994,7 +10997,7 @@
           <a:p>
             <a:fld id="{C0A3DACC-474D-44ED-8DF0-6B6BA2CE3243}" type="datetimeFigureOut">
               <a:rPr lang="en-US" smtClean="0"/>
-              <a:t>10/24/2022</a:t>
+              <a:t>10/30/2022</a:t>
             </a:fld>
             <a:endParaRPr lang="en-US"/>
           </a:p>
@@ -12102,7 +12105,7 @@
           <a:p>
             <a:fld id="{C0A3DACC-474D-44ED-8DF0-6B6BA2CE3243}" type="datetimeFigureOut">
               <a:rPr lang="en-US" smtClean="0"/>
-              <a:t>10/24/2022</a:t>
+              <a:t>10/30/2022</a:t>
             </a:fld>
             <a:endParaRPr lang="en-US"/>
           </a:p>
@@ -13099,7 +13102,7 @@
           <a:p>
             <a:fld id="{C0A3DACC-474D-44ED-8DF0-6B6BA2CE3243}" type="datetimeFigureOut">
               <a:rPr lang="en-US" smtClean="0"/>
-              <a:t>10/24/2022</a:t>
+              <a:t>10/30/2022</a:t>
             </a:fld>
             <a:endParaRPr lang="en-US"/>
           </a:p>
@@ -23229,6 +23232,222 @@
       </p:grpSpPr>
       <p:sp>
         <p:nvSpPr>
+          <p:cNvPr id="2" name="Title 1">
+            <a:extLst>
+              <a:ext uri="{FF2B5EF4-FFF2-40B4-BE49-F238E27FC236}">
+                <a16:creationId xmlns:a16="http://schemas.microsoft.com/office/drawing/2014/main" id="{59828D25-3334-3223-5E4A-AD5598C026AB}"/>
+              </a:ext>
+            </a:extLst>
+          </p:cNvPr>
+          <p:cNvSpPr>
+            <a:spLocks noGrp="1"/>
+          </p:cNvSpPr>
+          <p:nvPr>
+            <p:ph type="title"/>
+          </p:nvPr>
+        </p:nvSpPr>
+        <p:spPr/>
+        <p:txBody>
+          <a:bodyPr/>
+          <a:lstStyle/>
+          <a:p>
+            <a:pPr algn="ctr"/>
+            <a:r>
+              <a:rPr lang="bg-BG" dirty="0">
+                <a:solidFill>
+                  <a:srgbClr val="FFFF00"/>
+                </a:solidFill>
+                <a:latin typeface="Arial" panose="020B0604020202020204" pitchFamily="34" charset="0"/>
+                <a:cs typeface="Arial" panose="020B0604020202020204" pitchFamily="34" charset="0"/>
+              </a:rPr>
+              <a:t>Обхват</a:t>
+            </a:r>
+            <a:r>
+              <a:rPr lang="bg-BG" dirty="0">
+                <a:latin typeface="Arial" panose="020B0604020202020204" pitchFamily="34" charset="0"/>
+                <a:cs typeface="Arial" panose="020B0604020202020204" pitchFamily="34" charset="0"/>
+              </a:rPr>
+              <a:t> (</a:t>
+            </a:r>
+            <a:r>
+              <a:rPr lang="en-US" dirty="0">
+                <a:solidFill>
+                  <a:srgbClr val="FFFF00"/>
+                </a:solidFill>
+                <a:latin typeface="Arial" panose="020B0604020202020204" pitchFamily="34" charset="0"/>
+                <a:cs typeface="Arial" panose="020B0604020202020204" pitchFamily="34" charset="0"/>
+              </a:rPr>
+              <a:t>scope</a:t>
+            </a:r>
+            <a:r>
+              <a:rPr lang="bg-BG" dirty="0">
+                <a:latin typeface="Arial" panose="020B0604020202020204" pitchFamily="34" charset="0"/>
+                <a:cs typeface="Arial" panose="020B0604020202020204" pitchFamily="34" charset="0"/>
+              </a:rPr>
+              <a:t>)</a:t>
+            </a:r>
+            <a:r>
+              <a:rPr lang="en-US" dirty="0">
+                <a:latin typeface="Arial" panose="020B0604020202020204" pitchFamily="34" charset="0"/>
+                <a:cs typeface="Arial" panose="020B0604020202020204" pitchFamily="34" charset="0"/>
+              </a:rPr>
+              <a:t> </a:t>
+            </a:r>
+            <a:r>
+              <a:rPr lang="bg-BG" dirty="0">
+                <a:latin typeface="Arial" panose="020B0604020202020204" pitchFamily="34" charset="0"/>
+                <a:cs typeface="Arial" panose="020B0604020202020204" pitchFamily="34" charset="0"/>
+              </a:rPr>
+              <a:t>на променливите</a:t>
+            </a:r>
+          </a:p>
+        </p:txBody>
+      </p:sp>
+      <p:sp>
+        <p:nvSpPr>
+          <p:cNvPr id="3" name="Content Placeholder 2">
+            <a:extLst>
+              <a:ext uri="{FF2B5EF4-FFF2-40B4-BE49-F238E27FC236}">
+                <a16:creationId xmlns:a16="http://schemas.microsoft.com/office/drawing/2014/main" id="{09EE773B-8997-ECE8-E97D-26A9B5DD5125}"/>
+              </a:ext>
+            </a:extLst>
+          </p:cNvPr>
+          <p:cNvSpPr>
+            <a:spLocks noGrp="1"/>
+          </p:cNvSpPr>
+          <p:nvPr>
+            <p:ph idx="1"/>
+          </p:nvPr>
+        </p:nvSpPr>
+        <p:spPr/>
+        <p:txBody>
+          <a:bodyPr>
+            <a:normAutofit/>
+          </a:bodyPr>
+          <a:lstStyle/>
+          <a:p>
+            <a:r>
+              <a:rPr lang="en-US" sz="2000" b="1" dirty="0">
+                <a:latin typeface="Arial" panose="020B0604020202020204" pitchFamily="34" charset="0"/>
+                <a:cs typeface="Arial" panose="020B0604020202020204" pitchFamily="34" charset="0"/>
+              </a:rPr>
+              <a:t>Scope</a:t>
+            </a:r>
+            <a:r>
+              <a:rPr lang="en-US" sz="2000" dirty="0">
+                <a:latin typeface="Arial" panose="020B0604020202020204" pitchFamily="34" charset="0"/>
+                <a:cs typeface="Arial" panose="020B0604020202020204" pitchFamily="34" charset="0"/>
+              </a:rPr>
+              <a:t> </a:t>
+            </a:r>
+            <a:r>
+              <a:rPr lang="bg-BG" sz="2000" dirty="0">
+                <a:latin typeface="Arial" panose="020B0604020202020204" pitchFamily="34" charset="0"/>
+                <a:cs typeface="Arial" panose="020B0604020202020204" pitchFamily="34" charset="0"/>
+              </a:rPr>
+              <a:t>на променливата се нарича тази част от програмата, където променливата е достъпна.</a:t>
+            </a:r>
+          </a:p>
+          <a:p>
+            <a:r>
+              <a:rPr lang="bg-BG" sz="2000" dirty="0">
+                <a:latin typeface="Arial" panose="020B0604020202020204" pitchFamily="34" charset="0"/>
+                <a:cs typeface="Arial" panose="020B0604020202020204" pitchFamily="34" charset="0"/>
+              </a:rPr>
+              <a:t>Една променлива може да бъде дефинирана в клас, функция или в </a:t>
+            </a:r>
+            <a:r>
+              <a:rPr lang="en-US" sz="2000" dirty="0">
+                <a:latin typeface="Arial" panose="020B0604020202020204" pitchFamily="34" charset="0"/>
+                <a:cs typeface="Arial" panose="020B0604020202020204" pitchFamily="34" charset="0"/>
+              </a:rPr>
+              <a:t>code block.</a:t>
+            </a:r>
+          </a:p>
+          <a:p>
+            <a:r>
+              <a:rPr lang="en-US" sz="2000" dirty="0">
+                <a:latin typeface="Arial" panose="020B0604020202020204" pitchFamily="34" charset="0"/>
+                <a:cs typeface="Arial" panose="020B0604020202020204" pitchFamily="34" charset="0"/>
+              </a:rPr>
+              <a:t>Scope </a:t>
+            </a:r>
+            <a:r>
+              <a:rPr lang="bg-BG" sz="2000" dirty="0">
+                <a:latin typeface="Arial" panose="020B0604020202020204" pitchFamily="34" charset="0"/>
+                <a:cs typeface="Arial" panose="020B0604020202020204" pitchFamily="34" charset="0"/>
+              </a:rPr>
+              <a:t>правилата могат да бъдат разгледани в три категории:</a:t>
+            </a:r>
+          </a:p>
+          <a:p>
+            <a:pPr lvl="1"/>
+            <a:r>
+              <a:rPr lang="en-US" sz="2000" dirty="0">
+                <a:latin typeface="Arial" panose="020B0604020202020204" pitchFamily="34" charset="0"/>
+                <a:cs typeface="Arial" panose="020B0604020202020204" pitchFamily="34" charset="0"/>
+              </a:rPr>
+              <a:t>Class level scope</a:t>
+            </a:r>
+          </a:p>
+          <a:p>
+            <a:pPr lvl="1"/>
+            <a:r>
+              <a:rPr lang="en-US" sz="2000" dirty="0">
+                <a:latin typeface="Arial" panose="020B0604020202020204" pitchFamily="34" charset="0"/>
+                <a:cs typeface="Arial" panose="020B0604020202020204" pitchFamily="34" charset="0"/>
+              </a:rPr>
+              <a:t>Method level scope</a:t>
+            </a:r>
+          </a:p>
+          <a:p>
+            <a:pPr lvl="1"/>
+            <a:r>
+              <a:rPr lang="en-US" sz="2000" dirty="0">
+                <a:latin typeface="Arial" panose="020B0604020202020204" pitchFamily="34" charset="0"/>
+                <a:cs typeface="Arial" panose="020B0604020202020204" pitchFamily="34" charset="0"/>
+              </a:rPr>
+              <a:t>Block level scope</a:t>
+            </a:r>
+            <a:endParaRPr lang="bg-BG" sz="2000" dirty="0">
+              <a:latin typeface="Arial" panose="020B0604020202020204" pitchFamily="34" charset="0"/>
+              <a:cs typeface="Arial" panose="020B0604020202020204" pitchFamily="34" charset="0"/>
+            </a:endParaRPr>
+          </a:p>
+        </p:txBody>
+      </p:sp>
+    </p:spTree>
+    <p:extLst>
+      <p:ext uri="{BB962C8B-B14F-4D97-AF65-F5344CB8AC3E}">
+        <p14:creationId xmlns:p14="http://schemas.microsoft.com/office/powerpoint/2010/main" val="1873323874"/>
+      </p:ext>
+    </p:extLst>
+  </p:cSld>
+  <p:clrMapOvr>
+    <a:masterClrMapping/>
+  </p:clrMapOvr>
+</p:sld>
+</file>
+
+<file path=ppt/slides/slide41.xml><?xml version="1.0" encoding="utf-8"?>
+<p:sld xmlns:a="http://schemas.openxmlformats.org/drawingml/2006/main" xmlns:r="http://schemas.openxmlformats.org/officeDocument/2006/relationships" xmlns:p="http://schemas.openxmlformats.org/presentationml/2006/main">
+  <p:cSld>
+    <p:spTree>
+      <p:nvGrpSpPr>
+        <p:cNvPr id="1" name=""/>
+        <p:cNvGrpSpPr/>
+        <p:nvPr/>
+      </p:nvGrpSpPr>
+      <p:grpSpPr>
+        <a:xfrm>
+          <a:off x="0" y="0"/>
+          <a:ext cx="0" cy="0"/>
+          <a:chOff x="0" y="0"/>
+          <a:chExt cx="0" cy="0"/>
+        </a:xfrm>
+      </p:grpSpPr>
+      <p:sp>
+        <p:nvSpPr>
           <p:cNvPr id="2" name="Title 1"/>
           <p:cNvSpPr>
             <a:spLocks noGrp="1"/>
@@ -23316,402 +23535,6 @@
 </p:sld>
 </file>
 
-<file path=ppt/slides/slide41.xml><?xml version="1.0" encoding="utf-8"?>
-<p:sld xmlns:a="http://schemas.openxmlformats.org/drawingml/2006/main" xmlns:r="http://schemas.openxmlformats.org/officeDocument/2006/relationships" xmlns:p="http://schemas.openxmlformats.org/presentationml/2006/main">
-  <p:cSld>
-    <p:spTree>
-      <p:nvGrpSpPr>
-        <p:cNvPr id="1" name=""/>
-        <p:cNvGrpSpPr/>
-        <p:nvPr/>
-      </p:nvGrpSpPr>
-      <p:grpSpPr>
-        <a:xfrm>
-          <a:off x="0" y="0"/>
-          <a:ext cx="0" cy="0"/>
-          <a:chOff x="0" y="0"/>
-          <a:chExt cx="0" cy="0"/>
-        </a:xfrm>
-      </p:grpSpPr>
-      <p:sp>
-        <p:nvSpPr>
-          <p:cNvPr id="2" name="Title 1"/>
-          <p:cNvSpPr>
-            <a:spLocks noGrp="1"/>
-          </p:cNvSpPr>
-          <p:nvPr>
-            <p:ph type="title"/>
-          </p:nvPr>
-        </p:nvSpPr>
-        <p:spPr/>
-        <p:txBody>
-          <a:bodyPr/>
-          <a:lstStyle/>
-          <a:p>
-            <a:pPr algn="ctr"/>
-            <a:r>
-              <a:rPr lang="bg-BG" dirty="0">
-                <a:latin typeface="Arial" panose="020B0604020202020204" pitchFamily="34" charset="0"/>
-                <a:cs typeface="Arial" panose="020B0604020202020204" pitchFamily="34" charset="0"/>
-              </a:rPr>
-              <a:t>Цикли</a:t>
-            </a:r>
-            <a:r>
-              <a:rPr lang="en-US" dirty="0">
-                <a:latin typeface="Arial" panose="020B0604020202020204" pitchFamily="34" charset="0"/>
-                <a:cs typeface="Arial" panose="020B0604020202020204" pitchFamily="34" charset="0"/>
-              </a:rPr>
-              <a:t> (</a:t>
-            </a:r>
-            <a:r>
-              <a:rPr lang="en-US" dirty="0">
-                <a:solidFill>
-                  <a:srgbClr val="FFFF00"/>
-                </a:solidFill>
-                <a:latin typeface="Arial" panose="020B0604020202020204" pitchFamily="34" charset="0"/>
-                <a:cs typeface="Arial" panose="020B0604020202020204" pitchFamily="34" charset="0"/>
-              </a:rPr>
-              <a:t>for</a:t>
-            </a:r>
-            <a:r>
-              <a:rPr lang="en-US" dirty="0">
-                <a:latin typeface="Arial" panose="020B0604020202020204" pitchFamily="34" charset="0"/>
-                <a:cs typeface="Arial" panose="020B0604020202020204" pitchFamily="34" charset="0"/>
-              </a:rPr>
-              <a:t> </a:t>
-            </a:r>
-            <a:r>
-              <a:rPr lang="bg-BG" dirty="0">
-                <a:latin typeface="Arial" panose="020B0604020202020204" pitchFamily="34" charset="0"/>
-                <a:cs typeface="Arial" panose="020B0604020202020204" pitchFamily="34" charset="0"/>
-              </a:rPr>
-              <a:t>цикъл</a:t>
-            </a:r>
-            <a:r>
-              <a:rPr lang="en-US" dirty="0">
-                <a:latin typeface="Arial" panose="020B0604020202020204" pitchFamily="34" charset="0"/>
-                <a:cs typeface="Arial" panose="020B0604020202020204" pitchFamily="34" charset="0"/>
-              </a:rPr>
-              <a:t>)</a:t>
-            </a:r>
-          </a:p>
-        </p:txBody>
-      </p:sp>
-      <p:pic>
-        <p:nvPicPr>
-          <p:cNvPr id="4" name="Content Placeholder 3"/>
-          <p:cNvPicPr>
-            <a:picLocks noGrp="1" noChangeAspect="1"/>
-          </p:cNvPicPr>
-          <p:nvPr>
-            <p:ph idx="1"/>
-          </p:nvPr>
-        </p:nvPicPr>
-        <p:blipFill>
-          <a:blip r:embed="rId2">
-            <a:extLst>
-              <a:ext uri="{28A0092B-C50C-407E-A947-70E740481C1C}">
-                <a14:useLocalDpi xmlns:a14="http://schemas.microsoft.com/office/drawing/2010/main" val="0"/>
-              </a:ext>
-            </a:extLst>
-          </a:blip>
-          <a:stretch>
-            <a:fillRect/>
-          </a:stretch>
-        </p:blipFill>
-        <p:spPr>
-          <a:xfrm>
-            <a:off x="7127689" y="4979254"/>
-            <a:ext cx="3977467" cy="1365561"/>
-          </a:xfrm>
-        </p:spPr>
-      </p:pic>
-      <p:sp>
-        <p:nvSpPr>
-          <p:cNvPr id="5" name="TextBox 4"/>
-          <p:cNvSpPr txBox="1"/>
-          <p:nvPr/>
-        </p:nvSpPr>
-        <p:spPr>
-          <a:xfrm>
-            <a:off x="979714" y="2593910"/>
-            <a:ext cx="5756988" cy="3139321"/>
-          </a:xfrm>
-          <a:prstGeom prst="rect">
-            <a:avLst/>
-          </a:prstGeom>
-          <a:noFill/>
-        </p:spPr>
-        <p:txBody>
-          <a:bodyPr wrap="square" rtlCol="0">
-            <a:spAutoFit/>
-          </a:bodyPr>
-          <a:lstStyle/>
-          <a:p>
-            <a:r>
-              <a:rPr lang="en-US" dirty="0">
-                <a:latin typeface="Arial" panose="020B0604020202020204" pitchFamily="34" charset="0"/>
-                <a:cs typeface="Arial" panose="020B0604020202020204" pitchFamily="34" charset="0"/>
-              </a:rPr>
-              <a:t>For </a:t>
-            </a:r>
-            <a:r>
-              <a:rPr lang="bg-BG" dirty="0">
-                <a:latin typeface="Arial" panose="020B0604020202020204" pitchFamily="34" charset="0"/>
-                <a:cs typeface="Arial" panose="020B0604020202020204" pitchFamily="34" charset="0"/>
-              </a:rPr>
-              <a:t>цикълът е един от най-използваните цикли в програмирането</a:t>
-            </a:r>
-            <a:r>
-              <a:rPr lang="en-US" dirty="0">
-                <a:latin typeface="Arial" panose="020B0604020202020204" pitchFamily="34" charset="0"/>
-                <a:cs typeface="Arial" panose="020B0604020202020204" pitchFamily="34" charset="0"/>
-              </a:rPr>
-              <a:t>.</a:t>
-            </a:r>
-          </a:p>
-          <a:p>
-            <a:endParaRPr lang="en-US" dirty="0">
-              <a:latin typeface="Arial" panose="020B0604020202020204" pitchFamily="34" charset="0"/>
-              <a:cs typeface="Arial" panose="020B0604020202020204" pitchFamily="34" charset="0"/>
-            </a:endParaRPr>
-          </a:p>
-          <a:p>
-            <a:r>
-              <a:rPr lang="bg-BG" dirty="0">
-                <a:latin typeface="Arial" panose="020B0604020202020204" pitchFamily="34" charset="0"/>
-                <a:cs typeface="Arial" panose="020B0604020202020204" pitchFamily="34" charset="0"/>
-              </a:rPr>
-              <a:t>Съдържа три части</a:t>
-            </a:r>
-            <a:r>
-              <a:rPr lang="en-US" dirty="0">
-                <a:latin typeface="Arial" panose="020B0604020202020204" pitchFamily="34" charset="0"/>
-                <a:cs typeface="Arial" panose="020B0604020202020204" pitchFamily="34" charset="0"/>
-              </a:rPr>
-              <a:t>:</a:t>
-            </a:r>
-          </a:p>
-          <a:p>
-            <a:endParaRPr lang="en-US" dirty="0"/>
-          </a:p>
-          <a:p>
-            <a:pPr marL="742950" lvl="1" indent="-285750">
-              <a:buFont typeface="Arial" panose="020B0604020202020204" pitchFamily="34" charset="0"/>
-              <a:buChar char="•"/>
-            </a:pPr>
-            <a:r>
-              <a:rPr lang="en-US" b="1" dirty="0">
-                <a:latin typeface="Arial" panose="020B0604020202020204" pitchFamily="34" charset="0"/>
-                <a:cs typeface="Arial" panose="020B0604020202020204" pitchFamily="34" charset="0"/>
-              </a:rPr>
-              <a:t>statement 1</a:t>
-            </a:r>
-            <a:r>
-              <a:rPr lang="en-US" dirty="0">
-                <a:latin typeface="Arial" panose="020B0604020202020204" pitchFamily="34" charset="0"/>
-                <a:cs typeface="Arial" panose="020B0604020202020204" pitchFamily="34" charset="0"/>
-              </a:rPr>
-              <a:t> </a:t>
-            </a:r>
-            <a:r>
-              <a:rPr lang="bg-BG" dirty="0">
-                <a:latin typeface="Arial" panose="020B0604020202020204" pitchFamily="34" charset="0"/>
-                <a:cs typeface="Arial" panose="020B0604020202020204" pitchFamily="34" charset="0"/>
-              </a:rPr>
-              <a:t>се изпълнява веднъж само, преди изпълнението на </a:t>
-            </a:r>
-            <a:r>
-              <a:rPr lang="en-US" dirty="0">
-                <a:latin typeface="Arial" panose="020B0604020202020204" pitchFamily="34" charset="0"/>
-                <a:cs typeface="Arial" panose="020B0604020202020204" pitchFamily="34" charset="0"/>
-              </a:rPr>
-              <a:t>code block</a:t>
-            </a:r>
-            <a:r>
-              <a:rPr lang="bg-BG" dirty="0">
-                <a:latin typeface="Arial" panose="020B0604020202020204" pitchFamily="34" charset="0"/>
-                <a:cs typeface="Arial" panose="020B0604020202020204" pitchFamily="34" charset="0"/>
-              </a:rPr>
-              <a:t>-а</a:t>
-            </a:r>
-            <a:r>
-              <a:rPr lang="en-US" dirty="0">
-                <a:latin typeface="Arial" panose="020B0604020202020204" pitchFamily="34" charset="0"/>
-                <a:cs typeface="Arial" panose="020B0604020202020204" pitchFamily="34" charset="0"/>
-              </a:rPr>
-              <a:t>.</a:t>
-            </a:r>
-          </a:p>
-          <a:p>
-            <a:pPr marL="742950" lvl="1" indent="-285750">
-              <a:buFont typeface="Arial" panose="020B0604020202020204" pitchFamily="34" charset="0"/>
-              <a:buChar char="•"/>
-            </a:pPr>
-            <a:r>
-              <a:rPr lang="en-US" b="1" dirty="0">
-                <a:latin typeface="Arial" panose="020B0604020202020204" pitchFamily="34" charset="0"/>
-                <a:cs typeface="Arial" panose="020B0604020202020204" pitchFamily="34" charset="0"/>
-              </a:rPr>
-              <a:t>statement 2</a:t>
-            </a:r>
-            <a:r>
-              <a:rPr lang="en-US" dirty="0">
-                <a:latin typeface="Arial" panose="020B0604020202020204" pitchFamily="34" charset="0"/>
-                <a:cs typeface="Arial" panose="020B0604020202020204" pitchFamily="34" charset="0"/>
-              </a:rPr>
-              <a:t> </a:t>
-            </a:r>
-            <a:r>
-              <a:rPr lang="bg-BG" dirty="0">
-                <a:latin typeface="Arial" panose="020B0604020202020204" pitchFamily="34" charset="0"/>
-                <a:cs typeface="Arial" panose="020B0604020202020204" pitchFamily="34" charset="0"/>
-              </a:rPr>
-              <a:t>определя условието за изпълнение на </a:t>
-            </a:r>
-            <a:r>
-              <a:rPr lang="en-US" dirty="0">
-                <a:latin typeface="Arial" panose="020B0604020202020204" pitchFamily="34" charset="0"/>
-                <a:cs typeface="Arial" panose="020B0604020202020204" pitchFamily="34" charset="0"/>
-              </a:rPr>
-              <a:t>code block-</a:t>
-            </a:r>
-            <a:r>
-              <a:rPr lang="bg-BG" dirty="0">
-                <a:latin typeface="Arial" panose="020B0604020202020204" pitchFamily="34" charset="0"/>
-                <a:cs typeface="Arial" panose="020B0604020202020204" pitchFamily="34" charset="0"/>
-              </a:rPr>
-              <a:t>а</a:t>
-            </a:r>
-            <a:r>
-              <a:rPr lang="en-US" dirty="0">
-                <a:latin typeface="Arial" panose="020B0604020202020204" pitchFamily="34" charset="0"/>
-                <a:cs typeface="Arial" panose="020B0604020202020204" pitchFamily="34" charset="0"/>
-              </a:rPr>
-              <a:t>.</a:t>
-            </a:r>
-          </a:p>
-          <a:p>
-            <a:pPr marL="742950" lvl="1" indent="-285750">
-              <a:buFont typeface="Arial" panose="020B0604020202020204" pitchFamily="34" charset="0"/>
-              <a:buChar char="•"/>
-            </a:pPr>
-            <a:r>
-              <a:rPr lang="en-US" b="1" dirty="0">
-                <a:latin typeface="Arial" panose="020B0604020202020204" pitchFamily="34" charset="0"/>
-                <a:cs typeface="Arial" panose="020B0604020202020204" pitchFamily="34" charset="0"/>
-              </a:rPr>
-              <a:t>Statement 3</a:t>
-            </a:r>
-            <a:r>
-              <a:rPr lang="en-US" dirty="0">
-                <a:latin typeface="Arial" panose="020B0604020202020204" pitchFamily="34" charset="0"/>
-                <a:cs typeface="Arial" panose="020B0604020202020204" pitchFamily="34" charset="0"/>
-              </a:rPr>
-              <a:t> </a:t>
-            </a:r>
-            <a:r>
-              <a:rPr lang="bg-BG" dirty="0">
-                <a:latin typeface="Arial" panose="020B0604020202020204" pitchFamily="34" charset="0"/>
-                <a:cs typeface="Arial" panose="020B0604020202020204" pitchFamily="34" charset="0"/>
-              </a:rPr>
-              <a:t>се изпълнява всеки път</a:t>
-            </a:r>
-            <a:r>
-              <a:rPr lang="en-US" dirty="0">
-                <a:latin typeface="Arial" panose="020B0604020202020204" pitchFamily="34" charset="0"/>
-                <a:cs typeface="Arial" panose="020B0604020202020204" pitchFamily="34" charset="0"/>
-              </a:rPr>
-              <a:t> </a:t>
-            </a:r>
-            <a:r>
-              <a:rPr lang="bg-BG" dirty="0">
-                <a:latin typeface="Arial" panose="020B0604020202020204" pitchFamily="34" charset="0"/>
-                <a:cs typeface="Arial" panose="020B0604020202020204" pitchFamily="34" charset="0"/>
-              </a:rPr>
-              <a:t>след като </a:t>
-            </a:r>
-            <a:r>
-              <a:rPr lang="en-US" dirty="0">
-                <a:latin typeface="Arial" panose="020B0604020202020204" pitchFamily="34" charset="0"/>
-                <a:cs typeface="Arial" panose="020B0604020202020204" pitchFamily="34" charset="0"/>
-              </a:rPr>
-              <a:t>code</a:t>
-            </a:r>
-            <a:r>
-              <a:rPr lang="bg-BG" dirty="0">
-                <a:latin typeface="Arial" panose="020B0604020202020204" pitchFamily="34" charset="0"/>
-                <a:cs typeface="Arial" panose="020B0604020202020204" pitchFamily="34" charset="0"/>
-              </a:rPr>
-              <a:t> </a:t>
-            </a:r>
-            <a:r>
-              <a:rPr lang="en-US" dirty="0">
-                <a:latin typeface="Arial" panose="020B0604020202020204" pitchFamily="34" charset="0"/>
-                <a:cs typeface="Arial" panose="020B0604020202020204" pitchFamily="34" charset="0"/>
-              </a:rPr>
-              <a:t>block-</a:t>
-            </a:r>
-            <a:r>
-              <a:rPr lang="bg-BG" dirty="0">
-                <a:latin typeface="Arial" panose="020B0604020202020204" pitchFamily="34" charset="0"/>
-                <a:cs typeface="Arial" panose="020B0604020202020204" pitchFamily="34" charset="0"/>
-              </a:rPr>
-              <a:t>а се изпълни</a:t>
-            </a:r>
-            <a:r>
-              <a:rPr lang="en-US" dirty="0">
-                <a:latin typeface="Arial" panose="020B0604020202020204" pitchFamily="34" charset="0"/>
-                <a:cs typeface="Arial" panose="020B0604020202020204" pitchFamily="34" charset="0"/>
-              </a:rPr>
-              <a:t>.</a:t>
-            </a:r>
-          </a:p>
-        </p:txBody>
-      </p:sp>
-      <p:pic>
-        <p:nvPicPr>
-          <p:cNvPr id="6" name="Picture 5"/>
-          <p:cNvPicPr>
-            <a:picLocks noChangeAspect="1"/>
-          </p:cNvPicPr>
-          <p:nvPr/>
-        </p:nvPicPr>
-        <p:blipFill>
-          <a:blip r:embed="rId3">
-            <a:extLst>
-              <a:ext uri="{28A0092B-C50C-407E-A947-70E740481C1C}">
-                <a14:useLocalDpi xmlns:a14="http://schemas.microsoft.com/office/drawing/2010/main" val="0"/>
-              </a:ext>
-            </a:extLst>
-          </a:blip>
-          <a:stretch>
-            <a:fillRect/>
-          </a:stretch>
-        </p:blipFill>
-        <p:spPr>
-          <a:xfrm>
-            <a:off x="7039247" y="2803089"/>
-            <a:ext cx="4306485" cy="1360481"/>
-          </a:xfrm>
-          <a:prstGeom prst="rect">
-            <a:avLst/>
-          </a:prstGeom>
-        </p:spPr>
-      </p:pic>
-    </p:spTree>
-    <p:extLst>
-      <p:ext uri="{BB962C8B-B14F-4D97-AF65-F5344CB8AC3E}">
-        <p14:creationId xmlns:p14="http://schemas.microsoft.com/office/powerpoint/2010/main" val="3511445357"/>
-      </p:ext>
-    </p:extLst>
-  </p:cSld>
-  <p:clrMapOvr>
-    <a:masterClrMapping/>
-  </p:clrMapOvr>
-</p:sld>
-</file>
-
 <file path=ppt/slides/slide42.xml><?xml version="1.0" encoding="utf-8"?>
 <p:sld xmlns:a="http://schemas.openxmlformats.org/drawingml/2006/main" xmlns:r="http://schemas.openxmlformats.org/officeDocument/2006/relationships" xmlns:p="http://schemas.openxmlformats.org/presentationml/2006/main">
   <p:cSld>
@@ -23731,7 +23554,13 @@
       </p:grpSpPr>
       <p:sp>
         <p:nvSpPr>
-          <p:cNvPr id="2" name="Title 1"/>
+          <p:cNvPr id="2" name="Title 1">
+            <a:extLst>
+              <a:ext uri="{FF2B5EF4-FFF2-40B4-BE49-F238E27FC236}">
+                <a16:creationId xmlns:a16="http://schemas.microsoft.com/office/drawing/2014/main" id="{59BE1385-AA23-DE7A-1FD5-C9B1B6332025}"/>
+              </a:ext>
+            </a:extLst>
+          </p:cNvPr>
           <p:cNvSpPr>
             <a:spLocks noGrp="1"/>
           </p:cNvSpPr>
@@ -23747,17 +23576,13 @@
             <a:pPr algn="ctr"/>
             <a:r>
               <a:rPr lang="bg-BG" dirty="0">
-                <a:latin typeface="Arial" panose="020B0604020202020204" pitchFamily="34" charset="0"/>
-                <a:cs typeface="Arial" panose="020B0604020202020204" pitchFamily="34" charset="0"/>
-              </a:rPr>
-              <a:t>Цикли</a:t>
-            </a:r>
-            <a:r>
-              <a:rPr lang="en-US" dirty="0">
-                <a:latin typeface="Arial" panose="020B0604020202020204" pitchFamily="34" charset="0"/>
-                <a:cs typeface="Arial" panose="020B0604020202020204" pitchFamily="34" charset="0"/>
-              </a:rPr>
-              <a:t> (</a:t>
+                <a:solidFill>
+                  <a:schemeClr val="bg1"/>
+                </a:solidFill>
+                <a:latin typeface="Arial" panose="020B0604020202020204" pitchFamily="34" charset="0"/>
+                <a:cs typeface="Arial" panose="020B0604020202020204" pitchFamily="34" charset="0"/>
+              </a:rPr>
+              <a:t>Ключовата дума „</a:t>
             </a:r>
             <a:r>
               <a:rPr lang="en-US" dirty="0">
@@ -23767,95 +23592,61 @@
                 <a:latin typeface="Arial" panose="020B0604020202020204" pitchFamily="34" charset="0"/>
                 <a:cs typeface="Arial" panose="020B0604020202020204" pitchFamily="34" charset="0"/>
               </a:rPr>
-              <a:t>while</a:t>
-            </a:r>
-            <a:r>
-              <a:rPr lang="en-US" dirty="0">
-                <a:latin typeface="Arial" panose="020B0604020202020204" pitchFamily="34" charset="0"/>
-                <a:cs typeface="Arial" panose="020B0604020202020204" pitchFamily="34" charset="0"/>
-              </a:rPr>
-              <a:t> </a:t>
+              <a:t>var</a:t>
             </a:r>
             <a:r>
               <a:rPr lang="bg-BG" dirty="0">
-                <a:latin typeface="Arial" panose="020B0604020202020204" pitchFamily="34" charset="0"/>
-                <a:cs typeface="Arial" panose="020B0604020202020204" pitchFamily="34" charset="0"/>
-              </a:rPr>
-              <a:t>цикъл</a:t>
-            </a:r>
-            <a:r>
-              <a:rPr lang="en-US" dirty="0">
-                <a:latin typeface="Arial" panose="020B0604020202020204" pitchFamily="34" charset="0"/>
-                <a:cs typeface="Arial" panose="020B0604020202020204" pitchFamily="34" charset="0"/>
-              </a:rPr>
-              <a:t>)</a:t>
+                <a:solidFill>
+                  <a:schemeClr val="bg1"/>
+                </a:solidFill>
+                <a:latin typeface="Arial" panose="020B0604020202020204" pitchFamily="34" charset="0"/>
+                <a:cs typeface="Arial" panose="020B0604020202020204" pitchFamily="34" charset="0"/>
+              </a:rPr>
+              <a:t>“</a:t>
             </a:r>
           </a:p>
         </p:txBody>
       </p:sp>
-      <p:pic>
-        <p:nvPicPr>
-          <p:cNvPr id="4" name="Content Placeholder 3"/>
-          <p:cNvPicPr>
-            <a:picLocks noGrp="1" noChangeAspect="1"/>
-          </p:cNvPicPr>
+      <p:sp>
+        <p:nvSpPr>
+          <p:cNvPr id="3" name="Content Placeholder 2">
+            <a:extLst>
+              <a:ext uri="{FF2B5EF4-FFF2-40B4-BE49-F238E27FC236}">
+                <a16:creationId xmlns:a16="http://schemas.microsoft.com/office/drawing/2014/main" id="{D07EC1C2-19DC-8FC1-FEBD-BCCADEC461F3}"/>
+              </a:ext>
+            </a:extLst>
+          </p:cNvPr>
+          <p:cNvSpPr>
+            <a:spLocks noGrp="1"/>
+          </p:cNvSpPr>
           <p:nvPr>
             <p:ph idx="1"/>
           </p:nvPr>
-        </p:nvPicPr>
-        <p:blipFill>
-          <a:blip r:embed="rId2">
-            <a:extLst>
-              <a:ext uri="{28A0092B-C50C-407E-A947-70E740481C1C}">
-                <a14:useLocalDpi xmlns:a14="http://schemas.microsoft.com/office/drawing/2010/main" val="0"/>
-              </a:ext>
-            </a:extLst>
-          </a:blip>
-          <a:stretch>
-            <a:fillRect/>
-          </a:stretch>
-        </p:blipFill>
-        <p:spPr>
-          <a:xfrm>
-            <a:off x="6179078" y="4897027"/>
-            <a:ext cx="5530841" cy="1682599"/>
-          </a:xfrm>
-        </p:spPr>
-      </p:pic>
-      <p:sp>
-        <p:nvSpPr>
-          <p:cNvPr id="5" name="TextBox 4"/>
-          <p:cNvSpPr txBox="1"/>
-          <p:nvPr/>
         </p:nvSpPr>
         <p:spPr>
           <a:xfrm>
-            <a:off x="646419" y="3710668"/>
-            <a:ext cx="5054585" cy="1815882"/>
+            <a:off x="1154954" y="2603500"/>
+            <a:ext cx="8894820" cy="2106523"/>
           </a:xfrm>
-          <a:prstGeom prst="rect">
-            <a:avLst/>
-          </a:prstGeom>
-          <a:noFill/>
         </p:spPr>
         <p:txBody>
-          <a:bodyPr wrap="square" rtlCol="0">
-            <a:spAutoFit/>
+          <a:bodyPr>
+            <a:normAutofit/>
           </a:bodyPr>
           <a:lstStyle/>
           <a:p>
             <a:r>
+              <a:rPr lang="en-US" sz="2800" b="1" dirty="0">
+                <a:solidFill>
+                  <a:srgbClr val="0070C0"/>
+                </a:solidFill>
+                <a:latin typeface="Arial" panose="020B0604020202020204" pitchFamily="34" charset="0"/>
+                <a:cs typeface="Arial" panose="020B0604020202020204" pitchFamily="34" charset="0"/>
+              </a:rPr>
+              <a:t>var</a:t>
+            </a:r>
+            <a:r>
               <a:rPr lang="en-US" sz="2800" dirty="0">
-                <a:solidFill>
-                  <a:srgbClr val="00B050"/>
-                </a:solidFill>
-                <a:latin typeface="Arial" panose="020B0604020202020204" pitchFamily="34" charset="0"/>
-                <a:cs typeface="Arial" panose="020B0604020202020204" pitchFamily="34" charset="0"/>
-              </a:rPr>
-              <a:t>While</a:t>
-            </a:r>
-            <a:r>
-              <a:rPr lang="en-US" sz="2800" dirty="0">
                 <a:latin typeface="Arial" panose="020B0604020202020204" pitchFamily="34" charset="0"/>
                 <a:cs typeface="Arial" panose="020B0604020202020204" pitchFamily="34" charset="0"/>
               </a:rPr>
@@ -23866,113 +23657,29 @@
                 <a:latin typeface="Arial" panose="020B0604020202020204" pitchFamily="34" charset="0"/>
                 <a:cs typeface="Arial" panose="020B0604020202020204" pitchFamily="34" charset="0"/>
               </a:rPr>
-              <a:t>цикълът цикли кодът в </a:t>
-            </a:r>
-            <a:r>
-              <a:rPr lang="en-US" sz="2800" dirty="0">
-                <a:latin typeface="Arial" panose="020B0604020202020204" pitchFamily="34" charset="0"/>
-                <a:cs typeface="Arial" panose="020B0604020202020204" pitchFamily="34" charset="0"/>
-              </a:rPr>
-              <a:t>code block-</a:t>
+              <a:t>е ключова дума в езика </a:t>
+            </a:r>
+            <a:r>
+              <a:rPr lang="en-US" sz="2800" b="1" dirty="0">
+                <a:latin typeface="Arial" panose="020B0604020202020204" pitchFamily="34" charset="0"/>
+                <a:cs typeface="Arial" panose="020B0604020202020204" pitchFamily="34" charset="0"/>
+              </a:rPr>
+              <a:t>C#, </a:t>
             </a:r>
             <a:r>
               <a:rPr lang="bg-BG" sz="2800" dirty="0">
                 <a:latin typeface="Arial" panose="020B0604020202020204" pitchFamily="34" charset="0"/>
                 <a:cs typeface="Arial" panose="020B0604020202020204" pitchFamily="34" charset="0"/>
               </a:rPr>
-              <a:t>а докато условието в скобите е удовлетворено</a:t>
-            </a:r>
-            <a:r>
-              <a:rPr lang="en-US" sz="2800" dirty="0">
-                <a:latin typeface="Arial" panose="020B0604020202020204" pitchFamily="34" charset="0"/>
-                <a:cs typeface="Arial" panose="020B0604020202020204" pitchFamily="34" charset="0"/>
-              </a:rPr>
-              <a:t>,</a:t>
-            </a:r>
-            <a:r>
-              <a:rPr lang="bg-BG" sz="2800" dirty="0">
-                <a:latin typeface="Arial" panose="020B0604020202020204" pitchFamily="34" charset="0"/>
-                <a:cs typeface="Arial" panose="020B0604020202020204" pitchFamily="34" charset="0"/>
-              </a:rPr>
-              <a:t> т.е.</a:t>
-            </a:r>
-            <a:r>
-              <a:rPr lang="en-US" sz="2800" dirty="0">
-                <a:latin typeface="Arial" panose="020B0604020202020204" pitchFamily="34" charset="0"/>
-                <a:cs typeface="Arial" panose="020B0604020202020204" pitchFamily="34" charset="0"/>
-              </a:rPr>
-              <a:t> </a:t>
-            </a:r>
-            <a:r>
-              <a:rPr lang="bg-BG" sz="2800" dirty="0">
-                <a:latin typeface="Arial" panose="020B0604020202020204" pitchFamily="34" charset="0"/>
-                <a:cs typeface="Arial" panose="020B0604020202020204" pitchFamily="34" charset="0"/>
-              </a:rPr>
-              <a:t>е </a:t>
-            </a:r>
-            <a:r>
-              <a:rPr lang="en-US" sz="2800" dirty="0">
-                <a:solidFill>
-                  <a:schemeClr val="accent5">
-                    <a:lumMod val="50000"/>
-                  </a:schemeClr>
-                </a:solidFill>
-                <a:latin typeface="Arial" panose="020B0604020202020204" pitchFamily="34" charset="0"/>
-                <a:cs typeface="Arial" panose="020B0604020202020204" pitchFamily="34" charset="0"/>
-              </a:rPr>
-              <a:t>True</a:t>
-            </a:r>
-            <a:r>
-              <a:rPr lang="bg-BG" sz="2800" dirty="0">
-                <a:latin typeface="Arial" panose="020B0604020202020204" pitchFamily="34" charset="0"/>
-                <a:cs typeface="Arial" panose="020B0604020202020204" pitchFamily="34" charset="0"/>
-              </a:rPr>
-              <a:t>.</a:t>
-            </a:r>
-            <a:r>
-              <a:rPr lang="en-US" sz="2800" dirty="0">
-                <a:latin typeface="Arial" panose="020B0604020202020204" pitchFamily="34" charset="0"/>
-                <a:cs typeface="Arial" panose="020B0604020202020204" pitchFamily="34" charset="0"/>
-              </a:rPr>
-              <a:t> </a:t>
+              <a:t>която се използва за деклариране на променлива с неявен тип. Типът на променливата се определя въз основа на първоначално зададената й стойност.</a:t>
             </a:r>
           </a:p>
         </p:txBody>
       </p:sp>
-      <p:pic>
-        <p:nvPicPr>
-          <p:cNvPr id="7" name="Picture 6"/>
-          <p:cNvPicPr>
-            <a:picLocks noChangeAspect="1"/>
-          </p:cNvPicPr>
-          <p:nvPr/>
-        </p:nvPicPr>
-        <p:blipFill>
-          <a:blip r:embed="rId3">
-            <a:extLst>
-              <a:ext uri="{28A0092B-C50C-407E-A947-70E740481C1C}">
-                <a14:useLocalDpi xmlns:a14="http://schemas.microsoft.com/office/drawing/2010/main" val="0"/>
-              </a:ext>
-            </a:extLst>
-          </a:blip>
-          <a:stretch>
-            <a:fillRect/>
-          </a:stretch>
-        </p:blipFill>
-        <p:spPr>
-          <a:xfrm>
-            <a:off x="6179078" y="2799182"/>
-            <a:ext cx="3857197" cy="1603983"/>
-          </a:xfrm>
-          <a:prstGeom prst="rect">
-            <a:avLst/>
-          </a:prstGeom>
-        </p:spPr>
-      </p:pic>
     </p:spTree>
     <p:extLst>
       <p:ext uri="{BB962C8B-B14F-4D97-AF65-F5344CB8AC3E}">
-        <p14:creationId xmlns:p14="http://schemas.microsoft.com/office/powerpoint/2010/main" val="715386277"/>
+        <p14:creationId xmlns:p14="http://schemas.microsoft.com/office/powerpoint/2010/main" val="1694616589"/>
       </p:ext>
     </p:extLst>
   </p:cSld>
@@ -24001,7 +23708,13 @@
       </p:grpSpPr>
       <p:sp>
         <p:nvSpPr>
-          <p:cNvPr id="2" name="Title 1"/>
+          <p:cNvPr id="2" name="Title 1">
+            <a:extLst>
+              <a:ext uri="{FF2B5EF4-FFF2-40B4-BE49-F238E27FC236}">
+                <a16:creationId xmlns:a16="http://schemas.microsoft.com/office/drawing/2014/main" id="{79A71796-B00D-4F14-B590-2FC35C64F036}"/>
+              </a:ext>
+            </a:extLst>
+          </p:cNvPr>
           <p:cNvSpPr>
             <a:spLocks noGrp="1"/>
           </p:cNvSpPr>
@@ -24020,267 +23733,98 @@
                 <a:latin typeface="Arial" panose="020B0604020202020204" pitchFamily="34" charset="0"/>
                 <a:cs typeface="Arial" panose="020B0604020202020204" pitchFamily="34" charset="0"/>
               </a:rPr>
-              <a:t>Цикли</a:t>
+              <a:t>Какво</a:t>
             </a:r>
             <a:r>
               <a:rPr lang="en-US" dirty="0">
                 <a:latin typeface="Arial" panose="020B0604020202020204" pitchFamily="34" charset="0"/>
                 <a:cs typeface="Arial" panose="020B0604020202020204" pitchFamily="34" charset="0"/>
               </a:rPr>
-              <a:t> (</a:t>
-            </a:r>
-            <a:r>
-              <a:rPr lang="en-US" dirty="0">
+              <a:t> e </a:t>
+            </a:r>
+            <a:r>
+              <a:rPr lang="bg-BG" dirty="0">
                 <a:solidFill>
                   <a:srgbClr val="FFFF00"/>
                 </a:solidFill>
                 <a:latin typeface="Arial" panose="020B0604020202020204" pitchFamily="34" charset="0"/>
                 <a:cs typeface="Arial" panose="020B0604020202020204" pitchFamily="34" charset="0"/>
               </a:rPr>
-              <a:t>do/while</a:t>
-            </a:r>
-            <a:r>
-              <a:rPr lang="en-US" dirty="0">
-                <a:latin typeface="Arial" panose="020B0604020202020204" pitchFamily="34" charset="0"/>
-                <a:cs typeface="Arial" panose="020B0604020202020204" pitchFamily="34" charset="0"/>
-              </a:rPr>
-              <a:t> </a:t>
+              <a:t>цикъл</a:t>
             </a:r>
             <a:r>
               <a:rPr lang="bg-BG" dirty="0">
                 <a:latin typeface="Arial" panose="020B0604020202020204" pitchFamily="34" charset="0"/>
                 <a:cs typeface="Arial" panose="020B0604020202020204" pitchFamily="34" charset="0"/>
               </a:rPr>
-              <a:t>цикъл</a:t>
-            </a:r>
-            <a:r>
-              <a:rPr lang="en-US" dirty="0">
-                <a:latin typeface="Arial" panose="020B0604020202020204" pitchFamily="34" charset="0"/>
-                <a:cs typeface="Arial" panose="020B0604020202020204" pitchFamily="34" charset="0"/>
-              </a:rPr>
-              <a:t>)</a:t>
-            </a:r>
-            <a:endParaRPr lang="en-US" dirty="0"/>
+              <a:t> в програмирането?</a:t>
+            </a:r>
           </a:p>
         </p:txBody>
       </p:sp>
-      <p:pic>
-        <p:nvPicPr>
-          <p:cNvPr id="4" name="Content Placeholder 3"/>
-          <p:cNvPicPr>
-            <a:picLocks noGrp="1" noChangeAspect="1"/>
-          </p:cNvPicPr>
+      <p:sp>
+        <p:nvSpPr>
+          <p:cNvPr id="3" name="Content Placeholder 2">
+            <a:extLst>
+              <a:ext uri="{FF2B5EF4-FFF2-40B4-BE49-F238E27FC236}">
+                <a16:creationId xmlns:a16="http://schemas.microsoft.com/office/drawing/2014/main" id="{8F2E08DC-82FB-DB3B-6DDB-3307119E3726}"/>
+              </a:ext>
+            </a:extLst>
+          </p:cNvPr>
+          <p:cNvSpPr>
+            <a:spLocks noGrp="1"/>
+          </p:cNvSpPr>
           <p:nvPr>
             <p:ph idx="1"/>
           </p:nvPr>
-        </p:nvPicPr>
-        <p:blipFill>
-          <a:blip r:embed="rId2">
-            <a:extLst>
-              <a:ext uri="{28A0092B-C50C-407E-A947-70E740481C1C}">
-                <a14:useLocalDpi xmlns:a14="http://schemas.microsoft.com/office/drawing/2010/main" val="0"/>
-              </a:ext>
-            </a:extLst>
-          </a:blip>
-          <a:stretch>
-            <a:fillRect/>
-          </a:stretch>
-        </p:blipFill>
-        <p:spPr>
-          <a:xfrm>
-            <a:off x="6847460" y="4592749"/>
-            <a:ext cx="4614093" cy="1393243"/>
-          </a:xfrm>
-        </p:spPr>
-      </p:pic>
-      <p:pic>
-        <p:nvPicPr>
-          <p:cNvPr id="5" name="Picture 4"/>
-          <p:cNvPicPr>
-            <a:picLocks noChangeAspect="1"/>
-          </p:cNvPicPr>
-          <p:nvPr/>
-        </p:nvPicPr>
-        <p:blipFill>
-          <a:blip r:embed="rId3">
-            <a:extLst>
-              <a:ext uri="{28A0092B-C50C-407E-A947-70E740481C1C}">
-                <a14:useLocalDpi xmlns:a14="http://schemas.microsoft.com/office/drawing/2010/main" val="0"/>
-              </a:ext>
-            </a:extLst>
-          </a:blip>
-          <a:stretch>
-            <a:fillRect/>
-          </a:stretch>
-        </p:blipFill>
-        <p:spPr>
-          <a:xfrm>
-            <a:off x="6959428" y="2637375"/>
-            <a:ext cx="3481527" cy="1695253"/>
-          </a:xfrm>
-          <a:prstGeom prst="rect">
-            <a:avLst/>
-          </a:prstGeom>
-        </p:spPr>
-      </p:pic>
-      <p:sp>
-        <p:nvSpPr>
-          <p:cNvPr id="6" name="TextBox 5"/>
-          <p:cNvSpPr txBox="1"/>
-          <p:nvPr/>
         </p:nvSpPr>
         <p:spPr>
           <a:xfrm>
-            <a:off x="1154954" y="2789852"/>
-            <a:ext cx="5054585" cy="3970318"/>
+            <a:off x="1154954" y="2603500"/>
+            <a:ext cx="8825659" cy="3046802"/>
           </a:xfrm>
-          <a:prstGeom prst="rect">
-            <a:avLst/>
-          </a:prstGeom>
-          <a:noFill/>
         </p:spPr>
         <p:txBody>
-          <a:bodyPr wrap="square" rtlCol="0">
-            <a:spAutoFit/>
+          <a:bodyPr>
+            <a:noAutofit/>
           </a:bodyPr>
           <a:lstStyle/>
           <a:p>
             <a:r>
-              <a:rPr lang="en-US" sz="2800" dirty="0">
-                <a:solidFill>
-                  <a:srgbClr val="00B050"/>
-                </a:solidFill>
-                <a:latin typeface="Arial" panose="020B0604020202020204" pitchFamily="34" charset="0"/>
-                <a:cs typeface="Arial" panose="020B0604020202020204" pitchFamily="34" charset="0"/>
-              </a:rPr>
-              <a:t>Do/while</a:t>
-            </a:r>
-            <a:r>
-              <a:rPr lang="en-US" sz="2800" dirty="0">
-                <a:latin typeface="Arial" panose="020B0604020202020204" pitchFamily="34" charset="0"/>
-                <a:cs typeface="Arial" panose="020B0604020202020204" pitchFamily="34" charset="0"/>
-              </a:rPr>
-              <a:t> </a:t>
-            </a:r>
-            <a:r>
-              <a:rPr lang="bg-BG" sz="2800" dirty="0">
-                <a:latin typeface="Arial" panose="020B0604020202020204" pitchFamily="34" charset="0"/>
-                <a:cs typeface="Arial" panose="020B0604020202020204" pitchFamily="34" charset="0"/>
-              </a:rPr>
-              <a:t>цикъла е вариация на </a:t>
-            </a:r>
-            <a:r>
-              <a:rPr lang="en-US" sz="2800" dirty="0">
-                <a:solidFill>
-                  <a:srgbClr val="00B050"/>
-                </a:solidFill>
-                <a:latin typeface="Arial" panose="020B0604020202020204" pitchFamily="34" charset="0"/>
-                <a:cs typeface="Arial" panose="020B0604020202020204" pitchFamily="34" charset="0"/>
-              </a:rPr>
-              <a:t>While</a:t>
-            </a:r>
-            <a:r>
-              <a:rPr lang="en-US" sz="2800" dirty="0">
-                <a:latin typeface="Arial" panose="020B0604020202020204" pitchFamily="34" charset="0"/>
-                <a:cs typeface="Arial" panose="020B0604020202020204" pitchFamily="34" charset="0"/>
-              </a:rPr>
-              <a:t> </a:t>
-            </a:r>
-            <a:r>
-              <a:rPr lang="bg-BG" sz="2800" dirty="0">
-                <a:latin typeface="Arial" panose="020B0604020202020204" pitchFamily="34" charset="0"/>
-                <a:cs typeface="Arial" panose="020B0604020202020204" pitchFamily="34" charset="0"/>
-              </a:rPr>
-              <a:t>цикъла</a:t>
-            </a:r>
-            <a:r>
-              <a:rPr lang="en-US" sz="2800" dirty="0">
-                <a:latin typeface="Arial" panose="020B0604020202020204" pitchFamily="34" charset="0"/>
-                <a:cs typeface="Arial" panose="020B0604020202020204" pitchFamily="34" charset="0"/>
-              </a:rPr>
-              <a:t>. </a:t>
-            </a:r>
-            <a:r>
-              <a:rPr lang="bg-BG" sz="2800" dirty="0">
-                <a:latin typeface="Arial" panose="020B0604020202020204" pitchFamily="34" charset="0"/>
-                <a:cs typeface="Arial" panose="020B0604020202020204" pitchFamily="34" charset="0"/>
-              </a:rPr>
-              <a:t>Този цикъл ще изпълни кодът в </a:t>
-            </a:r>
-            <a:r>
-              <a:rPr lang="en-US" sz="2800" dirty="0">
-                <a:latin typeface="Arial" panose="020B0604020202020204" pitchFamily="34" charset="0"/>
-                <a:cs typeface="Arial" panose="020B0604020202020204" pitchFamily="34" charset="0"/>
-              </a:rPr>
-              <a:t>code</a:t>
-            </a:r>
-            <a:r>
-              <a:rPr lang="bg-BG" sz="2800" dirty="0">
-                <a:latin typeface="Arial" panose="020B0604020202020204" pitchFamily="34" charset="0"/>
-                <a:cs typeface="Arial" panose="020B0604020202020204" pitchFamily="34" charset="0"/>
-              </a:rPr>
-              <a:t>-</a:t>
-            </a:r>
-            <a:r>
-              <a:rPr lang="en-US" sz="2800" dirty="0">
-                <a:latin typeface="Arial" panose="020B0604020202020204" pitchFamily="34" charset="0"/>
-                <a:cs typeface="Arial" panose="020B0604020202020204" pitchFamily="34" charset="0"/>
-              </a:rPr>
-              <a:t>block</a:t>
-            </a:r>
-            <a:r>
-              <a:rPr lang="bg-BG" sz="2800" dirty="0">
-                <a:latin typeface="Arial" panose="020B0604020202020204" pitchFamily="34" charset="0"/>
-                <a:cs typeface="Arial" panose="020B0604020202020204" pitchFamily="34" charset="0"/>
-              </a:rPr>
-              <a:t>-а поне веднъж</a:t>
-            </a:r>
-            <a:r>
-              <a:rPr lang="en-US" sz="2800" dirty="0">
-                <a:latin typeface="Arial" panose="020B0604020202020204" pitchFamily="34" charset="0"/>
-                <a:cs typeface="Arial" panose="020B0604020202020204" pitchFamily="34" charset="0"/>
-              </a:rPr>
-              <a:t>, </a:t>
-            </a:r>
-            <a:r>
-              <a:rPr lang="bg-BG" sz="2800" dirty="0">
-                <a:latin typeface="Arial" panose="020B0604020202020204" pitchFamily="34" charset="0"/>
-                <a:cs typeface="Arial" panose="020B0604020202020204" pitchFamily="34" charset="0"/>
-              </a:rPr>
-              <a:t>преди да провери дали условието е </a:t>
-            </a:r>
-            <a:r>
-              <a:rPr lang="en-US" sz="2800" dirty="0">
-                <a:solidFill>
-                  <a:schemeClr val="accent5">
-                    <a:lumMod val="50000"/>
-                  </a:schemeClr>
-                </a:solidFill>
-                <a:latin typeface="Arial" panose="020B0604020202020204" pitchFamily="34" charset="0"/>
-                <a:cs typeface="Arial" panose="020B0604020202020204" pitchFamily="34" charset="0"/>
-              </a:rPr>
-              <a:t>True</a:t>
-            </a:r>
-            <a:r>
-              <a:rPr lang="en-US" sz="2800" dirty="0">
-                <a:latin typeface="Arial" panose="020B0604020202020204" pitchFamily="34" charset="0"/>
-                <a:cs typeface="Arial" panose="020B0604020202020204" pitchFamily="34" charset="0"/>
-              </a:rPr>
-              <a:t>,</a:t>
-            </a:r>
-            <a:r>
-              <a:rPr lang="bg-BG" sz="2800" dirty="0">
-                <a:latin typeface="Arial" panose="020B0604020202020204" pitchFamily="34" charset="0"/>
-                <a:cs typeface="Arial" panose="020B0604020202020204" pitchFamily="34" charset="0"/>
-              </a:rPr>
-              <a:t> след това цикълът ще продължи докато условието в скобите е валидно</a:t>
-            </a:r>
-            <a:r>
-              <a:rPr lang="en-US" sz="2800" dirty="0">
-                <a:latin typeface="Arial" panose="020B0604020202020204" pitchFamily="34" charset="0"/>
-                <a:cs typeface="Arial" panose="020B0604020202020204" pitchFamily="34" charset="0"/>
-              </a:rPr>
-              <a:t>.</a:t>
+              <a:rPr lang="bg-BG" sz="2400" b="1" dirty="0">
+                <a:latin typeface="Arial" panose="020B0604020202020204" pitchFamily="34" charset="0"/>
+                <a:cs typeface="Arial" panose="020B0604020202020204" pitchFamily="34" charset="0"/>
+              </a:rPr>
+              <a:t>Цикълът</a:t>
+            </a:r>
+            <a:r>
+              <a:rPr lang="bg-BG" sz="2400" dirty="0">
+                <a:latin typeface="Arial" panose="020B0604020202020204" pitchFamily="34" charset="0"/>
+                <a:cs typeface="Arial" panose="020B0604020202020204" pitchFamily="34" charset="0"/>
+              </a:rPr>
+              <a:t> най-общо казано е поредица от инструкции, които програмата изпълнява докато бъде достигнато (изпълнено) дадено условие.</a:t>
+            </a:r>
+          </a:p>
+          <a:p>
+            <a:endParaRPr lang="bg-BG" sz="2400" dirty="0">
+              <a:latin typeface="Arial" panose="020B0604020202020204" pitchFamily="34" charset="0"/>
+              <a:cs typeface="Arial" panose="020B0604020202020204" pitchFamily="34" charset="0"/>
+            </a:endParaRPr>
+          </a:p>
+          <a:p>
+            <a:r>
+              <a:rPr lang="bg-BG" sz="2400" b="1" dirty="0">
+                <a:latin typeface="Arial" panose="020B0604020202020204" pitchFamily="34" charset="0"/>
+                <a:cs typeface="Arial" panose="020B0604020202020204" pitchFamily="34" charset="0"/>
+              </a:rPr>
+              <a:t>Циклите</a:t>
+            </a:r>
+            <a:r>
+              <a:rPr lang="bg-BG" sz="2400" dirty="0">
+                <a:latin typeface="Arial" panose="020B0604020202020204" pitchFamily="34" charset="0"/>
+                <a:cs typeface="Arial" panose="020B0604020202020204" pitchFamily="34" charset="0"/>
+              </a:rPr>
+              <a:t> са сред най-базовите и същевременно най-използваните концепции в програмирането.</a:t>
             </a:r>
           </a:p>
         </p:txBody>
@@ -24288,7 +23832,7 @@
     </p:spTree>
     <p:extLst>
       <p:ext uri="{BB962C8B-B14F-4D97-AF65-F5344CB8AC3E}">
-        <p14:creationId xmlns:p14="http://schemas.microsoft.com/office/powerpoint/2010/main" val="902789663"/>
+        <p14:creationId xmlns:p14="http://schemas.microsoft.com/office/powerpoint/2010/main" val="3443405823"/>
       </p:ext>
     </p:extLst>
   </p:cSld>
@@ -24336,14 +23880,14 @@
                 <a:latin typeface="Arial" panose="020B0604020202020204" pitchFamily="34" charset="0"/>
                 <a:cs typeface="Arial" panose="020B0604020202020204" pitchFamily="34" charset="0"/>
               </a:rPr>
-              <a:t>Цикли (вложени</a:t>
+              <a:t>Цикли</a:t>
             </a:r>
             <a:r>
               <a:rPr lang="en-US" dirty="0">
                 <a:latin typeface="Arial" panose="020B0604020202020204" pitchFamily="34" charset="0"/>
                 <a:cs typeface="Arial" panose="020B0604020202020204" pitchFamily="34" charset="0"/>
               </a:rPr>
-              <a:t> </a:t>
+              <a:t> (</a:t>
             </a:r>
             <a:r>
               <a:rPr lang="en-US" dirty="0">
@@ -24367,7 +23911,7 @@
                 <a:latin typeface="Arial" panose="020B0604020202020204" pitchFamily="34" charset="0"/>
                 <a:cs typeface="Arial" panose="020B0604020202020204" pitchFamily="34" charset="0"/>
               </a:rPr>
-              <a:t>цикли</a:t>
+              <a:t>цикъл</a:t>
             </a:r>
             <a:r>
               <a:rPr lang="en-US" dirty="0">
@@ -24403,7 +23947,899 @@
         </p:blipFill>
         <p:spPr>
           <a:xfrm>
-            <a:off x="6469726" y="2496689"/>
+            <a:off x="7067305" y="2658748"/>
+            <a:ext cx="3977467" cy="1365561"/>
+          </a:xfrm>
+        </p:spPr>
+      </p:pic>
+      <p:sp>
+        <p:nvSpPr>
+          <p:cNvPr id="5" name="TextBox 4"/>
+          <p:cNvSpPr txBox="1"/>
+          <p:nvPr/>
+        </p:nvSpPr>
+        <p:spPr>
+          <a:xfrm>
+            <a:off x="979714" y="2593910"/>
+            <a:ext cx="5756988" cy="3139321"/>
+          </a:xfrm>
+          <a:prstGeom prst="rect">
+            <a:avLst/>
+          </a:prstGeom>
+          <a:noFill/>
+        </p:spPr>
+        <p:txBody>
+          <a:bodyPr wrap="square" rtlCol="0">
+            <a:spAutoFit/>
+          </a:bodyPr>
+          <a:lstStyle/>
+          <a:p>
+            <a:r>
+              <a:rPr lang="en-US" dirty="0">
+                <a:latin typeface="Arial" panose="020B0604020202020204" pitchFamily="34" charset="0"/>
+                <a:cs typeface="Arial" panose="020B0604020202020204" pitchFamily="34" charset="0"/>
+              </a:rPr>
+              <a:t>For </a:t>
+            </a:r>
+            <a:r>
+              <a:rPr lang="bg-BG" dirty="0">
+                <a:latin typeface="Arial" panose="020B0604020202020204" pitchFamily="34" charset="0"/>
+                <a:cs typeface="Arial" panose="020B0604020202020204" pitchFamily="34" charset="0"/>
+              </a:rPr>
+              <a:t>цикълът е един от най-използваните цикли в програмирането</a:t>
+            </a:r>
+            <a:r>
+              <a:rPr lang="en-US" dirty="0">
+                <a:latin typeface="Arial" panose="020B0604020202020204" pitchFamily="34" charset="0"/>
+                <a:cs typeface="Arial" panose="020B0604020202020204" pitchFamily="34" charset="0"/>
+              </a:rPr>
+              <a:t>.</a:t>
+            </a:r>
+          </a:p>
+          <a:p>
+            <a:endParaRPr lang="en-US" dirty="0">
+              <a:latin typeface="Arial" panose="020B0604020202020204" pitchFamily="34" charset="0"/>
+              <a:cs typeface="Arial" panose="020B0604020202020204" pitchFamily="34" charset="0"/>
+            </a:endParaRPr>
+          </a:p>
+          <a:p>
+            <a:r>
+              <a:rPr lang="bg-BG" dirty="0">
+                <a:latin typeface="Arial" panose="020B0604020202020204" pitchFamily="34" charset="0"/>
+                <a:cs typeface="Arial" panose="020B0604020202020204" pitchFamily="34" charset="0"/>
+              </a:rPr>
+              <a:t>Съдържа три части</a:t>
+            </a:r>
+            <a:r>
+              <a:rPr lang="en-US" dirty="0">
+                <a:latin typeface="Arial" panose="020B0604020202020204" pitchFamily="34" charset="0"/>
+                <a:cs typeface="Arial" panose="020B0604020202020204" pitchFamily="34" charset="0"/>
+              </a:rPr>
+              <a:t>:</a:t>
+            </a:r>
+          </a:p>
+          <a:p>
+            <a:endParaRPr lang="en-US" dirty="0"/>
+          </a:p>
+          <a:p>
+            <a:pPr marL="742950" lvl="1" indent="-285750">
+              <a:buFont typeface="Arial" panose="020B0604020202020204" pitchFamily="34" charset="0"/>
+              <a:buChar char="•"/>
+            </a:pPr>
+            <a:r>
+              <a:rPr lang="en-US" b="1" dirty="0">
+                <a:latin typeface="Arial" panose="020B0604020202020204" pitchFamily="34" charset="0"/>
+                <a:cs typeface="Arial" panose="020B0604020202020204" pitchFamily="34" charset="0"/>
+              </a:rPr>
+              <a:t>statement 1</a:t>
+            </a:r>
+            <a:r>
+              <a:rPr lang="en-US" dirty="0">
+                <a:latin typeface="Arial" panose="020B0604020202020204" pitchFamily="34" charset="0"/>
+                <a:cs typeface="Arial" panose="020B0604020202020204" pitchFamily="34" charset="0"/>
+              </a:rPr>
+              <a:t> </a:t>
+            </a:r>
+            <a:r>
+              <a:rPr lang="bg-BG" dirty="0">
+                <a:latin typeface="Arial" panose="020B0604020202020204" pitchFamily="34" charset="0"/>
+                <a:cs typeface="Arial" panose="020B0604020202020204" pitchFamily="34" charset="0"/>
+              </a:rPr>
+              <a:t>се изпълнява веднъж само, преди изпълнението на </a:t>
+            </a:r>
+            <a:r>
+              <a:rPr lang="en-US" dirty="0">
+                <a:latin typeface="Arial" panose="020B0604020202020204" pitchFamily="34" charset="0"/>
+                <a:cs typeface="Arial" panose="020B0604020202020204" pitchFamily="34" charset="0"/>
+              </a:rPr>
+              <a:t>code block</a:t>
+            </a:r>
+            <a:r>
+              <a:rPr lang="bg-BG" dirty="0">
+                <a:latin typeface="Arial" panose="020B0604020202020204" pitchFamily="34" charset="0"/>
+                <a:cs typeface="Arial" panose="020B0604020202020204" pitchFamily="34" charset="0"/>
+              </a:rPr>
+              <a:t>-а</a:t>
+            </a:r>
+            <a:r>
+              <a:rPr lang="en-US" dirty="0">
+                <a:latin typeface="Arial" panose="020B0604020202020204" pitchFamily="34" charset="0"/>
+                <a:cs typeface="Arial" panose="020B0604020202020204" pitchFamily="34" charset="0"/>
+              </a:rPr>
+              <a:t>.</a:t>
+            </a:r>
+          </a:p>
+          <a:p>
+            <a:pPr marL="742950" lvl="1" indent="-285750">
+              <a:buFont typeface="Arial" panose="020B0604020202020204" pitchFamily="34" charset="0"/>
+              <a:buChar char="•"/>
+            </a:pPr>
+            <a:r>
+              <a:rPr lang="en-US" b="1" dirty="0">
+                <a:latin typeface="Arial" panose="020B0604020202020204" pitchFamily="34" charset="0"/>
+                <a:cs typeface="Arial" panose="020B0604020202020204" pitchFamily="34" charset="0"/>
+              </a:rPr>
+              <a:t>statement 2</a:t>
+            </a:r>
+            <a:r>
+              <a:rPr lang="en-US" dirty="0">
+                <a:latin typeface="Arial" panose="020B0604020202020204" pitchFamily="34" charset="0"/>
+                <a:cs typeface="Arial" panose="020B0604020202020204" pitchFamily="34" charset="0"/>
+              </a:rPr>
+              <a:t> </a:t>
+            </a:r>
+            <a:r>
+              <a:rPr lang="bg-BG" dirty="0">
+                <a:latin typeface="Arial" panose="020B0604020202020204" pitchFamily="34" charset="0"/>
+                <a:cs typeface="Arial" panose="020B0604020202020204" pitchFamily="34" charset="0"/>
+              </a:rPr>
+              <a:t>определя условието за изпълнение на </a:t>
+            </a:r>
+            <a:r>
+              <a:rPr lang="en-US" dirty="0">
+                <a:latin typeface="Arial" panose="020B0604020202020204" pitchFamily="34" charset="0"/>
+                <a:cs typeface="Arial" panose="020B0604020202020204" pitchFamily="34" charset="0"/>
+              </a:rPr>
+              <a:t>code block-</a:t>
+            </a:r>
+            <a:r>
+              <a:rPr lang="bg-BG" dirty="0">
+                <a:latin typeface="Arial" panose="020B0604020202020204" pitchFamily="34" charset="0"/>
+                <a:cs typeface="Arial" panose="020B0604020202020204" pitchFamily="34" charset="0"/>
+              </a:rPr>
+              <a:t>а</a:t>
+            </a:r>
+            <a:r>
+              <a:rPr lang="en-US" dirty="0">
+                <a:latin typeface="Arial" panose="020B0604020202020204" pitchFamily="34" charset="0"/>
+                <a:cs typeface="Arial" panose="020B0604020202020204" pitchFamily="34" charset="0"/>
+              </a:rPr>
+              <a:t>.</a:t>
+            </a:r>
+          </a:p>
+          <a:p>
+            <a:pPr marL="742950" lvl="1" indent="-285750">
+              <a:buFont typeface="Arial" panose="020B0604020202020204" pitchFamily="34" charset="0"/>
+              <a:buChar char="•"/>
+            </a:pPr>
+            <a:r>
+              <a:rPr lang="en-US" b="1" dirty="0">
+                <a:latin typeface="Arial" panose="020B0604020202020204" pitchFamily="34" charset="0"/>
+                <a:cs typeface="Arial" panose="020B0604020202020204" pitchFamily="34" charset="0"/>
+              </a:rPr>
+              <a:t>Statement 3</a:t>
+            </a:r>
+            <a:r>
+              <a:rPr lang="en-US" dirty="0">
+                <a:latin typeface="Arial" panose="020B0604020202020204" pitchFamily="34" charset="0"/>
+                <a:cs typeface="Arial" panose="020B0604020202020204" pitchFamily="34" charset="0"/>
+              </a:rPr>
+              <a:t> </a:t>
+            </a:r>
+            <a:r>
+              <a:rPr lang="bg-BG" dirty="0">
+                <a:latin typeface="Arial" panose="020B0604020202020204" pitchFamily="34" charset="0"/>
+                <a:cs typeface="Arial" panose="020B0604020202020204" pitchFamily="34" charset="0"/>
+              </a:rPr>
+              <a:t>се изпълнява всеки път</a:t>
+            </a:r>
+            <a:r>
+              <a:rPr lang="en-US" dirty="0">
+                <a:latin typeface="Arial" panose="020B0604020202020204" pitchFamily="34" charset="0"/>
+                <a:cs typeface="Arial" panose="020B0604020202020204" pitchFamily="34" charset="0"/>
+              </a:rPr>
+              <a:t> </a:t>
+            </a:r>
+            <a:r>
+              <a:rPr lang="bg-BG" dirty="0">
+                <a:latin typeface="Arial" panose="020B0604020202020204" pitchFamily="34" charset="0"/>
+                <a:cs typeface="Arial" panose="020B0604020202020204" pitchFamily="34" charset="0"/>
+              </a:rPr>
+              <a:t>след като </a:t>
+            </a:r>
+            <a:r>
+              <a:rPr lang="en-US" dirty="0">
+                <a:latin typeface="Arial" panose="020B0604020202020204" pitchFamily="34" charset="0"/>
+                <a:cs typeface="Arial" panose="020B0604020202020204" pitchFamily="34" charset="0"/>
+              </a:rPr>
+              <a:t>code</a:t>
+            </a:r>
+            <a:r>
+              <a:rPr lang="bg-BG" dirty="0">
+                <a:latin typeface="Arial" panose="020B0604020202020204" pitchFamily="34" charset="0"/>
+                <a:cs typeface="Arial" panose="020B0604020202020204" pitchFamily="34" charset="0"/>
+              </a:rPr>
+              <a:t> </a:t>
+            </a:r>
+            <a:r>
+              <a:rPr lang="en-US" dirty="0">
+                <a:latin typeface="Arial" panose="020B0604020202020204" pitchFamily="34" charset="0"/>
+                <a:cs typeface="Arial" panose="020B0604020202020204" pitchFamily="34" charset="0"/>
+              </a:rPr>
+              <a:t>block-</a:t>
+            </a:r>
+            <a:r>
+              <a:rPr lang="bg-BG" dirty="0">
+                <a:latin typeface="Arial" panose="020B0604020202020204" pitchFamily="34" charset="0"/>
+                <a:cs typeface="Arial" panose="020B0604020202020204" pitchFamily="34" charset="0"/>
+              </a:rPr>
+              <a:t>а се изпълни</a:t>
+            </a:r>
+            <a:r>
+              <a:rPr lang="en-US" dirty="0">
+                <a:latin typeface="Arial" panose="020B0604020202020204" pitchFamily="34" charset="0"/>
+                <a:cs typeface="Arial" panose="020B0604020202020204" pitchFamily="34" charset="0"/>
+              </a:rPr>
+              <a:t>.</a:t>
+            </a:r>
+          </a:p>
+        </p:txBody>
+      </p:sp>
+    </p:spTree>
+    <p:extLst>
+      <p:ext uri="{BB962C8B-B14F-4D97-AF65-F5344CB8AC3E}">
+        <p14:creationId xmlns:p14="http://schemas.microsoft.com/office/powerpoint/2010/main" val="3511445357"/>
+      </p:ext>
+    </p:extLst>
+  </p:cSld>
+  <p:clrMapOvr>
+    <a:masterClrMapping/>
+  </p:clrMapOvr>
+</p:sld>
+</file>
+
+<file path=ppt/slides/slide45.xml><?xml version="1.0" encoding="utf-8"?>
+<p:sld xmlns:a="http://schemas.openxmlformats.org/drawingml/2006/main" xmlns:r="http://schemas.openxmlformats.org/officeDocument/2006/relationships" xmlns:p="http://schemas.openxmlformats.org/presentationml/2006/main">
+  <p:cSld>
+    <p:spTree>
+      <p:nvGrpSpPr>
+        <p:cNvPr id="1" name=""/>
+        <p:cNvGrpSpPr/>
+        <p:nvPr/>
+      </p:nvGrpSpPr>
+      <p:grpSpPr>
+        <a:xfrm>
+          <a:off x="0" y="0"/>
+          <a:ext cx="0" cy="0"/>
+          <a:chOff x="0" y="0"/>
+          <a:chExt cx="0" cy="0"/>
+        </a:xfrm>
+      </p:grpSpPr>
+      <p:sp>
+        <p:nvSpPr>
+          <p:cNvPr id="2" name="Title 1"/>
+          <p:cNvSpPr>
+            <a:spLocks noGrp="1"/>
+          </p:cNvSpPr>
+          <p:nvPr>
+            <p:ph type="title"/>
+          </p:nvPr>
+        </p:nvSpPr>
+        <p:spPr/>
+        <p:txBody>
+          <a:bodyPr/>
+          <a:lstStyle/>
+          <a:p>
+            <a:pPr algn="ctr"/>
+            <a:r>
+              <a:rPr lang="bg-BG" dirty="0">
+                <a:latin typeface="Arial" panose="020B0604020202020204" pitchFamily="34" charset="0"/>
+                <a:cs typeface="Arial" panose="020B0604020202020204" pitchFamily="34" charset="0"/>
+              </a:rPr>
+              <a:t>Цикли</a:t>
+            </a:r>
+            <a:r>
+              <a:rPr lang="en-US" dirty="0">
+                <a:latin typeface="Arial" panose="020B0604020202020204" pitchFamily="34" charset="0"/>
+                <a:cs typeface="Arial" panose="020B0604020202020204" pitchFamily="34" charset="0"/>
+              </a:rPr>
+              <a:t> (</a:t>
+            </a:r>
+            <a:r>
+              <a:rPr lang="en-US" dirty="0">
+                <a:solidFill>
+                  <a:srgbClr val="FFFF00"/>
+                </a:solidFill>
+                <a:latin typeface="Arial" panose="020B0604020202020204" pitchFamily="34" charset="0"/>
+                <a:cs typeface="Arial" panose="020B0604020202020204" pitchFamily="34" charset="0"/>
+              </a:rPr>
+              <a:t>while</a:t>
+            </a:r>
+            <a:r>
+              <a:rPr lang="en-US" dirty="0">
+                <a:latin typeface="Arial" panose="020B0604020202020204" pitchFamily="34" charset="0"/>
+                <a:cs typeface="Arial" panose="020B0604020202020204" pitchFamily="34" charset="0"/>
+              </a:rPr>
+              <a:t> </a:t>
+            </a:r>
+            <a:r>
+              <a:rPr lang="bg-BG" dirty="0">
+                <a:latin typeface="Arial" panose="020B0604020202020204" pitchFamily="34" charset="0"/>
+                <a:cs typeface="Arial" panose="020B0604020202020204" pitchFamily="34" charset="0"/>
+              </a:rPr>
+              <a:t>цикъл</a:t>
+            </a:r>
+            <a:r>
+              <a:rPr lang="en-US" dirty="0">
+                <a:latin typeface="Arial" panose="020B0604020202020204" pitchFamily="34" charset="0"/>
+                <a:cs typeface="Arial" panose="020B0604020202020204" pitchFamily="34" charset="0"/>
+              </a:rPr>
+              <a:t>)</a:t>
+            </a:r>
+          </a:p>
+        </p:txBody>
+      </p:sp>
+      <p:pic>
+        <p:nvPicPr>
+          <p:cNvPr id="4" name="Content Placeholder 3"/>
+          <p:cNvPicPr>
+            <a:picLocks noGrp="1" noChangeAspect="1"/>
+          </p:cNvPicPr>
+          <p:nvPr>
+            <p:ph idx="1"/>
+          </p:nvPr>
+        </p:nvPicPr>
+        <p:blipFill>
+          <a:blip r:embed="rId2">
+            <a:extLst>
+              <a:ext uri="{28A0092B-C50C-407E-A947-70E740481C1C}">
+                <a14:useLocalDpi xmlns:a14="http://schemas.microsoft.com/office/drawing/2010/main" val="0"/>
+              </a:ext>
+            </a:extLst>
+          </a:blip>
+          <a:stretch>
+            <a:fillRect/>
+          </a:stretch>
+        </p:blipFill>
+        <p:spPr>
+          <a:xfrm>
+            <a:off x="6490998" y="2936010"/>
+            <a:ext cx="5530841" cy="1682599"/>
+          </a:xfrm>
+        </p:spPr>
+      </p:pic>
+      <p:sp>
+        <p:nvSpPr>
+          <p:cNvPr id="5" name="TextBox 4"/>
+          <p:cNvSpPr txBox="1"/>
+          <p:nvPr/>
+        </p:nvSpPr>
+        <p:spPr>
+          <a:xfrm>
+            <a:off x="560155" y="2802727"/>
+            <a:ext cx="5054585" cy="1815882"/>
+          </a:xfrm>
+          <a:prstGeom prst="rect">
+            <a:avLst/>
+          </a:prstGeom>
+          <a:noFill/>
+        </p:spPr>
+        <p:txBody>
+          <a:bodyPr wrap="square" rtlCol="0">
+            <a:spAutoFit/>
+          </a:bodyPr>
+          <a:lstStyle/>
+          <a:p>
+            <a:r>
+              <a:rPr lang="en-US" sz="2800" dirty="0">
+                <a:solidFill>
+                  <a:srgbClr val="00B050"/>
+                </a:solidFill>
+                <a:latin typeface="Arial" panose="020B0604020202020204" pitchFamily="34" charset="0"/>
+                <a:cs typeface="Arial" panose="020B0604020202020204" pitchFamily="34" charset="0"/>
+              </a:rPr>
+              <a:t>While</a:t>
+            </a:r>
+            <a:r>
+              <a:rPr lang="en-US" sz="2800" dirty="0">
+                <a:latin typeface="Arial" panose="020B0604020202020204" pitchFamily="34" charset="0"/>
+                <a:cs typeface="Arial" panose="020B0604020202020204" pitchFamily="34" charset="0"/>
+              </a:rPr>
+              <a:t> </a:t>
+            </a:r>
+            <a:r>
+              <a:rPr lang="bg-BG" sz="2800" dirty="0">
+                <a:latin typeface="Arial" panose="020B0604020202020204" pitchFamily="34" charset="0"/>
+                <a:cs typeface="Arial" panose="020B0604020202020204" pitchFamily="34" charset="0"/>
+              </a:rPr>
+              <a:t>цикълът цикли кодът в </a:t>
+            </a:r>
+            <a:r>
+              <a:rPr lang="en-US" sz="2800" dirty="0">
+                <a:latin typeface="Arial" panose="020B0604020202020204" pitchFamily="34" charset="0"/>
+                <a:cs typeface="Arial" panose="020B0604020202020204" pitchFamily="34" charset="0"/>
+              </a:rPr>
+              <a:t>code block-</a:t>
+            </a:r>
+            <a:r>
+              <a:rPr lang="bg-BG" sz="2800" dirty="0">
+                <a:latin typeface="Arial" panose="020B0604020202020204" pitchFamily="34" charset="0"/>
+                <a:cs typeface="Arial" panose="020B0604020202020204" pitchFamily="34" charset="0"/>
+              </a:rPr>
+              <a:t>а докато условието в скобите е удовлетворено</a:t>
+            </a:r>
+            <a:r>
+              <a:rPr lang="en-US" sz="2800" dirty="0">
+                <a:latin typeface="Arial" panose="020B0604020202020204" pitchFamily="34" charset="0"/>
+                <a:cs typeface="Arial" panose="020B0604020202020204" pitchFamily="34" charset="0"/>
+              </a:rPr>
+              <a:t>,</a:t>
+            </a:r>
+            <a:r>
+              <a:rPr lang="bg-BG" sz="2800" dirty="0">
+                <a:latin typeface="Arial" panose="020B0604020202020204" pitchFamily="34" charset="0"/>
+                <a:cs typeface="Arial" panose="020B0604020202020204" pitchFamily="34" charset="0"/>
+              </a:rPr>
+              <a:t> т.е.</a:t>
+            </a:r>
+            <a:r>
+              <a:rPr lang="en-US" sz="2800" dirty="0">
+                <a:latin typeface="Arial" panose="020B0604020202020204" pitchFamily="34" charset="0"/>
+                <a:cs typeface="Arial" panose="020B0604020202020204" pitchFamily="34" charset="0"/>
+              </a:rPr>
+              <a:t> </a:t>
+            </a:r>
+            <a:r>
+              <a:rPr lang="bg-BG" sz="2800" dirty="0">
+                <a:latin typeface="Arial" panose="020B0604020202020204" pitchFamily="34" charset="0"/>
+                <a:cs typeface="Arial" panose="020B0604020202020204" pitchFamily="34" charset="0"/>
+              </a:rPr>
+              <a:t>е </a:t>
+            </a:r>
+            <a:r>
+              <a:rPr lang="en-US" sz="2800" dirty="0">
+                <a:solidFill>
+                  <a:schemeClr val="accent5">
+                    <a:lumMod val="50000"/>
+                  </a:schemeClr>
+                </a:solidFill>
+                <a:latin typeface="Arial" panose="020B0604020202020204" pitchFamily="34" charset="0"/>
+                <a:cs typeface="Arial" panose="020B0604020202020204" pitchFamily="34" charset="0"/>
+              </a:rPr>
+              <a:t>True</a:t>
+            </a:r>
+            <a:r>
+              <a:rPr lang="bg-BG" sz="2800" dirty="0">
+                <a:latin typeface="Arial" panose="020B0604020202020204" pitchFamily="34" charset="0"/>
+                <a:cs typeface="Arial" panose="020B0604020202020204" pitchFamily="34" charset="0"/>
+              </a:rPr>
+              <a:t>.</a:t>
+            </a:r>
+            <a:r>
+              <a:rPr lang="en-US" sz="2800" dirty="0">
+                <a:latin typeface="Arial" panose="020B0604020202020204" pitchFamily="34" charset="0"/>
+                <a:cs typeface="Arial" panose="020B0604020202020204" pitchFamily="34" charset="0"/>
+              </a:rPr>
+              <a:t> </a:t>
+            </a:r>
+          </a:p>
+        </p:txBody>
+      </p:sp>
+    </p:spTree>
+    <p:extLst>
+      <p:ext uri="{BB962C8B-B14F-4D97-AF65-F5344CB8AC3E}">
+        <p14:creationId xmlns:p14="http://schemas.microsoft.com/office/powerpoint/2010/main" val="715386277"/>
+      </p:ext>
+    </p:extLst>
+  </p:cSld>
+  <p:clrMapOvr>
+    <a:masterClrMapping/>
+  </p:clrMapOvr>
+</p:sld>
+</file>
+
+<file path=ppt/slides/slide46.xml><?xml version="1.0" encoding="utf-8"?>
+<p:sld xmlns:a="http://schemas.openxmlformats.org/drawingml/2006/main" xmlns:r="http://schemas.openxmlformats.org/officeDocument/2006/relationships" xmlns:p="http://schemas.openxmlformats.org/presentationml/2006/main">
+  <p:cSld>
+    <p:spTree>
+      <p:nvGrpSpPr>
+        <p:cNvPr id="1" name=""/>
+        <p:cNvGrpSpPr/>
+        <p:nvPr/>
+      </p:nvGrpSpPr>
+      <p:grpSpPr>
+        <a:xfrm>
+          <a:off x="0" y="0"/>
+          <a:ext cx="0" cy="0"/>
+          <a:chOff x="0" y="0"/>
+          <a:chExt cx="0" cy="0"/>
+        </a:xfrm>
+      </p:grpSpPr>
+      <p:sp>
+        <p:nvSpPr>
+          <p:cNvPr id="2" name="Title 1"/>
+          <p:cNvSpPr>
+            <a:spLocks noGrp="1"/>
+          </p:cNvSpPr>
+          <p:nvPr>
+            <p:ph type="title"/>
+          </p:nvPr>
+        </p:nvSpPr>
+        <p:spPr/>
+        <p:txBody>
+          <a:bodyPr/>
+          <a:lstStyle/>
+          <a:p>
+            <a:pPr algn="ctr"/>
+            <a:r>
+              <a:rPr lang="bg-BG" dirty="0">
+                <a:latin typeface="Arial" panose="020B0604020202020204" pitchFamily="34" charset="0"/>
+                <a:cs typeface="Arial" panose="020B0604020202020204" pitchFamily="34" charset="0"/>
+              </a:rPr>
+              <a:t>Цикли</a:t>
+            </a:r>
+            <a:r>
+              <a:rPr lang="en-US" dirty="0">
+                <a:latin typeface="Arial" panose="020B0604020202020204" pitchFamily="34" charset="0"/>
+                <a:cs typeface="Arial" panose="020B0604020202020204" pitchFamily="34" charset="0"/>
+              </a:rPr>
+              <a:t> (</a:t>
+            </a:r>
+            <a:r>
+              <a:rPr lang="en-US" dirty="0">
+                <a:solidFill>
+                  <a:srgbClr val="FFFF00"/>
+                </a:solidFill>
+                <a:latin typeface="Arial" panose="020B0604020202020204" pitchFamily="34" charset="0"/>
+                <a:cs typeface="Arial" panose="020B0604020202020204" pitchFamily="34" charset="0"/>
+              </a:rPr>
+              <a:t>do/while</a:t>
+            </a:r>
+            <a:r>
+              <a:rPr lang="en-US" dirty="0">
+                <a:latin typeface="Arial" panose="020B0604020202020204" pitchFamily="34" charset="0"/>
+                <a:cs typeface="Arial" panose="020B0604020202020204" pitchFamily="34" charset="0"/>
+              </a:rPr>
+              <a:t> </a:t>
+            </a:r>
+            <a:r>
+              <a:rPr lang="bg-BG" dirty="0">
+                <a:latin typeface="Arial" panose="020B0604020202020204" pitchFamily="34" charset="0"/>
+                <a:cs typeface="Arial" panose="020B0604020202020204" pitchFamily="34" charset="0"/>
+              </a:rPr>
+              <a:t>цикъл</a:t>
+            </a:r>
+            <a:r>
+              <a:rPr lang="en-US" dirty="0">
+                <a:latin typeface="Arial" panose="020B0604020202020204" pitchFamily="34" charset="0"/>
+                <a:cs typeface="Arial" panose="020B0604020202020204" pitchFamily="34" charset="0"/>
+              </a:rPr>
+              <a:t>)</a:t>
+            </a:r>
+            <a:endParaRPr lang="en-US" dirty="0"/>
+          </a:p>
+        </p:txBody>
+      </p:sp>
+      <p:pic>
+        <p:nvPicPr>
+          <p:cNvPr id="4" name="Content Placeholder 3"/>
+          <p:cNvPicPr>
+            <a:picLocks noGrp="1" noChangeAspect="1"/>
+          </p:cNvPicPr>
+          <p:nvPr>
+            <p:ph idx="1"/>
+          </p:nvPr>
+        </p:nvPicPr>
+        <p:blipFill>
+          <a:blip r:embed="rId2">
+            <a:extLst>
+              <a:ext uri="{28A0092B-C50C-407E-A947-70E740481C1C}">
+                <a14:useLocalDpi xmlns:a14="http://schemas.microsoft.com/office/drawing/2010/main" val="0"/>
+              </a:ext>
+            </a:extLst>
+          </a:blip>
+          <a:stretch>
+            <a:fillRect/>
+          </a:stretch>
+        </p:blipFill>
+        <p:spPr>
+          <a:xfrm>
+            <a:off x="6493777" y="2901971"/>
+            <a:ext cx="5130778" cy="1549258"/>
+          </a:xfrm>
+        </p:spPr>
+      </p:pic>
+      <p:sp>
+        <p:nvSpPr>
+          <p:cNvPr id="6" name="TextBox 5"/>
+          <p:cNvSpPr txBox="1"/>
+          <p:nvPr/>
+        </p:nvSpPr>
+        <p:spPr>
+          <a:xfrm>
+            <a:off x="1154954" y="2789852"/>
+            <a:ext cx="5054585" cy="3970318"/>
+          </a:xfrm>
+          <a:prstGeom prst="rect">
+            <a:avLst/>
+          </a:prstGeom>
+          <a:noFill/>
+        </p:spPr>
+        <p:txBody>
+          <a:bodyPr wrap="square" rtlCol="0">
+            <a:spAutoFit/>
+          </a:bodyPr>
+          <a:lstStyle/>
+          <a:p>
+            <a:r>
+              <a:rPr lang="en-US" sz="2800" dirty="0">
+                <a:solidFill>
+                  <a:srgbClr val="00B050"/>
+                </a:solidFill>
+                <a:latin typeface="Arial" panose="020B0604020202020204" pitchFamily="34" charset="0"/>
+                <a:cs typeface="Arial" panose="020B0604020202020204" pitchFamily="34" charset="0"/>
+              </a:rPr>
+              <a:t>Do/while</a:t>
+            </a:r>
+            <a:r>
+              <a:rPr lang="en-US" sz="2800" dirty="0">
+                <a:latin typeface="Arial" panose="020B0604020202020204" pitchFamily="34" charset="0"/>
+                <a:cs typeface="Arial" panose="020B0604020202020204" pitchFamily="34" charset="0"/>
+              </a:rPr>
+              <a:t> </a:t>
+            </a:r>
+            <a:r>
+              <a:rPr lang="bg-BG" sz="2800" dirty="0">
+                <a:latin typeface="Arial" panose="020B0604020202020204" pitchFamily="34" charset="0"/>
+                <a:cs typeface="Arial" panose="020B0604020202020204" pitchFamily="34" charset="0"/>
+              </a:rPr>
+              <a:t>цикъла е вариация на </a:t>
+            </a:r>
+            <a:r>
+              <a:rPr lang="en-US" sz="2800" dirty="0">
+                <a:solidFill>
+                  <a:srgbClr val="00B050"/>
+                </a:solidFill>
+                <a:latin typeface="Arial" panose="020B0604020202020204" pitchFamily="34" charset="0"/>
+                <a:cs typeface="Arial" panose="020B0604020202020204" pitchFamily="34" charset="0"/>
+              </a:rPr>
+              <a:t>While</a:t>
+            </a:r>
+            <a:r>
+              <a:rPr lang="en-US" sz="2800" dirty="0">
+                <a:latin typeface="Arial" panose="020B0604020202020204" pitchFamily="34" charset="0"/>
+                <a:cs typeface="Arial" panose="020B0604020202020204" pitchFamily="34" charset="0"/>
+              </a:rPr>
+              <a:t> </a:t>
+            </a:r>
+            <a:r>
+              <a:rPr lang="bg-BG" sz="2800" dirty="0">
+                <a:latin typeface="Arial" panose="020B0604020202020204" pitchFamily="34" charset="0"/>
+                <a:cs typeface="Arial" panose="020B0604020202020204" pitchFamily="34" charset="0"/>
+              </a:rPr>
+              <a:t>цикъла</a:t>
+            </a:r>
+            <a:r>
+              <a:rPr lang="en-US" sz="2800" dirty="0">
+                <a:latin typeface="Arial" panose="020B0604020202020204" pitchFamily="34" charset="0"/>
+                <a:cs typeface="Arial" panose="020B0604020202020204" pitchFamily="34" charset="0"/>
+              </a:rPr>
+              <a:t>. </a:t>
+            </a:r>
+            <a:r>
+              <a:rPr lang="bg-BG" sz="2800" dirty="0">
+                <a:latin typeface="Arial" panose="020B0604020202020204" pitchFamily="34" charset="0"/>
+                <a:cs typeface="Arial" panose="020B0604020202020204" pitchFamily="34" charset="0"/>
+              </a:rPr>
+              <a:t>Този цикъл ще изпълни кодът в </a:t>
+            </a:r>
+            <a:r>
+              <a:rPr lang="en-US" sz="2800" dirty="0">
+                <a:latin typeface="Arial" panose="020B0604020202020204" pitchFamily="34" charset="0"/>
+                <a:cs typeface="Arial" panose="020B0604020202020204" pitchFamily="34" charset="0"/>
+              </a:rPr>
+              <a:t>code</a:t>
+            </a:r>
+            <a:r>
+              <a:rPr lang="bg-BG" sz="2800" dirty="0">
+                <a:latin typeface="Arial" panose="020B0604020202020204" pitchFamily="34" charset="0"/>
+                <a:cs typeface="Arial" panose="020B0604020202020204" pitchFamily="34" charset="0"/>
+              </a:rPr>
+              <a:t>-</a:t>
+            </a:r>
+            <a:r>
+              <a:rPr lang="en-US" sz="2800" dirty="0">
+                <a:latin typeface="Arial" panose="020B0604020202020204" pitchFamily="34" charset="0"/>
+                <a:cs typeface="Arial" panose="020B0604020202020204" pitchFamily="34" charset="0"/>
+              </a:rPr>
+              <a:t>block</a:t>
+            </a:r>
+            <a:r>
+              <a:rPr lang="bg-BG" sz="2800" dirty="0">
+                <a:latin typeface="Arial" panose="020B0604020202020204" pitchFamily="34" charset="0"/>
+                <a:cs typeface="Arial" panose="020B0604020202020204" pitchFamily="34" charset="0"/>
+              </a:rPr>
+              <a:t>-а поне веднъж</a:t>
+            </a:r>
+            <a:r>
+              <a:rPr lang="en-US" sz="2800" dirty="0">
+                <a:latin typeface="Arial" panose="020B0604020202020204" pitchFamily="34" charset="0"/>
+                <a:cs typeface="Arial" panose="020B0604020202020204" pitchFamily="34" charset="0"/>
+              </a:rPr>
+              <a:t>, </a:t>
+            </a:r>
+            <a:r>
+              <a:rPr lang="bg-BG" sz="2800" dirty="0">
+                <a:latin typeface="Arial" panose="020B0604020202020204" pitchFamily="34" charset="0"/>
+                <a:cs typeface="Arial" panose="020B0604020202020204" pitchFamily="34" charset="0"/>
+              </a:rPr>
+              <a:t>преди да провери дали условието е </a:t>
+            </a:r>
+            <a:r>
+              <a:rPr lang="en-US" sz="2800" dirty="0">
+                <a:solidFill>
+                  <a:schemeClr val="accent5">
+                    <a:lumMod val="50000"/>
+                  </a:schemeClr>
+                </a:solidFill>
+                <a:latin typeface="Arial" panose="020B0604020202020204" pitchFamily="34" charset="0"/>
+                <a:cs typeface="Arial" panose="020B0604020202020204" pitchFamily="34" charset="0"/>
+              </a:rPr>
+              <a:t>True</a:t>
+            </a:r>
+            <a:r>
+              <a:rPr lang="en-US" sz="2800" dirty="0">
+                <a:latin typeface="Arial" panose="020B0604020202020204" pitchFamily="34" charset="0"/>
+                <a:cs typeface="Arial" panose="020B0604020202020204" pitchFamily="34" charset="0"/>
+              </a:rPr>
+              <a:t>,</a:t>
+            </a:r>
+            <a:r>
+              <a:rPr lang="bg-BG" sz="2800" dirty="0">
+                <a:latin typeface="Arial" panose="020B0604020202020204" pitchFamily="34" charset="0"/>
+                <a:cs typeface="Arial" panose="020B0604020202020204" pitchFamily="34" charset="0"/>
+              </a:rPr>
+              <a:t> след това цикълът ще продължи докато условието в скобите е валидно</a:t>
+            </a:r>
+            <a:r>
+              <a:rPr lang="en-US" sz="2800" dirty="0">
+                <a:latin typeface="Arial" panose="020B0604020202020204" pitchFamily="34" charset="0"/>
+                <a:cs typeface="Arial" panose="020B0604020202020204" pitchFamily="34" charset="0"/>
+              </a:rPr>
+              <a:t>.</a:t>
+            </a:r>
+          </a:p>
+        </p:txBody>
+      </p:sp>
+    </p:spTree>
+    <p:extLst>
+      <p:ext uri="{BB962C8B-B14F-4D97-AF65-F5344CB8AC3E}">
+        <p14:creationId xmlns:p14="http://schemas.microsoft.com/office/powerpoint/2010/main" val="902789663"/>
+      </p:ext>
+    </p:extLst>
+  </p:cSld>
+  <p:clrMapOvr>
+    <a:masterClrMapping/>
+  </p:clrMapOvr>
+</p:sld>
+</file>
+
+<file path=ppt/slides/slide47.xml><?xml version="1.0" encoding="utf-8"?>
+<p:sld xmlns:a="http://schemas.openxmlformats.org/drawingml/2006/main" xmlns:r="http://schemas.openxmlformats.org/officeDocument/2006/relationships" xmlns:p="http://schemas.openxmlformats.org/presentationml/2006/main">
+  <p:cSld>
+    <p:spTree>
+      <p:nvGrpSpPr>
+        <p:cNvPr id="1" name=""/>
+        <p:cNvGrpSpPr/>
+        <p:nvPr/>
+      </p:nvGrpSpPr>
+      <p:grpSpPr>
+        <a:xfrm>
+          <a:off x="0" y="0"/>
+          <a:ext cx="0" cy="0"/>
+          <a:chOff x="0" y="0"/>
+          <a:chExt cx="0" cy="0"/>
+        </a:xfrm>
+      </p:grpSpPr>
+      <p:sp>
+        <p:nvSpPr>
+          <p:cNvPr id="2" name="Title 1"/>
+          <p:cNvSpPr>
+            <a:spLocks noGrp="1"/>
+          </p:cNvSpPr>
+          <p:nvPr>
+            <p:ph type="title"/>
+          </p:nvPr>
+        </p:nvSpPr>
+        <p:spPr/>
+        <p:txBody>
+          <a:bodyPr/>
+          <a:lstStyle/>
+          <a:p>
+            <a:pPr algn="ctr"/>
+            <a:r>
+              <a:rPr lang="bg-BG" dirty="0">
+                <a:latin typeface="Arial" panose="020B0604020202020204" pitchFamily="34" charset="0"/>
+                <a:cs typeface="Arial" panose="020B0604020202020204" pitchFamily="34" charset="0"/>
+              </a:rPr>
+              <a:t>Цикли (вложени</a:t>
+            </a:r>
+            <a:r>
+              <a:rPr lang="en-US" dirty="0">
+                <a:latin typeface="Arial" panose="020B0604020202020204" pitchFamily="34" charset="0"/>
+                <a:cs typeface="Arial" panose="020B0604020202020204" pitchFamily="34" charset="0"/>
+              </a:rPr>
+              <a:t> </a:t>
+            </a:r>
+            <a:r>
+              <a:rPr lang="en-US" dirty="0">
+                <a:solidFill>
+                  <a:srgbClr val="FFFF00"/>
+                </a:solidFill>
+                <a:latin typeface="Arial" panose="020B0604020202020204" pitchFamily="34" charset="0"/>
+                <a:cs typeface="Arial" panose="020B0604020202020204" pitchFamily="34" charset="0"/>
+              </a:rPr>
+              <a:t>for</a:t>
+            </a:r>
+            <a:r>
+              <a:rPr lang="en-US" dirty="0">
+                <a:latin typeface="Arial" panose="020B0604020202020204" pitchFamily="34" charset="0"/>
+                <a:cs typeface="Arial" panose="020B0604020202020204" pitchFamily="34" charset="0"/>
+              </a:rPr>
+              <a:t> </a:t>
+            </a:r>
+            <a:r>
+              <a:rPr lang="bg-BG" dirty="0">
+                <a:latin typeface="Arial" panose="020B0604020202020204" pitchFamily="34" charset="0"/>
+                <a:cs typeface="Arial" panose="020B0604020202020204" pitchFamily="34" charset="0"/>
+              </a:rPr>
+              <a:t>цикли</a:t>
+            </a:r>
+            <a:r>
+              <a:rPr lang="en-US" dirty="0">
+                <a:latin typeface="Arial" panose="020B0604020202020204" pitchFamily="34" charset="0"/>
+                <a:cs typeface="Arial" panose="020B0604020202020204" pitchFamily="34" charset="0"/>
+              </a:rPr>
+              <a:t>)</a:t>
+            </a:r>
+          </a:p>
+        </p:txBody>
+      </p:sp>
+      <p:pic>
+        <p:nvPicPr>
+          <p:cNvPr id="4" name="Content Placeholder 3"/>
+          <p:cNvPicPr>
+            <a:picLocks noGrp="1" noChangeAspect="1"/>
+          </p:cNvPicPr>
+          <p:nvPr>
+            <p:ph idx="1"/>
+          </p:nvPr>
+        </p:nvPicPr>
+        <p:blipFill>
+          <a:blip r:embed="rId2">
+            <a:extLst>
+              <a:ext uri="{28A0092B-C50C-407E-A947-70E740481C1C}">
+                <a14:useLocalDpi xmlns:a14="http://schemas.microsoft.com/office/drawing/2010/main" val="0"/>
+              </a:ext>
+            </a:extLst>
+          </a:blip>
+          <a:stretch>
+            <a:fillRect/>
+          </a:stretch>
+        </p:blipFill>
+        <p:spPr>
+          <a:xfrm>
+            <a:off x="6012526" y="2534837"/>
             <a:ext cx="5454796" cy="4135255"/>
           </a:xfrm>
         </p:spPr>
@@ -24416,7 +24852,7 @@
         </p:nvSpPr>
         <p:spPr>
           <a:xfrm>
-            <a:off x="823701" y="3048194"/>
+            <a:off x="481075" y="2918797"/>
             <a:ext cx="5054585" cy="3108543"/>
           </a:xfrm>
           <a:prstGeom prst="rect">
@@ -24510,7 +24946,172 @@
 </p:sld>
 </file>
 
-<file path=ppt/slides/slide45.xml><?xml version="1.0" encoding="utf-8"?>
+<file path=ppt/slides/slide48.xml><?xml version="1.0" encoding="utf-8"?>
+<p:sld xmlns:a="http://schemas.openxmlformats.org/drawingml/2006/main" xmlns:r="http://schemas.openxmlformats.org/officeDocument/2006/relationships" xmlns:p="http://schemas.openxmlformats.org/presentationml/2006/main">
+  <p:cSld>
+    <p:spTree>
+      <p:nvGrpSpPr>
+        <p:cNvPr id="1" name=""/>
+        <p:cNvGrpSpPr/>
+        <p:nvPr/>
+      </p:nvGrpSpPr>
+      <p:grpSpPr>
+        <a:xfrm>
+          <a:off x="0" y="0"/>
+          <a:ext cx="0" cy="0"/>
+          <a:chOff x="0" y="0"/>
+          <a:chExt cx="0" cy="0"/>
+        </a:xfrm>
+      </p:grpSpPr>
+      <p:sp>
+        <p:nvSpPr>
+          <p:cNvPr id="2" name="Title 1"/>
+          <p:cNvSpPr>
+            <a:spLocks noGrp="1"/>
+          </p:cNvSpPr>
+          <p:nvPr>
+            <p:ph type="title"/>
+          </p:nvPr>
+        </p:nvSpPr>
+        <p:spPr/>
+        <p:txBody>
+          <a:bodyPr/>
+          <a:lstStyle/>
+          <a:p>
+            <a:pPr algn="ctr"/>
+            <a:r>
+              <a:rPr lang="bg-BG" dirty="0">
+                <a:latin typeface="Arial" panose="020B0604020202020204" pitchFamily="34" charset="0"/>
+                <a:cs typeface="Arial" panose="020B0604020202020204" pitchFamily="34" charset="0"/>
+              </a:rPr>
+              <a:t>Използване на </a:t>
+            </a:r>
+            <a:r>
+              <a:rPr lang="en-US" dirty="0">
+                <a:latin typeface="Arial" panose="020B0604020202020204" pitchFamily="34" charset="0"/>
+                <a:cs typeface="Arial" panose="020B0604020202020204" pitchFamily="34" charset="0"/>
+              </a:rPr>
+              <a:t>“</a:t>
+            </a:r>
+            <a:r>
+              <a:rPr lang="en-US" dirty="0">
+                <a:solidFill>
+                  <a:srgbClr val="FFFF00"/>
+                </a:solidFill>
+                <a:latin typeface="Arial" panose="020B0604020202020204" pitchFamily="34" charset="0"/>
+                <a:cs typeface="Arial" panose="020B0604020202020204" pitchFamily="34" charset="0"/>
+              </a:rPr>
+              <a:t>continue</a:t>
+            </a:r>
+            <a:r>
+              <a:rPr lang="en-US" dirty="0">
+                <a:latin typeface="Arial" panose="020B0604020202020204" pitchFamily="34" charset="0"/>
+                <a:cs typeface="Arial" panose="020B0604020202020204" pitchFamily="34" charset="0"/>
+              </a:rPr>
+              <a:t>”</a:t>
+            </a:r>
+          </a:p>
+        </p:txBody>
+      </p:sp>
+      <p:pic>
+        <p:nvPicPr>
+          <p:cNvPr id="5" name="Content Placeholder 4"/>
+          <p:cNvPicPr>
+            <a:picLocks noGrp="1" noChangeAspect="1"/>
+          </p:cNvPicPr>
+          <p:nvPr>
+            <p:ph idx="1"/>
+          </p:nvPr>
+        </p:nvPicPr>
+        <p:blipFill>
+          <a:blip r:embed="rId2">
+            <a:extLst>
+              <a:ext uri="{28A0092B-C50C-407E-A947-70E740481C1C}">
+                <a14:useLocalDpi xmlns:a14="http://schemas.microsoft.com/office/drawing/2010/main" val="0"/>
+              </a:ext>
+            </a:extLst>
+          </a:blip>
+          <a:stretch>
+            <a:fillRect/>
+          </a:stretch>
+        </p:blipFill>
+        <p:spPr>
+          <a:xfrm>
+            <a:off x="6774025" y="2300622"/>
+            <a:ext cx="4142791" cy="4471184"/>
+          </a:xfrm>
+        </p:spPr>
+      </p:pic>
+      <p:sp>
+        <p:nvSpPr>
+          <p:cNvPr id="6" name="TextBox 5"/>
+          <p:cNvSpPr txBox="1"/>
+          <p:nvPr/>
+        </p:nvSpPr>
+        <p:spPr>
+          <a:xfrm>
+            <a:off x="1038304" y="3610946"/>
+            <a:ext cx="5054585" cy="1384995"/>
+          </a:xfrm>
+          <a:prstGeom prst="rect">
+            <a:avLst/>
+          </a:prstGeom>
+          <a:noFill/>
+        </p:spPr>
+        <p:txBody>
+          <a:bodyPr wrap="square" rtlCol="0">
+            <a:spAutoFit/>
+          </a:bodyPr>
+          <a:lstStyle/>
+          <a:p>
+            <a:r>
+              <a:rPr lang="en-US" sz="2800" dirty="0">
+                <a:solidFill>
+                  <a:srgbClr val="002060"/>
+                </a:solidFill>
+                <a:latin typeface="Arial" panose="020B0604020202020204" pitchFamily="34" charset="0"/>
+                <a:cs typeface="Arial" panose="020B0604020202020204" pitchFamily="34" charset="0"/>
+              </a:rPr>
+              <a:t>Continue</a:t>
+            </a:r>
+            <a:r>
+              <a:rPr lang="bg-BG" sz="2800" dirty="0">
+                <a:solidFill>
+                  <a:srgbClr val="002060"/>
+                </a:solidFill>
+                <a:latin typeface="Arial" panose="020B0604020202020204" pitchFamily="34" charset="0"/>
+                <a:cs typeface="Arial" panose="020B0604020202020204" pitchFamily="34" charset="0"/>
+              </a:rPr>
+              <a:t> </a:t>
+            </a:r>
+            <a:r>
+              <a:rPr lang="bg-BG" sz="2800" dirty="0">
+                <a:latin typeface="Arial" panose="020B0604020202020204" pitchFamily="34" charset="0"/>
+                <a:cs typeface="Arial" panose="020B0604020202020204" pitchFamily="34" charset="0"/>
+              </a:rPr>
+              <a:t>просто отива на следващата итерация от цикъла, ако има такава.</a:t>
+            </a:r>
+            <a:endParaRPr lang="en-US" sz="2800" dirty="0">
+              <a:latin typeface="Arial" panose="020B0604020202020204" pitchFamily="34" charset="0"/>
+              <a:cs typeface="Arial" panose="020B0604020202020204" pitchFamily="34" charset="0"/>
+            </a:endParaRPr>
+          </a:p>
+        </p:txBody>
+      </p:sp>
+    </p:spTree>
+    <p:extLst>
+      <p:ext uri="{BB962C8B-B14F-4D97-AF65-F5344CB8AC3E}">
+        <p14:creationId xmlns:p14="http://schemas.microsoft.com/office/powerpoint/2010/main" val="2923579647"/>
+      </p:ext>
+    </p:extLst>
+  </p:cSld>
+  <p:clrMapOvr>
+    <a:masterClrMapping/>
+  </p:clrMapOvr>
+</p:sld>
+</file>
+
+<file path=ppt/slides/slide49.xml><?xml version="1.0" encoding="utf-8"?>
 <p:sld xmlns:a="http://schemas.openxmlformats.org/drawingml/2006/main" xmlns:r="http://schemas.openxmlformats.org/officeDocument/2006/relationships" xmlns:p="http://schemas.openxmlformats.org/presentationml/2006/main">
   <p:cSld>
     <p:spTree>
@@ -24675,7 +25276,7 @@
 </p:sld>
 </file>
 
-<file path=ppt/slides/slide46.xml><?xml version="1.0" encoding="utf-8"?>
+<file path=ppt/slides/slide5.xml><?xml version="1.0" encoding="utf-8"?>
 <p:sld xmlns:a="http://schemas.openxmlformats.org/drawingml/2006/main" xmlns:r="http://schemas.openxmlformats.org/officeDocument/2006/relationships" xmlns:p="http://schemas.openxmlformats.org/presentationml/2006/main">
   <p:cSld>
     <p:spTree>
@@ -24694,7 +25295,13 @@
       </p:grpSpPr>
       <p:sp>
         <p:nvSpPr>
-          <p:cNvPr id="2" name="Title 1"/>
+          <p:cNvPr id="2" name="Title 1">
+            <a:extLst>
+              <a:ext uri="{FF2B5EF4-FFF2-40B4-BE49-F238E27FC236}">
+                <a16:creationId xmlns:a16="http://schemas.microsoft.com/office/drawing/2014/main" id="{D16214F0-DE54-DC76-C230-E5DE17D1AA60}"/>
+              </a:ext>
+            </a:extLst>
+          </p:cNvPr>
           <p:cNvSpPr>
             <a:spLocks noGrp="1"/>
           </p:cNvSpPr>
@@ -24713,114 +25320,63 @@
                 <a:latin typeface="Arial" panose="020B0604020202020204" pitchFamily="34" charset="0"/>
                 <a:cs typeface="Arial" panose="020B0604020202020204" pitchFamily="34" charset="0"/>
               </a:rPr>
-              <a:t>Използване на </a:t>
-            </a:r>
-            <a:r>
-              <a:rPr lang="en-US" dirty="0">
-                <a:latin typeface="Arial" panose="020B0604020202020204" pitchFamily="34" charset="0"/>
-                <a:cs typeface="Arial" panose="020B0604020202020204" pitchFamily="34" charset="0"/>
-              </a:rPr>
-              <a:t>“</a:t>
-            </a:r>
-            <a:r>
-              <a:rPr lang="en-US" dirty="0">
-                <a:solidFill>
-                  <a:srgbClr val="FFFF00"/>
-                </a:solidFill>
-                <a:latin typeface="Arial" panose="020B0604020202020204" pitchFamily="34" charset="0"/>
-                <a:cs typeface="Arial" panose="020B0604020202020204" pitchFamily="34" charset="0"/>
-              </a:rPr>
-              <a:t>continue</a:t>
-            </a:r>
-            <a:r>
-              <a:rPr lang="en-US" dirty="0">
-                <a:latin typeface="Arial" panose="020B0604020202020204" pitchFamily="34" charset="0"/>
-                <a:cs typeface="Arial" panose="020B0604020202020204" pitchFamily="34" charset="0"/>
-              </a:rPr>
-              <a:t>”</a:t>
+              <a:t>Какво е програмен език?</a:t>
             </a:r>
           </a:p>
         </p:txBody>
       </p:sp>
-      <p:pic>
-        <p:nvPicPr>
-          <p:cNvPr id="5" name="Content Placeholder 4"/>
-          <p:cNvPicPr>
-            <a:picLocks noGrp="1" noChangeAspect="1"/>
-          </p:cNvPicPr>
+      <p:sp>
+        <p:nvSpPr>
+          <p:cNvPr id="3" name="Content Placeholder 2">
+            <a:extLst>
+              <a:ext uri="{FF2B5EF4-FFF2-40B4-BE49-F238E27FC236}">
+                <a16:creationId xmlns:a16="http://schemas.microsoft.com/office/drawing/2014/main" id="{F5769C51-2D07-377D-E106-A70AE4C7CF18}"/>
+              </a:ext>
+            </a:extLst>
+          </p:cNvPr>
+          <p:cNvSpPr>
+            <a:spLocks noGrp="1"/>
+          </p:cNvSpPr>
           <p:nvPr>
             <p:ph idx="1"/>
           </p:nvPr>
-        </p:nvPicPr>
-        <p:blipFill>
-          <a:blip r:embed="rId2">
-            <a:extLst>
-              <a:ext uri="{28A0092B-C50C-407E-A947-70E740481C1C}">
-                <a14:useLocalDpi xmlns:a14="http://schemas.microsoft.com/office/drawing/2010/main" val="0"/>
-              </a:ext>
-            </a:extLst>
-          </a:blip>
-          <a:stretch>
-            <a:fillRect/>
-          </a:stretch>
-        </p:blipFill>
-        <p:spPr>
-          <a:xfrm>
-            <a:off x="6774025" y="2300622"/>
-            <a:ext cx="4142791" cy="4471184"/>
-          </a:xfrm>
-        </p:spPr>
-      </p:pic>
-      <p:sp>
-        <p:nvSpPr>
-          <p:cNvPr id="6" name="TextBox 5"/>
-          <p:cNvSpPr txBox="1"/>
-          <p:nvPr/>
         </p:nvSpPr>
-        <p:spPr>
-          <a:xfrm>
-            <a:off x="1038304" y="3610946"/>
-            <a:ext cx="5054585" cy="1384995"/>
-          </a:xfrm>
-          <a:prstGeom prst="rect">
-            <a:avLst/>
-          </a:prstGeom>
-          <a:noFill/>
-        </p:spPr>
+        <p:spPr/>
         <p:txBody>
-          <a:bodyPr wrap="square" rtlCol="0">
-            <a:spAutoFit/>
-          </a:bodyPr>
+          <a:bodyPr/>
           <a:lstStyle/>
           <a:p>
             <a:r>
-              <a:rPr lang="en-US" sz="2800" dirty="0">
-                <a:solidFill>
-                  <a:srgbClr val="002060"/>
-                </a:solidFill>
-                <a:latin typeface="Arial" panose="020B0604020202020204" pitchFamily="34" charset="0"/>
-                <a:cs typeface="Arial" panose="020B0604020202020204" pitchFamily="34" charset="0"/>
-              </a:rPr>
-              <a:t>Continue</a:t>
-            </a:r>
-            <a:r>
-              <a:rPr lang="bg-BG" sz="2800" dirty="0">
-                <a:solidFill>
-                  <a:srgbClr val="002060"/>
-                </a:solidFill>
-                <a:latin typeface="Arial" panose="020B0604020202020204" pitchFamily="34" charset="0"/>
-                <a:cs typeface="Arial" panose="020B0604020202020204" pitchFamily="34" charset="0"/>
-              </a:rPr>
-              <a:t> </a:t>
-            </a:r>
-            <a:r>
-              <a:rPr lang="bg-BG" sz="2800" dirty="0">
-                <a:latin typeface="Arial" panose="020B0604020202020204" pitchFamily="34" charset="0"/>
-                <a:cs typeface="Arial" panose="020B0604020202020204" pitchFamily="34" charset="0"/>
-              </a:rPr>
-              <a:t>просто отива на следващата итерация от цикъла, ако има такава.</a:t>
-            </a:r>
-            <a:endParaRPr lang="en-US" sz="2800" dirty="0">
+              <a:rPr lang="bg-BG" sz="2400" dirty="0">
+                <a:latin typeface="Arial" panose="020B0604020202020204" pitchFamily="34" charset="0"/>
+                <a:cs typeface="Arial" panose="020B0604020202020204" pitchFamily="34" charset="0"/>
+              </a:rPr>
+              <a:t>Програмният език е набор от команди, инструкции, които биват използвани за създаването на компютърни програми.</a:t>
+            </a:r>
+          </a:p>
+          <a:p>
+            <a:r>
+              <a:rPr lang="bg-BG" sz="2400" dirty="0">
+                <a:latin typeface="Arial" panose="020B0604020202020204" pitchFamily="34" charset="0"/>
+                <a:cs typeface="Arial" panose="020B0604020202020204" pitchFamily="34" charset="0"/>
+              </a:rPr>
+              <a:t>Програмният език е компютърен език, който се използва от програмистите за комуникация с компютрите. </a:t>
+            </a:r>
+          </a:p>
+          <a:p>
+            <a:r>
+              <a:rPr lang="bg-BG" sz="2400" dirty="0">
+                <a:latin typeface="Arial" panose="020B0604020202020204" pitchFamily="34" charset="0"/>
+                <a:cs typeface="Arial" panose="020B0604020202020204" pitchFamily="34" charset="0"/>
+              </a:rPr>
+              <a:t>Използва се за създаването на различни видове програми.</a:t>
+            </a:r>
+          </a:p>
+          <a:p>
+            <a:pPr marL="0" indent="0">
+              <a:buNone/>
+            </a:pPr>
+            <a:endParaRPr lang="bg-BG" dirty="0">
               <a:latin typeface="Arial" panose="020B0604020202020204" pitchFamily="34" charset="0"/>
               <a:cs typeface="Arial" panose="020B0604020202020204" pitchFamily="34" charset="0"/>
             </a:endParaRPr>
@@ -24830,7 +25386,7 @@
     </p:spTree>
     <p:extLst>
       <p:ext uri="{BB962C8B-B14F-4D97-AF65-F5344CB8AC3E}">
-        <p14:creationId xmlns:p14="http://schemas.microsoft.com/office/powerpoint/2010/main" val="2923579647"/>
+        <p14:creationId xmlns:p14="http://schemas.microsoft.com/office/powerpoint/2010/main" val="3621697079"/>
       </p:ext>
     </p:extLst>
   </p:cSld>
@@ -24840,7 +25396,7 @@
 </p:sld>
 </file>
 
-<file path=ppt/slides/slide47.xml><?xml version="1.0" encoding="utf-8"?>
+<file path=ppt/slides/slide50.xml><?xml version="1.0" encoding="utf-8"?>
 <p:sld xmlns:a="http://schemas.openxmlformats.org/drawingml/2006/main" xmlns:r="http://schemas.openxmlformats.org/officeDocument/2006/relationships" xmlns:p="http://schemas.openxmlformats.org/presentationml/2006/main">
   <p:cSld>
     <p:spTree>
@@ -25022,7 +25578,7 @@
 </p:sld>
 </file>
 
-<file path=ppt/slides/slide48.xml><?xml version="1.0" encoding="utf-8"?>
+<file path=ppt/slides/slide51.xml><?xml version="1.0" encoding="utf-8"?>
 <p:sld xmlns:a="http://schemas.openxmlformats.org/drawingml/2006/main" xmlns:r="http://schemas.openxmlformats.org/officeDocument/2006/relationships" xmlns:p="http://schemas.openxmlformats.org/presentationml/2006/main">
   <p:cSld>
     <p:bg>
@@ -25505,126 +26061,6 @@
   </p:cSld>
   <p:clrMapOvr>
     <a:overrideClrMapping bg1="dk1" tx1="lt1" bg2="dk2" tx2="lt2" accent1="accent1" accent2="accent2" accent3="accent3" accent4="accent4" accent5="accent5" accent6="accent6" hlink="hlink" folHlink="folHlink"/>
-  </p:clrMapOvr>
-</p:sld>
-</file>
-
-<file path=ppt/slides/slide5.xml><?xml version="1.0" encoding="utf-8"?>
-<p:sld xmlns:a="http://schemas.openxmlformats.org/drawingml/2006/main" xmlns:r="http://schemas.openxmlformats.org/officeDocument/2006/relationships" xmlns:p="http://schemas.openxmlformats.org/presentationml/2006/main">
-  <p:cSld>
-    <p:spTree>
-      <p:nvGrpSpPr>
-        <p:cNvPr id="1" name=""/>
-        <p:cNvGrpSpPr/>
-        <p:nvPr/>
-      </p:nvGrpSpPr>
-      <p:grpSpPr>
-        <a:xfrm>
-          <a:off x="0" y="0"/>
-          <a:ext cx="0" cy="0"/>
-          <a:chOff x="0" y="0"/>
-          <a:chExt cx="0" cy="0"/>
-        </a:xfrm>
-      </p:grpSpPr>
-      <p:sp>
-        <p:nvSpPr>
-          <p:cNvPr id="2" name="Title 1">
-            <a:extLst>
-              <a:ext uri="{FF2B5EF4-FFF2-40B4-BE49-F238E27FC236}">
-                <a16:creationId xmlns:a16="http://schemas.microsoft.com/office/drawing/2014/main" id="{D16214F0-DE54-DC76-C230-E5DE17D1AA60}"/>
-              </a:ext>
-            </a:extLst>
-          </p:cNvPr>
-          <p:cNvSpPr>
-            <a:spLocks noGrp="1"/>
-          </p:cNvSpPr>
-          <p:nvPr>
-            <p:ph type="title"/>
-          </p:nvPr>
-        </p:nvSpPr>
-        <p:spPr/>
-        <p:txBody>
-          <a:bodyPr/>
-          <a:lstStyle/>
-          <a:p>
-            <a:pPr algn="ctr"/>
-            <a:r>
-              <a:rPr lang="bg-BG" dirty="0">
-                <a:latin typeface="Arial" panose="020B0604020202020204" pitchFamily="34" charset="0"/>
-                <a:cs typeface="Arial" panose="020B0604020202020204" pitchFamily="34" charset="0"/>
-              </a:rPr>
-              <a:t>Какво е програмен език?</a:t>
-            </a:r>
-          </a:p>
-        </p:txBody>
-      </p:sp>
-      <p:sp>
-        <p:nvSpPr>
-          <p:cNvPr id="3" name="Content Placeholder 2">
-            <a:extLst>
-              <a:ext uri="{FF2B5EF4-FFF2-40B4-BE49-F238E27FC236}">
-                <a16:creationId xmlns:a16="http://schemas.microsoft.com/office/drawing/2014/main" id="{F5769C51-2D07-377D-E106-A70AE4C7CF18}"/>
-              </a:ext>
-            </a:extLst>
-          </p:cNvPr>
-          <p:cNvSpPr>
-            <a:spLocks noGrp="1"/>
-          </p:cNvSpPr>
-          <p:nvPr>
-            <p:ph idx="1"/>
-          </p:nvPr>
-        </p:nvSpPr>
-        <p:spPr/>
-        <p:txBody>
-          <a:bodyPr/>
-          <a:lstStyle/>
-          <a:p>
-            <a:r>
-              <a:rPr lang="bg-BG" sz="2400" dirty="0">
-                <a:latin typeface="Arial" panose="020B0604020202020204" pitchFamily="34" charset="0"/>
-                <a:cs typeface="Arial" panose="020B0604020202020204" pitchFamily="34" charset="0"/>
-              </a:rPr>
-              <a:t>Програмният език е набор от команди, инструкции, които биват използвани за създаването на компютърни програми.</a:t>
-            </a:r>
-          </a:p>
-          <a:p>
-            <a:r>
-              <a:rPr lang="bg-BG" sz="2400" dirty="0">
-                <a:latin typeface="Arial" panose="020B0604020202020204" pitchFamily="34" charset="0"/>
-                <a:cs typeface="Arial" panose="020B0604020202020204" pitchFamily="34" charset="0"/>
-              </a:rPr>
-              <a:t>Програмният език е компютърен език, който се използва от програмистите за комуникация с компютрите. </a:t>
-            </a:r>
-          </a:p>
-          <a:p>
-            <a:r>
-              <a:rPr lang="bg-BG" sz="2400" dirty="0">
-                <a:latin typeface="Arial" panose="020B0604020202020204" pitchFamily="34" charset="0"/>
-                <a:cs typeface="Arial" panose="020B0604020202020204" pitchFamily="34" charset="0"/>
-              </a:rPr>
-              <a:t>Използва се за създаването на различни видове програми.</a:t>
-            </a:r>
-          </a:p>
-          <a:p>
-            <a:pPr marL="0" indent="0">
-              <a:buNone/>
-            </a:pPr>
-            <a:endParaRPr lang="bg-BG" dirty="0">
-              <a:latin typeface="Arial" panose="020B0604020202020204" pitchFamily="34" charset="0"/>
-              <a:cs typeface="Arial" panose="020B0604020202020204" pitchFamily="34" charset="0"/>
-            </a:endParaRPr>
-          </a:p>
-        </p:txBody>
-      </p:sp>
-    </p:spTree>
-    <p:extLst>
-      <p:ext uri="{BB962C8B-B14F-4D97-AF65-F5344CB8AC3E}">
-        <p14:creationId xmlns:p14="http://schemas.microsoft.com/office/powerpoint/2010/main" val="3621697079"/>
-      </p:ext>
-    </p:extLst>
-  </p:cSld>
-  <p:clrMapOvr>
-    <a:masterClrMapping/>
   </p:clrMapOvr>
 </p:sld>
 </file>

--- a/C# Basics.pptx
+++ b/C# Basics.pptx
@@ -5,7 +5,7 @@
     <p:sldMasterId id="2147483707" r:id="rId1"/>
   </p:sldMasterIdLst>
   <p:notesMasterIdLst>
-    <p:notesMasterId r:id="rId53"/>
+    <p:notesMasterId r:id="rId54"/>
   </p:notesMasterIdLst>
   <p:sldIdLst>
     <p:sldId id="256" r:id="rId2"/>
@@ -59,6 +59,7 @@
     <p:sldId id="274" r:id="rId50"/>
     <p:sldId id="282" r:id="rId51"/>
     <p:sldId id="294" r:id="rId52"/>
+    <p:sldId id="314" r:id="rId53"/>
   </p:sldIdLst>
   <p:sldSz cx="12192000" cy="6858000"/>
   <p:notesSz cx="6858000" cy="9144000"/>
@@ -247,7 +248,7 @@
           <a:p>
             <a:fld id="{068E3771-71AF-4AE2-9E86-BE935DBF2B0E}" type="datetimeFigureOut">
               <a:rPr lang="en-US" smtClean="0"/>
-              <a:t>10/30/2022</a:t>
+              <a:t>11/3/2022</a:t>
             </a:fld>
             <a:endParaRPr lang="en-US"/>
           </a:p>
@@ -849,7 +850,7 @@
           <a:p>
             <a:fld id="{C0A3DACC-474D-44ED-8DF0-6B6BA2CE3243}" type="datetimeFigureOut">
               <a:rPr lang="en-US" smtClean="0"/>
-              <a:t>10/30/2022</a:t>
+              <a:t>11/3/2022</a:t>
             </a:fld>
             <a:endParaRPr lang="en-US"/>
           </a:p>
@@ -1937,7 +1938,7 @@
           <a:p>
             <a:fld id="{C0A3DACC-474D-44ED-8DF0-6B6BA2CE3243}" type="datetimeFigureOut">
               <a:rPr lang="en-US" smtClean="0"/>
-              <a:t>10/30/2022</a:t>
+              <a:t>11/3/2022</a:t>
             </a:fld>
             <a:endParaRPr lang="en-US"/>
           </a:p>
@@ -2917,7 +2918,7 @@
           <a:p>
             <a:fld id="{C0A3DACC-474D-44ED-8DF0-6B6BA2CE3243}" type="datetimeFigureOut">
               <a:rPr lang="en-US" smtClean="0"/>
-              <a:t>10/30/2022</a:t>
+              <a:t>11/3/2022</a:t>
             </a:fld>
             <a:endParaRPr lang="en-US"/>
           </a:p>
@@ -4051,7 +4052,7 @@
           <a:p>
             <a:fld id="{C0A3DACC-474D-44ED-8DF0-6B6BA2CE3243}" type="datetimeFigureOut">
               <a:rPr lang="en-US" smtClean="0"/>
-              <a:t>10/30/2022</a:t>
+              <a:t>11/3/2022</a:t>
             </a:fld>
             <a:endParaRPr lang="en-US"/>
           </a:p>
@@ -5084,7 +5085,7 @@
           <a:p>
             <a:fld id="{C0A3DACC-474D-44ED-8DF0-6B6BA2CE3243}" type="datetimeFigureOut">
               <a:rPr lang="en-US" smtClean="0"/>
-              <a:t>10/30/2022</a:t>
+              <a:t>11/3/2022</a:t>
             </a:fld>
             <a:endParaRPr lang="en-US"/>
           </a:p>
@@ -5744,7 +5745,7 @@
           <a:p>
             <a:fld id="{C0A3DACC-474D-44ED-8DF0-6B6BA2CE3243}" type="datetimeFigureOut">
               <a:rPr lang="en-US" smtClean="0"/>
-              <a:t>10/30/2022</a:t>
+              <a:t>11/3/2022</a:t>
             </a:fld>
             <a:endParaRPr lang="en-US"/>
           </a:p>
@@ -6605,7 +6606,7 @@
           <a:p>
             <a:fld id="{C0A3DACC-474D-44ED-8DF0-6B6BA2CE3243}" type="datetimeFigureOut">
               <a:rPr lang="en-US" smtClean="0"/>
-              <a:t>10/30/2022</a:t>
+              <a:t>11/3/2022</a:t>
             </a:fld>
             <a:endParaRPr lang="en-US"/>
           </a:p>
@@ -6795,7 +6796,7 @@
           <a:p>
             <a:fld id="{C0A3DACC-474D-44ED-8DF0-6B6BA2CE3243}" type="datetimeFigureOut">
               <a:rPr lang="en-US" smtClean="0"/>
-              <a:t>10/30/2022</a:t>
+              <a:t>11/3/2022</a:t>
             </a:fld>
             <a:endParaRPr lang="en-US"/>
           </a:p>
@@ -7767,7 +7768,7 @@
           <a:p>
             <a:fld id="{C0A3DACC-474D-44ED-8DF0-6B6BA2CE3243}" type="datetimeFigureOut">
               <a:rPr lang="en-US" smtClean="0"/>
-              <a:t>10/30/2022</a:t>
+              <a:t>11/3/2022</a:t>
             </a:fld>
             <a:endParaRPr lang="en-US"/>
           </a:p>
@@ -7978,7 +7979,7 @@
           <a:p>
             <a:fld id="{C0A3DACC-474D-44ED-8DF0-6B6BA2CE3243}" type="datetimeFigureOut">
               <a:rPr lang="en-US" smtClean="0"/>
-              <a:t>10/30/2022</a:t>
+              <a:t>11/3/2022</a:t>
             </a:fld>
             <a:endParaRPr lang="en-US"/>
           </a:p>
@@ -9012,7 +9013,7 @@
           <a:p>
             <a:fld id="{C0A3DACC-474D-44ED-8DF0-6B6BA2CE3243}" type="datetimeFigureOut">
               <a:rPr lang="en-US" smtClean="0"/>
-              <a:t>10/30/2022</a:t>
+              <a:t>11/3/2022</a:t>
             </a:fld>
             <a:endParaRPr lang="en-US"/>
           </a:p>
@@ -9284,7 +9285,7 @@
           <a:p>
             <a:fld id="{C0A3DACC-474D-44ED-8DF0-6B6BA2CE3243}" type="datetimeFigureOut">
               <a:rPr lang="en-US" smtClean="0"/>
-              <a:t>10/30/2022</a:t>
+              <a:t>11/3/2022</a:t>
             </a:fld>
             <a:endParaRPr lang="en-US"/>
           </a:p>
@@ -9694,7 +9695,7 @@
           <a:p>
             <a:fld id="{C0A3DACC-474D-44ED-8DF0-6B6BA2CE3243}" type="datetimeFigureOut">
               <a:rPr lang="en-US" smtClean="0"/>
-              <a:t>10/30/2022</a:t>
+              <a:t>11/3/2022</a:t>
             </a:fld>
             <a:endParaRPr lang="en-US"/>
           </a:p>
@@ -9821,7 +9822,7 @@
           <a:p>
             <a:fld id="{C0A3DACC-474D-44ED-8DF0-6B6BA2CE3243}" type="datetimeFigureOut">
               <a:rPr lang="en-US" smtClean="0"/>
-              <a:t>10/30/2022</a:t>
+              <a:t>11/3/2022</a:t>
             </a:fld>
             <a:endParaRPr lang="en-US"/>
           </a:p>
@@ -9916,7 +9917,7 @@
           <a:p>
             <a:fld id="{C0A3DACC-474D-44ED-8DF0-6B6BA2CE3243}" type="datetimeFigureOut">
               <a:rPr lang="en-US" smtClean="0"/>
-              <a:t>10/30/2022</a:t>
+              <a:t>11/3/2022</a:t>
             </a:fld>
             <a:endParaRPr lang="en-US"/>
           </a:p>
@@ -10997,7 +10998,7 @@
           <a:p>
             <a:fld id="{C0A3DACC-474D-44ED-8DF0-6B6BA2CE3243}" type="datetimeFigureOut">
               <a:rPr lang="en-US" smtClean="0"/>
-              <a:t>10/30/2022</a:t>
+              <a:t>11/3/2022</a:t>
             </a:fld>
             <a:endParaRPr lang="en-US"/>
           </a:p>
@@ -12105,7 +12106,7 @@
           <a:p>
             <a:fld id="{C0A3DACC-474D-44ED-8DF0-6B6BA2CE3243}" type="datetimeFigureOut">
               <a:rPr lang="en-US" smtClean="0"/>
-              <a:t>10/30/2022</a:t>
+              <a:t>11/3/2022</a:t>
             </a:fld>
             <a:endParaRPr lang="en-US"/>
           </a:p>
@@ -13102,7 +13103,7 @@
           <a:p>
             <a:fld id="{C0A3DACC-474D-44ED-8DF0-6B6BA2CE3243}" type="datetimeFigureOut">
               <a:rPr lang="en-US" smtClean="0"/>
-              <a:t>10/30/2022</a:t>
+              <a:t>11/3/2022</a:t>
             </a:fld>
             <a:endParaRPr lang="en-US"/>
           </a:p>
@@ -25987,8 +25988,8 @@
         </p:nvSpPr>
         <p:spPr>
           <a:xfrm>
-            <a:off x="8208399" y="3055528"/>
-            <a:ext cx="2802502" cy="746944"/>
+            <a:off x="7635310" y="1040175"/>
+            <a:ext cx="2802502" cy="1369823"/>
           </a:xfrm>
         </p:spPr>
         <p:txBody>
@@ -26000,12 +26001,31 @@
             <a:r>
               <a:rPr lang="en-US" sz="4600" b="0" i="0" kern="1200" dirty="0" err="1">
                 <a:solidFill>
+                  <a:srgbClr val="FFFF00"/>
+                </a:solidFill>
+                <a:latin typeface="Arial" panose="020B0604020202020204" pitchFamily="34" charset="0"/>
+                <a:cs typeface="Arial" panose="020B0604020202020204" pitchFamily="34" charset="0"/>
+              </a:rPr>
+              <a:t>Дебъгване</a:t>
+            </a:r>
+            <a:br>
+              <a:rPr lang="bg-BG" sz="4600" b="0" i="0" kern="1200" dirty="0">
+                <a:solidFill>
                   <a:srgbClr val="EBEBEB"/>
                 </a:solidFill>
                 <a:latin typeface="Arial" panose="020B0604020202020204" pitchFamily="34" charset="0"/>
                 <a:cs typeface="Arial" panose="020B0604020202020204" pitchFamily="34" charset="0"/>
               </a:rPr>
-              <a:t>Дебъгване</a:t>
+            </a:br>
+            <a:r>
+              <a:rPr lang="bg-BG" sz="4600" b="0" i="0" kern="1200" dirty="0">
+                <a:solidFill>
+                  <a:srgbClr val="EBEBEB"/>
+                </a:solidFill>
+                <a:latin typeface="Arial" panose="020B0604020202020204" pitchFamily="34" charset="0"/>
+                <a:cs typeface="Arial" panose="020B0604020202020204" pitchFamily="34" charset="0"/>
+              </a:rPr>
+              <a:t>/основи/</a:t>
             </a:r>
             <a:endParaRPr lang="en-US" sz="4600" b="0" i="0" kern="1200" dirty="0">
               <a:solidFill>
@@ -26047,11 +26067,140 @@
         </p:blipFill>
         <p:spPr>
           <a:xfrm>
-            <a:off x="675196" y="1040175"/>
-            <a:ext cx="7397769" cy="4551000"/>
+            <a:off x="752608" y="1385231"/>
+            <a:ext cx="6265913" cy="3854699"/>
           </a:xfrm>
         </p:spPr>
       </p:pic>
+      <p:sp>
+        <p:nvSpPr>
+          <p:cNvPr id="3" name="TextBox 2">
+            <a:extLst>
+              <a:ext uri="{FF2B5EF4-FFF2-40B4-BE49-F238E27FC236}">
+                <a16:creationId xmlns:a16="http://schemas.microsoft.com/office/drawing/2014/main" id="{109F5714-9D7B-6811-4DFF-5430729152CB}"/>
+              </a:ext>
+            </a:extLst>
+          </p:cNvPr>
+          <p:cNvSpPr txBox="1"/>
+          <p:nvPr/>
+        </p:nvSpPr>
+        <p:spPr>
+          <a:xfrm>
+            <a:off x="7152736" y="2661672"/>
+            <a:ext cx="4054415" cy="2677656"/>
+          </a:xfrm>
+          <a:prstGeom prst="rect">
+            <a:avLst/>
+          </a:prstGeom>
+          <a:noFill/>
+        </p:spPr>
+        <p:txBody>
+          <a:bodyPr wrap="square" rtlCol="0">
+            <a:spAutoFit/>
+          </a:bodyPr>
+          <a:lstStyle/>
+          <a:p>
+            <a:pPr marL="285750" indent="-285750">
+              <a:buFont typeface="Arial" panose="020B0604020202020204" pitchFamily="34" charset="0"/>
+              <a:buChar char="•"/>
+            </a:pPr>
+            <a:r>
+              <a:rPr lang="en-US" sz="2400" dirty="0">
+                <a:solidFill>
+                  <a:srgbClr val="92D050"/>
+                </a:solidFill>
+                <a:latin typeface="Arial" panose="020B0604020202020204" pitchFamily="34" charset="0"/>
+                <a:cs typeface="Arial" panose="020B0604020202020204" pitchFamily="34" charset="0"/>
+              </a:rPr>
+              <a:t>F9</a:t>
+            </a:r>
+            <a:r>
+              <a:rPr lang="en-US" sz="2400" dirty="0">
+                <a:latin typeface="Arial" panose="020B0604020202020204" pitchFamily="34" charset="0"/>
+                <a:cs typeface="Arial" panose="020B0604020202020204" pitchFamily="34" charset="0"/>
+              </a:rPr>
+              <a:t> – </a:t>
+            </a:r>
+            <a:r>
+              <a:rPr lang="bg-BG" sz="2400" dirty="0">
+                <a:latin typeface="Arial" panose="020B0604020202020204" pitchFamily="34" charset="0"/>
+                <a:cs typeface="Arial" panose="020B0604020202020204" pitchFamily="34" charset="0"/>
+              </a:rPr>
+              <a:t>слагане на </a:t>
+            </a:r>
+            <a:r>
+              <a:rPr lang="en-US" sz="2400" dirty="0">
+                <a:latin typeface="Arial" panose="020B0604020202020204" pitchFamily="34" charset="0"/>
+                <a:cs typeface="Arial" panose="020B0604020202020204" pitchFamily="34" charset="0"/>
+              </a:rPr>
+              <a:t>breakpoint</a:t>
+            </a:r>
+          </a:p>
+          <a:p>
+            <a:pPr marL="285750" indent="-285750">
+              <a:buFont typeface="Arial" panose="020B0604020202020204" pitchFamily="34" charset="0"/>
+              <a:buChar char="•"/>
+            </a:pPr>
+            <a:r>
+              <a:rPr lang="en-US" sz="2400" dirty="0">
+                <a:solidFill>
+                  <a:srgbClr val="92D050"/>
+                </a:solidFill>
+                <a:latin typeface="Arial" panose="020B0604020202020204" pitchFamily="34" charset="0"/>
+                <a:cs typeface="Arial" panose="020B0604020202020204" pitchFamily="34" charset="0"/>
+              </a:rPr>
+              <a:t>F10</a:t>
+            </a:r>
+            <a:r>
+              <a:rPr lang="en-US" sz="2400" dirty="0">
+                <a:latin typeface="Arial" panose="020B0604020202020204" pitchFamily="34" charset="0"/>
+                <a:cs typeface="Arial" panose="020B0604020202020204" pitchFamily="34" charset="0"/>
+              </a:rPr>
+              <a:t> </a:t>
+            </a:r>
+            <a:r>
+              <a:rPr lang="bg-BG" sz="2400" dirty="0">
+                <a:latin typeface="Arial" panose="020B0604020202020204" pitchFamily="34" charset="0"/>
+                <a:cs typeface="Arial" panose="020B0604020202020204" pitchFamily="34" charset="0"/>
+              </a:rPr>
+              <a:t>– стъпка напред</a:t>
+            </a:r>
+          </a:p>
+          <a:p>
+            <a:pPr marL="285750" indent="-285750">
+              <a:buFont typeface="Arial" panose="020B0604020202020204" pitchFamily="34" charset="0"/>
+              <a:buChar char="•"/>
+            </a:pPr>
+            <a:r>
+              <a:rPr lang="en-US" sz="2400" dirty="0">
+                <a:solidFill>
+                  <a:srgbClr val="92D050"/>
+                </a:solidFill>
+                <a:latin typeface="Arial" panose="020B0604020202020204" pitchFamily="34" charset="0"/>
+                <a:cs typeface="Arial" panose="020B0604020202020204" pitchFamily="34" charset="0"/>
+              </a:rPr>
+              <a:t>F11</a:t>
+            </a:r>
+            <a:r>
+              <a:rPr lang="bg-BG" sz="2400" dirty="0">
+                <a:solidFill>
+                  <a:srgbClr val="92D050"/>
+                </a:solidFill>
+                <a:latin typeface="Arial" panose="020B0604020202020204" pitchFamily="34" charset="0"/>
+                <a:cs typeface="Arial" panose="020B0604020202020204" pitchFamily="34" charset="0"/>
+              </a:rPr>
+              <a:t> </a:t>
+            </a:r>
+            <a:r>
+              <a:rPr lang="bg-BG" sz="2400" dirty="0">
+                <a:latin typeface="Arial" panose="020B0604020202020204" pitchFamily="34" charset="0"/>
+                <a:cs typeface="Arial" panose="020B0604020202020204" pitchFamily="34" charset="0"/>
+              </a:rPr>
+              <a:t>– стъпка напред с възможност за влизане във дефиницията на функция</a:t>
+            </a:r>
+          </a:p>
+        </p:txBody>
+      </p:sp>
     </p:spTree>
     <p:extLst>
       <p:ext uri="{BB962C8B-B14F-4D97-AF65-F5344CB8AC3E}">
@@ -26061,6 +26210,319 @@
   </p:cSld>
   <p:clrMapOvr>
     <a:overrideClrMapping bg1="dk1" tx1="lt1" bg2="dk2" tx2="lt2" accent1="accent1" accent2="accent2" accent3="accent3" accent4="accent4" accent5="accent5" accent6="accent6" hlink="hlink" folHlink="folHlink"/>
+  </p:clrMapOvr>
+</p:sld>
+</file>
+
+<file path=ppt/slides/slide52.xml><?xml version="1.0" encoding="utf-8"?>
+<p:sld xmlns:a="http://schemas.openxmlformats.org/drawingml/2006/main" xmlns:r="http://schemas.openxmlformats.org/officeDocument/2006/relationships" xmlns:p="http://schemas.openxmlformats.org/presentationml/2006/main">
+  <p:cSld>
+    <p:spTree>
+      <p:nvGrpSpPr>
+        <p:cNvPr id="1" name=""/>
+        <p:cNvGrpSpPr/>
+        <p:nvPr/>
+      </p:nvGrpSpPr>
+      <p:grpSpPr>
+        <a:xfrm>
+          <a:off x="0" y="0"/>
+          <a:ext cx="0" cy="0"/>
+          <a:chOff x="0" y="0"/>
+          <a:chExt cx="0" cy="0"/>
+        </a:xfrm>
+      </p:grpSpPr>
+      <p:sp>
+        <p:nvSpPr>
+          <p:cNvPr id="2" name="Title 1">
+            <a:extLst>
+              <a:ext uri="{FF2B5EF4-FFF2-40B4-BE49-F238E27FC236}">
+                <a16:creationId xmlns:a16="http://schemas.microsoft.com/office/drawing/2014/main" id="{9E7F8332-637F-BA1F-08C8-092C06409A97}"/>
+              </a:ext>
+            </a:extLst>
+          </p:cNvPr>
+          <p:cNvSpPr>
+            <a:spLocks noGrp="1"/>
+          </p:cNvSpPr>
+          <p:nvPr>
+            <p:ph type="title"/>
+          </p:nvPr>
+        </p:nvSpPr>
+        <p:spPr/>
+        <p:txBody>
+          <a:bodyPr/>
+          <a:lstStyle/>
+          <a:p>
+            <a:pPr algn="ctr"/>
+            <a:r>
+              <a:rPr lang="bg-BG" dirty="0">
+                <a:latin typeface="Arial" panose="020B0604020202020204" pitchFamily="34" charset="0"/>
+                <a:cs typeface="Arial" panose="020B0604020202020204" pitchFamily="34" charset="0"/>
+              </a:rPr>
+              <a:t>Изходни файлове (</a:t>
+            </a:r>
+            <a:r>
+              <a:rPr lang="en-US" dirty="0">
+                <a:solidFill>
+                  <a:srgbClr val="FFFF00"/>
+                </a:solidFill>
+                <a:latin typeface="Arial" panose="020B0604020202020204" pitchFamily="34" charset="0"/>
+                <a:cs typeface="Arial" panose="020B0604020202020204" pitchFamily="34" charset="0"/>
+              </a:rPr>
+              <a:t>.</a:t>
+            </a:r>
+            <a:r>
+              <a:rPr lang="en-US" dirty="0" err="1">
+                <a:solidFill>
+                  <a:srgbClr val="FFFF00"/>
+                </a:solidFill>
+                <a:latin typeface="Arial" panose="020B0604020202020204" pitchFamily="34" charset="0"/>
+                <a:cs typeface="Arial" panose="020B0604020202020204" pitchFamily="34" charset="0"/>
+              </a:rPr>
+              <a:t>dll</a:t>
+            </a:r>
+            <a:r>
+              <a:rPr lang="en-US" dirty="0">
+                <a:latin typeface="Arial" panose="020B0604020202020204" pitchFamily="34" charset="0"/>
+                <a:cs typeface="Arial" panose="020B0604020202020204" pitchFamily="34" charset="0"/>
+              </a:rPr>
+              <a:t>, </a:t>
+            </a:r>
+            <a:r>
+              <a:rPr lang="en-US" dirty="0">
+                <a:solidFill>
+                  <a:srgbClr val="FFFF00"/>
+                </a:solidFill>
+                <a:latin typeface="Arial" panose="020B0604020202020204" pitchFamily="34" charset="0"/>
+                <a:cs typeface="Arial" panose="020B0604020202020204" pitchFamily="34" charset="0"/>
+              </a:rPr>
+              <a:t>.exe</a:t>
+            </a:r>
+            <a:r>
+              <a:rPr lang="bg-BG" dirty="0">
+                <a:latin typeface="Arial" panose="020B0604020202020204" pitchFamily="34" charset="0"/>
+                <a:cs typeface="Arial" panose="020B0604020202020204" pitchFamily="34" charset="0"/>
+              </a:rPr>
+              <a:t>)</a:t>
+            </a:r>
+          </a:p>
+        </p:txBody>
+      </p:sp>
+      <p:sp>
+        <p:nvSpPr>
+          <p:cNvPr id="3" name="Content Placeholder 2">
+            <a:extLst>
+              <a:ext uri="{FF2B5EF4-FFF2-40B4-BE49-F238E27FC236}">
+                <a16:creationId xmlns:a16="http://schemas.microsoft.com/office/drawing/2014/main" id="{8C7F7881-286D-290C-29E5-A26F6C4E07F5}"/>
+              </a:ext>
+            </a:extLst>
+          </p:cNvPr>
+          <p:cNvSpPr>
+            <a:spLocks noGrp="1"/>
+          </p:cNvSpPr>
+          <p:nvPr>
+            <p:ph idx="1"/>
+          </p:nvPr>
+        </p:nvSpPr>
+        <p:spPr>
+          <a:xfrm>
+            <a:off x="1154954" y="2603500"/>
+            <a:ext cx="9809220" cy="3416300"/>
+          </a:xfrm>
+        </p:spPr>
+        <p:txBody>
+          <a:bodyPr>
+            <a:normAutofit/>
+          </a:bodyPr>
+          <a:lstStyle/>
+          <a:p>
+            <a:r>
+              <a:rPr lang="bg-BG" sz="2400" dirty="0">
+                <a:latin typeface="Arial" panose="020B0604020202020204" pitchFamily="34" charset="0"/>
+                <a:cs typeface="Arial" panose="020B0604020202020204" pitchFamily="34" charset="0"/>
+              </a:rPr>
+              <a:t>Изходните (резултатни) файлове от нашата програма са или </a:t>
+            </a:r>
+            <a:r>
+              <a:rPr lang="bg-BG" sz="2400" b="1" dirty="0">
+                <a:latin typeface="Arial" panose="020B0604020202020204" pitchFamily="34" charset="0"/>
+                <a:cs typeface="Arial" panose="020B0604020202020204" pitchFamily="34" charset="0"/>
+              </a:rPr>
+              <a:t>.</a:t>
+            </a:r>
+            <a:r>
+              <a:rPr lang="en-US" sz="2400" b="1" dirty="0">
+                <a:latin typeface="Arial" panose="020B0604020202020204" pitchFamily="34" charset="0"/>
+                <a:cs typeface="Arial" panose="020B0604020202020204" pitchFamily="34" charset="0"/>
+              </a:rPr>
+              <a:t>exe </a:t>
+            </a:r>
+            <a:r>
+              <a:rPr lang="bg-BG" sz="2400" dirty="0">
+                <a:latin typeface="Arial" panose="020B0604020202020204" pitchFamily="34" charset="0"/>
+                <a:cs typeface="Arial" panose="020B0604020202020204" pitchFamily="34" charset="0"/>
+              </a:rPr>
+              <a:t>или </a:t>
+            </a:r>
+            <a:r>
+              <a:rPr lang="en-US" sz="2400" b="1" dirty="0">
+                <a:latin typeface="Arial" panose="020B0604020202020204" pitchFamily="34" charset="0"/>
+                <a:cs typeface="Arial" panose="020B0604020202020204" pitchFamily="34" charset="0"/>
+              </a:rPr>
+              <a:t>.</a:t>
+            </a:r>
+            <a:r>
+              <a:rPr lang="en-US" sz="2400" b="1" dirty="0" err="1">
+                <a:latin typeface="Arial" panose="020B0604020202020204" pitchFamily="34" charset="0"/>
+                <a:cs typeface="Arial" panose="020B0604020202020204" pitchFamily="34" charset="0"/>
+              </a:rPr>
+              <a:t>dll</a:t>
+            </a:r>
+            <a:r>
+              <a:rPr lang="en-US" sz="2400" dirty="0">
+                <a:latin typeface="Arial" panose="020B0604020202020204" pitchFamily="34" charset="0"/>
+                <a:cs typeface="Arial" panose="020B0604020202020204" pitchFamily="34" charset="0"/>
+              </a:rPr>
+              <a:t>.</a:t>
+            </a:r>
+          </a:p>
+          <a:p>
+            <a:r>
+              <a:rPr lang="bg-BG" sz="2400" dirty="0">
+                <a:latin typeface="Arial" panose="020B0604020202020204" pitchFamily="34" charset="0"/>
+                <a:cs typeface="Arial" panose="020B0604020202020204" pitchFamily="34" charset="0"/>
+              </a:rPr>
+              <a:t>Те се намират в директорията </a:t>
+            </a:r>
+            <a:r>
+              <a:rPr lang="en-US" sz="2400" dirty="0">
+                <a:latin typeface="Arial" panose="020B0604020202020204" pitchFamily="34" charset="0"/>
+                <a:cs typeface="Arial" panose="020B0604020202020204" pitchFamily="34" charset="0"/>
+              </a:rPr>
+              <a:t>“</a:t>
+            </a:r>
+            <a:r>
+              <a:rPr lang="en-US" sz="2400" b="1" dirty="0">
+                <a:latin typeface="Arial" panose="020B0604020202020204" pitchFamily="34" charset="0"/>
+                <a:cs typeface="Arial" panose="020B0604020202020204" pitchFamily="34" charset="0"/>
+              </a:rPr>
+              <a:t>bin</a:t>
+            </a:r>
+            <a:r>
+              <a:rPr lang="en-US" sz="2400" dirty="0">
+                <a:latin typeface="Arial" panose="020B0604020202020204" pitchFamily="34" charset="0"/>
+                <a:cs typeface="Arial" panose="020B0604020202020204" pitchFamily="34" charset="0"/>
+              </a:rPr>
+              <a:t>”.</a:t>
+            </a:r>
+          </a:p>
+          <a:p>
+            <a:r>
+              <a:rPr lang="bg-BG" sz="2400" dirty="0">
+                <a:latin typeface="Arial" panose="020B0604020202020204" pitchFamily="34" charset="0"/>
+                <a:cs typeface="Arial" panose="020B0604020202020204" pitchFamily="34" charset="0"/>
+              </a:rPr>
+              <a:t>В зависимост от това дали проекта ни е в </a:t>
+            </a:r>
+            <a:r>
+              <a:rPr lang="en-US" sz="2400" b="1" dirty="0">
+                <a:latin typeface="Arial" panose="020B0604020202020204" pitchFamily="34" charset="0"/>
+                <a:cs typeface="Arial" panose="020B0604020202020204" pitchFamily="34" charset="0"/>
+              </a:rPr>
+              <a:t>Debug</a:t>
+            </a:r>
+            <a:r>
+              <a:rPr lang="en-US" sz="2400" dirty="0">
+                <a:latin typeface="Arial" panose="020B0604020202020204" pitchFamily="34" charset="0"/>
+                <a:cs typeface="Arial" panose="020B0604020202020204" pitchFamily="34" charset="0"/>
+              </a:rPr>
+              <a:t> </a:t>
+            </a:r>
+            <a:r>
+              <a:rPr lang="bg-BG" sz="2400" dirty="0">
+                <a:latin typeface="Arial" panose="020B0604020202020204" pitchFamily="34" charset="0"/>
+                <a:cs typeface="Arial" panose="020B0604020202020204" pitchFamily="34" charset="0"/>
+              </a:rPr>
+              <a:t>или </a:t>
+            </a:r>
+            <a:r>
+              <a:rPr lang="en-US" sz="2400" b="1" dirty="0">
+                <a:latin typeface="Arial" panose="020B0604020202020204" pitchFamily="34" charset="0"/>
+                <a:cs typeface="Arial" panose="020B0604020202020204" pitchFamily="34" charset="0"/>
+              </a:rPr>
+              <a:t>Release</a:t>
+            </a:r>
+            <a:r>
+              <a:rPr lang="en-US" sz="2400" dirty="0">
+                <a:latin typeface="Arial" panose="020B0604020202020204" pitchFamily="34" charset="0"/>
+                <a:cs typeface="Arial" panose="020B0604020202020204" pitchFamily="34" charset="0"/>
+              </a:rPr>
+              <a:t> </a:t>
+            </a:r>
+            <a:r>
+              <a:rPr lang="bg-BG" sz="2400" dirty="0">
+                <a:latin typeface="Arial" panose="020B0604020202020204" pitchFamily="34" charset="0"/>
+                <a:cs typeface="Arial" panose="020B0604020202020204" pitchFamily="34" charset="0"/>
+              </a:rPr>
+              <a:t>конфигурация, то изходните файлове се създават или в </a:t>
+            </a:r>
+            <a:r>
+              <a:rPr lang="en-US" sz="2400" b="1" dirty="0">
+                <a:latin typeface="Arial" panose="020B0604020202020204" pitchFamily="34" charset="0"/>
+                <a:cs typeface="Arial" panose="020B0604020202020204" pitchFamily="34" charset="0"/>
+              </a:rPr>
+              <a:t>bin\Debug\net6.0</a:t>
+            </a:r>
+            <a:r>
+              <a:rPr lang="bg-BG" sz="2400" b="1" dirty="0">
+                <a:latin typeface="Arial" panose="020B0604020202020204" pitchFamily="34" charset="0"/>
+                <a:cs typeface="Arial" panose="020B0604020202020204" pitchFamily="34" charset="0"/>
+              </a:rPr>
+              <a:t>, </a:t>
+            </a:r>
+            <a:r>
+              <a:rPr lang="bg-BG" sz="2400" dirty="0">
+                <a:latin typeface="Arial" panose="020B0604020202020204" pitchFamily="34" charset="0"/>
+                <a:cs typeface="Arial" panose="020B0604020202020204" pitchFamily="34" charset="0"/>
+              </a:rPr>
+              <a:t>или в </a:t>
+            </a:r>
+            <a:r>
+              <a:rPr lang="en-US" sz="2400" b="1" dirty="0">
+                <a:latin typeface="Arial" panose="020B0604020202020204" pitchFamily="34" charset="0"/>
+                <a:cs typeface="Arial" panose="020B0604020202020204" pitchFamily="34" charset="0"/>
+              </a:rPr>
+              <a:t>bin\Release\net6.0 </a:t>
+            </a:r>
+            <a:r>
+              <a:rPr lang="bg-BG" sz="2400" dirty="0">
+                <a:latin typeface="Arial" panose="020B0604020202020204" pitchFamily="34" charset="0"/>
+                <a:cs typeface="Arial" panose="020B0604020202020204" pitchFamily="34" charset="0"/>
+              </a:rPr>
+              <a:t>директория</a:t>
+            </a:r>
+            <a:r>
+              <a:rPr lang="en-US" sz="2400" dirty="0">
+                <a:latin typeface="Arial" panose="020B0604020202020204" pitchFamily="34" charset="0"/>
+                <a:cs typeface="Arial" panose="020B0604020202020204" pitchFamily="34" charset="0"/>
+              </a:rPr>
+              <a:t>.</a:t>
+            </a:r>
+            <a:endParaRPr lang="bg-BG" sz="2400" dirty="0">
+              <a:latin typeface="Arial" panose="020B0604020202020204" pitchFamily="34" charset="0"/>
+              <a:cs typeface="Arial" panose="020B0604020202020204" pitchFamily="34" charset="0"/>
+            </a:endParaRPr>
+          </a:p>
+        </p:txBody>
+      </p:sp>
+    </p:spTree>
+    <p:extLst>
+      <p:ext uri="{BB962C8B-B14F-4D97-AF65-F5344CB8AC3E}">
+        <p14:creationId xmlns:p14="http://schemas.microsoft.com/office/powerpoint/2010/main" val="2288462419"/>
+      </p:ext>
+    </p:extLst>
+  </p:cSld>
+  <p:clrMapOvr>
+    <a:masterClrMapping/>
   </p:clrMapOvr>
 </p:sld>
 </file>

--- a/C# Basics.pptx
+++ b/C# Basics.pptx
@@ -5,7 +5,7 @@
     <p:sldMasterId id="2147483707" r:id="rId1"/>
   </p:sldMasterIdLst>
   <p:notesMasterIdLst>
-    <p:notesMasterId r:id="rId54"/>
+    <p:notesMasterId r:id="rId60"/>
   </p:notesMasterIdLst>
   <p:sldIdLst>
     <p:sldId id="256" r:id="rId2"/>
@@ -60,6 +60,12 @@
     <p:sldId id="282" r:id="rId51"/>
     <p:sldId id="294" r:id="rId52"/>
     <p:sldId id="314" r:id="rId53"/>
+    <p:sldId id="315" r:id="rId54"/>
+    <p:sldId id="316" r:id="rId55"/>
+    <p:sldId id="317" r:id="rId56"/>
+    <p:sldId id="318" r:id="rId57"/>
+    <p:sldId id="319" r:id="rId58"/>
+    <p:sldId id="320" r:id="rId59"/>
   </p:sldIdLst>
   <p:sldSz cx="12192000" cy="6858000"/>
   <p:notesSz cx="6858000" cy="9144000"/>
@@ -248,7 +254,7 @@
           <a:p>
             <a:fld id="{068E3771-71AF-4AE2-9E86-BE935DBF2B0E}" type="datetimeFigureOut">
               <a:rPr lang="en-US" smtClean="0"/>
-              <a:t>11/3/2022</a:t>
+              <a:t>11/8/2022</a:t>
             </a:fld>
             <a:endParaRPr lang="en-US"/>
           </a:p>
@@ -850,7 +856,7 @@
           <a:p>
             <a:fld id="{C0A3DACC-474D-44ED-8DF0-6B6BA2CE3243}" type="datetimeFigureOut">
               <a:rPr lang="en-US" smtClean="0"/>
-              <a:t>11/3/2022</a:t>
+              <a:t>11/8/2022</a:t>
             </a:fld>
             <a:endParaRPr lang="en-US"/>
           </a:p>
@@ -1938,7 +1944,7 @@
           <a:p>
             <a:fld id="{C0A3DACC-474D-44ED-8DF0-6B6BA2CE3243}" type="datetimeFigureOut">
               <a:rPr lang="en-US" smtClean="0"/>
-              <a:t>11/3/2022</a:t>
+              <a:t>11/8/2022</a:t>
             </a:fld>
             <a:endParaRPr lang="en-US"/>
           </a:p>
@@ -2918,7 +2924,7 @@
           <a:p>
             <a:fld id="{C0A3DACC-474D-44ED-8DF0-6B6BA2CE3243}" type="datetimeFigureOut">
               <a:rPr lang="en-US" smtClean="0"/>
-              <a:t>11/3/2022</a:t>
+              <a:t>11/8/2022</a:t>
             </a:fld>
             <a:endParaRPr lang="en-US"/>
           </a:p>
@@ -4052,7 +4058,7 @@
           <a:p>
             <a:fld id="{C0A3DACC-474D-44ED-8DF0-6B6BA2CE3243}" type="datetimeFigureOut">
               <a:rPr lang="en-US" smtClean="0"/>
-              <a:t>11/3/2022</a:t>
+              <a:t>11/8/2022</a:t>
             </a:fld>
             <a:endParaRPr lang="en-US"/>
           </a:p>
@@ -5085,7 +5091,7 @@
           <a:p>
             <a:fld id="{C0A3DACC-474D-44ED-8DF0-6B6BA2CE3243}" type="datetimeFigureOut">
               <a:rPr lang="en-US" smtClean="0"/>
-              <a:t>11/3/2022</a:t>
+              <a:t>11/8/2022</a:t>
             </a:fld>
             <a:endParaRPr lang="en-US"/>
           </a:p>
@@ -5745,7 +5751,7 @@
           <a:p>
             <a:fld id="{C0A3DACC-474D-44ED-8DF0-6B6BA2CE3243}" type="datetimeFigureOut">
               <a:rPr lang="en-US" smtClean="0"/>
-              <a:t>11/3/2022</a:t>
+              <a:t>11/8/2022</a:t>
             </a:fld>
             <a:endParaRPr lang="en-US"/>
           </a:p>
@@ -6606,7 +6612,7 @@
           <a:p>
             <a:fld id="{C0A3DACC-474D-44ED-8DF0-6B6BA2CE3243}" type="datetimeFigureOut">
               <a:rPr lang="en-US" smtClean="0"/>
-              <a:t>11/3/2022</a:t>
+              <a:t>11/8/2022</a:t>
             </a:fld>
             <a:endParaRPr lang="en-US"/>
           </a:p>
@@ -6796,7 +6802,7 @@
           <a:p>
             <a:fld id="{C0A3DACC-474D-44ED-8DF0-6B6BA2CE3243}" type="datetimeFigureOut">
               <a:rPr lang="en-US" smtClean="0"/>
-              <a:t>11/3/2022</a:t>
+              <a:t>11/8/2022</a:t>
             </a:fld>
             <a:endParaRPr lang="en-US"/>
           </a:p>
@@ -7768,7 +7774,7 @@
           <a:p>
             <a:fld id="{C0A3DACC-474D-44ED-8DF0-6B6BA2CE3243}" type="datetimeFigureOut">
               <a:rPr lang="en-US" smtClean="0"/>
-              <a:t>11/3/2022</a:t>
+              <a:t>11/8/2022</a:t>
             </a:fld>
             <a:endParaRPr lang="en-US"/>
           </a:p>
@@ -7979,7 +7985,7 @@
           <a:p>
             <a:fld id="{C0A3DACC-474D-44ED-8DF0-6B6BA2CE3243}" type="datetimeFigureOut">
               <a:rPr lang="en-US" smtClean="0"/>
-              <a:t>11/3/2022</a:t>
+              <a:t>11/8/2022</a:t>
             </a:fld>
             <a:endParaRPr lang="en-US"/>
           </a:p>
@@ -9013,7 +9019,7 @@
           <a:p>
             <a:fld id="{C0A3DACC-474D-44ED-8DF0-6B6BA2CE3243}" type="datetimeFigureOut">
               <a:rPr lang="en-US" smtClean="0"/>
-              <a:t>11/3/2022</a:t>
+              <a:t>11/8/2022</a:t>
             </a:fld>
             <a:endParaRPr lang="en-US"/>
           </a:p>
@@ -9285,7 +9291,7 @@
           <a:p>
             <a:fld id="{C0A3DACC-474D-44ED-8DF0-6B6BA2CE3243}" type="datetimeFigureOut">
               <a:rPr lang="en-US" smtClean="0"/>
-              <a:t>11/3/2022</a:t>
+              <a:t>11/8/2022</a:t>
             </a:fld>
             <a:endParaRPr lang="en-US"/>
           </a:p>
@@ -9695,7 +9701,7 @@
           <a:p>
             <a:fld id="{C0A3DACC-474D-44ED-8DF0-6B6BA2CE3243}" type="datetimeFigureOut">
               <a:rPr lang="en-US" smtClean="0"/>
-              <a:t>11/3/2022</a:t>
+              <a:t>11/8/2022</a:t>
             </a:fld>
             <a:endParaRPr lang="en-US"/>
           </a:p>
@@ -9822,7 +9828,7 @@
           <a:p>
             <a:fld id="{C0A3DACC-474D-44ED-8DF0-6B6BA2CE3243}" type="datetimeFigureOut">
               <a:rPr lang="en-US" smtClean="0"/>
-              <a:t>11/3/2022</a:t>
+              <a:t>11/8/2022</a:t>
             </a:fld>
             <a:endParaRPr lang="en-US"/>
           </a:p>
@@ -9917,7 +9923,7 @@
           <a:p>
             <a:fld id="{C0A3DACC-474D-44ED-8DF0-6B6BA2CE3243}" type="datetimeFigureOut">
               <a:rPr lang="en-US" smtClean="0"/>
-              <a:t>11/3/2022</a:t>
+              <a:t>11/8/2022</a:t>
             </a:fld>
             <a:endParaRPr lang="en-US"/>
           </a:p>
@@ -10998,7 +11004,7 @@
           <a:p>
             <a:fld id="{C0A3DACC-474D-44ED-8DF0-6B6BA2CE3243}" type="datetimeFigureOut">
               <a:rPr lang="en-US" smtClean="0"/>
-              <a:t>11/3/2022</a:t>
+              <a:t>11/8/2022</a:t>
             </a:fld>
             <a:endParaRPr lang="en-US"/>
           </a:p>
@@ -12106,7 +12112,7 @@
           <a:p>
             <a:fld id="{C0A3DACC-474D-44ED-8DF0-6B6BA2CE3243}" type="datetimeFigureOut">
               <a:rPr lang="en-US" smtClean="0"/>
-              <a:t>11/3/2022</a:t>
+              <a:t>11/8/2022</a:t>
             </a:fld>
             <a:endParaRPr lang="en-US"/>
           </a:p>
@@ -13103,7 +13109,7 @@
           <a:p>
             <a:fld id="{C0A3DACC-474D-44ED-8DF0-6B6BA2CE3243}" type="datetimeFigureOut">
               <a:rPr lang="en-US" smtClean="0"/>
-              <a:t>11/3/2022</a:t>
+              <a:t>11/8/2022</a:t>
             </a:fld>
             <a:endParaRPr lang="en-US"/>
           </a:p>
@@ -26527,6 +26533,1875 @@
 </p:sld>
 </file>
 
+<file path=ppt/slides/slide53.xml><?xml version="1.0" encoding="utf-8"?>
+<p:sld xmlns:a="http://schemas.openxmlformats.org/drawingml/2006/main" xmlns:r="http://schemas.openxmlformats.org/officeDocument/2006/relationships" xmlns:p="http://schemas.openxmlformats.org/presentationml/2006/main">
+  <p:cSld>
+    <p:spTree>
+      <p:nvGrpSpPr>
+        <p:cNvPr id="1" name=""/>
+        <p:cNvGrpSpPr/>
+        <p:nvPr/>
+      </p:nvGrpSpPr>
+      <p:grpSpPr>
+        <a:xfrm>
+          <a:off x="0" y="0"/>
+          <a:ext cx="0" cy="0"/>
+          <a:chOff x="0" y="0"/>
+          <a:chExt cx="0" cy="0"/>
+        </a:xfrm>
+      </p:grpSpPr>
+      <p:sp>
+        <p:nvSpPr>
+          <p:cNvPr id="2" name="Title 1">
+            <a:extLst>
+              <a:ext uri="{FF2B5EF4-FFF2-40B4-BE49-F238E27FC236}">
+                <a16:creationId xmlns:a16="http://schemas.microsoft.com/office/drawing/2014/main" id="{0D5226AE-1E9B-94E1-4DD1-A44A97BC0A33}"/>
+              </a:ext>
+            </a:extLst>
+          </p:cNvPr>
+          <p:cNvSpPr>
+            <a:spLocks noGrp="1"/>
+          </p:cNvSpPr>
+          <p:nvPr>
+            <p:ph type="title"/>
+          </p:nvPr>
+        </p:nvSpPr>
+        <p:spPr/>
+        <p:txBody>
+          <a:bodyPr/>
+          <a:lstStyle/>
+          <a:p>
+            <a:pPr algn="ctr"/>
+            <a:r>
+              <a:rPr lang="bg-BG" dirty="0">
+                <a:latin typeface="Arial" panose="020B0604020202020204" pitchFamily="34" charset="0"/>
+                <a:cs typeface="Arial" panose="020B0604020202020204" pitchFamily="34" charset="0"/>
+              </a:rPr>
+              <a:t>Задача 1:</a:t>
+            </a:r>
+          </a:p>
+        </p:txBody>
+      </p:sp>
+      <p:sp>
+        <p:nvSpPr>
+          <p:cNvPr id="3" name="Content Placeholder 2">
+            <a:extLst>
+              <a:ext uri="{FF2B5EF4-FFF2-40B4-BE49-F238E27FC236}">
+                <a16:creationId xmlns:a16="http://schemas.microsoft.com/office/drawing/2014/main" id="{6F7386F1-3598-E2E7-96E9-E71EAE822B60}"/>
+              </a:ext>
+            </a:extLst>
+          </p:cNvPr>
+          <p:cNvSpPr>
+            <a:spLocks noGrp="1"/>
+          </p:cNvSpPr>
+          <p:nvPr>
+            <p:ph idx="1"/>
+          </p:nvPr>
+        </p:nvSpPr>
+        <p:spPr/>
+        <p:txBody>
+          <a:bodyPr>
+            <a:normAutofit lnSpcReduction="10000"/>
+          </a:bodyPr>
+          <a:lstStyle/>
+          <a:p>
+            <a:r>
+              <a:rPr lang="bg-BG" sz="2400" i="1" dirty="0">
+                <a:latin typeface="Arial" panose="020B0604020202020204" pitchFamily="34" charset="0"/>
+                <a:cs typeface="Arial" panose="020B0604020202020204" pitchFamily="34" charset="0"/>
+              </a:rPr>
+              <a:t>Да се намери лицето на окръжност по зададен радиус от потребителя и да се изведе на екрана. Използвайте тип данни, който поддържа десетична запетая.</a:t>
+            </a:r>
+          </a:p>
+          <a:p>
+            <a:r>
+              <a:rPr lang="bg-BG" sz="2400" dirty="0">
+                <a:latin typeface="Arial" panose="020B0604020202020204" pitchFamily="34" charset="0"/>
+                <a:cs typeface="Arial" panose="020B0604020202020204" pitchFamily="34" charset="0"/>
+              </a:rPr>
+              <a:t>Изходът от програмата трябва да изглежда така:</a:t>
+            </a:r>
+          </a:p>
+          <a:p>
+            <a:pPr marL="400050" lvl="1" indent="0">
+              <a:buNone/>
+            </a:pPr>
+            <a:r>
+              <a:rPr lang="bg-BG" sz="2400" b="1" i="1" u="sng" dirty="0">
+                <a:latin typeface="Arial" panose="020B0604020202020204" pitchFamily="34" charset="0"/>
+                <a:cs typeface="Arial" panose="020B0604020202020204" pitchFamily="34" charset="0"/>
+              </a:rPr>
+              <a:t>Пример</a:t>
+            </a:r>
+            <a:r>
+              <a:rPr lang="bg-BG" sz="2600" dirty="0">
+                <a:latin typeface="Arial" panose="020B0604020202020204" pitchFamily="34" charset="0"/>
+                <a:cs typeface="Arial" panose="020B0604020202020204" pitchFamily="34" charset="0"/>
+              </a:rPr>
+              <a:t>:</a:t>
+            </a:r>
+          </a:p>
+          <a:p>
+            <a:pPr marL="457200" lvl="1" indent="0">
+              <a:buNone/>
+            </a:pPr>
+            <a:r>
+              <a:rPr lang="en-US" sz="1800" dirty="0">
+                <a:solidFill>
+                  <a:srgbClr val="A31515"/>
+                </a:solidFill>
+                <a:latin typeface="Cascadia Mono" panose="020B0609020000020004" pitchFamily="49" charset="0"/>
+              </a:rPr>
+              <a:t>The area of circle is:</a:t>
+            </a:r>
+            <a:r>
+              <a:rPr lang="bg-BG" sz="1800" dirty="0">
+                <a:solidFill>
+                  <a:srgbClr val="A31515"/>
+                </a:solidFill>
+                <a:latin typeface="Cascadia Mono" panose="020B0609020000020004" pitchFamily="49" charset="0"/>
+              </a:rPr>
+              <a:t> 25.0</a:t>
+            </a:r>
+            <a:endParaRPr lang="en-US" sz="1800" dirty="0">
+              <a:solidFill>
+                <a:srgbClr val="A31515"/>
+              </a:solidFill>
+              <a:latin typeface="Cascadia Mono" panose="020B0609020000020004" pitchFamily="49" charset="0"/>
+            </a:endParaRPr>
+          </a:p>
+          <a:p>
+            <a:pPr marL="457200" lvl="1" indent="0">
+              <a:buNone/>
+            </a:pPr>
+            <a:endParaRPr lang="bg-BG" sz="1800" dirty="0">
+              <a:solidFill>
+                <a:srgbClr val="A31515"/>
+              </a:solidFill>
+              <a:latin typeface="Cascadia Mono" panose="020B0609020000020004" pitchFamily="49" charset="0"/>
+            </a:endParaRPr>
+          </a:p>
+          <a:p>
+            <a:pPr marL="457200" lvl="1" indent="0">
+              <a:buNone/>
+            </a:pPr>
+            <a:r>
+              <a:rPr lang="bg-BG" sz="2400" b="1" i="1" u="sng" dirty="0">
+                <a:solidFill>
+                  <a:schemeClr val="tx1"/>
+                </a:solidFill>
+                <a:latin typeface="Arial" panose="020B0604020202020204" pitchFamily="34" charset="0"/>
+                <a:cs typeface="Arial" panose="020B0604020202020204" pitchFamily="34" charset="0"/>
+              </a:rPr>
+              <a:t>Бонус упътване</a:t>
+            </a:r>
+            <a:r>
+              <a:rPr lang="bg-BG" sz="2400" i="1" u="sng" dirty="0">
+                <a:solidFill>
+                  <a:schemeClr val="tx1"/>
+                </a:solidFill>
+                <a:latin typeface="Arial" panose="020B0604020202020204" pitchFamily="34" charset="0"/>
+                <a:cs typeface="Arial" panose="020B0604020202020204" pitchFamily="34" charset="0"/>
+              </a:rPr>
+              <a:t>:</a:t>
+            </a:r>
+            <a:r>
+              <a:rPr lang="bg-BG" sz="2400" dirty="0">
+                <a:solidFill>
+                  <a:schemeClr val="tx1"/>
+                </a:solidFill>
+                <a:latin typeface="Arial" panose="020B0604020202020204" pitchFamily="34" charset="0"/>
+                <a:cs typeface="Arial" panose="020B0604020202020204" pitchFamily="34" charset="0"/>
+              </a:rPr>
+              <a:t> Вижте как се работи с класа </a:t>
+            </a:r>
+            <a:r>
+              <a:rPr lang="en-US" sz="2400" b="1" dirty="0">
+                <a:solidFill>
+                  <a:schemeClr val="tx1"/>
+                </a:solidFill>
+                <a:latin typeface="Arial" panose="020B0604020202020204" pitchFamily="34" charset="0"/>
+                <a:cs typeface="Arial" panose="020B0604020202020204" pitchFamily="34" charset="0"/>
+              </a:rPr>
+              <a:t>Math</a:t>
+            </a:r>
+            <a:r>
+              <a:rPr lang="en-US" sz="2400" dirty="0">
+                <a:solidFill>
+                  <a:schemeClr val="tx1"/>
+                </a:solidFill>
+                <a:latin typeface="Arial" panose="020B0604020202020204" pitchFamily="34" charset="0"/>
+                <a:cs typeface="Arial" panose="020B0604020202020204" pitchFamily="34" charset="0"/>
+              </a:rPr>
+              <a:t>.</a:t>
+            </a:r>
+            <a:endParaRPr lang="bg-BG" sz="2400" dirty="0">
+              <a:solidFill>
+                <a:schemeClr val="tx1"/>
+              </a:solidFill>
+              <a:latin typeface="Arial" panose="020B0604020202020204" pitchFamily="34" charset="0"/>
+              <a:cs typeface="Arial" panose="020B0604020202020204" pitchFamily="34" charset="0"/>
+            </a:endParaRPr>
+          </a:p>
+        </p:txBody>
+      </p:sp>
+    </p:spTree>
+    <p:extLst>
+      <p:ext uri="{BB962C8B-B14F-4D97-AF65-F5344CB8AC3E}">
+        <p14:creationId xmlns:p14="http://schemas.microsoft.com/office/powerpoint/2010/main" val="3343338538"/>
+      </p:ext>
+    </p:extLst>
+  </p:cSld>
+  <p:clrMapOvr>
+    <a:masterClrMapping/>
+  </p:clrMapOvr>
+</p:sld>
+</file>
+
+<file path=ppt/slides/slide54.xml><?xml version="1.0" encoding="utf-8"?>
+<p:sld xmlns:a="http://schemas.openxmlformats.org/drawingml/2006/main" xmlns:r="http://schemas.openxmlformats.org/officeDocument/2006/relationships" xmlns:p="http://schemas.openxmlformats.org/presentationml/2006/main">
+  <p:cSld>
+    <p:spTree>
+      <p:nvGrpSpPr>
+        <p:cNvPr id="1" name=""/>
+        <p:cNvGrpSpPr/>
+        <p:nvPr/>
+      </p:nvGrpSpPr>
+      <p:grpSpPr>
+        <a:xfrm>
+          <a:off x="0" y="0"/>
+          <a:ext cx="0" cy="0"/>
+          <a:chOff x="0" y="0"/>
+          <a:chExt cx="0" cy="0"/>
+        </a:xfrm>
+      </p:grpSpPr>
+      <p:sp>
+        <p:nvSpPr>
+          <p:cNvPr id="2" name="Title 1">
+            <a:extLst>
+              <a:ext uri="{FF2B5EF4-FFF2-40B4-BE49-F238E27FC236}">
+                <a16:creationId xmlns:a16="http://schemas.microsoft.com/office/drawing/2014/main" id="{0D5226AE-1E9B-94E1-4DD1-A44A97BC0A33}"/>
+              </a:ext>
+            </a:extLst>
+          </p:cNvPr>
+          <p:cNvSpPr>
+            <a:spLocks noGrp="1"/>
+          </p:cNvSpPr>
+          <p:nvPr>
+            <p:ph type="title"/>
+          </p:nvPr>
+        </p:nvSpPr>
+        <p:spPr/>
+        <p:txBody>
+          <a:bodyPr/>
+          <a:lstStyle/>
+          <a:p>
+            <a:pPr algn="ctr"/>
+            <a:r>
+              <a:rPr lang="bg-BG" dirty="0">
+                <a:latin typeface="Arial" panose="020B0604020202020204" pitchFamily="34" charset="0"/>
+                <a:cs typeface="Arial" panose="020B0604020202020204" pitchFamily="34" charset="0"/>
+              </a:rPr>
+              <a:t>Задача 2:</a:t>
+            </a:r>
+          </a:p>
+        </p:txBody>
+      </p:sp>
+      <p:sp>
+        <p:nvSpPr>
+          <p:cNvPr id="3" name="Content Placeholder 2">
+            <a:extLst>
+              <a:ext uri="{FF2B5EF4-FFF2-40B4-BE49-F238E27FC236}">
+                <a16:creationId xmlns:a16="http://schemas.microsoft.com/office/drawing/2014/main" id="{6F7386F1-3598-E2E7-96E9-E71EAE822B60}"/>
+              </a:ext>
+            </a:extLst>
+          </p:cNvPr>
+          <p:cNvSpPr>
+            <a:spLocks noGrp="1"/>
+          </p:cNvSpPr>
+          <p:nvPr>
+            <p:ph idx="1"/>
+          </p:nvPr>
+        </p:nvSpPr>
+        <p:spPr>
+          <a:xfrm>
+            <a:off x="1154954" y="2603499"/>
+            <a:ext cx="8825659" cy="4064719"/>
+          </a:xfrm>
+        </p:spPr>
+        <p:txBody>
+          <a:bodyPr>
+            <a:normAutofit fontScale="92500" lnSpcReduction="20000"/>
+          </a:bodyPr>
+          <a:lstStyle/>
+          <a:p>
+            <a:r>
+              <a:rPr lang="bg-BG" sz="2400" i="1" dirty="0">
+                <a:latin typeface="Arial" panose="020B0604020202020204" pitchFamily="34" charset="0"/>
+                <a:cs typeface="Arial" panose="020B0604020202020204" pitchFamily="34" charset="0"/>
+              </a:rPr>
+              <a:t>Да се направи калкулатор, който поддържа събиране, изваждане, умножение и деление. Входът ще се състои от три части. Първите две са числата, които ще участват в операцията, а третият вход е самата операция, която въвеждаме като </a:t>
+            </a:r>
+            <a:r>
+              <a:rPr lang="en-US" sz="2400" b="1" i="1" dirty="0">
+                <a:latin typeface="Arial" panose="020B0604020202020204" pitchFamily="34" charset="0"/>
+                <a:cs typeface="Arial" panose="020B0604020202020204" pitchFamily="34" charset="0"/>
+              </a:rPr>
+              <a:t>char</a:t>
+            </a:r>
+            <a:r>
+              <a:rPr lang="en-US" sz="2400" i="1" dirty="0">
+                <a:latin typeface="Arial" panose="020B0604020202020204" pitchFamily="34" charset="0"/>
+                <a:cs typeface="Arial" panose="020B0604020202020204" pitchFamily="34" charset="0"/>
+              </a:rPr>
+              <a:t>.</a:t>
+            </a:r>
+            <a:r>
+              <a:rPr lang="bg-BG" sz="2400" i="1" dirty="0">
+                <a:latin typeface="Arial" panose="020B0604020202020204" pitchFamily="34" charset="0"/>
+                <a:cs typeface="Arial" panose="020B0604020202020204" pitchFamily="34" charset="0"/>
+              </a:rPr>
+              <a:t> Числата, които въвеждаме трябва да са </a:t>
+            </a:r>
+            <a:r>
+              <a:rPr lang="en-US" sz="2400" b="1" i="1" dirty="0">
+                <a:latin typeface="Arial" panose="020B0604020202020204" pitchFamily="34" charset="0"/>
+                <a:cs typeface="Arial" panose="020B0604020202020204" pitchFamily="34" charset="0"/>
+              </a:rPr>
+              <a:t>double</a:t>
+            </a:r>
+            <a:r>
+              <a:rPr lang="en-US" sz="2400" i="1" dirty="0">
+                <a:latin typeface="Arial" panose="020B0604020202020204" pitchFamily="34" charset="0"/>
+                <a:cs typeface="Arial" panose="020B0604020202020204" pitchFamily="34" charset="0"/>
+              </a:rPr>
+              <a:t>.</a:t>
+            </a:r>
+            <a:endParaRPr lang="bg-BG" sz="2400" i="1" dirty="0">
+              <a:latin typeface="Arial" panose="020B0604020202020204" pitchFamily="34" charset="0"/>
+              <a:cs typeface="Arial" panose="020B0604020202020204" pitchFamily="34" charset="0"/>
+            </a:endParaRPr>
+          </a:p>
+          <a:p>
+            <a:r>
+              <a:rPr lang="bg-BG" sz="2400" dirty="0">
+                <a:latin typeface="Arial" panose="020B0604020202020204" pitchFamily="34" charset="0"/>
+                <a:cs typeface="Arial" panose="020B0604020202020204" pitchFamily="34" charset="0"/>
+              </a:rPr>
+              <a:t>Изходът от програмата трябва да изглежда така:</a:t>
+            </a:r>
+          </a:p>
+          <a:p>
+            <a:pPr marL="400050" lvl="1" indent="0">
+              <a:buNone/>
+            </a:pPr>
+            <a:r>
+              <a:rPr lang="bg-BG" sz="2400" b="1" i="1" u="sng" dirty="0">
+                <a:latin typeface="Arial" panose="020B0604020202020204" pitchFamily="34" charset="0"/>
+                <a:cs typeface="Arial" panose="020B0604020202020204" pitchFamily="34" charset="0"/>
+              </a:rPr>
+              <a:t>Пример</a:t>
+            </a:r>
+            <a:r>
+              <a:rPr lang="bg-BG" sz="2600" dirty="0">
+                <a:latin typeface="Arial" panose="020B0604020202020204" pitchFamily="34" charset="0"/>
+                <a:cs typeface="Arial" panose="020B0604020202020204" pitchFamily="34" charset="0"/>
+              </a:rPr>
+              <a:t>:</a:t>
+            </a:r>
+          </a:p>
+          <a:p>
+            <a:pPr marL="457200" lvl="1" indent="0">
+              <a:buNone/>
+            </a:pPr>
+            <a:r>
+              <a:rPr lang="en-US" sz="1800" dirty="0">
+                <a:solidFill>
+                  <a:srgbClr val="A31515"/>
+                </a:solidFill>
+                <a:latin typeface="Cascadia Mono" panose="020B0609020000020004" pitchFamily="49" charset="0"/>
+              </a:rPr>
+              <a:t>The sum of numbers is:</a:t>
+            </a:r>
+            <a:r>
+              <a:rPr lang="bg-BG" sz="1800" dirty="0">
+                <a:solidFill>
+                  <a:srgbClr val="A31515"/>
+                </a:solidFill>
+                <a:latin typeface="Cascadia Mono" panose="020B0609020000020004" pitchFamily="49" charset="0"/>
+              </a:rPr>
+              <a:t> 26.7</a:t>
+            </a:r>
+            <a:r>
+              <a:rPr lang="en-US" sz="1800" dirty="0">
+                <a:solidFill>
+                  <a:srgbClr val="A31515"/>
+                </a:solidFill>
+                <a:latin typeface="Cascadia Mono" panose="020B0609020000020004" pitchFamily="49" charset="0"/>
+              </a:rPr>
+              <a:t>.</a:t>
+            </a:r>
+            <a:r>
+              <a:rPr lang="en-US" sz="1800" dirty="0">
+                <a:solidFill>
+                  <a:schemeClr val="tx1"/>
+                </a:solidFill>
+                <a:latin typeface="Cascadia Mono" panose="020B0609020000020004" pitchFamily="49" charset="0"/>
+              </a:rPr>
+              <a:t>-&gt; </a:t>
+            </a:r>
+            <a:r>
+              <a:rPr lang="bg-BG" sz="1800" dirty="0">
+                <a:solidFill>
+                  <a:schemeClr val="tx1"/>
+                </a:solidFill>
+                <a:latin typeface="Cascadia Mono" panose="020B0609020000020004" pitchFamily="49" charset="0"/>
+              </a:rPr>
+              <a:t>за събиране</a:t>
+            </a:r>
+            <a:endParaRPr lang="en-US" sz="1800" dirty="0">
+              <a:solidFill>
+                <a:schemeClr val="tx1"/>
+              </a:solidFill>
+              <a:latin typeface="Cascadia Mono" panose="020B0609020000020004" pitchFamily="49" charset="0"/>
+            </a:endParaRPr>
+          </a:p>
+          <a:p>
+            <a:pPr marL="457200" lvl="1" indent="0">
+              <a:buNone/>
+            </a:pPr>
+            <a:r>
+              <a:rPr lang="en-US" sz="1800" dirty="0">
+                <a:solidFill>
+                  <a:srgbClr val="A31515"/>
+                </a:solidFill>
+                <a:latin typeface="Cascadia Mono" panose="020B0609020000020004" pitchFamily="49" charset="0"/>
+              </a:rPr>
+              <a:t>The product of numbers is:</a:t>
+            </a:r>
+            <a:r>
+              <a:rPr lang="bg-BG" sz="1800" dirty="0">
+                <a:solidFill>
+                  <a:srgbClr val="A31515"/>
+                </a:solidFill>
+                <a:latin typeface="Cascadia Mono" panose="020B0609020000020004" pitchFamily="49" charset="0"/>
+              </a:rPr>
+              <a:t> 64.0</a:t>
+            </a:r>
+            <a:r>
+              <a:rPr lang="en-US" sz="1800" dirty="0">
+                <a:solidFill>
+                  <a:srgbClr val="A31515"/>
+                </a:solidFill>
+                <a:latin typeface="Cascadia Mono" panose="020B0609020000020004" pitchFamily="49" charset="0"/>
+              </a:rPr>
+              <a:t>. </a:t>
+            </a:r>
+            <a:r>
+              <a:rPr lang="en-US" sz="1800" dirty="0">
+                <a:solidFill>
+                  <a:schemeClr val="tx1"/>
+                </a:solidFill>
+                <a:latin typeface="Cascadia Mono" panose="020B0609020000020004" pitchFamily="49" charset="0"/>
+              </a:rPr>
+              <a:t>-&gt; </a:t>
+            </a:r>
+            <a:r>
+              <a:rPr lang="bg-BG" sz="1800" dirty="0">
+                <a:solidFill>
+                  <a:schemeClr val="tx1"/>
+                </a:solidFill>
+                <a:latin typeface="Cascadia Mono" panose="020B0609020000020004" pitchFamily="49" charset="0"/>
+              </a:rPr>
+              <a:t>за умножение</a:t>
+            </a:r>
+            <a:endParaRPr lang="en-US" sz="1800" dirty="0">
+              <a:solidFill>
+                <a:schemeClr val="tx1"/>
+              </a:solidFill>
+              <a:latin typeface="Cascadia Mono" panose="020B0609020000020004" pitchFamily="49" charset="0"/>
+            </a:endParaRPr>
+          </a:p>
+          <a:p>
+            <a:pPr marL="457200" lvl="1" indent="0">
+              <a:buNone/>
+            </a:pPr>
+            <a:r>
+              <a:rPr lang="en-US" sz="1800" dirty="0">
+                <a:solidFill>
+                  <a:srgbClr val="A31515"/>
+                </a:solidFill>
+                <a:latin typeface="Cascadia Mono" panose="020B0609020000020004" pitchFamily="49" charset="0"/>
+              </a:rPr>
+              <a:t>The difference of numbers is:</a:t>
+            </a:r>
+            <a:r>
+              <a:rPr lang="bg-BG" sz="1800" dirty="0">
+                <a:solidFill>
+                  <a:srgbClr val="A31515"/>
+                </a:solidFill>
+                <a:latin typeface="Cascadia Mono" panose="020B0609020000020004" pitchFamily="49" charset="0"/>
+              </a:rPr>
+              <a:t> 72.6</a:t>
+            </a:r>
+            <a:r>
+              <a:rPr lang="en-US" sz="1800" dirty="0">
+                <a:solidFill>
+                  <a:srgbClr val="A31515"/>
+                </a:solidFill>
+                <a:latin typeface="Cascadia Mono" panose="020B0609020000020004" pitchFamily="49" charset="0"/>
+              </a:rPr>
+              <a:t>. </a:t>
+            </a:r>
+            <a:r>
+              <a:rPr lang="en-US" sz="1800" dirty="0">
+                <a:solidFill>
+                  <a:schemeClr val="tx1"/>
+                </a:solidFill>
+                <a:latin typeface="Cascadia Mono" panose="020B0609020000020004" pitchFamily="49" charset="0"/>
+              </a:rPr>
+              <a:t>-&gt; </a:t>
+            </a:r>
+            <a:r>
+              <a:rPr lang="bg-BG" sz="1800" dirty="0">
+                <a:solidFill>
+                  <a:schemeClr val="tx1"/>
+                </a:solidFill>
+                <a:latin typeface="Cascadia Mono" panose="020B0609020000020004" pitchFamily="49" charset="0"/>
+              </a:rPr>
+              <a:t>за изваждане</a:t>
+            </a:r>
+            <a:endParaRPr lang="en-US" sz="1800" dirty="0">
+              <a:solidFill>
+                <a:schemeClr val="tx1"/>
+              </a:solidFill>
+              <a:latin typeface="Cascadia Mono" panose="020B0609020000020004" pitchFamily="49" charset="0"/>
+            </a:endParaRPr>
+          </a:p>
+          <a:p>
+            <a:pPr marL="457200" lvl="1" indent="0">
+              <a:buNone/>
+            </a:pPr>
+            <a:r>
+              <a:rPr lang="en-US" sz="1800" dirty="0">
+                <a:solidFill>
+                  <a:srgbClr val="A31515"/>
+                </a:solidFill>
+                <a:latin typeface="Cascadia Mono" panose="020B0609020000020004" pitchFamily="49" charset="0"/>
+              </a:rPr>
+              <a:t>The division of numbers is:</a:t>
+            </a:r>
+            <a:r>
+              <a:rPr lang="bg-BG" sz="1800" dirty="0">
+                <a:solidFill>
+                  <a:srgbClr val="A31515"/>
+                </a:solidFill>
+                <a:latin typeface="Cascadia Mono" panose="020B0609020000020004" pitchFamily="49" charset="0"/>
+              </a:rPr>
+              <a:t> 5.2</a:t>
+            </a:r>
+            <a:r>
+              <a:rPr lang="en-US" sz="1800" dirty="0">
+                <a:solidFill>
+                  <a:srgbClr val="A31515"/>
+                </a:solidFill>
+                <a:latin typeface="Cascadia Mono" panose="020B0609020000020004" pitchFamily="49" charset="0"/>
+              </a:rPr>
+              <a:t>. </a:t>
+            </a:r>
+            <a:r>
+              <a:rPr lang="en-US" sz="1800" dirty="0">
+                <a:solidFill>
+                  <a:schemeClr val="tx1"/>
+                </a:solidFill>
+                <a:latin typeface="Cascadia Mono" panose="020B0609020000020004" pitchFamily="49" charset="0"/>
+              </a:rPr>
+              <a:t>-&gt; </a:t>
+            </a:r>
+            <a:r>
+              <a:rPr lang="bg-BG" sz="1800" dirty="0">
+                <a:solidFill>
+                  <a:schemeClr val="tx1"/>
+                </a:solidFill>
+                <a:latin typeface="Cascadia Mono" panose="020B0609020000020004" pitchFamily="49" charset="0"/>
+              </a:rPr>
+              <a:t>за деление</a:t>
+            </a:r>
+            <a:endParaRPr lang="en-US" sz="1800" dirty="0">
+              <a:solidFill>
+                <a:schemeClr val="tx1"/>
+              </a:solidFill>
+              <a:latin typeface="Cascadia Mono" panose="020B0609020000020004" pitchFamily="49" charset="0"/>
+            </a:endParaRPr>
+          </a:p>
+          <a:p>
+            <a:pPr marL="457200" lvl="1" indent="0">
+              <a:buNone/>
+            </a:pPr>
+            <a:endParaRPr lang="en-US" sz="1800" dirty="0">
+              <a:solidFill>
+                <a:schemeClr val="tx1"/>
+              </a:solidFill>
+              <a:latin typeface="Cascadia Mono" panose="020B0609020000020004" pitchFamily="49" charset="0"/>
+            </a:endParaRPr>
+          </a:p>
+          <a:p>
+            <a:pPr marL="457200" lvl="1" indent="0">
+              <a:buNone/>
+            </a:pPr>
+            <a:endParaRPr lang="en-US" sz="1800" dirty="0">
+              <a:solidFill>
+                <a:schemeClr val="tx1"/>
+              </a:solidFill>
+              <a:latin typeface="Cascadia Mono" panose="020B0609020000020004" pitchFamily="49" charset="0"/>
+            </a:endParaRPr>
+          </a:p>
+          <a:p>
+            <a:pPr marL="457200" lvl="1" indent="0">
+              <a:buNone/>
+            </a:pPr>
+            <a:endParaRPr lang="en-US" sz="1800" dirty="0">
+              <a:solidFill>
+                <a:schemeClr val="tx1"/>
+              </a:solidFill>
+              <a:latin typeface="Cascadia Mono" panose="020B0609020000020004" pitchFamily="49" charset="0"/>
+            </a:endParaRPr>
+          </a:p>
+          <a:p>
+            <a:pPr marL="457200" lvl="1" indent="0">
+              <a:buNone/>
+            </a:pPr>
+            <a:endParaRPr lang="bg-BG" sz="1800" dirty="0">
+              <a:solidFill>
+                <a:srgbClr val="A31515"/>
+              </a:solidFill>
+              <a:latin typeface="Cascadia Mono" panose="020B0609020000020004" pitchFamily="49" charset="0"/>
+            </a:endParaRPr>
+          </a:p>
+        </p:txBody>
+      </p:sp>
+    </p:spTree>
+    <p:extLst>
+      <p:ext uri="{BB962C8B-B14F-4D97-AF65-F5344CB8AC3E}">
+        <p14:creationId xmlns:p14="http://schemas.microsoft.com/office/powerpoint/2010/main" val="528386793"/>
+      </p:ext>
+    </p:extLst>
+  </p:cSld>
+  <p:clrMapOvr>
+    <a:masterClrMapping/>
+  </p:clrMapOvr>
+</p:sld>
+</file>
+
+<file path=ppt/slides/slide55.xml><?xml version="1.0" encoding="utf-8"?>
+<p:sld xmlns:a="http://schemas.openxmlformats.org/drawingml/2006/main" xmlns:r="http://schemas.openxmlformats.org/officeDocument/2006/relationships" xmlns:p="http://schemas.openxmlformats.org/presentationml/2006/main">
+  <p:cSld>
+    <p:spTree>
+      <p:nvGrpSpPr>
+        <p:cNvPr id="1" name=""/>
+        <p:cNvGrpSpPr/>
+        <p:nvPr/>
+      </p:nvGrpSpPr>
+      <p:grpSpPr>
+        <a:xfrm>
+          <a:off x="0" y="0"/>
+          <a:ext cx="0" cy="0"/>
+          <a:chOff x="0" y="0"/>
+          <a:chExt cx="0" cy="0"/>
+        </a:xfrm>
+      </p:grpSpPr>
+      <p:sp>
+        <p:nvSpPr>
+          <p:cNvPr id="2" name="Title 1">
+            <a:extLst>
+              <a:ext uri="{FF2B5EF4-FFF2-40B4-BE49-F238E27FC236}">
+                <a16:creationId xmlns:a16="http://schemas.microsoft.com/office/drawing/2014/main" id="{0D5226AE-1E9B-94E1-4DD1-A44A97BC0A33}"/>
+              </a:ext>
+            </a:extLst>
+          </p:cNvPr>
+          <p:cNvSpPr>
+            <a:spLocks noGrp="1"/>
+          </p:cNvSpPr>
+          <p:nvPr>
+            <p:ph type="title"/>
+          </p:nvPr>
+        </p:nvSpPr>
+        <p:spPr/>
+        <p:txBody>
+          <a:bodyPr/>
+          <a:lstStyle/>
+          <a:p>
+            <a:pPr algn="ctr"/>
+            <a:r>
+              <a:rPr lang="bg-BG" dirty="0">
+                <a:latin typeface="Arial" panose="020B0604020202020204" pitchFamily="34" charset="0"/>
+                <a:cs typeface="Arial" panose="020B0604020202020204" pitchFamily="34" charset="0"/>
+              </a:rPr>
+              <a:t>Задача 3:</a:t>
+            </a:r>
+          </a:p>
+        </p:txBody>
+      </p:sp>
+      <p:sp>
+        <p:nvSpPr>
+          <p:cNvPr id="3" name="Content Placeholder 2">
+            <a:extLst>
+              <a:ext uri="{FF2B5EF4-FFF2-40B4-BE49-F238E27FC236}">
+                <a16:creationId xmlns:a16="http://schemas.microsoft.com/office/drawing/2014/main" id="{6F7386F1-3598-E2E7-96E9-E71EAE822B60}"/>
+              </a:ext>
+            </a:extLst>
+          </p:cNvPr>
+          <p:cNvSpPr>
+            <a:spLocks noGrp="1"/>
+          </p:cNvSpPr>
+          <p:nvPr>
+            <p:ph idx="1"/>
+          </p:nvPr>
+        </p:nvSpPr>
+        <p:spPr>
+          <a:xfrm>
+            <a:off x="1154954" y="2603499"/>
+            <a:ext cx="8825659" cy="4064719"/>
+          </a:xfrm>
+        </p:spPr>
+        <p:txBody>
+          <a:bodyPr>
+            <a:normAutofit fontScale="92500" lnSpcReduction="20000"/>
+          </a:bodyPr>
+          <a:lstStyle/>
+          <a:p>
+            <a:r>
+              <a:rPr lang="bg-BG" sz="2400" i="1" dirty="0">
+                <a:latin typeface="Arial" panose="020B0604020202020204" pitchFamily="34" charset="0"/>
+                <a:cs typeface="Arial" panose="020B0604020202020204" pitchFamily="34" charset="0"/>
+              </a:rPr>
+              <a:t>Да се направи програма, която принтира само четните числа в зададен интервал</a:t>
+            </a:r>
+            <a:r>
+              <a:rPr lang="en-US" sz="2400" i="1" dirty="0">
+                <a:latin typeface="Arial" panose="020B0604020202020204" pitchFamily="34" charset="0"/>
+                <a:cs typeface="Arial" panose="020B0604020202020204" pitchFamily="34" charset="0"/>
+              </a:rPr>
+              <a:t>.</a:t>
+            </a:r>
+            <a:r>
+              <a:rPr lang="bg-BG" sz="2400" i="1" dirty="0">
+                <a:latin typeface="Arial" panose="020B0604020202020204" pitchFamily="34" charset="0"/>
+                <a:cs typeface="Arial" panose="020B0604020202020204" pitchFamily="34" charset="0"/>
+              </a:rPr>
+              <a:t> Интервалът се задава от потребителя. Входът от потребителя са две </a:t>
+            </a:r>
+            <a:r>
+              <a:rPr lang="en-US" sz="2400" b="1" i="1" dirty="0">
+                <a:latin typeface="Arial" panose="020B0604020202020204" pitchFamily="34" charset="0"/>
+                <a:cs typeface="Arial" panose="020B0604020202020204" pitchFamily="34" charset="0"/>
+              </a:rPr>
+              <a:t>int</a:t>
+            </a:r>
+            <a:r>
+              <a:rPr lang="en-US" sz="2400" i="1" dirty="0">
+                <a:latin typeface="Arial" panose="020B0604020202020204" pitchFamily="34" charset="0"/>
+                <a:cs typeface="Arial" panose="020B0604020202020204" pitchFamily="34" charset="0"/>
+              </a:rPr>
+              <a:t> </a:t>
+            </a:r>
+            <a:r>
+              <a:rPr lang="bg-BG" sz="2400" i="1" dirty="0">
+                <a:latin typeface="Arial" panose="020B0604020202020204" pitchFamily="34" charset="0"/>
+                <a:cs typeface="Arial" panose="020B0604020202020204" pitchFamily="34" charset="0"/>
+              </a:rPr>
+              <a:t>числа, които представляват началото и края на интервала. Двете граници също влизат в съответния интервал</a:t>
+            </a:r>
+            <a:r>
+              <a:rPr lang="en-US" sz="2400" i="1" dirty="0">
+                <a:latin typeface="Arial" panose="020B0604020202020204" pitchFamily="34" charset="0"/>
+                <a:cs typeface="Arial" panose="020B0604020202020204" pitchFamily="34" charset="0"/>
+              </a:rPr>
+              <a:t>, </a:t>
+            </a:r>
+            <a:r>
+              <a:rPr lang="bg-BG" sz="2400" i="1" dirty="0">
+                <a:latin typeface="Arial" panose="020B0604020202020204" pitchFamily="34" charset="0"/>
+                <a:cs typeface="Arial" panose="020B0604020202020204" pitchFamily="34" charset="0"/>
+              </a:rPr>
+              <a:t>когато извеждаме числата на конзолата.</a:t>
+            </a:r>
+          </a:p>
+          <a:p>
+            <a:r>
+              <a:rPr lang="bg-BG" sz="2400" dirty="0">
+                <a:latin typeface="Arial" panose="020B0604020202020204" pitchFamily="34" charset="0"/>
+                <a:cs typeface="Arial" panose="020B0604020202020204" pitchFamily="34" charset="0"/>
+              </a:rPr>
+              <a:t>Изходът от програмата трябва да изглежда така</a:t>
+            </a:r>
+            <a:r>
+              <a:rPr lang="en-US" sz="2400" dirty="0">
+                <a:latin typeface="Arial" panose="020B0604020202020204" pitchFamily="34" charset="0"/>
+                <a:cs typeface="Arial" panose="020B0604020202020204" pitchFamily="34" charset="0"/>
+              </a:rPr>
+              <a:t> (</a:t>
+            </a:r>
+            <a:r>
+              <a:rPr lang="bg-BG" sz="2400" dirty="0">
+                <a:latin typeface="Arial" panose="020B0604020202020204" pitchFamily="34" charset="0"/>
+                <a:cs typeface="Arial" panose="020B0604020202020204" pitchFamily="34" charset="0"/>
+              </a:rPr>
+              <a:t>при зададени </a:t>
+            </a:r>
+            <a:r>
+              <a:rPr lang="bg-BG" sz="2400" b="1" dirty="0">
+                <a:latin typeface="Arial" panose="020B0604020202020204" pitchFamily="34" charset="0"/>
+                <a:cs typeface="Arial" panose="020B0604020202020204" pitchFamily="34" charset="0"/>
+              </a:rPr>
+              <a:t>2</a:t>
+            </a:r>
+            <a:r>
+              <a:rPr lang="bg-BG" sz="2400" dirty="0">
+                <a:latin typeface="Arial" panose="020B0604020202020204" pitchFamily="34" charset="0"/>
+                <a:cs typeface="Arial" panose="020B0604020202020204" pitchFamily="34" charset="0"/>
+              </a:rPr>
+              <a:t> и  </a:t>
+            </a:r>
+            <a:r>
+              <a:rPr lang="bg-BG" sz="2400" b="1" dirty="0">
+                <a:latin typeface="Arial" panose="020B0604020202020204" pitchFamily="34" charset="0"/>
+                <a:cs typeface="Arial" panose="020B0604020202020204" pitchFamily="34" charset="0"/>
+              </a:rPr>
+              <a:t>6 </a:t>
+            </a:r>
+            <a:r>
+              <a:rPr lang="bg-BG" sz="2400" dirty="0">
+                <a:latin typeface="Arial" panose="020B0604020202020204" pitchFamily="34" charset="0"/>
+                <a:cs typeface="Arial" panose="020B0604020202020204" pitchFamily="34" charset="0"/>
+              </a:rPr>
+              <a:t>за граници</a:t>
+            </a:r>
+            <a:r>
+              <a:rPr lang="en-US" sz="2400" dirty="0">
+                <a:latin typeface="Arial" panose="020B0604020202020204" pitchFamily="34" charset="0"/>
+                <a:cs typeface="Arial" panose="020B0604020202020204" pitchFamily="34" charset="0"/>
+              </a:rPr>
+              <a:t>)</a:t>
+            </a:r>
+            <a:r>
+              <a:rPr lang="bg-BG" sz="2400" dirty="0">
+                <a:latin typeface="Arial" panose="020B0604020202020204" pitchFamily="34" charset="0"/>
+                <a:cs typeface="Arial" panose="020B0604020202020204" pitchFamily="34" charset="0"/>
+              </a:rPr>
+              <a:t>:</a:t>
+            </a:r>
+          </a:p>
+          <a:p>
+            <a:pPr marL="400050" lvl="1" indent="0">
+              <a:buNone/>
+            </a:pPr>
+            <a:r>
+              <a:rPr lang="bg-BG" sz="2400" b="1" i="1" u="sng" dirty="0">
+                <a:latin typeface="Arial" panose="020B0604020202020204" pitchFamily="34" charset="0"/>
+                <a:cs typeface="Arial" panose="020B0604020202020204" pitchFamily="34" charset="0"/>
+              </a:rPr>
+              <a:t>Пример</a:t>
+            </a:r>
+            <a:r>
+              <a:rPr lang="bg-BG" sz="2600" dirty="0">
+                <a:latin typeface="Arial" panose="020B0604020202020204" pitchFamily="34" charset="0"/>
+                <a:cs typeface="Arial" panose="020B0604020202020204" pitchFamily="34" charset="0"/>
+              </a:rPr>
+              <a:t>:</a:t>
+            </a:r>
+          </a:p>
+          <a:p>
+            <a:pPr marL="457200" lvl="1" indent="0">
+              <a:buNone/>
+            </a:pPr>
+            <a:r>
+              <a:rPr lang="bg-BG" sz="1800" dirty="0">
+                <a:solidFill>
+                  <a:srgbClr val="A31515"/>
+                </a:solidFill>
+                <a:latin typeface="Cascadia Mono" panose="020B0609020000020004" pitchFamily="49" charset="0"/>
+              </a:rPr>
+              <a:t>2</a:t>
+            </a:r>
+          </a:p>
+          <a:p>
+            <a:pPr marL="457200" lvl="1" indent="0">
+              <a:buNone/>
+            </a:pPr>
+            <a:r>
+              <a:rPr lang="bg-BG" sz="1800" dirty="0">
+                <a:solidFill>
+                  <a:srgbClr val="A31515"/>
+                </a:solidFill>
+                <a:latin typeface="Cascadia Mono" panose="020B0609020000020004" pitchFamily="49" charset="0"/>
+              </a:rPr>
+              <a:t>4</a:t>
+            </a:r>
+          </a:p>
+          <a:p>
+            <a:pPr marL="457200" lvl="1" indent="0">
+              <a:buNone/>
+            </a:pPr>
+            <a:r>
+              <a:rPr lang="bg-BG" sz="1800" dirty="0">
+                <a:solidFill>
+                  <a:srgbClr val="A31515"/>
+                </a:solidFill>
+                <a:latin typeface="Cascadia Mono" panose="020B0609020000020004" pitchFamily="49" charset="0"/>
+              </a:rPr>
+              <a:t>6</a:t>
+            </a:r>
+            <a:r>
+              <a:rPr lang="en-US" sz="1800" dirty="0">
+                <a:solidFill>
+                  <a:srgbClr val="A31515"/>
+                </a:solidFill>
+                <a:latin typeface="Cascadia Mono" panose="020B0609020000020004" pitchFamily="49" charset="0"/>
+              </a:rPr>
+              <a:t> </a:t>
+            </a:r>
+            <a:endParaRPr lang="en-US" sz="1800" dirty="0">
+              <a:solidFill>
+                <a:schemeClr val="tx1"/>
+              </a:solidFill>
+              <a:latin typeface="Cascadia Mono" panose="020B0609020000020004" pitchFamily="49" charset="0"/>
+            </a:endParaRPr>
+          </a:p>
+          <a:p>
+            <a:pPr marL="457200" lvl="1" indent="0">
+              <a:buNone/>
+            </a:pPr>
+            <a:endParaRPr lang="en-US" sz="1800" dirty="0">
+              <a:solidFill>
+                <a:schemeClr val="tx1"/>
+              </a:solidFill>
+              <a:latin typeface="Cascadia Mono" panose="020B0609020000020004" pitchFamily="49" charset="0"/>
+            </a:endParaRPr>
+          </a:p>
+          <a:p>
+            <a:pPr marL="457200" lvl="1" indent="0">
+              <a:buNone/>
+            </a:pPr>
+            <a:endParaRPr lang="en-US" sz="1800" dirty="0">
+              <a:solidFill>
+                <a:schemeClr val="tx1"/>
+              </a:solidFill>
+              <a:latin typeface="Cascadia Mono" panose="020B0609020000020004" pitchFamily="49" charset="0"/>
+            </a:endParaRPr>
+          </a:p>
+          <a:p>
+            <a:pPr marL="457200" lvl="1" indent="0">
+              <a:buNone/>
+            </a:pPr>
+            <a:endParaRPr lang="en-US" sz="1800" dirty="0">
+              <a:solidFill>
+                <a:schemeClr val="tx1"/>
+              </a:solidFill>
+              <a:latin typeface="Cascadia Mono" panose="020B0609020000020004" pitchFamily="49" charset="0"/>
+            </a:endParaRPr>
+          </a:p>
+          <a:p>
+            <a:pPr marL="457200" lvl="1" indent="0">
+              <a:buNone/>
+            </a:pPr>
+            <a:endParaRPr lang="bg-BG" sz="1800" dirty="0">
+              <a:solidFill>
+                <a:srgbClr val="A31515"/>
+              </a:solidFill>
+              <a:latin typeface="Cascadia Mono" panose="020B0609020000020004" pitchFamily="49" charset="0"/>
+            </a:endParaRPr>
+          </a:p>
+        </p:txBody>
+      </p:sp>
+    </p:spTree>
+    <p:extLst>
+      <p:ext uri="{BB962C8B-B14F-4D97-AF65-F5344CB8AC3E}">
+        <p14:creationId xmlns:p14="http://schemas.microsoft.com/office/powerpoint/2010/main" val="1033659939"/>
+      </p:ext>
+    </p:extLst>
+  </p:cSld>
+  <p:clrMapOvr>
+    <a:masterClrMapping/>
+  </p:clrMapOvr>
+</p:sld>
+</file>
+
+<file path=ppt/slides/slide56.xml><?xml version="1.0" encoding="utf-8"?>
+<p:sld xmlns:a="http://schemas.openxmlformats.org/drawingml/2006/main" xmlns:r="http://schemas.openxmlformats.org/officeDocument/2006/relationships" xmlns:p="http://schemas.openxmlformats.org/presentationml/2006/main">
+  <p:cSld>
+    <p:spTree>
+      <p:nvGrpSpPr>
+        <p:cNvPr id="1" name=""/>
+        <p:cNvGrpSpPr/>
+        <p:nvPr/>
+      </p:nvGrpSpPr>
+      <p:grpSpPr>
+        <a:xfrm>
+          <a:off x="0" y="0"/>
+          <a:ext cx="0" cy="0"/>
+          <a:chOff x="0" y="0"/>
+          <a:chExt cx="0" cy="0"/>
+        </a:xfrm>
+      </p:grpSpPr>
+      <p:sp>
+        <p:nvSpPr>
+          <p:cNvPr id="2" name="Title 1">
+            <a:extLst>
+              <a:ext uri="{FF2B5EF4-FFF2-40B4-BE49-F238E27FC236}">
+                <a16:creationId xmlns:a16="http://schemas.microsoft.com/office/drawing/2014/main" id="{0D5226AE-1E9B-94E1-4DD1-A44A97BC0A33}"/>
+              </a:ext>
+            </a:extLst>
+          </p:cNvPr>
+          <p:cNvSpPr>
+            <a:spLocks noGrp="1"/>
+          </p:cNvSpPr>
+          <p:nvPr>
+            <p:ph type="title"/>
+          </p:nvPr>
+        </p:nvSpPr>
+        <p:spPr/>
+        <p:txBody>
+          <a:bodyPr/>
+          <a:lstStyle/>
+          <a:p>
+            <a:pPr algn="ctr"/>
+            <a:r>
+              <a:rPr lang="bg-BG" dirty="0">
+                <a:latin typeface="Arial" panose="020B0604020202020204" pitchFamily="34" charset="0"/>
+                <a:cs typeface="Arial" panose="020B0604020202020204" pitchFamily="34" charset="0"/>
+              </a:rPr>
+              <a:t>Задача </a:t>
+            </a:r>
+            <a:r>
+              <a:rPr lang="en-US" dirty="0">
+                <a:latin typeface="Arial" panose="020B0604020202020204" pitchFamily="34" charset="0"/>
+                <a:cs typeface="Arial" panose="020B0604020202020204" pitchFamily="34" charset="0"/>
+              </a:rPr>
+              <a:t>4</a:t>
+            </a:r>
+            <a:r>
+              <a:rPr lang="bg-BG" dirty="0">
+                <a:latin typeface="Arial" panose="020B0604020202020204" pitchFamily="34" charset="0"/>
+                <a:cs typeface="Arial" panose="020B0604020202020204" pitchFamily="34" charset="0"/>
+              </a:rPr>
+              <a:t>:</a:t>
+            </a:r>
+          </a:p>
+        </p:txBody>
+      </p:sp>
+      <p:sp>
+        <p:nvSpPr>
+          <p:cNvPr id="3" name="Content Placeholder 2">
+            <a:extLst>
+              <a:ext uri="{FF2B5EF4-FFF2-40B4-BE49-F238E27FC236}">
+                <a16:creationId xmlns:a16="http://schemas.microsoft.com/office/drawing/2014/main" id="{6F7386F1-3598-E2E7-96E9-E71EAE822B60}"/>
+              </a:ext>
+            </a:extLst>
+          </p:cNvPr>
+          <p:cNvSpPr>
+            <a:spLocks noGrp="1"/>
+          </p:cNvSpPr>
+          <p:nvPr>
+            <p:ph idx="1"/>
+          </p:nvPr>
+        </p:nvSpPr>
+        <p:spPr>
+          <a:xfrm>
+            <a:off x="1154954" y="2603499"/>
+            <a:ext cx="8825659" cy="4160994"/>
+          </a:xfrm>
+        </p:spPr>
+        <p:txBody>
+          <a:bodyPr>
+            <a:normAutofit/>
+          </a:bodyPr>
+          <a:lstStyle/>
+          <a:p>
+            <a:r>
+              <a:rPr lang="bg-BG" sz="2400" i="1" dirty="0">
+                <a:latin typeface="Arial" panose="020B0604020202020204" pitchFamily="34" charset="0"/>
+                <a:cs typeface="Arial" panose="020B0604020202020204" pitchFamily="34" charset="0"/>
+              </a:rPr>
+              <a:t>Да се направи програма, която по зададен символ, изобразява обърната пирамида (от съответния символ). Единственият вход е </a:t>
+            </a:r>
+            <a:r>
+              <a:rPr lang="en-US" sz="2400" b="1" i="1" dirty="0">
+                <a:latin typeface="Arial" panose="020B0604020202020204" pitchFamily="34" charset="0"/>
+                <a:cs typeface="Arial" panose="020B0604020202020204" pitchFamily="34" charset="0"/>
+              </a:rPr>
+              <a:t>char</a:t>
+            </a:r>
+            <a:r>
+              <a:rPr lang="bg-BG" sz="2400" i="1" dirty="0">
+                <a:latin typeface="Arial" panose="020B0604020202020204" pitchFamily="34" charset="0"/>
+                <a:cs typeface="Arial" panose="020B0604020202020204" pitchFamily="34" charset="0"/>
+              </a:rPr>
+              <a:t>, който представлява символът, който искаме да използваме при рисуването.</a:t>
+            </a:r>
+            <a:endParaRPr lang="en-US" sz="2400" i="1" dirty="0">
+              <a:latin typeface="Arial" panose="020B0604020202020204" pitchFamily="34" charset="0"/>
+              <a:cs typeface="Arial" panose="020B0604020202020204" pitchFamily="34" charset="0"/>
+            </a:endParaRPr>
+          </a:p>
+          <a:p>
+            <a:r>
+              <a:rPr lang="bg-BG" sz="2400" dirty="0">
+                <a:latin typeface="Arial" panose="020B0604020202020204" pitchFamily="34" charset="0"/>
+                <a:cs typeface="Arial" panose="020B0604020202020204" pitchFamily="34" charset="0"/>
+              </a:rPr>
+              <a:t>Изход от програмата</a:t>
+            </a:r>
+            <a:r>
+              <a:rPr lang="en-US" sz="2400" dirty="0">
+                <a:latin typeface="Arial" panose="020B0604020202020204" pitchFamily="34" charset="0"/>
+                <a:cs typeface="Arial" panose="020B0604020202020204" pitchFamily="34" charset="0"/>
+              </a:rPr>
+              <a:t>:</a:t>
+            </a:r>
+            <a:endParaRPr lang="bg-BG" sz="2400" dirty="0">
+              <a:latin typeface="Arial" panose="020B0604020202020204" pitchFamily="34" charset="0"/>
+              <a:cs typeface="Arial" panose="020B0604020202020204" pitchFamily="34" charset="0"/>
+            </a:endParaRPr>
+          </a:p>
+          <a:p>
+            <a:pPr marL="400050" lvl="1" indent="0">
+              <a:buNone/>
+            </a:pPr>
+            <a:r>
+              <a:rPr lang="bg-BG" sz="2400" b="1" i="1" u="sng" dirty="0">
+                <a:latin typeface="Arial" panose="020B0604020202020204" pitchFamily="34" charset="0"/>
+                <a:cs typeface="Arial" panose="020B0604020202020204" pitchFamily="34" charset="0"/>
+              </a:rPr>
+              <a:t>Пример</a:t>
+            </a:r>
+            <a:r>
+              <a:rPr lang="bg-BG" sz="2600" dirty="0">
+                <a:latin typeface="Arial" panose="020B0604020202020204" pitchFamily="34" charset="0"/>
+                <a:cs typeface="Arial" panose="020B0604020202020204" pitchFamily="34" charset="0"/>
+              </a:rPr>
+              <a:t>:</a:t>
+            </a:r>
+          </a:p>
+          <a:p>
+            <a:pPr marL="457200" lvl="1" indent="0">
+              <a:buNone/>
+            </a:pPr>
+            <a:endParaRPr lang="en-US" sz="1800" dirty="0">
+              <a:solidFill>
+                <a:schemeClr val="tx1"/>
+              </a:solidFill>
+              <a:latin typeface="Cascadia Mono" panose="020B0609020000020004" pitchFamily="49" charset="0"/>
+            </a:endParaRPr>
+          </a:p>
+          <a:p>
+            <a:pPr marL="457200" lvl="1" indent="0">
+              <a:buNone/>
+            </a:pPr>
+            <a:endParaRPr lang="en-US" sz="1800" dirty="0">
+              <a:solidFill>
+                <a:schemeClr val="tx1"/>
+              </a:solidFill>
+              <a:latin typeface="Cascadia Mono" panose="020B0609020000020004" pitchFamily="49" charset="0"/>
+            </a:endParaRPr>
+          </a:p>
+          <a:p>
+            <a:pPr marL="457200" lvl="1" indent="0">
+              <a:buNone/>
+            </a:pPr>
+            <a:endParaRPr lang="en-US" sz="1800" dirty="0">
+              <a:solidFill>
+                <a:schemeClr val="tx1"/>
+              </a:solidFill>
+              <a:latin typeface="Cascadia Mono" panose="020B0609020000020004" pitchFamily="49" charset="0"/>
+            </a:endParaRPr>
+          </a:p>
+          <a:p>
+            <a:pPr marL="457200" lvl="1" indent="0">
+              <a:buNone/>
+            </a:pPr>
+            <a:endParaRPr lang="bg-BG" sz="1800" dirty="0">
+              <a:solidFill>
+                <a:srgbClr val="A31515"/>
+              </a:solidFill>
+              <a:latin typeface="Cascadia Mono" panose="020B0609020000020004" pitchFamily="49" charset="0"/>
+            </a:endParaRPr>
+          </a:p>
+        </p:txBody>
+      </p:sp>
+      <p:pic>
+        <p:nvPicPr>
+          <p:cNvPr id="7" name="Picture 6" descr="A picture containing text&#10;&#10;Description automatically generated">
+            <a:extLst>
+              <a:ext uri="{FF2B5EF4-FFF2-40B4-BE49-F238E27FC236}">
+                <a16:creationId xmlns:a16="http://schemas.microsoft.com/office/drawing/2014/main" id="{E950EFED-1B3B-4BDC-CA46-37ED4E252661}"/>
+              </a:ext>
+            </a:extLst>
+          </p:cNvPr>
+          <p:cNvPicPr>
+            <a:picLocks noChangeAspect="1"/>
+          </p:cNvPicPr>
+          <p:nvPr/>
+        </p:nvPicPr>
+        <p:blipFill>
+          <a:blip r:embed="rId2">
+            <a:extLst>
+              <a:ext uri="{28A0092B-C50C-407E-A947-70E740481C1C}">
+                <a14:useLocalDpi xmlns:a14="http://schemas.microsoft.com/office/drawing/2010/main" val="0"/>
+              </a:ext>
+            </a:extLst>
+          </a:blip>
+          <a:stretch>
+            <a:fillRect/>
+          </a:stretch>
+        </p:blipFill>
+        <p:spPr>
+          <a:xfrm>
+            <a:off x="4878173" y="4333264"/>
+            <a:ext cx="1379220" cy="2263140"/>
+          </a:xfrm>
+          <a:prstGeom prst="rect">
+            <a:avLst/>
+          </a:prstGeom>
+        </p:spPr>
+      </p:pic>
+    </p:spTree>
+    <p:extLst>
+      <p:ext uri="{BB962C8B-B14F-4D97-AF65-F5344CB8AC3E}">
+        <p14:creationId xmlns:p14="http://schemas.microsoft.com/office/powerpoint/2010/main" val="3987513233"/>
+      </p:ext>
+    </p:extLst>
+  </p:cSld>
+  <p:clrMapOvr>
+    <a:masterClrMapping/>
+  </p:clrMapOvr>
+</p:sld>
+</file>
+
+<file path=ppt/slides/slide57.xml><?xml version="1.0" encoding="utf-8"?>
+<p:sld xmlns:a="http://schemas.openxmlformats.org/drawingml/2006/main" xmlns:r="http://schemas.openxmlformats.org/officeDocument/2006/relationships" xmlns:p="http://schemas.openxmlformats.org/presentationml/2006/main">
+  <p:cSld>
+    <p:spTree>
+      <p:nvGrpSpPr>
+        <p:cNvPr id="1" name=""/>
+        <p:cNvGrpSpPr/>
+        <p:nvPr/>
+      </p:nvGrpSpPr>
+      <p:grpSpPr>
+        <a:xfrm>
+          <a:off x="0" y="0"/>
+          <a:ext cx="0" cy="0"/>
+          <a:chOff x="0" y="0"/>
+          <a:chExt cx="0" cy="0"/>
+        </a:xfrm>
+      </p:grpSpPr>
+      <p:sp>
+        <p:nvSpPr>
+          <p:cNvPr id="2" name="Title 1">
+            <a:extLst>
+              <a:ext uri="{FF2B5EF4-FFF2-40B4-BE49-F238E27FC236}">
+                <a16:creationId xmlns:a16="http://schemas.microsoft.com/office/drawing/2014/main" id="{0D5226AE-1E9B-94E1-4DD1-A44A97BC0A33}"/>
+              </a:ext>
+            </a:extLst>
+          </p:cNvPr>
+          <p:cNvSpPr>
+            <a:spLocks noGrp="1"/>
+          </p:cNvSpPr>
+          <p:nvPr>
+            <p:ph type="title"/>
+          </p:nvPr>
+        </p:nvSpPr>
+        <p:spPr/>
+        <p:txBody>
+          <a:bodyPr/>
+          <a:lstStyle/>
+          <a:p>
+            <a:pPr algn="ctr"/>
+            <a:r>
+              <a:rPr lang="bg-BG" dirty="0">
+                <a:latin typeface="Arial" panose="020B0604020202020204" pitchFamily="34" charset="0"/>
+                <a:cs typeface="Arial" panose="020B0604020202020204" pitchFamily="34" charset="0"/>
+              </a:rPr>
+              <a:t>Задача </a:t>
+            </a:r>
+            <a:r>
+              <a:rPr lang="en-US" dirty="0">
+                <a:latin typeface="Arial" panose="020B0604020202020204" pitchFamily="34" charset="0"/>
+                <a:cs typeface="Arial" panose="020B0604020202020204" pitchFamily="34" charset="0"/>
+              </a:rPr>
+              <a:t>5</a:t>
+            </a:r>
+            <a:r>
+              <a:rPr lang="bg-BG" dirty="0">
+                <a:latin typeface="Arial" panose="020B0604020202020204" pitchFamily="34" charset="0"/>
+                <a:cs typeface="Arial" panose="020B0604020202020204" pitchFamily="34" charset="0"/>
+              </a:rPr>
+              <a:t>:</a:t>
+            </a:r>
+          </a:p>
+        </p:txBody>
+      </p:sp>
+      <p:sp>
+        <p:nvSpPr>
+          <p:cNvPr id="3" name="Content Placeholder 2">
+            <a:extLst>
+              <a:ext uri="{FF2B5EF4-FFF2-40B4-BE49-F238E27FC236}">
+                <a16:creationId xmlns:a16="http://schemas.microsoft.com/office/drawing/2014/main" id="{6F7386F1-3598-E2E7-96E9-E71EAE822B60}"/>
+              </a:ext>
+            </a:extLst>
+          </p:cNvPr>
+          <p:cNvSpPr>
+            <a:spLocks noGrp="1"/>
+          </p:cNvSpPr>
+          <p:nvPr>
+            <p:ph idx="1"/>
+          </p:nvPr>
+        </p:nvSpPr>
+        <p:spPr>
+          <a:xfrm>
+            <a:off x="1154954" y="2603499"/>
+            <a:ext cx="8825659" cy="4064719"/>
+          </a:xfrm>
+        </p:spPr>
+        <p:txBody>
+          <a:bodyPr>
+            <a:normAutofit/>
+          </a:bodyPr>
+          <a:lstStyle/>
+          <a:p>
+            <a:r>
+              <a:rPr lang="bg-BG" sz="2400" i="1" dirty="0">
+                <a:latin typeface="Arial" panose="020B0604020202020204" pitchFamily="34" charset="0"/>
+                <a:cs typeface="Arial" panose="020B0604020202020204" pitchFamily="34" charset="0"/>
+              </a:rPr>
+              <a:t>Да се направи програма, която по зададен символ рисува правоъгълник от съответния символ. Трябва да се изгради меню, което да включва 5 опции. В зависимост от опцията (1 до 5) фигурата ще бъде различна.:</a:t>
+            </a:r>
+          </a:p>
+          <a:p>
+            <a:pPr marL="400050" lvl="1" indent="0">
+              <a:buNone/>
+            </a:pPr>
+            <a:r>
+              <a:rPr lang="bg-BG" sz="2400" b="1" i="1" u="sng" dirty="0">
+                <a:latin typeface="Arial" panose="020B0604020202020204" pitchFamily="34" charset="0"/>
+                <a:cs typeface="Arial" panose="020B0604020202020204" pitchFamily="34" charset="0"/>
+              </a:rPr>
+              <a:t>Пример</a:t>
+            </a:r>
+            <a:r>
+              <a:rPr lang="bg-BG" sz="2600" dirty="0">
+                <a:latin typeface="Arial" panose="020B0604020202020204" pitchFamily="34" charset="0"/>
+                <a:cs typeface="Arial" panose="020B0604020202020204" pitchFamily="34" charset="0"/>
+              </a:rPr>
+              <a:t>:  </a:t>
+            </a:r>
+          </a:p>
+          <a:p>
+            <a:pPr marL="400050" lvl="1" indent="0">
+              <a:buNone/>
+            </a:pPr>
+            <a:r>
+              <a:rPr lang="bg-BG" sz="2600" dirty="0">
+                <a:latin typeface="Arial" panose="020B0604020202020204" pitchFamily="34" charset="0"/>
+                <a:cs typeface="Arial" panose="020B0604020202020204" pitchFamily="34" charset="0"/>
+              </a:rPr>
+              <a:t>1.При символ </a:t>
+            </a:r>
+            <a:r>
+              <a:rPr lang="bg-BG" sz="2600" b="1" dirty="0">
+                <a:latin typeface="Arial" panose="020B0604020202020204" pitchFamily="34" charset="0"/>
+                <a:cs typeface="Arial" panose="020B0604020202020204" pitchFamily="34" charset="0"/>
+              </a:rPr>
+              <a:t>*</a:t>
+            </a:r>
+            <a:r>
+              <a:rPr lang="bg-BG" sz="2600" dirty="0">
+                <a:latin typeface="Arial" panose="020B0604020202020204" pitchFamily="34" charset="0"/>
+                <a:cs typeface="Arial" panose="020B0604020202020204" pitchFamily="34" charset="0"/>
+              </a:rPr>
+              <a:t> и опция </a:t>
+            </a:r>
+            <a:r>
+              <a:rPr lang="bg-BG" sz="2600" b="1" dirty="0">
+                <a:latin typeface="Arial" panose="020B0604020202020204" pitchFamily="34" charset="0"/>
+                <a:cs typeface="Arial" panose="020B0604020202020204" pitchFamily="34" charset="0"/>
+              </a:rPr>
+              <a:t>5</a:t>
+            </a:r>
+            <a:r>
+              <a:rPr lang="bg-BG" sz="2600" dirty="0">
+                <a:latin typeface="Arial" panose="020B0604020202020204" pitchFamily="34" charset="0"/>
+                <a:cs typeface="Arial" panose="020B0604020202020204" pitchFamily="34" charset="0"/>
+              </a:rPr>
+              <a:t>   2. При символ </a:t>
+            </a:r>
+            <a:r>
+              <a:rPr lang="en-US" sz="2600" b="1" dirty="0">
+                <a:latin typeface="Arial" panose="020B0604020202020204" pitchFamily="34" charset="0"/>
+                <a:cs typeface="Arial" panose="020B0604020202020204" pitchFamily="34" charset="0"/>
+              </a:rPr>
+              <a:t>&amp;</a:t>
+            </a:r>
+            <a:r>
+              <a:rPr lang="bg-BG" sz="2600" dirty="0">
+                <a:latin typeface="Arial" panose="020B0604020202020204" pitchFamily="34" charset="0"/>
+                <a:cs typeface="Arial" panose="020B0604020202020204" pitchFamily="34" charset="0"/>
+              </a:rPr>
+              <a:t> и опция </a:t>
+            </a:r>
+            <a:r>
+              <a:rPr lang="bg-BG" sz="2600" b="1" dirty="0">
+                <a:latin typeface="Arial" panose="020B0604020202020204" pitchFamily="34" charset="0"/>
+                <a:cs typeface="Arial" panose="020B0604020202020204" pitchFamily="34" charset="0"/>
+              </a:rPr>
+              <a:t>3</a:t>
+            </a:r>
+            <a:r>
+              <a:rPr lang="bg-BG" sz="2600" dirty="0">
+                <a:latin typeface="Arial" panose="020B0604020202020204" pitchFamily="34" charset="0"/>
+                <a:cs typeface="Arial" panose="020B0604020202020204" pitchFamily="34" charset="0"/>
+              </a:rPr>
+              <a:t> </a:t>
+            </a:r>
+          </a:p>
+          <a:p>
+            <a:pPr marL="400050" lvl="1" indent="0">
+              <a:buNone/>
+            </a:pPr>
+            <a:endParaRPr lang="bg-BG" sz="2600" dirty="0">
+              <a:latin typeface="Arial" panose="020B0604020202020204" pitchFamily="34" charset="0"/>
+              <a:cs typeface="Arial" panose="020B0604020202020204" pitchFamily="34" charset="0"/>
+            </a:endParaRPr>
+          </a:p>
+          <a:p>
+            <a:pPr marL="400050" lvl="1" indent="0">
+              <a:buNone/>
+            </a:pPr>
+            <a:endParaRPr lang="bg-BG" sz="2600" dirty="0">
+              <a:latin typeface="Arial" panose="020B0604020202020204" pitchFamily="34" charset="0"/>
+              <a:cs typeface="Arial" panose="020B0604020202020204" pitchFamily="34" charset="0"/>
+            </a:endParaRPr>
+          </a:p>
+          <a:p>
+            <a:pPr marL="457200" lvl="1" indent="0">
+              <a:buNone/>
+            </a:pPr>
+            <a:endParaRPr lang="bg-BG" sz="1800" dirty="0">
+              <a:solidFill>
+                <a:srgbClr val="A31515"/>
+              </a:solidFill>
+              <a:latin typeface="Cascadia Mono" panose="020B0609020000020004" pitchFamily="49" charset="0"/>
+            </a:endParaRPr>
+          </a:p>
+          <a:p>
+            <a:pPr marL="457200" lvl="1" indent="0">
+              <a:buNone/>
+            </a:pPr>
+            <a:endParaRPr lang="en-US" sz="1800" dirty="0">
+              <a:solidFill>
+                <a:schemeClr val="tx1"/>
+              </a:solidFill>
+              <a:latin typeface="Cascadia Mono" panose="020B0609020000020004" pitchFamily="49" charset="0"/>
+            </a:endParaRPr>
+          </a:p>
+          <a:p>
+            <a:pPr marL="457200" lvl="1" indent="0">
+              <a:buNone/>
+            </a:pPr>
+            <a:endParaRPr lang="en-US" sz="1800" dirty="0">
+              <a:solidFill>
+                <a:schemeClr val="tx1"/>
+              </a:solidFill>
+              <a:latin typeface="Cascadia Mono" panose="020B0609020000020004" pitchFamily="49" charset="0"/>
+            </a:endParaRPr>
+          </a:p>
+          <a:p>
+            <a:pPr marL="457200" lvl="1" indent="0">
+              <a:buNone/>
+            </a:pPr>
+            <a:endParaRPr lang="en-US" sz="1800" dirty="0">
+              <a:solidFill>
+                <a:schemeClr val="tx1"/>
+              </a:solidFill>
+              <a:latin typeface="Cascadia Mono" panose="020B0609020000020004" pitchFamily="49" charset="0"/>
+            </a:endParaRPr>
+          </a:p>
+          <a:p>
+            <a:pPr marL="457200" lvl="1" indent="0">
+              <a:buNone/>
+            </a:pPr>
+            <a:endParaRPr lang="bg-BG" sz="1800" dirty="0">
+              <a:solidFill>
+                <a:srgbClr val="A31515"/>
+              </a:solidFill>
+              <a:latin typeface="Cascadia Mono" panose="020B0609020000020004" pitchFamily="49" charset="0"/>
+            </a:endParaRPr>
+          </a:p>
+        </p:txBody>
+      </p:sp>
+      <p:pic>
+        <p:nvPicPr>
+          <p:cNvPr id="5" name="Picture 4" descr="Chart, scatter chart&#10;&#10;Description automatically generated">
+            <a:extLst>
+              <a:ext uri="{FF2B5EF4-FFF2-40B4-BE49-F238E27FC236}">
+                <a16:creationId xmlns:a16="http://schemas.microsoft.com/office/drawing/2014/main" id="{6490DF52-E175-D832-3AE6-703C5AF4008C}"/>
+              </a:ext>
+            </a:extLst>
+          </p:cNvPr>
+          <p:cNvPicPr>
+            <a:picLocks noChangeAspect="1"/>
+          </p:cNvPicPr>
+          <p:nvPr/>
+        </p:nvPicPr>
+        <p:blipFill>
+          <a:blip r:embed="rId2">
+            <a:extLst>
+              <a:ext uri="{28A0092B-C50C-407E-A947-70E740481C1C}">
+                <a14:useLocalDpi xmlns:a14="http://schemas.microsoft.com/office/drawing/2010/main" val="0"/>
+              </a:ext>
+            </a:extLst>
+          </a:blip>
+          <a:stretch>
+            <a:fillRect/>
+          </a:stretch>
+        </p:blipFill>
+        <p:spPr>
+          <a:xfrm>
+            <a:off x="1978957" y="5665581"/>
+            <a:ext cx="464860" cy="754445"/>
+          </a:xfrm>
+          <a:prstGeom prst="rect">
+            <a:avLst/>
+          </a:prstGeom>
+        </p:spPr>
+      </p:pic>
+      <p:pic>
+        <p:nvPicPr>
+          <p:cNvPr id="7" name="Picture 6">
+            <a:extLst>
+              <a:ext uri="{FF2B5EF4-FFF2-40B4-BE49-F238E27FC236}">
+                <a16:creationId xmlns:a16="http://schemas.microsoft.com/office/drawing/2014/main" id="{D8EDD0EE-787C-BD0A-78EA-9D3D458C1DFF}"/>
+              </a:ext>
+            </a:extLst>
+          </p:cNvPr>
+          <p:cNvPicPr>
+            <a:picLocks noChangeAspect="1"/>
+          </p:cNvPicPr>
+          <p:nvPr/>
+        </p:nvPicPr>
+        <p:blipFill>
+          <a:blip r:embed="rId3">
+            <a:extLst>
+              <a:ext uri="{28A0092B-C50C-407E-A947-70E740481C1C}">
+                <a14:useLocalDpi xmlns:a14="http://schemas.microsoft.com/office/drawing/2010/main" val="0"/>
+              </a:ext>
+            </a:extLst>
+          </a:blip>
+          <a:stretch>
+            <a:fillRect/>
+          </a:stretch>
+        </p:blipFill>
+        <p:spPr>
+          <a:xfrm>
+            <a:off x="7186795" y="5727571"/>
+            <a:ext cx="469083" cy="692455"/>
+          </a:xfrm>
+          <a:prstGeom prst="rect">
+            <a:avLst/>
+          </a:prstGeom>
+        </p:spPr>
+      </p:pic>
+    </p:spTree>
+    <p:extLst>
+      <p:ext uri="{BB962C8B-B14F-4D97-AF65-F5344CB8AC3E}">
+        <p14:creationId xmlns:p14="http://schemas.microsoft.com/office/powerpoint/2010/main" val="3585618132"/>
+      </p:ext>
+    </p:extLst>
+  </p:cSld>
+  <p:clrMapOvr>
+    <a:masterClrMapping/>
+  </p:clrMapOvr>
+</p:sld>
+</file>
+
+<file path=ppt/slides/slide58.xml><?xml version="1.0" encoding="utf-8"?>
+<p:sld xmlns:a="http://schemas.openxmlformats.org/drawingml/2006/main" xmlns:r="http://schemas.openxmlformats.org/officeDocument/2006/relationships" xmlns:p="http://schemas.openxmlformats.org/presentationml/2006/main">
+  <p:cSld>
+    <p:spTree>
+      <p:nvGrpSpPr>
+        <p:cNvPr id="1" name=""/>
+        <p:cNvGrpSpPr/>
+        <p:nvPr/>
+      </p:nvGrpSpPr>
+      <p:grpSpPr>
+        <a:xfrm>
+          <a:off x="0" y="0"/>
+          <a:ext cx="0" cy="0"/>
+          <a:chOff x="0" y="0"/>
+          <a:chExt cx="0" cy="0"/>
+        </a:xfrm>
+      </p:grpSpPr>
+      <p:sp>
+        <p:nvSpPr>
+          <p:cNvPr id="2" name="Title 1">
+            <a:extLst>
+              <a:ext uri="{FF2B5EF4-FFF2-40B4-BE49-F238E27FC236}">
+                <a16:creationId xmlns:a16="http://schemas.microsoft.com/office/drawing/2014/main" id="{0D5226AE-1E9B-94E1-4DD1-A44A97BC0A33}"/>
+              </a:ext>
+            </a:extLst>
+          </p:cNvPr>
+          <p:cNvSpPr>
+            <a:spLocks noGrp="1"/>
+          </p:cNvSpPr>
+          <p:nvPr>
+            <p:ph type="title"/>
+          </p:nvPr>
+        </p:nvSpPr>
+        <p:spPr/>
+        <p:txBody>
+          <a:bodyPr/>
+          <a:lstStyle/>
+          <a:p>
+            <a:pPr algn="ctr"/>
+            <a:r>
+              <a:rPr lang="bg-BG" dirty="0">
+                <a:latin typeface="Arial" panose="020B0604020202020204" pitchFamily="34" charset="0"/>
+                <a:cs typeface="Arial" panose="020B0604020202020204" pitchFamily="34" charset="0"/>
+              </a:rPr>
+              <a:t>Задача </a:t>
+            </a:r>
+            <a:r>
+              <a:rPr lang="en-US" dirty="0">
+                <a:latin typeface="Arial" panose="020B0604020202020204" pitchFamily="34" charset="0"/>
+                <a:cs typeface="Arial" panose="020B0604020202020204" pitchFamily="34" charset="0"/>
+              </a:rPr>
+              <a:t>5 /</a:t>
+            </a:r>
+            <a:r>
+              <a:rPr lang="bg-BG" dirty="0">
+                <a:latin typeface="Arial" panose="020B0604020202020204" pitchFamily="34" charset="0"/>
+                <a:cs typeface="Arial" panose="020B0604020202020204" pitchFamily="34" charset="0"/>
+              </a:rPr>
+              <a:t>продължение</a:t>
+            </a:r>
+            <a:r>
+              <a:rPr lang="en-US" dirty="0">
+                <a:latin typeface="Arial" panose="020B0604020202020204" pitchFamily="34" charset="0"/>
+                <a:cs typeface="Arial" panose="020B0604020202020204" pitchFamily="34" charset="0"/>
+              </a:rPr>
+              <a:t>/</a:t>
+            </a:r>
+            <a:r>
+              <a:rPr lang="bg-BG" dirty="0">
+                <a:latin typeface="Arial" panose="020B0604020202020204" pitchFamily="34" charset="0"/>
+                <a:cs typeface="Arial" panose="020B0604020202020204" pitchFamily="34" charset="0"/>
+              </a:rPr>
+              <a:t>:</a:t>
+            </a:r>
+          </a:p>
+        </p:txBody>
+      </p:sp>
+      <p:sp>
+        <p:nvSpPr>
+          <p:cNvPr id="3" name="Content Placeholder 2">
+            <a:extLst>
+              <a:ext uri="{FF2B5EF4-FFF2-40B4-BE49-F238E27FC236}">
+                <a16:creationId xmlns:a16="http://schemas.microsoft.com/office/drawing/2014/main" id="{6F7386F1-3598-E2E7-96E9-E71EAE822B60}"/>
+              </a:ext>
+            </a:extLst>
+          </p:cNvPr>
+          <p:cNvSpPr>
+            <a:spLocks noGrp="1"/>
+          </p:cNvSpPr>
+          <p:nvPr>
+            <p:ph idx="1"/>
+          </p:nvPr>
+        </p:nvSpPr>
+        <p:spPr>
+          <a:xfrm>
+            <a:off x="1154954" y="2379213"/>
+            <a:ext cx="8825659" cy="3505119"/>
+          </a:xfrm>
+        </p:spPr>
+        <p:txBody>
+          <a:bodyPr>
+            <a:normAutofit/>
+          </a:bodyPr>
+          <a:lstStyle/>
+          <a:p>
+            <a:r>
+              <a:rPr lang="bg-BG" sz="2400" i="1" dirty="0">
+                <a:latin typeface="Arial" panose="020B0604020202020204" pitchFamily="34" charset="0"/>
+                <a:cs typeface="Arial" panose="020B0604020202020204" pitchFamily="34" charset="0"/>
+              </a:rPr>
+              <a:t>Символът в началото се въвежда докато не е коректен. Коректните символи са: </a:t>
+            </a:r>
+            <a:r>
+              <a:rPr lang="en-US" sz="2400" b="1" i="1" dirty="0">
+                <a:latin typeface="Arial" panose="020B0604020202020204" pitchFamily="34" charset="0"/>
+                <a:cs typeface="Arial" panose="020B0604020202020204" pitchFamily="34" charset="0"/>
+              </a:rPr>
+              <a:t>*</a:t>
+            </a:r>
+            <a:r>
+              <a:rPr lang="en-US" sz="2400" i="1" dirty="0">
+                <a:latin typeface="Arial" panose="020B0604020202020204" pitchFamily="34" charset="0"/>
+                <a:cs typeface="Arial" panose="020B0604020202020204" pitchFamily="34" charset="0"/>
+              </a:rPr>
+              <a:t>, </a:t>
+            </a:r>
+            <a:r>
+              <a:rPr lang="en-US" sz="2400" b="1" i="1" dirty="0">
+                <a:latin typeface="Arial" panose="020B0604020202020204" pitchFamily="34" charset="0"/>
+                <a:cs typeface="Arial" panose="020B0604020202020204" pitchFamily="34" charset="0"/>
+              </a:rPr>
+              <a:t>&amp;</a:t>
+            </a:r>
+            <a:r>
+              <a:rPr lang="bg-BG" sz="2400" i="1" dirty="0">
+                <a:latin typeface="Arial" panose="020B0604020202020204" pitchFamily="34" charset="0"/>
+                <a:cs typeface="Arial" panose="020B0604020202020204" pitchFamily="34" charset="0"/>
+              </a:rPr>
+              <a:t>,</a:t>
+            </a:r>
+            <a:r>
+              <a:rPr lang="en-US" sz="2400" i="1" dirty="0">
+                <a:latin typeface="Arial" panose="020B0604020202020204" pitchFamily="34" charset="0"/>
+                <a:cs typeface="Arial" panose="020B0604020202020204" pitchFamily="34" charset="0"/>
+              </a:rPr>
+              <a:t> </a:t>
+            </a:r>
+            <a:r>
+              <a:rPr lang="en-US" sz="2400" b="1" i="1" dirty="0">
+                <a:latin typeface="Arial" panose="020B0604020202020204" pitchFamily="34" charset="0"/>
+                <a:cs typeface="Arial" panose="020B0604020202020204" pitchFamily="34" charset="0"/>
+              </a:rPr>
+              <a:t>%</a:t>
+            </a:r>
+            <a:r>
+              <a:rPr lang="en-US" sz="2400" i="1" dirty="0">
+                <a:latin typeface="Arial" panose="020B0604020202020204" pitchFamily="34" charset="0"/>
+                <a:cs typeface="Arial" panose="020B0604020202020204" pitchFamily="34" charset="0"/>
+              </a:rPr>
+              <a:t>, </a:t>
+            </a:r>
+            <a:r>
+              <a:rPr lang="en-US" sz="2400" b="1" i="1" dirty="0">
+                <a:latin typeface="Arial" panose="020B0604020202020204" pitchFamily="34" charset="0"/>
+                <a:cs typeface="Arial" panose="020B0604020202020204" pitchFamily="34" charset="0"/>
+              </a:rPr>
+              <a:t>#</a:t>
+            </a:r>
+            <a:r>
+              <a:rPr lang="bg-BG" sz="2400" i="1" dirty="0">
+                <a:latin typeface="Arial" panose="020B0604020202020204" pitchFamily="34" charset="0"/>
+                <a:cs typeface="Arial" panose="020B0604020202020204" pitchFamily="34" charset="0"/>
+              </a:rPr>
+              <a:t>. В случай на невалиден символ на екрана трябва да се появи съобщение, че символът е невалиден и да се опита отново.</a:t>
+            </a:r>
+            <a:r>
+              <a:rPr lang="en-US" sz="2400" i="1" dirty="0">
+                <a:latin typeface="Arial" panose="020B0604020202020204" pitchFamily="34" charset="0"/>
+                <a:cs typeface="Arial" panose="020B0604020202020204" pitchFamily="34" charset="0"/>
+              </a:rPr>
+              <a:t> </a:t>
+            </a:r>
+            <a:r>
+              <a:rPr lang="bg-BG" sz="2400" i="1" dirty="0">
+                <a:latin typeface="Arial" panose="020B0604020202020204" pitchFamily="34" charset="0"/>
+                <a:cs typeface="Arial" panose="020B0604020202020204" pitchFamily="34" charset="0"/>
+              </a:rPr>
+              <a:t>След като символът бъде въведен и се окаже правилен, то трябва да се покаже менюто и  да се изчака за избор на опция от потребителя. Опциите са 5. Няма изисквания как да изглежда менюто, просто да е удобно за потребителя.</a:t>
+            </a:r>
+          </a:p>
+          <a:p>
+            <a:pPr marL="400050" lvl="1" indent="0">
+              <a:buNone/>
+            </a:pPr>
+            <a:endParaRPr lang="bg-BG" sz="2600" dirty="0">
+              <a:latin typeface="Arial" panose="020B0604020202020204" pitchFamily="34" charset="0"/>
+              <a:cs typeface="Arial" panose="020B0604020202020204" pitchFamily="34" charset="0"/>
+            </a:endParaRPr>
+          </a:p>
+          <a:p>
+            <a:pPr marL="400050" lvl="1" indent="0">
+              <a:buNone/>
+            </a:pPr>
+            <a:endParaRPr lang="bg-BG" sz="2600" dirty="0">
+              <a:latin typeface="Arial" panose="020B0604020202020204" pitchFamily="34" charset="0"/>
+              <a:cs typeface="Arial" panose="020B0604020202020204" pitchFamily="34" charset="0"/>
+            </a:endParaRPr>
+          </a:p>
+          <a:p>
+            <a:pPr marL="457200" lvl="1" indent="0">
+              <a:buNone/>
+            </a:pPr>
+            <a:endParaRPr lang="bg-BG" sz="1800" dirty="0">
+              <a:solidFill>
+                <a:srgbClr val="A31515"/>
+              </a:solidFill>
+              <a:latin typeface="Cascadia Mono" panose="020B0609020000020004" pitchFamily="49" charset="0"/>
+            </a:endParaRPr>
+          </a:p>
+          <a:p>
+            <a:pPr marL="457200" lvl="1" indent="0">
+              <a:buNone/>
+            </a:pPr>
+            <a:endParaRPr lang="en-US" sz="1800" dirty="0">
+              <a:solidFill>
+                <a:schemeClr val="tx1"/>
+              </a:solidFill>
+              <a:latin typeface="Cascadia Mono" panose="020B0609020000020004" pitchFamily="49" charset="0"/>
+            </a:endParaRPr>
+          </a:p>
+          <a:p>
+            <a:pPr marL="457200" lvl="1" indent="0">
+              <a:buNone/>
+            </a:pPr>
+            <a:endParaRPr lang="en-US" sz="1800" dirty="0">
+              <a:solidFill>
+                <a:schemeClr val="tx1"/>
+              </a:solidFill>
+              <a:latin typeface="Cascadia Mono" panose="020B0609020000020004" pitchFamily="49" charset="0"/>
+            </a:endParaRPr>
+          </a:p>
+          <a:p>
+            <a:pPr marL="457200" lvl="1" indent="0">
+              <a:buNone/>
+            </a:pPr>
+            <a:endParaRPr lang="en-US" sz="1800" dirty="0">
+              <a:solidFill>
+                <a:schemeClr val="tx1"/>
+              </a:solidFill>
+              <a:latin typeface="Cascadia Mono" panose="020B0609020000020004" pitchFamily="49" charset="0"/>
+            </a:endParaRPr>
+          </a:p>
+          <a:p>
+            <a:pPr marL="457200" lvl="1" indent="0">
+              <a:buNone/>
+            </a:pPr>
+            <a:endParaRPr lang="bg-BG" sz="1800" dirty="0">
+              <a:solidFill>
+                <a:srgbClr val="A31515"/>
+              </a:solidFill>
+              <a:latin typeface="Cascadia Mono" panose="020B0609020000020004" pitchFamily="49" charset="0"/>
+            </a:endParaRPr>
+          </a:p>
+        </p:txBody>
+      </p:sp>
+    </p:spTree>
+    <p:extLst>
+      <p:ext uri="{BB962C8B-B14F-4D97-AF65-F5344CB8AC3E}">
+        <p14:creationId xmlns:p14="http://schemas.microsoft.com/office/powerpoint/2010/main" val="801558278"/>
+      </p:ext>
+    </p:extLst>
+  </p:cSld>
+  <p:clrMapOvr>
+    <a:masterClrMapping/>
+  </p:clrMapOvr>
+</p:sld>
+</file>
+
 <file path=ppt/slides/slide6.xml><?xml version="1.0" encoding="utf-8"?>
 <p:sld xmlns:a="http://schemas.openxmlformats.org/drawingml/2006/main" xmlns:r="http://schemas.openxmlformats.org/officeDocument/2006/relationships" xmlns:p="http://schemas.openxmlformats.org/presentationml/2006/main">
   <p:cSld>

--- a/C# Basics.pptx
+++ b/C# Basics.pptx
@@ -254,7 +254,7 @@
           <a:p>
             <a:fld id="{068E3771-71AF-4AE2-9E86-BE935DBF2B0E}" type="datetimeFigureOut">
               <a:rPr lang="en-US" smtClean="0"/>
-              <a:t>11/8/2022</a:t>
+              <a:t>11/9/2022</a:t>
             </a:fld>
             <a:endParaRPr lang="en-US"/>
           </a:p>
@@ -856,7 +856,7 @@
           <a:p>
             <a:fld id="{C0A3DACC-474D-44ED-8DF0-6B6BA2CE3243}" type="datetimeFigureOut">
               <a:rPr lang="en-US" smtClean="0"/>
-              <a:t>11/8/2022</a:t>
+              <a:t>11/9/2022</a:t>
             </a:fld>
             <a:endParaRPr lang="en-US"/>
           </a:p>
@@ -1944,7 +1944,7 @@
           <a:p>
             <a:fld id="{C0A3DACC-474D-44ED-8DF0-6B6BA2CE3243}" type="datetimeFigureOut">
               <a:rPr lang="en-US" smtClean="0"/>
-              <a:t>11/8/2022</a:t>
+              <a:t>11/9/2022</a:t>
             </a:fld>
             <a:endParaRPr lang="en-US"/>
           </a:p>
@@ -2924,7 +2924,7 @@
           <a:p>
             <a:fld id="{C0A3DACC-474D-44ED-8DF0-6B6BA2CE3243}" type="datetimeFigureOut">
               <a:rPr lang="en-US" smtClean="0"/>
-              <a:t>11/8/2022</a:t>
+              <a:t>11/9/2022</a:t>
             </a:fld>
             <a:endParaRPr lang="en-US"/>
           </a:p>
@@ -4058,7 +4058,7 @@
           <a:p>
             <a:fld id="{C0A3DACC-474D-44ED-8DF0-6B6BA2CE3243}" type="datetimeFigureOut">
               <a:rPr lang="en-US" smtClean="0"/>
-              <a:t>11/8/2022</a:t>
+              <a:t>11/9/2022</a:t>
             </a:fld>
             <a:endParaRPr lang="en-US"/>
           </a:p>
@@ -5091,7 +5091,7 @@
           <a:p>
             <a:fld id="{C0A3DACC-474D-44ED-8DF0-6B6BA2CE3243}" type="datetimeFigureOut">
               <a:rPr lang="en-US" smtClean="0"/>
-              <a:t>11/8/2022</a:t>
+              <a:t>11/9/2022</a:t>
             </a:fld>
             <a:endParaRPr lang="en-US"/>
           </a:p>
@@ -5751,7 +5751,7 @@
           <a:p>
             <a:fld id="{C0A3DACC-474D-44ED-8DF0-6B6BA2CE3243}" type="datetimeFigureOut">
               <a:rPr lang="en-US" smtClean="0"/>
-              <a:t>11/8/2022</a:t>
+              <a:t>11/9/2022</a:t>
             </a:fld>
             <a:endParaRPr lang="en-US"/>
           </a:p>
@@ -6612,7 +6612,7 @@
           <a:p>
             <a:fld id="{C0A3DACC-474D-44ED-8DF0-6B6BA2CE3243}" type="datetimeFigureOut">
               <a:rPr lang="en-US" smtClean="0"/>
-              <a:t>11/8/2022</a:t>
+              <a:t>11/9/2022</a:t>
             </a:fld>
             <a:endParaRPr lang="en-US"/>
           </a:p>
@@ -6802,7 +6802,7 @@
           <a:p>
             <a:fld id="{C0A3DACC-474D-44ED-8DF0-6B6BA2CE3243}" type="datetimeFigureOut">
               <a:rPr lang="en-US" smtClean="0"/>
-              <a:t>11/8/2022</a:t>
+              <a:t>11/9/2022</a:t>
             </a:fld>
             <a:endParaRPr lang="en-US"/>
           </a:p>
@@ -7774,7 +7774,7 @@
           <a:p>
             <a:fld id="{C0A3DACC-474D-44ED-8DF0-6B6BA2CE3243}" type="datetimeFigureOut">
               <a:rPr lang="en-US" smtClean="0"/>
-              <a:t>11/8/2022</a:t>
+              <a:t>11/9/2022</a:t>
             </a:fld>
             <a:endParaRPr lang="en-US"/>
           </a:p>
@@ -7985,7 +7985,7 @@
           <a:p>
             <a:fld id="{C0A3DACC-474D-44ED-8DF0-6B6BA2CE3243}" type="datetimeFigureOut">
               <a:rPr lang="en-US" smtClean="0"/>
-              <a:t>11/8/2022</a:t>
+              <a:t>11/9/2022</a:t>
             </a:fld>
             <a:endParaRPr lang="en-US"/>
           </a:p>
@@ -9019,7 +9019,7 @@
           <a:p>
             <a:fld id="{C0A3DACC-474D-44ED-8DF0-6B6BA2CE3243}" type="datetimeFigureOut">
               <a:rPr lang="en-US" smtClean="0"/>
-              <a:t>11/8/2022</a:t>
+              <a:t>11/9/2022</a:t>
             </a:fld>
             <a:endParaRPr lang="en-US"/>
           </a:p>
@@ -9291,7 +9291,7 @@
           <a:p>
             <a:fld id="{C0A3DACC-474D-44ED-8DF0-6B6BA2CE3243}" type="datetimeFigureOut">
               <a:rPr lang="en-US" smtClean="0"/>
-              <a:t>11/8/2022</a:t>
+              <a:t>11/9/2022</a:t>
             </a:fld>
             <a:endParaRPr lang="en-US"/>
           </a:p>
@@ -9701,7 +9701,7 @@
           <a:p>
             <a:fld id="{C0A3DACC-474D-44ED-8DF0-6B6BA2CE3243}" type="datetimeFigureOut">
               <a:rPr lang="en-US" smtClean="0"/>
-              <a:t>11/8/2022</a:t>
+              <a:t>11/9/2022</a:t>
             </a:fld>
             <a:endParaRPr lang="en-US"/>
           </a:p>
@@ -9828,7 +9828,7 @@
           <a:p>
             <a:fld id="{C0A3DACC-474D-44ED-8DF0-6B6BA2CE3243}" type="datetimeFigureOut">
               <a:rPr lang="en-US" smtClean="0"/>
-              <a:t>11/8/2022</a:t>
+              <a:t>11/9/2022</a:t>
             </a:fld>
             <a:endParaRPr lang="en-US"/>
           </a:p>
@@ -9923,7 +9923,7 @@
           <a:p>
             <a:fld id="{C0A3DACC-474D-44ED-8DF0-6B6BA2CE3243}" type="datetimeFigureOut">
               <a:rPr lang="en-US" smtClean="0"/>
-              <a:t>11/8/2022</a:t>
+              <a:t>11/9/2022</a:t>
             </a:fld>
             <a:endParaRPr lang="en-US"/>
           </a:p>
@@ -11004,7 +11004,7 @@
           <a:p>
             <a:fld id="{C0A3DACC-474D-44ED-8DF0-6B6BA2CE3243}" type="datetimeFigureOut">
               <a:rPr lang="en-US" smtClean="0"/>
-              <a:t>11/8/2022</a:t>
+              <a:t>11/9/2022</a:t>
             </a:fld>
             <a:endParaRPr lang="en-US"/>
           </a:p>
@@ -12112,7 +12112,7 @@
           <a:p>
             <a:fld id="{C0A3DACC-474D-44ED-8DF0-6B6BA2CE3243}" type="datetimeFigureOut">
               <a:rPr lang="en-US" smtClean="0"/>
-              <a:t>11/8/2022</a:t>
+              <a:t>11/9/2022</a:t>
             </a:fld>
             <a:endParaRPr lang="en-US"/>
           </a:p>
@@ -13109,7 +13109,7 @@
           <a:p>
             <a:fld id="{C0A3DACC-474D-44ED-8DF0-6B6BA2CE3243}" type="datetimeFigureOut">
               <a:rPr lang="en-US" smtClean="0"/>
-              <a:t>11/8/2022</a:t>
+              <a:t>11/9/2022</a:t>
             </a:fld>
             <a:endParaRPr lang="en-US"/>
           </a:p>
@@ -26601,7 +26601,7 @@
         <p:spPr/>
         <p:txBody>
           <a:bodyPr>
-            <a:normAutofit lnSpcReduction="10000"/>
+            <a:normAutofit fontScale="92500" lnSpcReduction="20000"/>
           </a:bodyPr>
           <a:lstStyle/>
           <a:p>
@@ -26619,7 +26619,7 @@
                 <a:latin typeface="Arial" panose="020B0604020202020204" pitchFamily="34" charset="0"/>
                 <a:cs typeface="Arial" panose="020B0604020202020204" pitchFamily="34" charset="0"/>
               </a:rPr>
-              <a:t>Изходът от програмата трябва да изглежда така:</a:t>
+              <a:t>Изходът от програмата трябва да е форматиран до два знака след запетаята и да изглежда така:</a:t>
             </a:r>
           </a:p>
           <a:p>
@@ -26661,14 +26661,17 @@
                 </a:solidFill>
                 <a:latin typeface="Cascadia Mono" panose="020B0609020000020004" pitchFamily="49" charset="0"/>
               </a:rPr>
-              <a:t> 25.0</a:t>
-            </a:r>
-            <a:endParaRPr lang="en-US" sz="1800" dirty="0">
-              <a:solidFill>
-                <a:srgbClr val="A31515"/>
-              </a:solidFill>
-              <a:latin typeface="Cascadia Mono" panose="020B0609020000020004" pitchFamily="49" charset="0"/>
-            </a:endParaRPr>
+              <a:t> 25.</a:t>
+            </a:r>
+            <a:r>
+              <a:rPr lang="en-US" sz="1800" dirty="0">
+                <a:solidFill>
+                  <a:srgbClr val="A31515"/>
+                </a:solidFill>
+                <a:latin typeface="Cascadia Mono" panose="020B0609020000020004" pitchFamily="49" charset="0"/>
+              </a:rPr>
+              <a:t>12</a:t>
+            </a:r>
           </a:p>
           <a:p>
             <a:pPr marL="457200" lvl="1" indent="0">
@@ -26726,14 +26729,44 @@
               <a:t>Math</a:t>
             </a:r>
             <a:r>
-              <a:rPr lang="en-US" sz="2400" dirty="0">
+              <a:rPr lang="bg-BG" sz="2400" b="1" dirty="0">
                 <a:solidFill>
                   <a:schemeClr val="tx1"/>
                 </a:solidFill>
                 <a:latin typeface="Arial" panose="020B0604020202020204" pitchFamily="34" charset="0"/>
                 <a:cs typeface="Arial" panose="020B0604020202020204" pitchFamily="34" charset="0"/>
               </a:rPr>
-              <a:t>.</a:t>
+              <a:t> </a:t>
+            </a:r>
+            <a:r>
+              <a:rPr lang="bg-BG" sz="2400" dirty="0">
+                <a:solidFill>
+                  <a:schemeClr val="tx1"/>
+                </a:solidFill>
+                <a:latin typeface="Arial" panose="020B0604020202020204" pitchFamily="34" charset="0"/>
+                <a:cs typeface="Arial" panose="020B0604020202020204" pitchFamily="34" charset="0"/>
+              </a:rPr>
+              <a:t>и методът</a:t>
+            </a:r>
+            <a:r>
+              <a:rPr lang="bg-BG" sz="2400" b="1" dirty="0">
+                <a:solidFill>
+                  <a:schemeClr val="tx1"/>
+                </a:solidFill>
+                <a:latin typeface="Arial" panose="020B0604020202020204" pitchFamily="34" charset="0"/>
+                <a:cs typeface="Arial" panose="020B0604020202020204" pitchFamily="34" charset="0"/>
+              </a:rPr>
+              <a:t> </a:t>
+            </a:r>
+            <a:r>
+              <a:rPr lang="en-US" sz="2400" b="1" dirty="0">
+                <a:solidFill>
+                  <a:schemeClr val="tx1"/>
+                </a:solidFill>
+                <a:latin typeface="Arial" panose="020B0604020202020204" pitchFamily="34" charset="0"/>
+                <a:cs typeface="Arial" panose="020B0604020202020204" pitchFamily="34" charset="0"/>
+              </a:rPr>
+              <a:t>Pow</a:t>
             </a:r>
             <a:endParaRPr lang="bg-BG" sz="2400" dirty="0">
               <a:solidFill>
